--- a/docs/Mad-Mints.pptx
+++ b/docs/Mad-Mints.pptx
@@ -6537,10 +6537,7 @@
                     </a:lnR>
                     <a:lnT w="12700" cap="flat" cmpd="sng" algn="ctr">
                       <a:solidFill>
-                        <a:schemeClr val="tx1">
-                          <a:lumMod val="50000"/>
-                          <a:lumOff val="50000"/>
-                        </a:schemeClr>
+                        <a:schemeClr val="tx1"/>
                       </a:solidFill>
                       <a:prstDash val="solid"/>
                       <a:round/>
@@ -10000,19 +9997,14 @@
           <a:bodyPr/>
           <a:lstStyle/>
           <a:p>
-            <a:r>
-              <a:rPr kumimoji="1" lang="en-US" altLang="ja-JP" dirty="0"/>
-              <a:t>We are expect talking like "Hey, should I use Mad Mints or Standard for Minting System?" </a:t>
-            </a:r>
-            <a:r>
-              <a:rPr lang="en-US" altLang="ja-JP" dirty="0"/>
-              <a:t>at</a:t>
-            </a:r>
-            <a:r>
-              <a:rPr kumimoji="1" lang="en-US" altLang="ja-JP" dirty="0"/>
-              <a:t> your team.</a:t>
-            </a:r>
-            <a:endParaRPr kumimoji="1" lang="ja-JP" altLang="en-US"/>
+            <a:pPr algn="l"/>
+            <a:r>
+              <a:rPr lang="en-US" altLang="ja-JP" b="0" i="0" dirty="0">
+                <a:effectLst/>
+                <a:latin typeface="Söhne"/>
+              </a:rPr>
+              <a:t>We expect discussions like, "Hey, should we use Mad Mints or Standard for our Minting System?" within your team.</a:t>
+            </a:r>
           </a:p>
         </p:txBody>
       </p:sp>

--- a/docs/Mad-Mints.pptx
+++ b/docs/Mad-Mints.pptx
@@ -5,17 +5,18 @@
     <p:sldMasterId id="2147483672" r:id="rId1"/>
   </p:sldMasterIdLst>
   <p:notesMasterIdLst>
-    <p:notesMasterId r:id="rId10"/>
+    <p:notesMasterId r:id="rId11"/>
   </p:notesMasterIdLst>
   <p:sldIdLst>
     <p:sldId id="321" r:id="rId2"/>
-    <p:sldId id="322" r:id="rId3"/>
-    <p:sldId id="328" r:id="rId4"/>
-    <p:sldId id="323" r:id="rId5"/>
-    <p:sldId id="325" r:id="rId6"/>
-    <p:sldId id="329" r:id="rId7"/>
-    <p:sldId id="326" r:id="rId8"/>
-    <p:sldId id="327" r:id="rId9"/>
+    <p:sldId id="331" r:id="rId3"/>
+    <p:sldId id="330" r:id="rId4"/>
+    <p:sldId id="328" r:id="rId5"/>
+    <p:sldId id="323" r:id="rId6"/>
+    <p:sldId id="325" r:id="rId7"/>
+    <p:sldId id="329" r:id="rId8"/>
+    <p:sldId id="326" r:id="rId9"/>
+    <p:sldId id="327" r:id="rId10"/>
   </p:sldIdLst>
   <p:sldSz cx="12192000" cy="6858000"/>
   <p:notesSz cx="6858000" cy="9144000"/>
@@ -204,7 +205,7 @@
           <a:p>
             <a:fld id="{0E3AE901-84B3-3248-AD12-BEDA7F301CE3}" type="datetimeFigureOut">
               <a:rPr kumimoji="1" lang="ja-JP" altLang="en-US" smtClean="0"/>
-              <a:t>2023/5/21</a:t>
+              <a:t>2023/5/24</a:t>
             </a:fld>
             <a:endParaRPr kumimoji="1" lang="ja-JP" altLang="en-US"/>
           </a:p>
@@ -659,7 +660,7 @@
           <a:p>
             <a:fld id="{E3F90748-6578-AC42-962A-9F4B1F5FBFAD}" type="datetime1">
               <a:rPr kumimoji="1" lang="ja-JP" altLang="en-US" smtClean="0"/>
-              <a:t>2023/5/21</a:t>
+              <a:t>2023/5/24</a:t>
             </a:fld>
             <a:endParaRPr kumimoji="1" lang="ja-JP" altLang="en-US"/>
           </a:p>
@@ -904,7 +905,7 @@
           <a:p>
             <a:fld id="{BE6DFB40-8C3F-A944-983D-65243E3E0DC7}" type="datetime1">
               <a:rPr kumimoji="1" lang="ja-JP" altLang="en-US" smtClean="0"/>
-              <a:t>2023/5/21</a:t>
+              <a:t>2023/5/24</a:t>
             </a:fld>
             <a:endParaRPr kumimoji="1" lang="ja-JP" altLang="en-US"/>
           </a:p>
@@ -1144,7 +1145,7 @@
           <a:p>
             <a:fld id="{631B2AF4-14FC-314E-A304-69D6AC20AFC1}" type="datetime1">
               <a:rPr kumimoji="1" lang="ja-JP" altLang="en-US" smtClean="0"/>
-              <a:t>2023/5/21</a:t>
+              <a:t>2023/5/24</a:t>
             </a:fld>
             <a:endParaRPr kumimoji="1" lang="ja-JP" altLang="en-US"/>
           </a:p>
@@ -1413,7 +1414,7 @@
             <a:fld id="{73EFA7FA-4B80-324E-84D1-8F8384F1BA5D}" type="datetime1">
               <a:rPr kumimoji="1" lang="ja-JP" altLang="en-US" smtClean="0"/>
               <a:pPr/>
-              <a:t>2023/5/21</a:t>
+              <a:t>2023/5/24</a:t>
             </a:fld>
             <a:endParaRPr kumimoji="1" lang="ja-JP" altLang="en-US"/>
           </a:p>
@@ -1740,7 +1741,7 @@
           <a:p>
             <a:fld id="{D2E220AC-C2A7-024E-ACAB-4DB6052A376C}" type="datetime1">
               <a:rPr kumimoji="1" lang="ja-JP" altLang="en-US" smtClean="0"/>
-              <a:t>2023/5/21</a:t>
+              <a:t>2023/5/24</a:t>
             </a:fld>
             <a:endParaRPr kumimoji="1" lang="ja-JP" altLang="en-US"/>
           </a:p>
@@ -2064,7 +2065,7 @@
           <a:p>
             <a:fld id="{CC48FC5F-5874-5040-B9D3-0BB86491154B}" type="datetime1">
               <a:rPr kumimoji="1" lang="ja-JP" altLang="en-US" smtClean="0"/>
-              <a:t>2023/5/21</a:t>
+              <a:t>2023/5/24</a:t>
             </a:fld>
             <a:endParaRPr kumimoji="1" lang="ja-JP" altLang="en-US"/>
           </a:p>
@@ -2523,7 +2524,7 @@
           <a:p>
             <a:fld id="{667059AF-CDDF-A545-B437-20B256967FD9}" type="datetime1">
               <a:rPr kumimoji="1" lang="ja-JP" altLang="en-US" smtClean="0"/>
-              <a:t>2023/5/21</a:t>
+              <a:t>2023/5/24</a:t>
             </a:fld>
             <a:endParaRPr kumimoji="1" lang="ja-JP" altLang="en-US"/>
           </a:p>
@@ -2669,7 +2670,7 @@
           <a:p>
             <a:fld id="{15B6534E-A8F6-864C-985B-4DB3D4538E40}" type="datetime1">
               <a:rPr kumimoji="1" lang="ja-JP" altLang="en-US" smtClean="0"/>
-              <a:t>2023/5/21</a:t>
+              <a:t>2023/5/24</a:t>
             </a:fld>
             <a:endParaRPr kumimoji="1" lang="ja-JP" altLang="en-US"/>
           </a:p>
@@ -2792,7 +2793,7 @@
           <a:p>
             <a:fld id="{D63D519C-9325-DD4F-A5F6-0AFD37CE8635}" type="datetime1">
               <a:rPr kumimoji="1" lang="ja-JP" altLang="en-US" smtClean="0"/>
-              <a:t>2023/5/21</a:t>
+              <a:t>2023/5/24</a:t>
             </a:fld>
             <a:endParaRPr kumimoji="1" lang="ja-JP" altLang="en-US"/>
           </a:p>
@@ -3129,7 +3130,7 @@
           <a:p>
             <a:fld id="{5503B069-C866-8C47-A1B1-6AEF053A8792}" type="datetime1">
               <a:rPr kumimoji="1" lang="ja-JP" altLang="en-US" smtClean="0"/>
-              <a:t>2023/5/21</a:t>
+              <a:t>2023/5/24</a:t>
             </a:fld>
             <a:endParaRPr kumimoji="1" lang="ja-JP" altLang="en-US"/>
           </a:p>
@@ -3414,7 +3415,7 @@
           <a:p>
             <a:fld id="{C183513C-F2F4-B940-8F47-6502D3E9B9CA}" type="datetime1">
               <a:rPr kumimoji="1" lang="ja-JP" altLang="en-US" smtClean="0"/>
-              <a:t>2023/5/21</a:t>
+              <a:t>2023/5/24</a:t>
             </a:fld>
             <a:endParaRPr kumimoji="1" lang="ja-JP" altLang="en-US"/>
           </a:p>
@@ -3618,7 +3619,7 @@
             <a:fld id="{E55A93C3-7990-6040-9FF9-3C243F65B473}" type="datetime1">
               <a:rPr kumimoji="1" lang="ja-JP" altLang="en-US" smtClean="0"/>
               <a:pPr/>
-              <a:t>2023/5/21</a:t>
+              <a:t>2023/5/24</a:t>
             </a:fld>
             <a:endParaRPr kumimoji="1" lang="ja-JP" altLang="en-US"/>
           </a:p>
@@ -4089,19 +4090,8 @@
             <a:r>
               <a:rPr lang="en-US" altLang="ja-JP" b="0" i="0" dirty="0">
                 <a:effectLst/>
-                <a:latin typeface="Söhne"/>
               </a:rPr>
-              <a:t>Improves the speed of (minting) transactions. With this approach, you'll be able to handle high demand and experience incredible UX. </a:t>
-            </a:r>
-            <a:r>
-              <a:rPr lang="en-US" altLang="ja-JP" b="0" i="0" dirty="0">
-                <a:solidFill>
-                  <a:srgbClr val="374151"/>
-                </a:solidFill>
-                <a:effectLst/>
-                <a:latin typeface="Söhne"/>
-              </a:rPr>
-              <a:t>We call "Mad Mints".</a:t>
+              <a:t>Improves the speed of (minting) transactions. With this approach, you'll be able to handle high demand and experience incredible UX. We call "Mad Mints".</a:t>
             </a:r>
             <a:endParaRPr lang="en-US" altLang="ja-JP" dirty="0"/>
           </a:p>
@@ -4258,10 +4248,10 @@
       </p:sp>
       <p:sp>
         <p:nvSpPr>
-          <p:cNvPr id="8" name="テキスト ボックス 7">
+          <p:cNvPr id="9" name="テキスト ボックス 8">
             <a:extLst>
               <a:ext uri="{FF2B5EF4-FFF2-40B4-BE49-F238E27FC236}">
-                <a16:creationId xmlns:a16="http://schemas.microsoft.com/office/drawing/2014/main" id="{A25532C1-ADF8-CDCA-828C-822BB3B2B17E}"/>
+                <a16:creationId xmlns:a16="http://schemas.microsoft.com/office/drawing/2014/main" id="{09BE8E27-07D8-E689-C904-D49F5FDC32CF}"/>
               </a:ext>
             </a:extLst>
           </p:cNvPr>
@@ -4270,8 +4260,8 @@
         </p:nvSpPr>
         <p:spPr>
           <a:xfrm>
-            <a:off x="11075670" y="9225"/>
-            <a:ext cx="1093469" cy="315912"/>
+            <a:off x="10729139" y="9225"/>
+            <a:ext cx="1443600" cy="315912"/>
           </a:xfrm>
           <a:prstGeom prst="rect">
             <a:avLst/>
@@ -4287,7 +4277,7 @@
             <a:pPr algn="r"/>
             <a:r>
               <a:rPr kumimoji="1" lang="en-US" altLang="ja-JP" sz="1200" dirty="0"/>
-              <a:t>May 21 2023</a:t>
+              <a:t>JST May 21 2023</a:t>
             </a:r>
             <a:endParaRPr kumimoji="1" lang="ja-JP" altLang="en-US" sz="1200" dirty="0"/>
           </a:p>
@@ -4441,10 +4431,47 @@
       </p:sp>
       <p:sp>
         <p:nvSpPr>
-          <p:cNvPr id="7" name="正方形/長方形 6">
+          <p:cNvPr id="13" name="テキスト ボックス 12">
             <a:extLst>
               <a:ext uri="{FF2B5EF4-FFF2-40B4-BE49-F238E27FC236}">
-                <a16:creationId xmlns:a16="http://schemas.microsoft.com/office/drawing/2014/main" id="{767048F8-01FD-9E57-548C-78B4B247A90D}"/>
+                <a16:creationId xmlns:a16="http://schemas.microsoft.com/office/drawing/2014/main" id="{0C34F366-1306-898E-B737-19EC06070ADE}"/>
+              </a:ext>
+            </a:extLst>
+          </p:cNvPr>
+          <p:cNvSpPr txBox="1"/>
+          <p:nvPr/>
+        </p:nvSpPr>
+        <p:spPr>
+          <a:xfrm>
+            <a:off x="10729139" y="9225"/>
+            <a:ext cx="1443600" cy="315912"/>
+          </a:xfrm>
+          <a:prstGeom prst="rect">
+            <a:avLst/>
+          </a:prstGeom>
+          <a:noFill/>
+        </p:spPr>
+        <p:txBody>
+          <a:bodyPr wrap="square" rtlCol="0">
+            <a:noAutofit/>
+          </a:bodyPr>
+          <a:lstStyle/>
+          <a:p>
+            <a:pPr algn="r"/>
+            <a:r>
+              <a:rPr kumimoji="1" lang="en-US" altLang="ja-JP" sz="1200" dirty="0"/>
+              <a:t>JST May 24 2023</a:t>
+            </a:r>
+            <a:endParaRPr kumimoji="1" lang="ja-JP" altLang="en-US" sz="1200" dirty="0"/>
+          </a:p>
+        </p:txBody>
+      </p:sp>
+      <p:sp>
+        <p:nvSpPr>
+          <p:cNvPr id="6" name="ホームベース 5">
+            <a:extLst>
+              <a:ext uri="{FF2B5EF4-FFF2-40B4-BE49-F238E27FC236}">
+                <a16:creationId xmlns:a16="http://schemas.microsoft.com/office/drawing/2014/main" id="{B3DD2489-BC0D-A1F6-D0EA-26A5087A328F}"/>
               </a:ext>
             </a:extLst>
           </p:cNvPr>
@@ -4453,10 +4480,10 @@
         </p:nvSpPr>
         <p:spPr>
           <a:xfrm>
-            <a:off x="838200" y="1679845"/>
-            <a:ext cx="1790700" cy="1463405"/>
-          </a:xfrm>
-          <a:prstGeom prst="rect">
+            <a:off x="838200" y="1527717"/>
+            <a:ext cx="3505200" cy="601886"/>
+          </a:xfrm>
+          <a:prstGeom prst="homePlate">
             <a:avLst/>
           </a:prstGeom>
           <a:solidFill>
@@ -4500,14 +4527,6 @@
           </a:p>
           <a:p>
             <a:pPr algn="ctr"/>
-            <a:endParaRPr kumimoji="1" lang="en-US" altLang="ja-JP" sz="1600" dirty="0">
-              <a:solidFill>
-                <a:schemeClr val="bg1"/>
-              </a:solidFill>
-            </a:endParaRPr>
-          </a:p>
-          <a:p>
-            <a:pPr algn="ctr"/>
             <a:r>
               <a:rPr kumimoji="1" lang="en-US" altLang="ja-JP" sz="1600" dirty="0">
                 <a:solidFill>
@@ -4526,10 +4545,10 @@
       </p:sp>
       <p:sp>
         <p:nvSpPr>
-          <p:cNvPr id="8" name="正方形/長方形 7">
+          <p:cNvPr id="14" name="ホームベース 13">
             <a:extLst>
               <a:ext uri="{FF2B5EF4-FFF2-40B4-BE49-F238E27FC236}">
-                <a16:creationId xmlns:a16="http://schemas.microsoft.com/office/drawing/2014/main" id="{DFFE8BB1-0F86-ADC0-5061-4E145D885B3D}"/>
+                <a16:creationId xmlns:a16="http://schemas.microsoft.com/office/drawing/2014/main" id="{2385A740-B2DC-2CA0-7D6E-48562EC4207E}"/>
               </a:ext>
             </a:extLst>
           </p:cNvPr>
@@ -4538,10 +4557,10 @@
         </p:nvSpPr>
         <p:spPr>
           <a:xfrm>
-            <a:off x="838200" y="3257184"/>
-            <a:ext cx="1790700" cy="1463405"/>
-          </a:xfrm>
-          <a:prstGeom prst="rect">
+            <a:off x="4343400" y="1527717"/>
+            <a:ext cx="3505200" cy="601886"/>
+          </a:xfrm>
+          <a:prstGeom prst="homePlate">
             <a:avLst/>
           </a:prstGeom>
           <a:solidFill>
@@ -4585,14 +4604,6 @@
           </a:p>
           <a:p>
             <a:pPr algn="ctr"/>
-            <a:endParaRPr kumimoji="1" lang="en-US" altLang="ja-JP" sz="1600" dirty="0">
-              <a:solidFill>
-                <a:schemeClr val="bg1"/>
-              </a:solidFill>
-            </a:endParaRPr>
-          </a:p>
-          <a:p>
-            <a:pPr algn="ctr"/>
             <a:r>
               <a:rPr kumimoji="1" lang="en-US" altLang="ja-JP" sz="1600" dirty="0">
                 <a:solidFill>
@@ -4611,10 +4622,10 @@
       </p:sp>
       <p:sp>
         <p:nvSpPr>
-          <p:cNvPr id="9" name="正方形/長方形 8">
+          <p:cNvPr id="15" name="ホームベース 14">
             <a:extLst>
               <a:ext uri="{FF2B5EF4-FFF2-40B4-BE49-F238E27FC236}">
-                <a16:creationId xmlns:a16="http://schemas.microsoft.com/office/drawing/2014/main" id="{6795A813-D0F8-918D-6706-EC65F7B1416D}"/>
+                <a16:creationId xmlns:a16="http://schemas.microsoft.com/office/drawing/2014/main" id="{5860DA7C-967E-A5F6-B286-21B421468316}"/>
               </a:ext>
             </a:extLst>
           </p:cNvPr>
@@ -4623,10 +4634,10 @@
         </p:nvSpPr>
         <p:spPr>
           <a:xfrm>
-            <a:off x="838200" y="4834525"/>
-            <a:ext cx="1790700" cy="1463405"/>
-          </a:xfrm>
-          <a:prstGeom prst="rect">
+            <a:off x="7848600" y="1527717"/>
+            <a:ext cx="3505200" cy="601886"/>
+          </a:xfrm>
+          <a:prstGeom prst="homePlate">
             <a:avLst/>
           </a:prstGeom>
           <a:solidFill>
@@ -4670,14 +4681,6 @@
           </a:p>
           <a:p>
             <a:pPr algn="ctr"/>
-            <a:endParaRPr kumimoji="1" lang="en-US" altLang="ja-JP" sz="1600" dirty="0">
-              <a:solidFill>
-                <a:schemeClr val="bg1"/>
-              </a:solidFill>
-            </a:endParaRPr>
-          </a:p>
-          <a:p>
-            <a:pPr algn="ctr"/>
             <a:r>
               <a:rPr kumimoji="1" lang="en-US" altLang="ja-JP" sz="1600" dirty="0">
                 <a:solidFill>
@@ -4696,10 +4699,10 @@
       </p:sp>
       <p:sp>
         <p:nvSpPr>
-          <p:cNvPr id="10" name="テキスト ボックス 9">
+          <p:cNvPr id="16" name="テキスト ボックス 15">
             <a:extLst>
               <a:ext uri="{FF2B5EF4-FFF2-40B4-BE49-F238E27FC236}">
-                <a16:creationId xmlns:a16="http://schemas.microsoft.com/office/drawing/2014/main" id="{43F8A5BD-122D-7763-3559-31996DF521D3}"/>
+                <a16:creationId xmlns:a16="http://schemas.microsoft.com/office/drawing/2014/main" id="{408D44C3-C555-1F15-37BB-3635FA265A6B}"/>
               </a:ext>
             </a:extLst>
           </p:cNvPr>
@@ -4708,8 +4711,8 @@
         </p:nvSpPr>
         <p:spPr>
           <a:xfrm>
-            <a:off x="2754630" y="1679845"/>
-            <a:ext cx="8599170" cy="1463405"/>
+            <a:off x="838200" y="2326384"/>
+            <a:ext cx="3505200" cy="3590609"/>
           </a:xfrm>
           <a:prstGeom prst="rect">
             <a:avLst/>
@@ -4717,7 +4720,7 @@
           <a:noFill/>
         </p:spPr>
         <p:txBody>
-          <a:bodyPr wrap="square" rtlCol="0" anchor="ctr">
+          <a:bodyPr wrap="square" rtlCol="0" anchor="t">
             <a:noAutofit/>
           </a:bodyPr>
           <a:lstStyle/>
@@ -4765,10 +4768,10 @@
       </p:sp>
       <p:sp>
         <p:nvSpPr>
-          <p:cNvPr id="11" name="テキスト ボックス 10">
+          <p:cNvPr id="17" name="テキスト ボックス 16">
             <a:extLst>
               <a:ext uri="{FF2B5EF4-FFF2-40B4-BE49-F238E27FC236}">
-                <a16:creationId xmlns:a16="http://schemas.microsoft.com/office/drawing/2014/main" id="{5E092B04-16D3-1AA1-90B7-7C4AB3283BFF}"/>
+                <a16:creationId xmlns:a16="http://schemas.microsoft.com/office/drawing/2014/main" id="{FCD50912-0B57-CC3D-887F-3CCAE4D41651}"/>
               </a:ext>
             </a:extLst>
           </p:cNvPr>
@@ -4777,8 +4780,8 @@
         </p:nvSpPr>
         <p:spPr>
           <a:xfrm>
-            <a:off x="2754630" y="3257184"/>
-            <a:ext cx="8599170" cy="1463405"/>
+            <a:off x="4343400" y="2326384"/>
+            <a:ext cx="3505200" cy="3590609"/>
           </a:xfrm>
           <a:prstGeom prst="rect">
             <a:avLst/>
@@ -4786,7 +4789,7 @@
           <a:noFill/>
         </p:spPr>
         <p:txBody>
-          <a:bodyPr wrap="square" rtlCol="0" anchor="ctr">
+          <a:bodyPr wrap="square" rtlCol="0" anchor="t">
             <a:noAutofit/>
           </a:bodyPr>
           <a:lstStyle/>
@@ -4800,10 +4803,10 @@
       </p:sp>
       <p:sp>
         <p:nvSpPr>
-          <p:cNvPr id="12" name="テキスト ボックス 11">
+          <p:cNvPr id="18" name="テキスト ボックス 17">
             <a:extLst>
               <a:ext uri="{FF2B5EF4-FFF2-40B4-BE49-F238E27FC236}">
-                <a16:creationId xmlns:a16="http://schemas.microsoft.com/office/drawing/2014/main" id="{67D367DB-94FD-6EF7-1DFF-B36F83EEE2B4}"/>
+                <a16:creationId xmlns:a16="http://schemas.microsoft.com/office/drawing/2014/main" id="{4E6F4383-7381-70C6-4D7F-F7D448F16E5C}"/>
               </a:ext>
             </a:extLst>
           </p:cNvPr>
@@ -4812,8 +4815,8 @@
         </p:nvSpPr>
         <p:spPr>
           <a:xfrm>
-            <a:off x="2754630" y="4834524"/>
-            <a:ext cx="8599170" cy="1463405"/>
+            <a:off x="7848600" y="2326385"/>
+            <a:ext cx="3505200" cy="3590608"/>
           </a:xfrm>
           <a:prstGeom prst="rect">
             <a:avLst/>
@@ -4821,7 +4824,7 @@
           <a:noFill/>
         </p:spPr>
         <p:txBody>
-          <a:bodyPr wrap="square" rtlCol="0" anchor="ctr">
+          <a:bodyPr wrap="square" rtlCol="0" anchor="t">
             <a:noAutofit/>
           </a:bodyPr>
           <a:lstStyle/>
@@ -4830,50 +4833,13 @@
               <a:rPr kumimoji="1" lang="en-US" altLang="ja-JP" sz="1600" dirty="0"/>
               <a:t>Asynchronously process the queue one by one: Process the transaction queue asynchronously, meaning you handle each transaction one by one. This allows you to manage the order in which transactions are processed. You won't move on to the next transaction until the current one has completed all its processing steps.</a:t>
             </a:r>
-          </a:p>
-        </p:txBody>
-      </p:sp>
-      <p:sp>
-        <p:nvSpPr>
-          <p:cNvPr id="13" name="テキスト ボックス 12">
-            <a:extLst>
-              <a:ext uri="{FF2B5EF4-FFF2-40B4-BE49-F238E27FC236}">
-                <a16:creationId xmlns:a16="http://schemas.microsoft.com/office/drawing/2014/main" id="{0C34F366-1306-898E-B737-19EC06070ADE}"/>
-              </a:ext>
-            </a:extLst>
-          </p:cNvPr>
-          <p:cNvSpPr txBox="1"/>
-          <p:nvPr/>
-        </p:nvSpPr>
-        <p:spPr>
-          <a:xfrm>
-            <a:off x="11075670" y="9225"/>
-            <a:ext cx="1093469" cy="315912"/>
-          </a:xfrm>
-          <a:prstGeom prst="rect">
-            <a:avLst/>
-          </a:prstGeom>
-          <a:noFill/>
-        </p:spPr>
-        <p:txBody>
-          <a:bodyPr wrap="square" rtlCol="0">
-            <a:noAutofit/>
-          </a:bodyPr>
-          <a:lstStyle/>
-          <a:p>
-            <a:pPr algn="r"/>
-            <a:r>
-              <a:rPr kumimoji="1" lang="en-US" altLang="ja-JP" sz="1200" dirty="0"/>
-              <a:t>May 21 2023</a:t>
-            </a:r>
-            <a:endParaRPr kumimoji="1" lang="ja-JP" altLang="en-US" sz="1200" dirty="0"/>
           </a:p>
         </p:txBody>
       </p:sp>
     </p:spTree>
     <p:extLst>
       <p:ext uri="{BB962C8B-B14F-4D97-AF65-F5344CB8AC3E}">
-        <p14:creationId xmlns:p14="http://schemas.microsoft.com/office/powerpoint/2010/main" val="4149320014"/>
+        <p14:creationId xmlns:p14="http://schemas.microsoft.com/office/powerpoint/2010/main" val="139111541"/>
       </p:ext>
     </p:extLst>
   </p:cSld>
@@ -4905,6 +4871,2168 @@
           <p:cNvPr id="2" name="タイトル 1">
             <a:extLst>
               <a:ext uri="{FF2B5EF4-FFF2-40B4-BE49-F238E27FC236}">
+                <a16:creationId xmlns:a16="http://schemas.microsoft.com/office/drawing/2014/main" id="{C204EA40-C6DA-2654-B57A-4176C239DF67}"/>
+              </a:ext>
+            </a:extLst>
+          </p:cNvPr>
+          <p:cNvSpPr>
+            <a:spLocks noGrp="1"/>
+          </p:cNvSpPr>
+          <p:nvPr>
+            <p:ph type="title"/>
+          </p:nvPr>
+        </p:nvSpPr>
+        <p:spPr/>
+        <p:txBody>
+          <a:bodyPr/>
+          <a:lstStyle/>
+          <a:p>
+            <a:r>
+              <a:rPr kumimoji="1" lang="en-US" altLang="ja-JP" dirty="0"/>
+              <a:t>Process Overview</a:t>
+            </a:r>
+            <a:endParaRPr kumimoji="1" lang="ja-JP" altLang="en-US"/>
+          </a:p>
+        </p:txBody>
+      </p:sp>
+      <p:sp>
+        <p:nvSpPr>
+          <p:cNvPr id="3" name="コンテンツ プレースホルダー 2">
+            <a:extLst>
+              <a:ext uri="{FF2B5EF4-FFF2-40B4-BE49-F238E27FC236}">
+                <a16:creationId xmlns:a16="http://schemas.microsoft.com/office/drawing/2014/main" id="{AC3225D0-3322-598B-A7CE-4CA8F90FADDA}"/>
+              </a:ext>
+            </a:extLst>
+          </p:cNvPr>
+          <p:cNvSpPr>
+            <a:spLocks noGrp="1"/>
+          </p:cNvSpPr>
+          <p:nvPr>
+            <p:ph idx="1"/>
+          </p:nvPr>
+        </p:nvSpPr>
+        <p:spPr/>
+        <p:txBody>
+          <a:bodyPr/>
+          <a:lstStyle/>
+          <a:p>
+            <a:endParaRPr kumimoji="1" lang="ja-JP" altLang="en-US"/>
+          </a:p>
+        </p:txBody>
+      </p:sp>
+      <p:sp>
+        <p:nvSpPr>
+          <p:cNvPr id="4" name="フッター プレースホルダー 3">
+            <a:extLst>
+              <a:ext uri="{FF2B5EF4-FFF2-40B4-BE49-F238E27FC236}">
+                <a16:creationId xmlns:a16="http://schemas.microsoft.com/office/drawing/2014/main" id="{75D9E854-07C3-15ED-81DB-A62B6BF7BBD6}"/>
+              </a:ext>
+            </a:extLst>
+          </p:cNvPr>
+          <p:cNvSpPr>
+            <a:spLocks noGrp="1"/>
+          </p:cNvSpPr>
+          <p:nvPr>
+            <p:ph type="ftr" sz="quarter" idx="11"/>
+          </p:nvPr>
+        </p:nvSpPr>
+        <p:spPr/>
+        <p:txBody>
+          <a:bodyPr/>
+          <a:lstStyle/>
+          <a:p>
+            <a:r>
+              <a:rPr kumimoji="1" lang="en-US" altLang="ja-JP"/>
+              <a:t>256hax</a:t>
+            </a:r>
+            <a:endParaRPr kumimoji="1" lang="ja-JP" altLang="en-US"/>
+          </a:p>
+        </p:txBody>
+      </p:sp>
+      <p:sp>
+        <p:nvSpPr>
+          <p:cNvPr id="5" name="スライド番号プレースホルダー 4">
+            <a:extLst>
+              <a:ext uri="{FF2B5EF4-FFF2-40B4-BE49-F238E27FC236}">
+                <a16:creationId xmlns:a16="http://schemas.microsoft.com/office/drawing/2014/main" id="{D6826D5E-88DA-7A73-A135-DB7927FD9DDF}"/>
+              </a:ext>
+            </a:extLst>
+          </p:cNvPr>
+          <p:cNvSpPr>
+            <a:spLocks noGrp="1"/>
+          </p:cNvSpPr>
+          <p:nvPr>
+            <p:ph type="sldNum" sz="quarter" idx="12"/>
+          </p:nvPr>
+        </p:nvSpPr>
+        <p:spPr/>
+        <p:txBody>
+          <a:bodyPr/>
+          <a:lstStyle/>
+          <a:p>
+            <a:fld id="{51BE5F08-58E8-9243-A834-2B76637F595D}" type="slidenum">
+              <a:rPr kumimoji="1" lang="ja-JP" altLang="en-US" smtClean="0"/>
+              <a:pPr/>
+              <a:t>2</a:t>
+            </a:fld>
+            <a:endParaRPr kumimoji="1" lang="ja-JP" altLang="en-US"/>
+          </a:p>
+        </p:txBody>
+      </p:sp>
+      <p:sp>
+        <p:nvSpPr>
+          <p:cNvPr id="6" name="ホームベース 5">
+            <a:extLst>
+              <a:ext uri="{FF2B5EF4-FFF2-40B4-BE49-F238E27FC236}">
+                <a16:creationId xmlns:a16="http://schemas.microsoft.com/office/drawing/2014/main" id="{0EC7D41B-EFF8-F8B5-D52B-BEC5DA4AF33A}"/>
+              </a:ext>
+            </a:extLst>
+          </p:cNvPr>
+          <p:cNvSpPr/>
+          <p:nvPr/>
+        </p:nvSpPr>
+        <p:spPr>
+          <a:xfrm>
+            <a:off x="838200" y="2219500"/>
+            <a:ext cx="3505200" cy="497432"/>
+          </a:xfrm>
+          <a:prstGeom prst="homePlate">
+            <a:avLst/>
+          </a:prstGeom>
+          <a:solidFill>
+            <a:schemeClr val="tx1"/>
+          </a:solidFill>
+          <a:ln>
+            <a:solidFill>
+              <a:schemeClr val="tx1"/>
+            </a:solidFill>
+          </a:ln>
+        </p:spPr>
+        <p:style>
+          <a:lnRef idx="2">
+            <a:schemeClr val="accent1">
+              <a:shade val="50000"/>
+            </a:schemeClr>
+          </a:lnRef>
+          <a:fillRef idx="1">
+            <a:schemeClr val="accent1"/>
+          </a:fillRef>
+          <a:effectRef idx="0">
+            <a:schemeClr val="accent1"/>
+          </a:effectRef>
+          <a:fontRef idx="minor">
+            <a:schemeClr val="lt1"/>
+          </a:fontRef>
+        </p:style>
+        <p:txBody>
+          <a:bodyPr rtlCol="0" anchor="ctr"/>
+          <a:lstStyle/>
+          <a:p>
+            <a:pPr algn="ctr"/>
+            <a:r>
+              <a:rPr kumimoji="1" lang="en-US" altLang="ja-JP" sz="1600" dirty="0">
+                <a:solidFill>
+                  <a:schemeClr val="bg1"/>
+                </a:solidFill>
+              </a:rPr>
+              <a:t>STEP1</a:t>
+            </a:r>
+          </a:p>
+          <a:p>
+            <a:pPr algn="ctr"/>
+            <a:r>
+              <a:rPr kumimoji="1" lang="en-US" altLang="ja-JP" sz="1600" dirty="0">
+                <a:solidFill>
+                  <a:schemeClr val="bg1"/>
+                </a:solidFill>
+              </a:rPr>
+              <a:t>Allocate Durable Nonces</a:t>
+            </a:r>
+            <a:endParaRPr kumimoji="1" lang="ja-JP" altLang="en-US" sz="1600">
+              <a:solidFill>
+                <a:schemeClr val="bg1"/>
+              </a:solidFill>
+            </a:endParaRPr>
+          </a:p>
+        </p:txBody>
+      </p:sp>
+      <p:sp>
+        <p:nvSpPr>
+          <p:cNvPr id="7" name="ホームベース 6">
+            <a:extLst>
+              <a:ext uri="{FF2B5EF4-FFF2-40B4-BE49-F238E27FC236}">
+                <a16:creationId xmlns:a16="http://schemas.microsoft.com/office/drawing/2014/main" id="{727EDFF4-105F-7CB5-F50F-5FE14458B103}"/>
+              </a:ext>
+            </a:extLst>
+          </p:cNvPr>
+          <p:cNvSpPr/>
+          <p:nvPr/>
+        </p:nvSpPr>
+        <p:spPr>
+          <a:xfrm>
+            <a:off x="4343400" y="2219500"/>
+            <a:ext cx="3505200" cy="497432"/>
+          </a:xfrm>
+          <a:prstGeom prst="homePlate">
+            <a:avLst/>
+          </a:prstGeom>
+          <a:solidFill>
+            <a:schemeClr val="tx1"/>
+          </a:solidFill>
+          <a:ln>
+            <a:solidFill>
+              <a:schemeClr val="tx1"/>
+            </a:solidFill>
+          </a:ln>
+        </p:spPr>
+        <p:style>
+          <a:lnRef idx="2">
+            <a:schemeClr val="accent1">
+              <a:shade val="50000"/>
+            </a:schemeClr>
+          </a:lnRef>
+          <a:fillRef idx="1">
+            <a:schemeClr val="accent1"/>
+          </a:fillRef>
+          <a:effectRef idx="0">
+            <a:schemeClr val="accent1"/>
+          </a:effectRef>
+          <a:fontRef idx="minor">
+            <a:schemeClr val="lt1"/>
+          </a:fontRef>
+        </p:style>
+        <p:txBody>
+          <a:bodyPr rtlCol="0" anchor="ctr"/>
+          <a:lstStyle/>
+          <a:p>
+            <a:pPr algn="ctr"/>
+            <a:r>
+              <a:rPr kumimoji="1" lang="en-US" altLang="ja-JP" sz="1600" dirty="0">
+                <a:solidFill>
+                  <a:schemeClr val="bg1"/>
+                </a:solidFill>
+              </a:rPr>
+              <a:t>STEP2</a:t>
+            </a:r>
+          </a:p>
+          <a:p>
+            <a:pPr algn="ctr"/>
+            <a:r>
+              <a:rPr kumimoji="1" lang="en-US" altLang="ja-JP" sz="1600" dirty="0">
+                <a:solidFill>
+                  <a:schemeClr val="bg1"/>
+                </a:solidFill>
+              </a:rPr>
+              <a:t>Buffer transactions into queue</a:t>
+            </a:r>
+            <a:endParaRPr kumimoji="1" lang="ja-JP" altLang="en-US" sz="1600">
+              <a:solidFill>
+                <a:schemeClr val="bg1"/>
+              </a:solidFill>
+            </a:endParaRPr>
+          </a:p>
+        </p:txBody>
+      </p:sp>
+      <p:sp>
+        <p:nvSpPr>
+          <p:cNvPr id="8" name="ホームベース 7">
+            <a:extLst>
+              <a:ext uri="{FF2B5EF4-FFF2-40B4-BE49-F238E27FC236}">
+                <a16:creationId xmlns:a16="http://schemas.microsoft.com/office/drawing/2014/main" id="{7C9544F7-5AE8-8585-F61B-F746B53233D7}"/>
+              </a:ext>
+            </a:extLst>
+          </p:cNvPr>
+          <p:cNvSpPr/>
+          <p:nvPr/>
+        </p:nvSpPr>
+        <p:spPr>
+          <a:xfrm>
+            <a:off x="7848600" y="2219500"/>
+            <a:ext cx="3505200" cy="497432"/>
+          </a:xfrm>
+          <a:prstGeom prst="homePlate">
+            <a:avLst/>
+          </a:prstGeom>
+          <a:solidFill>
+            <a:schemeClr val="tx1"/>
+          </a:solidFill>
+          <a:ln>
+            <a:solidFill>
+              <a:schemeClr val="tx1"/>
+            </a:solidFill>
+          </a:ln>
+        </p:spPr>
+        <p:style>
+          <a:lnRef idx="2">
+            <a:schemeClr val="accent1">
+              <a:shade val="50000"/>
+            </a:schemeClr>
+          </a:lnRef>
+          <a:fillRef idx="1">
+            <a:schemeClr val="accent1"/>
+          </a:fillRef>
+          <a:effectRef idx="0">
+            <a:schemeClr val="accent1"/>
+          </a:effectRef>
+          <a:fontRef idx="minor">
+            <a:schemeClr val="lt1"/>
+          </a:fontRef>
+        </p:style>
+        <p:txBody>
+          <a:bodyPr rtlCol="0" anchor="ctr"/>
+          <a:lstStyle/>
+          <a:p>
+            <a:pPr algn="ctr"/>
+            <a:r>
+              <a:rPr kumimoji="1" lang="en-US" altLang="ja-JP" sz="1600" dirty="0">
+                <a:solidFill>
+                  <a:schemeClr val="bg1"/>
+                </a:solidFill>
+              </a:rPr>
+              <a:t>STEP3</a:t>
+            </a:r>
+          </a:p>
+          <a:p>
+            <a:pPr algn="ctr"/>
+            <a:r>
+              <a:rPr kumimoji="1" lang="en-US" altLang="ja-JP" sz="1600" dirty="0">
+                <a:solidFill>
+                  <a:schemeClr val="bg1"/>
+                </a:solidFill>
+              </a:rPr>
+              <a:t>Async process</a:t>
+            </a:r>
+            <a:endParaRPr kumimoji="1" lang="ja-JP" altLang="en-US" sz="1600">
+              <a:solidFill>
+                <a:schemeClr val="bg1"/>
+              </a:solidFill>
+            </a:endParaRPr>
+          </a:p>
+        </p:txBody>
+      </p:sp>
+      <p:sp>
+        <p:nvSpPr>
+          <p:cNvPr id="10" name="正方形/長方形 9">
+            <a:extLst>
+              <a:ext uri="{FF2B5EF4-FFF2-40B4-BE49-F238E27FC236}">
+                <a16:creationId xmlns:a16="http://schemas.microsoft.com/office/drawing/2014/main" id="{CB37EE63-D06C-0609-0740-E70CF2FF3101}"/>
+              </a:ext>
+            </a:extLst>
+          </p:cNvPr>
+          <p:cNvSpPr/>
+          <p:nvPr/>
+        </p:nvSpPr>
+        <p:spPr>
+          <a:xfrm>
+            <a:off x="6271260" y="3066179"/>
+            <a:ext cx="1577340" cy="1884648"/>
+          </a:xfrm>
+          <a:prstGeom prst="rect">
+            <a:avLst/>
+          </a:prstGeom>
+          <a:solidFill>
+            <a:schemeClr val="bg1">
+              <a:lumMod val="95000"/>
+            </a:schemeClr>
+          </a:solidFill>
+          <a:ln>
+            <a:solidFill>
+              <a:schemeClr val="tx1"/>
+            </a:solidFill>
+          </a:ln>
+        </p:spPr>
+        <p:style>
+          <a:lnRef idx="2">
+            <a:schemeClr val="accent1">
+              <a:shade val="50000"/>
+            </a:schemeClr>
+          </a:lnRef>
+          <a:fillRef idx="1">
+            <a:schemeClr val="accent1"/>
+          </a:fillRef>
+          <a:effectRef idx="0">
+            <a:schemeClr val="accent1"/>
+          </a:effectRef>
+          <a:fontRef idx="minor">
+            <a:schemeClr val="lt1"/>
+          </a:fontRef>
+        </p:style>
+        <p:txBody>
+          <a:bodyPr rtlCol="0" anchor="t"/>
+          <a:lstStyle/>
+          <a:p>
+            <a:pPr algn="ctr"/>
+            <a:r>
+              <a:rPr kumimoji="1" lang="en-US" altLang="ja-JP" sz="1400" dirty="0">
+                <a:solidFill>
+                  <a:schemeClr val="tx1"/>
+                </a:solidFill>
+              </a:rPr>
+              <a:t>Queue</a:t>
+            </a:r>
+            <a:endParaRPr kumimoji="1" lang="ja-JP" altLang="en-US" sz="1400">
+              <a:solidFill>
+                <a:schemeClr val="tx1"/>
+              </a:solidFill>
+            </a:endParaRPr>
+          </a:p>
+        </p:txBody>
+      </p:sp>
+      <p:sp>
+        <p:nvSpPr>
+          <p:cNvPr id="46" name="テキスト ボックス 45">
+            <a:extLst>
+              <a:ext uri="{FF2B5EF4-FFF2-40B4-BE49-F238E27FC236}">
+                <a16:creationId xmlns:a16="http://schemas.microsoft.com/office/drawing/2014/main" id="{7FA5FE18-DD77-F513-5420-20AB385C0F93}"/>
+              </a:ext>
+            </a:extLst>
+          </p:cNvPr>
+          <p:cNvSpPr txBox="1"/>
+          <p:nvPr/>
+        </p:nvSpPr>
+        <p:spPr>
+          <a:xfrm>
+            <a:off x="10729139" y="9225"/>
+            <a:ext cx="1443600" cy="315912"/>
+          </a:xfrm>
+          <a:prstGeom prst="rect">
+            <a:avLst/>
+          </a:prstGeom>
+          <a:noFill/>
+        </p:spPr>
+        <p:txBody>
+          <a:bodyPr wrap="square" rtlCol="0">
+            <a:noAutofit/>
+          </a:bodyPr>
+          <a:lstStyle/>
+          <a:p>
+            <a:pPr algn="r"/>
+            <a:r>
+              <a:rPr kumimoji="1" lang="en-US" altLang="ja-JP" sz="1200" dirty="0"/>
+              <a:t>JST May 24 2023</a:t>
+            </a:r>
+            <a:endParaRPr kumimoji="1" lang="ja-JP" altLang="en-US" sz="1200" dirty="0"/>
+          </a:p>
+        </p:txBody>
+      </p:sp>
+      <p:grpSp>
+        <p:nvGrpSpPr>
+          <p:cNvPr id="51" name="グループ化 50">
+            <a:extLst>
+              <a:ext uri="{FF2B5EF4-FFF2-40B4-BE49-F238E27FC236}">
+                <a16:creationId xmlns:a16="http://schemas.microsoft.com/office/drawing/2014/main" id="{199C290B-74D9-8E37-470A-C1078204721F}"/>
+              </a:ext>
+            </a:extLst>
+          </p:cNvPr>
+          <p:cNvGrpSpPr/>
+          <p:nvPr/>
+        </p:nvGrpSpPr>
+        <p:grpSpPr>
+          <a:xfrm>
+            <a:off x="10794573" y="4129634"/>
+            <a:ext cx="559227" cy="806353"/>
+            <a:chOff x="10817056" y="4105810"/>
+            <a:chExt cx="1012151" cy="1146813"/>
+          </a:xfrm>
+        </p:grpSpPr>
+        <p:sp>
+          <p:nvSpPr>
+            <p:cNvPr id="47" name="正方形/長方形 46">
+              <a:extLst>
+                <a:ext uri="{FF2B5EF4-FFF2-40B4-BE49-F238E27FC236}">
+                  <a16:creationId xmlns:a16="http://schemas.microsoft.com/office/drawing/2014/main" id="{A41B23C8-3647-2199-EF01-B675D120A863}"/>
+                </a:ext>
+              </a:extLst>
+            </p:cNvPr>
+            <p:cNvSpPr/>
+            <p:nvPr/>
+          </p:nvSpPr>
+          <p:spPr>
+            <a:xfrm>
+              <a:off x="10817056" y="4105810"/>
+              <a:ext cx="1012151" cy="315912"/>
+            </a:xfrm>
+            <a:prstGeom prst="rect">
+              <a:avLst/>
+            </a:prstGeom>
+            <a:solidFill>
+              <a:schemeClr val="bg1">
+                <a:lumMod val="95000"/>
+              </a:schemeClr>
+            </a:solidFill>
+            <a:ln>
+              <a:solidFill>
+                <a:schemeClr val="tx1"/>
+              </a:solidFill>
+            </a:ln>
+          </p:spPr>
+          <p:style>
+            <a:lnRef idx="2">
+              <a:schemeClr val="accent1">
+                <a:shade val="50000"/>
+              </a:schemeClr>
+            </a:lnRef>
+            <a:fillRef idx="1">
+              <a:schemeClr val="accent1"/>
+            </a:fillRef>
+            <a:effectRef idx="0">
+              <a:schemeClr val="accent1"/>
+            </a:effectRef>
+            <a:fontRef idx="minor">
+              <a:schemeClr val="lt1"/>
+            </a:fontRef>
+          </p:style>
+          <p:txBody>
+            <a:bodyPr wrap="none" rtlCol="0" anchor="ctr"/>
+            <a:lstStyle/>
+            <a:p>
+              <a:pPr algn="ctr"/>
+              <a:r>
+                <a:rPr kumimoji="1" lang="en-US" altLang="ja-JP" sz="1000" dirty="0">
+                  <a:solidFill>
+                    <a:schemeClr val="tx1"/>
+                  </a:solidFill>
+                </a:rPr>
+                <a:t>Function</a:t>
+              </a:r>
+              <a:endParaRPr kumimoji="1" lang="ja-JP" altLang="en-US" sz="1000">
+                <a:solidFill>
+                  <a:schemeClr val="tx1"/>
+                </a:solidFill>
+              </a:endParaRPr>
+            </a:p>
+          </p:txBody>
+        </p:sp>
+        <p:sp>
+          <p:nvSpPr>
+            <p:cNvPr id="48" name="正方形/長方形 47">
+              <a:extLst>
+                <a:ext uri="{FF2B5EF4-FFF2-40B4-BE49-F238E27FC236}">
+                  <a16:creationId xmlns:a16="http://schemas.microsoft.com/office/drawing/2014/main" id="{251A9FB6-E289-C842-9694-DD216F426F65}"/>
+                </a:ext>
+              </a:extLst>
+            </p:cNvPr>
+            <p:cNvSpPr/>
+            <p:nvPr/>
+          </p:nvSpPr>
+          <p:spPr>
+            <a:xfrm>
+              <a:off x="10817056" y="4517290"/>
+              <a:ext cx="1012151" cy="315912"/>
+            </a:xfrm>
+            <a:prstGeom prst="rect">
+              <a:avLst/>
+            </a:prstGeom>
+            <a:noFill/>
+            <a:ln>
+              <a:solidFill>
+                <a:schemeClr val="tx1"/>
+              </a:solidFill>
+            </a:ln>
+          </p:spPr>
+          <p:style>
+            <a:lnRef idx="2">
+              <a:schemeClr val="accent1">
+                <a:shade val="50000"/>
+              </a:schemeClr>
+            </a:lnRef>
+            <a:fillRef idx="1">
+              <a:schemeClr val="accent1"/>
+            </a:fillRef>
+            <a:effectRef idx="0">
+              <a:schemeClr val="accent1"/>
+            </a:effectRef>
+            <a:fontRef idx="minor">
+              <a:schemeClr val="lt1"/>
+            </a:fontRef>
+          </p:style>
+          <p:txBody>
+            <a:bodyPr wrap="none" rtlCol="0" anchor="ctr"/>
+            <a:lstStyle/>
+            <a:p>
+              <a:pPr algn="ctr"/>
+              <a:r>
+                <a:rPr kumimoji="1" lang="en-US" altLang="ja-JP" sz="1000" dirty="0">
+                  <a:solidFill>
+                    <a:schemeClr val="tx1"/>
+                  </a:solidFill>
+                </a:rPr>
+                <a:t>Data</a:t>
+              </a:r>
+              <a:endParaRPr kumimoji="1" lang="ja-JP" altLang="en-US" sz="1000">
+                <a:solidFill>
+                  <a:schemeClr val="tx1"/>
+                </a:solidFill>
+              </a:endParaRPr>
+            </a:p>
+          </p:txBody>
+        </p:sp>
+        <p:cxnSp>
+          <p:nvCxnSpPr>
+            <p:cNvPr id="49" name="直線矢印コネクタ 48">
+              <a:extLst>
+                <a:ext uri="{FF2B5EF4-FFF2-40B4-BE49-F238E27FC236}">
+                  <a16:creationId xmlns:a16="http://schemas.microsoft.com/office/drawing/2014/main" id="{0AA08840-B13E-0B10-11BE-D021A343F2BF}"/>
+                </a:ext>
+              </a:extLst>
+            </p:cNvPr>
+            <p:cNvCxnSpPr>
+              <a:cxnSpLocks/>
+            </p:cNvCxnSpPr>
+            <p:nvPr/>
+          </p:nvCxnSpPr>
+          <p:spPr>
+            <a:xfrm>
+              <a:off x="10838374" y="5252623"/>
+              <a:ext cx="990833" cy="0"/>
+            </a:xfrm>
+            <a:prstGeom prst="straightConnector1">
+              <a:avLst/>
+            </a:prstGeom>
+            <a:ln w="9525">
+              <a:solidFill>
+                <a:schemeClr val="tx1"/>
+              </a:solidFill>
+              <a:headEnd type="none" w="med" len="med"/>
+              <a:tailEnd type="arrow" w="med" len="med"/>
+            </a:ln>
+          </p:spPr>
+          <p:style>
+            <a:lnRef idx="1">
+              <a:schemeClr val="accent1"/>
+            </a:lnRef>
+            <a:fillRef idx="0">
+              <a:schemeClr val="accent1"/>
+            </a:fillRef>
+            <a:effectRef idx="0">
+              <a:schemeClr val="accent1"/>
+            </a:effectRef>
+            <a:fontRef idx="minor">
+              <a:schemeClr val="tx1"/>
+            </a:fontRef>
+          </p:style>
+        </p:cxnSp>
+        <p:sp>
+          <p:nvSpPr>
+            <p:cNvPr id="50" name="テキスト ボックス 49">
+              <a:extLst>
+                <a:ext uri="{FF2B5EF4-FFF2-40B4-BE49-F238E27FC236}">
+                  <a16:creationId xmlns:a16="http://schemas.microsoft.com/office/drawing/2014/main" id="{43BD795A-4FFF-245F-9F1D-A5219AE95703}"/>
+                </a:ext>
+              </a:extLst>
+            </p:cNvPr>
+            <p:cNvSpPr txBox="1"/>
+            <p:nvPr/>
+          </p:nvSpPr>
+          <p:spPr>
+            <a:xfrm>
+              <a:off x="10817056" y="4915670"/>
+              <a:ext cx="1012151" cy="288185"/>
+            </a:xfrm>
+            <a:prstGeom prst="rect">
+              <a:avLst/>
+            </a:prstGeom>
+            <a:noFill/>
+          </p:spPr>
+          <p:txBody>
+            <a:bodyPr wrap="none" rtlCol="0">
+              <a:noAutofit/>
+            </a:bodyPr>
+            <a:lstStyle/>
+            <a:p>
+              <a:pPr algn="ctr"/>
+              <a:r>
+                <a:rPr kumimoji="1" lang="en-US" altLang="ja-JP" sz="1000" dirty="0"/>
+                <a:t>Action</a:t>
+              </a:r>
+              <a:endParaRPr kumimoji="1" lang="ja-JP" altLang="en-US" sz="1000" dirty="0"/>
+            </a:p>
+          </p:txBody>
+        </p:sp>
+      </p:grpSp>
+      <p:sp>
+        <p:nvSpPr>
+          <p:cNvPr id="52" name="正方形/長方形 51">
+            <a:extLst>
+              <a:ext uri="{FF2B5EF4-FFF2-40B4-BE49-F238E27FC236}">
+                <a16:creationId xmlns:a16="http://schemas.microsoft.com/office/drawing/2014/main" id="{F1A64EAE-9D65-5DA1-7486-DC6F52EA557E}"/>
+              </a:ext>
+            </a:extLst>
+          </p:cNvPr>
+          <p:cNvSpPr/>
+          <p:nvPr/>
+        </p:nvSpPr>
+        <p:spPr>
+          <a:xfrm>
+            <a:off x="1578646" y="3066179"/>
+            <a:ext cx="1577340" cy="1884648"/>
+          </a:xfrm>
+          <a:prstGeom prst="rect">
+            <a:avLst/>
+          </a:prstGeom>
+          <a:solidFill>
+            <a:schemeClr val="bg1">
+              <a:lumMod val="95000"/>
+            </a:schemeClr>
+          </a:solidFill>
+          <a:ln>
+            <a:solidFill>
+              <a:schemeClr val="tx1"/>
+            </a:solidFill>
+          </a:ln>
+        </p:spPr>
+        <p:style>
+          <a:lnRef idx="2">
+            <a:schemeClr val="accent1">
+              <a:shade val="50000"/>
+            </a:schemeClr>
+          </a:lnRef>
+          <a:fillRef idx="1">
+            <a:schemeClr val="accent1"/>
+          </a:fillRef>
+          <a:effectRef idx="0">
+            <a:schemeClr val="accent1"/>
+          </a:effectRef>
+          <a:fontRef idx="minor">
+            <a:schemeClr val="lt1"/>
+          </a:fontRef>
+        </p:style>
+        <p:txBody>
+          <a:bodyPr rtlCol="0" anchor="t"/>
+          <a:lstStyle/>
+          <a:p>
+            <a:pPr algn="ctr"/>
+            <a:r>
+              <a:rPr kumimoji="1" lang="en-US" altLang="ja-JP" sz="1400" dirty="0">
+                <a:solidFill>
+                  <a:schemeClr val="tx1"/>
+                </a:solidFill>
+              </a:rPr>
+              <a:t>Create Durable Nonce</a:t>
+            </a:r>
+            <a:endParaRPr kumimoji="1" lang="ja-JP" altLang="en-US" sz="1400">
+              <a:solidFill>
+                <a:schemeClr val="tx1"/>
+              </a:solidFill>
+            </a:endParaRPr>
+          </a:p>
+        </p:txBody>
+      </p:sp>
+      <p:sp>
+        <p:nvSpPr>
+          <p:cNvPr id="25" name="テキスト ボックス 24">
+            <a:extLst>
+              <a:ext uri="{FF2B5EF4-FFF2-40B4-BE49-F238E27FC236}">
+                <a16:creationId xmlns:a16="http://schemas.microsoft.com/office/drawing/2014/main" id="{0C1461F7-FB50-9113-49C7-AB5E42E092C2}"/>
+              </a:ext>
+            </a:extLst>
+          </p:cNvPr>
+          <p:cNvSpPr txBox="1"/>
+          <p:nvPr/>
+        </p:nvSpPr>
+        <p:spPr>
+          <a:xfrm>
+            <a:off x="7925033" y="3630763"/>
+            <a:ext cx="802005" cy="320031"/>
+          </a:xfrm>
+          <a:prstGeom prst="rect">
+            <a:avLst/>
+          </a:prstGeom>
+          <a:noFill/>
+        </p:spPr>
+        <p:txBody>
+          <a:bodyPr wrap="square" rtlCol="0" anchor="ctr">
+            <a:noAutofit/>
+          </a:bodyPr>
+          <a:lstStyle/>
+          <a:p>
+            <a:pPr algn="ctr"/>
+            <a:r>
+              <a:rPr kumimoji="1" lang="en-US" altLang="ja-JP" sz="1200" dirty="0"/>
+              <a:t>Async request</a:t>
+            </a:r>
+            <a:endParaRPr kumimoji="1" lang="ja-JP" altLang="en-US" sz="1200" dirty="0"/>
+          </a:p>
+        </p:txBody>
+      </p:sp>
+      <p:sp>
+        <p:nvSpPr>
+          <p:cNvPr id="53" name="正方形/長方形 52">
+            <a:extLst>
+              <a:ext uri="{FF2B5EF4-FFF2-40B4-BE49-F238E27FC236}">
+                <a16:creationId xmlns:a16="http://schemas.microsoft.com/office/drawing/2014/main" id="{1B4730E4-E5FD-AD28-5643-1AAFD3717779}"/>
+              </a:ext>
+            </a:extLst>
+          </p:cNvPr>
+          <p:cNvSpPr/>
+          <p:nvPr/>
+        </p:nvSpPr>
+        <p:spPr>
+          <a:xfrm>
+            <a:off x="4343401" y="3066179"/>
+            <a:ext cx="1577340" cy="1884648"/>
+          </a:xfrm>
+          <a:prstGeom prst="rect">
+            <a:avLst/>
+          </a:prstGeom>
+          <a:solidFill>
+            <a:schemeClr val="bg1">
+              <a:lumMod val="95000"/>
+            </a:schemeClr>
+          </a:solidFill>
+          <a:ln>
+            <a:solidFill>
+              <a:schemeClr val="tx1"/>
+            </a:solidFill>
+          </a:ln>
+        </p:spPr>
+        <p:style>
+          <a:lnRef idx="2">
+            <a:schemeClr val="accent1">
+              <a:shade val="50000"/>
+            </a:schemeClr>
+          </a:lnRef>
+          <a:fillRef idx="1">
+            <a:schemeClr val="accent1"/>
+          </a:fillRef>
+          <a:effectRef idx="0">
+            <a:schemeClr val="accent1"/>
+          </a:effectRef>
+          <a:fontRef idx="minor">
+            <a:schemeClr val="lt1"/>
+          </a:fontRef>
+        </p:style>
+        <p:txBody>
+          <a:bodyPr rtlCol="0" anchor="t"/>
+          <a:lstStyle/>
+          <a:p>
+            <a:pPr algn="ctr"/>
+            <a:r>
+              <a:rPr kumimoji="1" lang="en-US" altLang="ja-JP" sz="1400" dirty="0">
+                <a:solidFill>
+                  <a:schemeClr val="tx1"/>
+                </a:solidFill>
+              </a:rPr>
+              <a:t>Sign Transaction</a:t>
+            </a:r>
+            <a:endParaRPr kumimoji="1" lang="ja-JP" altLang="en-US" sz="1400">
+              <a:solidFill>
+                <a:schemeClr val="tx1"/>
+              </a:solidFill>
+            </a:endParaRPr>
+          </a:p>
+        </p:txBody>
+      </p:sp>
+      <p:cxnSp>
+        <p:nvCxnSpPr>
+          <p:cNvPr id="15" name="直線矢印コネクタ 14">
+            <a:extLst>
+              <a:ext uri="{FF2B5EF4-FFF2-40B4-BE49-F238E27FC236}">
+                <a16:creationId xmlns:a16="http://schemas.microsoft.com/office/drawing/2014/main" id="{27DE9F43-33D0-C911-196D-9E68ACE084DA}"/>
+              </a:ext>
+            </a:extLst>
+          </p:cNvPr>
+          <p:cNvCxnSpPr>
+            <a:cxnSpLocks/>
+          </p:cNvCxnSpPr>
+          <p:nvPr/>
+        </p:nvCxnSpPr>
+        <p:spPr>
+          <a:xfrm>
+            <a:off x="3246120" y="4103310"/>
+            <a:ext cx="1005707" cy="0"/>
+          </a:xfrm>
+          <a:prstGeom prst="straightConnector1">
+            <a:avLst/>
+          </a:prstGeom>
+          <a:ln w="9525">
+            <a:solidFill>
+              <a:schemeClr val="tx1"/>
+            </a:solidFill>
+            <a:headEnd type="none" w="med" len="med"/>
+            <a:tailEnd type="arrow" w="med" len="med"/>
+          </a:ln>
+        </p:spPr>
+        <p:style>
+          <a:lnRef idx="1">
+            <a:schemeClr val="accent1"/>
+          </a:lnRef>
+          <a:fillRef idx="0">
+            <a:schemeClr val="accent1"/>
+          </a:fillRef>
+          <a:effectRef idx="0">
+            <a:schemeClr val="accent1"/>
+          </a:effectRef>
+          <a:fontRef idx="minor">
+            <a:schemeClr val="tx1"/>
+          </a:fontRef>
+        </p:style>
+      </p:cxnSp>
+      <p:cxnSp>
+        <p:nvCxnSpPr>
+          <p:cNvPr id="19" name="直線矢印コネクタ 18">
+            <a:extLst>
+              <a:ext uri="{FF2B5EF4-FFF2-40B4-BE49-F238E27FC236}">
+                <a16:creationId xmlns:a16="http://schemas.microsoft.com/office/drawing/2014/main" id="{F7BCDC11-3600-E534-F93D-7F5961DE4037}"/>
+              </a:ext>
+            </a:extLst>
+          </p:cNvPr>
+          <p:cNvCxnSpPr>
+            <a:cxnSpLocks/>
+          </p:cNvCxnSpPr>
+          <p:nvPr/>
+        </p:nvCxnSpPr>
+        <p:spPr>
+          <a:xfrm>
+            <a:off x="5840730" y="4103310"/>
+            <a:ext cx="594360" cy="0"/>
+          </a:xfrm>
+          <a:prstGeom prst="straightConnector1">
+            <a:avLst/>
+          </a:prstGeom>
+          <a:ln w="9525">
+            <a:solidFill>
+              <a:schemeClr val="tx1"/>
+            </a:solidFill>
+            <a:headEnd type="none" w="med" len="med"/>
+            <a:tailEnd type="arrow" w="med" len="med"/>
+          </a:ln>
+        </p:spPr>
+        <p:style>
+          <a:lnRef idx="1">
+            <a:schemeClr val="accent1"/>
+          </a:lnRef>
+          <a:fillRef idx="0">
+            <a:schemeClr val="accent1"/>
+          </a:fillRef>
+          <a:effectRef idx="0">
+            <a:schemeClr val="accent1"/>
+          </a:effectRef>
+          <a:fontRef idx="minor">
+            <a:schemeClr val="tx1"/>
+          </a:fontRef>
+        </p:style>
+      </p:cxnSp>
+      <p:sp>
+        <p:nvSpPr>
+          <p:cNvPr id="54" name="テキスト ボックス 53">
+            <a:extLst>
+              <a:ext uri="{FF2B5EF4-FFF2-40B4-BE49-F238E27FC236}">
+                <a16:creationId xmlns:a16="http://schemas.microsoft.com/office/drawing/2014/main" id="{3595ED6F-BE39-42CE-A99B-23D84E2B0FBE}"/>
+              </a:ext>
+            </a:extLst>
+          </p:cNvPr>
+          <p:cNvSpPr txBox="1"/>
+          <p:nvPr/>
+        </p:nvSpPr>
+        <p:spPr>
+          <a:xfrm>
+            <a:off x="3426331" y="3630763"/>
+            <a:ext cx="651510" cy="320031"/>
+          </a:xfrm>
+          <a:prstGeom prst="rect">
+            <a:avLst/>
+          </a:prstGeom>
+          <a:noFill/>
+        </p:spPr>
+        <p:txBody>
+          <a:bodyPr wrap="square" rtlCol="0" anchor="ctr">
+            <a:noAutofit/>
+          </a:bodyPr>
+          <a:lstStyle/>
+          <a:p>
+            <a:pPr algn="ctr"/>
+            <a:r>
+              <a:rPr kumimoji="1" lang="en-US" altLang="ja-JP" sz="1200" dirty="0"/>
+              <a:t>Sign</a:t>
+            </a:r>
+            <a:endParaRPr kumimoji="1" lang="ja-JP" altLang="en-US" sz="1200" dirty="0"/>
+          </a:p>
+        </p:txBody>
+      </p:sp>
+      <p:sp>
+        <p:nvSpPr>
+          <p:cNvPr id="55" name="テキスト ボックス 54">
+            <a:extLst>
+              <a:ext uri="{FF2B5EF4-FFF2-40B4-BE49-F238E27FC236}">
+                <a16:creationId xmlns:a16="http://schemas.microsoft.com/office/drawing/2014/main" id="{20581D6E-94E8-A136-05C7-5629C45345BC}"/>
+              </a:ext>
+            </a:extLst>
+          </p:cNvPr>
+          <p:cNvSpPr txBox="1"/>
+          <p:nvPr/>
+        </p:nvSpPr>
+        <p:spPr>
+          <a:xfrm>
+            <a:off x="5770245" y="3630763"/>
+            <a:ext cx="651510" cy="320031"/>
+          </a:xfrm>
+          <a:prstGeom prst="rect">
+            <a:avLst/>
+          </a:prstGeom>
+          <a:noFill/>
+        </p:spPr>
+        <p:txBody>
+          <a:bodyPr wrap="square" rtlCol="0" anchor="ctr">
+            <a:noAutofit/>
+          </a:bodyPr>
+          <a:lstStyle/>
+          <a:p>
+            <a:pPr algn="ctr"/>
+            <a:r>
+              <a:rPr kumimoji="1" lang="en-US" altLang="ja-JP" sz="1200" dirty="0"/>
+              <a:t>Add</a:t>
+            </a:r>
+            <a:endParaRPr kumimoji="1" lang="ja-JP" altLang="en-US" sz="1200" dirty="0"/>
+          </a:p>
+        </p:txBody>
+      </p:sp>
+      <p:sp>
+        <p:nvSpPr>
+          <p:cNvPr id="57" name="正方形/長方形 56">
+            <a:extLst>
+              <a:ext uri="{FF2B5EF4-FFF2-40B4-BE49-F238E27FC236}">
+                <a16:creationId xmlns:a16="http://schemas.microsoft.com/office/drawing/2014/main" id="{4920D6D8-EA0B-7943-0279-D62A924FCE6F}"/>
+              </a:ext>
+            </a:extLst>
+          </p:cNvPr>
+          <p:cNvSpPr/>
+          <p:nvPr/>
+        </p:nvSpPr>
+        <p:spPr>
+          <a:xfrm>
+            <a:off x="8812530" y="3066179"/>
+            <a:ext cx="1577340" cy="1884648"/>
+          </a:xfrm>
+          <a:prstGeom prst="rect">
+            <a:avLst/>
+          </a:prstGeom>
+          <a:solidFill>
+            <a:schemeClr val="bg1">
+              <a:lumMod val="95000"/>
+            </a:schemeClr>
+          </a:solidFill>
+          <a:ln>
+            <a:solidFill>
+              <a:schemeClr val="tx1"/>
+            </a:solidFill>
+          </a:ln>
+        </p:spPr>
+        <p:style>
+          <a:lnRef idx="2">
+            <a:schemeClr val="accent1">
+              <a:shade val="50000"/>
+            </a:schemeClr>
+          </a:lnRef>
+          <a:fillRef idx="1">
+            <a:schemeClr val="accent1"/>
+          </a:fillRef>
+          <a:effectRef idx="0">
+            <a:schemeClr val="accent1"/>
+          </a:effectRef>
+          <a:fontRef idx="minor">
+            <a:schemeClr val="lt1"/>
+          </a:fontRef>
+        </p:style>
+        <p:txBody>
+          <a:bodyPr rtlCol="0" anchor="t"/>
+          <a:lstStyle/>
+          <a:p>
+            <a:pPr algn="ctr"/>
+            <a:r>
+              <a:rPr kumimoji="1" lang="en-US" altLang="ja-JP" sz="1400" dirty="0">
+                <a:solidFill>
+                  <a:schemeClr val="tx1"/>
+                </a:solidFill>
+              </a:rPr>
+              <a:t>Send Transaction</a:t>
+            </a:r>
+            <a:endParaRPr kumimoji="1" lang="ja-JP" altLang="en-US" sz="1400">
+              <a:solidFill>
+                <a:schemeClr val="tx1"/>
+              </a:solidFill>
+            </a:endParaRPr>
+          </a:p>
+        </p:txBody>
+      </p:sp>
+      <p:cxnSp>
+        <p:nvCxnSpPr>
+          <p:cNvPr id="60" name="直線矢印コネクタ 59">
+            <a:extLst>
+              <a:ext uri="{FF2B5EF4-FFF2-40B4-BE49-F238E27FC236}">
+                <a16:creationId xmlns:a16="http://schemas.microsoft.com/office/drawing/2014/main" id="{F6B101EE-9993-292C-10C6-010339280E9E}"/>
+              </a:ext>
+            </a:extLst>
+          </p:cNvPr>
+          <p:cNvCxnSpPr>
+            <a:cxnSpLocks/>
+          </p:cNvCxnSpPr>
+          <p:nvPr/>
+        </p:nvCxnSpPr>
+        <p:spPr>
+          <a:xfrm>
+            <a:off x="3246120" y="4263330"/>
+            <a:ext cx="1005707" cy="0"/>
+          </a:xfrm>
+          <a:prstGeom prst="straightConnector1">
+            <a:avLst/>
+          </a:prstGeom>
+          <a:ln w="9525">
+            <a:solidFill>
+              <a:schemeClr val="tx1"/>
+            </a:solidFill>
+            <a:headEnd type="none" w="med" len="med"/>
+            <a:tailEnd type="arrow" w="med" len="med"/>
+          </a:ln>
+        </p:spPr>
+        <p:style>
+          <a:lnRef idx="1">
+            <a:schemeClr val="accent1"/>
+          </a:lnRef>
+          <a:fillRef idx="0">
+            <a:schemeClr val="accent1"/>
+          </a:fillRef>
+          <a:effectRef idx="0">
+            <a:schemeClr val="accent1"/>
+          </a:effectRef>
+          <a:fontRef idx="minor">
+            <a:schemeClr val="tx1"/>
+          </a:fontRef>
+        </p:style>
+      </p:cxnSp>
+      <p:cxnSp>
+        <p:nvCxnSpPr>
+          <p:cNvPr id="61" name="直線矢印コネクタ 60">
+            <a:extLst>
+              <a:ext uri="{FF2B5EF4-FFF2-40B4-BE49-F238E27FC236}">
+                <a16:creationId xmlns:a16="http://schemas.microsoft.com/office/drawing/2014/main" id="{34946322-6E3E-0AA0-10FA-D3077F2CEFA2}"/>
+              </a:ext>
+            </a:extLst>
+          </p:cNvPr>
+          <p:cNvCxnSpPr>
+            <a:cxnSpLocks/>
+          </p:cNvCxnSpPr>
+          <p:nvPr/>
+        </p:nvCxnSpPr>
+        <p:spPr>
+          <a:xfrm>
+            <a:off x="3246120" y="4434780"/>
+            <a:ext cx="1005707" cy="0"/>
+          </a:xfrm>
+          <a:prstGeom prst="straightConnector1">
+            <a:avLst/>
+          </a:prstGeom>
+          <a:ln w="9525">
+            <a:solidFill>
+              <a:schemeClr val="tx1"/>
+            </a:solidFill>
+            <a:headEnd type="none" w="med" len="med"/>
+            <a:tailEnd type="arrow" w="med" len="med"/>
+          </a:ln>
+        </p:spPr>
+        <p:style>
+          <a:lnRef idx="1">
+            <a:schemeClr val="accent1"/>
+          </a:lnRef>
+          <a:fillRef idx="0">
+            <a:schemeClr val="accent1"/>
+          </a:fillRef>
+          <a:effectRef idx="0">
+            <a:schemeClr val="accent1"/>
+          </a:effectRef>
+          <a:fontRef idx="minor">
+            <a:schemeClr val="tx1"/>
+          </a:fontRef>
+        </p:style>
+      </p:cxnSp>
+      <p:sp>
+        <p:nvSpPr>
+          <p:cNvPr id="62" name="正方形/長方形 61">
+            <a:extLst>
+              <a:ext uri="{FF2B5EF4-FFF2-40B4-BE49-F238E27FC236}">
+                <a16:creationId xmlns:a16="http://schemas.microsoft.com/office/drawing/2014/main" id="{2464D4BB-B2DB-2E4B-74E3-DB776F9C8B5C}"/>
+              </a:ext>
+            </a:extLst>
+          </p:cNvPr>
+          <p:cNvSpPr/>
+          <p:nvPr/>
+        </p:nvSpPr>
+        <p:spPr>
+          <a:xfrm>
+            <a:off x="1830676" y="4011870"/>
+            <a:ext cx="1198800" cy="502920"/>
+          </a:xfrm>
+          <a:prstGeom prst="rect">
+            <a:avLst/>
+          </a:prstGeom>
+          <a:solidFill>
+            <a:schemeClr val="bg1"/>
+          </a:solidFill>
+          <a:ln>
+            <a:solidFill>
+              <a:schemeClr val="tx1"/>
+            </a:solidFill>
+          </a:ln>
+        </p:spPr>
+        <p:style>
+          <a:lnRef idx="2">
+            <a:schemeClr val="accent1">
+              <a:shade val="50000"/>
+            </a:schemeClr>
+          </a:lnRef>
+          <a:fillRef idx="1">
+            <a:schemeClr val="accent1"/>
+          </a:fillRef>
+          <a:effectRef idx="0">
+            <a:schemeClr val="accent1"/>
+          </a:effectRef>
+          <a:fontRef idx="minor">
+            <a:schemeClr val="lt1"/>
+          </a:fontRef>
+        </p:style>
+        <p:txBody>
+          <a:bodyPr rtlCol="0" anchor="ctr"/>
+          <a:lstStyle/>
+          <a:p>
+            <a:pPr algn="ctr"/>
+            <a:endParaRPr kumimoji="1" lang="ja-JP" altLang="en-US" sz="1400">
+              <a:solidFill>
+                <a:schemeClr val="tx1"/>
+              </a:solidFill>
+            </a:endParaRPr>
+          </a:p>
+        </p:txBody>
+      </p:sp>
+      <p:sp>
+        <p:nvSpPr>
+          <p:cNvPr id="59" name="正方形/長方形 58">
+            <a:extLst>
+              <a:ext uri="{FF2B5EF4-FFF2-40B4-BE49-F238E27FC236}">
+                <a16:creationId xmlns:a16="http://schemas.microsoft.com/office/drawing/2014/main" id="{243D15DB-3F95-7E9A-3049-ABAF6ED5CCEA}"/>
+              </a:ext>
+            </a:extLst>
+          </p:cNvPr>
+          <p:cNvSpPr/>
+          <p:nvPr/>
+        </p:nvSpPr>
+        <p:spPr>
+          <a:xfrm>
+            <a:off x="1771171" y="3939364"/>
+            <a:ext cx="1198800" cy="502920"/>
+          </a:xfrm>
+          <a:prstGeom prst="rect">
+            <a:avLst/>
+          </a:prstGeom>
+          <a:solidFill>
+            <a:schemeClr val="bg1"/>
+          </a:solidFill>
+          <a:ln>
+            <a:solidFill>
+              <a:schemeClr val="tx1"/>
+            </a:solidFill>
+          </a:ln>
+        </p:spPr>
+        <p:style>
+          <a:lnRef idx="2">
+            <a:schemeClr val="accent1">
+              <a:shade val="50000"/>
+            </a:schemeClr>
+          </a:lnRef>
+          <a:fillRef idx="1">
+            <a:schemeClr val="accent1"/>
+          </a:fillRef>
+          <a:effectRef idx="0">
+            <a:schemeClr val="accent1"/>
+          </a:effectRef>
+          <a:fontRef idx="minor">
+            <a:schemeClr val="lt1"/>
+          </a:fontRef>
+        </p:style>
+        <p:txBody>
+          <a:bodyPr rtlCol="0" anchor="ctr"/>
+          <a:lstStyle/>
+          <a:p>
+            <a:pPr algn="ctr"/>
+            <a:endParaRPr kumimoji="1" lang="ja-JP" altLang="en-US" sz="1400">
+              <a:solidFill>
+                <a:schemeClr val="tx1"/>
+              </a:solidFill>
+            </a:endParaRPr>
+          </a:p>
+        </p:txBody>
+      </p:sp>
+      <p:sp>
+        <p:nvSpPr>
+          <p:cNvPr id="9" name="正方形/長方形 8">
+            <a:extLst>
+              <a:ext uri="{FF2B5EF4-FFF2-40B4-BE49-F238E27FC236}">
+                <a16:creationId xmlns:a16="http://schemas.microsoft.com/office/drawing/2014/main" id="{69D1E8AD-4B7C-2287-A538-9C16588FECDA}"/>
+              </a:ext>
+            </a:extLst>
+          </p:cNvPr>
+          <p:cNvSpPr/>
+          <p:nvPr/>
+        </p:nvSpPr>
+        <p:spPr>
+          <a:xfrm>
+            <a:off x="1722196" y="3865960"/>
+            <a:ext cx="1198800" cy="502920"/>
+          </a:xfrm>
+          <a:prstGeom prst="rect">
+            <a:avLst/>
+          </a:prstGeom>
+          <a:solidFill>
+            <a:schemeClr val="bg1"/>
+          </a:solidFill>
+          <a:ln>
+            <a:solidFill>
+              <a:schemeClr val="tx1"/>
+            </a:solidFill>
+          </a:ln>
+        </p:spPr>
+        <p:style>
+          <a:lnRef idx="2">
+            <a:schemeClr val="accent1">
+              <a:shade val="50000"/>
+            </a:schemeClr>
+          </a:lnRef>
+          <a:fillRef idx="1">
+            <a:schemeClr val="accent1"/>
+          </a:fillRef>
+          <a:effectRef idx="0">
+            <a:schemeClr val="accent1"/>
+          </a:effectRef>
+          <a:fontRef idx="minor">
+            <a:schemeClr val="lt1"/>
+          </a:fontRef>
+        </p:style>
+        <p:txBody>
+          <a:bodyPr rtlCol="0" anchor="ctr"/>
+          <a:lstStyle/>
+          <a:p>
+            <a:pPr algn="ctr"/>
+            <a:r>
+              <a:rPr kumimoji="1" lang="en-US" altLang="ja-JP" sz="1400" dirty="0">
+                <a:solidFill>
+                  <a:schemeClr val="tx1"/>
+                </a:solidFill>
+              </a:rPr>
+              <a:t>Nonce Account</a:t>
+            </a:r>
+            <a:endParaRPr kumimoji="1" lang="ja-JP" altLang="en-US" sz="1400">
+              <a:solidFill>
+                <a:schemeClr val="tx1"/>
+              </a:solidFill>
+            </a:endParaRPr>
+          </a:p>
+        </p:txBody>
+      </p:sp>
+      <p:sp>
+        <p:nvSpPr>
+          <p:cNvPr id="63" name="正方形/長方形 62">
+            <a:extLst>
+              <a:ext uri="{FF2B5EF4-FFF2-40B4-BE49-F238E27FC236}">
+                <a16:creationId xmlns:a16="http://schemas.microsoft.com/office/drawing/2014/main" id="{AA9ABF9F-225D-5C8E-9BDC-BB16A3FEB192}"/>
+              </a:ext>
+            </a:extLst>
+          </p:cNvPr>
+          <p:cNvSpPr/>
+          <p:nvPr/>
+        </p:nvSpPr>
+        <p:spPr>
+          <a:xfrm>
+            <a:off x="4573876" y="4011870"/>
+            <a:ext cx="1198800" cy="502920"/>
+          </a:xfrm>
+          <a:prstGeom prst="rect">
+            <a:avLst/>
+          </a:prstGeom>
+          <a:solidFill>
+            <a:schemeClr val="bg1"/>
+          </a:solidFill>
+          <a:ln>
+            <a:solidFill>
+              <a:schemeClr val="tx1"/>
+            </a:solidFill>
+          </a:ln>
+        </p:spPr>
+        <p:style>
+          <a:lnRef idx="2">
+            <a:schemeClr val="accent1">
+              <a:shade val="50000"/>
+            </a:schemeClr>
+          </a:lnRef>
+          <a:fillRef idx="1">
+            <a:schemeClr val="accent1"/>
+          </a:fillRef>
+          <a:effectRef idx="0">
+            <a:schemeClr val="accent1"/>
+          </a:effectRef>
+          <a:fontRef idx="minor">
+            <a:schemeClr val="lt1"/>
+          </a:fontRef>
+        </p:style>
+        <p:txBody>
+          <a:bodyPr rtlCol="0" anchor="ctr"/>
+          <a:lstStyle/>
+          <a:p>
+            <a:pPr algn="ctr"/>
+            <a:endParaRPr kumimoji="1" lang="ja-JP" altLang="en-US" sz="1400">
+              <a:solidFill>
+                <a:schemeClr val="tx1"/>
+              </a:solidFill>
+            </a:endParaRPr>
+          </a:p>
+        </p:txBody>
+      </p:sp>
+      <p:sp>
+        <p:nvSpPr>
+          <p:cNvPr id="64" name="正方形/長方形 63">
+            <a:extLst>
+              <a:ext uri="{FF2B5EF4-FFF2-40B4-BE49-F238E27FC236}">
+                <a16:creationId xmlns:a16="http://schemas.microsoft.com/office/drawing/2014/main" id="{325873CB-A6EA-A387-DD1F-0F7E9CC7822C}"/>
+              </a:ext>
+            </a:extLst>
+          </p:cNvPr>
+          <p:cNvSpPr/>
+          <p:nvPr/>
+        </p:nvSpPr>
+        <p:spPr>
+          <a:xfrm>
+            <a:off x="4514371" y="3939364"/>
+            <a:ext cx="1198800" cy="502920"/>
+          </a:xfrm>
+          <a:prstGeom prst="rect">
+            <a:avLst/>
+          </a:prstGeom>
+          <a:solidFill>
+            <a:schemeClr val="bg1"/>
+          </a:solidFill>
+          <a:ln>
+            <a:solidFill>
+              <a:schemeClr val="tx1"/>
+            </a:solidFill>
+          </a:ln>
+        </p:spPr>
+        <p:style>
+          <a:lnRef idx="2">
+            <a:schemeClr val="accent1">
+              <a:shade val="50000"/>
+            </a:schemeClr>
+          </a:lnRef>
+          <a:fillRef idx="1">
+            <a:schemeClr val="accent1"/>
+          </a:fillRef>
+          <a:effectRef idx="0">
+            <a:schemeClr val="accent1"/>
+          </a:effectRef>
+          <a:fontRef idx="minor">
+            <a:schemeClr val="lt1"/>
+          </a:fontRef>
+        </p:style>
+        <p:txBody>
+          <a:bodyPr rtlCol="0" anchor="ctr"/>
+          <a:lstStyle/>
+          <a:p>
+            <a:pPr algn="ctr"/>
+            <a:endParaRPr kumimoji="1" lang="ja-JP" altLang="en-US" sz="1400">
+              <a:solidFill>
+                <a:schemeClr val="tx1"/>
+              </a:solidFill>
+            </a:endParaRPr>
+          </a:p>
+        </p:txBody>
+      </p:sp>
+      <p:sp>
+        <p:nvSpPr>
+          <p:cNvPr id="65" name="正方形/長方形 64">
+            <a:extLst>
+              <a:ext uri="{FF2B5EF4-FFF2-40B4-BE49-F238E27FC236}">
+                <a16:creationId xmlns:a16="http://schemas.microsoft.com/office/drawing/2014/main" id="{B11E7C92-47C7-6BB2-F418-22A9161FBDFD}"/>
+              </a:ext>
+            </a:extLst>
+          </p:cNvPr>
+          <p:cNvSpPr/>
+          <p:nvPr/>
+        </p:nvSpPr>
+        <p:spPr>
+          <a:xfrm>
+            <a:off x="4465396" y="3865960"/>
+            <a:ext cx="1198800" cy="502920"/>
+          </a:xfrm>
+          <a:prstGeom prst="rect">
+            <a:avLst/>
+          </a:prstGeom>
+          <a:solidFill>
+            <a:schemeClr val="bg1"/>
+          </a:solidFill>
+          <a:ln>
+            <a:solidFill>
+              <a:schemeClr val="tx1"/>
+            </a:solidFill>
+          </a:ln>
+        </p:spPr>
+        <p:style>
+          <a:lnRef idx="2">
+            <a:schemeClr val="accent1">
+              <a:shade val="50000"/>
+            </a:schemeClr>
+          </a:lnRef>
+          <a:fillRef idx="1">
+            <a:schemeClr val="accent1"/>
+          </a:fillRef>
+          <a:effectRef idx="0">
+            <a:schemeClr val="accent1"/>
+          </a:effectRef>
+          <a:fontRef idx="minor">
+            <a:schemeClr val="lt1"/>
+          </a:fontRef>
+        </p:style>
+        <p:txBody>
+          <a:bodyPr rtlCol="0" anchor="ctr"/>
+          <a:lstStyle/>
+          <a:p>
+            <a:pPr algn="ctr"/>
+            <a:r>
+              <a:rPr kumimoji="1" lang="en-US" altLang="ja-JP" sz="1400" dirty="0">
+                <a:solidFill>
+                  <a:schemeClr val="tx1"/>
+                </a:solidFill>
+              </a:rPr>
+              <a:t>Buffer Transaction</a:t>
+            </a:r>
+            <a:endParaRPr kumimoji="1" lang="ja-JP" altLang="en-US" sz="1400">
+              <a:solidFill>
+                <a:schemeClr val="tx1"/>
+              </a:solidFill>
+            </a:endParaRPr>
+          </a:p>
+        </p:txBody>
+      </p:sp>
+      <p:sp>
+        <p:nvSpPr>
+          <p:cNvPr id="66" name="正方形/長方形 65">
+            <a:extLst>
+              <a:ext uri="{FF2B5EF4-FFF2-40B4-BE49-F238E27FC236}">
+                <a16:creationId xmlns:a16="http://schemas.microsoft.com/office/drawing/2014/main" id="{DF0F4B21-6525-5E68-14CD-522E30815244}"/>
+              </a:ext>
+            </a:extLst>
+          </p:cNvPr>
+          <p:cNvSpPr/>
+          <p:nvPr/>
+        </p:nvSpPr>
+        <p:spPr>
+          <a:xfrm>
+            <a:off x="6551266" y="4011870"/>
+            <a:ext cx="1198800" cy="502920"/>
+          </a:xfrm>
+          <a:prstGeom prst="rect">
+            <a:avLst/>
+          </a:prstGeom>
+          <a:solidFill>
+            <a:schemeClr val="bg1"/>
+          </a:solidFill>
+          <a:ln>
+            <a:solidFill>
+              <a:schemeClr val="tx1"/>
+            </a:solidFill>
+          </a:ln>
+        </p:spPr>
+        <p:style>
+          <a:lnRef idx="2">
+            <a:schemeClr val="accent1">
+              <a:shade val="50000"/>
+            </a:schemeClr>
+          </a:lnRef>
+          <a:fillRef idx="1">
+            <a:schemeClr val="accent1"/>
+          </a:fillRef>
+          <a:effectRef idx="0">
+            <a:schemeClr val="accent1"/>
+          </a:effectRef>
+          <a:fontRef idx="minor">
+            <a:schemeClr val="lt1"/>
+          </a:fontRef>
+        </p:style>
+        <p:txBody>
+          <a:bodyPr rtlCol="0" anchor="ctr"/>
+          <a:lstStyle/>
+          <a:p>
+            <a:pPr algn="ctr"/>
+            <a:endParaRPr kumimoji="1" lang="ja-JP" altLang="en-US" sz="1400">
+              <a:solidFill>
+                <a:schemeClr val="tx1"/>
+              </a:solidFill>
+            </a:endParaRPr>
+          </a:p>
+        </p:txBody>
+      </p:sp>
+      <p:sp>
+        <p:nvSpPr>
+          <p:cNvPr id="67" name="正方形/長方形 66">
+            <a:extLst>
+              <a:ext uri="{FF2B5EF4-FFF2-40B4-BE49-F238E27FC236}">
+                <a16:creationId xmlns:a16="http://schemas.microsoft.com/office/drawing/2014/main" id="{FBD477AF-3834-DF48-45FF-CFBCA10D2EC9}"/>
+              </a:ext>
+            </a:extLst>
+          </p:cNvPr>
+          <p:cNvSpPr/>
+          <p:nvPr/>
+        </p:nvSpPr>
+        <p:spPr>
+          <a:xfrm>
+            <a:off x="6491761" y="3939364"/>
+            <a:ext cx="1198800" cy="502920"/>
+          </a:xfrm>
+          <a:prstGeom prst="rect">
+            <a:avLst/>
+          </a:prstGeom>
+          <a:solidFill>
+            <a:schemeClr val="bg1"/>
+          </a:solidFill>
+          <a:ln>
+            <a:solidFill>
+              <a:schemeClr val="tx1"/>
+            </a:solidFill>
+          </a:ln>
+        </p:spPr>
+        <p:style>
+          <a:lnRef idx="2">
+            <a:schemeClr val="accent1">
+              <a:shade val="50000"/>
+            </a:schemeClr>
+          </a:lnRef>
+          <a:fillRef idx="1">
+            <a:schemeClr val="accent1"/>
+          </a:fillRef>
+          <a:effectRef idx="0">
+            <a:schemeClr val="accent1"/>
+          </a:effectRef>
+          <a:fontRef idx="minor">
+            <a:schemeClr val="lt1"/>
+          </a:fontRef>
+        </p:style>
+        <p:txBody>
+          <a:bodyPr rtlCol="0" anchor="ctr"/>
+          <a:lstStyle/>
+          <a:p>
+            <a:pPr algn="ctr"/>
+            <a:endParaRPr kumimoji="1" lang="ja-JP" altLang="en-US" sz="1400">
+              <a:solidFill>
+                <a:schemeClr val="tx1"/>
+              </a:solidFill>
+            </a:endParaRPr>
+          </a:p>
+        </p:txBody>
+      </p:sp>
+      <p:sp>
+        <p:nvSpPr>
+          <p:cNvPr id="68" name="正方形/長方形 67">
+            <a:extLst>
+              <a:ext uri="{FF2B5EF4-FFF2-40B4-BE49-F238E27FC236}">
+                <a16:creationId xmlns:a16="http://schemas.microsoft.com/office/drawing/2014/main" id="{99AAAF13-A910-740E-3E68-0F11135B6424}"/>
+              </a:ext>
+            </a:extLst>
+          </p:cNvPr>
+          <p:cNvSpPr/>
+          <p:nvPr/>
+        </p:nvSpPr>
+        <p:spPr>
+          <a:xfrm>
+            <a:off x="6442786" y="3865960"/>
+            <a:ext cx="1198800" cy="502920"/>
+          </a:xfrm>
+          <a:prstGeom prst="rect">
+            <a:avLst/>
+          </a:prstGeom>
+          <a:solidFill>
+            <a:schemeClr val="bg1"/>
+          </a:solidFill>
+          <a:ln>
+            <a:solidFill>
+              <a:schemeClr val="tx1"/>
+            </a:solidFill>
+          </a:ln>
+        </p:spPr>
+        <p:style>
+          <a:lnRef idx="2">
+            <a:schemeClr val="accent1">
+              <a:shade val="50000"/>
+            </a:schemeClr>
+          </a:lnRef>
+          <a:fillRef idx="1">
+            <a:schemeClr val="accent1"/>
+          </a:fillRef>
+          <a:effectRef idx="0">
+            <a:schemeClr val="accent1"/>
+          </a:effectRef>
+          <a:fontRef idx="minor">
+            <a:schemeClr val="lt1"/>
+          </a:fontRef>
+        </p:style>
+        <p:txBody>
+          <a:bodyPr rtlCol="0" anchor="ctr"/>
+          <a:lstStyle/>
+          <a:p>
+            <a:pPr algn="ctr"/>
+            <a:r>
+              <a:rPr kumimoji="1" lang="en-US" altLang="ja-JP" sz="1400" dirty="0">
+                <a:solidFill>
+                  <a:schemeClr val="tx1"/>
+                </a:solidFill>
+              </a:rPr>
+              <a:t>Buffer Transaction</a:t>
+            </a:r>
+            <a:endParaRPr kumimoji="1" lang="ja-JP" altLang="en-US" sz="1400">
+              <a:solidFill>
+                <a:schemeClr val="tx1"/>
+              </a:solidFill>
+            </a:endParaRPr>
+          </a:p>
+        </p:txBody>
+      </p:sp>
+      <p:sp>
+        <p:nvSpPr>
+          <p:cNvPr id="69" name="正方形/長方形 68">
+            <a:extLst>
+              <a:ext uri="{FF2B5EF4-FFF2-40B4-BE49-F238E27FC236}">
+                <a16:creationId xmlns:a16="http://schemas.microsoft.com/office/drawing/2014/main" id="{17796E5C-0430-5E1D-91DC-F12E3117891A}"/>
+              </a:ext>
+            </a:extLst>
+          </p:cNvPr>
+          <p:cNvSpPr/>
+          <p:nvPr/>
+        </p:nvSpPr>
+        <p:spPr>
+          <a:xfrm>
+            <a:off x="9065866" y="4011870"/>
+            <a:ext cx="1198800" cy="502920"/>
+          </a:xfrm>
+          <a:prstGeom prst="rect">
+            <a:avLst/>
+          </a:prstGeom>
+          <a:solidFill>
+            <a:schemeClr val="bg1"/>
+          </a:solidFill>
+          <a:ln>
+            <a:solidFill>
+              <a:schemeClr val="tx1"/>
+            </a:solidFill>
+          </a:ln>
+        </p:spPr>
+        <p:style>
+          <a:lnRef idx="2">
+            <a:schemeClr val="accent1">
+              <a:shade val="50000"/>
+            </a:schemeClr>
+          </a:lnRef>
+          <a:fillRef idx="1">
+            <a:schemeClr val="accent1"/>
+          </a:fillRef>
+          <a:effectRef idx="0">
+            <a:schemeClr val="accent1"/>
+          </a:effectRef>
+          <a:fontRef idx="minor">
+            <a:schemeClr val="lt1"/>
+          </a:fontRef>
+        </p:style>
+        <p:txBody>
+          <a:bodyPr rtlCol="0" anchor="ctr"/>
+          <a:lstStyle/>
+          <a:p>
+            <a:pPr algn="ctr"/>
+            <a:endParaRPr kumimoji="1" lang="ja-JP" altLang="en-US" sz="1400">
+              <a:solidFill>
+                <a:schemeClr val="tx1"/>
+              </a:solidFill>
+            </a:endParaRPr>
+          </a:p>
+        </p:txBody>
+      </p:sp>
+      <p:sp>
+        <p:nvSpPr>
+          <p:cNvPr id="70" name="正方形/長方形 69">
+            <a:extLst>
+              <a:ext uri="{FF2B5EF4-FFF2-40B4-BE49-F238E27FC236}">
+                <a16:creationId xmlns:a16="http://schemas.microsoft.com/office/drawing/2014/main" id="{6F5A8528-A795-B36A-E209-64F3E7F8FD88}"/>
+              </a:ext>
+            </a:extLst>
+          </p:cNvPr>
+          <p:cNvSpPr/>
+          <p:nvPr/>
+        </p:nvSpPr>
+        <p:spPr>
+          <a:xfrm>
+            <a:off x="9006361" y="3939364"/>
+            <a:ext cx="1198800" cy="502920"/>
+          </a:xfrm>
+          <a:prstGeom prst="rect">
+            <a:avLst/>
+          </a:prstGeom>
+          <a:solidFill>
+            <a:schemeClr val="bg1"/>
+          </a:solidFill>
+          <a:ln>
+            <a:solidFill>
+              <a:schemeClr val="tx1"/>
+            </a:solidFill>
+          </a:ln>
+        </p:spPr>
+        <p:style>
+          <a:lnRef idx="2">
+            <a:schemeClr val="accent1">
+              <a:shade val="50000"/>
+            </a:schemeClr>
+          </a:lnRef>
+          <a:fillRef idx="1">
+            <a:schemeClr val="accent1"/>
+          </a:fillRef>
+          <a:effectRef idx="0">
+            <a:schemeClr val="accent1"/>
+          </a:effectRef>
+          <a:fontRef idx="minor">
+            <a:schemeClr val="lt1"/>
+          </a:fontRef>
+        </p:style>
+        <p:txBody>
+          <a:bodyPr rtlCol="0" anchor="ctr"/>
+          <a:lstStyle/>
+          <a:p>
+            <a:pPr algn="ctr"/>
+            <a:endParaRPr kumimoji="1" lang="ja-JP" altLang="en-US" sz="1400">
+              <a:solidFill>
+                <a:schemeClr val="tx1"/>
+              </a:solidFill>
+            </a:endParaRPr>
+          </a:p>
+        </p:txBody>
+      </p:sp>
+      <p:sp>
+        <p:nvSpPr>
+          <p:cNvPr id="71" name="正方形/長方形 70">
+            <a:extLst>
+              <a:ext uri="{FF2B5EF4-FFF2-40B4-BE49-F238E27FC236}">
+                <a16:creationId xmlns:a16="http://schemas.microsoft.com/office/drawing/2014/main" id="{022D4274-EF64-F189-633D-CA562053B7A3}"/>
+              </a:ext>
+            </a:extLst>
+          </p:cNvPr>
+          <p:cNvSpPr/>
+          <p:nvPr/>
+        </p:nvSpPr>
+        <p:spPr>
+          <a:xfrm>
+            <a:off x="8957386" y="3865960"/>
+            <a:ext cx="1198800" cy="502920"/>
+          </a:xfrm>
+          <a:prstGeom prst="rect">
+            <a:avLst/>
+          </a:prstGeom>
+          <a:solidFill>
+            <a:schemeClr val="bg1"/>
+          </a:solidFill>
+          <a:ln>
+            <a:solidFill>
+              <a:schemeClr val="tx1"/>
+            </a:solidFill>
+          </a:ln>
+        </p:spPr>
+        <p:style>
+          <a:lnRef idx="2">
+            <a:schemeClr val="accent1">
+              <a:shade val="50000"/>
+            </a:schemeClr>
+          </a:lnRef>
+          <a:fillRef idx="1">
+            <a:schemeClr val="accent1"/>
+          </a:fillRef>
+          <a:effectRef idx="0">
+            <a:schemeClr val="accent1"/>
+          </a:effectRef>
+          <a:fontRef idx="minor">
+            <a:schemeClr val="lt1"/>
+          </a:fontRef>
+        </p:style>
+        <p:txBody>
+          <a:bodyPr rtlCol="0" anchor="ctr"/>
+          <a:lstStyle/>
+          <a:p>
+            <a:pPr algn="ctr"/>
+            <a:r>
+              <a:rPr kumimoji="1" lang="en-US" altLang="ja-JP" sz="1400" dirty="0">
+                <a:solidFill>
+                  <a:schemeClr val="tx1"/>
+                </a:solidFill>
+              </a:rPr>
+              <a:t>Signature</a:t>
+            </a:r>
+            <a:endParaRPr kumimoji="1" lang="ja-JP" altLang="en-US" sz="1400">
+              <a:solidFill>
+                <a:schemeClr val="tx1"/>
+              </a:solidFill>
+            </a:endParaRPr>
+          </a:p>
+        </p:txBody>
+      </p:sp>
+      <p:cxnSp>
+        <p:nvCxnSpPr>
+          <p:cNvPr id="72" name="直線矢印コネクタ 71">
+            <a:extLst>
+              <a:ext uri="{FF2B5EF4-FFF2-40B4-BE49-F238E27FC236}">
+                <a16:creationId xmlns:a16="http://schemas.microsoft.com/office/drawing/2014/main" id="{0F826263-0353-C3F3-9406-309D6D740F09}"/>
+              </a:ext>
+            </a:extLst>
+          </p:cNvPr>
+          <p:cNvCxnSpPr>
+            <a:cxnSpLocks/>
+          </p:cNvCxnSpPr>
+          <p:nvPr/>
+        </p:nvCxnSpPr>
+        <p:spPr>
+          <a:xfrm>
+            <a:off x="5840730" y="4263330"/>
+            <a:ext cx="594360" cy="0"/>
+          </a:xfrm>
+          <a:prstGeom prst="straightConnector1">
+            <a:avLst/>
+          </a:prstGeom>
+          <a:ln w="9525">
+            <a:solidFill>
+              <a:schemeClr val="tx1"/>
+            </a:solidFill>
+            <a:headEnd type="none" w="med" len="med"/>
+            <a:tailEnd type="arrow" w="med" len="med"/>
+          </a:ln>
+        </p:spPr>
+        <p:style>
+          <a:lnRef idx="1">
+            <a:schemeClr val="accent1"/>
+          </a:lnRef>
+          <a:fillRef idx="0">
+            <a:schemeClr val="accent1"/>
+          </a:fillRef>
+          <a:effectRef idx="0">
+            <a:schemeClr val="accent1"/>
+          </a:effectRef>
+          <a:fontRef idx="minor">
+            <a:schemeClr val="tx1"/>
+          </a:fontRef>
+        </p:style>
+      </p:cxnSp>
+      <p:cxnSp>
+        <p:nvCxnSpPr>
+          <p:cNvPr id="73" name="直線矢印コネクタ 72">
+            <a:extLst>
+              <a:ext uri="{FF2B5EF4-FFF2-40B4-BE49-F238E27FC236}">
+                <a16:creationId xmlns:a16="http://schemas.microsoft.com/office/drawing/2014/main" id="{445EBFEB-CCB8-C798-777D-7E99B4C60956}"/>
+              </a:ext>
+            </a:extLst>
+          </p:cNvPr>
+          <p:cNvCxnSpPr>
+            <a:cxnSpLocks/>
+          </p:cNvCxnSpPr>
+          <p:nvPr/>
+        </p:nvCxnSpPr>
+        <p:spPr>
+          <a:xfrm>
+            <a:off x="5840730" y="4395976"/>
+            <a:ext cx="594360" cy="0"/>
+          </a:xfrm>
+          <a:prstGeom prst="straightConnector1">
+            <a:avLst/>
+          </a:prstGeom>
+          <a:ln w="9525">
+            <a:solidFill>
+              <a:schemeClr val="tx1"/>
+            </a:solidFill>
+            <a:headEnd type="none" w="med" len="med"/>
+            <a:tailEnd type="arrow" w="med" len="med"/>
+          </a:ln>
+        </p:spPr>
+        <p:style>
+          <a:lnRef idx="1">
+            <a:schemeClr val="accent1"/>
+          </a:lnRef>
+          <a:fillRef idx="0">
+            <a:schemeClr val="accent1"/>
+          </a:fillRef>
+          <a:effectRef idx="0">
+            <a:schemeClr val="accent1"/>
+          </a:effectRef>
+          <a:fontRef idx="minor">
+            <a:schemeClr val="tx1"/>
+          </a:fontRef>
+        </p:style>
+      </p:cxnSp>
+      <p:cxnSp>
+        <p:nvCxnSpPr>
+          <p:cNvPr id="23" name="直線矢印コネクタ 22">
+            <a:extLst>
+              <a:ext uri="{FF2B5EF4-FFF2-40B4-BE49-F238E27FC236}">
+                <a16:creationId xmlns:a16="http://schemas.microsoft.com/office/drawing/2014/main" id="{BCEE2278-582A-B212-321B-7EC1F85FBC8C}"/>
+              </a:ext>
+            </a:extLst>
+          </p:cNvPr>
+          <p:cNvCxnSpPr>
+            <a:cxnSpLocks/>
+          </p:cNvCxnSpPr>
+          <p:nvPr/>
+        </p:nvCxnSpPr>
+        <p:spPr>
+          <a:xfrm>
+            <a:off x="7818645" y="4103310"/>
+            <a:ext cx="1080000" cy="0"/>
+          </a:xfrm>
+          <a:prstGeom prst="straightConnector1">
+            <a:avLst/>
+          </a:prstGeom>
+          <a:ln w="9525">
+            <a:solidFill>
+              <a:schemeClr val="tx1"/>
+            </a:solidFill>
+            <a:headEnd type="none" w="med" len="med"/>
+            <a:tailEnd type="arrow" w="med" len="med"/>
+          </a:ln>
+        </p:spPr>
+        <p:style>
+          <a:lnRef idx="1">
+            <a:schemeClr val="accent1"/>
+          </a:lnRef>
+          <a:fillRef idx="0">
+            <a:schemeClr val="accent1"/>
+          </a:fillRef>
+          <a:effectRef idx="0">
+            <a:schemeClr val="accent1"/>
+          </a:effectRef>
+          <a:fontRef idx="minor">
+            <a:schemeClr val="tx1"/>
+          </a:fontRef>
+        </p:style>
+      </p:cxnSp>
+      <p:cxnSp>
+        <p:nvCxnSpPr>
+          <p:cNvPr id="75" name="直線矢印コネクタ 74">
+            <a:extLst>
+              <a:ext uri="{FF2B5EF4-FFF2-40B4-BE49-F238E27FC236}">
+                <a16:creationId xmlns:a16="http://schemas.microsoft.com/office/drawing/2014/main" id="{BFB38924-15FD-C822-6CDD-F926EA0EC8EC}"/>
+              </a:ext>
+            </a:extLst>
+          </p:cNvPr>
+          <p:cNvCxnSpPr>
+            <a:cxnSpLocks/>
+          </p:cNvCxnSpPr>
+          <p:nvPr/>
+        </p:nvCxnSpPr>
+        <p:spPr>
+          <a:xfrm>
+            <a:off x="7818645" y="4240470"/>
+            <a:ext cx="1080000" cy="0"/>
+          </a:xfrm>
+          <a:prstGeom prst="straightConnector1">
+            <a:avLst/>
+          </a:prstGeom>
+          <a:ln w="9525">
+            <a:solidFill>
+              <a:schemeClr val="tx1"/>
+            </a:solidFill>
+            <a:headEnd type="none" w="med" len="med"/>
+            <a:tailEnd type="arrow" w="med" len="med"/>
+          </a:ln>
+        </p:spPr>
+        <p:style>
+          <a:lnRef idx="1">
+            <a:schemeClr val="accent1"/>
+          </a:lnRef>
+          <a:fillRef idx="0">
+            <a:schemeClr val="accent1"/>
+          </a:fillRef>
+          <a:effectRef idx="0">
+            <a:schemeClr val="accent1"/>
+          </a:effectRef>
+          <a:fontRef idx="minor">
+            <a:schemeClr val="tx1"/>
+          </a:fontRef>
+        </p:style>
+      </p:cxnSp>
+      <p:cxnSp>
+        <p:nvCxnSpPr>
+          <p:cNvPr id="76" name="直線矢印コネクタ 75">
+            <a:extLst>
+              <a:ext uri="{FF2B5EF4-FFF2-40B4-BE49-F238E27FC236}">
+                <a16:creationId xmlns:a16="http://schemas.microsoft.com/office/drawing/2014/main" id="{61AAB480-45A0-5D2B-7924-C8DEBCF565DA}"/>
+              </a:ext>
+            </a:extLst>
+          </p:cNvPr>
+          <p:cNvCxnSpPr>
+            <a:cxnSpLocks/>
+          </p:cNvCxnSpPr>
+          <p:nvPr/>
+        </p:nvCxnSpPr>
+        <p:spPr>
+          <a:xfrm>
+            <a:off x="7818645" y="4389060"/>
+            <a:ext cx="1080000" cy="0"/>
+          </a:xfrm>
+          <a:prstGeom prst="straightConnector1">
+            <a:avLst/>
+          </a:prstGeom>
+          <a:ln w="9525">
+            <a:solidFill>
+              <a:schemeClr val="tx1"/>
+            </a:solidFill>
+            <a:headEnd type="none" w="med" len="med"/>
+            <a:tailEnd type="arrow" w="med" len="med"/>
+          </a:ln>
+        </p:spPr>
+        <p:style>
+          <a:lnRef idx="1">
+            <a:schemeClr val="accent1"/>
+          </a:lnRef>
+          <a:fillRef idx="0">
+            <a:schemeClr val="accent1"/>
+          </a:fillRef>
+          <a:effectRef idx="0">
+            <a:schemeClr val="accent1"/>
+          </a:effectRef>
+          <a:fontRef idx="minor">
+            <a:schemeClr val="tx1"/>
+          </a:fontRef>
+        </p:style>
+      </p:cxnSp>
+    </p:spTree>
+    <p:extLst>
+      <p:ext uri="{BB962C8B-B14F-4D97-AF65-F5344CB8AC3E}">
+        <p14:creationId xmlns:p14="http://schemas.microsoft.com/office/powerpoint/2010/main" val="615672305"/>
+      </p:ext>
+    </p:extLst>
+  </p:cSld>
+  <p:clrMapOvr>
+    <a:masterClrMapping/>
+  </p:clrMapOvr>
+</p:sld>
+</file>
+
+<file path=ppt/slides/slide4.xml><?xml version="1.0" encoding="utf-8"?>
+<p:sld xmlns:a="http://schemas.openxmlformats.org/drawingml/2006/main" xmlns:r="http://schemas.openxmlformats.org/officeDocument/2006/relationships" xmlns:p="http://schemas.openxmlformats.org/presentationml/2006/main">
+  <p:cSld>
+    <p:spTree>
+      <p:nvGrpSpPr>
+        <p:cNvPr id="1" name=""/>
+        <p:cNvGrpSpPr/>
+        <p:nvPr/>
+      </p:nvGrpSpPr>
+      <p:grpSpPr>
+        <a:xfrm>
+          <a:off x="0" y="0"/>
+          <a:ext cx="0" cy="0"/>
+          <a:chOff x="0" y="0"/>
+          <a:chExt cx="0" cy="0"/>
+        </a:xfrm>
+      </p:grpSpPr>
+      <p:sp>
+        <p:nvSpPr>
+          <p:cNvPr id="2" name="タイトル 1">
+            <a:extLst>
+              <a:ext uri="{FF2B5EF4-FFF2-40B4-BE49-F238E27FC236}">
                 <a16:creationId xmlns:a16="http://schemas.microsoft.com/office/drawing/2014/main" id="{13C51C0C-3161-ADEB-5017-D8AA808A80C0}"/>
               </a:ext>
             </a:extLst>
@@ -5011,7 +7139,7 @@
             <a:fld id="{51BE5F08-58E8-9243-A834-2B76637F595D}" type="slidenum">
               <a:rPr kumimoji="1" lang="ja-JP" altLang="en-US" smtClean="0"/>
               <a:pPr/>
-              <a:t>2</a:t>
+              <a:t>3</a:t>
             </a:fld>
             <a:endParaRPr kumimoji="1" lang="ja-JP" altLang="en-US"/>
           </a:p>
@@ -5531,10 +7659,10 @@
       </p:grpSp>
       <p:sp>
         <p:nvSpPr>
-          <p:cNvPr id="12" name="テキスト ボックス 11">
+          <p:cNvPr id="6" name="テキスト ボックス 5">
             <a:extLst>
               <a:ext uri="{FF2B5EF4-FFF2-40B4-BE49-F238E27FC236}">
-                <a16:creationId xmlns:a16="http://schemas.microsoft.com/office/drawing/2014/main" id="{63B2665B-F657-BFFE-F3CB-561A0822B6E7}"/>
+                <a16:creationId xmlns:a16="http://schemas.microsoft.com/office/drawing/2014/main" id="{5BE4B43E-7BA8-FB3B-FC8A-822C8CDC6FD8}"/>
               </a:ext>
             </a:extLst>
           </p:cNvPr>
@@ -5543,8 +7671,8 @@
         </p:nvSpPr>
         <p:spPr>
           <a:xfrm>
-            <a:off x="11075670" y="9225"/>
-            <a:ext cx="1093469" cy="315912"/>
+            <a:off x="10729139" y="9225"/>
+            <a:ext cx="1443600" cy="315912"/>
           </a:xfrm>
           <a:prstGeom prst="rect">
             <a:avLst/>
@@ -5560,7 +7688,7 @@
             <a:pPr algn="r"/>
             <a:r>
               <a:rPr kumimoji="1" lang="en-US" altLang="ja-JP" sz="1200" dirty="0"/>
-              <a:t>May 21 2023</a:t>
+              <a:t>JST May 21 2023</a:t>
             </a:r>
             <a:endParaRPr kumimoji="1" lang="ja-JP" altLang="en-US" sz="1200" dirty="0"/>
           </a:p>
@@ -5579,7 +7707,7 @@
 </p:sld>
 </file>
 
-<file path=ppt/slides/slide4.xml><?xml version="1.0" encoding="utf-8"?>
+<file path=ppt/slides/slide5.xml><?xml version="1.0" encoding="utf-8"?>
 <p:sld xmlns:a="http://schemas.openxmlformats.org/drawingml/2006/main" xmlns:r="http://schemas.openxmlformats.org/officeDocument/2006/relationships" xmlns:p="http://schemas.openxmlformats.org/presentationml/2006/main">
   <p:cSld>
     <p:spTree>
@@ -5678,7 +7806,7 @@
             <a:fld id="{51BE5F08-58E8-9243-A834-2B76637F595D}" type="slidenum">
               <a:rPr kumimoji="1" lang="ja-JP" altLang="en-US" smtClean="0"/>
               <a:pPr/>
-              <a:t>3</a:t>
+              <a:t>4</a:t>
             </a:fld>
             <a:endParaRPr kumimoji="1" lang="ja-JP" altLang="en-US"/>
           </a:p>
@@ -5699,14 +7827,14 @@
           <p:nvPr>
             <p:extLst>
               <p:ext uri="{D42A27DB-BD31-4B8C-83A1-F6EECF244321}">
-                <p14:modId xmlns:p14="http://schemas.microsoft.com/office/powerpoint/2010/main" val="386444"/>
+                <p14:modId xmlns:p14="http://schemas.microsoft.com/office/powerpoint/2010/main" val="1931759950"/>
               </p:ext>
             </p:extLst>
           </p:nvPr>
         </p:nvGraphicFramePr>
         <p:xfrm>
-          <a:off x="838200" y="929534"/>
-          <a:ext cx="10515602" cy="4888336"/>
+          <a:off x="838200" y="2406664"/>
+          <a:ext cx="10515602" cy="3434665"/>
         </p:xfrm>
         <a:graphic>
           <a:graphicData uri="http://schemas.openxmlformats.org/drawingml/2006/table">
@@ -5758,7 +7886,7 @@
                   </a:extLst>
                 </a:gridCol>
               </a:tblGrid>
-              <a:tr h="662832">
+              <a:tr h="462541">
                 <a:tc rowSpan="2" gridSpan="2">
                   <a:txBody>
                     <a:bodyPr/>
@@ -6008,7 +8136,7 @@
                             <a:schemeClr val="bg1"/>
                           </a:solidFill>
                         </a:rPr>
-                        <a:t>Standard</a:t>
+                        <a:t>Standard (Request directly)</a:t>
                       </a:r>
                       <a:endParaRPr kumimoji="1" lang="ja-JP" altLang="en-US" sz="1600" b="0">
                         <a:solidFill>
@@ -6087,7 +8215,7 @@
                   </a:ext>
                 </a:extLst>
               </a:tr>
-              <a:tr h="446848">
+              <a:tr h="311822">
                 <a:tc gridSpan="2" vMerge="1">
                   <a:txBody>
                     <a:bodyPr/>
@@ -6494,7 +8622,7 @@
                   </a:ext>
                 </a:extLst>
               </a:tr>
-              <a:tr h="1259552">
+              <a:tr h="878948">
                 <a:tc rowSpan="3">
                   <a:txBody>
                     <a:bodyPr/>
@@ -6957,7 +9085,7 @@
                   </a:ext>
                 </a:extLst>
               </a:tr>
-              <a:tr h="1259552">
+              <a:tr h="878948">
                 <a:tc vMerge="1">
                   <a:txBody>
                     <a:bodyPr/>
@@ -7420,7 +9548,7 @@
                   </a:ext>
                 </a:extLst>
               </a:tr>
-              <a:tr h="1259552">
+              <a:tr h="878948">
                 <a:tc vMerge="1">
                   <a:txBody>
                     <a:bodyPr/>
@@ -7939,10 +10067,10 @@
       </p:sp>
       <p:sp>
         <p:nvSpPr>
-          <p:cNvPr id="11" name="テキスト ボックス 10">
+          <p:cNvPr id="3" name="テキスト ボックス 2">
             <a:extLst>
               <a:ext uri="{FF2B5EF4-FFF2-40B4-BE49-F238E27FC236}">
-                <a16:creationId xmlns:a16="http://schemas.microsoft.com/office/drawing/2014/main" id="{B8750E22-71F9-006F-E396-878859D554FA}"/>
+                <a16:creationId xmlns:a16="http://schemas.microsoft.com/office/drawing/2014/main" id="{B66D550E-9D39-E8B2-BEFF-6191E1275EF3}"/>
               </a:ext>
             </a:extLst>
           </p:cNvPr>
@@ -7951,8 +10079,8 @@
         </p:nvSpPr>
         <p:spPr>
           <a:xfrm>
-            <a:off x="11075670" y="9225"/>
-            <a:ext cx="1093469" cy="315912"/>
+            <a:off x="10729139" y="9225"/>
+            <a:ext cx="1443600" cy="315912"/>
           </a:xfrm>
           <a:prstGeom prst="rect">
             <a:avLst/>
@@ -7968,206 +10096,54 @@
             <a:pPr algn="r"/>
             <a:r>
               <a:rPr kumimoji="1" lang="en-US" altLang="ja-JP" sz="1200" dirty="0"/>
-              <a:t>May 21 2023</a:t>
+              <a:t>JST May 21 2023</a:t>
             </a:r>
             <a:endParaRPr kumimoji="1" lang="ja-JP" altLang="en-US" sz="1200" dirty="0"/>
           </a:p>
         </p:txBody>
       </p:sp>
-    </p:spTree>
-    <p:extLst>
-      <p:ext uri="{BB962C8B-B14F-4D97-AF65-F5344CB8AC3E}">
-        <p14:creationId xmlns:p14="http://schemas.microsoft.com/office/powerpoint/2010/main" val="3947670963"/>
-      </p:ext>
-    </p:extLst>
-  </p:cSld>
-  <p:clrMapOvr>
-    <a:masterClrMapping/>
-  </p:clrMapOvr>
-</p:sld>
-</file>
-
-<file path=ppt/slides/slide5.xml><?xml version="1.0" encoding="utf-8"?>
-<p:sld xmlns:a="http://schemas.openxmlformats.org/drawingml/2006/main" xmlns:r="http://schemas.openxmlformats.org/officeDocument/2006/relationships" xmlns:p="http://schemas.openxmlformats.org/presentationml/2006/main">
-  <p:cSld>
-    <p:spTree>
-      <p:nvGrpSpPr>
-        <p:cNvPr id="1" name=""/>
-        <p:cNvGrpSpPr/>
-        <p:nvPr/>
-      </p:nvGrpSpPr>
-      <p:grpSpPr>
-        <a:xfrm>
-          <a:off x="0" y="0"/>
-          <a:ext cx="0" cy="0"/>
-          <a:chOff x="0" y="0"/>
-          <a:chExt cx="0" cy="0"/>
-        </a:xfrm>
-      </p:grpSpPr>
-      <p:sp>
-        <p:nvSpPr>
-          <p:cNvPr id="2" name="タイトル 1">
+      <p:pic>
+        <p:nvPicPr>
+          <p:cNvPr id="6" name="図 5">
             <a:extLst>
               <a:ext uri="{FF2B5EF4-FFF2-40B4-BE49-F238E27FC236}">
-                <a16:creationId xmlns:a16="http://schemas.microsoft.com/office/drawing/2014/main" id="{43250BC8-4F2A-7219-E8D7-268AD2771F2E}"/>
+                <a16:creationId xmlns:a16="http://schemas.microsoft.com/office/drawing/2014/main" id="{5B5B1581-2DEF-2171-78E4-6A9C0491C401}"/>
               </a:ext>
             </a:extLst>
           </p:cNvPr>
-          <p:cNvSpPr>
-            <a:spLocks noGrp="1"/>
-          </p:cNvSpPr>
-          <p:nvPr>
-            <p:ph type="title"/>
-          </p:nvPr>
-        </p:nvSpPr>
-        <p:spPr/>
-        <p:txBody>
-          <a:bodyPr/>
-          <a:lstStyle/>
-          <a:p>
-            <a:r>
-              <a:rPr lang="en-US" altLang="ja-JP" dirty="0"/>
-              <a:t>Transaction Processing Bottleneck</a:t>
-            </a:r>
-            <a:endParaRPr kumimoji="1" lang="ja-JP" altLang="en-US"/>
-          </a:p>
-        </p:txBody>
-      </p:sp>
-      <p:sp>
-        <p:nvSpPr>
-          <p:cNvPr id="3" name="コンテンツ プレースホルダー 2">
+          <p:cNvPicPr>
+            <a:picLocks noChangeAspect="1"/>
+          </p:cNvPicPr>
+          <p:nvPr/>
+        </p:nvPicPr>
+        <p:blipFill>
+          <a:blip r:embed="rId2" cstate="screen">
             <a:extLst>
-              <a:ext uri="{FF2B5EF4-FFF2-40B4-BE49-F238E27FC236}">
-                <a16:creationId xmlns:a16="http://schemas.microsoft.com/office/drawing/2014/main" id="{78EB6AF7-E47F-C14B-7C29-2EC2BEC09D1B}"/>
+              <a:ext uri="{28A0092B-C50C-407E-A947-70E740481C1C}">
+                <a14:useLocalDpi xmlns:a14="http://schemas.microsoft.com/office/drawing/2010/main"/>
               </a:ext>
             </a:extLst>
-          </p:cNvPr>
-          <p:cNvSpPr>
-            <a:spLocks noGrp="1"/>
-          </p:cNvSpPr>
-          <p:nvPr>
-            <p:ph idx="1"/>
-          </p:nvPr>
-        </p:nvSpPr>
-        <p:spPr/>
-        <p:txBody>
-          <a:bodyPr/>
-          <a:lstStyle/>
-          <a:p>
-            <a:r>
-              <a:rPr kumimoji="1" lang="en-US" altLang="ja-JP" dirty="0"/>
-              <a:t>Speed bottlenec</a:t>
-            </a:r>
-            <a:r>
-              <a:rPr lang="en-US" altLang="ja-JP" dirty="0"/>
-              <a:t>k is create and use Nonce process in Sign Transaction (hypothesis).</a:t>
-            </a:r>
-            <a:endParaRPr kumimoji="1" lang="ja-JP" altLang="en-US"/>
-          </a:p>
-        </p:txBody>
-      </p:sp>
-      <p:sp>
-        <p:nvSpPr>
-          <p:cNvPr id="4" name="フッター プレースホルダー 3">
-            <a:extLst>
-              <a:ext uri="{FF2B5EF4-FFF2-40B4-BE49-F238E27FC236}">
-                <a16:creationId xmlns:a16="http://schemas.microsoft.com/office/drawing/2014/main" id="{AA992DCE-73F7-E641-964C-083521207CE8}"/>
-              </a:ext>
-            </a:extLst>
-          </p:cNvPr>
-          <p:cNvSpPr>
-            <a:spLocks noGrp="1"/>
-          </p:cNvSpPr>
-          <p:nvPr>
-            <p:ph type="ftr" sz="quarter" idx="11"/>
-          </p:nvPr>
-        </p:nvSpPr>
-        <p:spPr/>
-        <p:txBody>
-          <a:bodyPr/>
-          <a:lstStyle/>
-          <a:p>
-            <a:r>
-              <a:rPr kumimoji="1" lang="en-US" altLang="ja-JP"/>
-              <a:t>256hax</a:t>
-            </a:r>
-            <a:endParaRPr kumimoji="1" lang="ja-JP" altLang="en-US"/>
-          </a:p>
-        </p:txBody>
-      </p:sp>
-      <p:sp>
-        <p:nvSpPr>
-          <p:cNvPr id="5" name="スライド番号プレースホルダー 4">
-            <a:extLst>
-              <a:ext uri="{FF2B5EF4-FFF2-40B4-BE49-F238E27FC236}">
-                <a16:creationId xmlns:a16="http://schemas.microsoft.com/office/drawing/2014/main" id="{E379B570-9F25-249A-840A-5E8B535920AA}"/>
-              </a:ext>
-            </a:extLst>
-          </p:cNvPr>
-          <p:cNvSpPr>
-            <a:spLocks noGrp="1"/>
-          </p:cNvSpPr>
-          <p:nvPr>
-            <p:ph type="sldNum" sz="quarter" idx="12"/>
-          </p:nvPr>
-        </p:nvSpPr>
-        <p:spPr/>
-        <p:txBody>
-          <a:bodyPr/>
-          <a:lstStyle/>
-          <a:p>
-            <a:fld id="{51BE5F08-58E8-9243-A834-2B76637F595D}" type="slidenum">
-              <a:rPr kumimoji="1" lang="ja-JP" altLang="en-US" smtClean="0"/>
-              <a:pPr/>
-              <a:t>4</a:t>
-            </a:fld>
-            <a:endParaRPr kumimoji="1" lang="ja-JP" altLang="en-US"/>
-          </a:p>
-        </p:txBody>
-      </p:sp>
-      <p:sp>
-        <p:nvSpPr>
-          <p:cNvPr id="7" name="テキスト ボックス 6">
-            <a:extLst>
-              <a:ext uri="{FF2B5EF4-FFF2-40B4-BE49-F238E27FC236}">
-                <a16:creationId xmlns:a16="http://schemas.microsoft.com/office/drawing/2014/main" id="{6265CB4E-00C3-B22A-45A4-2EF1DA08C4F7}"/>
-              </a:ext>
-            </a:extLst>
-          </p:cNvPr>
-          <p:cNvSpPr txBox="1"/>
-          <p:nvPr/>
-        </p:nvSpPr>
-        <p:spPr>
-          <a:xfrm>
-            <a:off x="11075670" y="9225"/>
-            <a:ext cx="1093469" cy="315912"/>
+          </a:blip>
+          <a:stretch>
+            <a:fillRect/>
+          </a:stretch>
+        </p:blipFill>
+        <p:spPr>
+          <a:xfrm>
+            <a:off x="838200" y="908341"/>
+            <a:ext cx="4693920" cy="1249827"/>
           </a:xfrm>
           <a:prstGeom prst="rect">
             <a:avLst/>
           </a:prstGeom>
-          <a:noFill/>
-        </p:spPr>
-        <p:txBody>
-          <a:bodyPr wrap="square" rtlCol="0">
-            <a:noAutofit/>
-          </a:bodyPr>
-          <a:lstStyle/>
-          <a:p>
-            <a:pPr algn="r"/>
-            <a:r>
-              <a:rPr kumimoji="1" lang="en-US" altLang="ja-JP" sz="1200" dirty="0"/>
-              <a:t>May 21 2023</a:t>
-            </a:r>
-            <a:endParaRPr kumimoji="1" lang="ja-JP" altLang="en-US" sz="1200" dirty="0"/>
-          </a:p>
-        </p:txBody>
-      </p:sp>
-      <p:sp>
-        <p:nvSpPr>
-          <p:cNvPr id="8" name="正方形/長方形 7">
+        </p:spPr>
+      </p:pic>
+      <p:sp>
+        <p:nvSpPr>
+          <p:cNvPr id="9" name="正方形/長方形 8">
             <a:extLst>
               <a:ext uri="{FF2B5EF4-FFF2-40B4-BE49-F238E27FC236}">
-                <a16:creationId xmlns:a16="http://schemas.microsoft.com/office/drawing/2014/main" id="{81F61A3F-363F-0E0A-E207-0AB9CFA8C802}"/>
+                <a16:creationId xmlns:a16="http://schemas.microsoft.com/office/drawing/2014/main" id="{3572253C-1EB2-79D5-7844-AE24337E9152}"/>
               </a:ext>
             </a:extLst>
           </p:cNvPr>
@@ -8176,18 +10152,16 @@
         </p:nvSpPr>
         <p:spPr>
           <a:xfrm>
-            <a:off x="838200" y="4222245"/>
-            <a:ext cx="1540173" cy="1741481"/>
+            <a:off x="4305300" y="1245870"/>
+            <a:ext cx="845820" cy="1003139"/>
           </a:xfrm>
           <a:prstGeom prst="rect">
             <a:avLst/>
           </a:prstGeom>
-          <a:solidFill>
-            <a:schemeClr val="tx1"/>
-          </a:solidFill>
+          <a:noFill/>
           <a:ln>
             <a:solidFill>
-              <a:schemeClr val="tx1"/>
+              <a:srgbClr val="FF0000"/>
             </a:solidFill>
           </a:ln>
         </p:spPr>
@@ -8212,44 +10186,9 @@
           <a:lstStyle/>
           <a:p>
             <a:pPr algn="ctr"/>
-            <a:r>
-              <a:rPr kumimoji="1" lang="en-US" altLang="ja-JP" sz="1400" dirty="0">
-                <a:solidFill>
-                  <a:schemeClr val="bg1"/>
-                </a:solidFill>
-              </a:rPr>
-              <a:t>(</a:t>
-            </a:r>
-            <a:r>
-              <a:rPr kumimoji="1" lang="en-US" altLang="ja-JP" sz="1400" dirty="0" err="1">
-                <a:solidFill>
-                  <a:schemeClr val="bg1"/>
-                </a:solidFill>
-              </a:rPr>
-              <a:t>ToBe</a:t>
-            </a:r>
-            <a:r>
-              <a:rPr kumimoji="1" lang="en-US" altLang="ja-JP" sz="1400" dirty="0">
-                <a:solidFill>
-                  <a:schemeClr val="bg1"/>
-                </a:solidFill>
-              </a:rPr>
-              <a:t>)</a:t>
-            </a:r>
-          </a:p>
-          <a:p>
-            <a:pPr algn="ctr"/>
-            <a:r>
-              <a:rPr kumimoji="1" lang="en-US" altLang="ja-JP" sz="2000" dirty="0">
-                <a:solidFill>
-                  <a:schemeClr val="bg1"/>
-                </a:solidFill>
-              </a:rPr>
-              <a:t>Mad Mints</a:t>
-            </a:r>
-            <a:endParaRPr kumimoji="1" lang="ja-JP" altLang="en-US" sz="2000">
+            <a:endParaRPr kumimoji="1" lang="ja-JP" altLang="en-US" sz="1600">
               <a:solidFill>
-                <a:schemeClr val="bg1"/>
+                <a:schemeClr val="tx1"/>
               </a:solidFill>
             </a:endParaRPr>
           </a:p>
@@ -8257,148 +10196,10 @@
       </p:sp>
       <p:sp>
         <p:nvSpPr>
-          <p:cNvPr id="13" name="正方形/長方形 12">
+          <p:cNvPr id="12" name="テキスト ボックス 11">
             <a:extLst>
               <a:ext uri="{FF2B5EF4-FFF2-40B4-BE49-F238E27FC236}">
-                <a16:creationId xmlns:a16="http://schemas.microsoft.com/office/drawing/2014/main" id="{3D2BDCEF-4432-9A0B-0694-CB6613F4450E}"/>
-              </a:ext>
-            </a:extLst>
-          </p:cNvPr>
-          <p:cNvSpPr/>
-          <p:nvPr/>
-        </p:nvSpPr>
-        <p:spPr>
-          <a:xfrm>
-            <a:off x="838200" y="1510070"/>
-            <a:ext cx="1540173" cy="1741481"/>
-          </a:xfrm>
-          <a:prstGeom prst="rect">
-            <a:avLst/>
-          </a:prstGeom>
-          <a:solidFill>
-            <a:schemeClr val="tx1"/>
-          </a:solidFill>
-          <a:ln>
-            <a:solidFill>
-              <a:schemeClr val="tx1"/>
-            </a:solidFill>
-          </a:ln>
-        </p:spPr>
-        <p:style>
-          <a:lnRef idx="2">
-            <a:schemeClr val="accent1">
-              <a:shade val="50000"/>
-            </a:schemeClr>
-          </a:lnRef>
-          <a:fillRef idx="1">
-            <a:schemeClr val="accent1"/>
-          </a:fillRef>
-          <a:effectRef idx="0">
-            <a:schemeClr val="accent1"/>
-          </a:effectRef>
-          <a:fontRef idx="minor">
-            <a:schemeClr val="lt1"/>
-          </a:fontRef>
-        </p:style>
-        <p:txBody>
-          <a:bodyPr rtlCol="0" anchor="ctr"/>
-          <a:lstStyle/>
-          <a:p>
-            <a:pPr algn="ctr"/>
-            <a:r>
-              <a:rPr kumimoji="1" lang="en-US" altLang="ja-JP" sz="1400" dirty="0">
-                <a:solidFill>
-                  <a:schemeClr val="bg1"/>
-                </a:solidFill>
-              </a:rPr>
-              <a:t>(</a:t>
-            </a:r>
-            <a:r>
-              <a:rPr kumimoji="1" lang="en-US" altLang="ja-JP" sz="1400" dirty="0" err="1">
-                <a:solidFill>
-                  <a:schemeClr val="bg1"/>
-                </a:solidFill>
-              </a:rPr>
-              <a:t>AsIs</a:t>
-            </a:r>
-            <a:r>
-              <a:rPr kumimoji="1" lang="en-US" altLang="ja-JP" sz="1400" dirty="0">
-                <a:solidFill>
-                  <a:schemeClr val="bg1"/>
-                </a:solidFill>
-              </a:rPr>
-              <a:t>)</a:t>
-            </a:r>
-          </a:p>
-          <a:p>
-            <a:pPr algn="ctr"/>
-            <a:r>
-              <a:rPr kumimoji="1" lang="en-US" altLang="ja-JP" sz="2000" dirty="0">
-                <a:solidFill>
-                  <a:schemeClr val="bg1"/>
-                </a:solidFill>
-              </a:rPr>
-              <a:t>Standard</a:t>
-            </a:r>
-            <a:endParaRPr kumimoji="1" lang="ja-JP" altLang="en-US" sz="2000">
-              <a:solidFill>
-                <a:schemeClr val="bg1"/>
-              </a:solidFill>
-            </a:endParaRPr>
-          </a:p>
-        </p:txBody>
-      </p:sp>
-      <p:cxnSp>
-        <p:nvCxnSpPr>
-          <p:cNvPr id="19" name="直線コネクタ 18">
-            <a:extLst>
-              <a:ext uri="{FF2B5EF4-FFF2-40B4-BE49-F238E27FC236}">
-                <a16:creationId xmlns:a16="http://schemas.microsoft.com/office/drawing/2014/main" id="{0B94F2AC-EB61-A104-CB50-DBF7497275A0}"/>
-              </a:ext>
-            </a:extLst>
-          </p:cNvPr>
-          <p:cNvCxnSpPr>
-            <a:cxnSpLocks/>
-          </p:cNvCxnSpPr>
-          <p:nvPr/>
-        </p:nvCxnSpPr>
-        <p:spPr>
-          <a:xfrm>
-            <a:off x="4937760" y="4971092"/>
-            <a:ext cx="0" cy="926793"/>
-          </a:xfrm>
-          <a:prstGeom prst="line">
-            <a:avLst/>
-          </a:prstGeom>
-          <a:ln w="9525">
-            <a:solidFill>
-              <a:schemeClr val="tx1"/>
-            </a:solidFill>
-            <a:headEnd type="none" w="med" len="med"/>
-            <a:tailEnd type="none" w="med" len="med"/>
-          </a:ln>
-        </p:spPr>
-        <p:style>
-          <a:lnRef idx="1">
-            <a:schemeClr val="accent1"/>
-          </a:lnRef>
-          <a:fillRef idx="0">
-            <a:schemeClr val="accent1"/>
-          </a:fillRef>
-          <a:effectRef idx="0">
-            <a:schemeClr val="accent1"/>
-          </a:effectRef>
-          <a:fontRef idx="minor">
-            <a:schemeClr val="tx1"/>
-          </a:fontRef>
-        </p:style>
-      </p:cxnSp>
-      <p:sp>
-        <p:nvSpPr>
-          <p:cNvPr id="23" name="テキスト ボックス 22">
-            <a:extLst>
-              <a:ext uri="{FF2B5EF4-FFF2-40B4-BE49-F238E27FC236}">
-                <a16:creationId xmlns:a16="http://schemas.microsoft.com/office/drawing/2014/main" id="{C3E5466C-2562-CFB7-38A9-002D1C036487}"/>
+                <a16:creationId xmlns:a16="http://schemas.microsoft.com/office/drawing/2014/main" id="{F7A31A3A-A292-E95F-66EC-4E928A76FF16}"/>
               </a:ext>
             </a:extLst>
           </p:cNvPr>
@@ -8407,830 +10208,8 @@
         </p:nvSpPr>
         <p:spPr>
           <a:xfrm>
-            <a:off x="2685093" y="4222245"/>
-            <a:ext cx="2036437" cy="423275"/>
-          </a:xfrm>
-          <a:prstGeom prst="rect">
-            <a:avLst/>
-          </a:prstGeom>
-          <a:noFill/>
-        </p:spPr>
-        <p:txBody>
-          <a:bodyPr wrap="square" rtlCol="0">
-            <a:noAutofit/>
-          </a:bodyPr>
-          <a:lstStyle/>
-          <a:p>
-            <a:pPr algn="ctr"/>
-            <a:r>
-              <a:rPr kumimoji="1" lang="en-US" altLang="ja-JP" sz="1400" dirty="0"/>
-              <a:t>Create Nonce in advance</a:t>
-            </a:r>
-            <a:endParaRPr kumimoji="1" lang="ja-JP" altLang="en-US" sz="1400" dirty="0"/>
-          </a:p>
-        </p:txBody>
-      </p:sp>
-      <p:sp>
-        <p:nvSpPr>
-          <p:cNvPr id="14" name="ホームベース 13">
-            <a:extLst>
-              <a:ext uri="{FF2B5EF4-FFF2-40B4-BE49-F238E27FC236}">
-                <a16:creationId xmlns:a16="http://schemas.microsoft.com/office/drawing/2014/main" id="{741DCE46-755F-DFB0-D245-87AAACBCBD22}"/>
-              </a:ext>
-            </a:extLst>
-          </p:cNvPr>
-          <p:cNvSpPr/>
-          <p:nvPr/>
-        </p:nvSpPr>
-        <p:spPr>
-          <a:xfrm>
-            <a:off x="7280917" y="2865720"/>
-            <a:ext cx="2036442" cy="385832"/>
-          </a:xfrm>
-          <a:prstGeom prst="homePlate">
-            <a:avLst/>
-          </a:prstGeom>
-          <a:solidFill>
-            <a:srgbClr val="FF0000"/>
-          </a:solidFill>
-          <a:ln>
-            <a:solidFill>
-              <a:schemeClr val="tx1"/>
-            </a:solidFill>
-          </a:ln>
-        </p:spPr>
-        <p:style>
-          <a:lnRef idx="2">
-            <a:schemeClr val="accent1">
-              <a:shade val="50000"/>
-            </a:schemeClr>
-          </a:lnRef>
-          <a:fillRef idx="1">
-            <a:schemeClr val="accent1"/>
-          </a:fillRef>
-          <a:effectRef idx="0">
-            <a:schemeClr val="accent1"/>
-          </a:effectRef>
-          <a:fontRef idx="minor">
-            <a:schemeClr val="lt1"/>
-          </a:fontRef>
-        </p:style>
-        <p:txBody>
-          <a:bodyPr wrap="none" rtlCol="0" anchor="ctr"/>
-          <a:lstStyle/>
-          <a:p>
-            <a:pPr algn="ctr"/>
-            <a:r>
-              <a:rPr kumimoji="1" lang="en-US" altLang="ja-JP" sz="1600" dirty="0">
-                <a:solidFill>
-                  <a:schemeClr val="bg1"/>
-                </a:solidFill>
-              </a:rPr>
-              <a:t>Create and Use Nonce</a:t>
-            </a:r>
-          </a:p>
-          <a:p>
-            <a:pPr algn="ctr"/>
-            <a:r>
-              <a:rPr kumimoji="1" lang="en-US" altLang="ja-JP" sz="1050" dirty="0">
-                <a:solidFill>
-                  <a:schemeClr val="bg1"/>
-                </a:solidFill>
-              </a:rPr>
-              <a:t>(hypothesis)</a:t>
-            </a:r>
-            <a:endParaRPr kumimoji="1" lang="ja-JP" altLang="en-US" sz="1050">
-              <a:solidFill>
-                <a:schemeClr val="bg1"/>
-              </a:solidFill>
-            </a:endParaRPr>
-          </a:p>
-        </p:txBody>
-      </p:sp>
-      <p:sp>
-        <p:nvSpPr>
-          <p:cNvPr id="15" name="ホームベース 14">
-            <a:extLst>
-              <a:ext uri="{FF2B5EF4-FFF2-40B4-BE49-F238E27FC236}">
-                <a16:creationId xmlns:a16="http://schemas.microsoft.com/office/drawing/2014/main" id="{D4BF21F6-21BA-553E-3714-B56C7610B420}"/>
-              </a:ext>
-            </a:extLst>
-          </p:cNvPr>
-          <p:cNvSpPr/>
-          <p:nvPr/>
-        </p:nvSpPr>
-        <p:spPr>
-          <a:xfrm>
-            <a:off x="5244475" y="2324758"/>
-            <a:ext cx="2036442" cy="926793"/>
-          </a:xfrm>
-          <a:prstGeom prst="homePlate">
-            <a:avLst>
-              <a:gd name="adj" fmla="val 36434"/>
-            </a:avLst>
-          </a:prstGeom>
-          <a:noFill/>
-          <a:ln>
-            <a:solidFill>
-              <a:schemeClr val="tx1"/>
-            </a:solidFill>
-          </a:ln>
-        </p:spPr>
-        <p:style>
-          <a:lnRef idx="2">
-            <a:schemeClr val="accent1">
-              <a:shade val="50000"/>
-            </a:schemeClr>
-          </a:lnRef>
-          <a:fillRef idx="1">
-            <a:schemeClr val="accent1"/>
-          </a:fillRef>
-          <a:effectRef idx="0">
-            <a:schemeClr val="accent1"/>
-          </a:effectRef>
-          <a:fontRef idx="minor">
-            <a:schemeClr val="lt1"/>
-          </a:fontRef>
-        </p:style>
-        <p:txBody>
-          <a:bodyPr wrap="none" rtlCol="0" anchor="ctr"/>
-          <a:lstStyle/>
-          <a:p>
-            <a:pPr algn="ctr"/>
-            <a:r>
-              <a:rPr kumimoji="1" lang="en-US" altLang="ja-JP" sz="1600" dirty="0">
-                <a:solidFill>
-                  <a:schemeClr val="tx1"/>
-                </a:solidFill>
-              </a:rPr>
-              <a:t>Create Instructions</a:t>
-            </a:r>
-            <a:endParaRPr kumimoji="1" lang="ja-JP" altLang="en-US" sz="1600">
-              <a:solidFill>
-                <a:schemeClr val="tx1"/>
-              </a:solidFill>
-            </a:endParaRPr>
-          </a:p>
-        </p:txBody>
-      </p:sp>
-      <p:sp>
-        <p:nvSpPr>
-          <p:cNvPr id="16" name="ホームベース 15">
-            <a:extLst>
-              <a:ext uri="{FF2B5EF4-FFF2-40B4-BE49-F238E27FC236}">
-                <a16:creationId xmlns:a16="http://schemas.microsoft.com/office/drawing/2014/main" id="{93CD21E4-E185-FAE8-2460-61AD1DB51246}"/>
-              </a:ext>
-            </a:extLst>
-          </p:cNvPr>
-          <p:cNvSpPr/>
-          <p:nvPr/>
-        </p:nvSpPr>
-        <p:spPr>
-          <a:xfrm>
-            <a:off x="7280917" y="2324759"/>
-            <a:ext cx="2036442" cy="385832"/>
-          </a:xfrm>
-          <a:prstGeom prst="homePlate">
-            <a:avLst/>
-          </a:prstGeom>
-          <a:noFill/>
-          <a:ln>
-            <a:solidFill>
-              <a:schemeClr val="tx1"/>
-            </a:solidFill>
-          </a:ln>
-        </p:spPr>
-        <p:style>
-          <a:lnRef idx="2">
-            <a:schemeClr val="accent1">
-              <a:shade val="50000"/>
-            </a:schemeClr>
-          </a:lnRef>
-          <a:fillRef idx="1">
-            <a:schemeClr val="accent1"/>
-          </a:fillRef>
-          <a:effectRef idx="0">
-            <a:schemeClr val="accent1"/>
-          </a:effectRef>
-          <a:fontRef idx="minor">
-            <a:schemeClr val="lt1"/>
-          </a:fontRef>
-        </p:style>
-        <p:txBody>
-          <a:bodyPr wrap="none" rtlCol="0" anchor="ctr"/>
-          <a:lstStyle/>
-          <a:p>
-            <a:pPr algn="ctr"/>
-            <a:r>
-              <a:rPr kumimoji="1" lang="en-US" altLang="ja-JP" sz="1600" dirty="0">
-                <a:solidFill>
-                  <a:schemeClr val="tx1"/>
-                </a:solidFill>
-              </a:rPr>
-              <a:t>Sign Transaction</a:t>
-            </a:r>
-            <a:endParaRPr kumimoji="1" lang="ja-JP" altLang="en-US" sz="1600">
-              <a:solidFill>
-                <a:schemeClr val="tx1"/>
-              </a:solidFill>
-            </a:endParaRPr>
-          </a:p>
-        </p:txBody>
-      </p:sp>
-      <p:sp>
-        <p:nvSpPr>
-          <p:cNvPr id="17" name="ホームベース 16">
-            <a:extLst>
-              <a:ext uri="{FF2B5EF4-FFF2-40B4-BE49-F238E27FC236}">
-                <a16:creationId xmlns:a16="http://schemas.microsoft.com/office/drawing/2014/main" id="{D50C407C-C0C0-A037-699F-1A4E6CFBC20D}"/>
-              </a:ext>
-            </a:extLst>
-          </p:cNvPr>
-          <p:cNvSpPr/>
-          <p:nvPr/>
-        </p:nvSpPr>
-        <p:spPr>
-          <a:xfrm>
-            <a:off x="9317358" y="2324759"/>
-            <a:ext cx="2036442" cy="926792"/>
-          </a:xfrm>
-          <a:prstGeom prst="homePlate">
-            <a:avLst>
-              <a:gd name="adj" fmla="val 37667"/>
-            </a:avLst>
-          </a:prstGeom>
-          <a:noFill/>
-          <a:ln>
-            <a:solidFill>
-              <a:schemeClr val="tx1"/>
-            </a:solidFill>
-          </a:ln>
-        </p:spPr>
-        <p:style>
-          <a:lnRef idx="2">
-            <a:schemeClr val="accent1">
-              <a:shade val="50000"/>
-            </a:schemeClr>
-          </a:lnRef>
-          <a:fillRef idx="1">
-            <a:schemeClr val="accent1"/>
-          </a:fillRef>
-          <a:effectRef idx="0">
-            <a:schemeClr val="accent1"/>
-          </a:effectRef>
-          <a:fontRef idx="minor">
-            <a:schemeClr val="lt1"/>
-          </a:fontRef>
-        </p:style>
-        <p:txBody>
-          <a:bodyPr wrap="none" rtlCol="0" anchor="ctr"/>
-          <a:lstStyle/>
-          <a:p>
-            <a:pPr algn="ctr"/>
-            <a:r>
-              <a:rPr kumimoji="1" lang="en-US" altLang="ja-JP" sz="1600" dirty="0">
-                <a:solidFill>
-                  <a:schemeClr val="tx1"/>
-                </a:solidFill>
-              </a:rPr>
-              <a:t>Send Transaction</a:t>
-            </a:r>
-            <a:endParaRPr kumimoji="1" lang="ja-JP" altLang="en-US" sz="1600">
-              <a:solidFill>
-                <a:schemeClr val="tx1"/>
-              </a:solidFill>
-            </a:endParaRPr>
-          </a:p>
-        </p:txBody>
-      </p:sp>
-      <p:sp>
-        <p:nvSpPr>
-          <p:cNvPr id="25" name="ホームベース 24">
-            <a:extLst>
-              <a:ext uri="{FF2B5EF4-FFF2-40B4-BE49-F238E27FC236}">
-                <a16:creationId xmlns:a16="http://schemas.microsoft.com/office/drawing/2014/main" id="{B2B65B03-DE64-4778-2931-3D41B8C5B994}"/>
-              </a:ext>
-            </a:extLst>
-          </p:cNvPr>
-          <p:cNvSpPr/>
-          <p:nvPr/>
-        </p:nvSpPr>
-        <p:spPr>
-          <a:xfrm>
-            <a:off x="7280917" y="5512054"/>
-            <a:ext cx="2036442" cy="385832"/>
-          </a:xfrm>
-          <a:prstGeom prst="homePlate">
-            <a:avLst/>
-          </a:prstGeom>
-          <a:solidFill>
-            <a:schemeClr val="accent1"/>
-          </a:solidFill>
-          <a:ln>
-            <a:solidFill>
-              <a:schemeClr val="tx1"/>
-            </a:solidFill>
-          </a:ln>
-        </p:spPr>
-        <p:style>
-          <a:lnRef idx="2">
-            <a:schemeClr val="accent1">
-              <a:shade val="50000"/>
-            </a:schemeClr>
-          </a:lnRef>
-          <a:fillRef idx="1">
-            <a:schemeClr val="accent1"/>
-          </a:fillRef>
-          <a:effectRef idx="0">
-            <a:schemeClr val="accent1"/>
-          </a:effectRef>
-          <a:fontRef idx="minor">
-            <a:schemeClr val="lt1"/>
-          </a:fontRef>
-        </p:style>
-        <p:txBody>
-          <a:bodyPr wrap="none" rtlCol="0" anchor="ctr"/>
-          <a:lstStyle/>
-          <a:p>
-            <a:pPr algn="ctr"/>
-            <a:r>
-              <a:rPr kumimoji="1" lang="en-US" altLang="ja-JP" sz="1600" dirty="0">
-                <a:solidFill>
-                  <a:schemeClr val="bg1"/>
-                </a:solidFill>
-              </a:rPr>
-              <a:t>Use Nonce</a:t>
-            </a:r>
-            <a:endParaRPr kumimoji="1" lang="ja-JP" altLang="en-US" sz="1600">
-              <a:solidFill>
-                <a:schemeClr val="bg1"/>
-              </a:solidFill>
-            </a:endParaRPr>
-          </a:p>
-        </p:txBody>
-      </p:sp>
-      <p:sp>
-        <p:nvSpPr>
-          <p:cNvPr id="26" name="ホームベース 25">
-            <a:extLst>
-              <a:ext uri="{FF2B5EF4-FFF2-40B4-BE49-F238E27FC236}">
-                <a16:creationId xmlns:a16="http://schemas.microsoft.com/office/drawing/2014/main" id="{21FA7AD1-8C59-4BF2-E358-C8D3D818A83C}"/>
-              </a:ext>
-            </a:extLst>
-          </p:cNvPr>
-          <p:cNvSpPr/>
-          <p:nvPr/>
-        </p:nvSpPr>
-        <p:spPr>
-          <a:xfrm>
-            <a:off x="5244475" y="4971092"/>
-            <a:ext cx="2036442" cy="926793"/>
-          </a:xfrm>
-          <a:prstGeom prst="homePlate">
-            <a:avLst>
-              <a:gd name="adj" fmla="val 36434"/>
-            </a:avLst>
-          </a:prstGeom>
-          <a:noFill/>
-          <a:ln>
-            <a:solidFill>
-              <a:schemeClr val="tx1"/>
-            </a:solidFill>
-          </a:ln>
-        </p:spPr>
-        <p:style>
-          <a:lnRef idx="2">
-            <a:schemeClr val="accent1">
-              <a:shade val="50000"/>
-            </a:schemeClr>
-          </a:lnRef>
-          <a:fillRef idx="1">
-            <a:schemeClr val="accent1"/>
-          </a:fillRef>
-          <a:effectRef idx="0">
-            <a:schemeClr val="accent1"/>
-          </a:effectRef>
-          <a:fontRef idx="minor">
-            <a:schemeClr val="lt1"/>
-          </a:fontRef>
-        </p:style>
-        <p:txBody>
-          <a:bodyPr wrap="none" rtlCol="0" anchor="ctr"/>
-          <a:lstStyle/>
-          <a:p>
-            <a:pPr algn="ctr"/>
-            <a:r>
-              <a:rPr kumimoji="1" lang="en-US" altLang="ja-JP" sz="1600" dirty="0">
-                <a:solidFill>
-                  <a:schemeClr val="tx1"/>
-                </a:solidFill>
-              </a:rPr>
-              <a:t>Create Instructions</a:t>
-            </a:r>
-            <a:endParaRPr kumimoji="1" lang="ja-JP" altLang="en-US" sz="1600">
-              <a:solidFill>
-                <a:schemeClr val="tx1"/>
-              </a:solidFill>
-            </a:endParaRPr>
-          </a:p>
-        </p:txBody>
-      </p:sp>
-      <p:sp>
-        <p:nvSpPr>
-          <p:cNvPr id="27" name="ホームベース 26">
-            <a:extLst>
-              <a:ext uri="{FF2B5EF4-FFF2-40B4-BE49-F238E27FC236}">
-                <a16:creationId xmlns:a16="http://schemas.microsoft.com/office/drawing/2014/main" id="{F4C4765C-7296-775D-B69F-78879C113650}"/>
-              </a:ext>
-            </a:extLst>
-          </p:cNvPr>
-          <p:cNvSpPr/>
-          <p:nvPr/>
-        </p:nvSpPr>
-        <p:spPr>
-          <a:xfrm>
-            <a:off x="7280917" y="4971093"/>
-            <a:ext cx="2036442" cy="385832"/>
-          </a:xfrm>
-          <a:prstGeom prst="homePlate">
-            <a:avLst/>
-          </a:prstGeom>
-          <a:noFill/>
-          <a:ln>
-            <a:solidFill>
-              <a:schemeClr val="tx1"/>
-            </a:solidFill>
-          </a:ln>
-        </p:spPr>
-        <p:style>
-          <a:lnRef idx="2">
-            <a:schemeClr val="accent1">
-              <a:shade val="50000"/>
-            </a:schemeClr>
-          </a:lnRef>
-          <a:fillRef idx="1">
-            <a:schemeClr val="accent1"/>
-          </a:fillRef>
-          <a:effectRef idx="0">
-            <a:schemeClr val="accent1"/>
-          </a:effectRef>
-          <a:fontRef idx="minor">
-            <a:schemeClr val="lt1"/>
-          </a:fontRef>
-        </p:style>
-        <p:txBody>
-          <a:bodyPr wrap="none" rtlCol="0" anchor="ctr"/>
-          <a:lstStyle/>
-          <a:p>
-            <a:pPr algn="ctr"/>
-            <a:r>
-              <a:rPr kumimoji="1" lang="en-US" altLang="ja-JP" sz="1600" dirty="0">
-                <a:solidFill>
-                  <a:schemeClr val="tx1"/>
-                </a:solidFill>
-              </a:rPr>
-              <a:t>Sign Transaction</a:t>
-            </a:r>
-            <a:endParaRPr kumimoji="1" lang="ja-JP" altLang="en-US" sz="1600">
-              <a:solidFill>
-                <a:schemeClr val="tx1"/>
-              </a:solidFill>
-            </a:endParaRPr>
-          </a:p>
-        </p:txBody>
-      </p:sp>
-      <p:sp>
-        <p:nvSpPr>
-          <p:cNvPr id="28" name="ホームベース 27">
-            <a:extLst>
-              <a:ext uri="{FF2B5EF4-FFF2-40B4-BE49-F238E27FC236}">
-                <a16:creationId xmlns:a16="http://schemas.microsoft.com/office/drawing/2014/main" id="{77187EBB-D046-73DC-BFB5-FEC06A817188}"/>
-              </a:ext>
-            </a:extLst>
-          </p:cNvPr>
-          <p:cNvSpPr/>
-          <p:nvPr/>
-        </p:nvSpPr>
-        <p:spPr>
-          <a:xfrm>
-            <a:off x="9317358" y="4971093"/>
-            <a:ext cx="2036442" cy="926792"/>
-          </a:xfrm>
-          <a:prstGeom prst="homePlate">
-            <a:avLst>
-              <a:gd name="adj" fmla="val 37667"/>
-            </a:avLst>
-          </a:prstGeom>
-          <a:noFill/>
-          <a:ln>
-            <a:solidFill>
-              <a:schemeClr val="tx1"/>
-            </a:solidFill>
-          </a:ln>
-        </p:spPr>
-        <p:style>
-          <a:lnRef idx="2">
-            <a:schemeClr val="accent1">
-              <a:shade val="50000"/>
-            </a:schemeClr>
-          </a:lnRef>
-          <a:fillRef idx="1">
-            <a:schemeClr val="accent1"/>
-          </a:fillRef>
-          <a:effectRef idx="0">
-            <a:schemeClr val="accent1"/>
-          </a:effectRef>
-          <a:fontRef idx="minor">
-            <a:schemeClr val="lt1"/>
-          </a:fontRef>
-        </p:style>
-        <p:txBody>
-          <a:bodyPr wrap="none" rtlCol="0" anchor="ctr"/>
-          <a:lstStyle/>
-          <a:p>
-            <a:pPr algn="ctr"/>
-            <a:r>
-              <a:rPr kumimoji="1" lang="en-US" altLang="ja-JP" sz="1600" dirty="0">
-                <a:solidFill>
-                  <a:schemeClr val="tx1"/>
-                </a:solidFill>
-              </a:rPr>
-              <a:t>Send Transaction</a:t>
-            </a:r>
-            <a:endParaRPr kumimoji="1" lang="ja-JP" altLang="en-US" sz="1600">
-              <a:solidFill>
-                <a:schemeClr val="tx1"/>
-              </a:solidFill>
-            </a:endParaRPr>
-          </a:p>
-        </p:txBody>
-      </p:sp>
-      <p:sp>
-        <p:nvSpPr>
-          <p:cNvPr id="30" name="ホームベース 29">
-            <a:extLst>
-              <a:ext uri="{FF2B5EF4-FFF2-40B4-BE49-F238E27FC236}">
-                <a16:creationId xmlns:a16="http://schemas.microsoft.com/office/drawing/2014/main" id="{6F87F623-7B88-DD41-2362-78870948A2B8}"/>
-              </a:ext>
-            </a:extLst>
-          </p:cNvPr>
-          <p:cNvSpPr/>
-          <p:nvPr/>
-        </p:nvSpPr>
-        <p:spPr>
-          <a:xfrm>
-            <a:off x="2685095" y="4971092"/>
-            <a:ext cx="2036442" cy="926793"/>
-          </a:xfrm>
-          <a:prstGeom prst="homePlate">
-            <a:avLst>
-              <a:gd name="adj" fmla="val 36434"/>
-            </a:avLst>
-          </a:prstGeom>
-          <a:solidFill>
-            <a:schemeClr val="accent1"/>
-          </a:solidFill>
-          <a:ln>
-            <a:solidFill>
-              <a:schemeClr val="tx1"/>
-            </a:solidFill>
-          </a:ln>
-        </p:spPr>
-        <p:style>
-          <a:lnRef idx="2">
-            <a:schemeClr val="accent1">
-              <a:shade val="50000"/>
-            </a:schemeClr>
-          </a:lnRef>
-          <a:fillRef idx="1">
-            <a:schemeClr val="accent1"/>
-          </a:fillRef>
-          <a:effectRef idx="0">
-            <a:schemeClr val="accent1"/>
-          </a:effectRef>
-          <a:fontRef idx="minor">
-            <a:schemeClr val="lt1"/>
-          </a:fontRef>
-        </p:style>
-        <p:txBody>
-          <a:bodyPr wrap="none" rtlCol="0" anchor="ctr"/>
-          <a:lstStyle/>
-          <a:p>
-            <a:pPr algn="ctr"/>
-            <a:r>
-              <a:rPr kumimoji="1" lang="en-US" altLang="ja-JP" sz="1600" dirty="0">
-                <a:solidFill>
-                  <a:schemeClr val="bg1"/>
-                </a:solidFill>
-              </a:rPr>
-              <a:t>Create Nonce</a:t>
-            </a:r>
-            <a:endParaRPr kumimoji="1" lang="ja-JP" altLang="en-US" sz="1600">
-              <a:solidFill>
-                <a:schemeClr val="bg1"/>
-              </a:solidFill>
-            </a:endParaRPr>
-          </a:p>
-        </p:txBody>
-      </p:sp>
-      <p:sp>
-        <p:nvSpPr>
-          <p:cNvPr id="32" name="テキスト ボックス 31">
-            <a:extLst>
-              <a:ext uri="{FF2B5EF4-FFF2-40B4-BE49-F238E27FC236}">
-                <a16:creationId xmlns:a16="http://schemas.microsoft.com/office/drawing/2014/main" id="{5E08C37E-8A7C-6094-1A09-B0014218A2A7}"/>
-              </a:ext>
-            </a:extLst>
-          </p:cNvPr>
-          <p:cNvSpPr txBox="1"/>
-          <p:nvPr/>
-        </p:nvSpPr>
-        <p:spPr>
-          <a:xfrm>
-            <a:off x="5244480" y="4222245"/>
-            <a:ext cx="6109320" cy="423275"/>
-          </a:xfrm>
-          <a:prstGeom prst="rect">
-            <a:avLst/>
-          </a:prstGeom>
-          <a:noFill/>
-        </p:spPr>
-        <p:txBody>
-          <a:bodyPr wrap="square" rtlCol="0">
-            <a:noAutofit/>
-          </a:bodyPr>
-          <a:lstStyle/>
-          <a:p>
-            <a:pPr algn="ctr"/>
-            <a:r>
-              <a:rPr kumimoji="1" lang="en-US" altLang="ja-JP" sz="1400" dirty="0"/>
-              <a:t>Send Transaction using Nonce</a:t>
-            </a:r>
-            <a:endParaRPr kumimoji="1" lang="ja-JP" altLang="en-US" sz="1400" dirty="0"/>
-          </a:p>
-        </p:txBody>
-      </p:sp>
-      <p:sp>
-        <p:nvSpPr>
-          <p:cNvPr id="33" name="テキスト ボックス 32">
-            <a:extLst>
-              <a:ext uri="{FF2B5EF4-FFF2-40B4-BE49-F238E27FC236}">
-                <a16:creationId xmlns:a16="http://schemas.microsoft.com/office/drawing/2014/main" id="{0A25523D-988C-11FC-7FE3-75DB3B2578A1}"/>
-              </a:ext>
-            </a:extLst>
-          </p:cNvPr>
-          <p:cNvSpPr txBox="1"/>
-          <p:nvPr/>
-        </p:nvSpPr>
-        <p:spPr>
-          <a:xfrm>
-            <a:off x="5244480" y="1510070"/>
-            <a:ext cx="6109320" cy="423275"/>
-          </a:xfrm>
-          <a:prstGeom prst="rect">
-            <a:avLst/>
-          </a:prstGeom>
-          <a:noFill/>
-        </p:spPr>
-        <p:txBody>
-          <a:bodyPr wrap="square" rtlCol="0">
-            <a:noAutofit/>
-          </a:bodyPr>
-          <a:lstStyle/>
-          <a:p>
-            <a:pPr algn="ctr"/>
-            <a:r>
-              <a:rPr kumimoji="1" lang="en-US" altLang="ja-JP" sz="1400" dirty="0"/>
-              <a:t>Send Transaction</a:t>
-            </a:r>
-            <a:endParaRPr kumimoji="1" lang="ja-JP" altLang="en-US" sz="1400" dirty="0"/>
-          </a:p>
-        </p:txBody>
-      </p:sp>
-      <p:sp>
-        <p:nvSpPr>
-          <p:cNvPr id="34" name="左中かっこ 33">
-            <a:extLst>
-              <a:ext uri="{FF2B5EF4-FFF2-40B4-BE49-F238E27FC236}">
-                <a16:creationId xmlns:a16="http://schemas.microsoft.com/office/drawing/2014/main" id="{5E2EF593-D909-6809-4E24-0E57F203D338}"/>
-              </a:ext>
-            </a:extLst>
-          </p:cNvPr>
-          <p:cNvSpPr/>
-          <p:nvPr/>
-        </p:nvSpPr>
-        <p:spPr>
-          <a:xfrm rot="5400000">
-            <a:off x="8159566" y="1685660"/>
-            <a:ext cx="279135" cy="6109319"/>
-          </a:xfrm>
-          <a:prstGeom prst="leftBrace">
-            <a:avLst>
-              <a:gd name="adj1" fmla="val 41091"/>
-              <a:gd name="adj2" fmla="val 50000"/>
-            </a:avLst>
-          </a:prstGeom>
-          <a:ln w="9525">
-            <a:solidFill>
-              <a:schemeClr val="tx1"/>
-            </a:solidFill>
-            <a:headEnd type="none" w="med" len="med"/>
-            <a:tailEnd type="none" w="med" len="med"/>
-          </a:ln>
-        </p:spPr>
-        <p:style>
-          <a:lnRef idx="1">
-            <a:schemeClr val="accent1"/>
-          </a:lnRef>
-          <a:fillRef idx="0">
-            <a:schemeClr val="accent1"/>
-          </a:fillRef>
-          <a:effectRef idx="0">
-            <a:schemeClr val="accent1"/>
-          </a:effectRef>
-          <a:fontRef idx="minor">
-            <a:schemeClr val="tx1"/>
-          </a:fontRef>
-        </p:style>
-        <p:txBody>
-          <a:bodyPr rtlCol="0" anchor="ctr"/>
-          <a:lstStyle/>
-          <a:p>
-            <a:pPr algn="ctr"/>
-            <a:endParaRPr kumimoji="1" lang="ja-JP" altLang="en-US"/>
-          </a:p>
-        </p:txBody>
-      </p:sp>
-      <p:sp>
-        <p:nvSpPr>
-          <p:cNvPr id="35" name="左中かっこ 34">
-            <a:extLst>
-              <a:ext uri="{FF2B5EF4-FFF2-40B4-BE49-F238E27FC236}">
-                <a16:creationId xmlns:a16="http://schemas.microsoft.com/office/drawing/2014/main" id="{46D7CAEE-6744-B2F4-82D0-20191A158AA0}"/>
-              </a:ext>
-            </a:extLst>
-          </p:cNvPr>
-          <p:cNvSpPr/>
-          <p:nvPr/>
-        </p:nvSpPr>
-        <p:spPr>
-          <a:xfrm rot="5400000">
-            <a:off x="8159566" y="-981746"/>
-            <a:ext cx="279135" cy="6109319"/>
-          </a:xfrm>
-          <a:prstGeom prst="leftBrace">
-            <a:avLst>
-              <a:gd name="adj1" fmla="val 41091"/>
-              <a:gd name="adj2" fmla="val 50000"/>
-            </a:avLst>
-          </a:prstGeom>
-          <a:ln w="9525">
-            <a:solidFill>
-              <a:schemeClr val="tx1"/>
-            </a:solidFill>
-            <a:headEnd type="none" w="med" len="med"/>
-            <a:tailEnd type="none" w="med" len="med"/>
-          </a:ln>
-        </p:spPr>
-        <p:style>
-          <a:lnRef idx="1">
-            <a:schemeClr val="accent1"/>
-          </a:lnRef>
-          <a:fillRef idx="0">
-            <a:schemeClr val="accent1"/>
-          </a:fillRef>
-          <a:effectRef idx="0">
-            <a:schemeClr val="accent1"/>
-          </a:effectRef>
-          <a:fontRef idx="minor">
-            <a:schemeClr val="tx1"/>
-          </a:fontRef>
-        </p:style>
-        <p:txBody>
-          <a:bodyPr rtlCol="0" anchor="ctr"/>
-          <a:lstStyle/>
-          <a:p>
-            <a:pPr algn="ctr"/>
-            <a:endParaRPr kumimoji="1" lang="ja-JP" altLang="en-US"/>
-          </a:p>
-        </p:txBody>
-      </p:sp>
-      <p:sp>
-        <p:nvSpPr>
-          <p:cNvPr id="36" name="テキスト ボックス 35">
-            <a:extLst>
-              <a:ext uri="{FF2B5EF4-FFF2-40B4-BE49-F238E27FC236}">
-                <a16:creationId xmlns:a16="http://schemas.microsoft.com/office/drawing/2014/main" id="{6D88195E-289B-99B9-BDC7-7C4D3848A442}"/>
-              </a:ext>
-            </a:extLst>
-          </p:cNvPr>
-          <p:cNvSpPr txBox="1"/>
-          <p:nvPr/>
-        </p:nvSpPr>
-        <p:spPr>
-          <a:xfrm>
-            <a:off x="7280917" y="3298856"/>
-            <a:ext cx="2036442" cy="252284"/>
+            <a:off x="5151120" y="1495979"/>
+            <a:ext cx="1283880" cy="502920"/>
           </a:xfrm>
           <a:prstGeom prst="rect">
             <a:avLst/>
@@ -9250,7 +10229,7 @@
                   <a:srgbClr val="FF0000"/>
                 </a:solidFill>
               </a:rPr>
-              <a:t>Speed Bottleneck</a:t>
+              <a:t>Speed test scope of Mad Mints</a:t>
             </a:r>
             <a:endParaRPr kumimoji="1" lang="ja-JP" altLang="en-US" sz="1200" dirty="0">
               <a:solidFill>
@@ -9260,68 +10239,10 @@
           </a:p>
         </p:txBody>
       </p:sp>
-      <p:sp>
-        <p:nvSpPr>
-          <p:cNvPr id="37" name="下矢印 36">
-            <a:extLst>
-              <a:ext uri="{FF2B5EF4-FFF2-40B4-BE49-F238E27FC236}">
-                <a16:creationId xmlns:a16="http://schemas.microsoft.com/office/drawing/2014/main" id="{8DFBD698-44D7-4E14-CF53-088A4BB69BE9}"/>
-              </a:ext>
-            </a:extLst>
-          </p:cNvPr>
-          <p:cNvSpPr/>
-          <p:nvPr/>
-        </p:nvSpPr>
-        <p:spPr>
-          <a:xfrm>
-            <a:off x="1253956" y="3495677"/>
-            <a:ext cx="708660" cy="482441"/>
-          </a:xfrm>
-          <a:prstGeom prst="downArrow">
-            <a:avLst/>
-          </a:prstGeom>
-          <a:solidFill>
-            <a:schemeClr val="tx1"/>
-          </a:solidFill>
-          <a:ln>
-            <a:solidFill>
-              <a:schemeClr val="tx1"/>
-            </a:solidFill>
-          </a:ln>
-        </p:spPr>
-        <p:style>
-          <a:lnRef idx="2">
-            <a:schemeClr val="accent1">
-              <a:shade val="50000"/>
-            </a:schemeClr>
-          </a:lnRef>
-          <a:fillRef idx="1">
-            <a:schemeClr val="accent1"/>
-          </a:fillRef>
-          <a:effectRef idx="0">
-            <a:schemeClr val="accent1"/>
-          </a:effectRef>
-          <a:fontRef idx="minor">
-            <a:schemeClr val="lt1"/>
-          </a:fontRef>
-        </p:style>
-        <p:txBody>
-          <a:bodyPr rtlCol="0" anchor="ctr"/>
-          <a:lstStyle/>
-          <a:p>
-            <a:pPr algn="ctr"/>
-            <a:endParaRPr kumimoji="1" lang="ja-JP" altLang="en-US" sz="1600">
-              <a:solidFill>
-                <a:schemeClr val="tx1"/>
-              </a:solidFill>
-            </a:endParaRPr>
-          </a:p>
-        </p:txBody>
-      </p:sp>
     </p:spTree>
     <p:extLst>
       <p:ext uri="{BB962C8B-B14F-4D97-AF65-F5344CB8AC3E}">
-        <p14:creationId xmlns:p14="http://schemas.microsoft.com/office/powerpoint/2010/main" val="2731398763"/>
+        <p14:creationId xmlns:p14="http://schemas.microsoft.com/office/powerpoint/2010/main" val="3947670963"/>
       </p:ext>
     </p:extLst>
   </p:cSld>
@@ -9353,6 +10274,1436 @@
           <p:cNvPr id="2" name="タイトル 1">
             <a:extLst>
               <a:ext uri="{FF2B5EF4-FFF2-40B4-BE49-F238E27FC236}">
+                <a16:creationId xmlns:a16="http://schemas.microsoft.com/office/drawing/2014/main" id="{43250BC8-4F2A-7219-E8D7-268AD2771F2E}"/>
+              </a:ext>
+            </a:extLst>
+          </p:cNvPr>
+          <p:cNvSpPr>
+            <a:spLocks noGrp="1"/>
+          </p:cNvSpPr>
+          <p:nvPr>
+            <p:ph type="title"/>
+          </p:nvPr>
+        </p:nvSpPr>
+        <p:spPr/>
+        <p:txBody>
+          <a:bodyPr/>
+          <a:lstStyle/>
+          <a:p>
+            <a:r>
+              <a:rPr lang="en-US" altLang="ja-JP" dirty="0"/>
+              <a:t>Transaction Processing Bottleneck</a:t>
+            </a:r>
+            <a:endParaRPr kumimoji="1" lang="ja-JP" altLang="en-US"/>
+          </a:p>
+        </p:txBody>
+      </p:sp>
+      <p:sp>
+        <p:nvSpPr>
+          <p:cNvPr id="3" name="コンテンツ プレースホルダー 2">
+            <a:extLst>
+              <a:ext uri="{FF2B5EF4-FFF2-40B4-BE49-F238E27FC236}">
+                <a16:creationId xmlns:a16="http://schemas.microsoft.com/office/drawing/2014/main" id="{78EB6AF7-E47F-C14B-7C29-2EC2BEC09D1B}"/>
+              </a:ext>
+            </a:extLst>
+          </p:cNvPr>
+          <p:cNvSpPr>
+            <a:spLocks noGrp="1"/>
+          </p:cNvSpPr>
+          <p:nvPr>
+            <p:ph idx="1"/>
+          </p:nvPr>
+        </p:nvSpPr>
+        <p:spPr/>
+        <p:txBody>
+          <a:bodyPr/>
+          <a:lstStyle/>
+          <a:p>
+            <a:r>
+              <a:rPr kumimoji="1" lang="en-US" altLang="ja-JP" dirty="0"/>
+              <a:t>Speed bottlenec</a:t>
+            </a:r>
+            <a:r>
+              <a:rPr lang="en-US" altLang="ja-JP" dirty="0"/>
+              <a:t>k is "create and use Nonce" process in Sign Transaction.</a:t>
+            </a:r>
+            <a:endParaRPr kumimoji="1" lang="ja-JP" altLang="en-US"/>
+          </a:p>
+        </p:txBody>
+      </p:sp>
+      <p:sp>
+        <p:nvSpPr>
+          <p:cNvPr id="4" name="フッター プレースホルダー 3">
+            <a:extLst>
+              <a:ext uri="{FF2B5EF4-FFF2-40B4-BE49-F238E27FC236}">
+                <a16:creationId xmlns:a16="http://schemas.microsoft.com/office/drawing/2014/main" id="{AA992DCE-73F7-E641-964C-083521207CE8}"/>
+              </a:ext>
+            </a:extLst>
+          </p:cNvPr>
+          <p:cNvSpPr>
+            <a:spLocks noGrp="1"/>
+          </p:cNvSpPr>
+          <p:nvPr>
+            <p:ph type="ftr" sz="quarter" idx="11"/>
+          </p:nvPr>
+        </p:nvSpPr>
+        <p:spPr/>
+        <p:txBody>
+          <a:bodyPr/>
+          <a:lstStyle/>
+          <a:p>
+            <a:r>
+              <a:rPr kumimoji="1" lang="en-US" altLang="ja-JP"/>
+              <a:t>256hax</a:t>
+            </a:r>
+            <a:endParaRPr kumimoji="1" lang="ja-JP" altLang="en-US"/>
+          </a:p>
+        </p:txBody>
+      </p:sp>
+      <p:sp>
+        <p:nvSpPr>
+          <p:cNvPr id="5" name="スライド番号プレースホルダー 4">
+            <a:extLst>
+              <a:ext uri="{FF2B5EF4-FFF2-40B4-BE49-F238E27FC236}">
+                <a16:creationId xmlns:a16="http://schemas.microsoft.com/office/drawing/2014/main" id="{E379B570-9F25-249A-840A-5E8B535920AA}"/>
+              </a:ext>
+            </a:extLst>
+          </p:cNvPr>
+          <p:cNvSpPr>
+            <a:spLocks noGrp="1"/>
+          </p:cNvSpPr>
+          <p:nvPr>
+            <p:ph type="sldNum" sz="quarter" idx="12"/>
+          </p:nvPr>
+        </p:nvSpPr>
+        <p:spPr/>
+        <p:txBody>
+          <a:bodyPr/>
+          <a:lstStyle/>
+          <a:p>
+            <a:fld id="{51BE5F08-58E8-9243-A834-2B76637F595D}" type="slidenum">
+              <a:rPr kumimoji="1" lang="ja-JP" altLang="en-US" smtClean="0"/>
+              <a:pPr/>
+              <a:t>5</a:t>
+            </a:fld>
+            <a:endParaRPr kumimoji="1" lang="ja-JP" altLang="en-US"/>
+          </a:p>
+        </p:txBody>
+      </p:sp>
+      <p:sp>
+        <p:nvSpPr>
+          <p:cNvPr id="8" name="正方形/長方形 7">
+            <a:extLst>
+              <a:ext uri="{FF2B5EF4-FFF2-40B4-BE49-F238E27FC236}">
+                <a16:creationId xmlns:a16="http://schemas.microsoft.com/office/drawing/2014/main" id="{81F61A3F-363F-0E0A-E207-0AB9CFA8C802}"/>
+              </a:ext>
+            </a:extLst>
+          </p:cNvPr>
+          <p:cNvSpPr/>
+          <p:nvPr/>
+        </p:nvSpPr>
+        <p:spPr>
+          <a:xfrm>
+            <a:off x="838200" y="4222245"/>
+            <a:ext cx="1540173" cy="1741481"/>
+          </a:xfrm>
+          <a:prstGeom prst="rect">
+            <a:avLst/>
+          </a:prstGeom>
+          <a:solidFill>
+            <a:schemeClr val="tx1"/>
+          </a:solidFill>
+          <a:ln>
+            <a:solidFill>
+              <a:schemeClr val="tx1"/>
+            </a:solidFill>
+          </a:ln>
+        </p:spPr>
+        <p:style>
+          <a:lnRef idx="2">
+            <a:schemeClr val="accent1">
+              <a:shade val="50000"/>
+            </a:schemeClr>
+          </a:lnRef>
+          <a:fillRef idx="1">
+            <a:schemeClr val="accent1"/>
+          </a:fillRef>
+          <a:effectRef idx="0">
+            <a:schemeClr val="accent1"/>
+          </a:effectRef>
+          <a:fontRef idx="minor">
+            <a:schemeClr val="lt1"/>
+          </a:fontRef>
+        </p:style>
+        <p:txBody>
+          <a:bodyPr rtlCol="0" anchor="ctr"/>
+          <a:lstStyle/>
+          <a:p>
+            <a:pPr algn="ctr"/>
+            <a:r>
+              <a:rPr kumimoji="1" lang="en-US" altLang="ja-JP" sz="1400" dirty="0">
+                <a:solidFill>
+                  <a:schemeClr val="bg1"/>
+                </a:solidFill>
+              </a:rPr>
+              <a:t>(</a:t>
+            </a:r>
+            <a:r>
+              <a:rPr kumimoji="1" lang="en-US" altLang="ja-JP" sz="1400" dirty="0" err="1">
+                <a:solidFill>
+                  <a:schemeClr val="bg1"/>
+                </a:solidFill>
+              </a:rPr>
+              <a:t>ToBe</a:t>
+            </a:r>
+            <a:r>
+              <a:rPr kumimoji="1" lang="en-US" altLang="ja-JP" sz="1400" dirty="0">
+                <a:solidFill>
+                  <a:schemeClr val="bg1"/>
+                </a:solidFill>
+              </a:rPr>
+              <a:t>)</a:t>
+            </a:r>
+          </a:p>
+          <a:p>
+            <a:pPr algn="ctr"/>
+            <a:r>
+              <a:rPr kumimoji="1" lang="en-US" altLang="ja-JP" sz="2000" dirty="0">
+                <a:solidFill>
+                  <a:schemeClr val="bg1"/>
+                </a:solidFill>
+              </a:rPr>
+              <a:t>Mad Mints</a:t>
+            </a:r>
+            <a:endParaRPr kumimoji="1" lang="ja-JP" altLang="en-US" sz="2000">
+              <a:solidFill>
+                <a:schemeClr val="bg1"/>
+              </a:solidFill>
+            </a:endParaRPr>
+          </a:p>
+        </p:txBody>
+      </p:sp>
+      <p:sp>
+        <p:nvSpPr>
+          <p:cNvPr id="13" name="正方形/長方形 12">
+            <a:extLst>
+              <a:ext uri="{FF2B5EF4-FFF2-40B4-BE49-F238E27FC236}">
+                <a16:creationId xmlns:a16="http://schemas.microsoft.com/office/drawing/2014/main" id="{3D2BDCEF-4432-9A0B-0694-CB6613F4450E}"/>
+              </a:ext>
+            </a:extLst>
+          </p:cNvPr>
+          <p:cNvSpPr/>
+          <p:nvPr/>
+        </p:nvSpPr>
+        <p:spPr>
+          <a:xfrm>
+            <a:off x="838200" y="1510070"/>
+            <a:ext cx="1540173" cy="1741481"/>
+          </a:xfrm>
+          <a:prstGeom prst="rect">
+            <a:avLst/>
+          </a:prstGeom>
+          <a:solidFill>
+            <a:schemeClr val="tx1"/>
+          </a:solidFill>
+          <a:ln>
+            <a:solidFill>
+              <a:schemeClr val="tx1"/>
+            </a:solidFill>
+          </a:ln>
+        </p:spPr>
+        <p:style>
+          <a:lnRef idx="2">
+            <a:schemeClr val="accent1">
+              <a:shade val="50000"/>
+            </a:schemeClr>
+          </a:lnRef>
+          <a:fillRef idx="1">
+            <a:schemeClr val="accent1"/>
+          </a:fillRef>
+          <a:effectRef idx="0">
+            <a:schemeClr val="accent1"/>
+          </a:effectRef>
+          <a:fontRef idx="minor">
+            <a:schemeClr val="lt1"/>
+          </a:fontRef>
+        </p:style>
+        <p:txBody>
+          <a:bodyPr rtlCol="0" anchor="ctr"/>
+          <a:lstStyle/>
+          <a:p>
+            <a:pPr algn="ctr"/>
+            <a:r>
+              <a:rPr kumimoji="1" lang="en-US" altLang="ja-JP" sz="1400" dirty="0">
+                <a:solidFill>
+                  <a:schemeClr val="bg1"/>
+                </a:solidFill>
+              </a:rPr>
+              <a:t>(</a:t>
+            </a:r>
+            <a:r>
+              <a:rPr kumimoji="1" lang="en-US" altLang="ja-JP" sz="1400" dirty="0" err="1">
+                <a:solidFill>
+                  <a:schemeClr val="bg1"/>
+                </a:solidFill>
+              </a:rPr>
+              <a:t>AsIs</a:t>
+            </a:r>
+            <a:r>
+              <a:rPr kumimoji="1" lang="en-US" altLang="ja-JP" sz="1400" dirty="0">
+                <a:solidFill>
+                  <a:schemeClr val="bg1"/>
+                </a:solidFill>
+              </a:rPr>
+              <a:t>)</a:t>
+            </a:r>
+          </a:p>
+          <a:p>
+            <a:pPr algn="ctr"/>
+            <a:r>
+              <a:rPr kumimoji="1" lang="en-US" altLang="ja-JP" sz="2000" dirty="0">
+                <a:solidFill>
+                  <a:schemeClr val="bg1"/>
+                </a:solidFill>
+              </a:rPr>
+              <a:t>Standard</a:t>
+            </a:r>
+            <a:endParaRPr kumimoji="1" lang="ja-JP" altLang="en-US" sz="2000">
+              <a:solidFill>
+                <a:schemeClr val="bg1"/>
+              </a:solidFill>
+            </a:endParaRPr>
+          </a:p>
+        </p:txBody>
+      </p:sp>
+      <p:cxnSp>
+        <p:nvCxnSpPr>
+          <p:cNvPr id="19" name="直線コネクタ 18">
+            <a:extLst>
+              <a:ext uri="{FF2B5EF4-FFF2-40B4-BE49-F238E27FC236}">
+                <a16:creationId xmlns:a16="http://schemas.microsoft.com/office/drawing/2014/main" id="{0B94F2AC-EB61-A104-CB50-DBF7497275A0}"/>
+              </a:ext>
+            </a:extLst>
+          </p:cNvPr>
+          <p:cNvCxnSpPr>
+            <a:cxnSpLocks/>
+          </p:cNvCxnSpPr>
+          <p:nvPr/>
+        </p:nvCxnSpPr>
+        <p:spPr>
+          <a:xfrm>
+            <a:off x="4937760" y="4971092"/>
+            <a:ext cx="0" cy="926793"/>
+          </a:xfrm>
+          <a:prstGeom prst="line">
+            <a:avLst/>
+          </a:prstGeom>
+          <a:ln w="9525">
+            <a:solidFill>
+              <a:schemeClr val="tx1"/>
+            </a:solidFill>
+            <a:headEnd type="none" w="med" len="med"/>
+            <a:tailEnd type="none" w="med" len="med"/>
+          </a:ln>
+        </p:spPr>
+        <p:style>
+          <a:lnRef idx="1">
+            <a:schemeClr val="accent1"/>
+          </a:lnRef>
+          <a:fillRef idx="0">
+            <a:schemeClr val="accent1"/>
+          </a:fillRef>
+          <a:effectRef idx="0">
+            <a:schemeClr val="accent1"/>
+          </a:effectRef>
+          <a:fontRef idx="minor">
+            <a:schemeClr val="tx1"/>
+          </a:fontRef>
+        </p:style>
+      </p:cxnSp>
+      <p:sp>
+        <p:nvSpPr>
+          <p:cNvPr id="23" name="テキスト ボックス 22">
+            <a:extLst>
+              <a:ext uri="{FF2B5EF4-FFF2-40B4-BE49-F238E27FC236}">
+                <a16:creationId xmlns:a16="http://schemas.microsoft.com/office/drawing/2014/main" id="{C3E5466C-2562-CFB7-38A9-002D1C036487}"/>
+              </a:ext>
+            </a:extLst>
+          </p:cNvPr>
+          <p:cNvSpPr txBox="1"/>
+          <p:nvPr/>
+        </p:nvSpPr>
+        <p:spPr>
+          <a:xfrm>
+            <a:off x="2685093" y="4222245"/>
+            <a:ext cx="2036437" cy="423275"/>
+          </a:xfrm>
+          <a:prstGeom prst="rect">
+            <a:avLst/>
+          </a:prstGeom>
+          <a:noFill/>
+        </p:spPr>
+        <p:txBody>
+          <a:bodyPr wrap="square" rtlCol="0">
+            <a:noAutofit/>
+          </a:bodyPr>
+          <a:lstStyle/>
+          <a:p>
+            <a:pPr algn="ctr"/>
+            <a:r>
+              <a:rPr kumimoji="1" lang="en-US" altLang="ja-JP" sz="1400" dirty="0"/>
+              <a:t>Create Nonce </a:t>
+            </a:r>
+            <a:r>
+              <a:rPr kumimoji="1" lang="en-US" altLang="ja-JP" sz="1400" dirty="0">
+                <a:solidFill>
+                  <a:schemeClr val="accent1"/>
+                </a:solidFill>
+              </a:rPr>
+              <a:t>in advance</a:t>
+            </a:r>
+            <a:endParaRPr kumimoji="1" lang="ja-JP" altLang="en-US" sz="1400" dirty="0">
+              <a:solidFill>
+                <a:schemeClr val="accent1"/>
+              </a:solidFill>
+            </a:endParaRPr>
+          </a:p>
+        </p:txBody>
+      </p:sp>
+      <p:sp>
+        <p:nvSpPr>
+          <p:cNvPr id="14" name="角丸四角形 13">
+            <a:extLst>
+              <a:ext uri="{FF2B5EF4-FFF2-40B4-BE49-F238E27FC236}">
+                <a16:creationId xmlns:a16="http://schemas.microsoft.com/office/drawing/2014/main" id="{741DCE46-755F-DFB0-D245-87AAACBCBD22}"/>
+              </a:ext>
+            </a:extLst>
+          </p:cNvPr>
+          <p:cNvSpPr/>
+          <p:nvPr/>
+        </p:nvSpPr>
+        <p:spPr>
+          <a:xfrm>
+            <a:off x="7315206" y="2647224"/>
+            <a:ext cx="1863089" cy="278007"/>
+          </a:xfrm>
+          <a:prstGeom prst="roundRect">
+            <a:avLst>
+              <a:gd name="adj" fmla="val 33112"/>
+            </a:avLst>
+          </a:prstGeom>
+          <a:solidFill>
+            <a:srgbClr val="FF0000"/>
+          </a:solidFill>
+          <a:ln>
+            <a:noFill/>
+          </a:ln>
+        </p:spPr>
+        <p:style>
+          <a:lnRef idx="2">
+            <a:schemeClr val="accent1">
+              <a:shade val="50000"/>
+            </a:schemeClr>
+          </a:lnRef>
+          <a:fillRef idx="1">
+            <a:schemeClr val="accent1"/>
+          </a:fillRef>
+          <a:effectRef idx="0">
+            <a:schemeClr val="accent1"/>
+          </a:effectRef>
+          <a:fontRef idx="minor">
+            <a:schemeClr val="lt1"/>
+          </a:fontRef>
+        </p:style>
+        <p:txBody>
+          <a:bodyPr wrap="none" rtlCol="0" anchor="ctr"/>
+          <a:lstStyle/>
+          <a:p>
+            <a:pPr algn="ctr"/>
+            <a:r>
+              <a:rPr kumimoji="1" lang="en-US" altLang="ja-JP" sz="1600" dirty="0">
+                <a:solidFill>
+                  <a:schemeClr val="bg1"/>
+                </a:solidFill>
+              </a:rPr>
+              <a:t>Create and Use Nonce</a:t>
+            </a:r>
+          </a:p>
+        </p:txBody>
+      </p:sp>
+      <p:sp>
+        <p:nvSpPr>
+          <p:cNvPr id="15" name="ホームベース 14">
+            <a:extLst>
+              <a:ext uri="{FF2B5EF4-FFF2-40B4-BE49-F238E27FC236}">
+                <a16:creationId xmlns:a16="http://schemas.microsoft.com/office/drawing/2014/main" id="{D4BF21F6-21BA-553E-3714-B56C7610B420}"/>
+              </a:ext>
+            </a:extLst>
+          </p:cNvPr>
+          <p:cNvSpPr/>
+          <p:nvPr/>
+        </p:nvSpPr>
+        <p:spPr>
+          <a:xfrm>
+            <a:off x="5244475" y="2324758"/>
+            <a:ext cx="2036442" cy="926793"/>
+          </a:xfrm>
+          <a:prstGeom prst="homePlate">
+            <a:avLst>
+              <a:gd name="adj" fmla="val 36434"/>
+            </a:avLst>
+          </a:prstGeom>
+          <a:noFill/>
+          <a:ln>
+            <a:solidFill>
+              <a:schemeClr val="tx1"/>
+            </a:solidFill>
+          </a:ln>
+        </p:spPr>
+        <p:style>
+          <a:lnRef idx="2">
+            <a:schemeClr val="accent1">
+              <a:shade val="50000"/>
+            </a:schemeClr>
+          </a:lnRef>
+          <a:fillRef idx="1">
+            <a:schemeClr val="accent1"/>
+          </a:fillRef>
+          <a:effectRef idx="0">
+            <a:schemeClr val="accent1"/>
+          </a:effectRef>
+          <a:fontRef idx="minor">
+            <a:schemeClr val="lt1"/>
+          </a:fontRef>
+        </p:style>
+        <p:txBody>
+          <a:bodyPr wrap="none" rtlCol="0" anchor="ctr"/>
+          <a:lstStyle/>
+          <a:p>
+            <a:pPr algn="ctr"/>
+            <a:r>
+              <a:rPr kumimoji="1" lang="en-US" altLang="ja-JP" sz="1600" dirty="0">
+                <a:solidFill>
+                  <a:schemeClr val="tx1"/>
+                </a:solidFill>
+              </a:rPr>
+              <a:t>Create Instructions</a:t>
+            </a:r>
+            <a:endParaRPr kumimoji="1" lang="ja-JP" altLang="en-US" sz="1600">
+              <a:solidFill>
+                <a:schemeClr val="tx1"/>
+              </a:solidFill>
+            </a:endParaRPr>
+          </a:p>
+        </p:txBody>
+      </p:sp>
+      <p:sp>
+        <p:nvSpPr>
+          <p:cNvPr id="16" name="ホームベース 15">
+            <a:extLst>
+              <a:ext uri="{FF2B5EF4-FFF2-40B4-BE49-F238E27FC236}">
+                <a16:creationId xmlns:a16="http://schemas.microsoft.com/office/drawing/2014/main" id="{93CD21E4-E185-FAE8-2460-61AD1DB51246}"/>
+              </a:ext>
+            </a:extLst>
+          </p:cNvPr>
+          <p:cNvSpPr/>
+          <p:nvPr/>
+        </p:nvSpPr>
+        <p:spPr>
+          <a:xfrm>
+            <a:off x="7280917" y="2324758"/>
+            <a:ext cx="2036442" cy="926791"/>
+          </a:xfrm>
+          <a:prstGeom prst="homePlate">
+            <a:avLst/>
+          </a:prstGeom>
+          <a:noFill/>
+          <a:ln>
+            <a:solidFill>
+              <a:schemeClr val="tx1"/>
+            </a:solidFill>
+          </a:ln>
+        </p:spPr>
+        <p:style>
+          <a:lnRef idx="2">
+            <a:schemeClr val="accent1">
+              <a:shade val="50000"/>
+            </a:schemeClr>
+          </a:lnRef>
+          <a:fillRef idx="1">
+            <a:schemeClr val="accent1"/>
+          </a:fillRef>
+          <a:effectRef idx="0">
+            <a:schemeClr val="accent1"/>
+          </a:effectRef>
+          <a:fontRef idx="minor">
+            <a:schemeClr val="lt1"/>
+          </a:fontRef>
+        </p:style>
+        <p:txBody>
+          <a:bodyPr wrap="none" rtlCol="0" anchor="t"/>
+          <a:lstStyle/>
+          <a:p>
+            <a:pPr algn="ctr"/>
+            <a:r>
+              <a:rPr kumimoji="1" lang="en-US" altLang="ja-JP" sz="1600" dirty="0">
+                <a:solidFill>
+                  <a:schemeClr val="tx1"/>
+                </a:solidFill>
+              </a:rPr>
+              <a:t>Sign Transaction</a:t>
+            </a:r>
+            <a:endParaRPr kumimoji="1" lang="ja-JP" altLang="en-US" sz="1600">
+              <a:solidFill>
+                <a:schemeClr val="tx1"/>
+              </a:solidFill>
+            </a:endParaRPr>
+          </a:p>
+        </p:txBody>
+      </p:sp>
+      <p:sp>
+        <p:nvSpPr>
+          <p:cNvPr id="17" name="ホームベース 16">
+            <a:extLst>
+              <a:ext uri="{FF2B5EF4-FFF2-40B4-BE49-F238E27FC236}">
+                <a16:creationId xmlns:a16="http://schemas.microsoft.com/office/drawing/2014/main" id="{D50C407C-C0C0-A037-699F-1A4E6CFBC20D}"/>
+              </a:ext>
+            </a:extLst>
+          </p:cNvPr>
+          <p:cNvSpPr/>
+          <p:nvPr/>
+        </p:nvSpPr>
+        <p:spPr>
+          <a:xfrm>
+            <a:off x="9317358" y="2324759"/>
+            <a:ext cx="2036442" cy="926792"/>
+          </a:xfrm>
+          <a:prstGeom prst="homePlate">
+            <a:avLst>
+              <a:gd name="adj" fmla="val 37667"/>
+            </a:avLst>
+          </a:prstGeom>
+          <a:noFill/>
+          <a:ln>
+            <a:solidFill>
+              <a:schemeClr val="tx1"/>
+            </a:solidFill>
+          </a:ln>
+        </p:spPr>
+        <p:style>
+          <a:lnRef idx="2">
+            <a:schemeClr val="accent1">
+              <a:shade val="50000"/>
+            </a:schemeClr>
+          </a:lnRef>
+          <a:fillRef idx="1">
+            <a:schemeClr val="accent1"/>
+          </a:fillRef>
+          <a:effectRef idx="0">
+            <a:schemeClr val="accent1"/>
+          </a:effectRef>
+          <a:fontRef idx="minor">
+            <a:schemeClr val="lt1"/>
+          </a:fontRef>
+        </p:style>
+        <p:txBody>
+          <a:bodyPr wrap="none" rtlCol="0" anchor="ctr"/>
+          <a:lstStyle/>
+          <a:p>
+            <a:pPr algn="ctr"/>
+            <a:r>
+              <a:rPr kumimoji="1" lang="en-US" altLang="ja-JP" sz="1600" dirty="0">
+                <a:solidFill>
+                  <a:schemeClr val="tx1"/>
+                </a:solidFill>
+              </a:rPr>
+              <a:t>Send Transaction</a:t>
+            </a:r>
+            <a:endParaRPr kumimoji="1" lang="ja-JP" altLang="en-US" sz="1600">
+              <a:solidFill>
+                <a:schemeClr val="tx1"/>
+              </a:solidFill>
+            </a:endParaRPr>
+          </a:p>
+        </p:txBody>
+      </p:sp>
+      <p:sp>
+        <p:nvSpPr>
+          <p:cNvPr id="26" name="ホームベース 25">
+            <a:extLst>
+              <a:ext uri="{FF2B5EF4-FFF2-40B4-BE49-F238E27FC236}">
+                <a16:creationId xmlns:a16="http://schemas.microsoft.com/office/drawing/2014/main" id="{21FA7AD1-8C59-4BF2-E358-C8D3D818A83C}"/>
+              </a:ext>
+            </a:extLst>
+          </p:cNvPr>
+          <p:cNvSpPr/>
+          <p:nvPr/>
+        </p:nvSpPr>
+        <p:spPr>
+          <a:xfrm>
+            <a:off x="5244475" y="4971092"/>
+            <a:ext cx="2036442" cy="926793"/>
+          </a:xfrm>
+          <a:prstGeom prst="homePlate">
+            <a:avLst>
+              <a:gd name="adj" fmla="val 36434"/>
+            </a:avLst>
+          </a:prstGeom>
+          <a:noFill/>
+          <a:ln>
+            <a:solidFill>
+              <a:schemeClr val="tx1"/>
+            </a:solidFill>
+          </a:ln>
+        </p:spPr>
+        <p:style>
+          <a:lnRef idx="2">
+            <a:schemeClr val="accent1">
+              <a:shade val="50000"/>
+            </a:schemeClr>
+          </a:lnRef>
+          <a:fillRef idx="1">
+            <a:schemeClr val="accent1"/>
+          </a:fillRef>
+          <a:effectRef idx="0">
+            <a:schemeClr val="accent1"/>
+          </a:effectRef>
+          <a:fontRef idx="minor">
+            <a:schemeClr val="lt1"/>
+          </a:fontRef>
+        </p:style>
+        <p:txBody>
+          <a:bodyPr wrap="none" rtlCol="0" anchor="ctr"/>
+          <a:lstStyle/>
+          <a:p>
+            <a:pPr algn="ctr"/>
+            <a:r>
+              <a:rPr kumimoji="1" lang="en-US" altLang="ja-JP" sz="1600" dirty="0">
+                <a:solidFill>
+                  <a:schemeClr val="tx1"/>
+                </a:solidFill>
+              </a:rPr>
+              <a:t>Create Instructions</a:t>
+            </a:r>
+            <a:endParaRPr kumimoji="1" lang="ja-JP" altLang="en-US" sz="1600">
+              <a:solidFill>
+                <a:schemeClr val="tx1"/>
+              </a:solidFill>
+            </a:endParaRPr>
+          </a:p>
+        </p:txBody>
+      </p:sp>
+      <p:sp>
+        <p:nvSpPr>
+          <p:cNvPr id="28" name="ホームベース 27">
+            <a:extLst>
+              <a:ext uri="{FF2B5EF4-FFF2-40B4-BE49-F238E27FC236}">
+                <a16:creationId xmlns:a16="http://schemas.microsoft.com/office/drawing/2014/main" id="{77187EBB-D046-73DC-BFB5-FEC06A817188}"/>
+              </a:ext>
+            </a:extLst>
+          </p:cNvPr>
+          <p:cNvSpPr/>
+          <p:nvPr/>
+        </p:nvSpPr>
+        <p:spPr>
+          <a:xfrm>
+            <a:off x="9317358" y="4971093"/>
+            <a:ext cx="2036442" cy="926792"/>
+          </a:xfrm>
+          <a:prstGeom prst="homePlate">
+            <a:avLst>
+              <a:gd name="adj" fmla="val 37667"/>
+            </a:avLst>
+          </a:prstGeom>
+          <a:noFill/>
+          <a:ln>
+            <a:solidFill>
+              <a:schemeClr val="tx1"/>
+            </a:solidFill>
+          </a:ln>
+        </p:spPr>
+        <p:style>
+          <a:lnRef idx="2">
+            <a:schemeClr val="accent1">
+              <a:shade val="50000"/>
+            </a:schemeClr>
+          </a:lnRef>
+          <a:fillRef idx="1">
+            <a:schemeClr val="accent1"/>
+          </a:fillRef>
+          <a:effectRef idx="0">
+            <a:schemeClr val="accent1"/>
+          </a:effectRef>
+          <a:fontRef idx="minor">
+            <a:schemeClr val="lt1"/>
+          </a:fontRef>
+        </p:style>
+        <p:txBody>
+          <a:bodyPr wrap="none" rtlCol="0" anchor="ctr"/>
+          <a:lstStyle/>
+          <a:p>
+            <a:pPr algn="ctr"/>
+            <a:r>
+              <a:rPr kumimoji="1" lang="en-US" altLang="ja-JP" sz="1600" dirty="0">
+                <a:solidFill>
+                  <a:schemeClr val="tx1"/>
+                </a:solidFill>
+              </a:rPr>
+              <a:t>Send Transaction</a:t>
+            </a:r>
+            <a:endParaRPr kumimoji="1" lang="ja-JP" altLang="en-US" sz="1600">
+              <a:solidFill>
+                <a:schemeClr val="tx1"/>
+              </a:solidFill>
+            </a:endParaRPr>
+          </a:p>
+        </p:txBody>
+      </p:sp>
+      <p:sp>
+        <p:nvSpPr>
+          <p:cNvPr id="32" name="テキスト ボックス 31">
+            <a:extLst>
+              <a:ext uri="{FF2B5EF4-FFF2-40B4-BE49-F238E27FC236}">
+                <a16:creationId xmlns:a16="http://schemas.microsoft.com/office/drawing/2014/main" id="{5E08C37E-8A7C-6094-1A09-B0014218A2A7}"/>
+              </a:ext>
+            </a:extLst>
+          </p:cNvPr>
+          <p:cNvSpPr txBox="1"/>
+          <p:nvPr/>
+        </p:nvSpPr>
+        <p:spPr>
+          <a:xfrm>
+            <a:off x="5244480" y="4222245"/>
+            <a:ext cx="6109320" cy="423275"/>
+          </a:xfrm>
+          <a:prstGeom prst="rect">
+            <a:avLst/>
+          </a:prstGeom>
+          <a:noFill/>
+        </p:spPr>
+        <p:txBody>
+          <a:bodyPr wrap="square" rtlCol="0">
+            <a:noAutofit/>
+          </a:bodyPr>
+          <a:lstStyle/>
+          <a:p>
+            <a:pPr algn="ctr"/>
+            <a:r>
+              <a:rPr kumimoji="1" lang="en-US" altLang="ja-JP" sz="1400" dirty="0"/>
+              <a:t>Speed Test Scope</a:t>
+            </a:r>
+            <a:endParaRPr kumimoji="1" lang="ja-JP" altLang="en-US" sz="1400" dirty="0"/>
+          </a:p>
+        </p:txBody>
+      </p:sp>
+      <p:sp>
+        <p:nvSpPr>
+          <p:cNvPr id="33" name="テキスト ボックス 32">
+            <a:extLst>
+              <a:ext uri="{FF2B5EF4-FFF2-40B4-BE49-F238E27FC236}">
+                <a16:creationId xmlns:a16="http://schemas.microsoft.com/office/drawing/2014/main" id="{0A25523D-988C-11FC-7FE3-75DB3B2578A1}"/>
+              </a:ext>
+            </a:extLst>
+          </p:cNvPr>
+          <p:cNvSpPr txBox="1"/>
+          <p:nvPr/>
+        </p:nvSpPr>
+        <p:spPr>
+          <a:xfrm>
+            <a:off x="5244480" y="1510070"/>
+            <a:ext cx="6109320" cy="423275"/>
+          </a:xfrm>
+          <a:prstGeom prst="rect">
+            <a:avLst/>
+          </a:prstGeom>
+          <a:noFill/>
+        </p:spPr>
+        <p:txBody>
+          <a:bodyPr wrap="square" rtlCol="0">
+            <a:noAutofit/>
+          </a:bodyPr>
+          <a:lstStyle/>
+          <a:p>
+            <a:pPr algn="ctr"/>
+            <a:r>
+              <a:rPr kumimoji="1" lang="en-US" altLang="ja-JP" sz="1400" dirty="0"/>
+              <a:t>Speed Test Scope</a:t>
+            </a:r>
+            <a:endParaRPr kumimoji="1" lang="ja-JP" altLang="en-US" sz="1400" dirty="0"/>
+          </a:p>
+        </p:txBody>
+      </p:sp>
+      <p:sp>
+        <p:nvSpPr>
+          <p:cNvPr id="34" name="左中かっこ 33">
+            <a:extLst>
+              <a:ext uri="{FF2B5EF4-FFF2-40B4-BE49-F238E27FC236}">
+                <a16:creationId xmlns:a16="http://schemas.microsoft.com/office/drawing/2014/main" id="{5E2EF593-D909-6809-4E24-0E57F203D338}"/>
+              </a:ext>
+            </a:extLst>
+          </p:cNvPr>
+          <p:cNvSpPr/>
+          <p:nvPr/>
+        </p:nvSpPr>
+        <p:spPr>
+          <a:xfrm rot="5400000">
+            <a:off x="8159566" y="1685660"/>
+            <a:ext cx="279135" cy="6109319"/>
+          </a:xfrm>
+          <a:prstGeom prst="leftBrace">
+            <a:avLst>
+              <a:gd name="adj1" fmla="val 41091"/>
+              <a:gd name="adj2" fmla="val 50000"/>
+            </a:avLst>
+          </a:prstGeom>
+          <a:ln w="9525">
+            <a:solidFill>
+              <a:schemeClr val="tx1"/>
+            </a:solidFill>
+            <a:headEnd type="none" w="med" len="med"/>
+            <a:tailEnd type="none" w="med" len="med"/>
+          </a:ln>
+        </p:spPr>
+        <p:style>
+          <a:lnRef idx="1">
+            <a:schemeClr val="accent1"/>
+          </a:lnRef>
+          <a:fillRef idx="0">
+            <a:schemeClr val="accent1"/>
+          </a:fillRef>
+          <a:effectRef idx="0">
+            <a:schemeClr val="accent1"/>
+          </a:effectRef>
+          <a:fontRef idx="minor">
+            <a:schemeClr val="tx1"/>
+          </a:fontRef>
+        </p:style>
+        <p:txBody>
+          <a:bodyPr rtlCol="0" anchor="ctr"/>
+          <a:lstStyle/>
+          <a:p>
+            <a:pPr algn="ctr"/>
+            <a:endParaRPr kumimoji="1" lang="ja-JP" altLang="en-US"/>
+          </a:p>
+        </p:txBody>
+      </p:sp>
+      <p:sp>
+        <p:nvSpPr>
+          <p:cNvPr id="35" name="左中かっこ 34">
+            <a:extLst>
+              <a:ext uri="{FF2B5EF4-FFF2-40B4-BE49-F238E27FC236}">
+                <a16:creationId xmlns:a16="http://schemas.microsoft.com/office/drawing/2014/main" id="{46D7CAEE-6744-B2F4-82D0-20191A158AA0}"/>
+              </a:ext>
+            </a:extLst>
+          </p:cNvPr>
+          <p:cNvSpPr/>
+          <p:nvPr/>
+        </p:nvSpPr>
+        <p:spPr>
+          <a:xfrm rot="5400000">
+            <a:off x="8159566" y="-981746"/>
+            <a:ext cx="279135" cy="6109319"/>
+          </a:xfrm>
+          <a:prstGeom prst="leftBrace">
+            <a:avLst>
+              <a:gd name="adj1" fmla="val 41091"/>
+              <a:gd name="adj2" fmla="val 50000"/>
+            </a:avLst>
+          </a:prstGeom>
+          <a:ln w="9525">
+            <a:solidFill>
+              <a:schemeClr val="tx1"/>
+            </a:solidFill>
+            <a:headEnd type="none" w="med" len="med"/>
+            <a:tailEnd type="none" w="med" len="med"/>
+          </a:ln>
+        </p:spPr>
+        <p:style>
+          <a:lnRef idx="1">
+            <a:schemeClr val="accent1"/>
+          </a:lnRef>
+          <a:fillRef idx="0">
+            <a:schemeClr val="accent1"/>
+          </a:fillRef>
+          <a:effectRef idx="0">
+            <a:schemeClr val="accent1"/>
+          </a:effectRef>
+          <a:fontRef idx="minor">
+            <a:schemeClr val="tx1"/>
+          </a:fontRef>
+        </p:style>
+        <p:txBody>
+          <a:bodyPr rtlCol="0" anchor="ctr"/>
+          <a:lstStyle/>
+          <a:p>
+            <a:pPr algn="ctr"/>
+            <a:endParaRPr kumimoji="1" lang="ja-JP" altLang="en-US"/>
+          </a:p>
+        </p:txBody>
+      </p:sp>
+      <p:sp>
+        <p:nvSpPr>
+          <p:cNvPr id="36" name="テキスト ボックス 35">
+            <a:extLst>
+              <a:ext uri="{FF2B5EF4-FFF2-40B4-BE49-F238E27FC236}">
+                <a16:creationId xmlns:a16="http://schemas.microsoft.com/office/drawing/2014/main" id="{6D88195E-289B-99B9-BDC7-7C4D3848A442}"/>
+              </a:ext>
+            </a:extLst>
+          </p:cNvPr>
+          <p:cNvSpPr txBox="1"/>
+          <p:nvPr/>
+        </p:nvSpPr>
+        <p:spPr>
+          <a:xfrm>
+            <a:off x="7280917" y="3298856"/>
+            <a:ext cx="2036442" cy="252284"/>
+          </a:xfrm>
+          <a:prstGeom prst="rect">
+            <a:avLst/>
+          </a:prstGeom>
+          <a:noFill/>
+        </p:spPr>
+        <p:txBody>
+          <a:bodyPr wrap="square" rtlCol="0">
+            <a:noAutofit/>
+          </a:bodyPr>
+          <a:lstStyle/>
+          <a:p>
+            <a:pPr algn="ctr"/>
+            <a:r>
+              <a:rPr kumimoji="1" lang="en-US" altLang="ja-JP" sz="1200" dirty="0">
+                <a:solidFill>
+                  <a:srgbClr val="FF0000"/>
+                </a:solidFill>
+              </a:rPr>
+              <a:t>Speed Bottleneck</a:t>
+            </a:r>
+            <a:endParaRPr kumimoji="1" lang="ja-JP" altLang="en-US" sz="1200" dirty="0">
+              <a:solidFill>
+                <a:srgbClr val="FF0000"/>
+              </a:solidFill>
+            </a:endParaRPr>
+          </a:p>
+        </p:txBody>
+      </p:sp>
+      <p:sp>
+        <p:nvSpPr>
+          <p:cNvPr id="37" name="下矢印 36">
+            <a:extLst>
+              <a:ext uri="{FF2B5EF4-FFF2-40B4-BE49-F238E27FC236}">
+                <a16:creationId xmlns:a16="http://schemas.microsoft.com/office/drawing/2014/main" id="{8DFBD698-44D7-4E14-CF53-088A4BB69BE9}"/>
+              </a:ext>
+            </a:extLst>
+          </p:cNvPr>
+          <p:cNvSpPr/>
+          <p:nvPr/>
+        </p:nvSpPr>
+        <p:spPr>
+          <a:xfrm>
+            <a:off x="1253956" y="3495677"/>
+            <a:ext cx="708660" cy="482441"/>
+          </a:xfrm>
+          <a:prstGeom prst="downArrow">
+            <a:avLst/>
+          </a:prstGeom>
+          <a:solidFill>
+            <a:schemeClr val="tx1"/>
+          </a:solidFill>
+          <a:ln>
+            <a:solidFill>
+              <a:schemeClr val="tx1"/>
+            </a:solidFill>
+          </a:ln>
+        </p:spPr>
+        <p:style>
+          <a:lnRef idx="2">
+            <a:schemeClr val="accent1">
+              <a:shade val="50000"/>
+            </a:schemeClr>
+          </a:lnRef>
+          <a:fillRef idx="1">
+            <a:schemeClr val="accent1"/>
+          </a:fillRef>
+          <a:effectRef idx="0">
+            <a:schemeClr val="accent1"/>
+          </a:effectRef>
+          <a:fontRef idx="minor">
+            <a:schemeClr val="lt1"/>
+          </a:fontRef>
+        </p:style>
+        <p:txBody>
+          <a:bodyPr rtlCol="0" anchor="ctr"/>
+          <a:lstStyle/>
+          <a:p>
+            <a:pPr algn="ctr"/>
+            <a:endParaRPr kumimoji="1" lang="ja-JP" altLang="en-US" sz="1600">
+              <a:solidFill>
+                <a:schemeClr val="tx1"/>
+              </a:solidFill>
+            </a:endParaRPr>
+          </a:p>
+        </p:txBody>
+      </p:sp>
+      <p:sp>
+        <p:nvSpPr>
+          <p:cNvPr id="9" name="テキスト ボックス 8">
+            <a:extLst>
+              <a:ext uri="{FF2B5EF4-FFF2-40B4-BE49-F238E27FC236}">
+                <a16:creationId xmlns:a16="http://schemas.microsoft.com/office/drawing/2014/main" id="{05D19519-1078-2065-1F9B-D35C47733C21}"/>
+              </a:ext>
+            </a:extLst>
+          </p:cNvPr>
+          <p:cNvSpPr txBox="1"/>
+          <p:nvPr/>
+        </p:nvSpPr>
+        <p:spPr>
+          <a:xfrm>
+            <a:off x="2056438" y="3551140"/>
+            <a:ext cx="1109672" cy="423275"/>
+          </a:xfrm>
+          <a:prstGeom prst="rect">
+            <a:avLst/>
+          </a:prstGeom>
+          <a:noFill/>
+        </p:spPr>
+        <p:txBody>
+          <a:bodyPr wrap="square" rtlCol="0">
+            <a:noAutofit/>
+          </a:bodyPr>
+          <a:lstStyle/>
+          <a:p>
+            <a:r>
+              <a:rPr kumimoji="1" lang="en-US" altLang="ja-JP" sz="1400" dirty="0"/>
+              <a:t>Improve</a:t>
+            </a:r>
+            <a:endParaRPr kumimoji="1" lang="ja-JP" altLang="en-US" sz="1400" dirty="0"/>
+          </a:p>
+        </p:txBody>
+      </p:sp>
+      <p:sp>
+        <p:nvSpPr>
+          <p:cNvPr id="10" name="角丸四角形 9">
+            <a:extLst>
+              <a:ext uri="{FF2B5EF4-FFF2-40B4-BE49-F238E27FC236}">
+                <a16:creationId xmlns:a16="http://schemas.microsoft.com/office/drawing/2014/main" id="{CCEA4EF1-FAE5-FA6F-AA79-17660F283667}"/>
+              </a:ext>
+            </a:extLst>
+          </p:cNvPr>
+          <p:cNvSpPr/>
+          <p:nvPr/>
+        </p:nvSpPr>
+        <p:spPr>
+          <a:xfrm>
+            <a:off x="7315206" y="5293560"/>
+            <a:ext cx="1863089" cy="278007"/>
+          </a:xfrm>
+          <a:prstGeom prst="roundRect">
+            <a:avLst>
+              <a:gd name="adj" fmla="val 33112"/>
+            </a:avLst>
+          </a:prstGeom>
+          <a:solidFill>
+            <a:schemeClr val="accent1"/>
+          </a:solidFill>
+          <a:ln>
+            <a:noFill/>
+          </a:ln>
+        </p:spPr>
+        <p:style>
+          <a:lnRef idx="2">
+            <a:schemeClr val="accent1">
+              <a:shade val="50000"/>
+            </a:schemeClr>
+          </a:lnRef>
+          <a:fillRef idx="1">
+            <a:schemeClr val="accent1"/>
+          </a:fillRef>
+          <a:effectRef idx="0">
+            <a:schemeClr val="accent1"/>
+          </a:effectRef>
+          <a:fontRef idx="minor">
+            <a:schemeClr val="lt1"/>
+          </a:fontRef>
+        </p:style>
+        <p:txBody>
+          <a:bodyPr wrap="none" rtlCol="0" anchor="ctr"/>
+          <a:lstStyle/>
+          <a:p>
+            <a:pPr algn="ctr"/>
+            <a:r>
+              <a:rPr kumimoji="1" lang="en-US" altLang="ja-JP" sz="1600" dirty="0">
+                <a:solidFill>
+                  <a:schemeClr val="bg1"/>
+                </a:solidFill>
+              </a:rPr>
+              <a:t>Use Nonce</a:t>
+            </a:r>
+          </a:p>
+        </p:txBody>
+      </p:sp>
+      <p:sp>
+        <p:nvSpPr>
+          <p:cNvPr id="11" name="ホームベース 10">
+            <a:extLst>
+              <a:ext uri="{FF2B5EF4-FFF2-40B4-BE49-F238E27FC236}">
+                <a16:creationId xmlns:a16="http://schemas.microsoft.com/office/drawing/2014/main" id="{9B61A21C-30DB-4EBA-B037-76B3346CA3D5}"/>
+              </a:ext>
+            </a:extLst>
+          </p:cNvPr>
+          <p:cNvSpPr/>
+          <p:nvPr/>
+        </p:nvSpPr>
+        <p:spPr>
+          <a:xfrm>
+            <a:off x="7280917" y="4971094"/>
+            <a:ext cx="2036442" cy="926791"/>
+          </a:xfrm>
+          <a:prstGeom prst="homePlate">
+            <a:avLst/>
+          </a:prstGeom>
+          <a:noFill/>
+          <a:ln>
+            <a:solidFill>
+              <a:schemeClr val="tx1"/>
+            </a:solidFill>
+          </a:ln>
+        </p:spPr>
+        <p:style>
+          <a:lnRef idx="2">
+            <a:schemeClr val="accent1">
+              <a:shade val="50000"/>
+            </a:schemeClr>
+          </a:lnRef>
+          <a:fillRef idx="1">
+            <a:schemeClr val="accent1"/>
+          </a:fillRef>
+          <a:effectRef idx="0">
+            <a:schemeClr val="accent1"/>
+          </a:effectRef>
+          <a:fontRef idx="minor">
+            <a:schemeClr val="lt1"/>
+          </a:fontRef>
+        </p:style>
+        <p:txBody>
+          <a:bodyPr wrap="none" rtlCol="0" anchor="t"/>
+          <a:lstStyle/>
+          <a:p>
+            <a:pPr algn="ctr"/>
+            <a:r>
+              <a:rPr kumimoji="1" lang="en-US" altLang="ja-JP" sz="1600" dirty="0">
+                <a:solidFill>
+                  <a:schemeClr val="tx1"/>
+                </a:solidFill>
+              </a:rPr>
+              <a:t>Sign Transaction</a:t>
+            </a:r>
+            <a:endParaRPr kumimoji="1" lang="ja-JP" altLang="en-US" sz="1600">
+              <a:solidFill>
+                <a:schemeClr val="tx1"/>
+              </a:solidFill>
+            </a:endParaRPr>
+          </a:p>
+        </p:txBody>
+      </p:sp>
+      <p:sp>
+        <p:nvSpPr>
+          <p:cNvPr id="12" name="ホームベース 11">
+            <a:extLst>
+              <a:ext uri="{FF2B5EF4-FFF2-40B4-BE49-F238E27FC236}">
+                <a16:creationId xmlns:a16="http://schemas.microsoft.com/office/drawing/2014/main" id="{2B35FA34-D7E2-5BAB-F862-3C100918B9EB}"/>
+              </a:ext>
+            </a:extLst>
+          </p:cNvPr>
+          <p:cNvSpPr/>
+          <p:nvPr/>
+        </p:nvSpPr>
+        <p:spPr>
+          <a:xfrm>
+            <a:off x="2685087" y="4971092"/>
+            <a:ext cx="2036442" cy="926793"/>
+          </a:xfrm>
+          <a:prstGeom prst="homePlate">
+            <a:avLst>
+              <a:gd name="adj" fmla="val 36434"/>
+            </a:avLst>
+          </a:prstGeom>
+          <a:noFill/>
+          <a:ln>
+            <a:solidFill>
+              <a:schemeClr val="tx1"/>
+            </a:solidFill>
+          </a:ln>
+        </p:spPr>
+        <p:style>
+          <a:lnRef idx="2">
+            <a:schemeClr val="accent1">
+              <a:shade val="50000"/>
+            </a:schemeClr>
+          </a:lnRef>
+          <a:fillRef idx="1">
+            <a:schemeClr val="accent1"/>
+          </a:fillRef>
+          <a:effectRef idx="0">
+            <a:schemeClr val="accent1"/>
+          </a:effectRef>
+          <a:fontRef idx="minor">
+            <a:schemeClr val="lt1"/>
+          </a:fontRef>
+        </p:style>
+        <p:txBody>
+          <a:bodyPr wrap="none" rtlCol="0" anchor="t"/>
+          <a:lstStyle/>
+          <a:p>
+            <a:pPr algn="ctr"/>
+            <a:r>
+              <a:rPr kumimoji="1" lang="en-US" altLang="ja-JP" sz="1600" dirty="0">
+                <a:solidFill>
+                  <a:schemeClr val="tx1"/>
+                </a:solidFill>
+              </a:rPr>
+              <a:t>Create Instructions</a:t>
+            </a:r>
+            <a:endParaRPr kumimoji="1" lang="ja-JP" altLang="en-US" sz="1600">
+              <a:solidFill>
+                <a:schemeClr val="tx1"/>
+              </a:solidFill>
+            </a:endParaRPr>
+          </a:p>
+        </p:txBody>
+      </p:sp>
+      <p:sp>
+        <p:nvSpPr>
+          <p:cNvPr id="18" name="角丸四角形 17">
+            <a:extLst>
+              <a:ext uri="{FF2B5EF4-FFF2-40B4-BE49-F238E27FC236}">
+                <a16:creationId xmlns:a16="http://schemas.microsoft.com/office/drawing/2014/main" id="{ED43D95D-CCE0-724C-E96A-2765085220F3}"/>
+              </a:ext>
+            </a:extLst>
+          </p:cNvPr>
+          <p:cNvSpPr/>
+          <p:nvPr/>
+        </p:nvSpPr>
+        <p:spPr>
+          <a:xfrm>
+            <a:off x="2703277" y="5293560"/>
+            <a:ext cx="1863089" cy="278007"/>
+          </a:xfrm>
+          <a:prstGeom prst="roundRect">
+            <a:avLst>
+              <a:gd name="adj" fmla="val 33112"/>
+            </a:avLst>
+          </a:prstGeom>
+          <a:solidFill>
+            <a:schemeClr val="accent1"/>
+          </a:solidFill>
+          <a:ln>
+            <a:noFill/>
+          </a:ln>
+        </p:spPr>
+        <p:style>
+          <a:lnRef idx="2">
+            <a:schemeClr val="accent1">
+              <a:shade val="50000"/>
+            </a:schemeClr>
+          </a:lnRef>
+          <a:fillRef idx="1">
+            <a:schemeClr val="accent1"/>
+          </a:fillRef>
+          <a:effectRef idx="0">
+            <a:schemeClr val="accent1"/>
+          </a:effectRef>
+          <a:fontRef idx="minor">
+            <a:schemeClr val="lt1"/>
+          </a:fontRef>
+        </p:style>
+        <p:txBody>
+          <a:bodyPr wrap="none" rtlCol="0" anchor="ctr"/>
+          <a:lstStyle/>
+          <a:p>
+            <a:pPr algn="ctr"/>
+            <a:r>
+              <a:rPr kumimoji="1" lang="en-US" altLang="ja-JP" sz="1600" dirty="0">
+                <a:solidFill>
+                  <a:schemeClr val="bg1"/>
+                </a:solidFill>
+              </a:rPr>
+              <a:t>Create Durable Nonce</a:t>
+            </a:r>
+          </a:p>
+        </p:txBody>
+      </p:sp>
+      <p:sp>
+        <p:nvSpPr>
+          <p:cNvPr id="20" name="テキスト ボックス 19">
+            <a:extLst>
+              <a:ext uri="{FF2B5EF4-FFF2-40B4-BE49-F238E27FC236}">
+                <a16:creationId xmlns:a16="http://schemas.microsoft.com/office/drawing/2014/main" id="{1D32EA38-4617-0BA0-BD60-2BEA0459A30F}"/>
+              </a:ext>
+            </a:extLst>
+          </p:cNvPr>
+          <p:cNvSpPr txBox="1"/>
+          <p:nvPr/>
+        </p:nvSpPr>
+        <p:spPr>
+          <a:xfrm>
+            <a:off x="10729139" y="9225"/>
+            <a:ext cx="1443600" cy="315912"/>
+          </a:xfrm>
+          <a:prstGeom prst="rect">
+            <a:avLst/>
+          </a:prstGeom>
+          <a:noFill/>
+        </p:spPr>
+        <p:txBody>
+          <a:bodyPr wrap="square" rtlCol="0">
+            <a:noAutofit/>
+          </a:bodyPr>
+          <a:lstStyle/>
+          <a:p>
+            <a:pPr algn="r"/>
+            <a:r>
+              <a:rPr kumimoji="1" lang="en-US" altLang="ja-JP" sz="1200" dirty="0"/>
+              <a:t>JST May 24 2023</a:t>
+            </a:r>
+            <a:endParaRPr kumimoji="1" lang="ja-JP" altLang="en-US" sz="1200" dirty="0"/>
+          </a:p>
+        </p:txBody>
+      </p:sp>
+    </p:spTree>
+    <p:extLst>
+      <p:ext uri="{BB962C8B-B14F-4D97-AF65-F5344CB8AC3E}">
+        <p14:creationId xmlns:p14="http://schemas.microsoft.com/office/powerpoint/2010/main" val="2731398763"/>
+      </p:ext>
+    </p:extLst>
+  </p:cSld>
+  <p:clrMapOvr>
+    <a:masterClrMapping/>
+  </p:clrMapOvr>
+</p:sld>
+</file>
+
+<file path=ppt/slides/slide7.xml><?xml version="1.0" encoding="utf-8"?>
+<p:sld xmlns:a="http://schemas.openxmlformats.org/drawingml/2006/main" xmlns:r="http://schemas.openxmlformats.org/officeDocument/2006/relationships" xmlns:p="http://schemas.openxmlformats.org/presentationml/2006/main">
+  <p:cSld>
+    <p:spTree>
+      <p:nvGrpSpPr>
+        <p:cNvPr id="1" name=""/>
+        <p:cNvGrpSpPr/>
+        <p:nvPr/>
+      </p:nvGrpSpPr>
+      <p:grpSpPr>
+        <a:xfrm>
+          <a:off x="0" y="0"/>
+          <a:ext cx="0" cy="0"/>
+          <a:chOff x="0" y="0"/>
+          <a:chExt cx="0" cy="0"/>
+        </a:xfrm>
+      </p:grpSpPr>
+      <p:sp>
+        <p:nvSpPr>
+          <p:cNvPr id="2" name="タイトル 1">
+            <a:extLst>
+              <a:ext uri="{FF2B5EF4-FFF2-40B4-BE49-F238E27FC236}">
                 <a16:creationId xmlns:a16="http://schemas.microsoft.com/office/drawing/2014/main" id="{24570A8D-626E-D06D-0460-7FD0EA99F4D2}"/>
               </a:ext>
             </a:extLst>
@@ -9430,7 +11781,7 @@
             <a:fld id="{51BE5F08-58E8-9243-A834-2B76637F595D}" type="slidenum">
               <a:rPr kumimoji="1" lang="ja-JP" altLang="en-US" smtClean="0"/>
               <a:pPr/>
-              <a:t>5</a:t>
+              <a:t>6</a:t>
             </a:fld>
             <a:endParaRPr kumimoji="1" lang="ja-JP" altLang="en-US"/>
           </a:p>
@@ -9677,130 +12028,12 @@
           </a:p>
         </p:txBody>
       </p:sp>
-    </p:spTree>
-    <p:extLst>
-      <p:ext uri="{BB962C8B-B14F-4D97-AF65-F5344CB8AC3E}">
-        <p14:creationId xmlns:p14="http://schemas.microsoft.com/office/powerpoint/2010/main" val="642563756"/>
-      </p:ext>
-    </p:extLst>
-  </p:cSld>
-  <p:clrMapOvr>
-    <a:masterClrMapping/>
-  </p:clrMapOvr>
-</p:sld>
-</file>
-
-<file path=ppt/slides/slide7.xml><?xml version="1.0" encoding="utf-8"?>
-<p:sld xmlns:a="http://schemas.openxmlformats.org/drawingml/2006/main" xmlns:r="http://schemas.openxmlformats.org/officeDocument/2006/relationships" xmlns:p="http://schemas.openxmlformats.org/presentationml/2006/main">
-  <p:cSld>
-    <p:spTree>
-      <p:nvGrpSpPr>
-        <p:cNvPr id="1" name=""/>
-        <p:cNvGrpSpPr/>
-        <p:nvPr/>
-      </p:nvGrpSpPr>
-      <p:grpSpPr>
-        <a:xfrm>
-          <a:off x="0" y="0"/>
-          <a:ext cx="0" cy="0"/>
-          <a:chOff x="0" y="0"/>
-          <a:chExt cx="0" cy="0"/>
-        </a:xfrm>
-      </p:grpSpPr>
-      <p:sp>
-        <p:nvSpPr>
-          <p:cNvPr id="2" name="タイトル 1">
+      <p:sp>
+        <p:nvSpPr>
+          <p:cNvPr id="3" name="テキスト ボックス 2">
             <a:extLst>
               <a:ext uri="{FF2B5EF4-FFF2-40B4-BE49-F238E27FC236}">
-                <a16:creationId xmlns:a16="http://schemas.microsoft.com/office/drawing/2014/main" id="{90FD3E59-428E-D6B2-B3C5-F6F7B480123B}"/>
-              </a:ext>
-            </a:extLst>
-          </p:cNvPr>
-          <p:cNvSpPr>
-            <a:spLocks noGrp="1"/>
-          </p:cNvSpPr>
-          <p:nvPr>
-            <p:ph type="title"/>
-          </p:nvPr>
-        </p:nvSpPr>
-        <p:spPr/>
-        <p:txBody>
-          <a:bodyPr/>
-          <a:lstStyle/>
-          <a:p>
-            <a:r>
-              <a:rPr kumimoji="1" lang="en-US" altLang="ja-JP" dirty="0"/>
-              <a:t>Example Code</a:t>
-            </a:r>
-            <a:endParaRPr kumimoji="1" lang="ja-JP" altLang="en-US"/>
-          </a:p>
-        </p:txBody>
-      </p:sp>
-      <p:sp>
-        <p:nvSpPr>
-          <p:cNvPr id="4" name="フッター プレースホルダー 3">
-            <a:extLst>
-              <a:ext uri="{FF2B5EF4-FFF2-40B4-BE49-F238E27FC236}">
-                <a16:creationId xmlns:a16="http://schemas.microsoft.com/office/drawing/2014/main" id="{84F8FC5D-67C5-EB08-DA8F-DC43154573F5}"/>
-              </a:ext>
-            </a:extLst>
-          </p:cNvPr>
-          <p:cNvSpPr>
-            <a:spLocks noGrp="1"/>
-          </p:cNvSpPr>
-          <p:nvPr>
-            <p:ph type="ftr" sz="quarter" idx="11"/>
-          </p:nvPr>
-        </p:nvSpPr>
-        <p:spPr/>
-        <p:txBody>
-          <a:bodyPr/>
-          <a:lstStyle/>
-          <a:p>
-            <a:r>
-              <a:rPr kumimoji="1" lang="en-US" altLang="ja-JP"/>
-              <a:t>256hax</a:t>
-            </a:r>
-            <a:endParaRPr kumimoji="1" lang="ja-JP" altLang="en-US"/>
-          </a:p>
-        </p:txBody>
-      </p:sp>
-      <p:sp>
-        <p:nvSpPr>
-          <p:cNvPr id="5" name="スライド番号プレースホルダー 4">
-            <a:extLst>
-              <a:ext uri="{FF2B5EF4-FFF2-40B4-BE49-F238E27FC236}">
-                <a16:creationId xmlns:a16="http://schemas.microsoft.com/office/drawing/2014/main" id="{9810586D-71D7-C56A-D81E-323600AAE558}"/>
-              </a:ext>
-            </a:extLst>
-          </p:cNvPr>
-          <p:cNvSpPr>
-            <a:spLocks noGrp="1"/>
-          </p:cNvSpPr>
-          <p:nvPr>
-            <p:ph type="sldNum" sz="quarter" idx="12"/>
-          </p:nvPr>
-        </p:nvSpPr>
-        <p:spPr/>
-        <p:txBody>
-          <a:bodyPr/>
-          <a:lstStyle/>
-          <a:p>
-            <a:fld id="{51BE5F08-58E8-9243-A834-2B76637F595D}" type="slidenum">
-              <a:rPr kumimoji="1" lang="ja-JP" altLang="en-US" smtClean="0"/>
-              <a:pPr/>
-              <a:t>6</a:t>
-            </a:fld>
-            <a:endParaRPr kumimoji="1" lang="ja-JP" altLang="en-US"/>
-          </a:p>
-        </p:txBody>
-      </p:sp>
-      <p:sp>
-        <p:nvSpPr>
-          <p:cNvPr id="7" name="テキスト ボックス 6">
-            <a:extLst>
-              <a:ext uri="{FF2B5EF4-FFF2-40B4-BE49-F238E27FC236}">
-                <a16:creationId xmlns:a16="http://schemas.microsoft.com/office/drawing/2014/main" id="{D0648687-673B-D805-266F-1F39D84568DB}"/>
+                <a16:creationId xmlns:a16="http://schemas.microsoft.com/office/drawing/2014/main" id="{4944A684-37A7-6749-B69A-FAEAA86AA6AF}"/>
               </a:ext>
             </a:extLst>
           </p:cNvPr>
@@ -9809,8 +12042,8 @@
         </p:nvSpPr>
         <p:spPr>
           <a:xfrm>
-            <a:off x="11075670" y="9225"/>
-            <a:ext cx="1093469" cy="315912"/>
+            <a:off x="10729139" y="9225"/>
+            <a:ext cx="1443600" cy="315912"/>
           </a:xfrm>
           <a:prstGeom prst="rect">
             <a:avLst/>
@@ -9826,97 +12059,16 @@
             <a:pPr algn="r"/>
             <a:r>
               <a:rPr kumimoji="1" lang="en-US" altLang="ja-JP" sz="1200" dirty="0"/>
-              <a:t>May 21 2023</a:t>
+              <a:t>JST May 21 2023</a:t>
             </a:r>
             <a:endParaRPr kumimoji="1" lang="ja-JP" altLang="en-US" sz="1200" dirty="0"/>
           </a:p>
         </p:txBody>
       </p:sp>
-      <p:sp>
-        <p:nvSpPr>
-          <p:cNvPr id="8" name="テキスト ボックス 7">
-            <a:extLst>
-              <a:ext uri="{FF2B5EF4-FFF2-40B4-BE49-F238E27FC236}">
-                <a16:creationId xmlns:a16="http://schemas.microsoft.com/office/drawing/2014/main" id="{F6E10048-C70B-798B-1A63-B0DE8166ED8A}"/>
-              </a:ext>
-            </a:extLst>
-          </p:cNvPr>
-          <p:cNvSpPr txBox="1"/>
-          <p:nvPr/>
-        </p:nvSpPr>
-        <p:spPr>
-          <a:xfrm>
-            <a:off x="838200" y="1853765"/>
-            <a:ext cx="10515600" cy="1118035"/>
-          </a:xfrm>
-          <a:prstGeom prst="rect">
-            <a:avLst/>
-          </a:prstGeom>
-          <a:noFill/>
-        </p:spPr>
-        <p:txBody>
-          <a:bodyPr wrap="square" rtlCol="0">
-            <a:noAutofit/>
-          </a:bodyPr>
-          <a:lstStyle/>
-          <a:p>
-            <a:pPr algn="ctr"/>
-            <a:r>
-              <a:rPr kumimoji="1" lang="en-US" altLang="ja-JP" sz="2000" dirty="0">
-                <a:hlinkClick r:id="rId2"/>
-              </a:rPr>
-              <a:t>https://github.com/256hax/mad-mints</a:t>
-            </a:r>
-            <a:endParaRPr kumimoji="1" lang="en-US" altLang="ja-JP" sz="2000" dirty="0"/>
-          </a:p>
-          <a:p>
-            <a:pPr algn="ctr"/>
-            <a:endParaRPr kumimoji="1" lang="en-US" altLang="ja-JP" sz="2000" dirty="0"/>
-          </a:p>
-          <a:p>
-            <a:pPr algn="ctr"/>
-            <a:r>
-              <a:rPr kumimoji="1" lang="en-US" altLang="ja-JP" sz="2000" dirty="0"/>
-              <a:t>Experiment purpose only.</a:t>
-            </a:r>
-            <a:endParaRPr kumimoji="1" lang="ja-JP" altLang="en-US" sz="2000" dirty="0"/>
-          </a:p>
-        </p:txBody>
-      </p:sp>
-      <p:pic>
-        <p:nvPicPr>
-          <p:cNvPr id="12" name="図 11">
-            <a:extLst>
-              <a:ext uri="{FF2B5EF4-FFF2-40B4-BE49-F238E27FC236}">
-                <a16:creationId xmlns:a16="http://schemas.microsoft.com/office/drawing/2014/main" id="{30DEEAB5-885C-A99D-ADA6-A773ECBE110B}"/>
-              </a:ext>
-            </a:extLst>
-          </p:cNvPr>
-          <p:cNvPicPr>
-            <a:picLocks noChangeAspect="1"/>
-          </p:cNvPicPr>
-          <p:nvPr/>
-        </p:nvPicPr>
-        <p:blipFill>
-          <a:blip r:embed="rId3"/>
-          <a:stretch>
-            <a:fillRect/>
-          </a:stretch>
-        </p:blipFill>
-        <p:spPr>
-          <a:xfrm>
-            <a:off x="4667250" y="2971800"/>
-            <a:ext cx="2857500" cy="2857500"/>
-          </a:xfrm>
-          <a:prstGeom prst="rect">
-            <a:avLst/>
-          </a:prstGeom>
-        </p:spPr>
-      </p:pic>
     </p:spTree>
     <p:extLst>
       <p:ext uri="{BB962C8B-B14F-4D97-AF65-F5344CB8AC3E}">
-        <p14:creationId xmlns:p14="http://schemas.microsoft.com/office/powerpoint/2010/main" val="3259309326"/>
+        <p14:creationId xmlns:p14="http://schemas.microsoft.com/office/powerpoint/2010/main" val="642563756"/>
       </p:ext>
     </p:extLst>
   </p:cSld>
@@ -9948,6 +12100,242 @@
           <p:cNvPr id="2" name="タイトル 1">
             <a:extLst>
               <a:ext uri="{FF2B5EF4-FFF2-40B4-BE49-F238E27FC236}">
+                <a16:creationId xmlns:a16="http://schemas.microsoft.com/office/drawing/2014/main" id="{90FD3E59-428E-D6B2-B3C5-F6F7B480123B}"/>
+              </a:ext>
+            </a:extLst>
+          </p:cNvPr>
+          <p:cNvSpPr>
+            <a:spLocks noGrp="1"/>
+          </p:cNvSpPr>
+          <p:nvPr>
+            <p:ph type="title"/>
+          </p:nvPr>
+        </p:nvSpPr>
+        <p:spPr/>
+        <p:txBody>
+          <a:bodyPr/>
+          <a:lstStyle/>
+          <a:p>
+            <a:r>
+              <a:rPr kumimoji="1" lang="en-US" altLang="ja-JP" dirty="0"/>
+              <a:t>Example Code</a:t>
+            </a:r>
+            <a:endParaRPr kumimoji="1" lang="ja-JP" altLang="en-US"/>
+          </a:p>
+        </p:txBody>
+      </p:sp>
+      <p:sp>
+        <p:nvSpPr>
+          <p:cNvPr id="4" name="フッター プレースホルダー 3">
+            <a:extLst>
+              <a:ext uri="{FF2B5EF4-FFF2-40B4-BE49-F238E27FC236}">
+                <a16:creationId xmlns:a16="http://schemas.microsoft.com/office/drawing/2014/main" id="{84F8FC5D-67C5-EB08-DA8F-DC43154573F5}"/>
+              </a:ext>
+            </a:extLst>
+          </p:cNvPr>
+          <p:cNvSpPr>
+            <a:spLocks noGrp="1"/>
+          </p:cNvSpPr>
+          <p:nvPr>
+            <p:ph type="ftr" sz="quarter" idx="11"/>
+          </p:nvPr>
+        </p:nvSpPr>
+        <p:spPr/>
+        <p:txBody>
+          <a:bodyPr/>
+          <a:lstStyle/>
+          <a:p>
+            <a:r>
+              <a:rPr kumimoji="1" lang="en-US" altLang="ja-JP"/>
+              <a:t>256hax</a:t>
+            </a:r>
+            <a:endParaRPr kumimoji="1" lang="ja-JP" altLang="en-US"/>
+          </a:p>
+        </p:txBody>
+      </p:sp>
+      <p:sp>
+        <p:nvSpPr>
+          <p:cNvPr id="5" name="スライド番号プレースホルダー 4">
+            <a:extLst>
+              <a:ext uri="{FF2B5EF4-FFF2-40B4-BE49-F238E27FC236}">
+                <a16:creationId xmlns:a16="http://schemas.microsoft.com/office/drawing/2014/main" id="{9810586D-71D7-C56A-D81E-323600AAE558}"/>
+              </a:ext>
+            </a:extLst>
+          </p:cNvPr>
+          <p:cNvSpPr>
+            <a:spLocks noGrp="1"/>
+          </p:cNvSpPr>
+          <p:nvPr>
+            <p:ph type="sldNum" sz="quarter" idx="12"/>
+          </p:nvPr>
+        </p:nvSpPr>
+        <p:spPr/>
+        <p:txBody>
+          <a:bodyPr/>
+          <a:lstStyle/>
+          <a:p>
+            <a:fld id="{51BE5F08-58E8-9243-A834-2B76637F595D}" type="slidenum">
+              <a:rPr kumimoji="1" lang="ja-JP" altLang="en-US" smtClean="0"/>
+              <a:pPr/>
+              <a:t>7</a:t>
+            </a:fld>
+            <a:endParaRPr kumimoji="1" lang="ja-JP" altLang="en-US"/>
+          </a:p>
+        </p:txBody>
+      </p:sp>
+      <p:sp>
+        <p:nvSpPr>
+          <p:cNvPr id="8" name="テキスト ボックス 7">
+            <a:extLst>
+              <a:ext uri="{FF2B5EF4-FFF2-40B4-BE49-F238E27FC236}">
+                <a16:creationId xmlns:a16="http://schemas.microsoft.com/office/drawing/2014/main" id="{F6E10048-C70B-798B-1A63-B0DE8166ED8A}"/>
+              </a:ext>
+            </a:extLst>
+          </p:cNvPr>
+          <p:cNvSpPr txBox="1"/>
+          <p:nvPr/>
+        </p:nvSpPr>
+        <p:spPr>
+          <a:xfrm>
+            <a:off x="838200" y="1853765"/>
+            <a:ext cx="10515600" cy="1118035"/>
+          </a:xfrm>
+          <a:prstGeom prst="rect">
+            <a:avLst/>
+          </a:prstGeom>
+          <a:noFill/>
+        </p:spPr>
+        <p:txBody>
+          <a:bodyPr wrap="square" rtlCol="0">
+            <a:noAutofit/>
+          </a:bodyPr>
+          <a:lstStyle/>
+          <a:p>
+            <a:pPr algn="ctr"/>
+            <a:r>
+              <a:rPr kumimoji="1" lang="en-US" altLang="ja-JP" sz="2000" dirty="0">
+                <a:hlinkClick r:id="rId2"/>
+              </a:rPr>
+              <a:t>https://github.com/256hax/mad-mints</a:t>
+            </a:r>
+            <a:endParaRPr kumimoji="1" lang="en-US" altLang="ja-JP" sz="2000" dirty="0"/>
+          </a:p>
+          <a:p>
+            <a:pPr algn="ctr"/>
+            <a:endParaRPr kumimoji="1" lang="en-US" altLang="ja-JP" sz="2000" dirty="0"/>
+          </a:p>
+          <a:p>
+            <a:pPr algn="ctr"/>
+            <a:r>
+              <a:rPr kumimoji="1" lang="en-US" altLang="ja-JP" sz="2000" dirty="0"/>
+              <a:t>Experiment purpose only.</a:t>
+            </a:r>
+            <a:endParaRPr kumimoji="1" lang="ja-JP" altLang="en-US" sz="2000" dirty="0"/>
+          </a:p>
+        </p:txBody>
+      </p:sp>
+      <p:pic>
+        <p:nvPicPr>
+          <p:cNvPr id="12" name="図 11">
+            <a:extLst>
+              <a:ext uri="{FF2B5EF4-FFF2-40B4-BE49-F238E27FC236}">
+                <a16:creationId xmlns:a16="http://schemas.microsoft.com/office/drawing/2014/main" id="{30DEEAB5-885C-A99D-ADA6-A773ECBE110B}"/>
+              </a:ext>
+            </a:extLst>
+          </p:cNvPr>
+          <p:cNvPicPr>
+            <a:picLocks noChangeAspect="1"/>
+          </p:cNvPicPr>
+          <p:nvPr/>
+        </p:nvPicPr>
+        <p:blipFill>
+          <a:blip r:embed="rId3"/>
+          <a:stretch>
+            <a:fillRect/>
+          </a:stretch>
+        </p:blipFill>
+        <p:spPr>
+          <a:xfrm>
+            <a:off x="4667250" y="2971800"/>
+            <a:ext cx="2857500" cy="2857500"/>
+          </a:xfrm>
+          <a:prstGeom prst="rect">
+            <a:avLst/>
+          </a:prstGeom>
+        </p:spPr>
+      </p:pic>
+      <p:sp>
+        <p:nvSpPr>
+          <p:cNvPr id="3" name="テキスト ボックス 2">
+            <a:extLst>
+              <a:ext uri="{FF2B5EF4-FFF2-40B4-BE49-F238E27FC236}">
+                <a16:creationId xmlns:a16="http://schemas.microsoft.com/office/drawing/2014/main" id="{AE19384B-A3A9-6882-17B9-02D91620C991}"/>
+              </a:ext>
+            </a:extLst>
+          </p:cNvPr>
+          <p:cNvSpPr txBox="1"/>
+          <p:nvPr/>
+        </p:nvSpPr>
+        <p:spPr>
+          <a:xfrm>
+            <a:off x="10729139" y="9225"/>
+            <a:ext cx="1443600" cy="315912"/>
+          </a:xfrm>
+          <a:prstGeom prst="rect">
+            <a:avLst/>
+          </a:prstGeom>
+          <a:noFill/>
+        </p:spPr>
+        <p:txBody>
+          <a:bodyPr wrap="square" rtlCol="0">
+            <a:noAutofit/>
+          </a:bodyPr>
+          <a:lstStyle/>
+          <a:p>
+            <a:pPr algn="r"/>
+            <a:r>
+              <a:rPr kumimoji="1" lang="en-US" altLang="ja-JP" sz="1200" dirty="0"/>
+              <a:t>JST May 21 2023</a:t>
+            </a:r>
+            <a:endParaRPr kumimoji="1" lang="ja-JP" altLang="en-US" sz="1200" dirty="0"/>
+          </a:p>
+        </p:txBody>
+      </p:sp>
+    </p:spTree>
+    <p:extLst>
+      <p:ext uri="{BB962C8B-B14F-4D97-AF65-F5344CB8AC3E}">
+        <p14:creationId xmlns:p14="http://schemas.microsoft.com/office/powerpoint/2010/main" val="3259309326"/>
+      </p:ext>
+    </p:extLst>
+  </p:cSld>
+  <p:clrMapOvr>
+    <a:masterClrMapping/>
+  </p:clrMapOvr>
+</p:sld>
+</file>
+
+<file path=ppt/slides/slide9.xml><?xml version="1.0" encoding="utf-8"?>
+<p:sld xmlns:a="http://schemas.openxmlformats.org/drawingml/2006/main" xmlns:r="http://schemas.openxmlformats.org/officeDocument/2006/relationships" xmlns:p="http://schemas.openxmlformats.org/presentationml/2006/main">
+  <p:cSld>
+    <p:spTree>
+      <p:nvGrpSpPr>
+        <p:cNvPr id="1" name=""/>
+        <p:cNvGrpSpPr/>
+        <p:nvPr/>
+      </p:nvGrpSpPr>
+      <p:grpSpPr>
+        <a:xfrm>
+          <a:off x="0" y="0"/>
+          <a:ext cx="0" cy="0"/>
+          <a:chOff x="0" y="0"/>
+          <a:chExt cx="0" cy="0"/>
+        </a:xfrm>
+      </p:grpSpPr>
+      <p:sp>
+        <p:nvSpPr>
+          <p:cNvPr id="2" name="タイトル 1">
+            <a:extLst>
+              <a:ext uri="{FF2B5EF4-FFF2-40B4-BE49-F238E27FC236}">
                 <a16:creationId xmlns:a16="http://schemas.microsoft.com/office/drawing/2014/main" id="{6D9200B6-57B7-D6C9-43CD-F6B84A853687}"/>
               </a:ext>
             </a:extLst>
@@ -10003,7 +12391,7 @@
                 <a:effectLst/>
                 <a:latin typeface="Söhne"/>
               </a:rPr>
-              <a:t>We expect discussions like, "Hey, should we use Mad Mints or Standard for our Minting System?" within your team.</a:t>
+              <a:t>I expect discussions like, "Hey, should we use Mad Mints or Standard for our Minting System?" within your team.</a:t>
             </a:r>
           </a:p>
         </p:txBody>
@@ -10061,46 +12449,9 @@
             <a:fld id="{51BE5F08-58E8-9243-A834-2B76637F595D}" type="slidenum">
               <a:rPr kumimoji="1" lang="ja-JP" altLang="en-US" smtClean="0"/>
               <a:pPr/>
-              <a:t>7</a:t>
+              <a:t>8</a:t>
             </a:fld>
             <a:endParaRPr kumimoji="1" lang="ja-JP" altLang="en-US"/>
-          </a:p>
-        </p:txBody>
-      </p:sp>
-      <p:sp>
-        <p:nvSpPr>
-          <p:cNvPr id="7" name="テキスト ボックス 6">
-            <a:extLst>
-              <a:ext uri="{FF2B5EF4-FFF2-40B4-BE49-F238E27FC236}">
-                <a16:creationId xmlns:a16="http://schemas.microsoft.com/office/drawing/2014/main" id="{8A433CFE-6F51-8CEC-5A47-1A37068F54E6}"/>
-              </a:ext>
-            </a:extLst>
-          </p:cNvPr>
-          <p:cNvSpPr txBox="1"/>
-          <p:nvPr/>
-        </p:nvSpPr>
-        <p:spPr>
-          <a:xfrm>
-            <a:off x="11075670" y="9225"/>
-            <a:ext cx="1093469" cy="315912"/>
-          </a:xfrm>
-          <a:prstGeom prst="rect">
-            <a:avLst/>
-          </a:prstGeom>
-          <a:noFill/>
-        </p:spPr>
-        <p:txBody>
-          <a:bodyPr wrap="square" rtlCol="0">
-            <a:noAutofit/>
-          </a:bodyPr>
-          <a:lstStyle/>
-          <a:p>
-            <a:pPr algn="r"/>
-            <a:r>
-              <a:rPr kumimoji="1" lang="en-US" altLang="ja-JP" sz="1200" dirty="0"/>
-              <a:t>May 21 2023</a:t>
-            </a:r>
-            <a:endParaRPr kumimoji="1" lang="ja-JP" altLang="en-US" sz="1200" dirty="0"/>
           </a:p>
         </p:txBody>
       </p:sp>
@@ -10196,6 +12547,43 @@
                 <a:hlinkClick r:id="rId3"/>
               </a:rPr>
               <a:t>shiroperu</a:t>
+            </a:r>
+            <a:endParaRPr kumimoji="1" lang="ja-JP" altLang="en-US" sz="1200" dirty="0"/>
+          </a:p>
+        </p:txBody>
+      </p:sp>
+      <p:sp>
+        <p:nvSpPr>
+          <p:cNvPr id="6" name="テキスト ボックス 5">
+            <a:extLst>
+              <a:ext uri="{FF2B5EF4-FFF2-40B4-BE49-F238E27FC236}">
+                <a16:creationId xmlns:a16="http://schemas.microsoft.com/office/drawing/2014/main" id="{3FFF692A-EE9B-C873-F96A-8736541D5587}"/>
+              </a:ext>
+            </a:extLst>
+          </p:cNvPr>
+          <p:cNvSpPr txBox="1"/>
+          <p:nvPr/>
+        </p:nvSpPr>
+        <p:spPr>
+          <a:xfrm>
+            <a:off x="10729139" y="9225"/>
+            <a:ext cx="1443600" cy="315912"/>
+          </a:xfrm>
+          <a:prstGeom prst="rect">
+            <a:avLst/>
+          </a:prstGeom>
+          <a:noFill/>
+        </p:spPr>
+        <p:txBody>
+          <a:bodyPr wrap="square" rtlCol="0">
+            <a:noAutofit/>
+          </a:bodyPr>
+          <a:lstStyle/>
+          <a:p>
+            <a:pPr algn="r"/>
+            <a:r>
+              <a:rPr kumimoji="1" lang="en-US" altLang="ja-JP" sz="1200" dirty="0"/>
+              <a:t>JST May 21 2023</a:t>
             </a:r>
             <a:endParaRPr kumimoji="1" lang="ja-JP" altLang="en-US" sz="1200" dirty="0"/>
           </a:p>

--- a/docs/Mad-Mints.pptx
+++ b/docs/Mad-Mints.pptx
@@ -10239,6 +10239,62 @@
           </a:p>
         </p:txBody>
       </p:sp>
+      <p:sp>
+        <p:nvSpPr>
+          <p:cNvPr id="7" name="正方形/長方形 6">
+            <a:extLst>
+              <a:ext uri="{FF2B5EF4-FFF2-40B4-BE49-F238E27FC236}">
+                <a16:creationId xmlns:a16="http://schemas.microsoft.com/office/drawing/2014/main" id="{DD011DDB-B9BD-D5A5-E04D-10556CEF6FE4}"/>
+              </a:ext>
+            </a:extLst>
+          </p:cNvPr>
+          <p:cNvSpPr/>
+          <p:nvPr/>
+        </p:nvSpPr>
+        <p:spPr>
+          <a:xfrm>
+            <a:off x="2339340" y="1245870"/>
+            <a:ext cx="845820" cy="1003139"/>
+          </a:xfrm>
+          <a:prstGeom prst="rect">
+            <a:avLst/>
+          </a:prstGeom>
+          <a:noFill/>
+          <a:ln>
+            <a:solidFill>
+              <a:srgbClr val="FF0000"/>
+            </a:solidFill>
+          </a:ln>
+        </p:spPr>
+        <p:style>
+          <a:lnRef idx="2">
+            <a:schemeClr val="accent1">
+              <a:shade val="50000"/>
+            </a:schemeClr>
+          </a:lnRef>
+          <a:fillRef idx="1">
+            <a:schemeClr val="accent1"/>
+          </a:fillRef>
+          <a:effectRef idx="0">
+            <a:schemeClr val="accent1"/>
+          </a:effectRef>
+          <a:fontRef idx="minor">
+            <a:schemeClr val="lt1"/>
+          </a:fontRef>
+        </p:style>
+        <p:txBody>
+          <a:bodyPr rtlCol="0" anchor="ctr"/>
+          <a:lstStyle/>
+          <a:p>
+            <a:pPr algn="ctr"/>
+            <a:endParaRPr kumimoji="1" lang="ja-JP" altLang="en-US" sz="1600">
+              <a:solidFill>
+                <a:schemeClr val="tx1"/>
+              </a:solidFill>
+            </a:endParaRPr>
+          </a:p>
+        </p:txBody>
+      </p:sp>
     </p:spTree>
     <p:extLst>
       <p:ext uri="{BB962C8B-B14F-4D97-AF65-F5344CB8AC3E}">

--- a/docs/Mad-Mints.pptx
+++ b/docs/Mad-Mints.pptx
@@ -5,18 +5,20 @@
     <p:sldMasterId id="2147483672" r:id="rId1"/>
   </p:sldMasterIdLst>
   <p:notesMasterIdLst>
-    <p:notesMasterId r:id="rId11"/>
+    <p:notesMasterId r:id="rId13"/>
   </p:notesMasterIdLst>
   <p:sldIdLst>
     <p:sldId id="321" r:id="rId2"/>
     <p:sldId id="331" r:id="rId3"/>
     <p:sldId id="330" r:id="rId4"/>
-    <p:sldId id="328" r:id="rId5"/>
-    <p:sldId id="323" r:id="rId6"/>
-    <p:sldId id="325" r:id="rId7"/>
-    <p:sldId id="329" r:id="rId8"/>
-    <p:sldId id="326" r:id="rId9"/>
-    <p:sldId id="327" r:id="rId10"/>
+    <p:sldId id="333" r:id="rId5"/>
+    <p:sldId id="332" r:id="rId6"/>
+    <p:sldId id="334" r:id="rId7"/>
+    <p:sldId id="328" r:id="rId8"/>
+    <p:sldId id="325" r:id="rId9"/>
+    <p:sldId id="329" r:id="rId10"/>
+    <p:sldId id="326" r:id="rId11"/>
+    <p:sldId id="327" r:id="rId12"/>
   </p:sldIdLst>
   <p:sldSz cx="12192000" cy="6858000"/>
   <p:notesSz cx="6858000" cy="9144000"/>
@@ -205,7 +207,7 @@
           <a:p>
             <a:fld id="{0E3AE901-84B3-3248-AD12-BEDA7F301CE3}" type="datetimeFigureOut">
               <a:rPr kumimoji="1" lang="ja-JP" altLang="en-US" smtClean="0"/>
-              <a:t>2023/5/24</a:t>
+              <a:t>2023/5/28</a:t>
             </a:fld>
             <a:endParaRPr kumimoji="1" lang="ja-JP" altLang="en-US"/>
           </a:p>
@@ -660,7 +662,7 @@
           <a:p>
             <a:fld id="{E3F90748-6578-AC42-962A-9F4B1F5FBFAD}" type="datetime1">
               <a:rPr kumimoji="1" lang="ja-JP" altLang="en-US" smtClean="0"/>
-              <a:t>2023/5/24</a:t>
+              <a:t>2023/5/28</a:t>
             </a:fld>
             <a:endParaRPr kumimoji="1" lang="ja-JP" altLang="en-US"/>
           </a:p>
@@ -905,7 +907,7 @@
           <a:p>
             <a:fld id="{BE6DFB40-8C3F-A944-983D-65243E3E0DC7}" type="datetime1">
               <a:rPr kumimoji="1" lang="ja-JP" altLang="en-US" smtClean="0"/>
-              <a:t>2023/5/24</a:t>
+              <a:t>2023/5/28</a:t>
             </a:fld>
             <a:endParaRPr kumimoji="1" lang="ja-JP" altLang="en-US"/>
           </a:p>
@@ -1145,7 +1147,7 @@
           <a:p>
             <a:fld id="{631B2AF4-14FC-314E-A304-69D6AC20AFC1}" type="datetime1">
               <a:rPr kumimoji="1" lang="ja-JP" altLang="en-US" smtClean="0"/>
-              <a:t>2023/5/24</a:t>
+              <a:t>2023/5/28</a:t>
             </a:fld>
             <a:endParaRPr kumimoji="1" lang="ja-JP" altLang="en-US"/>
           </a:p>
@@ -1414,7 +1416,7 @@
             <a:fld id="{73EFA7FA-4B80-324E-84D1-8F8384F1BA5D}" type="datetime1">
               <a:rPr kumimoji="1" lang="ja-JP" altLang="en-US" smtClean="0"/>
               <a:pPr/>
-              <a:t>2023/5/24</a:t>
+              <a:t>2023/5/28</a:t>
             </a:fld>
             <a:endParaRPr kumimoji="1" lang="ja-JP" altLang="en-US"/>
           </a:p>
@@ -1741,7 +1743,7 @@
           <a:p>
             <a:fld id="{D2E220AC-C2A7-024E-ACAB-4DB6052A376C}" type="datetime1">
               <a:rPr kumimoji="1" lang="ja-JP" altLang="en-US" smtClean="0"/>
-              <a:t>2023/5/24</a:t>
+              <a:t>2023/5/28</a:t>
             </a:fld>
             <a:endParaRPr kumimoji="1" lang="ja-JP" altLang="en-US"/>
           </a:p>
@@ -2065,7 +2067,7 @@
           <a:p>
             <a:fld id="{CC48FC5F-5874-5040-B9D3-0BB86491154B}" type="datetime1">
               <a:rPr kumimoji="1" lang="ja-JP" altLang="en-US" smtClean="0"/>
-              <a:t>2023/5/24</a:t>
+              <a:t>2023/5/28</a:t>
             </a:fld>
             <a:endParaRPr kumimoji="1" lang="ja-JP" altLang="en-US"/>
           </a:p>
@@ -2524,7 +2526,7 @@
           <a:p>
             <a:fld id="{667059AF-CDDF-A545-B437-20B256967FD9}" type="datetime1">
               <a:rPr kumimoji="1" lang="ja-JP" altLang="en-US" smtClean="0"/>
-              <a:t>2023/5/24</a:t>
+              <a:t>2023/5/28</a:t>
             </a:fld>
             <a:endParaRPr kumimoji="1" lang="ja-JP" altLang="en-US"/>
           </a:p>
@@ -2670,7 +2672,7 @@
           <a:p>
             <a:fld id="{15B6534E-A8F6-864C-985B-4DB3D4538E40}" type="datetime1">
               <a:rPr kumimoji="1" lang="ja-JP" altLang="en-US" smtClean="0"/>
-              <a:t>2023/5/24</a:t>
+              <a:t>2023/5/28</a:t>
             </a:fld>
             <a:endParaRPr kumimoji="1" lang="ja-JP" altLang="en-US"/>
           </a:p>
@@ -2793,7 +2795,7 @@
           <a:p>
             <a:fld id="{D63D519C-9325-DD4F-A5F6-0AFD37CE8635}" type="datetime1">
               <a:rPr kumimoji="1" lang="ja-JP" altLang="en-US" smtClean="0"/>
-              <a:t>2023/5/24</a:t>
+              <a:t>2023/5/28</a:t>
             </a:fld>
             <a:endParaRPr kumimoji="1" lang="ja-JP" altLang="en-US"/>
           </a:p>
@@ -3130,7 +3132,7 @@
           <a:p>
             <a:fld id="{5503B069-C866-8C47-A1B1-6AEF053A8792}" type="datetime1">
               <a:rPr kumimoji="1" lang="ja-JP" altLang="en-US" smtClean="0"/>
-              <a:t>2023/5/24</a:t>
+              <a:t>2023/5/28</a:t>
             </a:fld>
             <a:endParaRPr kumimoji="1" lang="ja-JP" altLang="en-US"/>
           </a:p>
@@ -3415,7 +3417,7 @@
           <a:p>
             <a:fld id="{C183513C-F2F4-B940-8F47-6502D3E9B9CA}" type="datetime1">
               <a:rPr kumimoji="1" lang="ja-JP" altLang="en-US" smtClean="0"/>
-              <a:t>2023/5/24</a:t>
+              <a:t>2023/5/28</a:t>
             </a:fld>
             <a:endParaRPr kumimoji="1" lang="ja-JP" altLang="en-US"/>
           </a:p>
@@ -3619,7 +3621,7 @@
             <a:fld id="{E55A93C3-7990-6040-9FF9-3C243F65B473}" type="datetime1">
               <a:rPr kumimoji="1" lang="ja-JP" altLang="en-US" smtClean="0"/>
               <a:pPr/>
-              <a:t>2023/5/24</a:t>
+              <a:t>2023/5/28</a:t>
             </a:fld>
             <a:endParaRPr kumimoji="1" lang="ja-JP" altLang="en-US"/>
           </a:p>
@@ -4091,7 +4093,7 @@
               <a:rPr lang="en-US" altLang="ja-JP" b="0" i="0" dirty="0">
                 <a:effectLst/>
               </a:rPr>
-              <a:t>Improves the speed of (minting) transactions. With this approach, you'll be able to handle high demand and experience incredible UX. We call "Mad Mints".</a:t>
+              <a:t>Improves the speed of minting transactions. With this approach, you'll be able to handle high demand and experience incredible UX. We call "Mad Mints".</a:t>
             </a:r>
             <a:endParaRPr lang="en-US" altLang="ja-JP" dirty="0"/>
           </a:p>
@@ -4287,6 +4289,530 @@
     <p:extLst>
       <p:ext uri="{BB962C8B-B14F-4D97-AF65-F5344CB8AC3E}">
         <p14:creationId xmlns:p14="http://schemas.microsoft.com/office/powerpoint/2010/main" val="1192444391"/>
+      </p:ext>
+    </p:extLst>
+  </p:cSld>
+  <p:clrMapOvr>
+    <a:masterClrMapping/>
+  </p:clrMapOvr>
+</p:sld>
+</file>
+
+<file path=ppt/slides/slide10.xml><?xml version="1.0" encoding="utf-8"?>
+<p:sld xmlns:a="http://schemas.openxmlformats.org/drawingml/2006/main" xmlns:r="http://schemas.openxmlformats.org/officeDocument/2006/relationships" xmlns:p="http://schemas.openxmlformats.org/presentationml/2006/main">
+  <p:cSld>
+    <p:spTree>
+      <p:nvGrpSpPr>
+        <p:cNvPr id="1" name=""/>
+        <p:cNvGrpSpPr/>
+        <p:nvPr/>
+      </p:nvGrpSpPr>
+      <p:grpSpPr>
+        <a:xfrm>
+          <a:off x="0" y="0"/>
+          <a:ext cx="0" cy="0"/>
+          <a:chOff x="0" y="0"/>
+          <a:chExt cx="0" cy="0"/>
+        </a:xfrm>
+      </p:grpSpPr>
+      <p:sp>
+        <p:nvSpPr>
+          <p:cNvPr id="2" name="タイトル 1">
+            <a:extLst>
+              <a:ext uri="{FF2B5EF4-FFF2-40B4-BE49-F238E27FC236}">
+                <a16:creationId xmlns:a16="http://schemas.microsoft.com/office/drawing/2014/main" id="{90FD3E59-428E-D6B2-B3C5-F6F7B480123B}"/>
+              </a:ext>
+            </a:extLst>
+          </p:cNvPr>
+          <p:cNvSpPr>
+            <a:spLocks noGrp="1"/>
+          </p:cNvSpPr>
+          <p:nvPr>
+            <p:ph type="title"/>
+          </p:nvPr>
+        </p:nvSpPr>
+        <p:spPr/>
+        <p:txBody>
+          <a:bodyPr/>
+          <a:lstStyle/>
+          <a:p>
+            <a:r>
+              <a:rPr kumimoji="1" lang="en-US" altLang="ja-JP" dirty="0"/>
+              <a:t>Example Code</a:t>
+            </a:r>
+            <a:endParaRPr kumimoji="1" lang="ja-JP" altLang="en-US"/>
+          </a:p>
+        </p:txBody>
+      </p:sp>
+      <p:sp>
+        <p:nvSpPr>
+          <p:cNvPr id="4" name="フッター プレースホルダー 3">
+            <a:extLst>
+              <a:ext uri="{FF2B5EF4-FFF2-40B4-BE49-F238E27FC236}">
+                <a16:creationId xmlns:a16="http://schemas.microsoft.com/office/drawing/2014/main" id="{84F8FC5D-67C5-EB08-DA8F-DC43154573F5}"/>
+              </a:ext>
+            </a:extLst>
+          </p:cNvPr>
+          <p:cNvSpPr>
+            <a:spLocks noGrp="1"/>
+          </p:cNvSpPr>
+          <p:nvPr>
+            <p:ph type="ftr" sz="quarter" idx="11"/>
+          </p:nvPr>
+        </p:nvSpPr>
+        <p:spPr/>
+        <p:txBody>
+          <a:bodyPr/>
+          <a:lstStyle/>
+          <a:p>
+            <a:r>
+              <a:rPr kumimoji="1" lang="en-US" altLang="ja-JP"/>
+              <a:t>256hax</a:t>
+            </a:r>
+            <a:endParaRPr kumimoji="1" lang="ja-JP" altLang="en-US"/>
+          </a:p>
+        </p:txBody>
+      </p:sp>
+      <p:sp>
+        <p:nvSpPr>
+          <p:cNvPr id="5" name="スライド番号プレースホルダー 4">
+            <a:extLst>
+              <a:ext uri="{FF2B5EF4-FFF2-40B4-BE49-F238E27FC236}">
+                <a16:creationId xmlns:a16="http://schemas.microsoft.com/office/drawing/2014/main" id="{9810586D-71D7-C56A-D81E-323600AAE558}"/>
+              </a:ext>
+            </a:extLst>
+          </p:cNvPr>
+          <p:cNvSpPr>
+            <a:spLocks noGrp="1"/>
+          </p:cNvSpPr>
+          <p:nvPr>
+            <p:ph type="sldNum" sz="quarter" idx="12"/>
+          </p:nvPr>
+        </p:nvSpPr>
+        <p:spPr/>
+        <p:txBody>
+          <a:bodyPr/>
+          <a:lstStyle/>
+          <a:p>
+            <a:fld id="{51BE5F08-58E8-9243-A834-2B76637F595D}" type="slidenum">
+              <a:rPr kumimoji="1" lang="ja-JP" altLang="en-US" smtClean="0"/>
+              <a:pPr/>
+              <a:t>9</a:t>
+            </a:fld>
+            <a:endParaRPr kumimoji="1" lang="ja-JP" altLang="en-US"/>
+          </a:p>
+        </p:txBody>
+      </p:sp>
+      <p:sp>
+        <p:nvSpPr>
+          <p:cNvPr id="8" name="テキスト ボックス 7">
+            <a:extLst>
+              <a:ext uri="{FF2B5EF4-FFF2-40B4-BE49-F238E27FC236}">
+                <a16:creationId xmlns:a16="http://schemas.microsoft.com/office/drawing/2014/main" id="{F6E10048-C70B-798B-1A63-B0DE8166ED8A}"/>
+              </a:ext>
+            </a:extLst>
+          </p:cNvPr>
+          <p:cNvSpPr txBox="1"/>
+          <p:nvPr/>
+        </p:nvSpPr>
+        <p:spPr>
+          <a:xfrm>
+            <a:off x="838200" y="1853765"/>
+            <a:ext cx="10515600" cy="1118035"/>
+          </a:xfrm>
+          <a:prstGeom prst="rect">
+            <a:avLst/>
+          </a:prstGeom>
+          <a:noFill/>
+        </p:spPr>
+        <p:txBody>
+          <a:bodyPr wrap="square" rtlCol="0">
+            <a:noAutofit/>
+          </a:bodyPr>
+          <a:lstStyle/>
+          <a:p>
+            <a:pPr algn="ctr"/>
+            <a:r>
+              <a:rPr kumimoji="1" lang="en-US" altLang="ja-JP" sz="2000" dirty="0">
+                <a:hlinkClick r:id="rId2"/>
+              </a:rPr>
+              <a:t>https://github.com/256hax/mad-mints</a:t>
+            </a:r>
+            <a:endParaRPr kumimoji="1" lang="en-US" altLang="ja-JP" sz="2000" dirty="0"/>
+          </a:p>
+          <a:p>
+            <a:pPr algn="ctr"/>
+            <a:endParaRPr kumimoji="1" lang="en-US" altLang="ja-JP" sz="2000" dirty="0"/>
+          </a:p>
+          <a:p>
+            <a:pPr algn="ctr"/>
+            <a:r>
+              <a:rPr kumimoji="1" lang="en-US" altLang="ja-JP" sz="2000" dirty="0"/>
+              <a:t>Experiment purpose only.</a:t>
+            </a:r>
+            <a:endParaRPr kumimoji="1" lang="ja-JP" altLang="en-US" sz="2000" dirty="0"/>
+          </a:p>
+        </p:txBody>
+      </p:sp>
+      <p:pic>
+        <p:nvPicPr>
+          <p:cNvPr id="12" name="図 11">
+            <a:extLst>
+              <a:ext uri="{FF2B5EF4-FFF2-40B4-BE49-F238E27FC236}">
+                <a16:creationId xmlns:a16="http://schemas.microsoft.com/office/drawing/2014/main" id="{30DEEAB5-885C-A99D-ADA6-A773ECBE110B}"/>
+              </a:ext>
+            </a:extLst>
+          </p:cNvPr>
+          <p:cNvPicPr>
+            <a:picLocks noChangeAspect="1"/>
+          </p:cNvPicPr>
+          <p:nvPr/>
+        </p:nvPicPr>
+        <p:blipFill>
+          <a:blip r:embed="rId3"/>
+          <a:stretch>
+            <a:fillRect/>
+          </a:stretch>
+        </p:blipFill>
+        <p:spPr>
+          <a:xfrm>
+            <a:off x="4667250" y="2971800"/>
+            <a:ext cx="2857500" cy="2857500"/>
+          </a:xfrm>
+          <a:prstGeom prst="rect">
+            <a:avLst/>
+          </a:prstGeom>
+        </p:spPr>
+      </p:pic>
+      <p:sp>
+        <p:nvSpPr>
+          <p:cNvPr id="3" name="テキスト ボックス 2">
+            <a:extLst>
+              <a:ext uri="{FF2B5EF4-FFF2-40B4-BE49-F238E27FC236}">
+                <a16:creationId xmlns:a16="http://schemas.microsoft.com/office/drawing/2014/main" id="{AE19384B-A3A9-6882-17B9-02D91620C991}"/>
+              </a:ext>
+            </a:extLst>
+          </p:cNvPr>
+          <p:cNvSpPr txBox="1"/>
+          <p:nvPr/>
+        </p:nvSpPr>
+        <p:spPr>
+          <a:xfrm>
+            <a:off x="10729139" y="9225"/>
+            <a:ext cx="1443600" cy="315912"/>
+          </a:xfrm>
+          <a:prstGeom prst="rect">
+            <a:avLst/>
+          </a:prstGeom>
+          <a:noFill/>
+        </p:spPr>
+        <p:txBody>
+          <a:bodyPr wrap="square" rtlCol="0">
+            <a:noAutofit/>
+          </a:bodyPr>
+          <a:lstStyle/>
+          <a:p>
+            <a:pPr algn="r"/>
+            <a:r>
+              <a:rPr kumimoji="1" lang="en-US" altLang="ja-JP" sz="1200" dirty="0"/>
+              <a:t>JST May 21 2023</a:t>
+            </a:r>
+            <a:endParaRPr kumimoji="1" lang="ja-JP" altLang="en-US" sz="1200" dirty="0"/>
+          </a:p>
+        </p:txBody>
+      </p:sp>
+    </p:spTree>
+    <p:extLst>
+      <p:ext uri="{BB962C8B-B14F-4D97-AF65-F5344CB8AC3E}">
+        <p14:creationId xmlns:p14="http://schemas.microsoft.com/office/powerpoint/2010/main" val="3259309326"/>
+      </p:ext>
+    </p:extLst>
+  </p:cSld>
+  <p:clrMapOvr>
+    <a:masterClrMapping/>
+  </p:clrMapOvr>
+</p:sld>
+</file>
+
+<file path=ppt/slides/slide11.xml><?xml version="1.0" encoding="utf-8"?>
+<p:sld xmlns:a="http://schemas.openxmlformats.org/drawingml/2006/main" xmlns:r="http://schemas.openxmlformats.org/officeDocument/2006/relationships" xmlns:p="http://schemas.openxmlformats.org/presentationml/2006/main">
+  <p:cSld>
+    <p:spTree>
+      <p:nvGrpSpPr>
+        <p:cNvPr id="1" name=""/>
+        <p:cNvGrpSpPr/>
+        <p:nvPr/>
+      </p:nvGrpSpPr>
+      <p:grpSpPr>
+        <a:xfrm>
+          <a:off x="0" y="0"/>
+          <a:ext cx="0" cy="0"/>
+          <a:chOff x="0" y="0"/>
+          <a:chExt cx="0" cy="0"/>
+        </a:xfrm>
+      </p:grpSpPr>
+      <p:sp>
+        <p:nvSpPr>
+          <p:cNvPr id="2" name="タイトル 1">
+            <a:extLst>
+              <a:ext uri="{FF2B5EF4-FFF2-40B4-BE49-F238E27FC236}">
+                <a16:creationId xmlns:a16="http://schemas.microsoft.com/office/drawing/2014/main" id="{6D9200B6-57B7-D6C9-43CD-F6B84A853687}"/>
+              </a:ext>
+            </a:extLst>
+          </p:cNvPr>
+          <p:cNvSpPr>
+            <a:spLocks noGrp="1"/>
+          </p:cNvSpPr>
+          <p:nvPr>
+            <p:ph type="title"/>
+          </p:nvPr>
+        </p:nvSpPr>
+        <p:spPr/>
+        <p:txBody>
+          <a:bodyPr/>
+          <a:lstStyle/>
+          <a:p>
+            <a:r>
+              <a:rPr kumimoji="1" lang="en-US" altLang="ja-JP" dirty="0"/>
+              <a:t>Mad Mints Logo</a:t>
+            </a:r>
+            <a:r>
+              <a:rPr lang="en-US" altLang="ja-JP" dirty="0"/>
+              <a:t> (Unofficial, Fan art)</a:t>
+            </a:r>
+            <a:endParaRPr kumimoji="1" lang="ja-JP" altLang="en-US"/>
+          </a:p>
+        </p:txBody>
+      </p:sp>
+      <p:sp>
+        <p:nvSpPr>
+          <p:cNvPr id="3" name="コンテンツ プレースホルダー 2">
+            <a:extLst>
+              <a:ext uri="{FF2B5EF4-FFF2-40B4-BE49-F238E27FC236}">
+                <a16:creationId xmlns:a16="http://schemas.microsoft.com/office/drawing/2014/main" id="{09E3A998-253E-71DF-C0B6-2526B366D6FC}"/>
+              </a:ext>
+            </a:extLst>
+          </p:cNvPr>
+          <p:cNvSpPr>
+            <a:spLocks noGrp="1"/>
+          </p:cNvSpPr>
+          <p:nvPr>
+            <p:ph idx="1"/>
+          </p:nvPr>
+        </p:nvSpPr>
+        <p:spPr/>
+        <p:txBody>
+          <a:bodyPr/>
+          <a:lstStyle/>
+          <a:p>
+            <a:pPr algn="l"/>
+            <a:r>
+              <a:rPr lang="en-US" altLang="ja-JP" b="0" i="0" dirty="0">
+                <a:effectLst/>
+                <a:latin typeface="Söhne"/>
+              </a:rPr>
+              <a:t>I expect discussions like, "Hey, should we use Mad Mints or Standard for our Minting System?" within your team.</a:t>
+            </a:r>
+          </a:p>
+        </p:txBody>
+      </p:sp>
+      <p:sp>
+        <p:nvSpPr>
+          <p:cNvPr id="4" name="フッター プレースホルダー 3">
+            <a:extLst>
+              <a:ext uri="{FF2B5EF4-FFF2-40B4-BE49-F238E27FC236}">
+                <a16:creationId xmlns:a16="http://schemas.microsoft.com/office/drawing/2014/main" id="{D762F443-1AC7-ADE1-608D-4201875555CB}"/>
+              </a:ext>
+            </a:extLst>
+          </p:cNvPr>
+          <p:cNvSpPr>
+            <a:spLocks noGrp="1"/>
+          </p:cNvSpPr>
+          <p:nvPr>
+            <p:ph type="ftr" sz="quarter" idx="11"/>
+          </p:nvPr>
+        </p:nvSpPr>
+        <p:spPr/>
+        <p:txBody>
+          <a:bodyPr/>
+          <a:lstStyle/>
+          <a:p>
+            <a:r>
+              <a:rPr kumimoji="1" lang="en-US" altLang="ja-JP"/>
+              <a:t>256hax</a:t>
+            </a:r>
+            <a:endParaRPr kumimoji="1" lang="ja-JP" altLang="en-US"/>
+          </a:p>
+        </p:txBody>
+      </p:sp>
+      <p:sp>
+        <p:nvSpPr>
+          <p:cNvPr id="5" name="スライド番号プレースホルダー 4">
+            <a:extLst>
+              <a:ext uri="{FF2B5EF4-FFF2-40B4-BE49-F238E27FC236}">
+                <a16:creationId xmlns:a16="http://schemas.microsoft.com/office/drawing/2014/main" id="{E2E82D06-14F3-2C06-CB3D-91E55B1F72CA}"/>
+              </a:ext>
+            </a:extLst>
+          </p:cNvPr>
+          <p:cNvSpPr>
+            <a:spLocks noGrp="1"/>
+          </p:cNvSpPr>
+          <p:nvPr>
+            <p:ph type="sldNum" sz="quarter" idx="12"/>
+          </p:nvPr>
+        </p:nvSpPr>
+        <p:spPr/>
+        <p:txBody>
+          <a:bodyPr/>
+          <a:lstStyle/>
+          <a:p>
+            <a:fld id="{51BE5F08-58E8-9243-A834-2B76637F595D}" type="slidenum">
+              <a:rPr kumimoji="1" lang="ja-JP" altLang="en-US" smtClean="0"/>
+              <a:pPr/>
+              <a:t>10</a:t>
+            </a:fld>
+            <a:endParaRPr kumimoji="1" lang="ja-JP" altLang="en-US"/>
+          </a:p>
+        </p:txBody>
+      </p:sp>
+      <p:pic>
+        <p:nvPicPr>
+          <p:cNvPr id="11" name="図 10">
+            <a:extLst>
+              <a:ext uri="{FF2B5EF4-FFF2-40B4-BE49-F238E27FC236}">
+                <a16:creationId xmlns:a16="http://schemas.microsoft.com/office/drawing/2014/main" id="{F8FB26DC-9CB0-6E24-F130-11E62779BE71}"/>
+              </a:ext>
+            </a:extLst>
+          </p:cNvPr>
+          <p:cNvPicPr>
+            <a:picLocks noChangeAspect="1"/>
+          </p:cNvPicPr>
+          <p:nvPr/>
+        </p:nvPicPr>
+        <p:blipFill>
+          <a:blip r:embed="rId2"/>
+          <a:stretch>
+            <a:fillRect/>
+          </a:stretch>
+        </p:blipFill>
+        <p:spPr>
+          <a:xfrm>
+            <a:off x="4064000" y="1679845"/>
+            <a:ext cx="4064000" cy="4064000"/>
+          </a:xfrm>
+          <a:prstGeom prst="rect">
+            <a:avLst/>
+          </a:prstGeom>
+        </p:spPr>
+      </p:pic>
+      <p:sp>
+        <p:nvSpPr>
+          <p:cNvPr id="12" name="テキスト ボックス 11">
+            <a:extLst>
+              <a:ext uri="{FF2B5EF4-FFF2-40B4-BE49-F238E27FC236}">
+                <a16:creationId xmlns:a16="http://schemas.microsoft.com/office/drawing/2014/main" id="{D10F52C2-BC20-8A30-0E1B-D5FF1BF7FD25}"/>
+              </a:ext>
+            </a:extLst>
+          </p:cNvPr>
+          <p:cNvSpPr txBox="1"/>
+          <p:nvPr/>
+        </p:nvSpPr>
+        <p:spPr>
+          <a:xfrm>
+            <a:off x="9053830" y="5881640"/>
+            <a:ext cx="2113280" cy="453278"/>
+          </a:xfrm>
+          <a:prstGeom prst="rect">
+            <a:avLst/>
+          </a:prstGeom>
+          <a:noFill/>
+        </p:spPr>
+        <p:txBody>
+          <a:bodyPr wrap="square" rtlCol="0">
+            <a:noAutofit/>
+          </a:bodyPr>
+          <a:lstStyle/>
+          <a:p>
+            <a:r>
+              <a:rPr kumimoji="1" lang="en-US" altLang="ja-JP" sz="1200" dirty="0"/>
+              <a:t>Fan art by </a:t>
+            </a:r>
+            <a:r>
+              <a:rPr kumimoji="1" lang="en-US" altLang="ja-JP" sz="1200" dirty="0" err="1"/>
+              <a:t>shiroperu</a:t>
+            </a:r>
+            <a:endParaRPr kumimoji="1" lang="en-US" altLang="ja-JP" sz="1200" dirty="0"/>
+          </a:p>
+          <a:p>
+            <a:r>
+              <a:rPr kumimoji="1" lang="en-US" altLang="ja-JP" sz="1200" dirty="0">
+                <a:hlinkClick r:id="rId3"/>
+              </a:rPr>
+              <a:t>https://</a:t>
+            </a:r>
+            <a:r>
+              <a:rPr kumimoji="1" lang="en-US" altLang="ja-JP" sz="1200" dirty="0" err="1">
+                <a:hlinkClick r:id="rId3"/>
+              </a:rPr>
+              <a:t>twitter.com</a:t>
+            </a:r>
+            <a:r>
+              <a:rPr kumimoji="1" lang="en-US" altLang="ja-JP" sz="1200" dirty="0">
+                <a:hlinkClick r:id="rId3"/>
+              </a:rPr>
+              <a:t>/</a:t>
+            </a:r>
+            <a:r>
+              <a:rPr kumimoji="1" lang="en-US" altLang="ja-JP" sz="1200" dirty="0" err="1">
+                <a:hlinkClick r:id="rId3"/>
+              </a:rPr>
+              <a:t>shiroperu</a:t>
+            </a:r>
+            <a:endParaRPr kumimoji="1" lang="ja-JP" altLang="en-US" sz="1200" dirty="0"/>
+          </a:p>
+        </p:txBody>
+      </p:sp>
+      <p:sp>
+        <p:nvSpPr>
+          <p:cNvPr id="6" name="テキスト ボックス 5">
+            <a:extLst>
+              <a:ext uri="{FF2B5EF4-FFF2-40B4-BE49-F238E27FC236}">
+                <a16:creationId xmlns:a16="http://schemas.microsoft.com/office/drawing/2014/main" id="{3FFF692A-EE9B-C873-F96A-8736541D5587}"/>
+              </a:ext>
+            </a:extLst>
+          </p:cNvPr>
+          <p:cNvSpPr txBox="1"/>
+          <p:nvPr/>
+        </p:nvSpPr>
+        <p:spPr>
+          <a:xfrm>
+            <a:off x="10729139" y="9225"/>
+            <a:ext cx="1443600" cy="315912"/>
+          </a:xfrm>
+          <a:prstGeom prst="rect">
+            <a:avLst/>
+          </a:prstGeom>
+          <a:noFill/>
+        </p:spPr>
+        <p:txBody>
+          <a:bodyPr wrap="square" rtlCol="0">
+            <a:noAutofit/>
+          </a:bodyPr>
+          <a:lstStyle/>
+          <a:p>
+            <a:pPr algn="r"/>
+            <a:r>
+              <a:rPr kumimoji="1" lang="en-US" altLang="ja-JP" sz="1200" dirty="0"/>
+              <a:t>JST May 21 2023</a:t>
+            </a:r>
+            <a:endParaRPr kumimoji="1" lang="ja-JP" altLang="en-US" sz="1200" dirty="0"/>
+          </a:p>
+        </p:txBody>
+      </p:sp>
+    </p:spTree>
+    <p:extLst>
+      <p:ext uri="{BB962C8B-B14F-4D97-AF65-F5344CB8AC3E}">
+        <p14:creationId xmlns:p14="http://schemas.microsoft.com/office/powerpoint/2010/main" val="691935846"/>
       </p:ext>
     </p:extLst>
   </p:cSld>
@@ -7140,6 +7666,5454 @@
               <a:rPr kumimoji="1" lang="ja-JP" altLang="en-US" smtClean="0"/>
               <a:pPr/>
               <a:t>3</a:t>
+            </a:fld>
+            <a:endParaRPr kumimoji="1" lang="ja-JP" altLang="en-US"/>
+          </a:p>
+        </p:txBody>
+      </p:sp>
+      <p:grpSp>
+        <p:nvGrpSpPr>
+          <p:cNvPr id="11" name="グループ化 10">
+            <a:extLst>
+              <a:ext uri="{FF2B5EF4-FFF2-40B4-BE49-F238E27FC236}">
+                <a16:creationId xmlns:a16="http://schemas.microsoft.com/office/drawing/2014/main" id="{5EB9D766-49DC-C14B-4EF4-4E5D88F7F46B}"/>
+              </a:ext>
+            </a:extLst>
+          </p:cNvPr>
+          <p:cNvGrpSpPr/>
+          <p:nvPr/>
+        </p:nvGrpSpPr>
+        <p:grpSpPr>
+          <a:xfrm>
+            <a:off x="838200" y="1409471"/>
+            <a:ext cx="10515600" cy="4640945"/>
+            <a:chOff x="838200" y="1745888"/>
+            <a:chExt cx="10515600" cy="2807644"/>
+          </a:xfrm>
+        </p:grpSpPr>
+        <p:sp>
+          <p:nvSpPr>
+            <p:cNvPr id="7" name="正方形/長方形 6">
+              <a:extLst>
+                <a:ext uri="{FF2B5EF4-FFF2-40B4-BE49-F238E27FC236}">
+                  <a16:creationId xmlns:a16="http://schemas.microsoft.com/office/drawing/2014/main" id="{CA5A8E90-BEB6-1A8E-EFAA-2DE859D5BF18}"/>
+                </a:ext>
+              </a:extLst>
+            </p:cNvPr>
+            <p:cNvSpPr/>
+            <p:nvPr/>
+          </p:nvSpPr>
+          <p:spPr>
+            <a:xfrm>
+              <a:off x="838200" y="1745888"/>
+              <a:ext cx="2137410" cy="682402"/>
+            </a:xfrm>
+            <a:prstGeom prst="rect">
+              <a:avLst/>
+            </a:prstGeom>
+            <a:solidFill>
+              <a:schemeClr val="tx1"/>
+            </a:solidFill>
+            <a:ln>
+              <a:solidFill>
+                <a:schemeClr val="tx1"/>
+              </a:solidFill>
+            </a:ln>
+          </p:spPr>
+          <p:style>
+            <a:lnRef idx="2">
+              <a:schemeClr val="accent1">
+                <a:shade val="50000"/>
+              </a:schemeClr>
+            </a:lnRef>
+            <a:fillRef idx="1">
+              <a:schemeClr val="accent1"/>
+            </a:fillRef>
+            <a:effectRef idx="0">
+              <a:schemeClr val="accent1"/>
+            </a:effectRef>
+            <a:fontRef idx="minor">
+              <a:schemeClr val="lt1"/>
+            </a:fontRef>
+          </p:style>
+          <p:txBody>
+            <a:bodyPr rtlCol="0" anchor="ctr"/>
+            <a:lstStyle/>
+            <a:p>
+              <a:pPr algn="ctr"/>
+              <a:r>
+                <a:rPr kumimoji="1" lang="en-US" altLang="ja-JP" sz="2000" dirty="0">
+                  <a:solidFill>
+                    <a:schemeClr val="bg1"/>
+                  </a:solidFill>
+                </a:rPr>
+                <a:t>Pros</a:t>
+              </a:r>
+            </a:p>
+            <a:p>
+              <a:pPr algn="ctr"/>
+              <a:r>
+                <a:rPr kumimoji="1" lang="en-US" altLang="ja-JP" sz="1400" dirty="0">
+                  <a:solidFill>
+                    <a:schemeClr val="bg1"/>
+                  </a:solidFill>
+                </a:rPr>
+                <a:t>(Value)</a:t>
+              </a:r>
+              <a:endParaRPr kumimoji="1" lang="ja-JP" altLang="en-US" sz="1400">
+                <a:solidFill>
+                  <a:schemeClr val="bg1"/>
+                </a:solidFill>
+              </a:endParaRPr>
+            </a:p>
+          </p:txBody>
+        </p:sp>
+        <p:sp>
+          <p:nvSpPr>
+            <p:cNvPr id="8" name="正方形/長方形 7">
+              <a:extLst>
+                <a:ext uri="{FF2B5EF4-FFF2-40B4-BE49-F238E27FC236}">
+                  <a16:creationId xmlns:a16="http://schemas.microsoft.com/office/drawing/2014/main" id="{93D9A530-3FED-DB91-51EC-531DE0175D47}"/>
+                </a:ext>
+              </a:extLst>
+            </p:cNvPr>
+            <p:cNvSpPr/>
+            <p:nvPr/>
+          </p:nvSpPr>
+          <p:spPr>
+            <a:xfrm>
+              <a:off x="3120390" y="1745888"/>
+              <a:ext cx="8233410" cy="682402"/>
+            </a:xfrm>
+            <a:prstGeom prst="rect">
+              <a:avLst/>
+            </a:prstGeom>
+            <a:noFill/>
+            <a:ln>
+              <a:noFill/>
+            </a:ln>
+          </p:spPr>
+          <p:style>
+            <a:lnRef idx="2">
+              <a:schemeClr val="accent1">
+                <a:shade val="50000"/>
+              </a:schemeClr>
+            </a:lnRef>
+            <a:fillRef idx="1">
+              <a:schemeClr val="accent1"/>
+            </a:fillRef>
+            <a:effectRef idx="0">
+              <a:schemeClr val="accent1"/>
+            </a:effectRef>
+            <a:fontRef idx="minor">
+              <a:schemeClr val="lt1"/>
+            </a:fontRef>
+          </p:style>
+          <p:txBody>
+            <a:bodyPr rtlCol="0" anchor="ctr"/>
+            <a:lstStyle/>
+            <a:p>
+              <a:pPr marL="285750" indent="-285750">
+                <a:buFont typeface="Arial" panose="020B0604020202020204" pitchFamily="34" charset="0"/>
+                <a:buChar char="•"/>
+              </a:pPr>
+              <a:r>
+                <a:rPr lang="en-US" altLang="ja-JP" sz="2000" b="0" i="0" dirty="0">
+                  <a:solidFill>
+                    <a:srgbClr val="FF0000"/>
+                  </a:solidFill>
+                  <a:effectLst/>
+                  <a:latin typeface="Söhne"/>
+                </a:rPr>
+                <a:t>Mad Mints is 16 to </a:t>
+              </a:r>
+              <a:r>
+                <a:rPr lang="en-US" altLang="ja-JP" sz="2000" dirty="0">
+                  <a:solidFill>
+                    <a:srgbClr val="FF0000"/>
+                  </a:solidFill>
+                  <a:latin typeface="Söhne"/>
+                </a:rPr>
+                <a:t>27</a:t>
+              </a:r>
+              <a:r>
+                <a:rPr lang="en-US" altLang="ja-JP" sz="2000" b="0" i="0" dirty="0">
+                  <a:solidFill>
+                    <a:srgbClr val="FF0000"/>
+                  </a:solidFill>
+                  <a:effectLst/>
+                  <a:latin typeface="Söhne"/>
+                </a:rPr>
+                <a:t> times</a:t>
+              </a:r>
+              <a:r>
+                <a:rPr lang="en-US" altLang="ja-JP" sz="2000" b="0" i="0" dirty="0">
+                  <a:solidFill>
+                    <a:schemeClr val="tx1"/>
+                  </a:solidFill>
+                  <a:effectLst/>
+                  <a:latin typeface="Söhne"/>
+                </a:rPr>
+                <a:t> </a:t>
+              </a:r>
+              <a:r>
+                <a:rPr lang="en-US" altLang="ja-JP" sz="2000" b="0" i="0" dirty="0">
+                  <a:solidFill>
+                    <a:srgbClr val="FF0000"/>
+                  </a:solidFill>
+                  <a:effectLst/>
+                  <a:latin typeface="Söhne"/>
+                </a:rPr>
+                <a:t>faster</a:t>
+              </a:r>
+              <a:r>
+                <a:rPr lang="en-US" altLang="ja-JP" sz="2000" b="0" i="0" dirty="0">
+                  <a:solidFill>
+                    <a:schemeClr val="tx1"/>
+                  </a:solidFill>
+                  <a:effectLst/>
+                  <a:latin typeface="Söhne"/>
+                </a:rPr>
+                <a:t> than the standard.</a:t>
+              </a:r>
+            </a:p>
+            <a:p>
+              <a:pPr marL="285750" indent="-285750">
+                <a:buFont typeface="Arial" panose="020B0604020202020204" pitchFamily="34" charset="0"/>
+                <a:buChar char="•"/>
+              </a:pPr>
+              <a:r>
+                <a:rPr lang="en-US" altLang="ja-JP" sz="2000" b="0" i="0" dirty="0">
+                  <a:solidFill>
+                    <a:schemeClr val="tx1"/>
+                  </a:solidFill>
+                  <a:effectLst/>
+                  <a:latin typeface="Söhne"/>
+                </a:rPr>
+                <a:t>The </a:t>
+              </a:r>
+              <a:r>
+                <a:rPr lang="en-US" altLang="ja-JP" sz="2000" b="0" i="0" dirty="0">
+                  <a:solidFill>
+                    <a:srgbClr val="FF0000"/>
+                  </a:solidFill>
+                  <a:effectLst/>
+                  <a:latin typeface="Söhne"/>
+                </a:rPr>
+                <a:t>more NFTs you mint, faster</a:t>
+              </a:r>
+              <a:r>
+                <a:rPr lang="en-US" altLang="ja-JP" sz="2000" b="0" i="0" dirty="0">
+                  <a:solidFill>
+                    <a:schemeClr val="tx1"/>
+                  </a:solidFill>
+                  <a:effectLst/>
+                  <a:latin typeface="Söhne"/>
+                </a:rPr>
+                <a:t> it tends to become.</a:t>
+              </a:r>
+            </a:p>
+            <a:p>
+              <a:pPr marL="285750" indent="-285750">
+                <a:buFont typeface="Arial" panose="020B0604020202020204" pitchFamily="34" charset="0"/>
+                <a:buChar char="•"/>
+              </a:pPr>
+              <a:r>
+                <a:rPr lang="en-US" altLang="ja-JP" sz="2000" dirty="0">
+                  <a:solidFill>
+                    <a:schemeClr val="tx1"/>
+                  </a:solidFill>
+                  <a:latin typeface="Söhne"/>
+                </a:rPr>
+                <a:t>Easy to implement Mad Mints.</a:t>
+              </a:r>
+              <a:endParaRPr lang="en-US" altLang="ja-JP" sz="2000" b="0" i="0" dirty="0">
+                <a:solidFill>
+                  <a:schemeClr val="tx1"/>
+                </a:solidFill>
+                <a:effectLst/>
+                <a:latin typeface="Söhne"/>
+              </a:endParaRPr>
+            </a:p>
+          </p:txBody>
+        </p:sp>
+        <p:sp>
+          <p:nvSpPr>
+            <p:cNvPr id="9" name="正方形/長方形 8">
+              <a:extLst>
+                <a:ext uri="{FF2B5EF4-FFF2-40B4-BE49-F238E27FC236}">
+                  <a16:creationId xmlns:a16="http://schemas.microsoft.com/office/drawing/2014/main" id="{B292B5AB-7AA6-6C92-891B-CF93D0C8767D}"/>
+                </a:ext>
+              </a:extLst>
+            </p:cNvPr>
+            <p:cNvSpPr/>
+            <p:nvPr/>
+          </p:nvSpPr>
+          <p:spPr>
+            <a:xfrm>
+              <a:off x="838200" y="3216491"/>
+              <a:ext cx="2137410" cy="1337041"/>
+            </a:xfrm>
+            <a:prstGeom prst="rect">
+              <a:avLst/>
+            </a:prstGeom>
+            <a:solidFill>
+              <a:schemeClr val="tx1"/>
+            </a:solidFill>
+            <a:ln>
+              <a:solidFill>
+                <a:schemeClr val="tx1"/>
+              </a:solidFill>
+            </a:ln>
+          </p:spPr>
+          <p:style>
+            <a:lnRef idx="2">
+              <a:schemeClr val="accent1">
+                <a:shade val="50000"/>
+              </a:schemeClr>
+            </a:lnRef>
+            <a:fillRef idx="1">
+              <a:schemeClr val="accent1"/>
+            </a:fillRef>
+            <a:effectRef idx="0">
+              <a:schemeClr val="accent1"/>
+            </a:effectRef>
+            <a:fontRef idx="minor">
+              <a:schemeClr val="lt1"/>
+            </a:fontRef>
+          </p:style>
+          <p:txBody>
+            <a:bodyPr rtlCol="0" anchor="ctr"/>
+            <a:lstStyle/>
+            <a:p>
+              <a:pPr algn="ctr"/>
+              <a:r>
+                <a:rPr kumimoji="1" lang="en-US" altLang="ja-JP" sz="2000" dirty="0">
+                  <a:solidFill>
+                    <a:schemeClr val="bg1"/>
+                  </a:solidFill>
+                </a:rPr>
+                <a:t>Example Case</a:t>
+              </a:r>
+              <a:endParaRPr kumimoji="1" lang="ja-JP" altLang="en-US" sz="2000">
+                <a:solidFill>
+                  <a:schemeClr val="bg1"/>
+                </a:solidFill>
+              </a:endParaRPr>
+            </a:p>
+          </p:txBody>
+        </p:sp>
+        <p:sp>
+          <p:nvSpPr>
+            <p:cNvPr id="10" name="正方形/長方形 9">
+              <a:extLst>
+                <a:ext uri="{FF2B5EF4-FFF2-40B4-BE49-F238E27FC236}">
+                  <a16:creationId xmlns:a16="http://schemas.microsoft.com/office/drawing/2014/main" id="{F3DA68F2-A797-A3A5-4D4E-0FBE70639120}"/>
+                </a:ext>
+              </a:extLst>
+            </p:cNvPr>
+            <p:cNvSpPr/>
+            <p:nvPr/>
+          </p:nvSpPr>
+          <p:spPr>
+            <a:xfrm>
+              <a:off x="3120390" y="3216491"/>
+              <a:ext cx="8233410" cy="1337041"/>
+            </a:xfrm>
+            <a:prstGeom prst="rect">
+              <a:avLst/>
+            </a:prstGeom>
+            <a:noFill/>
+            <a:ln>
+              <a:noFill/>
+            </a:ln>
+          </p:spPr>
+          <p:style>
+            <a:lnRef idx="2">
+              <a:schemeClr val="accent1">
+                <a:shade val="50000"/>
+              </a:schemeClr>
+            </a:lnRef>
+            <a:fillRef idx="1">
+              <a:schemeClr val="accent1"/>
+            </a:fillRef>
+            <a:effectRef idx="0">
+              <a:schemeClr val="accent1"/>
+            </a:effectRef>
+            <a:fontRef idx="minor">
+              <a:schemeClr val="lt1"/>
+            </a:fontRef>
+          </p:style>
+          <p:txBody>
+            <a:bodyPr rtlCol="0" anchor="ctr"/>
+            <a:lstStyle/>
+            <a:p>
+              <a:pPr marL="285750" indent="-285750">
+                <a:buFont typeface="Arial" panose="020B0604020202020204" pitchFamily="34" charset="0"/>
+                <a:buChar char="•"/>
+              </a:pPr>
+              <a:r>
+                <a:rPr lang="en-US" altLang="ja-JP" sz="2000" b="0" i="0" dirty="0">
+                  <a:solidFill>
+                    <a:schemeClr val="tx1"/>
+                  </a:solidFill>
+                  <a:effectLst/>
+                  <a:latin typeface="Söhne"/>
+                </a:rPr>
+                <a:t>It is useful when </a:t>
+              </a:r>
+              <a:r>
+                <a:rPr lang="en-US" altLang="ja-JP" sz="2000" b="0" i="0" dirty="0">
+                  <a:solidFill>
+                    <a:srgbClr val="FF0000"/>
+                  </a:solidFill>
+                  <a:effectLst/>
+                  <a:latin typeface="Söhne"/>
+                </a:rPr>
+                <a:t>fine-tuning speed is required in milliseconds</a:t>
+              </a:r>
+              <a:r>
+                <a:rPr lang="en-US" altLang="ja-JP" sz="2000" b="0" i="0" dirty="0">
+                  <a:solidFill>
+                    <a:schemeClr val="tx1"/>
+                  </a:solidFill>
+                  <a:effectLst/>
+                  <a:latin typeface="Söhne"/>
+                </a:rPr>
+                <a:t>.</a:t>
+              </a:r>
+            </a:p>
+            <a:p>
+              <a:pPr marL="285750" indent="-285750">
+                <a:buFont typeface="Arial" panose="020B0604020202020204" pitchFamily="34" charset="0"/>
+                <a:buChar char="•"/>
+              </a:pPr>
+              <a:r>
+                <a:rPr kumimoji="1" lang="en-US" altLang="ja-JP" sz="2000" dirty="0">
+                  <a:solidFill>
+                    <a:schemeClr val="tx1"/>
+                  </a:solidFill>
+                </a:rPr>
+                <a:t>e.g. Minting Site, DEX and Fully On-chain site.</a:t>
+              </a:r>
+            </a:p>
+            <a:p>
+              <a:pPr marL="285750" indent="-285750">
+                <a:buFont typeface="Arial" panose="020B0604020202020204" pitchFamily="34" charset="0"/>
+                <a:buChar char="•"/>
+              </a:pPr>
+              <a:r>
+                <a:rPr lang="en-US" altLang="ja-JP" sz="2000" b="0" i="0" dirty="0">
+                  <a:solidFill>
+                    <a:schemeClr val="tx1"/>
+                  </a:solidFill>
+                  <a:effectLst/>
+                  <a:latin typeface="Söhne"/>
+                </a:rPr>
+                <a:t>If speed is not a priority, standard transaction method is sufficient.</a:t>
+              </a:r>
+              <a:endParaRPr kumimoji="1" lang="ja-JP" altLang="en-US" sz="2000">
+                <a:solidFill>
+                  <a:schemeClr val="tx1"/>
+                </a:solidFill>
+              </a:endParaRPr>
+            </a:p>
+          </p:txBody>
+        </p:sp>
+        <p:sp>
+          <p:nvSpPr>
+            <p:cNvPr id="18" name="正方形/長方形 17">
+              <a:extLst>
+                <a:ext uri="{FF2B5EF4-FFF2-40B4-BE49-F238E27FC236}">
+                  <a16:creationId xmlns:a16="http://schemas.microsoft.com/office/drawing/2014/main" id="{2BD16403-5F46-0E72-C0AD-E5BCE2541E3A}"/>
+                </a:ext>
+              </a:extLst>
+            </p:cNvPr>
+            <p:cNvSpPr/>
+            <p:nvPr/>
+          </p:nvSpPr>
+          <p:spPr>
+            <a:xfrm>
+              <a:off x="838200" y="2481189"/>
+              <a:ext cx="2137410" cy="682402"/>
+            </a:xfrm>
+            <a:prstGeom prst="rect">
+              <a:avLst/>
+            </a:prstGeom>
+            <a:solidFill>
+              <a:schemeClr val="tx1"/>
+            </a:solidFill>
+            <a:ln>
+              <a:solidFill>
+                <a:schemeClr val="tx1"/>
+              </a:solidFill>
+            </a:ln>
+          </p:spPr>
+          <p:style>
+            <a:lnRef idx="2">
+              <a:schemeClr val="accent1">
+                <a:shade val="50000"/>
+              </a:schemeClr>
+            </a:lnRef>
+            <a:fillRef idx="1">
+              <a:schemeClr val="accent1"/>
+            </a:fillRef>
+            <a:effectRef idx="0">
+              <a:schemeClr val="accent1"/>
+            </a:effectRef>
+            <a:fontRef idx="minor">
+              <a:schemeClr val="lt1"/>
+            </a:fontRef>
+          </p:style>
+          <p:txBody>
+            <a:bodyPr rtlCol="0" anchor="ctr"/>
+            <a:lstStyle/>
+            <a:p>
+              <a:pPr algn="ctr"/>
+              <a:r>
+                <a:rPr kumimoji="1" lang="en-US" altLang="ja-JP" sz="2000" dirty="0">
+                  <a:solidFill>
+                    <a:schemeClr val="bg1"/>
+                  </a:solidFill>
+                </a:rPr>
+                <a:t>Cons</a:t>
+              </a:r>
+              <a:endParaRPr kumimoji="1" lang="ja-JP" altLang="en-US" sz="2000">
+                <a:solidFill>
+                  <a:schemeClr val="bg1"/>
+                </a:solidFill>
+              </a:endParaRPr>
+            </a:p>
+          </p:txBody>
+        </p:sp>
+        <p:sp>
+          <p:nvSpPr>
+            <p:cNvPr id="19" name="正方形/長方形 18">
+              <a:extLst>
+                <a:ext uri="{FF2B5EF4-FFF2-40B4-BE49-F238E27FC236}">
+                  <a16:creationId xmlns:a16="http://schemas.microsoft.com/office/drawing/2014/main" id="{714E9D18-3BB6-B429-B36A-EC10FFE3718E}"/>
+                </a:ext>
+              </a:extLst>
+            </p:cNvPr>
+            <p:cNvSpPr/>
+            <p:nvPr/>
+          </p:nvSpPr>
+          <p:spPr>
+            <a:xfrm>
+              <a:off x="3120390" y="2481189"/>
+              <a:ext cx="8233410" cy="682402"/>
+            </a:xfrm>
+            <a:prstGeom prst="rect">
+              <a:avLst/>
+            </a:prstGeom>
+            <a:noFill/>
+            <a:ln>
+              <a:noFill/>
+            </a:ln>
+          </p:spPr>
+          <p:style>
+            <a:lnRef idx="2">
+              <a:schemeClr val="accent1">
+                <a:shade val="50000"/>
+              </a:schemeClr>
+            </a:lnRef>
+            <a:fillRef idx="1">
+              <a:schemeClr val="accent1"/>
+            </a:fillRef>
+            <a:effectRef idx="0">
+              <a:schemeClr val="accent1"/>
+            </a:effectRef>
+            <a:fontRef idx="minor">
+              <a:schemeClr val="lt1"/>
+            </a:fontRef>
+          </p:style>
+          <p:txBody>
+            <a:bodyPr rtlCol="0" anchor="ctr"/>
+            <a:lstStyle/>
+            <a:p>
+              <a:pPr marL="285750" indent="-285750">
+                <a:buFont typeface="Arial" panose="020B0604020202020204" pitchFamily="34" charset="0"/>
+                <a:buChar char="•"/>
+              </a:pPr>
+              <a:r>
+                <a:rPr lang="en-US" altLang="ja-JP" sz="2000" b="0" i="0" dirty="0">
+                  <a:solidFill>
+                    <a:schemeClr val="tx1"/>
+                  </a:solidFill>
+                  <a:effectLst/>
+                  <a:latin typeface="Söhne"/>
+                </a:rPr>
+                <a:t>Create and store Durable Nonce Account in advance.</a:t>
+              </a:r>
+            </a:p>
+            <a:p>
+              <a:pPr marL="285750" indent="-285750">
+                <a:buFont typeface="Arial" panose="020B0604020202020204" pitchFamily="34" charset="0"/>
+                <a:buChar char="•"/>
+              </a:pPr>
+              <a:r>
+                <a:rPr lang="en-US" altLang="ja-JP" sz="2000" b="0" i="0" dirty="0">
+                  <a:solidFill>
+                    <a:schemeClr val="tx1"/>
+                  </a:solidFill>
+                  <a:effectLst/>
+                  <a:latin typeface="Söhne"/>
+                </a:rPr>
+                <a:t>(Option) You may need to build a</a:t>
+              </a:r>
+              <a:r>
+                <a:rPr lang="ja-JP" altLang="en-US" sz="2000" b="0" i="0">
+                  <a:solidFill>
+                    <a:schemeClr val="tx1"/>
+                  </a:solidFill>
+                  <a:effectLst/>
+                  <a:latin typeface="Söhne"/>
+                </a:rPr>
+                <a:t> </a:t>
+              </a:r>
+              <a:r>
+                <a:rPr lang="en-US" altLang="ja-JP" sz="2000" b="0" i="0" dirty="0">
+                  <a:solidFill>
+                    <a:schemeClr val="tx1"/>
+                  </a:solidFill>
+                  <a:effectLst/>
+                  <a:latin typeface="Söhne"/>
+                </a:rPr>
+                <a:t>queueing system for transactions.</a:t>
+              </a:r>
+              <a:endParaRPr lang="en-US" altLang="ja-JP" sz="2000" dirty="0">
+                <a:solidFill>
+                  <a:schemeClr val="tx1"/>
+                </a:solidFill>
+                <a:latin typeface="Söhne"/>
+              </a:endParaRPr>
+            </a:p>
+          </p:txBody>
+        </p:sp>
+      </p:grpSp>
+      <p:sp>
+        <p:nvSpPr>
+          <p:cNvPr id="6" name="テキスト ボックス 5">
+            <a:extLst>
+              <a:ext uri="{FF2B5EF4-FFF2-40B4-BE49-F238E27FC236}">
+                <a16:creationId xmlns:a16="http://schemas.microsoft.com/office/drawing/2014/main" id="{5BE4B43E-7BA8-FB3B-FC8A-822C8CDC6FD8}"/>
+              </a:ext>
+            </a:extLst>
+          </p:cNvPr>
+          <p:cNvSpPr txBox="1"/>
+          <p:nvPr/>
+        </p:nvSpPr>
+        <p:spPr>
+          <a:xfrm>
+            <a:off x="10729139" y="9225"/>
+            <a:ext cx="1443600" cy="315912"/>
+          </a:xfrm>
+          <a:prstGeom prst="rect">
+            <a:avLst/>
+          </a:prstGeom>
+          <a:noFill/>
+        </p:spPr>
+        <p:txBody>
+          <a:bodyPr wrap="square" rtlCol="0">
+            <a:noAutofit/>
+          </a:bodyPr>
+          <a:lstStyle/>
+          <a:p>
+            <a:pPr algn="r"/>
+            <a:r>
+              <a:rPr kumimoji="1" lang="en-US" altLang="ja-JP" sz="1200" dirty="0"/>
+              <a:t>JST May 28 2023</a:t>
+            </a:r>
+            <a:endParaRPr kumimoji="1" lang="ja-JP" altLang="en-US" sz="1200" dirty="0"/>
+          </a:p>
+        </p:txBody>
+      </p:sp>
+      <p:sp>
+        <p:nvSpPr>
+          <p:cNvPr id="13" name="テキスト ボックス 12">
+            <a:extLst>
+              <a:ext uri="{FF2B5EF4-FFF2-40B4-BE49-F238E27FC236}">
+                <a16:creationId xmlns:a16="http://schemas.microsoft.com/office/drawing/2014/main" id="{FDCA0AEE-0A7E-3C51-44BC-02AD8DEF1691}"/>
+              </a:ext>
+            </a:extLst>
+          </p:cNvPr>
+          <p:cNvSpPr txBox="1"/>
+          <p:nvPr/>
+        </p:nvSpPr>
+        <p:spPr>
+          <a:xfrm>
+            <a:off x="838200" y="6183630"/>
+            <a:ext cx="10515600" cy="309244"/>
+          </a:xfrm>
+          <a:prstGeom prst="rect">
+            <a:avLst/>
+          </a:prstGeom>
+          <a:noFill/>
+        </p:spPr>
+        <p:txBody>
+          <a:bodyPr wrap="square" rtlCol="0">
+            <a:noAutofit/>
+          </a:bodyPr>
+          <a:lstStyle/>
+          <a:p>
+            <a:r>
+              <a:rPr kumimoji="1" lang="en-US" altLang="ja-JP" sz="1200" dirty="0"/>
+              <a:t>This conclusion is unofficial, in my opinion.</a:t>
+            </a:r>
+            <a:endParaRPr kumimoji="1" lang="ja-JP" altLang="en-US" sz="1200" dirty="0"/>
+          </a:p>
+        </p:txBody>
+      </p:sp>
+    </p:spTree>
+    <p:extLst>
+      <p:ext uri="{BB962C8B-B14F-4D97-AF65-F5344CB8AC3E}">
+        <p14:creationId xmlns:p14="http://schemas.microsoft.com/office/powerpoint/2010/main" val="2145972025"/>
+      </p:ext>
+    </p:extLst>
+  </p:cSld>
+  <p:clrMapOvr>
+    <a:masterClrMapping/>
+  </p:clrMapOvr>
+</p:sld>
+</file>
+
+<file path=ppt/slides/slide5.xml><?xml version="1.0" encoding="utf-8"?>
+<p:sld xmlns:a="http://schemas.openxmlformats.org/drawingml/2006/main" xmlns:r="http://schemas.openxmlformats.org/officeDocument/2006/relationships" xmlns:p="http://schemas.openxmlformats.org/presentationml/2006/main">
+  <p:cSld>
+    <p:spTree>
+      <p:nvGrpSpPr>
+        <p:cNvPr id="1" name=""/>
+        <p:cNvGrpSpPr/>
+        <p:nvPr/>
+      </p:nvGrpSpPr>
+      <p:grpSpPr>
+        <a:xfrm>
+          <a:off x="0" y="0"/>
+          <a:ext cx="0" cy="0"/>
+          <a:chOff x="0" y="0"/>
+          <a:chExt cx="0" cy="0"/>
+        </a:xfrm>
+      </p:grpSpPr>
+      <p:sp>
+        <p:nvSpPr>
+          <p:cNvPr id="2" name="タイトル 1">
+            <a:extLst>
+              <a:ext uri="{FF2B5EF4-FFF2-40B4-BE49-F238E27FC236}">
+                <a16:creationId xmlns:a16="http://schemas.microsoft.com/office/drawing/2014/main" id="{13C51C0C-3161-ADEB-5017-D8AA808A80C0}"/>
+              </a:ext>
+            </a:extLst>
+          </p:cNvPr>
+          <p:cNvSpPr>
+            <a:spLocks noGrp="1"/>
+          </p:cNvSpPr>
+          <p:nvPr>
+            <p:ph type="title"/>
+          </p:nvPr>
+        </p:nvSpPr>
+        <p:spPr/>
+        <p:txBody>
+          <a:bodyPr/>
+          <a:lstStyle/>
+          <a:p>
+            <a:r>
+              <a:rPr kumimoji="1" lang="en-US" altLang="ja-JP" dirty="0"/>
+              <a:t>Mint NFTs - Speed Test Result (rough estimate)</a:t>
+            </a:r>
+            <a:endParaRPr kumimoji="1" lang="ja-JP" altLang="en-US"/>
+          </a:p>
+        </p:txBody>
+      </p:sp>
+      <p:sp>
+        <p:nvSpPr>
+          <p:cNvPr id="4" name="フッター プレースホルダー 3">
+            <a:extLst>
+              <a:ext uri="{FF2B5EF4-FFF2-40B4-BE49-F238E27FC236}">
+                <a16:creationId xmlns:a16="http://schemas.microsoft.com/office/drawing/2014/main" id="{4C218ADF-6D11-9355-D8BB-E4DB9265E7A6}"/>
+              </a:ext>
+            </a:extLst>
+          </p:cNvPr>
+          <p:cNvSpPr>
+            <a:spLocks noGrp="1"/>
+          </p:cNvSpPr>
+          <p:nvPr>
+            <p:ph type="ftr" sz="quarter" idx="11"/>
+          </p:nvPr>
+        </p:nvSpPr>
+        <p:spPr/>
+        <p:txBody>
+          <a:bodyPr/>
+          <a:lstStyle/>
+          <a:p>
+            <a:r>
+              <a:rPr kumimoji="1" lang="en-US" altLang="ja-JP"/>
+              <a:t>256hax</a:t>
+            </a:r>
+            <a:endParaRPr kumimoji="1" lang="ja-JP" altLang="en-US"/>
+          </a:p>
+        </p:txBody>
+      </p:sp>
+      <p:sp>
+        <p:nvSpPr>
+          <p:cNvPr id="5" name="スライド番号プレースホルダー 4">
+            <a:extLst>
+              <a:ext uri="{FF2B5EF4-FFF2-40B4-BE49-F238E27FC236}">
+                <a16:creationId xmlns:a16="http://schemas.microsoft.com/office/drawing/2014/main" id="{DD9DD953-7F72-CB4C-C8A1-FAE575F11739}"/>
+              </a:ext>
+            </a:extLst>
+          </p:cNvPr>
+          <p:cNvSpPr>
+            <a:spLocks noGrp="1"/>
+          </p:cNvSpPr>
+          <p:nvPr>
+            <p:ph type="sldNum" sz="quarter" idx="12"/>
+          </p:nvPr>
+        </p:nvSpPr>
+        <p:spPr/>
+        <p:txBody>
+          <a:bodyPr/>
+          <a:lstStyle/>
+          <a:p>
+            <a:fld id="{51BE5F08-58E8-9243-A834-2B76637F595D}" type="slidenum">
+              <a:rPr kumimoji="1" lang="ja-JP" altLang="en-US" smtClean="0"/>
+              <a:pPr/>
+              <a:t>4</a:t>
+            </a:fld>
+            <a:endParaRPr kumimoji="1" lang="ja-JP" altLang="en-US"/>
+          </a:p>
+        </p:txBody>
+      </p:sp>
+      <p:graphicFrame>
+        <p:nvGraphicFramePr>
+          <p:cNvPr id="8" name="表 8">
+            <a:extLst>
+              <a:ext uri="{FF2B5EF4-FFF2-40B4-BE49-F238E27FC236}">
+                <a16:creationId xmlns:a16="http://schemas.microsoft.com/office/drawing/2014/main" id="{C74D9FA4-AD55-0386-F6F5-350692C3898E}"/>
+              </a:ext>
+            </a:extLst>
+          </p:cNvPr>
+          <p:cNvGraphicFramePr>
+            <a:graphicFrameLocks noGrp="1"/>
+          </p:cNvGraphicFramePr>
+          <p:nvPr>
+            <p:extLst>
+              <p:ext uri="{D42A27DB-BD31-4B8C-83A1-F6EECF244321}">
+                <p14:modId xmlns:p14="http://schemas.microsoft.com/office/powerpoint/2010/main" val="3855871938"/>
+              </p:ext>
+            </p:extLst>
+          </p:nvPr>
+        </p:nvGraphicFramePr>
+        <p:xfrm>
+          <a:off x="838199" y="2406664"/>
+          <a:ext cx="10515598" cy="3434665"/>
+        </p:xfrm>
+        <a:graphic>
+          <a:graphicData uri="http://schemas.openxmlformats.org/drawingml/2006/table">
+            <a:tbl>
+              <a:tblPr firstRow="1" bandRow="1">
+                <a:tableStyleId>{5C22544A-7EE6-4342-B048-85BDC9FD1C3A}</a:tableStyleId>
+              </a:tblPr>
+              <a:tblGrid>
+                <a:gridCol w="1504951">
+                  <a:extLst>
+                    <a:ext uri="{9D8B030D-6E8A-4147-A177-3AD203B41FA5}">
+                      <a16:colId xmlns:a16="http://schemas.microsoft.com/office/drawing/2014/main" val="4087078282"/>
+                    </a:ext>
+                  </a:extLst>
+                </a:gridCol>
+                <a:gridCol w="1623060">
+                  <a:extLst>
+                    <a:ext uri="{9D8B030D-6E8A-4147-A177-3AD203B41FA5}">
+                      <a16:colId xmlns:a16="http://schemas.microsoft.com/office/drawing/2014/main" val="204185658"/>
+                    </a:ext>
+                  </a:extLst>
+                </a:gridCol>
+                <a:gridCol w="2462529">
+                  <a:extLst>
+                    <a:ext uri="{9D8B030D-6E8A-4147-A177-3AD203B41FA5}">
+                      <a16:colId xmlns:a16="http://schemas.microsoft.com/office/drawing/2014/main" val="700433279"/>
+                    </a:ext>
+                  </a:extLst>
+                </a:gridCol>
+                <a:gridCol w="2462529">
+                  <a:extLst>
+                    <a:ext uri="{9D8B030D-6E8A-4147-A177-3AD203B41FA5}">
+                      <a16:colId xmlns:a16="http://schemas.microsoft.com/office/drawing/2014/main" val="1873199393"/>
+                    </a:ext>
+                  </a:extLst>
+                </a:gridCol>
+                <a:gridCol w="2462529">
+                  <a:extLst>
+                    <a:ext uri="{9D8B030D-6E8A-4147-A177-3AD203B41FA5}">
+                      <a16:colId xmlns:a16="http://schemas.microsoft.com/office/drawing/2014/main" val="2842205569"/>
+                    </a:ext>
+                  </a:extLst>
+                </a:gridCol>
+              </a:tblGrid>
+              <a:tr h="462541">
+                <a:tc rowSpan="2" gridSpan="2">
+                  <a:txBody>
+                    <a:bodyPr/>
+                    <a:lstStyle/>
+                    <a:p>
+                      <a:pPr marL="0" marR="0" indent="0" algn="l" defTabSz="914400" rtl="0" eaLnBrk="1" fontAlgn="auto" latinLnBrk="0" hangingPunct="1">
+                        <a:lnSpc>
+                          <a:spcPct val="100000"/>
+                        </a:lnSpc>
+                        <a:spcBef>
+                          <a:spcPts val="0"/>
+                        </a:spcBef>
+                        <a:spcAft>
+                          <a:spcPts val="0"/>
+                        </a:spcAft>
+                        <a:buClrTx/>
+                        <a:buSzTx/>
+                        <a:buFontTx/>
+                        <a:buNone/>
+                        <a:tabLst/>
+                        <a:defRPr/>
+                      </a:pPr>
+                      <a:r>
+                        <a:rPr kumimoji="1" lang="en-US" altLang="ja-JP" sz="1600" b="0" dirty="0">
+                          <a:solidFill>
+                            <a:schemeClr val="bg1"/>
+                          </a:solidFill>
+                        </a:rPr>
+                        <a:t>Number of Mint NFTs *1</a:t>
+                      </a:r>
+                      <a:endParaRPr kumimoji="1" lang="ja-JP" altLang="en-US" sz="1600" b="0">
+                        <a:solidFill>
+                          <a:schemeClr val="bg1"/>
+                        </a:solidFill>
+                      </a:endParaRPr>
+                    </a:p>
+                  </a:txBody>
+                  <a:tcPr anchor="ctr">
+                    <a:lnL w="12700" cap="flat" cmpd="sng" algn="ctr">
+                      <a:solidFill>
+                        <a:schemeClr val="tx1">
+                          <a:lumMod val="50000"/>
+                          <a:lumOff val="50000"/>
+                        </a:schemeClr>
+                      </a:solidFill>
+                      <a:prstDash val="solid"/>
+                      <a:round/>
+                      <a:headEnd type="none" w="med" len="med"/>
+                      <a:tailEnd type="none" w="med" len="med"/>
+                    </a:lnL>
+                    <a:lnR w="12700" cap="flat" cmpd="sng" algn="ctr">
+                      <a:solidFill>
+                        <a:schemeClr val="tx1">
+                          <a:lumMod val="50000"/>
+                          <a:lumOff val="50000"/>
+                        </a:schemeClr>
+                      </a:solidFill>
+                      <a:prstDash val="solid"/>
+                      <a:round/>
+                      <a:headEnd type="none" w="med" len="med"/>
+                      <a:tailEnd type="none" w="med" len="med"/>
+                    </a:lnR>
+                    <a:lnT w="12700" cap="flat" cmpd="sng" algn="ctr">
+                      <a:solidFill>
+                        <a:schemeClr val="tx1">
+                          <a:lumMod val="50000"/>
+                          <a:lumOff val="50000"/>
+                        </a:schemeClr>
+                      </a:solidFill>
+                      <a:prstDash val="solid"/>
+                      <a:round/>
+                      <a:headEnd type="none" w="med" len="med"/>
+                      <a:tailEnd type="none" w="med" len="med"/>
+                    </a:lnT>
+                    <a:lnB w="12700" cap="flat" cmpd="sng" algn="ctr">
+                      <a:solidFill>
+                        <a:schemeClr val="tx1">
+                          <a:lumMod val="50000"/>
+                          <a:lumOff val="50000"/>
+                        </a:schemeClr>
+                      </a:solidFill>
+                      <a:prstDash val="solid"/>
+                      <a:round/>
+                      <a:headEnd type="none" w="med" len="med"/>
+                      <a:tailEnd type="none" w="med" len="med"/>
+                    </a:lnB>
+                    <a:solidFill>
+                      <a:schemeClr val="tx1"/>
+                    </a:solidFill>
+                  </a:tcPr>
+                </a:tc>
+                <a:tc rowSpan="2" hMerge="1">
+                  <a:txBody>
+                    <a:bodyPr/>
+                    <a:lstStyle/>
+                    <a:p>
+                      <a:endParaRPr kumimoji="1" lang="ja-JP" altLang="en-US" sz="1600" b="0">
+                        <a:solidFill>
+                          <a:schemeClr val="bg1"/>
+                        </a:solidFill>
+                      </a:endParaRPr>
+                    </a:p>
+                  </a:txBody>
+                  <a:tcPr anchor="ctr">
+                    <a:lnL w="12700" cap="flat" cmpd="sng" algn="ctr">
+                      <a:solidFill>
+                        <a:schemeClr val="tx1">
+                          <a:lumMod val="50000"/>
+                          <a:lumOff val="50000"/>
+                        </a:schemeClr>
+                      </a:solidFill>
+                      <a:prstDash val="solid"/>
+                      <a:round/>
+                      <a:headEnd type="none" w="med" len="med"/>
+                      <a:tailEnd type="none" w="med" len="med"/>
+                    </a:lnL>
+                    <a:lnR w="12700" cap="flat" cmpd="sng" algn="ctr">
+                      <a:solidFill>
+                        <a:schemeClr val="tx1">
+                          <a:lumMod val="50000"/>
+                          <a:lumOff val="50000"/>
+                        </a:schemeClr>
+                      </a:solidFill>
+                      <a:prstDash val="solid"/>
+                      <a:round/>
+                      <a:headEnd type="none" w="med" len="med"/>
+                      <a:tailEnd type="none" w="med" len="med"/>
+                    </a:lnR>
+                    <a:lnT w="12700" cap="flat" cmpd="sng" algn="ctr">
+                      <a:solidFill>
+                        <a:schemeClr val="tx1">
+                          <a:lumMod val="50000"/>
+                          <a:lumOff val="50000"/>
+                        </a:schemeClr>
+                      </a:solidFill>
+                      <a:prstDash val="solid"/>
+                      <a:round/>
+                      <a:headEnd type="none" w="med" len="med"/>
+                      <a:tailEnd type="none" w="med" len="med"/>
+                    </a:lnT>
+                    <a:lnB w="12700" cap="flat" cmpd="sng" algn="ctr">
+                      <a:solidFill>
+                        <a:schemeClr val="tx1">
+                          <a:lumMod val="50000"/>
+                          <a:lumOff val="50000"/>
+                        </a:schemeClr>
+                      </a:solidFill>
+                      <a:prstDash val="solid"/>
+                      <a:round/>
+                      <a:headEnd type="none" w="med" len="med"/>
+                      <a:tailEnd type="none" w="med" len="med"/>
+                    </a:lnB>
+                    <a:solidFill>
+                      <a:schemeClr val="tx1"/>
+                    </a:solidFill>
+                  </a:tcPr>
+                </a:tc>
+                <a:tc>
+                  <a:txBody>
+                    <a:bodyPr/>
+                    <a:lstStyle/>
+                    <a:p>
+                      <a:r>
+                        <a:rPr kumimoji="1" lang="en-US" altLang="ja-JP" sz="1600" b="0" dirty="0">
+                          <a:solidFill>
+                            <a:schemeClr val="bg1"/>
+                          </a:solidFill>
+                        </a:rPr>
+                        <a:t>Mad Mints</a:t>
+                      </a:r>
+                      <a:endParaRPr kumimoji="1" lang="ja-JP" altLang="en-US" sz="1600" b="0">
+                        <a:solidFill>
+                          <a:schemeClr val="bg1"/>
+                        </a:solidFill>
+                      </a:endParaRPr>
+                    </a:p>
+                  </a:txBody>
+                  <a:tcPr anchor="ctr">
+                    <a:lnL w="12700" cap="flat" cmpd="sng" algn="ctr">
+                      <a:solidFill>
+                        <a:schemeClr val="tx1">
+                          <a:lumMod val="50000"/>
+                          <a:lumOff val="50000"/>
+                        </a:schemeClr>
+                      </a:solidFill>
+                      <a:prstDash val="solid"/>
+                      <a:round/>
+                      <a:headEnd type="none" w="med" len="med"/>
+                      <a:tailEnd type="none" w="med" len="med"/>
+                    </a:lnL>
+                    <a:lnR w="12700" cap="flat" cmpd="sng" algn="ctr">
+                      <a:solidFill>
+                        <a:schemeClr val="tx1">
+                          <a:lumMod val="50000"/>
+                          <a:lumOff val="50000"/>
+                        </a:schemeClr>
+                      </a:solidFill>
+                      <a:prstDash val="solid"/>
+                      <a:round/>
+                      <a:headEnd type="none" w="med" len="med"/>
+                      <a:tailEnd type="none" w="med" len="med"/>
+                    </a:lnR>
+                    <a:lnT w="12700" cap="flat" cmpd="sng" algn="ctr">
+                      <a:solidFill>
+                        <a:schemeClr val="tx1">
+                          <a:lumMod val="50000"/>
+                          <a:lumOff val="50000"/>
+                        </a:schemeClr>
+                      </a:solidFill>
+                      <a:prstDash val="solid"/>
+                      <a:round/>
+                      <a:headEnd type="none" w="med" len="med"/>
+                      <a:tailEnd type="none" w="med" len="med"/>
+                    </a:lnT>
+                    <a:lnB w="12700" cap="flat" cmpd="sng" algn="ctr">
+                      <a:solidFill>
+                        <a:schemeClr val="tx1">
+                          <a:lumMod val="50000"/>
+                          <a:lumOff val="50000"/>
+                        </a:schemeClr>
+                      </a:solidFill>
+                      <a:prstDash val="solid"/>
+                      <a:round/>
+                      <a:headEnd type="none" w="med" len="med"/>
+                      <a:tailEnd type="none" w="med" len="med"/>
+                    </a:lnB>
+                    <a:solidFill>
+                      <a:schemeClr val="tx1"/>
+                    </a:solidFill>
+                  </a:tcPr>
+                </a:tc>
+                <a:tc>
+                  <a:txBody>
+                    <a:bodyPr/>
+                    <a:lstStyle/>
+                    <a:p>
+                      <a:r>
+                        <a:rPr kumimoji="1" lang="en-US" altLang="ja-JP" sz="1600" b="0" dirty="0">
+                          <a:solidFill>
+                            <a:schemeClr val="bg1"/>
+                          </a:solidFill>
+                        </a:rPr>
+                        <a:t>Standard (Request directly)</a:t>
+                      </a:r>
+                      <a:endParaRPr kumimoji="1" lang="ja-JP" altLang="en-US" sz="1600" b="0">
+                        <a:solidFill>
+                          <a:schemeClr val="bg1"/>
+                        </a:solidFill>
+                      </a:endParaRPr>
+                    </a:p>
+                  </a:txBody>
+                  <a:tcPr anchor="ctr">
+                    <a:lnL w="12700" cap="flat" cmpd="sng" algn="ctr">
+                      <a:solidFill>
+                        <a:schemeClr val="tx1">
+                          <a:lumMod val="50000"/>
+                          <a:lumOff val="50000"/>
+                        </a:schemeClr>
+                      </a:solidFill>
+                      <a:prstDash val="solid"/>
+                      <a:round/>
+                      <a:headEnd type="none" w="med" len="med"/>
+                      <a:tailEnd type="none" w="med" len="med"/>
+                    </a:lnL>
+                    <a:lnR w="12700" cap="flat" cmpd="sng" algn="ctr">
+                      <a:solidFill>
+                        <a:schemeClr val="tx1">
+                          <a:lumMod val="50000"/>
+                          <a:lumOff val="50000"/>
+                        </a:schemeClr>
+                      </a:solidFill>
+                      <a:prstDash val="solid"/>
+                      <a:round/>
+                      <a:headEnd type="none" w="med" len="med"/>
+                      <a:tailEnd type="none" w="med" len="med"/>
+                    </a:lnR>
+                    <a:lnT w="12700" cap="flat" cmpd="sng" algn="ctr">
+                      <a:solidFill>
+                        <a:schemeClr val="tx1">
+                          <a:lumMod val="50000"/>
+                          <a:lumOff val="50000"/>
+                        </a:schemeClr>
+                      </a:solidFill>
+                      <a:prstDash val="solid"/>
+                      <a:round/>
+                      <a:headEnd type="none" w="med" len="med"/>
+                      <a:tailEnd type="none" w="med" len="med"/>
+                    </a:lnT>
+                    <a:lnB w="12700" cap="flat" cmpd="sng" algn="ctr">
+                      <a:solidFill>
+                        <a:schemeClr val="tx1">
+                          <a:lumMod val="50000"/>
+                          <a:lumOff val="50000"/>
+                        </a:schemeClr>
+                      </a:solidFill>
+                      <a:prstDash val="solid"/>
+                      <a:round/>
+                      <a:headEnd type="none" w="med" len="med"/>
+                      <a:tailEnd type="none" w="med" len="med"/>
+                    </a:lnB>
+                    <a:solidFill>
+                      <a:schemeClr val="tx1"/>
+                    </a:solidFill>
+                  </a:tcPr>
+                </a:tc>
+                <a:tc rowSpan="2">
+                  <a:txBody>
+                    <a:bodyPr/>
+                    <a:lstStyle/>
+                    <a:p>
+                      <a:r>
+                        <a:rPr kumimoji="1" lang="en-US" altLang="ja-JP" sz="1600" b="0" dirty="0">
+                          <a:solidFill>
+                            <a:schemeClr val="bg1"/>
+                          </a:solidFill>
+                        </a:rPr>
+                        <a:t>Results</a:t>
+                      </a:r>
+                      <a:endParaRPr kumimoji="1" lang="ja-JP" altLang="en-US" sz="1600" b="0">
+                        <a:solidFill>
+                          <a:schemeClr val="bg1"/>
+                        </a:solidFill>
+                      </a:endParaRPr>
+                    </a:p>
+                  </a:txBody>
+                  <a:tcPr anchor="ctr">
+                    <a:lnL w="12700" cap="flat" cmpd="sng" algn="ctr">
+                      <a:solidFill>
+                        <a:schemeClr val="tx1">
+                          <a:lumMod val="50000"/>
+                          <a:lumOff val="50000"/>
+                        </a:schemeClr>
+                      </a:solidFill>
+                      <a:prstDash val="solid"/>
+                      <a:round/>
+                      <a:headEnd type="none" w="med" len="med"/>
+                      <a:tailEnd type="none" w="med" len="med"/>
+                    </a:lnL>
+                    <a:lnR w="12700" cap="flat" cmpd="sng" algn="ctr">
+                      <a:solidFill>
+                        <a:schemeClr val="tx1">
+                          <a:lumMod val="50000"/>
+                          <a:lumOff val="50000"/>
+                        </a:schemeClr>
+                      </a:solidFill>
+                      <a:prstDash val="solid"/>
+                      <a:round/>
+                      <a:headEnd type="none" w="med" len="med"/>
+                      <a:tailEnd type="none" w="med" len="med"/>
+                    </a:lnR>
+                    <a:lnT w="12700" cap="flat" cmpd="sng" algn="ctr">
+                      <a:solidFill>
+                        <a:schemeClr val="tx1">
+                          <a:lumMod val="50000"/>
+                          <a:lumOff val="50000"/>
+                        </a:schemeClr>
+                      </a:solidFill>
+                      <a:prstDash val="solid"/>
+                      <a:round/>
+                      <a:headEnd type="none" w="med" len="med"/>
+                      <a:tailEnd type="none" w="med" len="med"/>
+                    </a:lnT>
+                    <a:lnB w="12700" cap="flat" cmpd="sng" algn="ctr">
+                      <a:solidFill>
+                        <a:schemeClr val="tx1">
+                          <a:lumMod val="50000"/>
+                          <a:lumOff val="50000"/>
+                        </a:schemeClr>
+                      </a:solidFill>
+                      <a:prstDash val="solid"/>
+                      <a:round/>
+                      <a:headEnd type="none" w="med" len="med"/>
+                      <a:tailEnd type="none" w="med" len="med"/>
+                    </a:lnB>
+                    <a:solidFill>
+                      <a:schemeClr val="tx1"/>
+                    </a:solidFill>
+                  </a:tcPr>
+                </a:tc>
+                <a:extLst>
+                  <a:ext uri="{0D108BD9-81ED-4DB2-BD59-A6C34878D82A}">
+                    <a16:rowId xmlns:a16="http://schemas.microsoft.com/office/drawing/2014/main" val="2007530102"/>
+                  </a:ext>
+                </a:extLst>
+              </a:tr>
+              <a:tr h="311822">
+                <a:tc gridSpan="2" vMerge="1">
+                  <a:txBody>
+                    <a:bodyPr/>
+                    <a:lstStyle/>
+                    <a:p>
+                      <a:endParaRPr kumimoji="1" lang="ja-JP" altLang="en-US" sz="1600" b="0">
+                        <a:solidFill>
+                          <a:schemeClr val="tx1"/>
+                        </a:solidFill>
+                      </a:endParaRPr>
+                    </a:p>
+                  </a:txBody>
+                  <a:tcPr anchor="ctr">
+                    <a:lnL w="12700" cap="flat" cmpd="sng" algn="ctr">
+                      <a:solidFill>
+                        <a:schemeClr val="tx1"/>
+                      </a:solidFill>
+                      <a:prstDash val="solid"/>
+                      <a:round/>
+                      <a:headEnd type="none" w="med" len="med"/>
+                      <a:tailEnd type="none" w="med" len="med"/>
+                    </a:lnL>
+                    <a:lnR w="12700" cap="flat" cmpd="sng" algn="ctr">
+                      <a:solidFill>
+                        <a:schemeClr val="tx1"/>
+                      </a:solidFill>
+                      <a:prstDash val="solid"/>
+                      <a:round/>
+                      <a:headEnd type="none" w="med" len="med"/>
+                      <a:tailEnd type="none" w="med" len="med"/>
+                    </a:lnR>
+                    <a:lnT w="12700" cap="flat" cmpd="sng" algn="ctr">
+                      <a:solidFill>
+                        <a:schemeClr val="tx1"/>
+                      </a:solidFill>
+                      <a:prstDash val="solid"/>
+                      <a:round/>
+                      <a:headEnd type="none" w="med" len="med"/>
+                      <a:tailEnd type="none" w="med" len="med"/>
+                    </a:lnT>
+                    <a:lnB w="12700" cap="flat" cmpd="sng" algn="ctr">
+                      <a:solidFill>
+                        <a:schemeClr val="tx1"/>
+                      </a:solidFill>
+                      <a:prstDash val="solid"/>
+                      <a:round/>
+                      <a:headEnd type="none" w="med" len="med"/>
+                      <a:tailEnd type="none" w="med" len="med"/>
+                    </a:lnB>
+                    <a:noFill/>
+                  </a:tcPr>
+                </a:tc>
+                <a:tc hMerge="1" vMerge="1">
+                  <a:txBody>
+                    <a:bodyPr/>
+                    <a:lstStyle/>
+                    <a:p>
+                      <a:endParaRPr kumimoji="1" lang="ja-JP" altLang="en-US"/>
+                    </a:p>
+                  </a:txBody>
+                  <a:tcPr/>
+                </a:tc>
+                <a:tc>
+                  <a:txBody>
+                    <a:bodyPr/>
+                    <a:lstStyle/>
+                    <a:p>
+                      <a:r>
+                        <a:rPr kumimoji="1" lang="en-US" altLang="ja-JP" sz="1600" b="0" dirty="0">
+                          <a:solidFill>
+                            <a:schemeClr val="bg1"/>
+                          </a:solidFill>
+                        </a:rPr>
+                        <a:t>Average *2</a:t>
+                      </a:r>
+                      <a:endParaRPr kumimoji="1" lang="ja-JP" altLang="en-US" sz="1600" b="0">
+                        <a:solidFill>
+                          <a:schemeClr val="bg1"/>
+                        </a:solidFill>
+                      </a:endParaRPr>
+                    </a:p>
+                  </a:txBody>
+                  <a:tcPr anchor="ctr">
+                    <a:lnL w="12700" cap="flat" cmpd="sng" algn="ctr">
+                      <a:solidFill>
+                        <a:schemeClr val="tx1">
+                          <a:lumMod val="50000"/>
+                          <a:lumOff val="50000"/>
+                        </a:schemeClr>
+                      </a:solidFill>
+                      <a:prstDash val="solid"/>
+                      <a:round/>
+                      <a:headEnd type="none" w="med" len="med"/>
+                      <a:tailEnd type="none" w="med" len="med"/>
+                    </a:lnL>
+                    <a:lnR w="12700" cap="flat" cmpd="sng" algn="ctr">
+                      <a:solidFill>
+                        <a:schemeClr val="tx1">
+                          <a:lumMod val="50000"/>
+                          <a:lumOff val="50000"/>
+                        </a:schemeClr>
+                      </a:solidFill>
+                      <a:prstDash val="solid"/>
+                      <a:round/>
+                      <a:headEnd type="none" w="med" len="med"/>
+                      <a:tailEnd type="none" w="med" len="med"/>
+                    </a:lnR>
+                    <a:lnT w="12700" cap="flat" cmpd="sng" algn="ctr">
+                      <a:solidFill>
+                        <a:schemeClr val="tx1">
+                          <a:lumMod val="50000"/>
+                          <a:lumOff val="50000"/>
+                        </a:schemeClr>
+                      </a:solidFill>
+                      <a:prstDash val="solid"/>
+                      <a:round/>
+                      <a:headEnd type="none" w="med" len="med"/>
+                      <a:tailEnd type="none" w="med" len="med"/>
+                    </a:lnT>
+                    <a:lnB w="12700" cap="flat" cmpd="sng" algn="ctr">
+                      <a:solidFill>
+                        <a:schemeClr val="tx1">
+                          <a:lumMod val="50000"/>
+                          <a:lumOff val="50000"/>
+                        </a:schemeClr>
+                      </a:solidFill>
+                      <a:prstDash val="solid"/>
+                      <a:round/>
+                      <a:headEnd type="none" w="med" len="med"/>
+                      <a:tailEnd type="none" w="med" len="med"/>
+                    </a:lnB>
+                    <a:solidFill>
+                      <a:schemeClr val="tx1"/>
+                    </a:solidFill>
+                  </a:tcPr>
+                </a:tc>
+                <a:tc>
+                  <a:txBody>
+                    <a:bodyPr/>
+                    <a:lstStyle/>
+                    <a:p>
+                      <a:r>
+                        <a:rPr kumimoji="1" lang="en-US" altLang="ja-JP" sz="1600" b="0" dirty="0">
+                          <a:solidFill>
+                            <a:schemeClr val="bg1"/>
+                          </a:solidFill>
+                        </a:rPr>
+                        <a:t>Average</a:t>
+                      </a:r>
+                      <a:endParaRPr kumimoji="1" lang="ja-JP" altLang="en-US" sz="1600" b="0">
+                        <a:solidFill>
+                          <a:schemeClr val="bg1"/>
+                        </a:solidFill>
+                      </a:endParaRPr>
+                    </a:p>
+                  </a:txBody>
+                  <a:tcPr anchor="ctr">
+                    <a:lnL w="12700" cap="flat" cmpd="sng" algn="ctr">
+                      <a:solidFill>
+                        <a:schemeClr val="tx1">
+                          <a:lumMod val="50000"/>
+                          <a:lumOff val="50000"/>
+                        </a:schemeClr>
+                      </a:solidFill>
+                      <a:prstDash val="solid"/>
+                      <a:round/>
+                      <a:headEnd type="none" w="med" len="med"/>
+                      <a:tailEnd type="none" w="med" len="med"/>
+                    </a:lnL>
+                    <a:lnR w="12700" cap="flat" cmpd="sng" algn="ctr">
+                      <a:solidFill>
+                        <a:schemeClr val="tx1">
+                          <a:lumMod val="50000"/>
+                          <a:lumOff val="50000"/>
+                        </a:schemeClr>
+                      </a:solidFill>
+                      <a:prstDash val="solid"/>
+                      <a:round/>
+                      <a:headEnd type="none" w="med" len="med"/>
+                      <a:tailEnd type="none" w="med" len="med"/>
+                    </a:lnR>
+                    <a:lnT w="12700" cap="flat" cmpd="sng" algn="ctr">
+                      <a:solidFill>
+                        <a:schemeClr val="tx1">
+                          <a:lumMod val="50000"/>
+                          <a:lumOff val="50000"/>
+                        </a:schemeClr>
+                      </a:solidFill>
+                      <a:prstDash val="solid"/>
+                      <a:round/>
+                      <a:headEnd type="none" w="med" len="med"/>
+                      <a:tailEnd type="none" w="med" len="med"/>
+                    </a:lnT>
+                    <a:lnB w="12700" cap="flat" cmpd="sng" algn="ctr">
+                      <a:solidFill>
+                        <a:schemeClr val="tx1">
+                          <a:lumMod val="50000"/>
+                          <a:lumOff val="50000"/>
+                        </a:schemeClr>
+                      </a:solidFill>
+                      <a:prstDash val="solid"/>
+                      <a:round/>
+                      <a:headEnd type="none" w="med" len="med"/>
+                      <a:tailEnd type="none" w="med" len="med"/>
+                    </a:lnB>
+                    <a:solidFill>
+                      <a:schemeClr val="tx1"/>
+                    </a:solidFill>
+                  </a:tcPr>
+                </a:tc>
+                <a:tc vMerge="1">
+                  <a:txBody>
+                    <a:bodyPr/>
+                    <a:lstStyle/>
+                    <a:p>
+                      <a:endParaRPr kumimoji="1" lang="ja-JP" altLang="en-US" sz="1600" b="0">
+                        <a:solidFill>
+                          <a:schemeClr val="bg1"/>
+                        </a:solidFill>
+                      </a:endParaRPr>
+                    </a:p>
+                  </a:txBody>
+                  <a:tcPr anchor="ctr">
+                    <a:lnL w="12700" cap="flat" cmpd="sng" algn="ctr">
+                      <a:solidFill>
+                        <a:schemeClr val="tx1">
+                          <a:lumMod val="50000"/>
+                          <a:lumOff val="50000"/>
+                        </a:schemeClr>
+                      </a:solidFill>
+                      <a:prstDash val="solid"/>
+                      <a:round/>
+                      <a:headEnd type="none" w="med" len="med"/>
+                      <a:tailEnd type="none" w="med" len="med"/>
+                    </a:lnL>
+                    <a:lnR w="12700" cap="flat" cmpd="sng" algn="ctr">
+                      <a:solidFill>
+                        <a:schemeClr val="tx1">
+                          <a:lumMod val="50000"/>
+                          <a:lumOff val="50000"/>
+                        </a:schemeClr>
+                      </a:solidFill>
+                      <a:prstDash val="solid"/>
+                      <a:round/>
+                      <a:headEnd type="none" w="med" len="med"/>
+                      <a:tailEnd type="none" w="med" len="med"/>
+                    </a:lnR>
+                    <a:lnT w="12700" cap="flat" cmpd="sng" algn="ctr">
+                      <a:solidFill>
+                        <a:schemeClr val="tx1">
+                          <a:lumMod val="50000"/>
+                          <a:lumOff val="50000"/>
+                        </a:schemeClr>
+                      </a:solidFill>
+                      <a:prstDash val="solid"/>
+                      <a:round/>
+                      <a:headEnd type="none" w="med" len="med"/>
+                      <a:tailEnd type="none" w="med" len="med"/>
+                    </a:lnT>
+                    <a:lnB w="12700" cap="flat" cmpd="sng" algn="ctr">
+                      <a:solidFill>
+                        <a:schemeClr val="tx1">
+                          <a:lumMod val="50000"/>
+                          <a:lumOff val="50000"/>
+                        </a:schemeClr>
+                      </a:solidFill>
+                      <a:prstDash val="solid"/>
+                      <a:round/>
+                      <a:headEnd type="none" w="med" len="med"/>
+                      <a:tailEnd type="none" w="med" len="med"/>
+                    </a:lnB>
+                    <a:solidFill>
+                      <a:schemeClr val="tx1"/>
+                    </a:solidFill>
+                  </a:tcPr>
+                </a:tc>
+                <a:extLst>
+                  <a:ext uri="{0D108BD9-81ED-4DB2-BD59-A6C34878D82A}">
+                    <a16:rowId xmlns:a16="http://schemas.microsoft.com/office/drawing/2014/main" val="118573807"/>
+                  </a:ext>
+                </a:extLst>
+              </a:tr>
+              <a:tr h="878948">
+                <a:tc rowSpan="3">
+                  <a:txBody>
+                    <a:bodyPr/>
+                    <a:lstStyle/>
+                    <a:p>
+                      <a:r>
+                        <a:rPr kumimoji="1" lang="en-US" altLang="ja-JP" sz="1600" b="0" dirty="0">
+                          <a:solidFill>
+                            <a:schemeClr val="tx1"/>
+                          </a:solidFill>
+                        </a:rPr>
+                        <a:t>Transactions</a:t>
+                      </a:r>
+                    </a:p>
+                  </a:txBody>
+                  <a:tcPr anchor="ctr">
+                    <a:lnL w="12700" cap="flat" cmpd="sng" algn="ctr">
+                      <a:solidFill>
+                        <a:schemeClr val="tx1">
+                          <a:lumMod val="50000"/>
+                          <a:lumOff val="50000"/>
+                        </a:schemeClr>
+                      </a:solidFill>
+                      <a:prstDash val="solid"/>
+                      <a:round/>
+                      <a:headEnd type="none" w="med" len="med"/>
+                      <a:tailEnd type="none" w="med" len="med"/>
+                    </a:lnL>
+                    <a:lnR w="12700" cap="flat" cmpd="sng" algn="ctr">
+                      <a:solidFill>
+                        <a:schemeClr val="tx1">
+                          <a:lumMod val="50000"/>
+                          <a:lumOff val="50000"/>
+                        </a:schemeClr>
+                      </a:solidFill>
+                      <a:prstDash val="solid"/>
+                      <a:round/>
+                      <a:headEnd type="none" w="med" len="med"/>
+                      <a:tailEnd type="none" w="med" len="med"/>
+                    </a:lnR>
+                    <a:lnT w="12700" cap="flat" cmpd="sng" algn="ctr">
+                      <a:solidFill>
+                        <a:schemeClr val="tx1">
+                          <a:lumMod val="50000"/>
+                          <a:lumOff val="50000"/>
+                        </a:schemeClr>
+                      </a:solidFill>
+                      <a:prstDash val="solid"/>
+                      <a:round/>
+                      <a:headEnd type="none" w="med" len="med"/>
+                      <a:tailEnd type="none" w="med" len="med"/>
+                    </a:lnT>
+                    <a:lnB w="12700" cap="flat" cmpd="sng" algn="ctr">
+                      <a:solidFill>
+                        <a:schemeClr val="tx1">
+                          <a:lumMod val="50000"/>
+                          <a:lumOff val="50000"/>
+                        </a:schemeClr>
+                      </a:solidFill>
+                      <a:prstDash val="solid"/>
+                      <a:round/>
+                      <a:headEnd type="none" w="med" len="med"/>
+                      <a:tailEnd type="none" w="med" len="med"/>
+                    </a:lnB>
+                    <a:noFill/>
+                  </a:tcPr>
+                </a:tc>
+                <a:tc>
+                  <a:txBody>
+                    <a:bodyPr/>
+                    <a:lstStyle/>
+                    <a:p>
+                      <a:r>
+                        <a:rPr kumimoji="1" lang="en-US" altLang="ja-JP" sz="1600" b="0" dirty="0">
+                          <a:solidFill>
+                            <a:schemeClr val="tx1"/>
+                          </a:solidFill>
+                        </a:rPr>
+                        <a:t>1 NFT</a:t>
+                      </a:r>
+                      <a:endParaRPr kumimoji="1" lang="ja-JP" altLang="en-US" sz="1600" b="0">
+                        <a:solidFill>
+                          <a:schemeClr val="tx1"/>
+                        </a:solidFill>
+                      </a:endParaRPr>
+                    </a:p>
+                  </a:txBody>
+                  <a:tcPr anchor="ctr">
+                    <a:lnL w="12700" cap="flat" cmpd="sng" algn="ctr">
+                      <a:solidFill>
+                        <a:schemeClr val="tx1">
+                          <a:lumMod val="50000"/>
+                          <a:lumOff val="50000"/>
+                        </a:schemeClr>
+                      </a:solidFill>
+                      <a:prstDash val="solid"/>
+                      <a:round/>
+                      <a:headEnd type="none" w="med" len="med"/>
+                      <a:tailEnd type="none" w="med" len="med"/>
+                    </a:lnL>
+                    <a:lnR w="12700" cap="flat" cmpd="sng" algn="ctr">
+                      <a:solidFill>
+                        <a:schemeClr val="tx1">
+                          <a:lumMod val="50000"/>
+                          <a:lumOff val="50000"/>
+                        </a:schemeClr>
+                      </a:solidFill>
+                      <a:prstDash val="solid"/>
+                      <a:round/>
+                      <a:headEnd type="none" w="med" len="med"/>
+                      <a:tailEnd type="none" w="med" len="med"/>
+                    </a:lnR>
+                    <a:lnT w="12700" cap="flat" cmpd="sng" algn="ctr">
+                      <a:solidFill>
+                        <a:schemeClr val="tx1">
+                          <a:lumMod val="50000"/>
+                          <a:lumOff val="50000"/>
+                        </a:schemeClr>
+                      </a:solidFill>
+                      <a:prstDash val="solid"/>
+                      <a:round/>
+                      <a:headEnd type="none" w="med" len="med"/>
+                      <a:tailEnd type="none" w="med" len="med"/>
+                    </a:lnT>
+                    <a:lnB w="12700" cap="flat" cmpd="sng" algn="ctr">
+                      <a:solidFill>
+                        <a:schemeClr val="tx1">
+                          <a:lumMod val="50000"/>
+                          <a:lumOff val="50000"/>
+                        </a:schemeClr>
+                      </a:solidFill>
+                      <a:prstDash val="solid"/>
+                      <a:round/>
+                      <a:headEnd type="none" w="med" len="med"/>
+                      <a:tailEnd type="none" w="med" len="med"/>
+                    </a:lnB>
+                    <a:noFill/>
+                  </a:tcPr>
+                </a:tc>
+                <a:tc>
+                  <a:txBody>
+                    <a:bodyPr/>
+                    <a:lstStyle/>
+                    <a:p>
+                      <a:r>
+                        <a:rPr kumimoji="1" lang="en-US" altLang="ja-JP" sz="1600" b="0" dirty="0">
+                          <a:solidFill>
+                            <a:schemeClr val="tx1"/>
+                          </a:solidFill>
+                        </a:rPr>
+                        <a:t>50 </a:t>
+                      </a:r>
+                      <a:r>
+                        <a:rPr kumimoji="1" lang="en-US" altLang="ja-JP" sz="1600" b="0" dirty="0" err="1">
+                          <a:solidFill>
+                            <a:schemeClr val="tx1"/>
+                          </a:solidFill>
+                        </a:rPr>
+                        <a:t>ms</a:t>
+                      </a:r>
+                      <a:endParaRPr kumimoji="1" lang="ja-JP" altLang="en-US" sz="1600" b="0">
+                        <a:solidFill>
+                          <a:schemeClr val="tx1"/>
+                        </a:solidFill>
+                      </a:endParaRPr>
+                    </a:p>
+                  </a:txBody>
+                  <a:tcPr anchor="ctr">
+                    <a:lnL w="12700" cap="flat" cmpd="sng" algn="ctr">
+                      <a:solidFill>
+                        <a:schemeClr val="tx1">
+                          <a:lumMod val="50000"/>
+                          <a:lumOff val="50000"/>
+                        </a:schemeClr>
+                      </a:solidFill>
+                      <a:prstDash val="solid"/>
+                      <a:round/>
+                      <a:headEnd type="none" w="med" len="med"/>
+                      <a:tailEnd type="none" w="med" len="med"/>
+                    </a:lnL>
+                    <a:lnR w="12700" cap="flat" cmpd="sng" algn="ctr">
+                      <a:solidFill>
+                        <a:schemeClr val="tx1">
+                          <a:lumMod val="50000"/>
+                          <a:lumOff val="50000"/>
+                        </a:schemeClr>
+                      </a:solidFill>
+                      <a:prstDash val="solid"/>
+                      <a:round/>
+                      <a:headEnd type="none" w="med" len="med"/>
+                      <a:tailEnd type="none" w="med" len="med"/>
+                    </a:lnR>
+                    <a:lnT w="12700" cap="flat" cmpd="sng" algn="ctr">
+                      <a:solidFill>
+                        <a:schemeClr val="tx1">
+                          <a:lumMod val="50000"/>
+                          <a:lumOff val="50000"/>
+                        </a:schemeClr>
+                      </a:solidFill>
+                      <a:prstDash val="solid"/>
+                      <a:round/>
+                      <a:headEnd type="none" w="med" len="med"/>
+                      <a:tailEnd type="none" w="med" len="med"/>
+                    </a:lnT>
+                    <a:lnB w="12700" cap="flat" cmpd="sng" algn="ctr">
+                      <a:solidFill>
+                        <a:schemeClr val="tx1">
+                          <a:lumMod val="50000"/>
+                          <a:lumOff val="50000"/>
+                        </a:schemeClr>
+                      </a:solidFill>
+                      <a:prstDash val="solid"/>
+                      <a:round/>
+                      <a:headEnd type="none" w="med" len="med"/>
+                      <a:tailEnd type="none" w="med" len="med"/>
+                    </a:lnB>
+                    <a:noFill/>
+                  </a:tcPr>
+                </a:tc>
+                <a:tc>
+                  <a:txBody>
+                    <a:bodyPr/>
+                    <a:lstStyle/>
+                    <a:p>
+                      <a:r>
+                        <a:rPr kumimoji="1" lang="en-US" altLang="ja-JP" sz="1600" b="0" dirty="0">
+                          <a:solidFill>
+                            <a:schemeClr val="tx1"/>
+                          </a:solidFill>
+                        </a:rPr>
+                        <a:t>800 </a:t>
+                      </a:r>
+                      <a:r>
+                        <a:rPr kumimoji="1" lang="en-US" altLang="ja-JP" sz="1600" b="0" dirty="0" err="1">
+                          <a:solidFill>
+                            <a:schemeClr val="tx1"/>
+                          </a:solidFill>
+                        </a:rPr>
+                        <a:t>ms</a:t>
+                      </a:r>
+                      <a:endParaRPr kumimoji="1" lang="ja-JP" altLang="en-US" sz="1600" b="0">
+                        <a:solidFill>
+                          <a:schemeClr val="tx1"/>
+                        </a:solidFill>
+                      </a:endParaRPr>
+                    </a:p>
+                  </a:txBody>
+                  <a:tcPr anchor="ctr">
+                    <a:lnL w="12700" cap="flat" cmpd="sng" algn="ctr">
+                      <a:solidFill>
+                        <a:schemeClr val="tx1">
+                          <a:lumMod val="50000"/>
+                          <a:lumOff val="50000"/>
+                        </a:schemeClr>
+                      </a:solidFill>
+                      <a:prstDash val="solid"/>
+                      <a:round/>
+                      <a:headEnd type="none" w="med" len="med"/>
+                      <a:tailEnd type="none" w="med" len="med"/>
+                    </a:lnL>
+                    <a:lnR w="12700" cap="flat" cmpd="sng" algn="ctr">
+                      <a:solidFill>
+                        <a:schemeClr val="tx1">
+                          <a:lumMod val="50000"/>
+                          <a:lumOff val="50000"/>
+                        </a:schemeClr>
+                      </a:solidFill>
+                      <a:prstDash val="solid"/>
+                      <a:round/>
+                      <a:headEnd type="none" w="med" len="med"/>
+                      <a:tailEnd type="none" w="med" len="med"/>
+                    </a:lnR>
+                    <a:lnT w="12700" cap="flat" cmpd="sng" algn="ctr">
+                      <a:solidFill>
+                        <a:schemeClr val="tx1">
+                          <a:lumMod val="50000"/>
+                          <a:lumOff val="50000"/>
+                        </a:schemeClr>
+                      </a:solidFill>
+                      <a:prstDash val="solid"/>
+                      <a:round/>
+                      <a:headEnd type="none" w="med" len="med"/>
+                      <a:tailEnd type="none" w="med" len="med"/>
+                    </a:lnT>
+                    <a:lnB w="12700" cap="flat" cmpd="sng" algn="ctr">
+                      <a:solidFill>
+                        <a:schemeClr val="tx1">
+                          <a:lumMod val="50000"/>
+                          <a:lumOff val="50000"/>
+                        </a:schemeClr>
+                      </a:solidFill>
+                      <a:prstDash val="solid"/>
+                      <a:round/>
+                      <a:headEnd type="none" w="med" len="med"/>
+                      <a:tailEnd type="none" w="med" len="med"/>
+                    </a:lnB>
+                    <a:noFill/>
+                  </a:tcPr>
+                </a:tc>
+                <a:tc>
+                  <a:txBody>
+                    <a:bodyPr/>
+                    <a:lstStyle/>
+                    <a:p>
+                      <a:r>
+                        <a:rPr kumimoji="1" lang="en-US" altLang="ja-JP" sz="1600" b="0" dirty="0">
+                          <a:solidFill>
+                            <a:schemeClr val="tx1"/>
+                          </a:solidFill>
+                        </a:rPr>
+                        <a:t>Mad Mints 16 times faster</a:t>
+                      </a:r>
+                      <a:endParaRPr kumimoji="1" lang="ja-JP" altLang="en-US" sz="1600" b="0">
+                        <a:solidFill>
+                          <a:schemeClr val="tx1"/>
+                        </a:solidFill>
+                      </a:endParaRPr>
+                    </a:p>
+                  </a:txBody>
+                  <a:tcPr anchor="ctr">
+                    <a:lnL w="12700" cap="flat" cmpd="sng" algn="ctr">
+                      <a:solidFill>
+                        <a:schemeClr val="tx1">
+                          <a:lumMod val="50000"/>
+                          <a:lumOff val="50000"/>
+                        </a:schemeClr>
+                      </a:solidFill>
+                      <a:prstDash val="solid"/>
+                      <a:round/>
+                      <a:headEnd type="none" w="med" len="med"/>
+                      <a:tailEnd type="none" w="med" len="med"/>
+                    </a:lnL>
+                    <a:lnR w="12700" cap="flat" cmpd="sng" algn="ctr">
+                      <a:solidFill>
+                        <a:schemeClr val="tx1">
+                          <a:lumMod val="50000"/>
+                          <a:lumOff val="50000"/>
+                        </a:schemeClr>
+                      </a:solidFill>
+                      <a:prstDash val="solid"/>
+                      <a:round/>
+                      <a:headEnd type="none" w="med" len="med"/>
+                      <a:tailEnd type="none" w="med" len="med"/>
+                    </a:lnR>
+                    <a:lnT w="12700" cap="flat" cmpd="sng" algn="ctr">
+                      <a:solidFill>
+                        <a:schemeClr val="tx1">
+                          <a:lumMod val="50000"/>
+                          <a:lumOff val="50000"/>
+                        </a:schemeClr>
+                      </a:solidFill>
+                      <a:prstDash val="solid"/>
+                      <a:round/>
+                      <a:headEnd type="none" w="med" len="med"/>
+                      <a:tailEnd type="none" w="med" len="med"/>
+                    </a:lnT>
+                    <a:lnB w="12700" cap="flat" cmpd="sng" algn="ctr">
+                      <a:solidFill>
+                        <a:schemeClr val="tx1">
+                          <a:lumMod val="50000"/>
+                          <a:lumOff val="50000"/>
+                        </a:schemeClr>
+                      </a:solidFill>
+                      <a:prstDash val="solid"/>
+                      <a:round/>
+                      <a:headEnd type="none" w="med" len="med"/>
+                      <a:tailEnd type="none" w="med" len="med"/>
+                    </a:lnB>
+                    <a:noFill/>
+                  </a:tcPr>
+                </a:tc>
+                <a:extLst>
+                  <a:ext uri="{0D108BD9-81ED-4DB2-BD59-A6C34878D82A}">
+                    <a16:rowId xmlns:a16="http://schemas.microsoft.com/office/drawing/2014/main" val="2106148188"/>
+                  </a:ext>
+                </a:extLst>
+              </a:tr>
+              <a:tr h="878948">
+                <a:tc vMerge="1">
+                  <a:txBody>
+                    <a:bodyPr/>
+                    <a:lstStyle/>
+                    <a:p>
+                      <a:endParaRPr kumimoji="1" lang="ja-JP" altLang="en-US" sz="1600" b="0">
+                        <a:solidFill>
+                          <a:schemeClr val="tx1"/>
+                        </a:solidFill>
+                      </a:endParaRPr>
+                    </a:p>
+                  </a:txBody>
+                  <a:tcPr anchor="ctr">
+                    <a:lnL w="12700" cap="flat" cmpd="sng" algn="ctr">
+                      <a:solidFill>
+                        <a:schemeClr val="tx1">
+                          <a:lumMod val="50000"/>
+                          <a:lumOff val="50000"/>
+                        </a:schemeClr>
+                      </a:solidFill>
+                      <a:prstDash val="solid"/>
+                      <a:round/>
+                      <a:headEnd type="none" w="med" len="med"/>
+                      <a:tailEnd type="none" w="med" len="med"/>
+                    </a:lnL>
+                    <a:lnR w="12700" cap="flat" cmpd="sng" algn="ctr">
+                      <a:solidFill>
+                        <a:schemeClr val="tx1">
+                          <a:lumMod val="50000"/>
+                          <a:lumOff val="50000"/>
+                        </a:schemeClr>
+                      </a:solidFill>
+                      <a:prstDash val="solid"/>
+                      <a:round/>
+                      <a:headEnd type="none" w="med" len="med"/>
+                      <a:tailEnd type="none" w="med" len="med"/>
+                    </a:lnR>
+                    <a:lnT w="12700" cap="flat" cmpd="sng" algn="ctr">
+                      <a:solidFill>
+                        <a:schemeClr val="tx1">
+                          <a:lumMod val="50000"/>
+                          <a:lumOff val="50000"/>
+                        </a:schemeClr>
+                      </a:solidFill>
+                      <a:prstDash val="solid"/>
+                      <a:round/>
+                      <a:headEnd type="none" w="med" len="med"/>
+                      <a:tailEnd type="none" w="med" len="med"/>
+                    </a:lnT>
+                    <a:lnB w="12700" cap="flat" cmpd="sng" algn="ctr">
+                      <a:solidFill>
+                        <a:schemeClr val="tx1">
+                          <a:lumMod val="50000"/>
+                          <a:lumOff val="50000"/>
+                        </a:schemeClr>
+                      </a:solidFill>
+                      <a:prstDash val="solid"/>
+                      <a:round/>
+                      <a:headEnd type="none" w="med" len="med"/>
+                      <a:tailEnd type="none" w="med" len="med"/>
+                    </a:lnB>
+                    <a:noFill/>
+                  </a:tcPr>
+                </a:tc>
+                <a:tc>
+                  <a:txBody>
+                    <a:bodyPr/>
+                    <a:lstStyle/>
+                    <a:p>
+                      <a:r>
+                        <a:rPr kumimoji="1" lang="en-US" altLang="ja-JP" sz="1600" b="0" dirty="0">
+                          <a:solidFill>
+                            <a:schemeClr val="tx1"/>
+                          </a:solidFill>
+                        </a:rPr>
+                        <a:t>100 NFTs</a:t>
+                      </a:r>
+                      <a:endParaRPr kumimoji="1" lang="ja-JP" altLang="en-US" sz="1600" b="0">
+                        <a:solidFill>
+                          <a:schemeClr val="tx1"/>
+                        </a:solidFill>
+                      </a:endParaRPr>
+                    </a:p>
+                  </a:txBody>
+                  <a:tcPr anchor="ctr">
+                    <a:lnL w="12700" cap="flat" cmpd="sng" algn="ctr">
+                      <a:solidFill>
+                        <a:schemeClr val="tx1">
+                          <a:lumMod val="50000"/>
+                          <a:lumOff val="50000"/>
+                        </a:schemeClr>
+                      </a:solidFill>
+                      <a:prstDash val="solid"/>
+                      <a:round/>
+                      <a:headEnd type="none" w="med" len="med"/>
+                      <a:tailEnd type="none" w="med" len="med"/>
+                    </a:lnL>
+                    <a:lnR w="12700" cap="flat" cmpd="sng" algn="ctr">
+                      <a:solidFill>
+                        <a:schemeClr val="tx1">
+                          <a:lumMod val="50000"/>
+                          <a:lumOff val="50000"/>
+                        </a:schemeClr>
+                      </a:solidFill>
+                      <a:prstDash val="solid"/>
+                      <a:round/>
+                      <a:headEnd type="none" w="med" len="med"/>
+                      <a:tailEnd type="none" w="med" len="med"/>
+                    </a:lnR>
+                    <a:lnT w="12700" cap="flat" cmpd="sng" algn="ctr">
+                      <a:solidFill>
+                        <a:schemeClr val="tx1">
+                          <a:lumMod val="50000"/>
+                          <a:lumOff val="50000"/>
+                        </a:schemeClr>
+                      </a:solidFill>
+                      <a:prstDash val="solid"/>
+                      <a:round/>
+                      <a:headEnd type="none" w="med" len="med"/>
+                      <a:tailEnd type="none" w="med" len="med"/>
+                    </a:lnT>
+                    <a:lnB w="12700" cap="flat" cmpd="sng" algn="ctr">
+                      <a:solidFill>
+                        <a:schemeClr val="tx1">
+                          <a:lumMod val="50000"/>
+                          <a:lumOff val="50000"/>
+                        </a:schemeClr>
+                      </a:solidFill>
+                      <a:prstDash val="solid"/>
+                      <a:round/>
+                      <a:headEnd type="none" w="med" len="med"/>
+                      <a:tailEnd type="none" w="med" len="med"/>
+                    </a:lnB>
+                    <a:noFill/>
+                  </a:tcPr>
+                </a:tc>
+                <a:tc>
+                  <a:txBody>
+                    <a:bodyPr/>
+                    <a:lstStyle/>
+                    <a:p>
+                      <a:r>
+                        <a:rPr kumimoji="1" lang="en-US" altLang="ja-JP" sz="1600" b="0" dirty="0">
+                          <a:solidFill>
+                            <a:schemeClr val="tx1"/>
+                          </a:solidFill>
+                        </a:rPr>
+                        <a:t>1,900 </a:t>
+                      </a:r>
+                      <a:r>
+                        <a:rPr kumimoji="1" lang="en-US" altLang="ja-JP" sz="1600" b="0" dirty="0" err="1">
+                          <a:solidFill>
+                            <a:schemeClr val="tx1"/>
+                          </a:solidFill>
+                        </a:rPr>
+                        <a:t>ms</a:t>
+                      </a:r>
+                      <a:endParaRPr kumimoji="1" lang="ja-JP" altLang="en-US" sz="1600" b="0">
+                        <a:solidFill>
+                          <a:schemeClr val="tx1"/>
+                        </a:solidFill>
+                      </a:endParaRPr>
+                    </a:p>
+                  </a:txBody>
+                  <a:tcPr anchor="ctr">
+                    <a:lnL w="12700" cap="flat" cmpd="sng" algn="ctr">
+                      <a:solidFill>
+                        <a:schemeClr val="tx1">
+                          <a:lumMod val="50000"/>
+                          <a:lumOff val="50000"/>
+                        </a:schemeClr>
+                      </a:solidFill>
+                      <a:prstDash val="solid"/>
+                      <a:round/>
+                      <a:headEnd type="none" w="med" len="med"/>
+                      <a:tailEnd type="none" w="med" len="med"/>
+                    </a:lnL>
+                    <a:lnR w="12700" cap="flat" cmpd="sng" algn="ctr">
+                      <a:solidFill>
+                        <a:schemeClr val="tx1">
+                          <a:lumMod val="50000"/>
+                          <a:lumOff val="50000"/>
+                        </a:schemeClr>
+                      </a:solidFill>
+                      <a:prstDash val="solid"/>
+                      <a:round/>
+                      <a:headEnd type="none" w="med" len="med"/>
+                      <a:tailEnd type="none" w="med" len="med"/>
+                    </a:lnR>
+                    <a:lnT w="12700" cap="flat" cmpd="sng" algn="ctr">
+                      <a:solidFill>
+                        <a:schemeClr val="tx1">
+                          <a:lumMod val="50000"/>
+                          <a:lumOff val="50000"/>
+                        </a:schemeClr>
+                      </a:solidFill>
+                      <a:prstDash val="solid"/>
+                      <a:round/>
+                      <a:headEnd type="none" w="med" len="med"/>
+                      <a:tailEnd type="none" w="med" len="med"/>
+                    </a:lnT>
+                    <a:lnB w="12700" cap="flat" cmpd="sng" algn="ctr">
+                      <a:solidFill>
+                        <a:schemeClr val="tx1">
+                          <a:lumMod val="50000"/>
+                          <a:lumOff val="50000"/>
+                        </a:schemeClr>
+                      </a:solidFill>
+                      <a:prstDash val="solid"/>
+                      <a:round/>
+                      <a:headEnd type="none" w="med" len="med"/>
+                      <a:tailEnd type="none" w="med" len="med"/>
+                    </a:lnB>
+                    <a:noFill/>
+                  </a:tcPr>
+                </a:tc>
+                <a:tc>
+                  <a:txBody>
+                    <a:bodyPr/>
+                    <a:lstStyle/>
+                    <a:p>
+                      <a:r>
+                        <a:rPr kumimoji="1" lang="en-US" altLang="ja-JP" sz="1600" b="0" dirty="0">
+                          <a:solidFill>
+                            <a:schemeClr val="tx1"/>
+                          </a:solidFill>
+                        </a:rPr>
+                        <a:t>46,000 </a:t>
+                      </a:r>
+                      <a:r>
+                        <a:rPr kumimoji="1" lang="en-US" altLang="ja-JP" sz="1600" b="0" dirty="0" err="1">
+                          <a:solidFill>
+                            <a:schemeClr val="tx1"/>
+                          </a:solidFill>
+                        </a:rPr>
+                        <a:t>ms</a:t>
+                      </a:r>
+                      <a:endParaRPr kumimoji="1" lang="ja-JP" altLang="en-US" sz="1600" b="0">
+                        <a:solidFill>
+                          <a:schemeClr val="tx1"/>
+                        </a:solidFill>
+                      </a:endParaRPr>
+                    </a:p>
+                  </a:txBody>
+                  <a:tcPr anchor="ctr">
+                    <a:lnL w="12700" cap="flat" cmpd="sng" algn="ctr">
+                      <a:solidFill>
+                        <a:schemeClr val="tx1">
+                          <a:lumMod val="50000"/>
+                          <a:lumOff val="50000"/>
+                        </a:schemeClr>
+                      </a:solidFill>
+                      <a:prstDash val="solid"/>
+                      <a:round/>
+                      <a:headEnd type="none" w="med" len="med"/>
+                      <a:tailEnd type="none" w="med" len="med"/>
+                    </a:lnL>
+                    <a:lnR w="12700" cap="flat" cmpd="sng" algn="ctr">
+                      <a:solidFill>
+                        <a:schemeClr val="tx1">
+                          <a:lumMod val="50000"/>
+                          <a:lumOff val="50000"/>
+                        </a:schemeClr>
+                      </a:solidFill>
+                      <a:prstDash val="solid"/>
+                      <a:round/>
+                      <a:headEnd type="none" w="med" len="med"/>
+                      <a:tailEnd type="none" w="med" len="med"/>
+                    </a:lnR>
+                    <a:lnT w="12700" cap="flat" cmpd="sng" algn="ctr">
+                      <a:solidFill>
+                        <a:schemeClr val="tx1">
+                          <a:lumMod val="50000"/>
+                          <a:lumOff val="50000"/>
+                        </a:schemeClr>
+                      </a:solidFill>
+                      <a:prstDash val="solid"/>
+                      <a:round/>
+                      <a:headEnd type="none" w="med" len="med"/>
+                      <a:tailEnd type="none" w="med" len="med"/>
+                    </a:lnT>
+                    <a:lnB w="12700" cap="flat" cmpd="sng" algn="ctr">
+                      <a:solidFill>
+                        <a:schemeClr val="tx1">
+                          <a:lumMod val="50000"/>
+                          <a:lumOff val="50000"/>
+                        </a:schemeClr>
+                      </a:solidFill>
+                      <a:prstDash val="solid"/>
+                      <a:round/>
+                      <a:headEnd type="none" w="med" len="med"/>
+                      <a:tailEnd type="none" w="med" len="med"/>
+                    </a:lnB>
+                    <a:noFill/>
+                  </a:tcPr>
+                </a:tc>
+                <a:tc>
+                  <a:txBody>
+                    <a:bodyPr/>
+                    <a:lstStyle/>
+                    <a:p>
+                      <a:pPr marL="0" marR="0" lvl="0" indent="0" algn="l" defTabSz="914400" rtl="0" eaLnBrk="1" fontAlgn="auto" latinLnBrk="0" hangingPunct="1">
+                        <a:lnSpc>
+                          <a:spcPct val="100000"/>
+                        </a:lnSpc>
+                        <a:spcBef>
+                          <a:spcPts val="0"/>
+                        </a:spcBef>
+                        <a:spcAft>
+                          <a:spcPts val="0"/>
+                        </a:spcAft>
+                        <a:buClrTx/>
+                        <a:buSzTx/>
+                        <a:buFontTx/>
+                        <a:buNone/>
+                        <a:tabLst/>
+                        <a:defRPr/>
+                      </a:pPr>
+                      <a:r>
+                        <a:rPr kumimoji="1" lang="en-US" altLang="ja-JP" sz="1600" b="0" dirty="0">
+                          <a:solidFill>
+                            <a:schemeClr val="tx1"/>
+                          </a:solidFill>
+                        </a:rPr>
+                        <a:t>Mad Mints 24 times faster</a:t>
+                      </a:r>
+                      <a:endParaRPr kumimoji="1" lang="ja-JP" altLang="en-US" sz="1600" b="0">
+                        <a:solidFill>
+                          <a:schemeClr val="tx1"/>
+                        </a:solidFill>
+                      </a:endParaRPr>
+                    </a:p>
+                  </a:txBody>
+                  <a:tcPr anchor="ctr">
+                    <a:lnL w="12700" cap="flat" cmpd="sng" algn="ctr">
+                      <a:solidFill>
+                        <a:schemeClr val="tx1">
+                          <a:lumMod val="50000"/>
+                          <a:lumOff val="50000"/>
+                        </a:schemeClr>
+                      </a:solidFill>
+                      <a:prstDash val="solid"/>
+                      <a:round/>
+                      <a:headEnd type="none" w="med" len="med"/>
+                      <a:tailEnd type="none" w="med" len="med"/>
+                    </a:lnL>
+                    <a:lnR w="12700" cap="flat" cmpd="sng" algn="ctr">
+                      <a:solidFill>
+                        <a:schemeClr val="tx1">
+                          <a:lumMod val="50000"/>
+                          <a:lumOff val="50000"/>
+                        </a:schemeClr>
+                      </a:solidFill>
+                      <a:prstDash val="solid"/>
+                      <a:round/>
+                      <a:headEnd type="none" w="med" len="med"/>
+                      <a:tailEnd type="none" w="med" len="med"/>
+                    </a:lnR>
+                    <a:lnT w="12700" cap="flat" cmpd="sng" algn="ctr">
+                      <a:solidFill>
+                        <a:schemeClr val="tx1">
+                          <a:lumMod val="50000"/>
+                          <a:lumOff val="50000"/>
+                        </a:schemeClr>
+                      </a:solidFill>
+                      <a:prstDash val="solid"/>
+                      <a:round/>
+                      <a:headEnd type="none" w="med" len="med"/>
+                      <a:tailEnd type="none" w="med" len="med"/>
+                    </a:lnT>
+                    <a:lnB w="12700" cap="flat" cmpd="sng" algn="ctr">
+                      <a:solidFill>
+                        <a:schemeClr val="tx1">
+                          <a:lumMod val="50000"/>
+                          <a:lumOff val="50000"/>
+                        </a:schemeClr>
+                      </a:solidFill>
+                      <a:prstDash val="solid"/>
+                      <a:round/>
+                      <a:headEnd type="none" w="med" len="med"/>
+                      <a:tailEnd type="none" w="med" len="med"/>
+                    </a:lnB>
+                    <a:noFill/>
+                  </a:tcPr>
+                </a:tc>
+                <a:extLst>
+                  <a:ext uri="{0D108BD9-81ED-4DB2-BD59-A6C34878D82A}">
+                    <a16:rowId xmlns:a16="http://schemas.microsoft.com/office/drawing/2014/main" val="1046344156"/>
+                  </a:ext>
+                </a:extLst>
+              </a:tr>
+              <a:tr h="878948">
+                <a:tc vMerge="1">
+                  <a:txBody>
+                    <a:bodyPr/>
+                    <a:lstStyle/>
+                    <a:p>
+                      <a:endParaRPr kumimoji="1" lang="ja-JP" altLang="en-US" sz="1600" b="0">
+                        <a:solidFill>
+                          <a:schemeClr val="tx1"/>
+                        </a:solidFill>
+                      </a:endParaRPr>
+                    </a:p>
+                  </a:txBody>
+                  <a:tcPr anchor="ctr">
+                    <a:lnL w="12700" cap="flat" cmpd="sng" algn="ctr">
+                      <a:solidFill>
+                        <a:schemeClr val="tx1">
+                          <a:lumMod val="50000"/>
+                          <a:lumOff val="50000"/>
+                        </a:schemeClr>
+                      </a:solidFill>
+                      <a:prstDash val="solid"/>
+                      <a:round/>
+                      <a:headEnd type="none" w="med" len="med"/>
+                      <a:tailEnd type="none" w="med" len="med"/>
+                    </a:lnL>
+                    <a:lnR w="12700" cap="flat" cmpd="sng" algn="ctr">
+                      <a:solidFill>
+                        <a:schemeClr val="tx1">
+                          <a:lumMod val="50000"/>
+                          <a:lumOff val="50000"/>
+                        </a:schemeClr>
+                      </a:solidFill>
+                      <a:prstDash val="solid"/>
+                      <a:round/>
+                      <a:headEnd type="none" w="med" len="med"/>
+                      <a:tailEnd type="none" w="med" len="med"/>
+                    </a:lnR>
+                    <a:lnT w="12700" cap="flat" cmpd="sng" algn="ctr">
+                      <a:solidFill>
+                        <a:schemeClr val="tx1">
+                          <a:lumMod val="50000"/>
+                          <a:lumOff val="50000"/>
+                        </a:schemeClr>
+                      </a:solidFill>
+                      <a:prstDash val="solid"/>
+                      <a:round/>
+                      <a:headEnd type="none" w="med" len="med"/>
+                      <a:tailEnd type="none" w="med" len="med"/>
+                    </a:lnT>
+                    <a:lnB w="12700" cap="flat" cmpd="sng" algn="ctr">
+                      <a:solidFill>
+                        <a:schemeClr val="tx1">
+                          <a:lumMod val="50000"/>
+                          <a:lumOff val="50000"/>
+                        </a:schemeClr>
+                      </a:solidFill>
+                      <a:prstDash val="solid"/>
+                      <a:round/>
+                      <a:headEnd type="none" w="med" len="med"/>
+                      <a:tailEnd type="none" w="med" len="med"/>
+                    </a:lnB>
+                    <a:noFill/>
+                  </a:tcPr>
+                </a:tc>
+                <a:tc>
+                  <a:txBody>
+                    <a:bodyPr/>
+                    <a:lstStyle/>
+                    <a:p>
+                      <a:r>
+                        <a:rPr kumimoji="1" lang="en-US" altLang="ja-JP" sz="1600" b="0" dirty="0">
+                          <a:solidFill>
+                            <a:srgbClr val="FF0000"/>
+                          </a:solidFill>
+                        </a:rPr>
+                        <a:t>1,000 NFTs</a:t>
+                      </a:r>
+                      <a:endParaRPr kumimoji="1" lang="ja-JP" altLang="en-US" sz="1600" b="0">
+                        <a:solidFill>
+                          <a:srgbClr val="FF0000"/>
+                        </a:solidFill>
+                      </a:endParaRPr>
+                    </a:p>
+                  </a:txBody>
+                  <a:tcPr anchor="ctr">
+                    <a:lnL w="12700" cap="flat" cmpd="sng" algn="ctr">
+                      <a:solidFill>
+                        <a:schemeClr val="tx1">
+                          <a:lumMod val="50000"/>
+                          <a:lumOff val="50000"/>
+                        </a:schemeClr>
+                      </a:solidFill>
+                      <a:prstDash val="solid"/>
+                      <a:round/>
+                      <a:headEnd type="none" w="med" len="med"/>
+                      <a:tailEnd type="none" w="med" len="med"/>
+                    </a:lnL>
+                    <a:lnR w="12700" cap="flat" cmpd="sng" algn="ctr">
+                      <a:solidFill>
+                        <a:schemeClr val="tx1">
+                          <a:lumMod val="50000"/>
+                          <a:lumOff val="50000"/>
+                        </a:schemeClr>
+                      </a:solidFill>
+                      <a:prstDash val="solid"/>
+                      <a:round/>
+                      <a:headEnd type="none" w="med" len="med"/>
+                      <a:tailEnd type="none" w="med" len="med"/>
+                    </a:lnR>
+                    <a:lnT w="12700" cap="flat" cmpd="sng" algn="ctr">
+                      <a:solidFill>
+                        <a:schemeClr val="tx1">
+                          <a:lumMod val="50000"/>
+                          <a:lumOff val="50000"/>
+                        </a:schemeClr>
+                      </a:solidFill>
+                      <a:prstDash val="solid"/>
+                      <a:round/>
+                      <a:headEnd type="none" w="med" len="med"/>
+                      <a:tailEnd type="none" w="med" len="med"/>
+                    </a:lnT>
+                    <a:lnB w="12700" cap="flat" cmpd="sng" algn="ctr">
+                      <a:solidFill>
+                        <a:schemeClr val="tx1">
+                          <a:lumMod val="50000"/>
+                          <a:lumOff val="50000"/>
+                        </a:schemeClr>
+                      </a:solidFill>
+                      <a:prstDash val="solid"/>
+                      <a:round/>
+                      <a:headEnd type="none" w="med" len="med"/>
+                      <a:tailEnd type="none" w="med" len="med"/>
+                    </a:lnB>
+                    <a:noFill/>
+                  </a:tcPr>
+                </a:tc>
+                <a:tc>
+                  <a:txBody>
+                    <a:bodyPr/>
+                    <a:lstStyle/>
+                    <a:p>
+                      <a:r>
+                        <a:rPr kumimoji="1" lang="en-US" altLang="ja-JP" sz="1600" b="0" dirty="0">
+                          <a:solidFill>
+                            <a:schemeClr val="tx1"/>
+                          </a:solidFill>
+                        </a:rPr>
+                        <a:t>17,000 </a:t>
+                      </a:r>
+                      <a:r>
+                        <a:rPr kumimoji="1" lang="en-US" altLang="ja-JP" sz="1600" b="0" dirty="0" err="1">
+                          <a:solidFill>
+                            <a:schemeClr val="tx1"/>
+                          </a:solidFill>
+                        </a:rPr>
+                        <a:t>ms</a:t>
+                      </a:r>
+                      <a:endParaRPr kumimoji="1" lang="ja-JP" altLang="en-US" sz="1600" b="0">
+                        <a:solidFill>
+                          <a:schemeClr val="tx1"/>
+                        </a:solidFill>
+                      </a:endParaRPr>
+                    </a:p>
+                  </a:txBody>
+                  <a:tcPr anchor="ctr">
+                    <a:lnL w="12700" cap="flat" cmpd="sng" algn="ctr">
+                      <a:solidFill>
+                        <a:schemeClr val="tx1">
+                          <a:lumMod val="50000"/>
+                          <a:lumOff val="50000"/>
+                        </a:schemeClr>
+                      </a:solidFill>
+                      <a:prstDash val="solid"/>
+                      <a:round/>
+                      <a:headEnd type="none" w="med" len="med"/>
+                      <a:tailEnd type="none" w="med" len="med"/>
+                    </a:lnL>
+                    <a:lnR w="12700" cap="flat" cmpd="sng" algn="ctr">
+                      <a:solidFill>
+                        <a:schemeClr val="tx1">
+                          <a:lumMod val="50000"/>
+                          <a:lumOff val="50000"/>
+                        </a:schemeClr>
+                      </a:solidFill>
+                      <a:prstDash val="solid"/>
+                      <a:round/>
+                      <a:headEnd type="none" w="med" len="med"/>
+                      <a:tailEnd type="none" w="med" len="med"/>
+                    </a:lnR>
+                    <a:lnT w="12700" cap="flat" cmpd="sng" algn="ctr">
+                      <a:solidFill>
+                        <a:schemeClr val="tx1">
+                          <a:lumMod val="50000"/>
+                          <a:lumOff val="50000"/>
+                        </a:schemeClr>
+                      </a:solidFill>
+                      <a:prstDash val="solid"/>
+                      <a:round/>
+                      <a:headEnd type="none" w="med" len="med"/>
+                      <a:tailEnd type="none" w="med" len="med"/>
+                    </a:lnT>
+                    <a:lnB w="12700" cap="flat" cmpd="sng" algn="ctr">
+                      <a:solidFill>
+                        <a:schemeClr val="tx1">
+                          <a:lumMod val="50000"/>
+                          <a:lumOff val="50000"/>
+                        </a:schemeClr>
+                      </a:solidFill>
+                      <a:prstDash val="solid"/>
+                      <a:round/>
+                      <a:headEnd type="none" w="med" len="med"/>
+                      <a:tailEnd type="none" w="med" len="med"/>
+                    </a:lnB>
+                    <a:noFill/>
+                  </a:tcPr>
+                </a:tc>
+                <a:tc>
+                  <a:txBody>
+                    <a:bodyPr/>
+                    <a:lstStyle/>
+                    <a:p>
+                      <a:r>
+                        <a:rPr kumimoji="1" lang="en-US" altLang="ja-JP" sz="1600" b="0" dirty="0">
+                          <a:solidFill>
+                            <a:schemeClr val="tx1"/>
+                          </a:solidFill>
+                        </a:rPr>
+                        <a:t>460,000 </a:t>
+                      </a:r>
+                      <a:r>
+                        <a:rPr kumimoji="1" lang="en-US" altLang="ja-JP" sz="1600" b="0" dirty="0" err="1">
+                          <a:solidFill>
+                            <a:schemeClr val="tx1"/>
+                          </a:solidFill>
+                        </a:rPr>
+                        <a:t>ms</a:t>
+                      </a:r>
+                      <a:endParaRPr kumimoji="1" lang="ja-JP" altLang="en-US" sz="1600" b="0">
+                        <a:solidFill>
+                          <a:schemeClr val="tx1"/>
+                        </a:solidFill>
+                      </a:endParaRPr>
+                    </a:p>
+                  </a:txBody>
+                  <a:tcPr anchor="ctr">
+                    <a:lnL w="12700" cap="flat" cmpd="sng" algn="ctr">
+                      <a:solidFill>
+                        <a:schemeClr val="tx1">
+                          <a:lumMod val="50000"/>
+                          <a:lumOff val="50000"/>
+                        </a:schemeClr>
+                      </a:solidFill>
+                      <a:prstDash val="solid"/>
+                      <a:round/>
+                      <a:headEnd type="none" w="med" len="med"/>
+                      <a:tailEnd type="none" w="med" len="med"/>
+                    </a:lnL>
+                    <a:lnR w="12700" cap="flat" cmpd="sng" algn="ctr">
+                      <a:solidFill>
+                        <a:schemeClr val="tx1">
+                          <a:lumMod val="50000"/>
+                          <a:lumOff val="50000"/>
+                        </a:schemeClr>
+                      </a:solidFill>
+                      <a:prstDash val="solid"/>
+                      <a:round/>
+                      <a:headEnd type="none" w="med" len="med"/>
+                      <a:tailEnd type="none" w="med" len="med"/>
+                    </a:lnR>
+                    <a:lnT w="12700" cap="flat" cmpd="sng" algn="ctr">
+                      <a:solidFill>
+                        <a:schemeClr val="tx1">
+                          <a:lumMod val="50000"/>
+                          <a:lumOff val="50000"/>
+                        </a:schemeClr>
+                      </a:solidFill>
+                      <a:prstDash val="solid"/>
+                      <a:round/>
+                      <a:headEnd type="none" w="med" len="med"/>
+                      <a:tailEnd type="none" w="med" len="med"/>
+                    </a:lnT>
+                    <a:lnB w="12700" cap="flat" cmpd="sng" algn="ctr">
+                      <a:solidFill>
+                        <a:schemeClr val="tx1">
+                          <a:lumMod val="50000"/>
+                          <a:lumOff val="50000"/>
+                        </a:schemeClr>
+                      </a:solidFill>
+                      <a:prstDash val="solid"/>
+                      <a:round/>
+                      <a:headEnd type="none" w="med" len="med"/>
+                      <a:tailEnd type="none" w="med" len="med"/>
+                    </a:lnB>
+                    <a:noFill/>
+                  </a:tcPr>
+                </a:tc>
+                <a:tc>
+                  <a:txBody>
+                    <a:bodyPr/>
+                    <a:lstStyle/>
+                    <a:p>
+                      <a:pPr marL="0" marR="0" lvl="0" indent="0" algn="l" defTabSz="914400" rtl="0" eaLnBrk="1" fontAlgn="auto" latinLnBrk="0" hangingPunct="1">
+                        <a:lnSpc>
+                          <a:spcPct val="100000"/>
+                        </a:lnSpc>
+                        <a:spcBef>
+                          <a:spcPts val="0"/>
+                        </a:spcBef>
+                        <a:spcAft>
+                          <a:spcPts val="0"/>
+                        </a:spcAft>
+                        <a:buClrTx/>
+                        <a:buSzTx/>
+                        <a:buFontTx/>
+                        <a:buNone/>
+                        <a:tabLst/>
+                        <a:defRPr/>
+                      </a:pPr>
+                      <a:r>
+                        <a:rPr kumimoji="1" lang="en-US" altLang="ja-JP" sz="1600" b="0" dirty="0">
+                          <a:solidFill>
+                            <a:srgbClr val="FF0000"/>
+                          </a:solidFill>
+                        </a:rPr>
+                        <a:t>Mad Mints 27 times faster</a:t>
+                      </a:r>
+                      <a:endParaRPr kumimoji="1" lang="ja-JP" altLang="en-US" sz="1600" b="0">
+                        <a:solidFill>
+                          <a:srgbClr val="FF0000"/>
+                        </a:solidFill>
+                      </a:endParaRPr>
+                    </a:p>
+                  </a:txBody>
+                  <a:tcPr anchor="ctr">
+                    <a:lnL w="12700" cap="flat" cmpd="sng" algn="ctr">
+                      <a:solidFill>
+                        <a:schemeClr val="tx1">
+                          <a:lumMod val="50000"/>
+                          <a:lumOff val="50000"/>
+                        </a:schemeClr>
+                      </a:solidFill>
+                      <a:prstDash val="solid"/>
+                      <a:round/>
+                      <a:headEnd type="none" w="med" len="med"/>
+                      <a:tailEnd type="none" w="med" len="med"/>
+                    </a:lnL>
+                    <a:lnR w="12700" cap="flat" cmpd="sng" algn="ctr">
+                      <a:solidFill>
+                        <a:schemeClr val="tx1">
+                          <a:lumMod val="50000"/>
+                          <a:lumOff val="50000"/>
+                        </a:schemeClr>
+                      </a:solidFill>
+                      <a:prstDash val="solid"/>
+                      <a:round/>
+                      <a:headEnd type="none" w="med" len="med"/>
+                      <a:tailEnd type="none" w="med" len="med"/>
+                    </a:lnR>
+                    <a:lnT w="12700" cap="flat" cmpd="sng" algn="ctr">
+                      <a:solidFill>
+                        <a:schemeClr val="tx1">
+                          <a:lumMod val="50000"/>
+                          <a:lumOff val="50000"/>
+                        </a:schemeClr>
+                      </a:solidFill>
+                      <a:prstDash val="solid"/>
+                      <a:round/>
+                      <a:headEnd type="none" w="med" len="med"/>
+                      <a:tailEnd type="none" w="med" len="med"/>
+                    </a:lnT>
+                    <a:lnB w="12700" cap="flat" cmpd="sng" algn="ctr">
+                      <a:solidFill>
+                        <a:schemeClr val="tx1">
+                          <a:lumMod val="50000"/>
+                          <a:lumOff val="50000"/>
+                        </a:schemeClr>
+                      </a:solidFill>
+                      <a:prstDash val="solid"/>
+                      <a:round/>
+                      <a:headEnd type="none" w="med" len="med"/>
+                      <a:tailEnd type="none" w="med" len="med"/>
+                    </a:lnB>
+                    <a:noFill/>
+                  </a:tcPr>
+                </a:tc>
+                <a:extLst>
+                  <a:ext uri="{0D108BD9-81ED-4DB2-BD59-A6C34878D82A}">
+                    <a16:rowId xmlns:a16="http://schemas.microsoft.com/office/drawing/2014/main" val="2906060762"/>
+                  </a:ext>
+                </a:extLst>
+              </a:tr>
+            </a:tbl>
+          </a:graphicData>
+        </a:graphic>
+      </p:graphicFrame>
+      <p:sp>
+        <p:nvSpPr>
+          <p:cNvPr id="10" name="テキスト ボックス 9">
+            <a:extLst>
+              <a:ext uri="{FF2B5EF4-FFF2-40B4-BE49-F238E27FC236}">
+                <a16:creationId xmlns:a16="http://schemas.microsoft.com/office/drawing/2014/main" id="{A12C71F0-9D3A-93A8-D0C4-E2AD27D3FD67}"/>
+              </a:ext>
+            </a:extLst>
+          </p:cNvPr>
+          <p:cNvSpPr txBox="1"/>
+          <p:nvPr/>
+        </p:nvSpPr>
+        <p:spPr>
+          <a:xfrm>
+            <a:off x="838200" y="5932170"/>
+            <a:ext cx="10515600" cy="457200"/>
+          </a:xfrm>
+          <a:prstGeom prst="rect">
+            <a:avLst/>
+          </a:prstGeom>
+          <a:noFill/>
+        </p:spPr>
+        <p:txBody>
+          <a:bodyPr wrap="square" rtlCol="0">
+            <a:noAutofit/>
+          </a:bodyPr>
+          <a:lstStyle/>
+          <a:p>
+            <a:r>
+              <a:rPr kumimoji="1" lang="en-US" altLang="ja-JP" sz="1200" dirty="0"/>
+              <a:t>*1 Using </a:t>
+            </a:r>
+            <a:r>
+              <a:rPr kumimoji="1" lang="en-US" altLang="ja-JP" sz="1200" dirty="0" err="1"/>
+              <a:t>Metaplex</a:t>
+            </a:r>
+            <a:r>
+              <a:rPr kumimoji="1" lang="en-US" altLang="ja-JP" sz="1200" dirty="0"/>
+              <a:t> JavaScript SDK.</a:t>
+            </a:r>
+          </a:p>
+          <a:p>
+            <a:r>
+              <a:rPr kumimoji="1" lang="en-US" altLang="ja-JP" sz="1200" dirty="0"/>
+              <a:t>*2 Use </a:t>
+            </a:r>
+            <a:r>
+              <a:rPr kumimoji="1" lang="en-US" altLang="ja-JP" sz="1200" dirty="0" err="1"/>
+              <a:t>performance.now</a:t>
+            </a:r>
+            <a:r>
+              <a:rPr kumimoji="1" lang="en-US" altLang="ja-JP" sz="1200" dirty="0"/>
+              <a:t> method of JS using Solana Test Validator v 1.15.2. macOS Monterey 12.6.5, MacBook Pro (13-inch, 2018), 2.7 GHz Core i7, Memory 16 GB</a:t>
+            </a:r>
+            <a:endParaRPr kumimoji="1" lang="ja-JP" altLang="en-US" sz="1200" dirty="0"/>
+          </a:p>
+        </p:txBody>
+      </p:sp>
+      <p:sp>
+        <p:nvSpPr>
+          <p:cNvPr id="3" name="テキスト ボックス 2">
+            <a:extLst>
+              <a:ext uri="{FF2B5EF4-FFF2-40B4-BE49-F238E27FC236}">
+                <a16:creationId xmlns:a16="http://schemas.microsoft.com/office/drawing/2014/main" id="{B66D550E-9D39-E8B2-BEFF-6191E1275EF3}"/>
+              </a:ext>
+            </a:extLst>
+          </p:cNvPr>
+          <p:cNvSpPr txBox="1"/>
+          <p:nvPr/>
+        </p:nvSpPr>
+        <p:spPr>
+          <a:xfrm>
+            <a:off x="10729139" y="9225"/>
+            <a:ext cx="1443600" cy="315912"/>
+          </a:xfrm>
+          <a:prstGeom prst="rect">
+            <a:avLst/>
+          </a:prstGeom>
+          <a:noFill/>
+        </p:spPr>
+        <p:txBody>
+          <a:bodyPr wrap="square" rtlCol="0">
+            <a:noAutofit/>
+          </a:bodyPr>
+          <a:lstStyle/>
+          <a:p>
+            <a:pPr algn="r"/>
+            <a:r>
+              <a:rPr kumimoji="1" lang="en-US" altLang="ja-JP" sz="1200" dirty="0"/>
+              <a:t>JST May 28 2023</a:t>
+            </a:r>
+            <a:endParaRPr kumimoji="1" lang="ja-JP" altLang="en-US" sz="1200" dirty="0"/>
+          </a:p>
+        </p:txBody>
+      </p:sp>
+      <p:pic>
+        <p:nvPicPr>
+          <p:cNvPr id="6" name="図 5">
+            <a:extLst>
+              <a:ext uri="{FF2B5EF4-FFF2-40B4-BE49-F238E27FC236}">
+                <a16:creationId xmlns:a16="http://schemas.microsoft.com/office/drawing/2014/main" id="{5B5B1581-2DEF-2171-78E4-6A9C0491C401}"/>
+              </a:ext>
+            </a:extLst>
+          </p:cNvPr>
+          <p:cNvPicPr>
+            <a:picLocks noChangeAspect="1"/>
+          </p:cNvPicPr>
+          <p:nvPr/>
+        </p:nvPicPr>
+        <p:blipFill>
+          <a:blip r:embed="rId2" cstate="screen">
+            <a:extLst>
+              <a:ext uri="{28A0092B-C50C-407E-A947-70E740481C1C}">
+                <a14:useLocalDpi xmlns:a14="http://schemas.microsoft.com/office/drawing/2010/main"/>
+              </a:ext>
+            </a:extLst>
+          </a:blip>
+          <a:stretch>
+            <a:fillRect/>
+          </a:stretch>
+        </p:blipFill>
+        <p:spPr>
+          <a:xfrm>
+            <a:off x="838200" y="908341"/>
+            <a:ext cx="4693920" cy="1249827"/>
+          </a:xfrm>
+          <a:prstGeom prst="rect">
+            <a:avLst/>
+          </a:prstGeom>
+        </p:spPr>
+      </p:pic>
+      <p:sp>
+        <p:nvSpPr>
+          <p:cNvPr id="9" name="正方形/長方形 8">
+            <a:extLst>
+              <a:ext uri="{FF2B5EF4-FFF2-40B4-BE49-F238E27FC236}">
+                <a16:creationId xmlns:a16="http://schemas.microsoft.com/office/drawing/2014/main" id="{3572253C-1EB2-79D5-7844-AE24337E9152}"/>
+              </a:ext>
+            </a:extLst>
+          </p:cNvPr>
+          <p:cNvSpPr/>
+          <p:nvPr/>
+        </p:nvSpPr>
+        <p:spPr>
+          <a:xfrm>
+            <a:off x="4305300" y="1245870"/>
+            <a:ext cx="845820" cy="1003139"/>
+          </a:xfrm>
+          <a:prstGeom prst="rect">
+            <a:avLst/>
+          </a:prstGeom>
+          <a:noFill/>
+          <a:ln>
+            <a:solidFill>
+              <a:srgbClr val="FF0000"/>
+            </a:solidFill>
+          </a:ln>
+        </p:spPr>
+        <p:style>
+          <a:lnRef idx="2">
+            <a:schemeClr val="accent1">
+              <a:shade val="50000"/>
+            </a:schemeClr>
+          </a:lnRef>
+          <a:fillRef idx="1">
+            <a:schemeClr val="accent1"/>
+          </a:fillRef>
+          <a:effectRef idx="0">
+            <a:schemeClr val="accent1"/>
+          </a:effectRef>
+          <a:fontRef idx="minor">
+            <a:schemeClr val="lt1"/>
+          </a:fontRef>
+        </p:style>
+        <p:txBody>
+          <a:bodyPr rtlCol="0" anchor="ctr"/>
+          <a:lstStyle/>
+          <a:p>
+            <a:pPr algn="ctr"/>
+            <a:endParaRPr kumimoji="1" lang="ja-JP" altLang="en-US" sz="1600">
+              <a:solidFill>
+                <a:schemeClr val="tx1"/>
+              </a:solidFill>
+            </a:endParaRPr>
+          </a:p>
+        </p:txBody>
+      </p:sp>
+      <p:sp>
+        <p:nvSpPr>
+          <p:cNvPr id="12" name="テキスト ボックス 11">
+            <a:extLst>
+              <a:ext uri="{FF2B5EF4-FFF2-40B4-BE49-F238E27FC236}">
+                <a16:creationId xmlns:a16="http://schemas.microsoft.com/office/drawing/2014/main" id="{F7A31A3A-A292-E95F-66EC-4E928A76FF16}"/>
+              </a:ext>
+            </a:extLst>
+          </p:cNvPr>
+          <p:cNvSpPr txBox="1"/>
+          <p:nvPr/>
+        </p:nvSpPr>
+        <p:spPr>
+          <a:xfrm>
+            <a:off x="5151120" y="1495979"/>
+            <a:ext cx="1283880" cy="502920"/>
+          </a:xfrm>
+          <a:prstGeom prst="rect">
+            <a:avLst/>
+          </a:prstGeom>
+          <a:noFill/>
+        </p:spPr>
+        <p:txBody>
+          <a:bodyPr wrap="square" rtlCol="0">
+            <a:noAutofit/>
+          </a:bodyPr>
+          <a:lstStyle/>
+          <a:p>
+            <a:pPr algn="ctr"/>
+            <a:r>
+              <a:rPr kumimoji="1" lang="en-US" altLang="ja-JP" sz="1200" dirty="0">
+                <a:solidFill>
+                  <a:srgbClr val="FF0000"/>
+                </a:solidFill>
+              </a:rPr>
+              <a:t>Speed test scope of Mad Mints</a:t>
+            </a:r>
+            <a:endParaRPr kumimoji="1" lang="ja-JP" altLang="en-US" sz="1200" dirty="0">
+              <a:solidFill>
+                <a:srgbClr val="FF0000"/>
+              </a:solidFill>
+            </a:endParaRPr>
+          </a:p>
+        </p:txBody>
+      </p:sp>
+      <p:sp>
+        <p:nvSpPr>
+          <p:cNvPr id="7" name="正方形/長方形 6">
+            <a:extLst>
+              <a:ext uri="{FF2B5EF4-FFF2-40B4-BE49-F238E27FC236}">
+                <a16:creationId xmlns:a16="http://schemas.microsoft.com/office/drawing/2014/main" id="{DD011DDB-B9BD-D5A5-E04D-10556CEF6FE4}"/>
+              </a:ext>
+            </a:extLst>
+          </p:cNvPr>
+          <p:cNvSpPr/>
+          <p:nvPr/>
+        </p:nvSpPr>
+        <p:spPr>
+          <a:xfrm>
+            <a:off x="2339340" y="1245870"/>
+            <a:ext cx="845820" cy="1003139"/>
+          </a:xfrm>
+          <a:prstGeom prst="rect">
+            <a:avLst/>
+          </a:prstGeom>
+          <a:noFill/>
+          <a:ln>
+            <a:solidFill>
+              <a:srgbClr val="FF0000"/>
+            </a:solidFill>
+          </a:ln>
+        </p:spPr>
+        <p:style>
+          <a:lnRef idx="2">
+            <a:schemeClr val="accent1">
+              <a:shade val="50000"/>
+            </a:schemeClr>
+          </a:lnRef>
+          <a:fillRef idx="1">
+            <a:schemeClr val="accent1"/>
+          </a:fillRef>
+          <a:effectRef idx="0">
+            <a:schemeClr val="accent1"/>
+          </a:effectRef>
+          <a:fontRef idx="minor">
+            <a:schemeClr val="lt1"/>
+          </a:fontRef>
+        </p:style>
+        <p:txBody>
+          <a:bodyPr rtlCol="0" anchor="ctr"/>
+          <a:lstStyle/>
+          <a:p>
+            <a:pPr algn="ctr"/>
+            <a:endParaRPr kumimoji="1" lang="ja-JP" altLang="en-US" sz="1600">
+              <a:solidFill>
+                <a:schemeClr val="tx1"/>
+              </a:solidFill>
+            </a:endParaRPr>
+          </a:p>
+        </p:txBody>
+      </p:sp>
+    </p:spTree>
+    <p:extLst>
+      <p:ext uri="{BB962C8B-B14F-4D97-AF65-F5344CB8AC3E}">
+        <p14:creationId xmlns:p14="http://schemas.microsoft.com/office/powerpoint/2010/main" val="938710538"/>
+      </p:ext>
+    </p:extLst>
+  </p:cSld>
+  <p:clrMapOvr>
+    <a:masterClrMapping/>
+  </p:clrMapOvr>
+</p:sld>
+</file>
+
+<file path=ppt/slides/slide6.xml><?xml version="1.0" encoding="utf-8"?>
+<p:sld xmlns:a="http://schemas.openxmlformats.org/drawingml/2006/main" xmlns:r="http://schemas.openxmlformats.org/officeDocument/2006/relationships" xmlns:p="http://schemas.openxmlformats.org/presentationml/2006/main">
+  <p:cSld>
+    <p:spTree>
+      <p:nvGrpSpPr>
+        <p:cNvPr id="1" name=""/>
+        <p:cNvGrpSpPr/>
+        <p:nvPr/>
+      </p:nvGrpSpPr>
+      <p:grpSpPr>
+        <a:xfrm>
+          <a:off x="0" y="0"/>
+          <a:ext cx="0" cy="0"/>
+          <a:chOff x="0" y="0"/>
+          <a:chExt cx="0" cy="0"/>
+        </a:xfrm>
+      </p:grpSpPr>
+      <p:sp>
+        <p:nvSpPr>
+          <p:cNvPr id="2" name="タイトル 1">
+            <a:extLst>
+              <a:ext uri="{FF2B5EF4-FFF2-40B4-BE49-F238E27FC236}">
+                <a16:creationId xmlns:a16="http://schemas.microsoft.com/office/drawing/2014/main" id="{13C51C0C-3161-ADEB-5017-D8AA808A80C0}"/>
+              </a:ext>
+            </a:extLst>
+          </p:cNvPr>
+          <p:cNvSpPr>
+            <a:spLocks noGrp="1"/>
+          </p:cNvSpPr>
+          <p:nvPr>
+            <p:ph type="title"/>
+          </p:nvPr>
+        </p:nvSpPr>
+        <p:spPr/>
+        <p:txBody>
+          <a:bodyPr/>
+          <a:lstStyle/>
+          <a:p>
+            <a:r>
+              <a:rPr kumimoji="1" lang="en-US" altLang="ja-JP" dirty="0"/>
+              <a:t>Transfer SOL - Speed Test Result (rough estimate)</a:t>
+            </a:r>
+            <a:endParaRPr kumimoji="1" lang="ja-JP" altLang="en-US"/>
+          </a:p>
+        </p:txBody>
+      </p:sp>
+      <p:sp>
+        <p:nvSpPr>
+          <p:cNvPr id="4" name="フッター プレースホルダー 3">
+            <a:extLst>
+              <a:ext uri="{FF2B5EF4-FFF2-40B4-BE49-F238E27FC236}">
+                <a16:creationId xmlns:a16="http://schemas.microsoft.com/office/drawing/2014/main" id="{4C218ADF-6D11-9355-D8BB-E4DB9265E7A6}"/>
+              </a:ext>
+            </a:extLst>
+          </p:cNvPr>
+          <p:cNvSpPr>
+            <a:spLocks noGrp="1"/>
+          </p:cNvSpPr>
+          <p:nvPr>
+            <p:ph type="ftr" sz="quarter" idx="11"/>
+          </p:nvPr>
+        </p:nvSpPr>
+        <p:spPr/>
+        <p:txBody>
+          <a:bodyPr/>
+          <a:lstStyle/>
+          <a:p>
+            <a:r>
+              <a:rPr kumimoji="1" lang="en-US" altLang="ja-JP"/>
+              <a:t>256hax</a:t>
+            </a:r>
+            <a:endParaRPr kumimoji="1" lang="ja-JP" altLang="en-US"/>
+          </a:p>
+        </p:txBody>
+      </p:sp>
+      <p:sp>
+        <p:nvSpPr>
+          <p:cNvPr id="5" name="スライド番号プレースホルダー 4">
+            <a:extLst>
+              <a:ext uri="{FF2B5EF4-FFF2-40B4-BE49-F238E27FC236}">
+                <a16:creationId xmlns:a16="http://schemas.microsoft.com/office/drawing/2014/main" id="{DD9DD953-7F72-CB4C-C8A1-FAE575F11739}"/>
+              </a:ext>
+            </a:extLst>
+          </p:cNvPr>
+          <p:cNvSpPr>
+            <a:spLocks noGrp="1"/>
+          </p:cNvSpPr>
+          <p:nvPr>
+            <p:ph type="sldNum" sz="quarter" idx="12"/>
+          </p:nvPr>
+        </p:nvSpPr>
+        <p:spPr/>
+        <p:txBody>
+          <a:bodyPr/>
+          <a:lstStyle/>
+          <a:p>
+            <a:fld id="{51BE5F08-58E8-9243-A834-2B76637F595D}" type="slidenum">
+              <a:rPr kumimoji="1" lang="ja-JP" altLang="en-US" smtClean="0"/>
+              <a:pPr/>
+              <a:t>5</a:t>
+            </a:fld>
+            <a:endParaRPr kumimoji="1" lang="ja-JP" altLang="en-US"/>
+          </a:p>
+        </p:txBody>
+      </p:sp>
+      <p:graphicFrame>
+        <p:nvGraphicFramePr>
+          <p:cNvPr id="8" name="表 8">
+            <a:extLst>
+              <a:ext uri="{FF2B5EF4-FFF2-40B4-BE49-F238E27FC236}">
+                <a16:creationId xmlns:a16="http://schemas.microsoft.com/office/drawing/2014/main" id="{C74D9FA4-AD55-0386-F6F5-350692C3898E}"/>
+              </a:ext>
+            </a:extLst>
+          </p:cNvPr>
+          <p:cNvGraphicFramePr>
+            <a:graphicFrameLocks noGrp="1"/>
+          </p:cNvGraphicFramePr>
+          <p:nvPr>
+            <p:extLst>
+              <p:ext uri="{D42A27DB-BD31-4B8C-83A1-F6EECF244321}">
+                <p14:modId xmlns:p14="http://schemas.microsoft.com/office/powerpoint/2010/main" val="3255808025"/>
+              </p:ext>
+            </p:extLst>
+          </p:nvPr>
+        </p:nvGraphicFramePr>
+        <p:xfrm>
+          <a:off x="838199" y="2406664"/>
+          <a:ext cx="10515598" cy="3434665"/>
+        </p:xfrm>
+        <a:graphic>
+          <a:graphicData uri="http://schemas.openxmlformats.org/drawingml/2006/table">
+            <a:tbl>
+              <a:tblPr firstRow="1" bandRow="1">
+                <a:tableStyleId>{5C22544A-7EE6-4342-B048-85BDC9FD1C3A}</a:tableStyleId>
+              </a:tblPr>
+              <a:tblGrid>
+                <a:gridCol w="1504951">
+                  <a:extLst>
+                    <a:ext uri="{9D8B030D-6E8A-4147-A177-3AD203B41FA5}">
+                      <a16:colId xmlns:a16="http://schemas.microsoft.com/office/drawing/2014/main" val="4087078282"/>
+                    </a:ext>
+                  </a:extLst>
+                </a:gridCol>
+                <a:gridCol w="1623060">
+                  <a:extLst>
+                    <a:ext uri="{9D8B030D-6E8A-4147-A177-3AD203B41FA5}">
+                      <a16:colId xmlns:a16="http://schemas.microsoft.com/office/drawing/2014/main" val="204185658"/>
+                    </a:ext>
+                  </a:extLst>
+                </a:gridCol>
+                <a:gridCol w="2462529">
+                  <a:extLst>
+                    <a:ext uri="{9D8B030D-6E8A-4147-A177-3AD203B41FA5}">
+                      <a16:colId xmlns:a16="http://schemas.microsoft.com/office/drawing/2014/main" val="700433279"/>
+                    </a:ext>
+                  </a:extLst>
+                </a:gridCol>
+                <a:gridCol w="2462529">
+                  <a:extLst>
+                    <a:ext uri="{9D8B030D-6E8A-4147-A177-3AD203B41FA5}">
+                      <a16:colId xmlns:a16="http://schemas.microsoft.com/office/drawing/2014/main" val="1873199393"/>
+                    </a:ext>
+                  </a:extLst>
+                </a:gridCol>
+                <a:gridCol w="2462529">
+                  <a:extLst>
+                    <a:ext uri="{9D8B030D-6E8A-4147-A177-3AD203B41FA5}">
+                      <a16:colId xmlns:a16="http://schemas.microsoft.com/office/drawing/2014/main" val="2842205569"/>
+                    </a:ext>
+                  </a:extLst>
+                </a:gridCol>
+              </a:tblGrid>
+              <a:tr h="462541">
+                <a:tc rowSpan="2" gridSpan="2">
+                  <a:txBody>
+                    <a:bodyPr/>
+                    <a:lstStyle/>
+                    <a:p>
+                      <a:pPr marL="0" marR="0" indent="0" algn="l" defTabSz="914400" rtl="0" eaLnBrk="1" fontAlgn="auto" latinLnBrk="0" hangingPunct="1">
+                        <a:lnSpc>
+                          <a:spcPct val="100000"/>
+                        </a:lnSpc>
+                        <a:spcBef>
+                          <a:spcPts val="0"/>
+                        </a:spcBef>
+                        <a:spcAft>
+                          <a:spcPts val="0"/>
+                        </a:spcAft>
+                        <a:buClrTx/>
+                        <a:buSzTx/>
+                        <a:buFontTx/>
+                        <a:buNone/>
+                        <a:tabLst/>
+                        <a:defRPr/>
+                      </a:pPr>
+                      <a:r>
+                        <a:rPr kumimoji="1" lang="en-US" altLang="ja-JP" sz="1600" b="0" dirty="0">
+                          <a:solidFill>
+                            <a:schemeClr val="bg1"/>
+                          </a:solidFill>
+                        </a:rPr>
+                        <a:t>Number of Instructions per transaction *1</a:t>
+                      </a:r>
+                      <a:endParaRPr kumimoji="1" lang="ja-JP" altLang="en-US" sz="1600" b="0">
+                        <a:solidFill>
+                          <a:schemeClr val="bg1"/>
+                        </a:solidFill>
+                      </a:endParaRPr>
+                    </a:p>
+                  </a:txBody>
+                  <a:tcPr anchor="ctr">
+                    <a:lnL w="12700" cap="flat" cmpd="sng" algn="ctr">
+                      <a:solidFill>
+                        <a:schemeClr val="tx1">
+                          <a:lumMod val="50000"/>
+                          <a:lumOff val="50000"/>
+                        </a:schemeClr>
+                      </a:solidFill>
+                      <a:prstDash val="solid"/>
+                      <a:round/>
+                      <a:headEnd type="none" w="med" len="med"/>
+                      <a:tailEnd type="none" w="med" len="med"/>
+                    </a:lnL>
+                    <a:lnR w="12700" cap="flat" cmpd="sng" algn="ctr">
+                      <a:solidFill>
+                        <a:schemeClr val="tx1">
+                          <a:lumMod val="50000"/>
+                          <a:lumOff val="50000"/>
+                        </a:schemeClr>
+                      </a:solidFill>
+                      <a:prstDash val="solid"/>
+                      <a:round/>
+                      <a:headEnd type="none" w="med" len="med"/>
+                      <a:tailEnd type="none" w="med" len="med"/>
+                    </a:lnR>
+                    <a:lnT w="12700" cap="flat" cmpd="sng" algn="ctr">
+                      <a:solidFill>
+                        <a:schemeClr val="tx1">
+                          <a:lumMod val="50000"/>
+                          <a:lumOff val="50000"/>
+                        </a:schemeClr>
+                      </a:solidFill>
+                      <a:prstDash val="solid"/>
+                      <a:round/>
+                      <a:headEnd type="none" w="med" len="med"/>
+                      <a:tailEnd type="none" w="med" len="med"/>
+                    </a:lnT>
+                    <a:lnB w="12700" cap="flat" cmpd="sng" algn="ctr">
+                      <a:solidFill>
+                        <a:schemeClr val="tx1">
+                          <a:lumMod val="50000"/>
+                          <a:lumOff val="50000"/>
+                        </a:schemeClr>
+                      </a:solidFill>
+                      <a:prstDash val="solid"/>
+                      <a:round/>
+                      <a:headEnd type="none" w="med" len="med"/>
+                      <a:tailEnd type="none" w="med" len="med"/>
+                    </a:lnB>
+                    <a:solidFill>
+                      <a:schemeClr val="tx1"/>
+                    </a:solidFill>
+                  </a:tcPr>
+                </a:tc>
+                <a:tc rowSpan="2" hMerge="1">
+                  <a:txBody>
+                    <a:bodyPr/>
+                    <a:lstStyle/>
+                    <a:p>
+                      <a:endParaRPr kumimoji="1" lang="ja-JP" altLang="en-US" sz="1600" b="0">
+                        <a:solidFill>
+                          <a:schemeClr val="bg1"/>
+                        </a:solidFill>
+                      </a:endParaRPr>
+                    </a:p>
+                  </a:txBody>
+                  <a:tcPr anchor="ctr">
+                    <a:lnL w="12700" cap="flat" cmpd="sng" algn="ctr">
+                      <a:solidFill>
+                        <a:schemeClr val="tx1">
+                          <a:lumMod val="50000"/>
+                          <a:lumOff val="50000"/>
+                        </a:schemeClr>
+                      </a:solidFill>
+                      <a:prstDash val="solid"/>
+                      <a:round/>
+                      <a:headEnd type="none" w="med" len="med"/>
+                      <a:tailEnd type="none" w="med" len="med"/>
+                    </a:lnL>
+                    <a:lnR w="12700" cap="flat" cmpd="sng" algn="ctr">
+                      <a:solidFill>
+                        <a:schemeClr val="tx1">
+                          <a:lumMod val="50000"/>
+                          <a:lumOff val="50000"/>
+                        </a:schemeClr>
+                      </a:solidFill>
+                      <a:prstDash val="solid"/>
+                      <a:round/>
+                      <a:headEnd type="none" w="med" len="med"/>
+                      <a:tailEnd type="none" w="med" len="med"/>
+                    </a:lnR>
+                    <a:lnT w="12700" cap="flat" cmpd="sng" algn="ctr">
+                      <a:solidFill>
+                        <a:schemeClr val="tx1">
+                          <a:lumMod val="50000"/>
+                          <a:lumOff val="50000"/>
+                        </a:schemeClr>
+                      </a:solidFill>
+                      <a:prstDash val="solid"/>
+                      <a:round/>
+                      <a:headEnd type="none" w="med" len="med"/>
+                      <a:tailEnd type="none" w="med" len="med"/>
+                    </a:lnT>
+                    <a:lnB w="12700" cap="flat" cmpd="sng" algn="ctr">
+                      <a:solidFill>
+                        <a:schemeClr val="tx1">
+                          <a:lumMod val="50000"/>
+                          <a:lumOff val="50000"/>
+                        </a:schemeClr>
+                      </a:solidFill>
+                      <a:prstDash val="solid"/>
+                      <a:round/>
+                      <a:headEnd type="none" w="med" len="med"/>
+                      <a:tailEnd type="none" w="med" len="med"/>
+                    </a:lnB>
+                    <a:solidFill>
+                      <a:schemeClr val="tx1"/>
+                    </a:solidFill>
+                  </a:tcPr>
+                </a:tc>
+                <a:tc>
+                  <a:txBody>
+                    <a:bodyPr/>
+                    <a:lstStyle/>
+                    <a:p>
+                      <a:r>
+                        <a:rPr kumimoji="1" lang="en-US" altLang="ja-JP" sz="1600" b="0" dirty="0">
+                          <a:solidFill>
+                            <a:schemeClr val="bg1"/>
+                          </a:solidFill>
+                        </a:rPr>
+                        <a:t>Mad Mints</a:t>
+                      </a:r>
+                      <a:endParaRPr kumimoji="1" lang="ja-JP" altLang="en-US" sz="1600" b="0">
+                        <a:solidFill>
+                          <a:schemeClr val="bg1"/>
+                        </a:solidFill>
+                      </a:endParaRPr>
+                    </a:p>
+                  </a:txBody>
+                  <a:tcPr anchor="ctr">
+                    <a:lnL w="12700" cap="flat" cmpd="sng" algn="ctr">
+                      <a:solidFill>
+                        <a:schemeClr val="tx1">
+                          <a:lumMod val="50000"/>
+                          <a:lumOff val="50000"/>
+                        </a:schemeClr>
+                      </a:solidFill>
+                      <a:prstDash val="solid"/>
+                      <a:round/>
+                      <a:headEnd type="none" w="med" len="med"/>
+                      <a:tailEnd type="none" w="med" len="med"/>
+                    </a:lnL>
+                    <a:lnR w="12700" cap="flat" cmpd="sng" algn="ctr">
+                      <a:solidFill>
+                        <a:schemeClr val="tx1">
+                          <a:lumMod val="50000"/>
+                          <a:lumOff val="50000"/>
+                        </a:schemeClr>
+                      </a:solidFill>
+                      <a:prstDash val="solid"/>
+                      <a:round/>
+                      <a:headEnd type="none" w="med" len="med"/>
+                      <a:tailEnd type="none" w="med" len="med"/>
+                    </a:lnR>
+                    <a:lnT w="12700" cap="flat" cmpd="sng" algn="ctr">
+                      <a:solidFill>
+                        <a:schemeClr val="tx1">
+                          <a:lumMod val="50000"/>
+                          <a:lumOff val="50000"/>
+                        </a:schemeClr>
+                      </a:solidFill>
+                      <a:prstDash val="solid"/>
+                      <a:round/>
+                      <a:headEnd type="none" w="med" len="med"/>
+                      <a:tailEnd type="none" w="med" len="med"/>
+                    </a:lnT>
+                    <a:lnB w="12700" cap="flat" cmpd="sng" algn="ctr">
+                      <a:solidFill>
+                        <a:schemeClr val="tx1">
+                          <a:lumMod val="50000"/>
+                          <a:lumOff val="50000"/>
+                        </a:schemeClr>
+                      </a:solidFill>
+                      <a:prstDash val="solid"/>
+                      <a:round/>
+                      <a:headEnd type="none" w="med" len="med"/>
+                      <a:tailEnd type="none" w="med" len="med"/>
+                    </a:lnB>
+                    <a:solidFill>
+                      <a:schemeClr val="tx1"/>
+                    </a:solidFill>
+                  </a:tcPr>
+                </a:tc>
+                <a:tc>
+                  <a:txBody>
+                    <a:bodyPr/>
+                    <a:lstStyle/>
+                    <a:p>
+                      <a:r>
+                        <a:rPr kumimoji="1" lang="en-US" altLang="ja-JP" sz="1600" b="0" dirty="0">
+                          <a:solidFill>
+                            <a:schemeClr val="bg1"/>
+                          </a:solidFill>
+                        </a:rPr>
+                        <a:t>Standard (Request directly)</a:t>
+                      </a:r>
+                      <a:endParaRPr kumimoji="1" lang="ja-JP" altLang="en-US" sz="1600" b="0">
+                        <a:solidFill>
+                          <a:schemeClr val="bg1"/>
+                        </a:solidFill>
+                      </a:endParaRPr>
+                    </a:p>
+                  </a:txBody>
+                  <a:tcPr anchor="ctr">
+                    <a:lnL w="12700" cap="flat" cmpd="sng" algn="ctr">
+                      <a:solidFill>
+                        <a:schemeClr val="tx1">
+                          <a:lumMod val="50000"/>
+                          <a:lumOff val="50000"/>
+                        </a:schemeClr>
+                      </a:solidFill>
+                      <a:prstDash val="solid"/>
+                      <a:round/>
+                      <a:headEnd type="none" w="med" len="med"/>
+                      <a:tailEnd type="none" w="med" len="med"/>
+                    </a:lnL>
+                    <a:lnR w="12700" cap="flat" cmpd="sng" algn="ctr">
+                      <a:solidFill>
+                        <a:schemeClr val="tx1">
+                          <a:lumMod val="50000"/>
+                          <a:lumOff val="50000"/>
+                        </a:schemeClr>
+                      </a:solidFill>
+                      <a:prstDash val="solid"/>
+                      <a:round/>
+                      <a:headEnd type="none" w="med" len="med"/>
+                      <a:tailEnd type="none" w="med" len="med"/>
+                    </a:lnR>
+                    <a:lnT w="12700" cap="flat" cmpd="sng" algn="ctr">
+                      <a:solidFill>
+                        <a:schemeClr val="tx1">
+                          <a:lumMod val="50000"/>
+                          <a:lumOff val="50000"/>
+                        </a:schemeClr>
+                      </a:solidFill>
+                      <a:prstDash val="solid"/>
+                      <a:round/>
+                      <a:headEnd type="none" w="med" len="med"/>
+                      <a:tailEnd type="none" w="med" len="med"/>
+                    </a:lnT>
+                    <a:lnB w="12700" cap="flat" cmpd="sng" algn="ctr">
+                      <a:solidFill>
+                        <a:schemeClr val="tx1">
+                          <a:lumMod val="50000"/>
+                          <a:lumOff val="50000"/>
+                        </a:schemeClr>
+                      </a:solidFill>
+                      <a:prstDash val="solid"/>
+                      <a:round/>
+                      <a:headEnd type="none" w="med" len="med"/>
+                      <a:tailEnd type="none" w="med" len="med"/>
+                    </a:lnB>
+                    <a:solidFill>
+                      <a:schemeClr val="tx1"/>
+                    </a:solidFill>
+                  </a:tcPr>
+                </a:tc>
+                <a:tc rowSpan="2">
+                  <a:txBody>
+                    <a:bodyPr/>
+                    <a:lstStyle/>
+                    <a:p>
+                      <a:r>
+                        <a:rPr kumimoji="1" lang="en-US" altLang="ja-JP" sz="1600" b="0" dirty="0">
+                          <a:solidFill>
+                            <a:schemeClr val="bg1"/>
+                          </a:solidFill>
+                        </a:rPr>
+                        <a:t>Results</a:t>
+                      </a:r>
+                      <a:endParaRPr kumimoji="1" lang="ja-JP" altLang="en-US" sz="1600" b="0">
+                        <a:solidFill>
+                          <a:schemeClr val="bg1"/>
+                        </a:solidFill>
+                      </a:endParaRPr>
+                    </a:p>
+                  </a:txBody>
+                  <a:tcPr anchor="ctr">
+                    <a:lnL w="12700" cap="flat" cmpd="sng" algn="ctr">
+                      <a:solidFill>
+                        <a:schemeClr val="tx1">
+                          <a:lumMod val="50000"/>
+                          <a:lumOff val="50000"/>
+                        </a:schemeClr>
+                      </a:solidFill>
+                      <a:prstDash val="solid"/>
+                      <a:round/>
+                      <a:headEnd type="none" w="med" len="med"/>
+                      <a:tailEnd type="none" w="med" len="med"/>
+                    </a:lnL>
+                    <a:lnR w="12700" cap="flat" cmpd="sng" algn="ctr">
+                      <a:solidFill>
+                        <a:schemeClr val="tx1">
+                          <a:lumMod val="50000"/>
+                          <a:lumOff val="50000"/>
+                        </a:schemeClr>
+                      </a:solidFill>
+                      <a:prstDash val="solid"/>
+                      <a:round/>
+                      <a:headEnd type="none" w="med" len="med"/>
+                      <a:tailEnd type="none" w="med" len="med"/>
+                    </a:lnR>
+                    <a:lnT w="12700" cap="flat" cmpd="sng" algn="ctr">
+                      <a:solidFill>
+                        <a:schemeClr val="tx1">
+                          <a:lumMod val="50000"/>
+                          <a:lumOff val="50000"/>
+                        </a:schemeClr>
+                      </a:solidFill>
+                      <a:prstDash val="solid"/>
+                      <a:round/>
+                      <a:headEnd type="none" w="med" len="med"/>
+                      <a:tailEnd type="none" w="med" len="med"/>
+                    </a:lnT>
+                    <a:lnB w="12700" cap="flat" cmpd="sng" algn="ctr">
+                      <a:solidFill>
+                        <a:schemeClr val="tx1">
+                          <a:lumMod val="50000"/>
+                          <a:lumOff val="50000"/>
+                        </a:schemeClr>
+                      </a:solidFill>
+                      <a:prstDash val="solid"/>
+                      <a:round/>
+                      <a:headEnd type="none" w="med" len="med"/>
+                      <a:tailEnd type="none" w="med" len="med"/>
+                    </a:lnB>
+                    <a:solidFill>
+                      <a:schemeClr val="tx1"/>
+                    </a:solidFill>
+                  </a:tcPr>
+                </a:tc>
+                <a:extLst>
+                  <a:ext uri="{0D108BD9-81ED-4DB2-BD59-A6C34878D82A}">
+                    <a16:rowId xmlns:a16="http://schemas.microsoft.com/office/drawing/2014/main" val="2007530102"/>
+                  </a:ext>
+                </a:extLst>
+              </a:tr>
+              <a:tr h="311822">
+                <a:tc gridSpan="2" vMerge="1">
+                  <a:txBody>
+                    <a:bodyPr/>
+                    <a:lstStyle/>
+                    <a:p>
+                      <a:endParaRPr kumimoji="1" lang="ja-JP" altLang="en-US" sz="1600" b="0">
+                        <a:solidFill>
+                          <a:schemeClr val="tx1"/>
+                        </a:solidFill>
+                      </a:endParaRPr>
+                    </a:p>
+                  </a:txBody>
+                  <a:tcPr anchor="ctr">
+                    <a:lnL w="12700" cap="flat" cmpd="sng" algn="ctr">
+                      <a:solidFill>
+                        <a:schemeClr val="tx1"/>
+                      </a:solidFill>
+                      <a:prstDash val="solid"/>
+                      <a:round/>
+                      <a:headEnd type="none" w="med" len="med"/>
+                      <a:tailEnd type="none" w="med" len="med"/>
+                    </a:lnL>
+                    <a:lnR w="12700" cap="flat" cmpd="sng" algn="ctr">
+                      <a:solidFill>
+                        <a:schemeClr val="tx1"/>
+                      </a:solidFill>
+                      <a:prstDash val="solid"/>
+                      <a:round/>
+                      <a:headEnd type="none" w="med" len="med"/>
+                      <a:tailEnd type="none" w="med" len="med"/>
+                    </a:lnR>
+                    <a:lnT w="12700" cap="flat" cmpd="sng" algn="ctr">
+                      <a:solidFill>
+                        <a:schemeClr val="tx1"/>
+                      </a:solidFill>
+                      <a:prstDash val="solid"/>
+                      <a:round/>
+                      <a:headEnd type="none" w="med" len="med"/>
+                      <a:tailEnd type="none" w="med" len="med"/>
+                    </a:lnT>
+                    <a:lnB w="12700" cap="flat" cmpd="sng" algn="ctr">
+                      <a:solidFill>
+                        <a:schemeClr val="tx1"/>
+                      </a:solidFill>
+                      <a:prstDash val="solid"/>
+                      <a:round/>
+                      <a:headEnd type="none" w="med" len="med"/>
+                      <a:tailEnd type="none" w="med" len="med"/>
+                    </a:lnB>
+                    <a:noFill/>
+                  </a:tcPr>
+                </a:tc>
+                <a:tc hMerge="1" vMerge="1">
+                  <a:txBody>
+                    <a:bodyPr/>
+                    <a:lstStyle/>
+                    <a:p>
+                      <a:endParaRPr kumimoji="1" lang="ja-JP" altLang="en-US"/>
+                    </a:p>
+                  </a:txBody>
+                  <a:tcPr/>
+                </a:tc>
+                <a:tc>
+                  <a:txBody>
+                    <a:bodyPr/>
+                    <a:lstStyle/>
+                    <a:p>
+                      <a:r>
+                        <a:rPr kumimoji="1" lang="en-US" altLang="ja-JP" sz="1600" b="0" dirty="0">
+                          <a:solidFill>
+                            <a:schemeClr val="bg1"/>
+                          </a:solidFill>
+                        </a:rPr>
+                        <a:t>Average *2</a:t>
+                      </a:r>
+                      <a:endParaRPr kumimoji="1" lang="ja-JP" altLang="en-US" sz="1600" b="0">
+                        <a:solidFill>
+                          <a:schemeClr val="bg1"/>
+                        </a:solidFill>
+                      </a:endParaRPr>
+                    </a:p>
+                  </a:txBody>
+                  <a:tcPr anchor="ctr">
+                    <a:lnL w="12700" cap="flat" cmpd="sng" algn="ctr">
+                      <a:solidFill>
+                        <a:schemeClr val="tx1">
+                          <a:lumMod val="50000"/>
+                          <a:lumOff val="50000"/>
+                        </a:schemeClr>
+                      </a:solidFill>
+                      <a:prstDash val="solid"/>
+                      <a:round/>
+                      <a:headEnd type="none" w="med" len="med"/>
+                      <a:tailEnd type="none" w="med" len="med"/>
+                    </a:lnL>
+                    <a:lnR w="12700" cap="flat" cmpd="sng" algn="ctr">
+                      <a:solidFill>
+                        <a:schemeClr val="tx1">
+                          <a:lumMod val="50000"/>
+                          <a:lumOff val="50000"/>
+                        </a:schemeClr>
+                      </a:solidFill>
+                      <a:prstDash val="solid"/>
+                      <a:round/>
+                      <a:headEnd type="none" w="med" len="med"/>
+                      <a:tailEnd type="none" w="med" len="med"/>
+                    </a:lnR>
+                    <a:lnT w="12700" cap="flat" cmpd="sng" algn="ctr">
+                      <a:solidFill>
+                        <a:schemeClr val="tx1">
+                          <a:lumMod val="50000"/>
+                          <a:lumOff val="50000"/>
+                        </a:schemeClr>
+                      </a:solidFill>
+                      <a:prstDash val="solid"/>
+                      <a:round/>
+                      <a:headEnd type="none" w="med" len="med"/>
+                      <a:tailEnd type="none" w="med" len="med"/>
+                    </a:lnT>
+                    <a:lnB w="12700" cap="flat" cmpd="sng" algn="ctr">
+                      <a:solidFill>
+                        <a:schemeClr val="tx1">
+                          <a:lumMod val="50000"/>
+                          <a:lumOff val="50000"/>
+                        </a:schemeClr>
+                      </a:solidFill>
+                      <a:prstDash val="solid"/>
+                      <a:round/>
+                      <a:headEnd type="none" w="med" len="med"/>
+                      <a:tailEnd type="none" w="med" len="med"/>
+                    </a:lnB>
+                    <a:solidFill>
+                      <a:schemeClr val="tx1"/>
+                    </a:solidFill>
+                  </a:tcPr>
+                </a:tc>
+                <a:tc>
+                  <a:txBody>
+                    <a:bodyPr/>
+                    <a:lstStyle/>
+                    <a:p>
+                      <a:r>
+                        <a:rPr kumimoji="1" lang="en-US" altLang="ja-JP" sz="1600" b="0" dirty="0">
+                          <a:solidFill>
+                            <a:schemeClr val="bg1"/>
+                          </a:solidFill>
+                        </a:rPr>
+                        <a:t>Average</a:t>
+                      </a:r>
+                      <a:endParaRPr kumimoji="1" lang="ja-JP" altLang="en-US" sz="1600" b="0">
+                        <a:solidFill>
+                          <a:schemeClr val="bg1"/>
+                        </a:solidFill>
+                      </a:endParaRPr>
+                    </a:p>
+                  </a:txBody>
+                  <a:tcPr anchor="ctr">
+                    <a:lnL w="12700" cap="flat" cmpd="sng" algn="ctr">
+                      <a:solidFill>
+                        <a:schemeClr val="tx1">
+                          <a:lumMod val="50000"/>
+                          <a:lumOff val="50000"/>
+                        </a:schemeClr>
+                      </a:solidFill>
+                      <a:prstDash val="solid"/>
+                      <a:round/>
+                      <a:headEnd type="none" w="med" len="med"/>
+                      <a:tailEnd type="none" w="med" len="med"/>
+                    </a:lnL>
+                    <a:lnR w="12700" cap="flat" cmpd="sng" algn="ctr">
+                      <a:solidFill>
+                        <a:schemeClr val="tx1">
+                          <a:lumMod val="50000"/>
+                          <a:lumOff val="50000"/>
+                        </a:schemeClr>
+                      </a:solidFill>
+                      <a:prstDash val="solid"/>
+                      <a:round/>
+                      <a:headEnd type="none" w="med" len="med"/>
+                      <a:tailEnd type="none" w="med" len="med"/>
+                    </a:lnR>
+                    <a:lnT w="12700" cap="flat" cmpd="sng" algn="ctr">
+                      <a:solidFill>
+                        <a:schemeClr val="tx1">
+                          <a:lumMod val="50000"/>
+                          <a:lumOff val="50000"/>
+                        </a:schemeClr>
+                      </a:solidFill>
+                      <a:prstDash val="solid"/>
+                      <a:round/>
+                      <a:headEnd type="none" w="med" len="med"/>
+                      <a:tailEnd type="none" w="med" len="med"/>
+                    </a:lnT>
+                    <a:lnB w="12700" cap="flat" cmpd="sng" algn="ctr">
+                      <a:solidFill>
+                        <a:schemeClr val="tx1">
+                          <a:lumMod val="50000"/>
+                          <a:lumOff val="50000"/>
+                        </a:schemeClr>
+                      </a:solidFill>
+                      <a:prstDash val="solid"/>
+                      <a:round/>
+                      <a:headEnd type="none" w="med" len="med"/>
+                      <a:tailEnd type="none" w="med" len="med"/>
+                    </a:lnB>
+                    <a:solidFill>
+                      <a:schemeClr val="tx1"/>
+                    </a:solidFill>
+                  </a:tcPr>
+                </a:tc>
+                <a:tc vMerge="1">
+                  <a:txBody>
+                    <a:bodyPr/>
+                    <a:lstStyle/>
+                    <a:p>
+                      <a:endParaRPr kumimoji="1" lang="ja-JP" altLang="en-US" sz="1600" b="0">
+                        <a:solidFill>
+                          <a:schemeClr val="bg1"/>
+                        </a:solidFill>
+                      </a:endParaRPr>
+                    </a:p>
+                  </a:txBody>
+                  <a:tcPr anchor="ctr">
+                    <a:lnL w="12700" cap="flat" cmpd="sng" algn="ctr">
+                      <a:solidFill>
+                        <a:schemeClr val="tx1">
+                          <a:lumMod val="50000"/>
+                          <a:lumOff val="50000"/>
+                        </a:schemeClr>
+                      </a:solidFill>
+                      <a:prstDash val="solid"/>
+                      <a:round/>
+                      <a:headEnd type="none" w="med" len="med"/>
+                      <a:tailEnd type="none" w="med" len="med"/>
+                    </a:lnL>
+                    <a:lnR w="12700" cap="flat" cmpd="sng" algn="ctr">
+                      <a:solidFill>
+                        <a:schemeClr val="tx1">
+                          <a:lumMod val="50000"/>
+                          <a:lumOff val="50000"/>
+                        </a:schemeClr>
+                      </a:solidFill>
+                      <a:prstDash val="solid"/>
+                      <a:round/>
+                      <a:headEnd type="none" w="med" len="med"/>
+                      <a:tailEnd type="none" w="med" len="med"/>
+                    </a:lnR>
+                    <a:lnT w="12700" cap="flat" cmpd="sng" algn="ctr">
+                      <a:solidFill>
+                        <a:schemeClr val="tx1">
+                          <a:lumMod val="50000"/>
+                          <a:lumOff val="50000"/>
+                        </a:schemeClr>
+                      </a:solidFill>
+                      <a:prstDash val="solid"/>
+                      <a:round/>
+                      <a:headEnd type="none" w="med" len="med"/>
+                      <a:tailEnd type="none" w="med" len="med"/>
+                    </a:lnT>
+                    <a:lnB w="12700" cap="flat" cmpd="sng" algn="ctr">
+                      <a:solidFill>
+                        <a:schemeClr val="tx1">
+                          <a:lumMod val="50000"/>
+                          <a:lumOff val="50000"/>
+                        </a:schemeClr>
+                      </a:solidFill>
+                      <a:prstDash val="solid"/>
+                      <a:round/>
+                      <a:headEnd type="none" w="med" len="med"/>
+                      <a:tailEnd type="none" w="med" len="med"/>
+                    </a:lnB>
+                    <a:solidFill>
+                      <a:schemeClr val="tx1"/>
+                    </a:solidFill>
+                  </a:tcPr>
+                </a:tc>
+                <a:extLst>
+                  <a:ext uri="{0D108BD9-81ED-4DB2-BD59-A6C34878D82A}">
+                    <a16:rowId xmlns:a16="http://schemas.microsoft.com/office/drawing/2014/main" val="118573807"/>
+                  </a:ext>
+                </a:extLst>
+              </a:tr>
+              <a:tr h="878948">
+                <a:tc rowSpan="3">
+                  <a:txBody>
+                    <a:bodyPr/>
+                    <a:lstStyle/>
+                    <a:p>
+                      <a:r>
+                        <a:rPr kumimoji="1" lang="en-US" altLang="ja-JP" sz="1600" b="0" dirty="0">
+                          <a:solidFill>
+                            <a:schemeClr val="tx1"/>
+                          </a:solidFill>
+                        </a:rPr>
+                        <a:t>Transactions</a:t>
+                      </a:r>
+                    </a:p>
+                  </a:txBody>
+                  <a:tcPr anchor="ctr">
+                    <a:lnL w="12700" cap="flat" cmpd="sng" algn="ctr">
+                      <a:solidFill>
+                        <a:schemeClr val="tx1">
+                          <a:lumMod val="50000"/>
+                          <a:lumOff val="50000"/>
+                        </a:schemeClr>
+                      </a:solidFill>
+                      <a:prstDash val="solid"/>
+                      <a:round/>
+                      <a:headEnd type="none" w="med" len="med"/>
+                      <a:tailEnd type="none" w="med" len="med"/>
+                    </a:lnL>
+                    <a:lnR w="12700" cap="flat" cmpd="sng" algn="ctr">
+                      <a:solidFill>
+                        <a:schemeClr val="tx1">
+                          <a:lumMod val="50000"/>
+                          <a:lumOff val="50000"/>
+                        </a:schemeClr>
+                      </a:solidFill>
+                      <a:prstDash val="solid"/>
+                      <a:round/>
+                      <a:headEnd type="none" w="med" len="med"/>
+                      <a:tailEnd type="none" w="med" len="med"/>
+                    </a:lnR>
+                    <a:lnT w="12700" cap="flat" cmpd="sng" algn="ctr">
+                      <a:solidFill>
+                        <a:schemeClr val="tx1">
+                          <a:lumMod val="50000"/>
+                          <a:lumOff val="50000"/>
+                        </a:schemeClr>
+                      </a:solidFill>
+                      <a:prstDash val="solid"/>
+                      <a:round/>
+                      <a:headEnd type="none" w="med" len="med"/>
+                      <a:tailEnd type="none" w="med" len="med"/>
+                    </a:lnT>
+                    <a:lnB w="12700" cap="flat" cmpd="sng" algn="ctr">
+                      <a:solidFill>
+                        <a:schemeClr val="tx1">
+                          <a:lumMod val="50000"/>
+                          <a:lumOff val="50000"/>
+                        </a:schemeClr>
+                      </a:solidFill>
+                      <a:prstDash val="solid"/>
+                      <a:round/>
+                      <a:headEnd type="none" w="med" len="med"/>
+                      <a:tailEnd type="none" w="med" len="med"/>
+                    </a:lnB>
+                    <a:noFill/>
+                  </a:tcPr>
+                </a:tc>
+                <a:tc>
+                  <a:txBody>
+                    <a:bodyPr/>
+                    <a:lstStyle/>
+                    <a:p>
+                      <a:r>
+                        <a:rPr kumimoji="1" lang="en-US" altLang="ja-JP" sz="1600" b="0" dirty="0">
+                          <a:solidFill>
+                            <a:schemeClr val="tx1"/>
+                          </a:solidFill>
+                        </a:rPr>
+                        <a:t>1 Instruction</a:t>
+                      </a:r>
+                      <a:endParaRPr kumimoji="1" lang="ja-JP" altLang="en-US" sz="1600" b="0">
+                        <a:solidFill>
+                          <a:schemeClr val="tx1"/>
+                        </a:solidFill>
+                      </a:endParaRPr>
+                    </a:p>
+                  </a:txBody>
+                  <a:tcPr anchor="ctr">
+                    <a:lnL w="12700" cap="flat" cmpd="sng" algn="ctr">
+                      <a:solidFill>
+                        <a:schemeClr val="tx1">
+                          <a:lumMod val="50000"/>
+                          <a:lumOff val="50000"/>
+                        </a:schemeClr>
+                      </a:solidFill>
+                      <a:prstDash val="solid"/>
+                      <a:round/>
+                      <a:headEnd type="none" w="med" len="med"/>
+                      <a:tailEnd type="none" w="med" len="med"/>
+                    </a:lnL>
+                    <a:lnR w="12700" cap="flat" cmpd="sng" algn="ctr">
+                      <a:solidFill>
+                        <a:schemeClr val="tx1">
+                          <a:lumMod val="50000"/>
+                          <a:lumOff val="50000"/>
+                        </a:schemeClr>
+                      </a:solidFill>
+                      <a:prstDash val="solid"/>
+                      <a:round/>
+                      <a:headEnd type="none" w="med" len="med"/>
+                      <a:tailEnd type="none" w="med" len="med"/>
+                    </a:lnR>
+                    <a:lnT w="12700" cap="flat" cmpd="sng" algn="ctr">
+                      <a:solidFill>
+                        <a:schemeClr val="tx1">
+                          <a:lumMod val="50000"/>
+                          <a:lumOff val="50000"/>
+                        </a:schemeClr>
+                      </a:solidFill>
+                      <a:prstDash val="solid"/>
+                      <a:round/>
+                      <a:headEnd type="none" w="med" len="med"/>
+                      <a:tailEnd type="none" w="med" len="med"/>
+                    </a:lnT>
+                    <a:lnB w="12700" cap="flat" cmpd="sng" algn="ctr">
+                      <a:solidFill>
+                        <a:schemeClr val="tx1">
+                          <a:lumMod val="50000"/>
+                          <a:lumOff val="50000"/>
+                        </a:schemeClr>
+                      </a:solidFill>
+                      <a:prstDash val="solid"/>
+                      <a:round/>
+                      <a:headEnd type="none" w="med" len="med"/>
+                      <a:tailEnd type="none" w="med" len="med"/>
+                    </a:lnB>
+                    <a:noFill/>
+                  </a:tcPr>
+                </a:tc>
+                <a:tc>
+                  <a:txBody>
+                    <a:bodyPr/>
+                    <a:lstStyle/>
+                    <a:p>
+                      <a:r>
+                        <a:rPr kumimoji="1" lang="en-US" altLang="ja-JP" sz="1600" b="0" dirty="0">
+                          <a:solidFill>
+                            <a:schemeClr val="tx1"/>
+                          </a:solidFill>
+                        </a:rPr>
+                        <a:t>10 </a:t>
+                      </a:r>
+                      <a:r>
+                        <a:rPr kumimoji="1" lang="en-US" altLang="ja-JP" sz="1600" b="0" dirty="0" err="1">
+                          <a:solidFill>
+                            <a:schemeClr val="tx1"/>
+                          </a:solidFill>
+                        </a:rPr>
+                        <a:t>ms</a:t>
+                      </a:r>
+                      <a:endParaRPr kumimoji="1" lang="ja-JP" altLang="en-US" sz="1600" b="0">
+                        <a:solidFill>
+                          <a:schemeClr val="tx1"/>
+                        </a:solidFill>
+                      </a:endParaRPr>
+                    </a:p>
+                  </a:txBody>
+                  <a:tcPr anchor="ctr">
+                    <a:lnL w="12700" cap="flat" cmpd="sng" algn="ctr">
+                      <a:solidFill>
+                        <a:schemeClr val="tx1">
+                          <a:lumMod val="50000"/>
+                          <a:lumOff val="50000"/>
+                        </a:schemeClr>
+                      </a:solidFill>
+                      <a:prstDash val="solid"/>
+                      <a:round/>
+                      <a:headEnd type="none" w="med" len="med"/>
+                      <a:tailEnd type="none" w="med" len="med"/>
+                    </a:lnL>
+                    <a:lnR w="12700" cap="flat" cmpd="sng" algn="ctr">
+                      <a:solidFill>
+                        <a:schemeClr val="tx1">
+                          <a:lumMod val="50000"/>
+                          <a:lumOff val="50000"/>
+                        </a:schemeClr>
+                      </a:solidFill>
+                      <a:prstDash val="solid"/>
+                      <a:round/>
+                      <a:headEnd type="none" w="med" len="med"/>
+                      <a:tailEnd type="none" w="med" len="med"/>
+                    </a:lnR>
+                    <a:lnT w="12700" cap="flat" cmpd="sng" algn="ctr">
+                      <a:solidFill>
+                        <a:schemeClr val="tx1">
+                          <a:lumMod val="50000"/>
+                          <a:lumOff val="50000"/>
+                        </a:schemeClr>
+                      </a:solidFill>
+                      <a:prstDash val="solid"/>
+                      <a:round/>
+                      <a:headEnd type="none" w="med" len="med"/>
+                      <a:tailEnd type="none" w="med" len="med"/>
+                    </a:lnT>
+                    <a:lnB w="12700" cap="flat" cmpd="sng" algn="ctr">
+                      <a:solidFill>
+                        <a:schemeClr val="tx1">
+                          <a:lumMod val="50000"/>
+                          <a:lumOff val="50000"/>
+                        </a:schemeClr>
+                      </a:solidFill>
+                      <a:prstDash val="solid"/>
+                      <a:round/>
+                      <a:headEnd type="none" w="med" len="med"/>
+                      <a:tailEnd type="none" w="med" len="med"/>
+                    </a:lnB>
+                    <a:noFill/>
+                  </a:tcPr>
+                </a:tc>
+                <a:tc>
+                  <a:txBody>
+                    <a:bodyPr/>
+                    <a:lstStyle/>
+                    <a:p>
+                      <a:r>
+                        <a:rPr kumimoji="1" lang="en-US" altLang="ja-JP" sz="1600" b="0" dirty="0">
+                          <a:solidFill>
+                            <a:schemeClr val="tx1"/>
+                          </a:solidFill>
+                        </a:rPr>
+                        <a:t>20 </a:t>
+                      </a:r>
+                      <a:r>
+                        <a:rPr kumimoji="1" lang="en-US" altLang="ja-JP" sz="1600" b="0" dirty="0" err="1">
+                          <a:solidFill>
+                            <a:schemeClr val="tx1"/>
+                          </a:solidFill>
+                        </a:rPr>
+                        <a:t>ms</a:t>
+                      </a:r>
+                      <a:endParaRPr kumimoji="1" lang="ja-JP" altLang="en-US" sz="1600" b="0">
+                        <a:solidFill>
+                          <a:schemeClr val="tx1"/>
+                        </a:solidFill>
+                      </a:endParaRPr>
+                    </a:p>
+                  </a:txBody>
+                  <a:tcPr anchor="ctr">
+                    <a:lnL w="12700" cap="flat" cmpd="sng" algn="ctr">
+                      <a:solidFill>
+                        <a:schemeClr val="tx1">
+                          <a:lumMod val="50000"/>
+                          <a:lumOff val="50000"/>
+                        </a:schemeClr>
+                      </a:solidFill>
+                      <a:prstDash val="solid"/>
+                      <a:round/>
+                      <a:headEnd type="none" w="med" len="med"/>
+                      <a:tailEnd type="none" w="med" len="med"/>
+                    </a:lnL>
+                    <a:lnR w="12700" cap="flat" cmpd="sng" algn="ctr">
+                      <a:solidFill>
+                        <a:schemeClr val="tx1">
+                          <a:lumMod val="50000"/>
+                          <a:lumOff val="50000"/>
+                        </a:schemeClr>
+                      </a:solidFill>
+                      <a:prstDash val="solid"/>
+                      <a:round/>
+                      <a:headEnd type="none" w="med" len="med"/>
+                      <a:tailEnd type="none" w="med" len="med"/>
+                    </a:lnR>
+                    <a:lnT w="12700" cap="flat" cmpd="sng" algn="ctr">
+                      <a:solidFill>
+                        <a:schemeClr val="tx1">
+                          <a:lumMod val="50000"/>
+                          <a:lumOff val="50000"/>
+                        </a:schemeClr>
+                      </a:solidFill>
+                      <a:prstDash val="solid"/>
+                      <a:round/>
+                      <a:headEnd type="none" w="med" len="med"/>
+                      <a:tailEnd type="none" w="med" len="med"/>
+                    </a:lnT>
+                    <a:lnB w="12700" cap="flat" cmpd="sng" algn="ctr">
+                      <a:solidFill>
+                        <a:schemeClr val="tx1">
+                          <a:lumMod val="50000"/>
+                          <a:lumOff val="50000"/>
+                        </a:schemeClr>
+                      </a:solidFill>
+                      <a:prstDash val="solid"/>
+                      <a:round/>
+                      <a:headEnd type="none" w="med" len="med"/>
+                      <a:tailEnd type="none" w="med" len="med"/>
+                    </a:lnB>
+                    <a:noFill/>
+                  </a:tcPr>
+                </a:tc>
+                <a:tc>
+                  <a:txBody>
+                    <a:bodyPr/>
+                    <a:lstStyle/>
+                    <a:p>
+                      <a:r>
+                        <a:rPr kumimoji="1" lang="en-US" altLang="ja-JP" sz="1600" b="0" dirty="0">
+                          <a:solidFill>
+                            <a:schemeClr val="tx1"/>
+                          </a:solidFill>
+                        </a:rPr>
+                        <a:t>Mad Mints 2 times faster</a:t>
+                      </a:r>
+                      <a:endParaRPr kumimoji="1" lang="ja-JP" altLang="en-US" sz="1600" b="0">
+                        <a:solidFill>
+                          <a:schemeClr val="tx1"/>
+                        </a:solidFill>
+                      </a:endParaRPr>
+                    </a:p>
+                  </a:txBody>
+                  <a:tcPr anchor="ctr">
+                    <a:lnL w="12700" cap="flat" cmpd="sng" algn="ctr">
+                      <a:solidFill>
+                        <a:schemeClr val="tx1">
+                          <a:lumMod val="50000"/>
+                          <a:lumOff val="50000"/>
+                        </a:schemeClr>
+                      </a:solidFill>
+                      <a:prstDash val="solid"/>
+                      <a:round/>
+                      <a:headEnd type="none" w="med" len="med"/>
+                      <a:tailEnd type="none" w="med" len="med"/>
+                    </a:lnL>
+                    <a:lnR w="12700" cap="flat" cmpd="sng" algn="ctr">
+                      <a:solidFill>
+                        <a:schemeClr val="tx1">
+                          <a:lumMod val="50000"/>
+                          <a:lumOff val="50000"/>
+                        </a:schemeClr>
+                      </a:solidFill>
+                      <a:prstDash val="solid"/>
+                      <a:round/>
+                      <a:headEnd type="none" w="med" len="med"/>
+                      <a:tailEnd type="none" w="med" len="med"/>
+                    </a:lnR>
+                    <a:lnT w="12700" cap="flat" cmpd="sng" algn="ctr">
+                      <a:solidFill>
+                        <a:schemeClr val="tx1">
+                          <a:lumMod val="50000"/>
+                          <a:lumOff val="50000"/>
+                        </a:schemeClr>
+                      </a:solidFill>
+                      <a:prstDash val="solid"/>
+                      <a:round/>
+                      <a:headEnd type="none" w="med" len="med"/>
+                      <a:tailEnd type="none" w="med" len="med"/>
+                    </a:lnT>
+                    <a:lnB w="12700" cap="flat" cmpd="sng" algn="ctr">
+                      <a:solidFill>
+                        <a:schemeClr val="tx1">
+                          <a:lumMod val="50000"/>
+                          <a:lumOff val="50000"/>
+                        </a:schemeClr>
+                      </a:solidFill>
+                      <a:prstDash val="solid"/>
+                      <a:round/>
+                      <a:headEnd type="none" w="med" len="med"/>
+                      <a:tailEnd type="none" w="med" len="med"/>
+                    </a:lnB>
+                    <a:noFill/>
+                  </a:tcPr>
+                </a:tc>
+                <a:extLst>
+                  <a:ext uri="{0D108BD9-81ED-4DB2-BD59-A6C34878D82A}">
+                    <a16:rowId xmlns:a16="http://schemas.microsoft.com/office/drawing/2014/main" val="2106148188"/>
+                  </a:ext>
+                </a:extLst>
+              </a:tr>
+              <a:tr h="878948">
+                <a:tc vMerge="1">
+                  <a:txBody>
+                    <a:bodyPr/>
+                    <a:lstStyle/>
+                    <a:p>
+                      <a:endParaRPr kumimoji="1" lang="ja-JP" altLang="en-US" sz="1600" b="0">
+                        <a:solidFill>
+                          <a:schemeClr val="tx1"/>
+                        </a:solidFill>
+                      </a:endParaRPr>
+                    </a:p>
+                  </a:txBody>
+                  <a:tcPr anchor="ctr">
+                    <a:lnL w="12700" cap="flat" cmpd="sng" algn="ctr">
+                      <a:solidFill>
+                        <a:schemeClr val="tx1">
+                          <a:lumMod val="50000"/>
+                          <a:lumOff val="50000"/>
+                        </a:schemeClr>
+                      </a:solidFill>
+                      <a:prstDash val="solid"/>
+                      <a:round/>
+                      <a:headEnd type="none" w="med" len="med"/>
+                      <a:tailEnd type="none" w="med" len="med"/>
+                    </a:lnL>
+                    <a:lnR w="12700" cap="flat" cmpd="sng" algn="ctr">
+                      <a:solidFill>
+                        <a:schemeClr val="tx1">
+                          <a:lumMod val="50000"/>
+                          <a:lumOff val="50000"/>
+                        </a:schemeClr>
+                      </a:solidFill>
+                      <a:prstDash val="solid"/>
+                      <a:round/>
+                      <a:headEnd type="none" w="med" len="med"/>
+                      <a:tailEnd type="none" w="med" len="med"/>
+                    </a:lnR>
+                    <a:lnT w="12700" cap="flat" cmpd="sng" algn="ctr">
+                      <a:solidFill>
+                        <a:schemeClr val="tx1">
+                          <a:lumMod val="50000"/>
+                          <a:lumOff val="50000"/>
+                        </a:schemeClr>
+                      </a:solidFill>
+                      <a:prstDash val="solid"/>
+                      <a:round/>
+                      <a:headEnd type="none" w="med" len="med"/>
+                      <a:tailEnd type="none" w="med" len="med"/>
+                    </a:lnT>
+                    <a:lnB w="12700" cap="flat" cmpd="sng" algn="ctr">
+                      <a:solidFill>
+                        <a:schemeClr val="tx1">
+                          <a:lumMod val="50000"/>
+                          <a:lumOff val="50000"/>
+                        </a:schemeClr>
+                      </a:solidFill>
+                      <a:prstDash val="solid"/>
+                      <a:round/>
+                      <a:headEnd type="none" w="med" len="med"/>
+                      <a:tailEnd type="none" w="med" len="med"/>
+                    </a:lnB>
+                    <a:noFill/>
+                  </a:tcPr>
+                </a:tc>
+                <a:tc>
+                  <a:txBody>
+                    <a:bodyPr/>
+                    <a:lstStyle/>
+                    <a:p>
+                      <a:r>
+                        <a:rPr kumimoji="1" lang="en-US" altLang="ja-JP" sz="1600" b="0" dirty="0">
+                          <a:solidFill>
+                            <a:srgbClr val="FF0000"/>
+                          </a:solidFill>
+                        </a:rPr>
+                        <a:t>10 Instructions</a:t>
+                      </a:r>
+                      <a:endParaRPr kumimoji="1" lang="ja-JP" altLang="en-US" sz="1600" b="0">
+                        <a:solidFill>
+                          <a:srgbClr val="FF0000"/>
+                        </a:solidFill>
+                      </a:endParaRPr>
+                    </a:p>
+                  </a:txBody>
+                  <a:tcPr anchor="ctr">
+                    <a:lnL w="12700" cap="flat" cmpd="sng" algn="ctr">
+                      <a:solidFill>
+                        <a:schemeClr val="tx1">
+                          <a:lumMod val="50000"/>
+                          <a:lumOff val="50000"/>
+                        </a:schemeClr>
+                      </a:solidFill>
+                      <a:prstDash val="solid"/>
+                      <a:round/>
+                      <a:headEnd type="none" w="med" len="med"/>
+                      <a:tailEnd type="none" w="med" len="med"/>
+                    </a:lnL>
+                    <a:lnR w="12700" cap="flat" cmpd="sng" algn="ctr">
+                      <a:solidFill>
+                        <a:schemeClr val="tx1">
+                          <a:lumMod val="50000"/>
+                          <a:lumOff val="50000"/>
+                        </a:schemeClr>
+                      </a:solidFill>
+                      <a:prstDash val="solid"/>
+                      <a:round/>
+                      <a:headEnd type="none" w="med" len="med"/>
+                      <a:tailEnd type="none" w="med" len="med"/>
+                    </a:lnR>
+                    <a:lnT w="12700" cap="flat" cmpd="sng" algn="ctr">
+                      <a:solidFill>
+                        <a:schemeClr val="tx1">
+                          <a:lumMod val="50000"/>
+                          <a:lumOff val="50000"/>
+                        </a:schemeClr>
+                      </a:solidFill>
+                      <a:prstDash val="solid"/>
+                      <a:round/>
+                      <a:headEnd type="none" w="med" len="med"/>
+                      <a:tailEnd type="none" w="med" len="med"/>
+                    </a:lnT>
+                    <a:lnB w="12700" cap="flat" cmpd="sng" algn="ctr">
+                      <a:solidFill>
+                        <a:schemeClr val="tx1">
+                          <a:lumMod val="50000"/>
+                          <a:lumOff val="50000"/>
+                        </a:schemeClr>
+                      </a:solidFill>
+                      <a:prstDash val="solid"/>
+                      <a:round/>
+                      <a:headEnd type="none" w="med" len="med"/>
+                      <a:tailEnd type="none" w="med" len="med"/>
+                    </a:lnB>
+                    <a:noFill/>
+                  </a:tcPr>
+                </a:tc>
+                <a:tc>
+                  <a:txBody>
+                    <a:bodyPr/>
+                    <a:lstStyle/>
+                    <a:p>
+                      <a:r>
+                        <a:rPr kumimoji="1" lang="en-US" altLang="ja-JP" sz="1600" b="0" dirty="0">
+                          <a:solidFill>
+                            <a:schemeClr val="tx1"/>
+                          </a:solidFill>
+                        </a:rPr>
+                        <a:t>13 </a:t>
+                      </a:r>
+                      <a:r>
+                        <a:rPr kumimoji="1" lang="en-US" altLang="ja-JP" sz="1600" b="0" dirty="0" err="1">
+                          <a:solidFill>
+                            <a:schemeClr val="tx1"/>
+                          </a:solidFill>
+                        </a:rPr>
+                        <a:t>ms</a:t>
+                      </a:r>
+                      <a:endParaRPr kumimoji="1" lang="ja-JP" altLang="en-US" sz="1600" b="0">
+                        <a:solidFill>
+                          <a:schemeClr val="tx1"/>
+                        </a:solidFill>
+                      </a:endParaRPr>
+                    </a:p>
+                  </a:txBody>
+                  <a:tcPr anchor="ctr">
+                    <a:lnL w="12700" cap="flat" cmpd="sng" algn="ctr">
+                      <a:solidFill>
+                        <a:schemeClr val="tx1">
+                          <a:lumMod val="50000"/>
+                          <a:lumOff val="50000"/>
+                        </a:schemeClr>
+                      </a:solidFill>
+                      <a:prstDash val="solid"/>
+                      <a:round/>
+                      <a:headEnd type="none" w="med" len="med"/>
+                      <a:tailEnd type="none" w="med" len="med"/>
+                    </a:lnL>
+                    <a:lnR w="12700" cap="flat" cmpd="sng" algn="ctr">
+                      <a:solidFill>
+                        <a:schemeClr val="tx1">
+                          <a:lumMod val="50000"/>
+                          <a:lumOff val="50000"/>
+                        </a:schemeClr>
+                      </a:solidFill>
+                      <a:prstDash val="solid"/>
+                      <a:round/>
+                      <a:headEnd type="none" w="med" len="med"/>
+                      <a:tailEnd type="none" w="med" len="med"/>
+                    </a:lnR>
+                    <a:lnT w="12700" cap="flat" cmpd="sng" algn="ctr">
+                      <a:solidFill>
+                        <a:schemeClr val="tx1">
+                          <a:lumMod val="50000"/>
+                          <a:lumOff val="50000"/>
+                        </a:schemeClr>
+                      </a:solidFill>
+                      <a:prstDash val="solid"/>
+                      <a:round/>
+                      <a:headEnd type="none" w="med" len="med"/>
+                      <a:tailEnd type="none" w="med" len="med"/>
+                    </a:lnT>
+                    <a:lnB w="12700" cap="flat" cmpd="sng" algn="ctr">
+                      <a:solidFill>
+                        <a:schemeClr val="tx1">
+                          <a:lumMod val="50000"/>
+                          <a:lumOff val="50000"/>
+                        </a:schemeClr>
+                      </a:solidFill>
+                      <a:prstDash val="solid"/>
+                      <a:round/>
+                      <a:headEnd type="none" w="med" len="med"/>
+                      <a:tailEnd type="none" w="med" len="med"/>
+                    </a:lnB>
+                    <a:noFill/>
+                  </a:tcPr>
+                </a:tc>
+                <a:tc>
+                  <a:txBody>
+                    <a:bodyPr/>
+                    <a:lstStyle/>
+                    <a:p>
+                      <a:r>
+                        <a:rPr kumimoji="1" lang="en-US" altLang="ja-JP" sz="1600" b="0" dirty="0">
+                          <a:solidFill>
+                            <a:schemeClr val="tx1"/>
+                          </a:solidFill>
+                        </a:rPr>
+                        <a:t>29 </a:t>
+                      </a:r>
+                      <a:r>
+                        <a:rPr kumimoji="1" lang="en-US" altLang="ja-JP" sz="1600" b="0" dirty="0" err="1">
+                          <a:solidFill>
+                            <a:schemeClr val="tx1"/>
+                          </a:solidFill>
+                        </a:rPr>
+                        <a:t>ms</a:t>
+                      </a:r>
+                      <a:endParaRPr kumimoji="1" lang="ja-JP" altLang="en-US" sz="1600" b="0">
+                        <a:solidFill>
+                          <a:schemeClr val="tx1"/>
+                        </a:solidFill>
+                      </a:endParaRPr>
+                    </a:p>
+                  </a:txBody>
+                  <a:tcPr anchor="ctr">
+                    <a:lnL w="12700" cap="flat" cmpd="sng" algn="ctr">
+                      <a:solidFill>
+                        <a:schemeClr val="tx1">
+                          <a:lumMod val="50000"/>
+                          <a:lumOff val="50000"/>
+                        </a:schemeClr>
+                      </a:solidFill>
+                      <a:prstDash val="solid"/>
+                      <a:round/>
+                      <a:headEnd type="none" w="med" len="med"/>
+                      <a:tailEnd type="none" w="med" len="med"/>
+                    </a:lnL>
+                    <a:lnR w="12700" cap="flat" cmpd="sng" algn="ctr">
+                      <a:solidFill>
+                        <a:schemeClr val="tx1">
+                          <a:lumMod val="50000"/>
+                          <a:lumOff val="50000"/>
+                        </a:schemeClr>
+                      </a:solidFill>
+                      <a:prstDash val="solid"/>
+                      <a:round/>
+                      <a:headEnd type="none" w="med" len="med"/>
+                      <a:tailEnd type="none" w="med" len="med"/>
+                    </a:lnR>
+                    <a:lnT w="12700" cap="flat" cmpd="sng" algn="ctr">
+                      <a:solidFill>
+                        <a:schemeClr val="tx1">
+                          <a:lumMod val="50000"/>
+                          <a:lumOff val="50000"/>
+                        </a:schemeClr>
+                      </a:solidFill>
+                      <a:prstDash val="solid"/>
+                      <a:round/>
+                      <a:headEnd type="none" w="med" len="med"/>
+                      <a:tailEnd type="none" w="med" len="med"/>
+                    </a:lnT>
+                    <a:lnB w="12700" cap="flat" cmpd="sng" algn="ctr">
+                      <a:solidFill>
+                        <a:schemeClr val="tx1">
+                          <a:lumMod val="50000"/>
+                          <a:lumOff val="50000"/>
+                        </a:schemeClr>
+                      </a:solidFill>
+                      <a:prstDash val="solid"/>
+                      <a:round/>
+                      <a:headEnd type="none" w="med" len="med"/>
+                      <a:tailEnd type="none" w="med" len="med"/>
+                    </a:lnB>
+                    <a:noFill/>
+                  </a:tcPr>
+                </a:tc>
+                <a:tc>
+                  <a:txBody>
+                    <a:bodyPr/>
+                    <a:lstStyle/>
+                    <a:p>
+                      <a:pPr marL="0" marR="0" lvl="0" indent="0" algn="l" defTabSz="914400" rtl="0" eaLnBrk="1" fontAlgn="auto" latinLnBrk="0" hangingPunct="1">
+                        <a:lnSpc>
+                          <a:spcPct val="100000"/>
+                        </a:lnSpc>
+                        <a:spcBef>
+                          <a:spcPts val="0"/>
+                        </a:spcBef>
+                        <a:spcAft>
+                          <a:spcPts val="0"/>
+                        </a:spcAft>
+                        <a:buClrTx/>
+                        <a:buSzTx/>
+                        <a:buFontTx/>
+                        <a:buNone/>
+                        <a:tabLst/>
+                        <a:defRPr/>
+                      </a:pPr>
+                      <a:r>
+                        <a:rPr kumimoji="1" lang="en-US" altLang="ja-JP" sz="1600" b="0" dirty="0">
+                          <a:solidFill>
+                            <a:srgbClr val="FF0000"/>
+                          </a:solidFill>
+                        </a:rPr>
+                        <a:t>Mad Mints 2.2 times faster</a:t>
+                      </a:r>
+                      <a:endParaRPr kumimoji="1" lang="ja-JP" altLang="en-US" sz="1600" b="0">
+                        <a:solidFill>
+                          <a:srgbClr val="FF0000"/>
+                        </a:solidFill>
+                      </a:endParaRPr>
+                    </a:p>
+                  </a:txBody>
+                  <a:tcPr anchor="ctr">
+                    <a:lnL w="12700" cap="flat" cmpd="sng" algn="ctr">
+                      <a:solidFill>
+                        <a:schemeClr val="tx1">
+                          <a:lumMod val="50000"/>
+                          <a:lumOff val="50000"/>
+                        </a:schemeClr>
+                      </a:solidFill>
+                      <a:prstDash val="solid"/>
+                      <a:round/>
+                      <a:headEnd type="none" w="med" len="med"/>
+                      <a:tailEnd type="none" w="med" len="med"/>
+                    </a:lnL>
+                    <a:lnR w="12700" cap="flat" cmpd="sng" algn="ctr">
+                      <a:solidFill>
+                        <a:schemeClr val="tx1">
+                          <a:lumMod val="50000"/>
+                          <a:lumOff val="50000"/>
+                        </a:schemeClr>
+                      </a:solidFill>
+                      <a:prstDash val="solid"/>
+                      <a:round/>
+                      <a:headEnd type="none" w="med" len="med"/>
+                      <a:tailEnd type="none" w="med" len="med"/>
+                    </a:lnR>
+                    <a:lnT w="12700" cap="flat" cmpd="sng" algn="ctr">
+                      <a:solidFill>
+                        <a:schemeClr val="tx1">
+                          <a:lumMod val="50000"/>
+                          <a:lumOff val="50000"/>
+                        </a:schemeClr>
+                      </a:solidFill>
+                      <a:prstDash val="solid"/>
+                      <a:round/>
+                      <a:headEnd type="none" w="med" len="med"/>
+                      <a:tailEnd type="none" w="med" len="med"/>
+                    </a:lnT>
+                    <a:lnB w="12700" cap="flat" cmpd="sng" algn="ctr">
+                      <a:solidFill>
+                        <a:schemeClr val="tx1">
+                          <a:lumMod val="50000"/>
+                          <a:lumOff val="50000"/>
+                        </a:schemeClr>
+                      </a:solidFill>
+                      <a:prstDash val="solid"/>
+                      <a:round/>
+                      <a:headEnd type="none" w="med" len="med"/>
+                      <a:tailEnd type="none" w="med" len="med"/>
+                    </a:lnB>
+                    <a:noFill/>
+                  </a:tcPr>
+                </a:tc>
+                <a:extLst>
+                  <a:ext uri="{0D108BD9-81ED-4DB2-BD59-A6C34878D82A}">
+                    <a16:rowId xmlns:a16="http://schemas.microsoft.com/office/drawing/2014/main" val="1046344156"/>
+                  </a:ext>
+                </a:extLst>
+              </a:tr>
+              <a:tr h="878948">
+                <a:tc vMerge="1">
+                  <a:txBody>
+                    <a:bodyPr/>
+                    <a:lstStyle/>
+                    <a:p>
+                      <a:endParaRPr kumimoji="1" lang="ja-JP" altLang="en-US" sz="1600" b="0">
+                        <a:solidFill>
+                          <a:schemeClr val="tx1"/>
+                        </a:solidFill>
+                      </a:endParaRPr>
+                    </a:p>
+                  </a:txBody>
+                  <a:tcPr anchor="ctr">
+                    <a:lnL w="12700" cap="flat" cmpd="sng" algn="ctr">
+                      <a:solidFill>
+                        <a:schemeClr val="tx1">
+                          <a:lumMod val="50000"/>
+                          <a:lumOff val="50000"/>
+                        </a:schemeClr>
+                      </a:solidFill>
+                      <a:prstDash val="solid"/>
+                      <a:round/>
+                      <a:headEnd type="none" w="med" len="med"/>
+                      <a:tailEnd type="none" w="med" len="med"/>
+                    </a:lnL>
+                    <a:lnR w="12700" cap="flat" cmpd="sng" algn="ctr">
+                      <a:solidFill>
+                        <a:schemeClr val="tx1">
+                          <a:lumMod val="50000"/>
+                          <a:lumOff val="50000"/>
+                        </a:schemeClr>
+                      </a:solidFill>
+                      <a:prstDash val="solid"/>
+                      <a:round/>
+                      <a:headEnd type="none" w="med" len="med"/>
+                      <a:tailEnd type="none" w="med" len="med"/>
+                    </a:lnR>
+                    <a:lnT w="12700" cap="flat" cmpd="sng" algn="ctr">
+                      <a:solidFill>
+                        <a:schemeClr val="tx1">
+                          <a:lumMod val="50000"/>
+                          <a:lumOff val="50000"/>
+                        </a:schemeClr>
+                      </a:solidFill>
+                      <a:prstDash val="solid"/>
+                      <a:round/>
+                      <a:headEnd type="none" w="med" len="med"/>
+                      <a:tailEnd type="none" w="med" len="med"/>
+                    </a:lnT>
+                    <a:lnB w="12700" cap="flat" cmpd="sng" algn="ctr">
+                      <a:solidFill>
+                        <a:schemeClr val="tx1">
+                          <a:lumMod val="50000"/>
+                          <a:lumOff val="50000"/>
+                        </a:schemeClr>
+                      </a:solidFill>
+                      <a:prstDash val="solid"/>
+                      <a:round/>
+                      <a:headEnd type="none" w="med" len="med"/>
+                      <a:tailEnd type="none" w="med" len="med"/>
+                    </a:lnB>
+                    <a:noFill/>
+                  </a:tcPr>
+                </a:tc>
+                <a:tc>
+                  <a:txBody>
+                    <a:bodyPr/>
+                    <a:lstStyle/>
+                    <a:p>
+                      <a:r>
+                        <a:rPr kumimoji="1" lang="en-US" altLang="ja-JP" sz="1600" b="0" dirty="0">
+                          <a:solidFill>
+                            <a:schemeClr val="tx1"/>
+                          </a:solidFill>
+                        </a:rPr>
+                        <a:t>40 Instructions</a:t>
+                      </a:r>
+                      <a:endParaRPr kumimoji="1" lang="ja-JP" altLang="en-US" sz="1600" b="0">
+                        <a:solidFill>
+                          <a:schemeClr val="tx1"/>
+                        </a:solidFill>
+                      </a:endParaRPr>
+                    </a:p>
+                  </a:txBody>
+                  <a:tcPr anchor="ctr">
+                    <a:lnL w="12700" cap="flat" cmpd="sng" algn="ctr">
+                      <a:solidFill>
+                        <a:schemeClr val="tx1">
+                          <a:lumMod val="50000"/>
+                          <a:lumOff val="50000"/>
+                        </a:schemeClr>
+                      </a:solidFill>
+                      <a:prstDash val="solid"/>
+                      <a:round/>
+                      <a:headEnd type="none" w="med" len="med"/>
+                      <a:tailEnd type="none" w="med" len="med"/>
+                    </a:lnL>
+                    <a:lnR w="12700" cap="flat" cmpd="sng" algn="ctr">
+                      <a:solidFill>
+                        <a:schemeClr val="tx1">
+                          <a:lumMod val="50000"/>
+                          <a:lumOff val="50000"/>
+                        </a:schemeClr>
+                      </a:solidFill>
+                      <a:prstDash val="solid"/>
+                      <a:round/>
+                      <a:headEnd type="none" w="med" len="med"/>
+                      <a:tailEnd type="none" w="med" len="med"/>
+                    </a:lnR>
+                    <a:lnT w="12700" cap="flat" cmpd="sng" algn="ctr">
+                      <a:solidFill>
+                        <a:schemeClr val="tx1">
+                          <a:lumMod val="50000"/>
+                          <a:lumOff val="50000"/>
+                        </a:schemeClr>
+                      </a:solidFill>
+                      <a:prstDash val="solid"/>
+                      <a:round/>
+                      <a:headEnd type="none" w="med" len="med"/>
+                      <a:tailEnd type="none" w="med" len="med"/>
+                    </a:lnT>
+                    <a:lnB w="12700" cap="flat" cmpd="sng" algn="ctr">
+                      <a:solidFill>
+                        <a:schemeClr val="tx1">
+                          <a:lumMod val="50000"/>
+                          <a:lumOff val="50000"/>
+                        </a:schemeClr>
+                      </a:solidFill>
+                      <a:prstDash val="solid"/>
+                      <a:round/>
+                      <a:headEnd type="none" w="med" len="med"/>
+                      <a:tailEnd type="none" w="med" len="med"/>
+                    </a:lnB>
+                    <a:noFill/>
+                  </a:tcPr>
+                </a:tc>
+                <a:tc>
+                  <a:txBody>
+                    <a:bodyPr/>
+                    <a:lstStyle/>
+                    <a:p>
+                      <a:r>
+                        <a:rPr kumimoji="1" lang="en-US" altLang="ja-JP" sz="1600" b="0" dirty="0">
+                          <a:solidFill>
+                            <a:schemeClr val="tx1"/>
+                          </a:solidFill>
+                        </a:rPr>
+                        <a:t>20 </a:t>
+                      </a:r>
+                      <a:r>
+                        <a:rPr kumimoji="1" lang="en-US" altLang="ja-JP" sz="1600" b="0" dirty="0" err="1">
+                          <a:solidFill>
+                            <a:schemeClr val="tx1"/>
+                          </a:solidFill>
+                        </a:rPr>
+                        <a:t>ms</a:t>
+                      </a:r>
+                      <a:endParaRPr kumimoji="1" lang="ja-JP" altLang="en-US" sz="1600" b="0">
+                        <a:solidFill>
+                          <a:schemeClr val="tx1"/>
+                        </a:solidFill>
+                      </a:endParaRPr>
+                    </a:p>
+                  </a:txBody>
+                  <a:tcPr anchor="ctr">
+                    <a:lnL w="12700" cap="flat" cmpd="sng" algn="ctr">
+                      <a:solidFill>
+                        <a:schemeClr val="tx1">
+                          <a:lumMod val="50000"/>
+                          <a:lumOff val="50000"/>
+                        </a:schemeClr>
+                      </a:solidFill>
+                      <a:prstDash val="solid"/>
+                      <a:round/>
+                      <a:headEnd type="none" w="med" len="med"/>
+                      <a:tailEnd type="none" w="med" len="med"/>
+                    </a:lnL>
+                    <a:lnR w="12700" cap="flat" cmpd="sng" algn="ctr">
+                      <a:solidFill>
+                        <a:schemeClr val="tx1">
+                          <a:lumMod val="50000"/>
+                          <a:lumOff val="50000"/>
+                        </a:schemeClr>
+                      </a:solidFill>
+                      <a:prstDash val="solid"/>
+                      <a:round/>
+                      <a:headEnd type="none" w="med" len="med"/>
+                      <a:tailEnd type="none" w="med" len="med"/>
+                    </a:lnR>
+                    <a:lnT w="12700" cap="flat" cmpd="sng" algn="ctr">
+                      <a:solidFill>
+                        <a:schemeClr val="tx1">
+                          <a:lumMod val="50000"/>
+                          <a:lumOff val="50000"/>
+                        </a:schemeClr>
+                      </a:solidFill>
+                      <a:prstDash val="solid"/>
+                      <a:round/>
+                      <a:headEnd type="none" w="med" len="med"/>
+                      <a:tailEnd type="none" w="med" len="med"/>
+                    </a:lnT>
+                    <a:lnB w="12700" cap="flat" cmpd="sng" algn="ctr">
+                      <a:solidFill>
+                        <a:schemeClr val="tx1">
+                          <a:lumMod val="50000"/>
+                          <a:lumOff val="50000"/>
+                        </a:schemeClr>
+                      </a:solidFill>
+                      <a:prstDash val="solid"/>
+                      <a:round/>
+                      <a:headEnd type="none" w="med" len="med"/>
+                      <a:tailEnd type="none" w="med" len="med"/>
+                    </a:lnB>
+                    <a:noFill/>
+                  </a:tcPr>
+                </a:tc>
+                <a:tc>
+                  <a:txBody>
+                    <a:bodyPr/>
+                    <a:lstStyle/>
+                    <a:p>
+                      <a:r>
+                        <a:rPr kumimoji="1" lang="en-US" altLang="ja-JP" sz="1600" b="0" dirty="0">
+                          <a:solidFill>
+                            <a:schemeClr val="tx1"/>
+                          </a:solidFill>
+                        </a:rPr>
+                        <a:t>53 </a:t>
+                      </a:r>
+                      <a:r>
+                        <a:rPr kumimoji="1" lang="en-US" altLang="ja-JP" sz="1600" b="0" dirty="0" err="1">
+                          <a:solidFill>
+                            <a:schemeClr val="tx1"/>
+                          </a:solidFill>
+                        </a:rPr>
+                        <a:t>ms</a:t>
+                      </a:r>
+                      <a:endParaRPr kumimoji="1" lang="ja-JP" altLang="en-US" sz="1600" b="0">
+                        <a:solidFill>
+                          <a:schemeClr val="tx1"/>
+                        </a:solidFill>
+                      </a:endParaRPr>
+                    </a:p>
+                  </a:txBody>
+                  <a:tcPr anchor="ctr">
+                    <a:lnL w="12700" cap="flat" cmpd="sng" algn="ctr">
+                      <a:solidFill>
+                        <a:schemeClr val="tx1">
+                          <a:lumMod val="50000"/>
+                          <a:lumOff val="50000"/>
+                        </a:schemeClr>
+                      </a:solidFill>
+                      <a:prstDash val="solid"/>
+                      <a:round/>
+                      <a:headEnd type="none" w="med" len="med"/>
+                      <a:tailEnd type="none" w="med" len="med"/>
+                    </a:lnL>
+                    <a:lnR w="12700" cap="flat" cmpd="sng" algn="ctr">
+                      <a:solidFill>
+                        <a:schemeClr val="tx1">
+                          <a:lumMod val="50000"/>
+                          <a:lumOff val="50000"/>
+                        </a:schemeClr>
+                      </a:solidFill>
+                      <a:prstDash val="solid"/>
+                      <a:round/>
+                      <a:headEnd type="none" w="med" len="med"/>
+                      <a:tailEnd type="none" w="med" len="med"/>
+                    </a:lnR>
+                    <a:lnT w="12700" cap="flat" cmpd="sng" algn="ctr">
+                      <a:solidFill>
+                        <a:schemeClr val="tx1">
+                          <a:lumMod val="50000"/>
+                          <a:lumOff val="50000"/>
+                        </a:schemeClr>
+                      </a:solidFill>
+                      <a:prstDash val="solid"/>
+                      <a:round/>
+                      <a:headEnd type="none" w="med" len="med"/>
+                      <a:tailEnd type="none" w="med" len="med"/>
+                    </a:lnT>
+                    <a:lnB w="12700" cap="flat" cmpd="sng" algn="ctr">
+                      <a:solidFill>
+                        <a:schemeClr val="tx1">
+                          <a:lumMod val="50000"/>
+                          <a:lumOff val="50000"/>
+                        </a:schemeClr>
+                      </a:solidFill>
+                      <a:prstDash val="solid"/>
+                      <a:round/>
+                      <a:headEnd type="none" w="med" len="med"/>
+                      <a:tailEnd type="none" w="med" len="med"/>
+                    </a:lnB>
+                    <a:noFill/>
+                  </a:tcPr>
+                </a:tc>
+                <a:tc>
+                  <a:txBody>
+                    <a:bodyPr/>
+                    <a:lstStyle/>
+                    <a:p>
+                      <a:pPr marL="0" marR="0" lvl="0" indent="0" algn="l" defTabSz="914400" rtl="0" eaLnBrk="1" fontAlgn="auto" latinLnBrk="0" hangingPunct="1">
+                        <a:lnSpc>
+                          <a:spcPct val="100000"/>
+                        </a:lnSpc>
+                        <a:spcBef>
+                          <a:spcPts val="0"/>
+                        </a:spcBef>
+                        <a:spcAft>
+                          <a:spcPts val="0"/>
+                        </a:spcAft>
+                        <a:buClrTx/>
+                        <a:buSzTx/>
+                        <a:buFontTx/>
+                        <a:buNone/>
+                        <a:tabLst/>
+                        <a:defRPr/>
+                      </a:pPr>
+                      <a:r>
+                        <a:rPr kumimoji="1" lang="en-US" altLang="ja-JP" sz="1600" b="0" dirty="0">
+                          <a:solidFill>
+                            <a:schemeClr val="tx1"/>
+                          </a:solidFill>
+                        </a:rPr>
+                        <a:t>Mad Mints 2.6 times faster</a:t>
+                      </a:r>
+                      <a:endParaRPr kumimoji="1" lang="ja-JP" altLang="en-US" sz="1600" b="0">
+                        <a:solidFill>
+                          <a:schemeClr val="tx1"/>
+                        </a:solidFill>
+                      </a:endParaRPr>
+                    </a:p>
+                  </a:txBody>
+                  <a:tcPr anchor="ctr">
+                    <a:lnL w="12700" cap="flat" cmpd="sng" algn="ctr">
+                      <a:solidFill>
+                        <a:schemeClr val="tx1">
+                          <a:lumMod val="50000"/>
+                          <a:lumOff val="50000"/>
+                        </a:schemeClr>
+                      </a:solidFill>
+                      <a:prstDash val="solid"/>
+                      <a:round/>
+                      <a:headEnd type="none" w="med" len="med"/>
+                      <a:tailEnd type="none" w="med" len="med"/>
+                    </a:lnL>
+                    <a:lnR w="12700" cap="flat" cmpd="sng" algn="ctr">
+                      <a:solidFill>
+                        <a:schemeClr val="tx1">
+                          <a:lumMod val="50000"/>
+                          <a:lumOff val="50000"/>
+                        </a:schemeClr>
+                      </a:solidFill>
+                      <a:prstDash val="solid"/>
+                      <a:round/>
+                      <a:headEnd type="none" w="med" len="med"/>
+                      <a:tailEnd type="none" w="med" len="med"/>
+                    </a:lnR>
+                    <a:lnT w="12700" cap="flat" cmpd="sng" algn="ctr">
+                      <a:solidFill>
+                        <a:schemeClr val="tx1">
+                          <a:lumMod val="50000"/>
+                          <a:lumOff val="50000"/>
+                        </a:schemeClr>
+                      </a:solidFill>
+                      <a:prstDash val="solid"/>
+                      <a:round/>
+                      <a:headEnd type="none" w="med" len="med"/>
+                      <a:tailEnd type="none" w="med" len="med"/>
+                    </a:lnT>
+                    <a:lnB w="12700" cap="flat" cmpd="sng" algn="ctr">
+                      <a:solidFill>
+                        <a:schemeClr val="tx1">
+                          <a:lumMod val="50000"/>
+                          <a:lumOff val="50000"/>
+                        </a:schemeClr>
+                      </a:solidFill>
+                      <a:prstDash val="solid"/>
+                      <a:round/>
+                      <a:headEnd type="none" w="med" len="med"/>
+                      <a:tailEnd type="none" w="med" len="med"/>
+                    </a:lnB>
+                    <a:noFill/>
+                  </a:tcPr>
+                </a:tc>
+                <a:extLst>
+                  <a:ext uri="{0D108BD9-81ED-4DB2-BD59-A6C34878D82A}">
+                    <a16:rowId xmlns:a16="http://schemas.microsoft.com/office/drawing/2014/main" val="2906060762"/>
+                  </a:ext>
+                </a:extLst>
+              </a:tr>
+            </a:tbl>
+          </a:graphicData>
+        </a:graphic>
+      </p:graphicFrame>
+      <p:sp>
+        <p:nvSpPr>
+          <p:cNvPr id="3" name="テキスト ボックス 2">
+            <a:extLst>
+              <a:ext uri="{FF2B5EF4-FFF2-40B4-BE49-F238E27FC236}">
+                <a16:creationId xmlns:a16="http://schemas.microsoft.com/office/drawing/2014/main" id="{B66D550E-9D39-E8B2-BEFF-6191E1275EF3}"/>
+              </a:ext>
+            </a:extLst>
+          </p:cNvPr>
+          <p:cNvSpPr txBox="1"/>
+          <p:nvPr/>
+        </p:nvSpPr>
+        <p:spPr>
+          <a:xfrm>
+            <a:off x="10729139" y="9225"/>
+            <a:ext cx="1443600" cy="315912"/>
+          </a:xfrm>
+          <a:prstGeom prst="rect">
+            <a:avLst/>
+          </a:prstGeom>
+          <a:noFill/>
+        </p:spPr>
+        <p:txBody>
+          <a:bodyPr wrap="square" rtlCol="0">
+            <a:noAutofit/>
+          </a:bodyPr>
+          <a:lstStyle/>
+          <a:p>
+            <a:pPr algn="r"/>
+            <a:r>
+              <a:rPr kumimoji="1" lang="en-US" altLang="ja-JP" sz="1200" dirty="0"/>
+              <a:t>JST May 28 2023</a:t>
+            </a:r>
+            <a:endParaRPr kumimoji="1" lang="ja-JP" altLang="en-US" sz="1200" dirty="0"/>
+          </a:p>
+        </p:txBody>
+      </p:sp>
+      <p:pic>
+        <p:nvPicPr>
+          <p:cNvPr id="6" name="図 5">
+            <a:extLst>
+              <a:ext uri="{FF2B5EF4-FFF2-40B4-BE49-F238E27FC236}">
+                <a16:creationId xmlns:a16="http://schemas.microsoft.com/office/drawing/2014/main" id="{5B5B1581-2DEF-2171-78E4-6A9C0491C401}"/>
+              </a:ext>
+            </a:extLst>
+          </p:cNvPr>
+          <p:cNvPicPr>
+            <a:picLocks noChangeAspect="1"/>
+          </p:cNvPicPr>
+          <p:nvPr/>
+        </p:nvPicPr>
+        <p:blipFill>
+          <a:blip r:embed="rId2" cstate="screen">
+            <a:extLst>
+              <a:ext uri="{28A0092B-C50C-407E-A947-70E740481C1C}">
+                <a14:useLocalDpi xmlns:a14="http://schemas.microsoft.com/office/drawing/2010/main"/>
+              </a:ext>
+            </a:extLst>
+          </a:blip>
+          <a:stretch>
+            <a:fillRect/>
+          </a:stretch>
+        </p:blipFill>
+        <p:spPr>
+          <a:xfrm>
+            <a:off x="838200" y="908341"/>
+            <a:ext cx="4693920" cy="1249827"/>
+          </a:xfrm>
+          <a:prstGeom prst="rect">
+            <a:avLst/>
+          </a:prstGeom>
+        </p:spPr>
+      </p:pic>
+      <p:sp>
+        <p:nvSpPr>
+          <p:cNvPr id="9" name="正方形/長方形 8">
+            <a:extLst>
+              <a:ext uri="{FF2B5EF4-FFF2-40B4-BE49-F238E27FC236}">
+                <a16:creationId xmlns:a16="http://schemas.microsoft.com/office/drawing/2014/main" id="{3572253C-1EB2-79D5-7844-AE24337E9152}"/>
+              </a:ext>
+            </a:extLst>
+          </p:cNvPr>
+          <p:cNvSpPr/>
+          <p:nvPr/>
+        </p:nvSpPr>
+        <p:spPr>
+          <a:xfrm>
+            <a:off x="4305300" y="1245870"/>
+            <a:ext cx="845820" cy="1003139"/>
+          </a:xfrm>
+          <a:prstGeom prst="rect">
+            <a:avLst/>
+          </a:prstGeom>
+          <a:noFill/>
+          <a:ln>
+            <a:solidFill>
+              <a:srgbClr val="FF0000"/>
+            </a:solidFill>
+          </a:ln>
+        </p:spPr>
+        <p:style>
+          <a:lnRef idx="2">
+            <a:schemeClr val="accent1">
+              <a:shade val="50000"/>
+            </a:schemeClr>
+          </a:lnRef>
+          <a:fillRef idx="1">
+            <a:schemeClr val="accent1"/>
+          </a:fillRef>
+          <a:effectRef idx="0">
+            <a:schemeClr val="accent1"/>
+          </a:effectRef>
+          <a:fontRef idx="minor">
+            <a:schemeClr val="lt1"/>
+          </a:fontRef>
+        </p:style>
+        <p:txBody>
+          <a:bodyPr rtlCol="0" anchor="ctr"/>
+          <a:lstStyle/>
+          <a:p>
+            <a:pPr algn="ctr"/>
+            <a:endParaRPr kumimoji="1" lang="ja-JP" altLang="en-US" sz="1600">
+              <a:solidFill>
+                <a:schemeClr val="tx1"/>
+              </a:solidFill>
+            </a:endParaRPr>
+          </a:p>
+        </p:txBody>
+      </p:sp>
+      <p:sp>
+        <p:nvSpPr>
+          <p:cNvPr id="12" name="テキスト ボックス 11">
+            <a:extLst>
+              <a:ext uri="{FF2B5EF4-FFF2-40B4-BE49-F238E27FC236}">
+                <a16:creationId xmlns:a16="http://schemas.microsoft.com/office/drawing/2014/main" id="{F7A31A3A-A292-E95F-66EC-4E928A76FF16}"/>
+              </a:ext>
+            </a:extLst>
+          </p:cNvPr>
+          <p:cNvSpPr txBox="1"/>
+          <p:nvPr/>
+        </p:nvSpPr>
+        <p:spPr>
+          <a:xfrm>
+            <a:off x="5151120" y="1495979"/>
+            <a:ext cx="1283880" cy="502920"/>
+          </a:xfrm>
+          <a:prstGeom prst="rect">
+            <a:avLst/>
+          </a:prstGeom>
+          <a:noFill/>
+        </p:spPr>
+        <p:txBody>
+          <a:bodyPr wrap="square" rtlCol="0">
+            <a:noAutofit/>
+          </a:bodyPr>
+          <a:lstStyle/>
+          <a:p>
+            <a:pPr algn="ctr"/>
+            <a:r>
+              <a:rPr kumimoji="1" lang="en-US" altLang="ja-JP" sz="1200" dirty="0">
+                <a:solidFill>
+                  <a:srgbClr val="FF0000"/>
+                </a:solidFill>
+              </a:rPr>
+              <a:t>Speed test scope of Mad Mints</a:t>
+            </a:r>
+            <a:endParaRPr kumimoji="1" lang="ja-JP" altLang="en-US" sz="1200" dirty="0">
+              <a:solidFill>
+                <a:srgbClr val="FF0000"/>
+              </a:solidFill>
+            </a:endParaRPr>
+          </a:p>
+        </p:txBody>
+      </p:sp>
+      <p:sp>
+        <p:nvSpPr>
+          <p:cNvPr id="7" name="正方形/長方形 6">
+            <a:extLst>
+              <a:ext uri="{FF2B5EF4-FFF2-40B4-BE49-F238E27FC236}">
+                <a16:creationId xmlns:a16="http://schemas.microsoft.com/office/drawing/2014/main" id="{DD011DDB-B9BD-D5A5-E04D-10556CEF6FE4}"/>
+              </a:ext>
+            </a:extLst>
+          </p:cNvPr>
+          <p:cNvSpPr/>
+          <p:nvPr/>
+        </p:nvSpPr>
+        <p:spPr>
+          <a:xfrm>
+            <a:off x="2339340" y="1245870"/>
+            <a:ext cx="845820" cy="1003139"/>
+          </a:xfrm>
+          <a:prstGeom prst="rect">
+            <a:avLst/>
+          </a:prstGeom>
+          <a:noFill/>
+          <a:ln>
+            <a:solidFill>
+              <a:srgbClr val="FF0000"/>
+            </a:solidFill>
+          </a:ln>
+        </p:spPr>
+        <p:style>
+          <a:lnRef idx="2">
+            <a:schemeClr val="accent1">
+              <a:shade val="50000"/>
+            </a:schemeClr>
+          </a:lnRef>
+          <a:fillRef idx="1">
+            <a:schemeClr val="accent1"/>
+          </a:fillRef>
+          <a:effectRef idx="0">
+            <a:schemeClr val="accent1"/>
+          </a:effectRef>
+          <a:fontRef idx="minor">
+            <a:schemeClr val="lt1"/>
+          </a:fontRef>
+        </p:style>
+        <p:txBody>
+          <a:bodyPr rtlCol="0" anchor="ctr"/>
+          <a:lstStyle/>
+          <a:p>
+            <a:pPr algn="ctr"/>
+            <a:endParaRPr kumimoji="1" lang="ja-JP" altLang="en-US" sz="1600">
+              <a:solidFill>
+                <a:schemeClr val="tx1"/>
+              </a:solidFill>
+            </a:endParaRPr>
+          </a:p>
+        </p:txBody>
+      </p:sp>
+      <p:sp>
+        <p:nvSpPr>
+          <p:cNvPr id="11" name="テキスト ボックス 10">
+            <a:extLst>
+              <a:ext uri="{FF2B5EF4-FFF2-40B4-BE49-F238E27FC236}">
+                <a16:creationId xmlns:a16="http://schemas.microsoft.com/office/drawing/2014/main" id="{6CB7F5ED-1499-08E3-207A-DCF625A6D5B8}"/>
+              </a:ext>
+            </a:extLst>
+          </p:cNvPr>
+          <p:cNvSpPr txBox="1"/>
+          <p:nvPr/>
+        </p:nvSpPr>
+        <p:spPr>
+          <a:xfrm>
+            <a:off x="838200" y="5932170"/>
+            <a:ext cx="10515600" cy="457200"/>
+          </a:xfrm>
+          <a:prstGeom prst="rect">
+            <a:avLst/>
+          </a:prstGeom>
+          <a:noFill/>
+        </p:spPr>
+        <p:txBody>
+          <a:bodyPr wrap="square" rtlCol="0">
+            <a:noAutofit/>
+          </a:bodyPr>
+          <a:lstStyle/>
+          <a:p>
+            <a:r>
+              <a:rPr kumimoji="1" lang="en-US" altLang="ja-JP" sz="1200" dirty="0"/>
+              <a:t>*1 Transfer SOL instructions using Solana web3.js.</a:t>
+            </a:r>
+          </a:p>
+          <a:p>
+            <a:r>
+              <a:rPr kumimoji="1" lang="en-US" altLang="ja-JP" sz="1200" dirty="0"/>
+              <a:t>*2 Use </a:t>
+            </a:r>
+            <a:r>
+              <a:rPr kumimoji="1" lang="en-US" altLang="ja-JP" sz="1200" dirty="0" err="1"/>
+              <a:t>performance.now</a:t>
+            </a:r>
+            <a:r>
+              <a:rPr kumimoji="1" lang="en-US" altLang="ja-JP" sz="1200" dirty="0"/>
+              <a:t> method of JS using Solana Test Validator v 1.15.2. macOS Monterey 12.6.5, MacBook Pro (13-inch, 2018), 2.7 GHz Core i7, Memory 16 GB</a:t>
+            </a:r>
+            <a:endParaRPr kumimoji="1" lang="ja-JP" altLang="en-US" sz="1200" dirty="0"/>
+          </a:p>
+        </p:txBody>
+      </p:sp>
+    </p:spTree>
+    <p:extLst>
+      <p:ext uri="{BB962C8B-B14F-4D97-AF65-F5344CB8AC3E}">
+        <p14:creationId xmlns:p14="http://schemas.microsoft.com/office/powerpoint/2010/main" val="3830197520"/>
+      </p:ext>
+    </p:extLst>
+  </p:cSld>
+  <p:clrMapOvr>
+    <a:masterClrMapping/>
+  </p:clrMapOvr>
+</p:sld>
+</file>
+
+<file path=ppt/slides/slide7.xml><?xml version="1.0" encoding="utf-8"?>
+<p:sld xmlns:a="http://schemas.openxmlformats.org/drawingml/2006/main" xmlns:r="http://schemas.openxmlformats.org/officeDocument/2006/relationships" xmlns:p="http://schemas.openxmlformats.org/presentationml/2006/main">
+  <p:cSld>
+    <p:spTree>
+      <p:nvGrpSpPr>
+        <p:cNvPr id="1" name=""/>
+        <p:cNvGrpSpPr/>
+        <p:nvPr/>
+      </p:nvGrpSpPr>
+      <p:grpSpPr>
+        <a:xfrm>
+          <a:off x="0" y="0"/>
+          <a:ext cx="0" cy="0"/>
+          <a:chOff x="0" y="0"/>
+          <a:chExt cx="0" cy="0"/>
+        </a:xfrm>
+      </p:grpSpPr>
+      <p:sp>
+        <p:nvSpPr>
+          <p:cNvPr id="2" name="タイトル 1">
+            <a:extLst>
+              <a:ext uri="{FF2B5EF4-FFF2-40B4-BE49-F238E27FC236}">
+                <a16:creationId xmlns:a16="http://schemas.microsoft.com/office/drawing/2014/main" id="{13C51C0C-3161-ADEB-5017-D8AA808A80C0}"/>
+              </a:ext>
+            </a:extLst>
+          </p:cNvPr>
+          <p:cNvSpPr>
+            <a:spLocks noGrp="1"/>
+          </p:cNvSpPr>
+          <p:nvPr>
+            <p:ph type="title"/>
+          </p:nvPr>
+        </p:nvSpPr>
+        <p:spPr/>
+        <p:txBody>
+          <a:bodyPr/>
+          <a:lstStyle/>
+          <a:p>
+            <a:r>
+              <a:rPr kumimoji="1" lang="en-US" altLang="ja-JP" dirty="0"/>
+              <a:t>Conclusion of Mad Mints</a:t>
+            </a:r>
+            <a:endParaRPr kumimoji="1" lang="ja-JP" altLang="en-US"/>
+          </a:p>
+        </p:txBody>
+      </p:sp>
+      <p:sp>
+        <p:nvSpPr>
+          <p:cNvPr id="3" name="コンテンツ プレースホルダー 2">
+            <a:extLst>
+              <a:ext uri="{FF2B5EF4-FFF2-40B4-BE49-F238E27FC236}">
+                <a16:creationId xmlns:a16="http://schemas.microsoft.com/office/drawing/2014/main" id="{33F5A0DD-F857-B153-08A0-FAC8BDF82A42}"/>
+              </a:ext>
+            </a:extLst>
+          </p:cNvPr>
+          <p:cNvSpPr>
+            <a:spLocks noGrp="1"/>
+          </p:cNvSpPr>
+          <p:nvPr>
+            <p:ph idx="1"/>
+          </p:nvPr>
+        </p:nvSpPr>
+        <p:spPr/>
+        <p:txBody>
+          <a:bodyPr/>
+          <a:lstStyle/>
+          <a:p>
+            <a:r>
+              <a:rPr kumimoji="1" lang="en-US" altLang="ja-JP" dirty="0"/>
+              <a:t>If you need fine-tuning speed, you should use Mad Mints.</a:t>
+            </a:r>
+            <a:endParaRPr kumimoji="1" lang="ja-JP" altLang="en-US"/>
+          </a:p>
+        </p:txBody>
+      </p:sp>
+      <p:sp>
+        <p:nvSpPr>
+          <p:cNvPr id="4" name="フッター プレースホルダー 3">
+            <a:extLst>
+              <a:ext uri="{FF2B5EF4-FFF2-40B4-BE49-F238E27FC236}">
+                <a16:creationId xmlns:a16="http://schemas.microsoft.com/office/drawing/2014/main" id="{4C218ADF-6D11-9355-D8BB-E4DB9265E7A6}"/>
+              </a:ext>
+            </a:extLst>
+          </p:cNvPr>
+          <p:cNvSpPr>
+            <a:spLocks noGrp="1"/>
+          </p:cNvSpPr>
+          <p:nvPr>
+            <p:ph type="ftr" sz="quarter" idx="11"/>
+          </p:nvPr>
+        </p:nvSpPr>
+        <p:spPr/>
+        <p:txBody>
+          <a:bodyPr/>
+          <a:lstStyle/>
+          <a:p>
+            <a:r>
+              <a:rPr kumimoji="1" lang="en-US" altLang="ja-JP"/>
+              <a:t>256hax</a:t>
+            </a:r>
+            <a:endParaRPr kumimoji="1" lang="ja-JP" altLang="en-US"/>
+          </a:p>
+        </p:txBody>
+      </p:sp>
+      <p:sp>
+        <p:nvSpPr>
+          <p:cNvPr id="5" name="スライド番号プレースホルダー 4">
+            <a:extLst>
+              <a:ext uri="{FF2B5EF4-FFF2-40B4-BE49-F238E27FC236}">
+                <a16:creationId xmlns:a16="http://schemas.microsoft.com/office/drawing/2014/main" id="{DD9DD953-7F72-CB4C-C8A1-FAE575F11739}"/>
+              </a:ext>
+            </a:extLst>
+          </p:cNvPr>
+          <p:cNvSpPr>
+            <a:spLocks noGrp="1"/>
+          </p:cNvSpPr>
+          <p:nvPr>
+            <p:ph type="sldNum" sz="quarter" idx="12"/>
+          </p:nvPr>
+        </p:nvSpPr>
+        <p:spPr/>
+        <p:txBody>
+          <a:bodyPr/>
+          <a:lstStyle/>
+          <a:p>
+            <a:fld id="{51BE5F08-58E8-9243-A834-2B76637F595D}" type="slidenum">
+              <a:rPr kumimoji="1" lang="ja-JP" altLang="en-US" smtClean="0"/>
+              <a:pPr/>
+              <a:t>6</a:t>
             </a:fld>
             <a:endParaRPr kumimoji="1" lang="ja-JP" altLang="en-US"/>
           </a:p>
@@ -7707,7 +13681,7 @@
 </p:sld>
 </file>
 
-<file path=ppt/slides/slide5.xml><?xml version="1.0" encoding="utf-8"?>
+<file path=ppt/slides/slide8.xml><?xml version="1.0" encoding="utf-8"?>
 <p:sld xmlns:a="http://schemas.openxmlformats.org/drawingml/2006/main" xmlns:r="http://schemas.openxmlformats.org/officeDocument/2006/relationships" xmlns:p="http://schemas.openxmlformats.org/presentationml/2006/main">
   <p:cSld>
     <p:spTree>
@@ -7729,2607 +13703,6 @@
           <p:cNvPr id="2" name="タイトル 1">
             <a:extLst>
               <a:ext uri="{FF2B5EF4-FFF2-40B4-BE49-F238E27FC236}">
-                <a16:creationId xmlns:a16="http://schemas.microsoft.com/office/drawing/2014/main" id="{13C51C0C-3161-ADEB-5017-D8AA808A80C0}"/>
-              </a:ext>
-            </a:extLst>
-          </p:cNvPr>
-          <p:cNvSpPr>
-            <a:spLocks noGrp="1"/>
-          </p:cNvSpPr>
-          <p:nvPr>
-            <p:ph type="title"/>
-          </p:nvPr>
-        </p:nvSpPr>
-        <p:spPr/>
-        <p:txBody>
-          <a:bodyPr/>
-          <a:lstStyle/>
-          <a:p>
-            <a:r>
-              <a:rPr kumimoji="1" lang="en-US" altLang="ja-JP" dirty="0"/>
-              <a:t>Speed Test Result (rough estimate)</a:t>
-            </a:r>
-            <a:endParaRPr kumimoji="1" lang="ja-JP" altLang="en-US"/>
-          </a:p>
-        </p:txBody>
-      </p:sp>
-      <p:sp>
-        <p:nvSpPr>
-          <p:cNvPr id="4" name="フッター プレースホルダー 3">
-            <a:extLst>
-              <a:ext uri="{FF2B5EF4-FFF2-40B4-BE49-F238E27FC236}">
-                <a16:creationId xmlns:a16="http://schemas.microsoft.com/office/drawing/2014/main" id="{4C218ADF-6D11-9355-D8BB-E4DB9265E7A6}"/>
-              </a:ext>
-            </a:extLst>
-          </p:cNvPr>
-          <p:cNvSpPr>
-            <a:spLocks noGrp="1"/>
-          </p:cNvSpPr>
-          <p:nvPr>
-            <p:ph type="ftr" sz="quarter" idx="11"/>
-          </p:nvPr>
-        </p:nvSpPr>
-        <p:spPr/>
-        <p:txBody>
-          <a:bodyPr/>
-          <a:lstStyle/>
-          <a:p>
-            <a:r>
-              <a:rPr kumimoji="1" lang="en-US" altLang="ja-JP"/>
-              <a:t>256hax</a:t>
-            </a:r>
-            <a:endParaRPr kumimoji="1" lang="ja-JP" altLang="en-US"/>
-          </a:p>
-        </p:txBody>
-      </p:sp>
-      <p:sp>
-        <p:nvSpPr>
-          <p:cNvPr id="5" name="スライド番号プレースホルダー 4">
-            <a:extLst>
-              <a:ext uri="{FF2B5EF4-FFF2-40B4-BE49-F238E27FC236}">
-                <a16:creationId xmlns:a16="http://schemas.microsoft.com/office/drawing/2014/main" id="{DD9DD953-7F72-CB4C-C8A1-FAE575F11739}"/>
-              </a:ext>
-            </a:extLst>
-          </p:cNvPr>
-          <p:cNvSpPr>
-            <a:spLocks noGrp="1"/>
-          </p:cNvSpPr>
-          <p:nvPr>
-            <p:ph type="sldNum" sz="quarter" idx="12"/>
-          </p:nvPr>
-        </p:nvSpPr>
-        <p:spPr/>
-        <p:txBody>
-          <a:bodyPr/>
-          <a:lstStyle/>
-          <a:p>
-            <a:fld id="{51BE5F08-58E8-9243-A834-2B76637F595D}" type="slidenum">
-              <a:rPr kumimoji="1" lang="ja-JP" altLang="en-US" smtClean="0"/>
-              <a:pPr/>
-              <a:t>4</a:t>
-            </a:fld>
-            <a:endParaRPr kumimoji="1" lang="ja-JP" altLang="en-US"/>
-          </a:p>
-        </p:txBody>
-      </p:sp>
-      <p:graphicFrame>
-        <p:nvGraphicFramePr>
-          <p:cNvPr id="8" name="表 8">
-            <a:extLst>
-              <a:ext uri="{FF2B5EF4-FFF2-40B4-BE49-F238E27FC236}">
-                <a16:creationId xmlns:a16="http://schemas.microsoft.com/office/drawing/2014/main" id="{C74D9FA4-AD55-0386-F6F5-350692C3898E}"/>
-              </a:ext>
-            </a:extLst>
-          </p:cNvPr>
-          <p:cNvGraphicFramePr>
-            <a:graphicFrameLocks noGrp="1"/>
-          </p:cNvGraphicFramePr>
-          <p:nvPr>
-            <p:extLst>
-              <p:ext uri="{D42A27DB-BD31-4B8C-83A1-F6EECF244321}">
-                <p14:modId xmlns:p14="http://schemas.microsoft.com/office/powerpoint/2010/main" val="1931759950"/>
-              </p:ext>
-            </p:extLst>
-          </p:nvPr>
-        </p:nvGraphicFramePr>
-        <p:xfrm>
-          <a:off x="838200" y="2406664"/>
-          <a:ext cx="10515602" cy="3434665"/>
-        </p:xfrm>
-        <a:graphic>
-          <a:graphicData uri="http://schemas.openxmlformats.org/drawingml/2006/table">
-            <a:tbl>
-              <a:tblPr firstRow="1" bandRow="1">
-                <a:tableStyleId>{5C22544A-7EE6-4342-B048-85BDC9FD1C3A}</a:tableStyleId>
-              </a:tblPr>
-              <a:tblGrid>
-                <a:gridCol w="1584960">
-                  <a:extLst>
-                    <a:ext uri="{9D8B030D-6E8A-4147-A177-3AD203B41FA5}">
-                      <a16:colId xmlns:a16="http://schemas.microsoft.com/office/drawing/2014/main" val="4087078282"/>
-                    </a:ext>
-                  </a:extLst>
-                </a:gridCol>
-                <a:gridCol w="1611630">
-                  <a:extLst>
-                    <a:ext uri="{9D8B030D-6E8A-4147-A177-3AD203B41FA5}">
-                      <a16:colId xmlns:a16="http://schemas.microsoft.com/office/drawing/2014/main" val="204185658"/>
-                    </a:ext>
-                  </a:extLst>
-                </a:gridCol>
-                <a:gridCol w="1829753">
-                  <a:extLst>
-                    <a:ext uri="{9D8B030D-6E8A-4147-A177-3AD203B41FA5}">
-                      <a16:colId xmlns:a16="http://schemas.microsoft.com/office/drawing/2014/main" val="700433279"/>
-                    </a:ext>
-                  </a:extLst>
-                </a:gridCol>
-                <a:gridCol w="1829753">
-                  <a:extLst>
-                    <a:ext uri="{9D8B030D-6E8A-4147-A177-3AD203B41FA5}">
-                      <a16:colId xmlns:a16="http://schemas.microsoft.com/office/drawing/2014/main" val="370347678"/>
-                    </a:ext>
-                  </a:extLst>
-                </a:gridCol>
-                <a:gridCol w="1829753">
-                  <a:extLst>
-                    <a:ext uri="{9D8B030D-6E8A-4147-A177-3AD203B41FA5}">
-                      <a16:colId xmlns:a16="http://schemas.microsoft.com/office/drawing/2014/main" val="1873199393"/>
-                    </a:ext>
-                  </a:extLst>
-                </a:gridCol>
-                <a:gridCol w="1829753">
-                  <a:extLst>
-                    <a:ext uri="{9D8B030D-6E8A-4147-A177-3AD203B41FA5}">
-                      <a16:colId xmlns:a16="http://schemas.microsoft.com/office/drawing/2014/main" val="131474663"/>
-                    </a:ext>
-                  </a:extLst>
-                </a:gridCol>
-              </a:tblGrid>
-              <a:tr h="462541">
-                <a:tc rowSpan="2" gridSpan="2">
-                  <a:txBody>
-                    <a:bodyPr/>
-                    <a:lstStyle/>
-                    <a:p>
-                      <a:pPr marL="0" marR="0" indent="0" algn="l" defTabSz="914400" rtl="0" eaLnBrk="1" fontAlgn="auto" latinLnBrk="0" hangingPunct="1">
-                        <a:lnSpc>
-                          <a:spcPct val="100000"/>
-                        </a:lnSpc>
-                        <a:spcBef>
-                          <a:spcPts val="0"/>
-                        </a:spcBef>
-                        <a:spcAft>
-                          <a:spcPts val="0"/>
-                        </a:spcAft>
-                        <a:buClrTx/>
-                        <a:buSzTx/>
-                        <a:buFontTx/>
-                        <a:buNone/>
-                        <a:tabLst/>
-                        <a:defRPr/>
-                      </a:pPr>
-                      <a:r>
-                        <a:rPr kumimoji="1" lang="en-US" altLang="ja-JP" sz="1600" b="0" dirty="0">
-                          <a:solidFill>
-                            <a:schemeClr val="bg1"/>
-                          </a:solidFill>
-                        </a:rPr>
-                        <a:t>Number of Instructions per transaction *1</a:t>
-                      </a:r>
-                      <a:endParaRPr kumimoji="1" lang="ja-JP" altLang="en-US" sz="1600" b="0">
-                        <a:solidFill>
-                          <a:schemeClr val="bg1"/>
-                        </a:solidFill>
-                      </a:endParaRPr>
-                    </a:p>
-                  </a:txBody>
-                  <a:tcPr anchor="ctr">
-                    <a:lnL w="12700" cap="flat" cmpd="sng" algn="ctr">
-                      <a:solidFill>
-                        <a:schemeClr val="tx1">
-                          <a:lumMod val="50000"/>
-                          <a:lumOff val="50000"/>
-                        </a:schemeClr>
-                      </a:solidFill>
-                      <a:prstDash val="solid"/>
-                      <a:round/>
-                      <a:headEnd type="none" w="med" len="med"/>
-                      <a:tailEnd type="none" w="med" len="med"/>
-                    </a:lnL>
-                    <a:lnR w="12700" cap="flat" cmpd="sng" algn="ctr">
-                      <a:solidFill>
-                        <a:schemeClr val="tx1">
-                          <a:lumMod val="50000"/>
-                          <a:lumOff val="50000"/>
-                        </a:schemeClr>
-                      </a:solidFill>
-                      <a:prstDash val="solid"/>
-                      <a:round/>
-                      <a:headEnd type="none" w="med" len="med"/>
-                      <a:tailEnd type="none" w="med" len="med"/>
-                    </a:lnR>
-                    <a:lnT w="12700" cap="flat" cmpd="sng" algn="ctr">
-                      <a:solidFill>
-                        <a:schemeClr val="tx1">
-                          <a:lumMod val="50000"/>
-                          <a:lumOff val="50000"/>
-                        </a:schemeClr>
-                      </a:solidFill>
-                      <a:prstDash val="solid"/>
-                      <a:round/>
-                      <a:headEnd type="none" w="med" len="med"/>
-                      <a:tailEnd type="none" w="med" len="med"/>
-                    </a:lnT>
-                    <a:lnB w="12700" cap="flat" cmpd="sng" algn="ctr">
-                      <a:solidFill>
-                        <a:schemeClr val="tx1"/>
-                      </a:solidFill>
-                      <a:prstDash val="solid"/>
-                      <a:round/>
-                      <a:headEnd type="none" w="med" len="med"/>
-                      <a:tailEnd type="none" w="med" len="med"/>
-                    </a:lnB>
-                    <a:solidFill>
-                      <a:schemeClr val="tx1"/>
-                    </a:solidFill>
-                  </a:tcPr>
-                </a:tc>
-                <a:tc rowSpan="2" hMerge="1">
-                  <a:txBody>
-                    <a:bodyPr/>
-                    <a:lstStyle/>
-                    <a:p>
-                      <a:endParaRPr kumimoji="1" lang="ja-JP" altLang="en-US" sz="1600" b="0">
-                        <a:solidFill>
-                          <a:schemeClr val="bg1"/>
-                        </a:solidFill>
-                      </a:endParaRPr>
-                    </a:p>
-                  </a:txBody>
-                  <a:tcPr anchor="ctr">
-                    <a:lnL w="12700" cap="flat" cmpd="sng" algn="ctr">
-                      <a:solidFill>
-                        <a:schemeClr val="tx1">
-                          <a:lumMod val="50000"/>
-                          <a:lumOff val="50000"/>
-                        </a:schemeClr>
-                      </a:solidFill>
-                      <a:prstDash val="solid"/>
-                      <a:round/>
-                      <a:headEnd type="none" w="med" len="med"/>
-                      <a:tailEnd type="none" w="med" len="med"/>
-                    </a:lnL>
-                    <a:lnR w="12700" cap="flat" cmpd="sng" algn="ctr">
-                      <a:solidFill>
-                        <a:schemeClr val="tx1">
-                          <a:lumMod val="50000"/>
-                          <a:lumOff val="50000"/>
-                        </a:schemeClr>
-                      </a:solidFill>
-                      <a:prstDash val="solid"/>
-                      <a:round/>
-                      <a:headEnd type="none" w="med" len="med"/>
-                      <a:tailEnd type="none" w="med" len="med"/>
-                    </a:lnR>
-                    <a:lnT w="12700" cap="flat" cmpd="sng" algn="ctr">
-                      <a:solidFill>
-                        <a:schemeClr val="tx1">
-                          <a:lumMod val="50000"/>
-                          <a:lumOff val="50000"/>
-                        </a:schemeClr>
-                      </a:solidFill>
-                      <a:prstDash val="solid"/>
-                      <a:round/>
-                      <a:headEnd type="none" w="med" len="med"/>
-                      <a:tailEnd type="none" w="med" len="med"/>
-                    </a:lnT>
-                    <a:lnB w="12700" cap="flat" cmpd="sng" algn="ctr">
-                      <a:solidFill>
-                        <a:schemeClr val="tx1">
-                          <a:lumMod val="50000"/>
-                          <a:lumOff val="50000"/>
-                        </a:schemeClr>
-                      </a:solidFill>
-                      <a:prstDash val="solid"/>
-                      <a:round/>
-                      <a:headEnd type="none" w="med" len="med"/>
-                      <a:tailEnd type="none" w="med" len="med"/>
-                    </a:lnB>
-                    <a:solidFill>
-                      <a:schemeClr val="tx1"/>
-                    </a:solidFill>
-                  </a:tcPr>
-                </a:tc>
-                <a:tc gridSpan="2">
-                  <a:txBody>
-                    <a:bodyPr/>
-                    <a:lstStyle/>
-                    <a:p>
-                      <a:r>
-                        <a:rPr kumimoji="1" lang="en-US" altLang="ja-JP" sz="1600" b="0" dirty="0">
-                          <a:solidFill>
-                            <a:schemeClr val="bg1"/>
-                          </a:solidFill>
-                        </a:rPr>
-                        <a:t>Mad Mints</a:t>
-                      </a:r>
-                      <a:endParaRPr kumimoji="1" lang="ja-JP" altLang="en-US" sz="1600" b="0">
-                        <a:solidFill>
-                          <a:schemeClr val="bg1"/>
-                        </a:solidFill>
-                      </a:endParaRPr>
-                    </a:p>
-                  </a:txBody>
-                  <a:tcPr anchor="ctr">
-                    <a:lnL w="12700" cap="flat" cmpd="sng" algn="ctr">
-                      <a:solidFill>
-                        <a:schemeClr val="tx1">
-                          <a:lumMod val="50000"/>
-                          <a:lumOff val="50000"/>
-                        </a:schemeClr>
-                      </a:solidFill>
-                      <a:prstDash val="solid"/>
-                      <a:round/>
-                      <a:headEnd type="none" w="med" len="med"/>
-                      <a:tailEnd type="none" w="med" len="med"/>
-                    </a:lnL>
-                    <a:lnR w="12700" cap="flat" cmpd="sng" algn="ctr">
-                      <a:solidFill>
-                        <a:schemeClr val="tx1">
-                          <a:lumMod val="50000"/>
-                          <a:lumOff val="50000"/>
-                        </a:schemeClr>
-                      </a:solidFill>
-                      <a:prstDash val="solid"/>
-                      <a:round/>
-                      <a:headEnd type="none" w="med" len="med"/>
-                      <a:tailEnd type="none" w="med" len="med"/>
-                    </a:lnR>
-                    <a:lnT w="12700" cap="flat" cmpd="sng" algn="ctr">
-                      <a:solidFill>
-                        <a:schemeClr val="tx1">
-                          <a:lumMod val="50000"/>
-                          <a:lumOff val="50000"/>
-                        </a:schemeClr>
-                      </a:solidFill>
-                      <a:prstDash val="solid"/>
-                      <a:round/>
-                      <a:headEnd type="none" w="med" len="med"/>
-                      <a:tailEnd type="none" w="med" len="med"/>
-                    </a:lnT>
-                    <a:lnB w="12700" cap="flat" cmpd="sng" algn="ctr">
-                      <a:solidFill>
-                        <a:schemeClr val="tx1">
-                          <a:lumMod val="50000"/>
-                          <a:lumOff val="50000"/>
-                        </a:schemeClr>
-                      </a:solidFill>
-                      <a:prstDash val="solid"/>
-                      <a:round/>
-                      <a:headEnd type="none" w="med" len="med"/>
-                      <a:tailEnd type="none" w="med" len="med"/>
-                    </a:lnB>
-                    <a:solidFill>
-                      <a:schemeClr val="tx1"/>
-                    </a:solidFill>
-                  </a:tcPr>
-                </a:tc>
-                <a:tc hMerge="1">
-                  <a:txBody>
-                    <a:bodyPr/>
-                    <a:lstStyle/>
-                    <a:p>
-                      <a:endParaRPr kumimoji="1" lang="ja-JP" altLang="en-US"/>
-                    </a:p>
-                  </a:txBody>
-                  <a:tcPr/>
-                </a:tc>
-                <a:tc gridSpan="2">
-                  <a:txBody>
-                    <a:bodyPr/>
-                    <a:lstStyle/>
-                    <a:p>
-                      <a:r>
-                        <a:rPr kumimoji="1" lang="en-US" altLang="ja-JP" sz="1600" b="0" dirty="0">
-                          <a:solidFill>
-                            <a:schemeClr val="bg1"/>
-                          </a:solidFill>
-                        </a:rPr>
-                        <a:t>Standard (Request directly)</a:t>
-                      </a:r>
-                      <a:endParaRPr kumimoji="1" lang="ja-JP" altLang="en-US" sz="1600" b="0">
-                        <a:solidFill>
-                          <a:schemeClr val="bg1"/>
-                        </a:solidFill>
-                      </a:endParaRPr>
-                    </a:p>
-                  </a:txBody>
-                  <a:tcPr anchor="ctr">
-                    <a:lnL w="12700" cap="flat" cmpd="sng" algn="ctr">
-                      <a:solidFill>
-                        <a:schemeClr val="tx1">
-                          <a:lumMod val="50000"/>
-                          <a:lumOff val="50000"/>
-                        </a:schemeClr>
-                      </a:solidFill>
-                      <a:prstDash val="solid"/>
-                      <a:round/>
-                      <a:headEnd type="none" w="med" len="med"/>
-                      <a:tailEnd type="none" w="med" len="med"/>
-                    </a:lnL>
-                    <a:lnR w="12700" cap="flat" cmpd="sng" algn="ctr">
-                      <a:solidFill>
-                        <a:schemeClr val="tx1">
-                          <a:lumMod val="50000"/>
-                          <a:lumOff val="50000"/>
-                        </a:schemeClr>
-                      </a:solidFill>
-                      <a:prstDash val="solid"/>
-                      <a:round/>
-                      <a:headEnd type="none" w="med" len="med"/>
-                      <a:tailEnd type="none" w="med" len="med"/>
-                    </a:lnR>
-                    <a:lnT w="12700" cap="flat" cmpd="sng" algn="ctr">
-                      <a:solidFill>
-                        <a:schemeClr val="tx1">
-                          <a:lumMod val="50000"/>
-                          <a:lumOff val="50000"/>
-                        </a:schemeClr>
-                      </a:solidFill>
-                      <a:prstDash val="solid"/>
-                      <a:round/>
-                      <a:headEnd type="none" w="med" len="med"/>
-                      <a:tailEnd type="none" w="med" len="med"/>
-                    </a:lnT>
-                    <a:lnB w="12700" cap="flat" cmpd="sng" algn="ctr">
-                      <a:solidFill>
-                        <a:schemeClr val="tx1">
-                          <a:lumMod val="50000"/>
-                          <a:lumOff val="50000"/>
-                        </a:schemeClr>
-                      </a:solidFill>
-                      <a:prstDash val="solid"/>
-                      <a:round/>
-                      <a:headEnd type="none" w="med" len="med"/>
-                      <a:tailEnd type="none" w="med" len="med"/>
-                    </a:lnB>
-                    <a:solidFill>
-                      <a:schemeClr val="tx1"/>
-                    </a:solidFill>
-                  </a:tcPr>
-                </a:tc>
-                <a:tc hMerge="1">
-                  <a:txBody>
-                    <a:bodyPr/>
-                    <a:lstStyle/>
-                    <a:p>
-                      <a:endParaRPr kumimoji="1" lang="ja-JP" altLang="en-US"/>
-                    </a:p>
-                  </a:txBody>
-                  <a:tcPr/>
-                </a:tc>
-                <a:extLst>
-                  <a:ext uri="{0D108BD9-81ED-4DB2-BD59-A6C34878D82A}">
-                    <a16:rowId xmlns:a16="http://schemas.microsoft.com/office/drawing/2014/main" val="2007530102"/>
-                  </a:ext>
-                </a:extLst>
-              </a:tr>
-              <a:tr h="311822">
-                <a:tc gridSpan="2" vMerge="1">
-                  <a:txBody>
-                    <a:bodyPr/>
-                    <a:lstStyle/>
-                    <a:p>
-                      <a:endParaRPr kumimoji="1" lang="ja-JP" altLang="en-US" sz="1600" b="0">
-                        <a:solidFill>
-                          <a:schemeClr val="tx1"/>
-                        </a:solidFill>
-                      </a:endParaRPr>
-                    </a:p>
-                  </a:txBody>
-                  <a:tcPr anchor="ctr">
-                    <a:lnL w="12700" cap="flat" cmpd="sng" algn="ctr">
-                      <a:solidFill>
-                        <a:schemeClr val="tx1"/>
-                      </a:solidFill>
-                      <a:prstDash val="solid"/>
-                      <a:round/>
-                      <a:headEnd type="none" w="med" len="med"/>
-                      <a:tailEnd type="none" w="med" len="med"/>
-                    </a:lnL>
-                    <a:lnR w="12700" cap="flat" cmpd="sng" algn="ctr">
-                      <a:solidFill>
-                        <a:schemeClr val="tx1"/>
-                      </a:solidFill>
-                      <a:prstDash val="solid"/>
-                      <a:round/>
-                      <a:headEnd type="none" w="med" len="med"/>
-                      <a:tailEnd type="none" w="med" len="med"/>
-                    </a:lnR>
-                    <a:lnT w="12700" cap="flat" cmpd="sng" algn="ctr">
-                      <a:solidFill>
-                        <a:schemeClr val="tx1"/>
-                      </a:solidFill>
-                      <a:prstDash val="solid"/>
-                      <a:round/>
-                      <a:headEnd type="none" w="med" len="med"/>
-                      <a:tailEnd type="none" w="med" len="med"/>
-                    </a:lnT>
-                    <a:lnB w="12700" cap="flat" cmpd="sng" algn="ctr">
-                      <a:solidFill>
-                        <a:schemeClr val="tx1"/>
-                      </a:solidFill>
-                      <a:prstDash val="solid"/>
-                      <a:round/>
-                      <a:headEnd type="none" w="med" len="med"/>
-                      <a:tailEnd type="none" w="med" len="med"/>
-                    </a:lnB>
-                    <a:noFill/>
-                  </a:tcPr>
-                </a:tc>
-                <a:tc hMerge="1" vMerge="1">
-                  <a:txBody>
-                    <a:bodyPr/>
-                    <a:lstStyle/>
-                    <a:p>
-                      <a:endParaRPr kumimoji="1" lang="ja-JP" altLang="en-US"/>
-                    </a:p>
-                  </a:txBody>
-                  <a:tcPr/>
-                </a:tc>
-                <a:tc>
-                  <a:txBody>
-                    <a:bodyPr/>
-                    <a:lstStyle/>
-                    <a:p>
-                      <a:r>
-                        <a:rPr kumimoji="1" lang="en-US" altLang="ja-JP" sz="1600" b="0" dirty="0">
-                          <a:solidFill>
-                            <a:schemeClr val="bg1"/>
-                          </a:solidFill>
-                        </a:rPr>
-                        <a:t>Average *2</a:t>
-                      </a:r>
-                      <a:endParaRPr kumimoji="1" lang="ja-JP" altLang="en-US" sz="1600" b="0">
-                        <a:solidFill>
-                          <a:schemeClr val="bg1"/>
-                        </a:solidFill>
-                      </a:endParaRPr>
-                    </a:p>
-                  </a:txBody>
-                  <a:tcPr anchor="ctr">
-                    <a:lnL w="12700" cap="flat" cmpd="sng" algn="ctr">
-                      <a:solidFill>
-                        <a:schemeClr val="tx1">
-                          <a:lumMod val="50000"/>
-                          <a:lumOff val="50000"/>
-                        </a:schemeClr>
-                      </a:solidFill>
-                      <a:prstDash val="solid"/>
-                      <a:round/>
-                      <a:headEnd type="none" w="med" len="med"/>
-                      <a:tailEnd type="none" w="med" len="med"/>
-                    </a:lnL>
-                    <a:lnR w="12700" cap="flat" cmpd="sng" algn="ctr">
-                      <a:solidFill>
-                        <a:schemeClr val="tx1">
-                          <a:lumMod val="50000"/>
-                          <a:lumOff val="50000"/>
-                        </a:schemeClr>
-                      </a:solidFill>
-                      <a:prstDash val="solid"/>
-                      <a:round/>
-                      <a:headEnd type="none" w="med" len="med"/>
-                      <a:tailEnd type="none" w="med" len="med"/>
-                    </a:lnR>
-                    <a:lnT w="12700" cap="flat" cmpd="sng" algn="ctr">
-                      <a:solidFill>
-                        <a:schemeClr val="tx1">
-                          <a:lumMod val="50000"/>
-                          <a:lumOff val="50000"/>
-                        </a:schemeClr>
-                      </a:solidFill>
-                      <a:prstDash val="solid"/>
-                      <a:round/>
-                      <a:headEnd type="none" w="med" len="med"/>
-                      <a:tailEnd type="none" w="med" len="med"/>
-                    </a:lnT>
-                    <a:lnB w="12700" cap="flat" cmpd="sng" algn="ctr">
-                      <a:solidFill>
-                        <a:schemeClr val="tx1">
-                          <a:lumMod val="50000"/>
-                          <a:lumOff val="50000"/>
-                        </a:schemeClr>
-                      </a:solidFill>
-                      <a:prstDash val="solid"/>
-                      <a:round/>
-                      <a:headEnd type="none" w="med" len="med"/>
-                      <a:tailEnd type="none" w="med" len="med"/>
-                    </a:lnB>
-                    <a:solidFill>
-                      <a:schemeClr val="tx1"/>
-                    </a:solidFill>
-                  </a:tcPr>
-                </a:tc>
-                <a:tc>
-                  <a:txBody>
-                    <a:bodyPr/>
-                    <a:lstStyle/>
-                    <a:p>
-                      <a:pPr marL="0" marR="0" indent="0" algn="l" defTabSz="914400" rtl="0" eaLnBrk="1" fontAlgn="auto" latinLnBrk="0" hangingPunct="1">
-                        <a:lnSpc>
-                          <a:spcPct val="100000"/>
-                        </a:lnSpc>
-                        <a:spcBef>
-                          <a:spcPts val="0"/>
-                        </a:spcBef>
-                        <a:spcAft>
-                          <a:spcPts val="0"/>
-                        </a:spcAft>
-                        <a:buClrTx/>
-                        <a:buSzTx/>
-                        <a:buFontTx/>
-                        <a:buNone/>
-                        <a:tabLst/>
-                        <a:defRPr/>
-                      </a:pPr>
-                      <a:r>
-                        <a:rPr kumimoji="1" lang="en-US" altLang="ja-JP" sz="1600" b="0" i="0" kern="1200" dirty="0">
-                          <a:solidFill>
-                            <a:schemeClr val="bg1"/>
-                          </a:solidFill>
-                          <a:effectLst/>
-                          <a:latin typeface="+mn-lt"/>
-                          <a:ea typeface="+mn-ea"/>
-                          <a:cs typeface="+mn-cs"/>
-                        </a:rPr>
-                        <a:t>Deviation</a:t>
-                      </a:r>
-                      <a:endParaRPr kumimoji="1" lang="ja-JP" altLang="en-US" sz="1600" b="0">
-                        <a:solidFill>
-                          <a:schemeClr val="bg1"/>
-                        </a:solidFill>
-                      </a:endParaRPr>
-                    </a:p>
-                  </a:txBody>
-                  <a:tcPr anchor="ctr">
-                    <a:lnL w="12700" cap="flat" cmpd="sng" algn="ctr">
-                      <a:solidFill>
-                        <a:schemeClr val="tx1">
-                          <a:lumMod val="50000"/>
-                          <a:lumOff val="50000"/>
-                        </a:schemeClr>
-                      </a:solidFill>
-                      <a:prstDash val="solid"/>
-                      <a:round/>
-                      <a:headEnd type="none" w="med" len="med"/>
-                      <a:tailEnd type="none" w="med" len="med"/>
-                    </a:lnL>
-                    <a:lnR w="12700" cap="flat" cmpd="sng" algn="ctr">
-                      <a:solidFill>
-                        <a:schemeClr val="tx1">
-                          <a:lumMod val="50000"/>
-                          <a:lumOff val="50000"/>
-                        </a:schemeClr>
-                      </a:solidFill>
-                      <a:prstDash val="solid"/>
-                      <a:round/>
-                      <a:headEnd type="none" w="med" len="med"/>
-                      <a:tailEnd type="none" w="med" len="med"/>
-                    </a:lnR>
-                    <a:lnT w="12700" cap="flat" cmpd="sng" algn="ctr">
-                      <a:solidFill>
-                        <a:schemeClr val="tx1">
-                          <a:lumMod val="50000"/>
-                          <a:lumOff val="50000"/>
-                        </a:schemeClr>
-                      </a:solidFill>
-                      <a:prstDash val="solid"/>
-                      <a:round/>
-                      <a:headEnd type="none" w="med" len="med"/>
-                      <a:tailEnd type="none" w="med" len="med"/>
-                    </a:lnT>
-                    <a:lnB w="12700" cap="flat" cmpd="sng" algn="ctr">
-                      <a:solidFill>
-                        <a:schemeClr val="tx1">
-                          <a:lumMod val="50000"/>
-                          <a:lumOff val="50000"/>
-                        </a:schemeClr>
-                      </a:solidFill>
-                      <a:prstDash val="solid"/>
-                      <a:round/>
-                      <a:headEnd type="none" w="med" len="med"/>
-                      <a:tailEnd type="none" w="med" len="med"/>
-                    </a:lnB>
-                    <a:solidFill>
-                      <a:schemeClr val="tx1"/>
-                    </a:solidFill>
-                  </a:tcPr>
-                </a:tc>
-                <a:tc>
-                  <a:txBody>
-                    <a:bodyPr/>
-                    <a:lstStyle/>
-                    <a:p>
-                      <a:r>
-                        <a:rPr kumimoji="1" lang="en-US" altLang="ja-JP" sz="1600" b="0" dirty="0">
-                          <a:solidFill>
-                            <a:schemeClr val="bg1"/>
-                          </a:solidFill>
-                        </a:rPr>
-                        <a:t>Average</a:t>
-                      </a:r>
-                      <a:endParaRPr kumimoji="1" lang="ja-JP" altLang="en-US" sz="1600" b="0">
-                        <a:solidFill>
-                          <a:schemeClr val="bg1"/>
-                        </a:solidFill>
-                      </a:endParaRPr>
-                    </a:p>
-                  </a:txBody>
-                  <a:tcPr anchor="ctr">
-                    <a:lnL w="12700" cap="flat" cmpd="sng" algn="ctr">
-                      <a:solidFill>
-                        <a:schemeClr val="tx1">
-                          <a:lumMod val="50000"/>
-                          <a:lumOff val="50000"/>
-                        </a:schemeClr>
-                      </a:solidFill>
-                      <a:prstDash val="solid"/>
-                      <a:round/>
-                      <a:headEnd type="none" w="med" len="med"/>
-                      <a:tailEnd type="none" w="med" len="med"/>
-                    </a:lnL>
-                    <a:lnR w="12700" cap="flat" cmpd="sng" algn="ctr">
-                      <a:solidFill>
-                        <a:schemeClr val="tx1">
-                          <a:lumMod val="50000"/>
-                          <a:lumOff val="50000"/>
-                        </a:schemeClr>
-                      </a:solidFill>
-                      <a:prstDash val="solid"/>
-                      <a:round/>
-                      <a:headEnd type="none" w="med" len="med"/>
-                      <a:tailEnd type="none" w="med" len="med"/>
-                    </a:lnR>
-                    <a:lnT w="12700" cap="flat" cmpd="sng" algn="ctr">
-                      <a:solidFill>
-                        <a:schemeClr val="tx1">
-                          <a:lumMod val="50000"/>
-                          <a:lumOff val="50000"/>
-                        </a:schemeClr>
-                      </a:solidFill>
-                      <a:prstDash val="solid"/>
-                      <a:round/>
-                      <a:headEnd type="none" w="med" len="med"/>
-                      <a:tailEnd type="none" w="med" len="med"/>
-                    </a:lnT>
-                    <a:lnB w="12700" cap="flat" cmpd="sng" algn="ctr">
-                      <a:solidFill>
-                        <a:schemeClr val="tx1">
-                          <a:lumMod val="50000"/>
-                          <a:lumOff val="50000"/>
-                        </a:schemeClr>
-                      </a:solidFill>
-                      <a:prstDash val="solid"/>
-                      <a:round/>
-                      <a:headEnd type="none" w="med" len="med"/>
-                      <a:tailEnd type="none" w="med" len="med"/>
-                    </a:lnB>
-                    <a:solidFill>
-                      <a:schemeClr val="tx1"/>
-                    </a:solidFill>
-                  </a:tcPr>
-                </a:tc>
-                <a:tc>
-                  <a:txBody>
-                    <a:bodyPr/>
-                    <a:lstStyle/>
-                    <a:p>
-                      <a:pPr marL="0" marR="0" indent="0" algn="l" defTabSz="914400" rtl="0" eaLnBrk="1" fontAlgn="auto" latinLnBrk="0" hangingPunct="1">
-                        <a:lnSpc>
-                          <a:spcPct val="100000"/>
-                        </a:lnSpc>
-                        <a:spcBef>
-                          <a:spcPts val="0"/>
-                        </a:spcBef>
-                        <a:spcAft>
-                          <a:spcPts val="0"/>
-                        </a:spcAft>
-                        <a:buClrTx/>
-                        <a:buSzTx/>
-                        <a:buFontTx/>
-                        <a:buNone/>
-                        <a:tabLst/>
-                        <a:defRPr/>
-                      </a:pPr>
-                      <a:r>
-                        <a:rPr kumimoji="1" lang="en-US" altLang="ja-JP" sz="1600" b="0" i="0" kern="1200" dirty="0">
-                          <a:solidFill>
-                            <a:schemeClr val="bg1"/>
-                          </a:solidFill>
-                          <a:effectLst/>
-                          <a:latin typeface="+mn-lt"/>
-                          <a:ea typeface="+mn-ea"/>
-                          <a:cs typeface="+mn-cs"/>
-                        </a:rPr>
-                        <a:t>Deviation</a:t>
-                      </a:r>
-                      <a:endParaRPr kumimoji="1" lang="ja-JP" altLang="en-US" sz="1600" b="0">
-                        <a:solidFill>
-                          <a:schemeClr val="bg1"/>
-                        </a:solidFill>
-                      </a:endParaRPr>
-                    </a:p>
-                  </a:txBody>
-                  <a:tcPr anchor="ctr">
-                    <a:lnL w="12700" cap="flat" cmpd="sng" algn="ctr">
-                      <a:solidFill>
-                        <a:schemeClr val="tx1">
-                          <a:lumMod val="50000"/>
-                          <a:lumOff val="50000"/>
-                        </a:schemeClr>
-                      </a:solidFill>
-                      <a:prstDash val="solid"/>
-                      <a:round/>
-                      <a:headEnd type="none" w="med" len="med"/>
-                      <a:tailEnd type="none" w="med" len="med"/>
-                    </a:lnL>
-                    <a:lnR w="12700" cap="flat" cmpd="sng" algn="ctr">
-                      <a:solidFill>
-                        <a:schemeClr val="tx1">
-                          <a:lumMod val="50000"/>
-                          <a:lumOff val="50000"/>
-                        </a:schemeClr>
-                      </a:solidFill>
-                      <a:prstDash val="solid"/>
-                      <a:round/>
-                      <a:headEnd type="none" w="med" len="med"/>
-                      <a:tailEnd type="none" w="med" len="med"/>
-                    </a:lnR>
-                    <a:lnT w="12700" cap="flat" cmpd="sng" algn="ctr">
-                      <a:solidFill>
-                        <a:schemeClr val="tx1">
-                          <a:lumMod val="50000"/>
-                          <a:lumOff val="50000"/>
-                        </a:schemeClr>
-                      </a:solidFill>
-                      <a:prstDash val="solid"/>
-                      <a:round/>
-                      <a:headEnd type="none" w="med" len="med"/>
-                      <a:tailEnd type="none" w="med" len="med"/>
-                    </a:lnT>
-                    <a:lnB w="12700" cap="flat" cmpd="sng" algn="ctr">
-                      <a:solidFill>
-                        <a:schemeClr val="tx1">
-                          <a:lumMod val="50000"/>
-                          <a:lumOff val="50000"/>
-                        </a:schemeClr>
-                      </a:solidFill>
-                      <a:prstDash val="solid"/>
-                      <a:round/>
-                      <a:headEnd type="none" w="med" len="med"/>
-                      <a:tailEnd type="none" w="med" len="med"/>
-                    </a:lnB>
-                    <a:solidFill>
-                      <a:schemeClr val="tx1"/>
-                    </a:solidFill>
-                  </a:tcPr>
-                </a:tc>
-                <a:extLst>
-                  <a:ext uri="{0D108BD9-81ED-4DB2-BD59-A6C34878D82A}">
-                    <a16:rowId xmlns:a16="http://schemas.microsoft.com/office/drawing/2014/main" val="118573807"/>
-                  </a:ext>
-                </a:extLst>
-              </a:tr>
-              <a:tr h="878948">
-                <a:tc rowSpan="3">
-                  <a:txBody>
-                    <a:bodyPr/>
-                    <a:lstStyle/>
-                    <a:p>
-                      <a:r>
-                        <a:rPr kumimoji="1" lang="en-US" altLang="ja-JP" sz="1600" b="0" dirty="0">
-                          <a:solidFill>
-                            <a:schemeClr val="tx1"/>
-                          </a:solidFill>
-                        </a:rPr>
-                        <a:t>Transaction</a:t>
-                      </a:r>
-                    </a:p>
-                  </a:txBody>
-                  <a:tcPr anchor="ctr">
-                    <a:lnL w="12700" cap="flat" cmpd="sng" algn="ctr">
-                      <a:solidFill>
-                        <a:schemeClr val="tx1">
-                          <a:lumMod val="50000"/>
-                          <a:lumOff val="50000"/>
-                        </a:schemeClr>
-                      </a:solidFill>
-                      <a:prstDash val="solid"/>
-                      <a:round/>
-                      <a:headEnd type="none" w="med" len="med"/>
-                      <a:tailEnd type="none" w="med" len="med"/>
-                    </a:lnL>
-                    <a:lnR w="12700" cap="flat" cmpd="sng" algn="ctr">
-                      <a:solidFill>
-                        <a:schemeClr val="tx1">
-                          <a:lumMod val="50000"/>
-                          <a:lumOff val="50000"/>
-                        </a:schemeClr>
-                      </a:solidFill>
-                      <a:prstDash val="solid"/>
-                      <a:round/>
-                      <a:headEnd type="none" w="med" len="med"/>
-                      <a:tailEnd type="none" w="med" len="med"/>
-                    </a:lnR>
-                    <a:lnT w="12700" cap="flat" cmpd="sng" algn="ctr">
-                      <a:solidFill>
-                        <a:schemeClr val="tx1"/>
-                      </a:solidFill>
-                      <a:prstDash val="solid"/>
-                      <a:round/>
-                      <a:headEnd type="none" w="med" len="med"/>
-                      <a:tailEnd type="none" w="med" len="med"/>
-                    </a:lnT>
-                    <a:lnB w="12700" cap="flat" cmpd="sng" algn="ctr">
-                      <a:solidFill>
-                        <a:schemeClr val="tx1">
-                          <a:lumMod val="50000"/>
-                          <a:lumOff val="50000"/>
-                        </a:schemeClr>
-                      </a:solidFill>
-                      <a:prstDash val="solid"/>
-                      <a:round/>
-                      <a:headEnd type="none" w="med" len="med"/>
-                      <a:tailEnd type="none" w="med" len="med"/>
-                    </a:lnB>
-                    <a:noFill/>
-                  </a:tcPr>
-                </a:tc>
-                <a:tc>
-                  <a:txBody>
-                    <a:bodyPr/>
-                    <a:lstStyle/>
-                    <a:p>
-                      <a:r>
-                        <a:rPr kumimoji="1" lang="en-US" altLang="ja-JP" sz="1600" b="0" dirty="0">
-                          <a:solidFill>
-                            <a:schemeClr val="tx1"/>
-                          </a:solidFill>
-                        </a:rPr>
-                        <a:t>1 Instruction</a:t>
-                      </a:r>
-                      <a:endParaRPr kumimoji="1" lang="ja-JP" altLang="en-US" sz="1600" b="0">
-                        <a:solidFill>
-                          <a:schemeClr val="tx1"/>
-                        </a:solidFill>
-                      </a:endParaRPr>
-                    </a:p>
-                  </a:txBody>
-                  <a:tcPr anchor="ctr">
-                    <a:lnL w="12700" cap="flat" cmpd="sng" algn="ctr">
-                      <a:solidFill>
-                        <a:schemeClr val="tx1">
-                          <a:lumMod val="50000"/>
-                          <a:lumOff val="50000"/>
-                        </a:schemeClr>
-                      </a:solidFill>
-                      <a:prstDash val="solid"/>
-                      <a:round/>
-                      <a:headEnd type="none" w="med" len="med"/>
-                      <a:tailEnd type="none" w="med" len="med"/>
-                    </a:lnL>
-                    <a:lnR w="12700" cap="flat" cmpd="sng" algn="ctr">
-                      <a:solidFill>
-                        <a:schemeClr val="tx1">
-                          <a:lumMod val="50000"/>
-                          <a:lumOff val="50000"/>
-                        </a:schemeClr>
-                      </a:solidFill>
-                      <a:prstDash val="solid"/>
-                      <a:round/>
-                      <a:headEnd type="none" w="med" len="med"/>
-                      <a:tailEnd type="none" w="med" len="med"/>
-                    </a:lnR>
-                    <a:lnT w="12700" cap="flat" cmpd="sng" algn="ctr">
-                      <a:solidFill>
-                        <a:schemeClr val="tx1">
-                          <a:lumMod val="50000"/>
-                          <a:lumOff val="50000"/>
-                        </a:schemeClr>
-                      </a:solidFill>
-                      <a:prstDash val="solid"/>
-                      <a:round/>
-                      <a:headEnd type="none" w="med" len="med"/>
-                      <a:tailEnd type="none" w="med" len="med"/>
-                    </a:lnT>
-                    <a:lnB w="12700" cap="flat" cmpd="sng" algn="ctr">
-                      <a:solidFill>
-                        <a:schemeClr val="tx1">
-                          <a:lumMod val="50000"/>
-                          <a:lumOff val="50000"/>
-                        </a:schemeClr>
-                      </a:solidFill>
-                      <a:prstDash val="solid"/>
-                      <a:round/>
-                      <a:headEnd type="none" w="med" len="med"/>
-                      <a:tailEnd type="none" w="med" len="med"/>
-                    </a:lnB>
-                    <a:noFill/>
-                  </a:tcPr>
-                </a:tc>
-                <a:tc>
-                  <a:txBody>
-                    <a:bodyPr/>
-                    <a:lstStyle/>
-                    <a:p>
-                      <a:r>
-                        <a:rPr kumimoji="1" lang="en-US" altLang="ja-JP" sz="1600" b="0" dirty="0">
-                          <a:solidFill>
-                            <a:srgbClr val="FF0000"/>
-                          </a:solidFill>
-                        </a:rPr>
-                        <a:t>10 </a:t>
-                      </a:r>
-                      <a:r>
-                        <a:rPr kumimoji="1" lang="en-US" altLang="ja-JP" sz="1600" b="0" dirty="0" err="1">
-                          <a:solidFill>
-                            <a:srgbClr val="FF0000"/>
-                          </a:solidFill>
-                        </a:rPr>
-                        <a:t>ms</a:t>
-                      </a:r>
-                      <a:endParaRPr kumimoji="1" lang="ja-JP" altLang="en-US" sz="1600" b="0">
-                        <a:solidFill>
-                          <a:srgbClr val="FF0000"/>
-                        </a:solidFill>
-                      </a:endParaRPr>
-                    </a:p>
-                  </a:txBody>
-                  <a:tcPr anchor="ctr">
-                    <a:lnL w="12700" cap="flat" cmpd="sng" algn="ctr">
-                      <a:solidFill>
-                        <a:schemeClr val="tx1">
-                          <a:lumMod val="50000"/>
-                          <a:lumOff val="50000"/>
-                        </a:schemeClr>
-                      </a:solidFill>
-                      <a:prstDash val="solid"/>
-                      <a:round/>
-                      <a:headEnd type="none" w="med" len="med"/>
-                      <a:tailEnd type="none" w="med" len="med"/>
-                    </a:lnL>
-                    <a:lnR w="12700" cap="flat" cmpd="sng" algn="ctr">
-                      <a:solidFill>
-                        <a:schemeClr val="tx1">
-                          <a:lumMod val="50000"/>
-                          <a:lumOff val="50000"/>
-                        </a:schemeClr>
-                      </a:solidFill>
-                      <a:prstDash val="solid"/>
-                      <a:round/>
-                      <a:headEnd type="none" w="med" len="med"/>
-                      <a:tailEnd type="none" w="med" len="med"/>
-                    </a:lnR>
-                    <a:lnT w="12700" cap="flat" cmpd="sng" algn="ctr">
-                      <a:solidFill>
-                        <a:schemeClr val="tx1">
-                          <a:lumMod val="50000"/>
-                          <a:lumOff val="50000"/>
-                        </a:schemeClr>
-                      </a:solidFill>
-                      <a:prstDash val="solid"/>
-                      <a:round/>
-                      <a:headEnd type="none" w="med" len="med"/>
-                      <a:tailEnd type="none" w="med" len="med"/>
-                    </a:lnT>
-                    <a:lnB w="12700" cap="flat" cmpd="sng" algn="ctr">
-                      <a:solidFill>
-                        <a:schemeClr val="tx1">
-                          <a:lumMod val="50000"/>
-                          <a:lumOff val="50000"/>
-                        </a:schemeClr>
-                      </a:solidFill>
-                      <a:prstDash val="solid"/>
-                      <a:round/>
-                      <a:headEnd type="none" w="med" len="med"/>
-                      <a:tailEnd type="none" w="med" len="med"/>
-                    </a:lnB>
-                    <a:noFill/>
-                  </a:tcPr>
-                </a:tc>
-                <a:tc>
-                  <a:txBody>
-                    <a:bodyPr/>
-                    <a:lstStyle/>
-                    <a:p>
-                      <a:r>
-                        <a:rPr kumimoji="1" lang="en-US" altLang="ja-JP" sz="1600" b="0" dirty="0">
-                          <a:solidFill>
-                            <a:srgbClr val="FF0000"/>
-                          </a:solidFill>
-                        </a:rPr>
-                        <a:t>&lt; 0.5 </a:t>
-                      </a:r>
-                      <a:r>
-                        <a:rPr kumimoji="1" lang="en-US" altLang="ja-JP" sz="1600" b="0" dirty="0" err="1">
-                          <a:solidFill>
-                            <a:srgbClr val="FF0000"/>
-                          </a:solidFill>
-                        </a:rPr>
-                        <a:t>ms</a:t>
-                      </a:r>
-                      <a:endParaRPr kumimoji="1" lang="ja-JP" altLang="en-US" sz="1600" b="0">
-                        <a:solidFill>
-                          <a:srgbClr val="FF0000"/>
-                        </a:solidFill>
-                      </a:endParaRPr>
-                    </a:p>
-                  </a:txBody>
-                  <a:tcPr anchor="ctr">
-                    <a:lnL w="12700" cap="flat" cmpd="sng" algn="ctr">
-                      <a:solidFill>
-                        <a:schemeClr val="tx1">
-                          <a:lumMod val="50000"/>
-                          <a:lumOff val="50000"/>
-                        </a:schemeClr>
-                      </a:solidFill>
-                      <a:prstDash val="solid"/>
-                      <a:round/>
-                      <a:headEnd type="none" w="med" len="med"/>
-                      <a:tailEnd type="none" w="med" len="med"/>
-                    </a:lnL>
-                    <a:lnR w="12700" cap="flat" cmpd="sng" algn="ctr">
-                      <a:solidFill>
-                        <a:schemeClr val="tx1">
-                          <a:lumMod val="50000"/>
-                          <a:lumOff val="50000"/>
-                        </a:schemeClr>
-                      </a:solidFill>
-                      <a:prstDash val="solid"/>
-                      <a:round/>
-                      <a:headEnd type="none" w="med" len="med"/>
-                      <a:tailEnd type="none" w="med" len="med"/>
-                    </a:lnR>
-                    <a:lnT w="12700" cap="flat" cmpd="sng" algn="ctr">
-                      <a:solidFill>
-                        <a:schemeClr val="tx1">
-                          <a:lumMod val="50000"/>
-                          <a:lumOff val="50000"/>
-                        </a:schemeClr>
-                      </a:solidFill>
-                      <a:prstDash val="solid"/>
-                      <a:round/>
-                      <a:headEnd type="none" w="med" len="med"/>
-                      <a:tailEnd type="none" w="med" len="med"/>
-                    </a:lnT>
-                    <a:lnB w="12700" cap="flat" cmpd="sng" algn="ctr">
-                      <a:solidFill>
-                        <a:schemeClr val="tx1">
-                          <a:lumMod val="50000"/>
-                          <a:lumOff val="50000"/>
-                        </a:schemeClr>
-                      </a:solidFill>
-                      <a:prstDash val="solid"/>
-                      <a:round/>
-                      <a:headEnd type="none" w="med" len="med"/>
-                      <a:tailEnd type="none" w="med" len="med"/>
-                    </a:lnB>
-                    <a:noFill/>
-                  </a:tcPr>
-                </a:tc>
-                <a:tc>
-                  <a:txBody>
-                    <a:bodyPr/>
-                    <a:lstStyle/>
-                    <a:p>
-                      <a:r>
-                        <a:rPr kumimoji="1" lang="en-US" altLang="ja-JP" sz="1600" b="0" dirty="0">
-                          <a:solidFill>
-                            <a:schemeClr val="tx1"/>
-                          </a:solidFill>
-                        </a:rPr>
-                        <a:t>20 </a:t>
-                      </a:r>
-                      <a:r>
-                        <a:rPr kumimoji="1" lang="en-US" altLang="ja-JP" sz="1600" b="0" dirty="0" err="1">
-                          <a:solidFill>
-                            <a:schemeClr val="tx1"/>
-                          </a:solidFill>
-                        </a:rPr>
-                        <a:t>ms</a:t>
-                      </a:r>
-                      <a:endParaRPr kumimoji="1" lang="ja-JP" altLang="en-US" sz="1600" b="0">
-                        <a:solidFill>
-                          <a:schemeClr val="tx1"/>
-                        </a:solidFill>
-                      </a:endParaRPr>
-                    </a:p>
-                  </a:txBody>
-                  <a:tcPr anchor="ctr">
-                    <a:lnL w="12700" cap="flat" cmpd="sng" algn="ctr">
-                      <a:solidFill>
-                        <a:schemeClr val="tx1">
-                          <a:lumMod val="50000"/>
-                          <a:lumOff val="50000"/>
-                        </a:schemeClr>
-                      </a:solidFill>
-                      <a:prstDash val="solid"/>
-                      <a:round/>
-                      <a:headEnd type="none" w="med" len="med"/>
-                      <a:tailEnd type="none" w="med" len="med"/>
-                    </a:lnL>
-                    <a:lnR w="12700" cap="flat" cmpd="sng" algn="ctr">
-                      <a:solidFill>
-                        <a:schemeClr val="tx1">
-                          <a:lumMod val="50000"/>
-                          <a:lumOff val="50000"/>
-                        </a:schemeClr>
-                      </a:solidFill>
-                      <a:prstDash val="solid"/>
-                      <a:round/>
-                      <a:headEnd type="none" w="med" len="med"/>
-                      <a:tailEnd type="none" w="med" len="med"/>
-                    </a:lnR>
-                    <a:lnT w="12700" cap="flat" cmpd="sng" algn="ctr">
-                      <a:solidFill>
-                        <a:schemeClr val="tx1">
-                          <a:lumMod val="50000"/>
-                          <a:lumOff val="50000"/>
-                        </a:schemeClr>
-                      </a:solidFill>
-                      <a:prstDash val="solid"/>
-                      <a:round/>
-                      <a:headEnd type="none" w="med" len="med"/>
-                      <a:tailEnd type="none" w="med" len="med"/>
-                    </a:lnT>
-                    <a:lnB w="12700" cap="flat" cmpd="sng" algn="ctr">
-                      <a:solidFill>
-                        <a:schemeClr val="tx1">
-                          <a:lumMod val="50000"/>
-                          <a:lumOff val="50000"/>
-                        </a:schemeClr>
-                      </a:solidFill>
-                      <a:prstDash val="solid"/>
-                      <a:round/>
-                      <a:headEnd type="none" w="med" len="med"/>
-                      <a:tailEnd type="none" w="med" len="med"/>
-                    </a:lnB>
-                    <a:noFill/>
-                  </a:tcPr>
-                </a:tc>
-                <a:tc>
-                  <a:txBody>
-                    <a:bodyPr/>
-                    <a:lstStyle/>
-                    <a:p>
-                      <a:r>
-                        <a:rPr kumimoji="1" lang="en-US" altLang="ja-JP" sz="1600" b="0" dirty="0">
-                          <a:solidFill>
-                            <a:schemeClr val="tx1"/>
-                          </a:solidFill>
-                        </a:rPr>
-                        <a:t>&lt; 0.5 </a:t>
-                      </a:r>
-                      <a:r>
-                        <a:rPr kumimoji="1" lang="en-US" altLang="ja-JP" sz="1600" b="0" dirty="0" err="1">
-                          <a:solidFill>
-                            <a:schemeClr val="tx1"/>
-                          </a:solidFill>
-                        </a:rPr>
-                        <a:t>ms</a:t>
-                      </a:r>
-                      <a:endParaRPr kumimoji="1" lang="ja-JP" altLang="en-US" sz="1600" b="0">
-                        <a:solidFill>
-                          <a:schemeClr val="tx1"/>
-                        </a:solidFill>
-                      </a:endParaRPr>
-                    </a:p>
-                  </a:txBody>
-                  <a:tcPr anchor="ctr">
-                    <a:lnL w="12700" cap="flat" cmpd="sng" algn="ctr">
-                      <a:solidFill>
-                        <a:schemeClr val="tx1">
-                          <a:lumMod val="50000"/>
-                          <a:lumOff val="50000"/>
-                        </a:schemeClr>
-                      </a:solidFill>
-                      <a:prstDash val="solid"/>
-                      <a:round/>
-                      <a:headEnd type="none" w="med" len="med"/>
-                      <a:tailEnd type="none" w="med" len="med"/>
-                    </a:lnL>
-                    <a:lnR w="12700" cap="flat" cmpd="sng" algn="ctr">
-                      <a:solidFill>
-                        <a:schemeClr val="tx1">
-                          <a:lumMod val="50000"/>
-                          <a:lumOff val="50000"/>
-                        </a:schemeClr>
-                      </a:solidFill>
-                      <a:prstDash val="solid"/>
-                      <a:round/>
-                      <a:headEnd type="none" w="med" len="med"/>
-                      <a:tailEnd type="none" w="med" len="med"/>
-                    </a:lnR>
-                    <a:lnT w="12700" cap="flat" cmpd="sng" algn="ctr">
-                      <a:solidFill>
-                        <a:schemeClr val="tx1">
-                          <a:lumMod val="50000"/>
-                          <a:lumOff val="50000"/>
-                        </a:schemeClr>
-                      </a:solidFill>
-                      <a:prstDash val="solid"/>
-                      <a:round/>
-                      <a:headEnd type="none" w="med" len="med"/>
-                      <a:tailEnd type="none" w="med" len="med"/>
-                    </a:lnT>
-                    <a:lnB w="12700" cap="flat" cmpd="sng" algn="ctr">
-                      <a:solidFill>
-                        <a:schemeClr val="tx1">
-                          <a:lumMod val="50000"/>
-                          <a:lumOff val="50000"/>
-                        </a:schemeClr>
-                      </a:solidFill>
-                      <a:prstDash val="solid"/>
-                      <a:round/>
-                      <a:headEnd type="none" w="med" len="med"/>
-                      <a:tailEnd type="none" w="med" len="med"/>
-                    </a:lnB>
-                    <a:noFill/>
-                  </a:tcPr>
-                </a:tc>
-                <a:extLst>
-                  <a:ext uri="{0D108BD9-81ED-4DB2-BD59-A6C34878D82A}">
-                    <a16:rowId xmlns:a16="http://schemas.microsoft.com/office/drawing/2014/main" val="2106148188"/>
-                  </a:ext>
-                </a:extLst>
-              </a:tr>
-              <a:tr h="878948">
-                <a:tc vMerge="1">
-                  <a:txBody>
-                    <a:bodyPr/>
-                    <a:lstStyle/>
-                    <a:p>
-                      <a:endParaRPr kumimoji="1" lang="ja-JP" altLang="en-US" sz="1600" b="0">
-                        <a:solidFill>
-                          <a:schemeClr val="tx1"/>
-                        </a:solidFill>
-                      </a:endParaRPr>
-                    </a:p>
-                  </a:txBody>
-                  <a:tcPr anchor="ctr">
-                    <a:lnL w="12700" cap="flat" cmpd="sng" algn="ctr">
-                      <a:solidFill>
-                        <a:schemeClr val="tx1">
-                          <a:lumMod val="50000"/>
-                          <a:lumOff val="50000"/>
-                        </a:schemeClr>
-                      </a:solidFill>
-                      <a:prstDash val="solid"/>
-                      <a:round/>
-                      <a:headEnd type="none" w="med" len="med"/>
-                      <a:tailEnd type="none" w="med" len="med"/>
-                    </a:lnL>
-                    <a:lnR w="12700" cap="flat" cmpd="sng" algn="ctr">
-                      <a:solidFill>
-                        <a:schemeClr val="tx1">
-                          <a:lumMod val="50000"/>
-                          <a:lumOff val="50000"/>
-                        </a:schemeClr>
-                      </a:solidFill>
-                      <a:prstDash val="solid"/>
-                      <a:round/>
-                      <a:headEnd type="none" w="med" len="med"/>
-                      <a:tailEnd type="none" w="med" len="med"/>
-                    </a:lnR>
-                    <a:lnT w="12700" cap="flat" cmpd="sng" algn="ctr">
-                      <a:solidFill>
-                        <a:schemeClr val="tx1">
-                          <a:lumMod val="50000"/>
-                          <a:lumOff val="50000"/>
-                        </a:schemeClr>
-                      </a:solidFill>
-                      <a:prstDash val="solid"/>
-                      <a:round/>
-                      <a:headEnd type="none" w="med" len="med"/>
-                      <a:tailEnd type="none" w="med" len="med"/>
-                    </a:lnT>
-                    <a:lnB w="12700" cap="flat" cmpd="sng" algn="ctr">
-                      <a:solidFill>
-                        <a:schemeClr val="tx1">
-                          <a:lumMod val="50000"/>
-                          <a:lumOff val="50000"/>
-                        </a:schemeClr>
-                      </a:solidFill>
-                      <a:prstDash val="solid"/>
-                      <a:round/>
-                      <a:headEnd type="none" w="med" len="med"/>
-                      <a:tailEnd type="none" w="med" len="med"/>
-                    </a:lnB>
-                    <a:noFill/>
-                  </a:tcPr>
-                </a:tc>
-                <a:tc>
-                  <a:txBody>
-                    <a:bodyPr/>
-                    <a:lstStyle/>
-                    <a:p>
-                      <a:r>
-                        <a:rPr kumimoji="1" lang="en-US" altLang="ja-JP" sz="1600" b="0" dirty="0">
-                          <a:solidFill>
-                            <a:schemeClr val="tx1"/>
-                          </a:solidFill>
-                        </a:rPr>
-                        <a:t>10 Instructions</a:t>
-                      </a:r>
-                      <a:endParaRPr kumimoji="1" lang="ja-JP" altLang="en-US" sz="1600" b="0">
-                        <a:solidFill>
-                          <a:schemeClr val="tx1"/>
-                        </a:solidFill>
-                      </a:endParaRPr>
-                    </a:p>
-                  </a:txBody>
-                  <a:tcPr anchor="ctr">
-                    <a:lnL w="12700" cap="flat" cmpd="sng" algn="ctr">
-                      <a:solidFill>
-                        <a:schemeClr val="tx1">
-                          <a:lumMod val="50000"/>
-                          <a:lumOff val="50000"/>
-                        </a:schemeClr>
-                      </a:solidFill>
-                      <a:prstDash val="solid"/>
-                      <a:round/>
-                      <a:headEnd type="none" w="med" len="med"/>
-                      <a:tailEnd type="none" w="med" len="med"/>
-                    </a:lnL>
-                    <a:lnR w="12700" cap="flat" cmpd="sng" algn="ctr">
-                      <a:solidFill>
-                        <a:schemeClr val="tx1">
-                          <a:lumMod val="50000"/>
-                          <a:lumOff val="50000"/>
-                        </a:schemeClr>
-                      </a:solidFill>
-                      <a:prstDash val="solid"/>
-                      <a:round/>
-                      <a:headEnd type="none" w="med" len="med"/>
-                      <a:tailEnd type="none" w="med" len="med"/>
-                    </a:lnR>
-                    <a:lnT w="12700" cap="flat" cmpd="sng" algn="ctr">
-                      <a:solidFill>
-                        <a:schemeClr val="tx1">
-                          <a:lumMod val="50000"/>
-                          <a:lumOff val="50000"/>
-                        </a:schemeClr>
-                      </a:solidFill>
-                      <a:prstDash val="solid"/>
-                      <a:round/>
-                      <a:headEnd type="none" w="med" len="med"/>
-                      <a:tailEnd type="none" w="med" len="med"/>
-                    </a:lnT>
-                    <a:lnB w="12700" cap="flat" cmpd="sng" algn="ctr">
-                      <a:solidFill>
-                        <a:schemeClr val="tx1">
-                          <a:lumMod val="50000"/>
-                          <a:lumOff val="50000"/>
-                        </a:schemeClr>
-                      </a:solidFill>
-                      <a:prstDash val="solid"/>
-                      <a:round/>
-                      <a:headEnd type="none" w="med" len="med"/>
-                      <a:tailEnd type="none" w="med" len="med"/>
-                    </a:lnB>
-                    <a:noFill/>
-                  </a:tcPr>
-                </a:tc>
-                <a:tc>
-                  <a:txBody>
-                    <a:bodyPr/>
-                    <a:lstStyle/>
-                    <a:p>
-                      <a:r>
-                        <a:rPr kumimoji="1" lang="en-US" altLang="ja-JP" sz="1600" b="0" dirty="0">
-                          <a:solidFill>
-                            <a:schemeClr val="tx1"/>
-                          </a:solidFill>
-                        </a:rPr>
-                        <a:t>13 </a:t>
-                      </a:r>
-                      <a:r>
-                        <a:rPr kumimoji="1" lang="en-US" altLang="ja-JP" sz="1600" b="0" dirty="0" err="1">
-                          <a:solidFill>
-                            <a:schemeClr val="tx1"/>
-                          </a:solidFill>
-                        </a:rPr>
-                        <a:t>ms</a:t>
-                      </a:r>
-                      <a:endParaRPr kumimoji="1" lang="ja-JP" altLang="en-US" sz="1600" b="0">
-                        <a:solidFill>
-                          <a:schemeClr val="tx1"/>
-                        </a:solidFill>
-                      </a:endParaRPr>
-                    </a:p>
-                  </a:txBody>
-                  <a:tcPr anchor="ctr">
-                    <a:lnL w="12700" cap="flat" cmpd="sng" algn="ctr">
-                      <a:solidFill>
-                        <a:schemeClr val="tx1">
-                          <a:lumMod val="50000"/>
-                          <a:lumOff val="50000"/>
-                        </a:schemeClr>
-                      </a:solidFill>
-                      <a:prstDash val="solid"/>
-                      <a:round/>
-                      <a:headEnd type="none" w="med" len="med"/>
-                      <a:tailEnd type="none" w="med" len="med"/>
-                    </a:lnL>
-                    <a:lnR w="12700" cap="flat" cmpd="sng" algn="ctr">
-                      <a:solidFill>
-                        <a:schemeClr val="tx1">
-                          <a:lumMod val="50000"/>
-                          <a:lumOff val="50000"/>
-                        </a:schemeClr>
-                      </a:solidFill>
-                      <a:prstDash val="solid"/>
-                      <a:round/>
-                      <a:headEnd type="none" w="med" len="med"/>
-                      <a:tailEnd type="none" w="med" len="med"/>
-                    </a:lnR>
-                    <a:lnT w="12700" cap="flat" cmpd="sng" algn="ctr">
-                      <a:solidFill>
-                        <a:schemeClr val="tx1">
-                          <a:lumMod val="50000"/>
-                          <a:lumOff val="50000"/>
-                        </a:schemeClr>
-                      </a:solidFill>
-                      <a:prstDash val="solid"/>
-                      <a:round/>
-                      <a:headEnd type="none" w="med" len="med"/>
-                      <a:tailEnd type="none" w="med" len="med"/>
-                    </a:lnT>
-                    <a:lnB w="12700" cap="flat" cmpd="sng" algn="ctr">
-                      <a:solidFill>
-                        <a:schemeClr val="tx1">
-                          <a:lumMod val="50000"/>
-                          <a:lumOff val="50000"/>
-                        </a:schemeClr>
-                      </a:solidFill>
-                      <a:prstDash val="solid"/>
-                      <a:round/>
-                      <a:headEnd type="none" w="med" len="med"/>
-                      <a:tailEnd type="none" w="med" len="med"/>
-                    </a:lnB>
-                    <a:noFill/>
-                  </a:tcPr>
-                </a:tc>
-                <a:tc>
-                  <a:txBody>
-                    <a:bodyPr/>
-                    <a:lstStyle/>
-                    <a:p>
-                      <a:r>
-                        <a:rPr kumimoji="1" lang="en-US" altLang="ja-JP" sz="1600" b="0" dirty="0">
-                          <a:solidFill>
-                            <a:srgbClr val="FF0000"/>
-                          </a:solidFill>
-                        </a:rPr>
-                        <a:t>&lt; 0.5 </a:t>
-                      </a:r>
-                      <a:r>
-                        <a:rPr kumimoji="1" lang="en-US" altLang="ja-JP" sz="1600" b="0" dirty="0" err="1">
-                          <a:solidFill>
-                            <a:srgbClr val="FF0000"/>
-                          </a:solidFill>
-                        </a:rPr>
-                        <a:t>ms</a:t>
-                      </a:r>
-                      <a:endParaRPr kumimoji="1" lang="ja-JP" altLang="en-US" sz="1600" b="0">
-                        <a:solidFill>
-                          <a:srgbClr val="FF0000"/>
-                        </a:solidFill>
-                      </a:endParaRPr>
-                    </a:p>
-                  </a:txBody>
-                  <a:tcPr anchor="ctr">
-                    <a:lnL w="12700" cap="flat" cmpd="sng" algn="ctr">
-                      <a:solidFill>
-                        <a:schemeClr val="tx1">
-                          <a:lumMod val="50000"/>
-                          <a:lumOff val="50000"/>
-                        </a:schemeClr>
-                      </a:solidFill>
-                      <a:prstDash val="solid"/>
-                      <a:round/>
-                      <a:headEnd type="none" w="med" len="med"/>
-                      <a:tailEnd type="none" w="med" len="med"/>
-                    </a:lnL>
-                    <a:lnR w="12700" cap="flat" cmpd="sng" algn="ctr">
-                      <a:solidFill>
-                        <a:schemeClr val="tx1">
-                          <a:lumMod val="50000"/>
-                          <a:lumOff val="50000"/>
-                        </a:schemeClr>
-                      </a:solidFill>
-                      <a:prstDash val="solid"/>
-                      <a:round/>
-                      <a:headEnd type="none" w="med" len="med"/>
-                      <a:tailEnd type="none" w="med" len="med"/>
-                    </a:lnR>
-                    <a:lnT w="12700" cap="flat" cmpd="sng" algn="ctr">
-                      <a:solidFill>
-                        <a:schemeClr val="tx1">
-                          <a:lumMod val="50000"/>
-                          <a:lumOff val="50000"/>
-                        </a:schemeClr>
-                      </a:solidFill>
-                      <a:prstDash val="solid"/>
-                      <a:round/>
-                      <a:headEnd type="none" w="med" len="med"/>
-                      <a:tailEnd type="none" w="med" len="med"/>
-                    </a:lnT>
-                    <a:lnB w="12700" cap="flat" cmpd="sng" algn="ctr">
-                      <a:solidFill>
-                        <a:schemeClr val="tx1">
-                          <a:lumMod val="50000"/>
-                          <a:lumOff val="50000"/>
-                        </a:schemeClr>
-                      </a:solidFill>
-                      <a:prstDash val="solid"/>
-                      <a:round/>
-                      <a:headEnd type="none" w="med" len="med"/>
-                      <a:tailEnd type="none" w="med" len="med"/>
-                    </a:lnB>
-                    <a:noFill/>
-                  </a:tcPr>
-                </a:tc>
-                <a:tc>
-                  <a:txBody>
-                    <a:bodyPr/>
-                    <a:lstStyle/>
-                    <a:p>
-                      <a:r>
-                        <a:rPr kumimoji="1" lang="en-US" altLang="ja-JP" sz="1600" b="0" dirty="0">
-                          <a:solidFill>
-                            <a:schemeClr val="tx1"/>
-                          </a:solidFill>
-                        </a:rPr>
-                        <a:t>29 </a:t>
-                      </a:r>
-                      <a:r>
-                        <a:rPr kumimoji="1" lang="en-US" altLang="ja-JP" sz="1600" b="0" dirty="0" err="1">
-                          <a:solidFill>
-                            <a:schemeClr val="tx1"/>
-                          </a:solidFill>
-                        </a:rPr>
-                        <a:t>ms</a:t>
-                      </a:r>
-                      <a:endParaRPr kumimoji="1" lang="ja-JP" altLang="en-US" sz="1600" b="0">
-                        <a:solidFill>
-                          <a:schemeClr val="tx1"/>
-                        </a:solidFill>
-                      </a:endParaRPr>
-                    </a:p>
-                  </a:txBody>
-                  <a:tcPr anchor="ctr">
-                    <a:lnL w="12700" cap="flat" cmpd="sng" algn="ctr">
-                      <a:solidFill>
-                        <a:schemeClr val="tx1">
-                          <a:lumMod val="50000"/>
-                          <a:lumOff val="50000"/>
-                        </a:schemeClr>
-                      </a:solidFill>
-                      <a:prstDash val="solid"/>
-                      <a:round/>
-                      <a:headEnd type="none" w="med" len="med"/>
-                      <a:tailEnd type="none" w="med" len="med"/>
-                    </a:lnL>
-                    <a:lnR w="12700" cap="flat" cmpd="sng" algn="ctr">
-                      <a:solidFill>
-                        <a:schemeClr val="tx1">
-                          <a:lumMod val="50000"/>
-                          <a:lumOff val="50000"/>
-                        </a:schemeClr>
-                      </a:solidFill>
-                      <a:prstDash val="solid"/>
-                      <a:round/>
-                      <a:headEnd type="none" w="med" len="med"/>
-                      <a:tailEnd type="none" w="med" len="med"/>
-                    </a:lnR>
-                    <a:lnT w="12700" cap="flat" cmpd="sng" algn="ctr">
-                      <a:solidFill>
-                        <a:schemeClr val="tx1">
-                          <a:lumMod val="50000"/>
-                          <a:lumOff val="50000"/>
-                        </a:schemeClr>
-                      </a:solidFill>
-                      <a:prstDash val="solid"/>
-                      <a:round/>
-                      <a:headEnd type="none" w="med" len="med"/>
-                      <a:tailEnd type="none" w="med" len="med"/>
-                    </a:lnT>
-                    <a:lnB w="12700" cap="flat" cmpd="sng" algn="ctr">
-                      <a:solidFill>
-                        <a:schemeClr val="tx1">
-                          <a:lumMod val="50000"/>
-                          <a:lumOff val="50000"/>
-                        </a:schemeClr>
-                      </a:solidFill>
-                      <a:prstDash val="solid"/>
-                      <a:round/>
-                      <a:headEnd type="none" w="med" len="med"/>
-                      <a:tailEnd type="none" w="med" len="med"/>
-                    </a:lnB>
-                    <a:noFill/>
-                  </a:tcPr>
-                </a:tc>
-                <a:tc>
-                  <a:txBody>
-                    <a:bodyPr/>
-                    <a:lstStyle/>
-                    <a:p>
-                      <a:r>
-                        <a:rPr kumimoji="1" lang="en-US" altLang="ja-JP" sz="1600" b="0" dirty="0">
-                          <a:solidFill>
-                            <a:schemeClr val="tx1"/>
-                          </a:solidFill>
-                        </a:rPr>
-                        <a:t>&lt; 3 </a:t>
-                      </a:r>
-                      <a:r>
-                        <a:rPr kumimoji="1" lang="en-US" altLang="ja-JP" sz="1600" b="0" dirty="0" err="1">
-                          <a:solidFill>
-                            <a:schemeClr val="tx1"/>
-                          </a:solidFill>
-                        </a:rPr>
-                        <a:t>ms</a:t>
-                      </a:r>
-                      <a:endParaRPr kumimoji="1" lang="ja-JP" altLang="en-US" sz="1600" b="0">
-                        <a:solidFill>
-                          <a:schemeClr val="tx1"/>
-                        </a:solidFill>
-                      </a:endParaRPr>
-                    </a:p>
-                  </a:txBody>
-                  <a:tcPr anchor="ctr">
-                    <a:lnL w="12700" cap="flat" cmpd="sng" algn="ctr">
-                      <a:solidFill>
-                        <a:schemeClr val="tx1">
-                          <a:lumMod val="50000"/>
-                          <a:lumOff val="50000"/>
-                        </a:schemeClr>
-                      </a:solidFill>
-                      <a:prstDash val="solid"/>
-                      <a:round/>
-                      <a:headEnd type="none" w="med" len="med"/>
-                      <a:tailEnd type="none" w="med" len="med"/>
-                    </a:lnL>
-                    <a:lnR w="12700" cap="flat" cmpd="sng" algn="ctr">
-                      <a:solidFill>
-                        <a:schemeClr val="tx1">
-                          <a:lumMod val="50000"/>
-                          <a:lumOff val="50000"/>
-                        </a:schemeClr>
-                      </a:solidFill>
-                      <a:prstDash val="solid"/>
-                      <a:round/>
-                      <a:headEnd type="none" w="med" len="med"/>
-                      <a:tailEnd type="none" w="med" len="med"/>
-                    </a:lnR>
-                    <a:lnT w="12700" cap="flat" cmpd="sng" algn="ctr">
-                      <a:solidFill>
-                        <a:schemeClr val="tx1">
-                          <a:lumMod val="50000"/>
-                          <a:lumOff val="50000"/>
-                        </a:schemeClr>
-                      </a:solidFill>
-                      <a:prstDash val="solid"/>
-                      <a:round/>
-                      <a:headEnd type="none" w="med" len="med"/>
-                      <a:tailEnd type="none" w="med" len="med"/>
-                    </a:lnT>
-                    <a:lnB w="12700" cap="flat" cmpd="sng" algn="ctr">
-                      <a:solidFill>
-                        <a:schemeClr val="tx1">
-                          <a:lumMod val="50000"/>
-                          <a:lumOff val="50000"/>
-                        </a:schemeClr>
-                      </a:solidFill>
-                      <a:prstDash val="solid"/>
-                      <a:round/>
-                      <a:headEnd type="none" w="med" len="med"/>
-                      <a:tailEnd type="none" w="med" len="med"/>
-                    </a:lnB>
-                    <a:noFill/>
-                  </a:tcPr>
-                </a:tc>
-                <a:extLst>
-                  <a:ext uri="{0D108BD9-81ED-4DB2-BD59-A6C34878D82A}">
-                    <a16:rowId xmlns:a16="http://schemas.microsoft.com/office/drawing/2014/main" val="1046344156"/>
-                  </a:ext>
-                </a:extLst>
-              </a:tr>
-              <a:tr h="878948">
-                <a:tc vMerge="1">
-                  <a:txBody>
-                    <a:bodyPr/>
-                    <a:lstStyle/>
-                    <a:p>
-                      <a:endParaRPr kumimoji="1" lang="ja-JP" altLang="en-US" sz="1600" b="0">
-                        <a:solidFill>
-                          <a:schemeClr val="tx1"/>
-                        </a:solidFill>
-                      </a:endParaRPr>
-                    </a:p>
-                  </a:txBody>
-                  <a:tcPr anchor="ctr">
-                    <a:lnL w="12700" cap="flat" cmpd="sng" algn="ctr">
-                      <a:solidFill>
-                        <a:schemeClr val="tx1">
-                          <a:lumMod val="50000"/>
-                          <a:lumOff val="50000"/>
-                        </a:schemeClr>
-                      </a:solidFill>
-                      <a:prstDash val="solid"/>
-                      <a:round/>
-                      <a:headEnd type="none" w="med" len="med"/>
-                      <a:tailEnd type="none" w="med" len="med"/>
-                    </a:lnL>
-                    <a:lnR w="12700" cap="flat" cmpd="sng" algn="ctr">
-                      <a:solidFill>
-                        <a:schemeClr val="tx1">
-                          <a:lumMod val="50000"/>
-                          <a:lumOff val="50000"/>
-                        </a:schemeClr>
-                      </a:solidFill>
-                      <a:prstDash val="solid"/>
-                      <a:round/>
-                      <a:headEnd type="none" w="med" len="med"/>
-                      <a:tailEnd type="none" w="med" len="med"/>
-                    </a:lnR>
-                    <a:lnT w="12700" cap="flat" cmpd="sng" algn="ctr">
-                      <a:solidFill>
-                        <a:schemeClr val="tx1">
-                          <a:lumMod val="50000"/>
-                          <a:lumOff val="50000"/>
-                        </a:schemeClr>
-                      </a:solidFill>
-                      <a:prstDash val="solid"/>
-                      <a:round/>
-                      <a:headEnd type="none" w="med" len="med"/>
-                      <a:tailEnd type="none" w="med" len="med"/>
-                    </a:lnT>
-                    <a:lnB w="12700" cap="flat" cmpd="sng" algn="ctr">
-                      <a:solidFill>
-                        <a:schemeClr val="tx1">
-                          <a:lumMod val="50000"/>
-                          <a:lumOff val="50000"/>
-                        </a:schemeClr>
-                      </a:solidFill>
-                      <a:prstDash val="solid"/>
-                      <a:round/>
-                      <a:headEnd type="none" w="med" len="med"/>
-                      <a:tailEnd type="none" w="med" len="med"/>
-                    </a:lnB>
-                    <a:noFill/>
-                  </a:tcPr>
-                </a:tc>
-                <a:tc>
-                  <a:txBody>
-                    <a:bodyPr/>
-                    <a:lstStyle/>
-                    <a:p>
-                      <a:r>
-                        <a:rPr kumimoji="1" lang="en-US" altLang="ja-JP" sz="1600" b="0" dirty="0">
-                          <a:solidFill>
-                            <a:schemeClr val="tx1"/>
-                          </a:solidFill>
-                        </a:rPr>
-                        <a:t>40 Instructions</a:t>
-                      </a:r>
-                      <a:endParaRPr kumimoji="1" lang="ja-JP" altLang="en-US" sz="1600" b="0">
-                        <a:solidFill>
-                          <a:schemeClr val="tx1"/>
-                        </a:solidFill>
-                      </a:endParaRPr>
-                    </a:p>
-                  </a:txBody>
-                  <a:tcPr anchor="ctr">
-                    <a:lnL w="12700" cap="flat" cmpd="sng" algn="ctr">
-                      <a:solidFill>
-                        <a:schemeClr val="tx1">
-                          <a:lumMod val="50000"/>
-                          <a:lumOff val="50000"/>
-                        </a:schemeClr>
-                      </a:solidFill>
-                      <a:prstDash val="solid"/>
-                      <a:round/>
-                      <a:headEnd type="none" w="med" len="med"/>
-                      <a:tailEnd type="none" w="med" len="med"/>
-                    </a:lnL>
-                    <a:lnR w="12700" cap="flat" cmpd="sng" algn="ctr">
-                      <a:solidFill>
-                        <a:schemeClr val="tx1">
-                          <a:lumMod val="50000"/>
-                          <a:lumOff val="50000"/>
-                        </a:schemeClr>
-                      </a:solidFill>
-                      <a:prstDash val="solid"/>
-                      <a:round/>
-                      <a:headEnd type="none" w="med" len="med"/>
-                      <a:tailEnd type="none" w="med" len="med"/>
-                    </a:lnR>
-                    <a:lnT w="12700" cap="flat" cmpd="sng" algn="ctr">
-                      <a:solidFill>
-                        <a:schemeClr val="tx1">
-                          <a:lumMod val="50000"/>
-                          <a:lumOff val="50000"/>
-                        </a:schemeClr>
-                      </a:solidFill>
-                      <a:prstDash val="solid"/>
-                      <a:round/>
-                      <a:headEnd type="none" w="med" len="med"/>
-                      <a:tailEnd type="none" w="med" len="med"/>
-                    </a:lnT>
-                    <a:lnB w="12700" cap="flat" cmpd="sng" algn="ctr">
-                      <a:solidFill>
-                        <a:schemeClr val="tx1">
-                          <a:lumMod val="50000"/>
-                          <a:lumOff val="50000"/>
-                        </a:schemeClr>
-                      </a:solidFill>
-                      <a:prstDash val="solid"/>
-                      <a:round/>
-                      <a:headEnd type="none" w="med" len="med"/>
-                      <a:tailEnd type="none" w="med" len="med"/>
-                    </a:lnB>
-                    <a:noFill/>
-                  </a:tcPr>
-                </a:tc>
-                <a:tc>
-                  <a:txBody>
-                    <a:bodyPr/>
-                    <a:lstStyle/>
-                    <a:p>
-                      <a:r>
-                        <a:rPr kumimoji="1" lang="en-US" altLang="ja-JP" sz="1600" b="0" dirty="0">
-                          <a:solidFill>
-                            <a:schemeClr val="tx1"/>
-                          </a:solidFill>
-                        </a:rPr>
-                        <a:t>20 </a:t>
-                      </a:r>
-                      <a:r>
-                        <a:rPr kumimoji="1" lang="en-US" altLang="ja-JP" sz="1600" b="0" dirty="0" err="1">
-                          <a:solidFill>
-                            <a:schemeClr val="tx1"/>
-                          </a:solidFill>
-                        </a:rPr>
-                        <a:t>ms</a:t>
-                      </a:r>
-                      <a:endParaRPr kumimoji="1" lang="ja-JP" altLang="en-US" sz="1600" b="0">
-                        <a:solidFill>
-                          <a:schemeClr val="tx1"/>
-                        </a:solidFill>
-                      </a:endParaRPr>
-                    </a:p>
-                  </a:txBody>
-                  <a:tcPr anchor="ctr">
-                    <a:lnL w="12700" cap="flat" cmpd="sng" algn="ctr">
-                      <a:solidFill>
-                        <a:schemeClr val="tx1">
-                          <a:lumMod val="50000"/>
-                          <a:lumOff val="50000"/>
-                        </a:schemeClr>
-                      </a:solidFill>
-                      <a:prstDash val="solid"/>
-                      <a:round/>
-                      <a:headEnd type="none" w="med" len="med"/>
-                      <a:tailEnd type="none" w="med" len="med"/>
-                    </a:lnL>
-                    <a:lnR w="12700" cap="flat" cmpd="sng" algn="ctr">
-                      <a:solidFill>
-                        <a:schemeClr val="tx1">
-                          <a:lumMod val="50000"/>
-                          <a:lumOff val="50000"/>
-                        </a:schemeClr>
-                      </a:solidFill>
-                      <a:prstDash val="solid"/>
-                      <a:round/>
-                      <a:headEnd type="none" w="med" len="med"/>
-                      <a:tailEnd type="none" w="med" len="med"/>
-                    </a:lnR>
-                    <a:lnT w="12700" cap="flat" cmpd="sng" algn="ctr">
-                      <a:solidFill>
-                        <a:schemeClr val="tx1">
-                          <a:lumMod val="50000"/>
-                          <a:lumOff val="50000"/>
-                        </a:schemeClr>
-                      </a:solidFill>
-                      <a:prstDash val="solid"/>
-                      <a:round/>
-                      <a:headEnd type="none" w="med" len="med"/>
-                      <a:tailEnd type="none" w="med" len="med"/>
-                    </a:lnT>
-                    <a:lnB w="12700" cap="flat" cmpd="sng" algn="ctr">
-                      <a:solidFill>
-                        <a:schemeClr val="tx1">
-                          <a:lumMod val="50000"/>
-                          <a:lumOff val="50000"/>
-                        </a:schemeClr>
-                      </a:solidFill>
-                      <a:prstDash val="solid"/>
-                      <a:round/>
-                      <a:headEnd type="none" w="med" len="med"/>
-                      <a:tailEnd type="none" w="med" len="med"/>
-                    </a:lnB>
-                    <a:noFill/>
-                  </a:tcPr>
-                </a:tc>
-                <a:tc>
-                  <a:txBody>
-                    <a:bodyPr/>
-                    <a:lstStyle/>
-                    <a:p>
-                      <a:r>
-                        <a:rPr kumimoji="1" lang="en-US" altLang="ja-JP" sz="1600" b="0" dirty="0">
-                          <a:solidFill>
-                            <a:srgbClr val="FF0000"/>
-                          </a:solidFill>
-                        </a:rPr>
-                        <a:t>&lt; 0.5 </a:t>
-                      </a:r>
-                      <a:r>
-                        <a:rPr kumimoji="1" lang="en-US" altLang="ja-JP" sz="1600" b="0" dirty="0" err="1">
-                          <a:solidFill>
-                            <a:srgbClr val="FF0000"/>
-                          </a:solidFill>
-                        </a:rPr>
-                        <a:t>ms</a:t>
-                      </a:r>
-                      <a:endParaRPr kumimoji="1" lang="ja-JP" altLang="en-US" sz="1600" b="0">
-                        <a:solidFill>
-                          <a:srgbClr val="FF0000"/>
-                        </a:solidFill>
-                      </a:endParaRPr>
-                    </a:p>
-                  </a:txBody>
-                  <a:tcPr anchor="ctr">
-                    <a:lnL w="12700" cap="flat" cmpd="sng" algn="ctr">
-                      <a:solidFill>
-                        <a:schemeClr val="tx1">
-                          <a:lumMod val="50000"/>
-                          <a:lumOff val="50000"/>
-                        </a:schemeClr>
-                      </a:solidFill>
-                      <a:prstDash val="solid"/>
-                      <a:round/>
-                      <a:headEnd type="none" w="med" len="med"/>
-                      <a:tailEnd type="none" w="med" len="med"/>
-                    </a:lnL>
-                    <a:lnR w="12700" cap="flat" cmpd="sng" algn="ctr">
-                      <a:solidFill>
-                        <a:schemeClr val="tx1">
-                          <a:lumMod val="50000"/>
-                          <a:lumOff val="50000"/>
-                        </a:schemeClr>
-                      </a:solidFill>
-                      <a:prstDash val="solid"/>
-                      <a:round/>
-                      <a:headEnd type="none" w="med" len="med"/>
-                      <a:tailEnd type="none" w="med" len="med"/>
-                    </a:lnR>
-                    <a:lnT w="12700" cap="flat" cmpd="sng" algn="ctr">
-                      <a:solidFill>
-                        <a:schemeClr val="tx1">
-                          <a:lumMod val="50000"/>
-                          <a:lumOff val="50000"/>
-                        </a:schemeClr>
-                      </a:solidFill>
-                      <a:prstDash val="solid"/>
-                      <a:round/>
-                      <a:headEnd type="none" w="med" len="med"/>
-                      <a:tailEnd type="none" w="med" len="med"/>
-                    </a:lnT>
-                    <a:lnB w="12700" cap="flat" cmpd="sng" algn="ctr">
-                      <a:solidFill>
-                        <a:schemeClr val="tx1">
-                          <a:lumMod val="50000"/>
-                          <a:lumOff val="50000"/>
-                        </a:schemeClr>
-                      </a:solidFill>
-                      <a:prstDash val="solid"/>
-                      <a:round/>
-                      <a:headEnd type="none" w="med" len="med"/>
-                      <a:tailEnd type="none" w="med" len="med"/>
-                    </a:lnB>
-                    <a:noFill/>
-                  </a:tcPr>
-                </a:tc>
-                <a:tc>
-                  <a:txBody>
-                    <a:bodyPr/>
-                    <a:lstStyle/>
-                    <a:p>
-                      <a:r>
-                        <a:rPr kumimoji="1" lang="en-US" altLang="ja-JP" sz="1600" b="0" dirty="0">
-                          <a:solidFill>
-                            <a:schemeClr val="tx1"/>
-                          </a:solidFill>
-                        </a:rPr>
-                        <a:t>53 </a:t>
-                      </a:r>
-                      <a:r>
-                        <a:rPr kumimoji="1" lang="en-US" altLang="ja-JP" sz="1600" b="0" dirty="0" err="1">
-                          <a:solidFill>
-                            <a:schemeClr val="tx1"/>
-                          </a:solidFill>
-                        </a:rPr>
-                        <a:t>ms</a:t>
-                      </a:r>
-                      <a:endParaRPr kumimoji="1" lang="ja-JP" altLang="en-US" sz="1600" b="0">
-                        <a:solidFill>
-                          <a:schemeClr val="tx1"/>
-                        </a:solidFill>
-                      </a:endParaRPr>
-                    </a:p>
-                  </a:txBody>
-                  <a:tcPr anchor="ctr">
-                    <a:lnL w="12700" cap="flat" cmpd="sng" algn="ctr">
-                      <a:solidFill>
-                        <a:schemeClr val="tx1">
-                          <a:lumMod val="50000"/>
-                          <a:lumOff val="50000"/>
-                        </a:schemeClr>
-                      </a:solidFill>
-                      <a:prstDash val="solid"/>
-                      <a:round/>
-                      <a:headEnd type="none" w="med" len="med"/>
-                      <a:tailEnd type="none" w="med" len="med"/>
-                    </a:lnL>
-                    <a:lnR w="12700" cap="flat" cmpd="sng" algn="ctr">
-                      <a:solidFill>
-                        <a:schemeClr val="tx1">
-                          <a:lumMod val="50000"/>
-                          <a:lumOff val="50000"/>
-                        </a:schemeClr>
-                      </a:solidFill>
-                      <a:prstDash val="solid"/>
-                      <a:round/>
-                      <a:headEnd type="none" w="med" len="med"/>
-                      <a:tailEnd type="none" w="med" len="med"/>
-                    </a:lnR>
-                    <a:lnT w="12700" cap="flat" cmpd="sng" algn="ctr">
-                      <a:solidFill>
-                        <a:schemeClr val="tx1">
-                          <a:lumMod val="50000"/>
-                          <a:lumOff val="50000"/>
-                        </a:schemeClr>
-                      </a:solidFill>
-                      <a:prstDash val="solid"/>
-                      <a:round/>
-                      <a:headEnd type="none" w="med" len="med"/>
-                      <a:tailEnd type="none" w="med" len="med"/>
-                    </a:lnT>
-                    <a:lnB w="12700" cap="flat" cmpd="sng" algn="ctr">
-                      <a:solidFill>
-                        <a:schemeClr val="tx1">
-                          <a:lumMod val="50000"/>
-                          <a:lumOff val="50000"/>
-                        </a:schemeClr>
-                      </a:solidFill>
-                      <a:prstDash val="solid"/>
-                      <a:round/>
-                      <a:headEnd type="none" w="med" len="med"/>
-                      <a:tailEnd type="none" w="med" len="med"/>
-                    </a:lnB>
-                    <a:noFill/>
-                  </a:tcPr>
-                </a:tc>
-                <a:tc>
-                  <a:txBody>
-                    <a:bodyPr/>
-                    <a:lstStyle/>
-                    <a:p>
-                      <a:r>
-                        <a:rPr kumimoji="1" lang="en-US" altLang="ja-JP" sz="1600" b="0" dirty="0">
-                          <a:solidFill>
-                            <a:schemeClr val="tx1"/>
-                          </a:solidFill>
-                        </a:rPr>
-                        <a:t>&lt; 5 </a:t>
-                      </a:r>
-                      <a:r>
-                        <a:rPr kumimoji="1" lang="en-US" altLang="ja-JP" sz="1600" b="0" dirty="0" err="1">
-                          <a:solidFill>
-                            <a:schemeClr val="tx1"/>
-                          </a:solidFill>
-                        </a:rPr>
-                        <a:t>ms</a:t>
-                      </a:r>
-                      <a:endParaRPr kumimoji="1" lang="ja-JP" altLang="en-US" sz="1600" b="0">
-                        <a:solidFill>
-                          <a:schemeClr val="tx1"/>
-                        </a:solidFill>
-                      </a:endParaRPr>
-                    </a:p>
-                  </a:txBody>
-                  <a:tcPr anchor="ctr">
-                    <a:lnL w="12700" cap="flat" cmpd="sng" algn="ctr">
-                      <a:solidFill>
-                        <a:schemeClr val="tx1">
-                          <a:lumMod val="50000"/>
-                          <a:lumOff val="50000"/>
-                        </a:schemeClr>
-                      </a:solidFill>
-                      <a:prstDash val="solid"/>
-                      <a:round/>
-                      <a:headEnd type="none" w="med" len="med"/>
-                      <a:tailEnd type="none" w="med" len="med"/>
-                    </a:lnL>
-                    <a:lnR w="12700" cap="flat" cmpd="sng" algn="ctr">
-                      <a:solidFill>
-                        <a:schemeClr val="tx1">
-                          <a:lumMod val="50000"/>
-                          <a:lumOff val="50000"/>
-                        </a:schemeClr>
-                      </a:solidFill>
-                      <a:prstDash val="solid"/>
-                      <a:round/>
-                      <a:headEnd type="none" w="med" len="med"/>
-                      <a:tailEnd type="none" w="med" len="med"/>
-                    </a:lnR>
-                    <a:lnT w="12700" cap="flat" cmpd="sng" algn="ctr">
-                      <a:solidFill>
-                        <a:schemeClr val="tx1">
-                          <a:lumMod val="50000"/>
-                          <a:lumOff val="50000"/>
-                        </a:schemeClr>
-                      </a:solidFill>
-                      <a:prstDash val="solid"/>
-                      <a:round/>
-                      <a:headEnd type="none" w="med" len="med"/>
-                      <a:tailEnd type="none" w="med" len="med"/>
-                    </a:lnT>
-                    <a:lnB w="12700" cap="flat" cmpd="sng" algn="ctr">
-                      <a:solidFill>
-                        <a:schemeClr val="tx1">
-                          <a:lumMod val="50000"/>
-                          <a:lumOff val="50000"/>
-                        </a:schemeClr>
-                      </a:solidFill>
-                      <a:prstDash val="solid"/>
-                      <a:round/>
-                      <a:headEnd type="none" w="med" len="med"/>
-                      <a:tailEnd type="none" w="med" len="med"/>
-                    </a:lnB>
-                    <a:noFill/>
-                  </a:tcPr>
-                </a:tc>
-                <a:extLst>
-                  <a:ext uri="{0D108BD9-81ED-4DB2-BD59-A6C34878D82A}">
-                    <a16:rowId xmlns:a16="http://schemas.microsoft.com/office/drawing/2014/main" val="2906060762"/>
-                  </a:ext>
-                </a:extLst>
-              </a:tr>
-            </a:tbl>
-          </a:graphicData>
-        </a:graphic>
-      </p:graphicFrame>
-      <p:sp>
-        <p:nvSpPr>
-          <p:cNvPr id="10" name="テキスト ボックス 9">
-            <a:extLst>
-              <a:ext uri="{FF2B5EF4-FFF2-40B4-BE49-F238E27FC236}">
-                <a16:creationId xmlns:a16="http://schemas.microsoft.com/office/drawing/2014/main" id="{A12C71F0-9D3A-93A8-D0C4-E2AD27D3FD67}"/>
-              </a:ext>
-            </a:extLst>
-          </p:cNvPr>
-          <p:cNvSpPr txBox="1"/>
-          <p:nvPr/>
-        </p:nvSpPr>
-        <p:spPr>
-          <a:xfrm>
-            <a:off x="838200" y="5932170"/>
-            <a:ext cx="10515600" cy="457200"/>
-          </a:xfrm>
-          <a:prstGeom prst="rect">
-            <a:avLst/>
-          </a:prstGeom>
-          <a:noFill/>
-        </p:spPr>
-        <p:txBody>
-          <a:bodyPr wrap="square" rtlCol="0">
-            <a:noAutofit/>
-          </a:bodyPr>
-          <a:lstStyle/>
-          <a:p>
-            <a:r>
-              <a:rPr kumimoji="1" lang="en-US" altLang="ja-JP" sz="1200" dirty="0"/>
-              <a:t>*1 It is very simple instructions "transfer SOL". I use that instead of mint.</a:t>
-            </a:r>
-          </a:p>
-          <a:p>
-            <a:r>
-              <a:rPr kumimoji="1" lang="en-US" altLang="ja-JP" sz="1200" dirty="0"/>
-              <a:t>*2 Use </a:t>
-            </a:r>
-            <a:r>
-              <a:rPr kumimoji="1" lang="en-US" altLang="ja-JP" sz="1200" dirty="0" err="1"/>
-              <a:t>performance.now</a:t>
-            </a:r>
-            <a:r>
-              <a:rPr kumimoji="1" lang="en-US" altLang="ja-JP" sz="1200" dirty="0"/>
-              <a:t> method of JS using Solana Test Validator v 1.15.2. macOS Monterey 12.6.5, MacBook Pro (13-inch, 2018), 2.7 GHz Core i7, Memory 16 GB</a:t>
-            </a:r>
-            <a:endParaRPr kumimoji="1" lang="ja-JP" altLang="en-US" sz="1200" dirty="0"/>
-          </a:p>
-        </p:txBody>
-      </p:sp>
-      <p:sp>
-        <p:nvSpPr>
-          <p:cNvPr id="3" name="テキスト ボックス 2">
-            <a:extLst>
-              <a:ext uri="{FF2B5EF4-FFF2-40B4-BE49-F238E27FC236}">
-                <a16:creationId xmlns:a16="http://schemas.microsoft.com/office/drawing/2014/main" id="{B66D550E-9D39-E8B2-BEFF-6191E1275EF3}"/>
-              </a:ext>
-            </a:extLst>
-          </p:cNvPr>
-          <p:cNvSpPr txBox="1"/>
-          <p:nvPr/>
-        </p:nvSpPr>
-        <p:spPr>
-          <a:xfrm>
-            <a:off x="10729139" y="9225"/>
-            <a:ext cx="1443600" cy="315912"/>
-          </a:xfrm>
-          <a:prstGeom prst="rect">
-            <a:avLst/>
-          </a:prstGeom>
-          <a:noFill/>
-        </p:spPr>
-        <p:txBody>
-          <a:bodyPr wrap="square" rtlCol="0">
-            <a:noAutofit/>
-          </a:bodyPr>
-          <a:lstStyle/>
-          <a:p>
-            <a:pPr algn="r"/>
-            <a:r>
-              <a:rPr kumimoji="1" lang="en-US" altLang="ja-JP" sz="1200" dirty="0"/>
-              <a:t>JST May 21 2023</a:t>
-            </a:r>
-            <a:endParaRPr kumimoji="1" lang="ja-JP" altLang="en-US" sz="1200" dirty="0"/>
-          </a:p>
-        </p:txBody>
-      </p:sp>
-      <p:pic>
-        <p:nvPicPr>
-          <p:cNvPr id="6" name="図 5">
-            <a:extLst>
-              <a:ext uri="{FF2B5EF4-FFF2-40B4-BE49-F238E27FC236}">
-                <a16:creationId xmlns:a16="http://schemas.microsoft.com/office/drawing/2014/main" id="{5B5B1581-2DEF-2171-78E4-6A9C0491C401}"/>
-              </a:ext>
-            </a:extLst>
-          </p:cNvPr>
-          <p:cNvPicPr>
-            <a:picLocks noChangeAspect="1"/>
-          </p:cNvPicPr>
-          <p:nvPr/>
-        </p:nvPicPr>
-        <p:blipFill>
-          <a:blip r:embed="rId2" cstate="screen">
-            <a:extLst>
-              <a:ext uri="{28A0092B-C50C-407E-A947-70E740481C1C}">
-                <a14:useLocalDpi xmlns:a14="http://schemas.microsoft.com/office/drawing/2010/main"/>
-              </a:ext>
-            </a:extLst>
-          </a:blip>
-          <a:stretch>
-            <a:fillRect/>
-          </a:stretch>
-        </p:blipFill>
-        <p:spPr>
-          <a:xfrm>
-            <a:off x="838200" y="908341"/>
-            <a:ext cx="4693920" cy="1249827"/>
-          </a:xfrm>
-          <a:prstGeom prst="rect">
-            <a:avLst/>
-          </a:prstGeom>
-        </p:spPr>
-      </p:pic>
-      <p:sp>
-        <p:nvSpPr>
-          <p:cNvPr id="9" name="正方形/長方形 8">
-            <a:extLst>
-              <a:ext uri="{FF2B5EF4-FFF2-40B4-BE49-F238E27FC236}">
-                <a16:creationId xmlns:a16="http://schemas.microsoft.com/office/drawing/2014/main" id="{3572253C-1EB2-79D5-7844-AE24337E9152}"/>
-              </a:ext>
-            </a:extLst>
-          </p:cNvPr>
-          <p:cNvSpPr/>
-          <p:nvPr/>
-        </p:nvSpPr>
-        <p:spPr>
-          <a:xfrm>
-            <a:off x="4305300" y="1245870"/>
-            <a:ext cx="845820" cy="1003139"/>
-          </a:xfrm>
-          <a:prstGeom prst="rect">
-            <a:avLst/>
-          </a:prstGeom>
-          <a:noFill/>
-          <a:ln>
-            <a:solidFill>
-              <a:srgbClr val="FF0000"/>
-            </a:solidFill>
-          </a:ln>
-        </p:spPr>
-        <p:style>
-          <a:lnRef idx="2">
-            <a:schemeClr val="accent1">
-              <a:shade val="50000"/>
-            </a:schemeClr>
-          </a:lnRef>
-          <a:fillRef idx="1">
-            <a:schemeClr val="accent1"/>
-          </a:fillRef>
-          <a:effectRef idx="0">
-            <a:schemeClr val="accent1"/>
-          </a:effectRef>
-          <a:fontRef idx="minor">
-            <a:schemeClr val="lt1"/>
-          </a:fontRef>
-        </p:style>
-        <p:txBody>
-          <a:bodyPr rtlCol="0" anchor="ctr"/>
-          <a:lstStyle/>
-          <a:p>
-            <a:pPr algn="ctr"/>
-            <a:endParaRPr kumimoji="1" lang="ja-JP" altLang="en-US" sz="1600">
-              <a:solidFill>
-                <a:schemeClr val="tx1"/>
-              </a:solidFill>
-            </a:endParaRPr>
-          </a:p>
-        </p:txBody>
-      </p:sp>
-      <p:sp>
-        <p:nvSpPr>
-          <p:cNvPr id="12" name="テキスト ボックス 11">
-            <a:extLst>
-              <a:ext uri="{FF2B5EF4-FFF2-40B4-BE49-F238E27FC236}">
-                <a16:creationId xmlns:a16="http://schemas.microsoft.com/office/drawing/2014/main" id="{F7A31A3A-A292-E95F-66EC-4E928A76FF16}"/>
-              </a:ext>
-            </a:extLst>
-          </p:cNvPr>
-          <p:cNvSpPr txBox="1"/>
-          <p:nvPr/>
-        </p:nvSpPr>
-        <p:spPr>
-          <a:xfrm>
-            <a:off x="5151120" y="1495979"/>
-            <a:ext cx="1283880" cy="502920"/>
-          </a:xfrm>
-          <a:prstGeom prst="rect">
-            <a:avLst/>
-          </a:prstGeom>
-          <a:noFill/>
-        </p:spPr>
-        <p:txBody>
-          <a:bodyPr wrap="square" rtlCol="0">
-            <a:noAutofit/>
-          </a:bodyPr>
-          <a:lstStyle/>
-          <a:p>
-            <a:pPr algn="ctr"/>
-            <a:r>
-              <a:rPr kumimoji="1" lang="en-US" altLang="ja-JP" sz="1200" dirty="0">
-                <a:solidFill>
-                  <a:srgbClr val="FF0000"/>
-                </a:solidFill>
-              </a:rPr>
-              <a:t>Speed test scope of Mad Mints</a:t>
-            </a:r>
-            <a:endParaRPr kumimoji="1" lang="ja-JP" altLang="en-US" sz="1200" dirty="0">
-              <a:solidFill>
-                <a:srgbClr val="FF0000"/>
-              </a:solidFill>
-            </a:endParaRPr>
-          </a:p>
-        </p:txBody>
-      </p:sp>
-      <p:sp>
-        <p:nvSpPr>
-          <p:cNvPr id="7" name="正方形/長方形 6">
-            <a:extLst>
-              <a:ext uri="{FF2B5EF4-FFF2-40B4-BE49-F238E27FC236}">
-                <a16:creationId xmlns:a16="http://schemas.microsoft.com/office/drawing/2014/main" id="{DD011DDB-B9BD-D5A5-E04D-10556CEF6FE4}"/>
-              </a:ext>
-            </a:extLst>
-          </p:cNvPr>
-          <p:cNvSpPr/>
-          <p:nvPr/>
-        </p:nvSpPr>
-        <p:spPr>
-          <a:xfrm>
-            <a:off x="2339340" y="1245870"/>
-            <a:ext cx="845820" cy="1003139"/>
-          </a:xfrm>
-          <a:prstGeom prst="rect">
-            <a:avLst/>
-          </a:prstGeom>
-          <a:noFill/>
-          <a:ln>
-            <a:solidFill>
-              <a:srgbClr val="FF0000"/>
-            </a:solidFill>
-          </a:ln>
-        </p:spPr>
-        <p:style>
-          <a:lnRef idx="2">
-            <a:schemeClr val="accent1">
-              <a:shade val="50000"/>
-            </a:schemeClr>
-          </a:lnRef>
-          <a:fillRef idx="1">
-            <a:schemeClr val="accent1"/>
-          </a:fillRef>
-          <a:effectRef idx="0">
-            <a:schemeClr val="accent1"/>
-          </a:effectRef>
-          <a:fontRef idx="minor">
-            <a:schemeClr val="lt1"/>
-          </a:fontRef>
-        </p:style>
-        <p:txBody>
-          <a:bodyPr rtlCol="0" anchor="ctr"/>
-          <a:lstStyle/>
-          <a:p>
-            <a:pPr algn="ctr"/>
-            <a:endParaRPr kumimoji="1" lang="ja-JP" altLang="en-US" sz="1600">
-              <a:solidFill>
-                <a:schemeClr val="tx1"/>
-              </a:solidFill>
-            </a:endParaRPr>
-          </a:p>
-        </p:txBody>
-      </p:sp>
-    </p:spTree>
-    <p:extLst>
-      <p:ext uri="{BB962C8B-B14F-4D97-AF65-F5344CB8AC3E}">
-        <p14:creationId xmlns:p14="http://schemas.microsoft.com/office/powerpoint/2010/main" val="3947670963"/>
-      </p:ext>
-    </p:extLst>
-  </p:cSld>
-  <p:clrMapOvr>
-    <a:masterClrMapping/>
-  </p:clrMapOvr>
-</p:sld>
-</file>
-
-<file path=ppt/slides/slide6.xml><?xml version="1.0" encoding="utf-8"?>
-<p:sld xmlns:a="http://schemas.openxmlformats.org/drawingml/2006/main" xmlns:r="http://schemas.openxmlformats.org/officeDocument/2006/relationships" xmlns:p="http://schemas.openxmlformats.org/presentationml/2006/main">
-  <p:cSld>
-    <p:spTree>
-      <p:nvGrpSpPr>
-        <p:cNvPr id="1" name=""/>
-        <p:cNvGrpSpPr/>
-        <p:nvPr/>
-      </p:nvGrpSpPr>
-      <p:grpSpPr>
-        <a:xfrm>
-          <a:off x="0" y="0"/>
-          <a:ext cx="0" cy="0"/>
-          <a:chOff x="0" y="0"/>
-          <a:chExt cx="0" cy="0"/>
-        </a:xfrm>
-      </p:grpSpPr>
-      <p:sp>
-        <p:nvSpPr>
-          <p:cNvPr id="2" name="タイトル 1">
-            <a:extLst>
-              <a:ext uri="{FF2B5EF4-FFF2-40B4-BE49-F238E27FC236}">
                 <a16:creationId xmlns:a16="http://schemas.microsoft.com/office/drawing/2014/main" id="{43250BC8-4F2A-7219-E8D7-268AD2771F2E}"/>
               </a:ext>
             </a:extLst>
@@ -10440,7 +13813,7 @@
             <a:fld id="{51BE5F08-58E8-9243-A834-2B76637F595D}" type="slidenum">
               <a:rPr kumimoji="1" lang="ja-JP" altLang="en-US" smtClean="0"/>
               <a:pPr/>
-              <a:t>5</a:t>
+              <a:t>7</a:t>
             </a:fld>
             <a:endParaRPr kumimoji="1" lang="ja-JP" altLang="en-US"/>
           </a:p>
@@ -11738,7 +15111,7 @@
 </p:sld>
 </file>
 
-<file path=ppt/slides/slide7.xml><?xml version="1.0" encoding="utf-8"?>
+<file path=ppt/slides/slide9.xml><?xml version="1.0" encoding="utf-8"?>
 <p:sld xmlns:a="http://schemas.openxmlformats.org/drawingml/2006/main" xmlns:r="http://schemas.openxmlformats.org/officeDocument/2006/relationships" xmlns:p="http://schemas.openxmlformats.org/presentationml/2006/main">
   <p:cSld>
     <p:spTree>
@@ -11778,7 +15151,7 @@
           <a:p>
             <a:r>
               <a:rPr kumimoji="1" lang="en-US" altLang="ja-JP" dirty="0"/>
-              <a:t>Difference Between Mad Mints and Standard Transaction</a:t>
+              <a:t>Difference Between Mad Mints and Standard Transaction (Transfer SOL Instruction)</a:t>
             </a:r>
             <a:endParaRPr kumimoji="1" lang="ja-JP" altLang="en-US"/>
           </a:p>
@@ -11837,7 +15210,7 @@
             <a:fld id="{51BE5F08-58E8-9243-A834-2B76637F595D}" type="slidenum">
               <a:rPr kumimoji="1" lang="ja-JP" altLang="en-US" smtClean="0"/>
               <a:pPr/>
-              <a:t>6</a:t>
+              <a:t>8</a:t>
             </a:fld>
             <a:endParaRPr kumimoji="1" lang="ja-JP" altLang="en-US"/>
           </a:p>
@@ -12125,530 +15498,6 @@
     <p:extLst>
       <p:ext uri="{BB962C8B-B14F-4D97-AF65-F5344CB8AC3E}">
         <p14:creationId xmlns:p14="http://schemas.microsoft.com/office/powerpoint/2010/main" val="642563756"/>
-      </p:ext>
-    </p:extLst>
-  </p:cSld>
-  <p:clrMapOvr>
-    <a:masterClrMapping/>
-  </p:clrMapOvr>
-</p:sld>
-</file>
-
-<file path=ppt/slides/slide8.xml><?xml version="1.0" encoding="utf-8"?>
-<p:sld xmlns:a="http://schemas.openxmlformats.org/drawingml/2006/main" xmlns:r="http://schemas.openxmlformats.org/officeDocument/2006/relationships" xmlns:p="http://schemas.openxmlformats.org/presentationml/2006/main">
-  <p:cSld>
-    <p:spTree>
-      <p:nvGrpSpPr>
-        <p:cNvPr id="1" name=""/>
-        <p:cNvGrpSpPr/>
-        <p:nvPr/>
-      </p:nvGrpSpPr>
-      <p:grpSpPr>
-        <a:xfrm>
-          <a:off x="0" y="0"/>
-          <a:ext cx="0" cy="0"/>
-          <a:chOff x="0" y="0"/>
-          <a:chExt cx="0" cy="0"/>
-        </a:xfrm>
-      </p:grpSpPr>
-      <p:sp>
-        <p:nvSpPr>
-          <p:cNvPr id="2" name="タイトル 1">
-            <a:extLst>
-              <a:ext uri="{FF2B5EF4-FFF2-40B4-BE49-F238E27FC236}">
-                <a16:creationId xmlns:a16="http://schemas.microsoft.com/office/drawing/2014/main" id="{90FD3E59-428E-D6B2-B3C5-F6F7B480123B}"/>
-              </a:ext>
-            </a:extLst>
-          </p:cNvPr>
-          <p:cNvSpPr>
-            <a:spLocks noGrp="1"/>
-          </p:cNvSpPr>
-          <p:nvPr>
-            <p:ph type="title"/>
-          </p:nvPr>
-        </p:nvSpPr>
-        <p:spPr/>
-        <p:txBody>
-          <a:bodyPr/>
-          <a:lstStyle/>
-          <a:p>
-            <a:r>
-              <a:rPr kumimoji="1" lang="en-US" altLang="ja-JP" dirty="0"/>
-              <a:t>Example Code</a:t>
-            </a:r>
-            <a:endParaRPr kumimoji="1" lang="ja-JP" altLang="en-US"/>
-          </a:p>
-        </p:txBody>
-      </p:sp>
-      <p:sp>
-        <p:nvSpPr>
-          <p:cNvPr id="4" name="フッター プレースホルダー 3">
-            <a:extLst>
-              <a:ext uri="{FF2B5EF4-FFF2-40B4-BE49-F238E27FC236}">
-                <a16:creationId xmlns:a16="http://schemas.microsoft.com/office/drawing/2014/main" id="{84F8FC5D-67C5-EB08-DA8F-DC43154573F5}"/>
-              </a:ext>
-            </a:extLst>
-          </p:cNvPr>
-          <p:cNvSpPr>
-            <a:spLocks noGrp="1"/>
-          </p:cNvSpPr>
-          <p:nvPr>
-            <p:ph type="ftr" sz="quarter" idx="11"/>
-          </p:nvPr>
-        </p:nvSpPr>
-        <p:spPr/>
-        <p:txBody>
-          <a:bodyPr/>
-          <a:lstStyle/>
-          <a:p>
-            <a:r>
-              <a:rPr kumimoji="1" lang="en-US" altLang="ja-JP"/>
-              <a:t>256hax</a:t>
-            </a:r>
-            <a:endParaRPr kumimoji="1" lang="ja-JP" altLang="en-US"/>
-          </a:p>
-        </p:txBody>
-      </p:sp>
-      <p:sp>
-        <p:nvSpPr>
-          <p:cNvPr id="5" name="スライド番号プレースホルダー 4">
-            <a:extLst>
-              <a:ext uri="{FF2B5EF4-FFF2-40B4-BE49-F238E27FC236}">
-                <a16:creationId xmlns:a16="http://schemas.microsoft.com/office/drawing/2014/main" id="{9810586D-71D7-C56A-D81E-323600AAE558}"/>
-              </a:ext>
-            </a:extLst>
-          </p:cNvPr>
-          <p:cNvSpPr>
-            <a:spLocks noGrp="1"/>
-          </p:cNvSpPr>
-          <p:nvPr>
-            <p:ph type="sldNum" sz="quarter" idx="12"/>
-          </p:nvPr>
-        </p:nvSpPr>
-        <p:spPr/>
-        <p:txBody>
-          <a:bodyPr/>
-          <a:lstStyle/>
-          <a:p>
-            <a:fld id="{51BE5F08-58E8-9243-A834-2B76637F595D}" type="slidenum">
-              <a:rPr kumimoji="1" lang="ja-JP" altLang="en-US" smtClean="0"/>
-              <a:pPr/>
-              <a:t>7</a:t>
-            </a:fld>
-            <a:endParaRPr kumimoji="1" lang="ja-JP" altLang="en-US"/>
-          </a:p>
-        </p:txBody>
-      </p:sp>
-      <p:sp>
-        <p:nvSpPr>
-          <p:cNvPr id="8" name="テキスト ボックス 7">
-            <a:extLst>
-              <a:ext uri="{FF2B5EF4-FFF2-40B4-BE49-F238E27FC236}">
-                <a16:creationId xmlns:a16="http://schemas.microsoft.com/office/drawing/2014/main" id="{F6E10048-C70B-798B-1A63-B0DE8166ED8A}"/>
-              </a:ext>
-            </a:extLst>
-          </p:cNvPr>
-          <p:cNvSpPr txBox="1"/>
-          <p:nvPr/>
-        </p:nvSpPr>
-        <p:spPr>
-          <a:xfrm>
-            <a:off x="838200" y="1853765"/>
-            <a:ext cx="10515600" cy="1118035"/>
-          </a:xfrm>
-          <a:prstGeom prst="rect">
-            <a:avLst/>
-          </a:prstGeom>
-          <a:noFill/>
-        </p:spPr>
-        <p:txBody>
-          <a:bodyPr wrap="square" rtlCol="0">
-            <a:noAutofit/>
-          </a:bodyPr>
-          <a:lstStyle/>
-          <a:p>
-            <a:pPr algn="ctr"/>
-            <a:r>
-              <a:rPr kumimoji="1" lang="en-US" altLang="ja-JP" sz="2000" dirty="0">
-                <a:hlinkClick r:id="rId2"/>
-              </a:rPr>
-              <a:t>https://github.com/256hax/mad-mints</a:t>
-            </a:r>
-            <a:endParaRPr kumimoji="1" lang="en-US" altLang="ja-JP" sz="2000" dirty="0"/>
-          </a:p>
-          <a:p>
-            <a:pPr algn="ctr"/>
-            <a:endParaRPr kumimoji="1" lang="en-US" altLang="ja-JP" sz="2000" dirty="0"/>
-          </a:p>
-          <a:p>
-            <a:pPr algn="ctr"/>
-            <a:r>
-              <a:rPr kumimoji="1" lang="en-US" altLang="ja-JP" sz="2000" dirty="0"/>
-              <a:t>Experiment purpose only.</a:t>
-            </a:r>
-            <a:endParaRPr kumimoji="1" lang="ja-JP" altLang="en-US" sz="2000" dirty="0"/>
-          </a:p>
-        </p:txBody>
-      </p:sp>
-      <p:pic>
-        <p:nvPicPr>
-          <p:cNvPr id="12" name="図 11">
-            <a:extLst>
-              <a:ext uri="{FF2B5EF4-FFF2-40B4-BE49-F238E27FC236}">
-                <a16:creationId xmlns:a16="http://schemas.microsoft.com/office/drawing/2014/main" id="{30DEEAB5-885C-A99D-ADA6-A773ECBE110B}"/>
-              </a:ext>
-            </a:extLst>
-          </p:cNvPr>
-          <p:cNvPicPr>
-            <a:picLocks noChangeAspect="1"/>
-          </p:cNvPicPr>
-          <p:nvPr/>
-        </p:nvPicPr>
-        <p:blipFill>
-          <a:blip r:embed="rId3"/>
-          <a:stretch>
-            <a:fillRect/>
-          </a:stretch>
-        </p:blipFill>
-        <p:spPr>
-          <a:xfrm>
-            <a:off x="4667250" y="2971800"/>
-            <a:ext cx="2857500" cy="2857500"/>
-          </a:xfrm>
-          <a:prstGeom prst="rect">
-            <a:avLst/>
-          </a:prstGeom>
-        </p:spPr>
-      </p:pic>
-      <p:sp>
-        <p:nvSpPr>
-          <p:cNvPr id="3" name="テキスト ボックス 2">
-            <a:extLst>
-              <a:ext uri="{FF2B5EF4-FFF2-40B4-BE49-F238E27FC236}">
-                <a16:creationId xmlns:a16="http://schemas.microsoft.com/office/drawing/2014/main" id="{AE19384B-A3A9-6882-17B9-02D91620C991}"/>
-              </a:ext>
-            </a:extLst>
-          </p:cNvPr>
-          <p:cNvSpPr txBox="1"/>
-          <p:nvPr/>
-        </p:nvSpPr>
-        <p:spPr>
-          <a:xfrm>
-            <a:off x="10729139" y="9225"/>
-            <a:ext cx="1443600" cy="315912"/>
-          </a:xfrm>
-          <a:prstGeom prst="rect">
-            <a:avLst/>
-          </a:prstGeom>
-          <a:noFill/>
-        </p:spPr>
-        <p:txBody>
-          <a:bodyPr wrap="square" rtlCol="0">
-            <a:noAutofit/>
-          </a:bodyPr>
-          <a:lstStyle/>
-          <a:p>
-            <a:pPr algn="r"/>
-            <a:r>
-              <a:rPr kumimoji="1" lang="en-US" altLang="ja-JP" sz="1200" dirty="0"/>
-              <a:t>JST May 21 2023</a:t>
-            </a:r>
-            <a:endParaRPr kumimoji="1" lang="ja-JP" altLang="en-US" sz="1200" dirty="0"/>
-          </a:p>
-        </p:txBody>
-      </p:sp>
-    </p:spTree>
-    <p:extLst>
-      <p:ext uri="{BB962C8B-B14F-4D97-AF65-F5344CB8AC3E}">
-        <p14:creationId xmlns:p14="http://schemas.microsoft.com/office/powerpoint/2010/main" val="3259309326"/>
-      </p:ext>
-    </p:extLst>
-  </p:cSld>
-  <p:clrMapOvr>
-    <a:masterClrMapping/>
-  </p:clrMapOvr>
-</p:sld>
-</file>
-
-<file path=ppt/slides/slide9.xml><?xml version="1.0" encoding="utf-8"?>
-<p:sld xmlns:a="http://schemas.openxmlformats.org/drawingml/2006/main" xmlns:r="http://schemas.openxmlformats.org/officeDocument/2006/relationships" xmlns:p="http://schemas.openxmlformats.org/presentationml/2006/main">
-  <p:cSld>
-    <p:spTree>
-      <p:nvGrpSpPr>
-        <p:cNvPr id="1" name=""/>
-        <p:cNvGrpSpPr/>
-        <p:nvPr/>
-      </p:nvGrpSpPr>
-      <p:grpSpPr>
-        <a:xfrm>
-          <a:off x="0" y="0"/>
-          <a:ext cx="0" cy="0"/>
-          <a:chOff x="0" y="0"/>
-          <a:chExt cx="0" cy="0"/>
-        </a:xfrm>
-      </p:grpSpPr>
-      <p:sp>
-        <p:nvSpPr>
-          <p:cNvPr id="2" name="タイトル 1">
-            <a:extLst>
-              <a:ext uri="{FF2B5EF4-FFF2-40B4-BE49-F238E27FC236}">
-                <a16:creationId xmlns:a16="http://schemas.microsoft.com/office/drawing/2014/main" id="{6D9200B6-57B7-D6C9-43CD-F6B84A853687}"/>
-              </a:ext>
-            </a:extLst>
-          </p:cNvPr>
-          <p:cNvSpPr>
-            <a:spLocks noGrp="1"/>
-          </p:cNvSpPr>
-          <p:nvPr>
-            <p:ph type="title"/>
-          </p:nvPr>
-        </p:nvSpPr>
-        <p:spPr/>
-        <p:txBody>
-          <a:bodyPr/>
-          <a:lstStyle/>
-          <a:p>
-            <a:r>
-              <a:rPr kumimoji="1" lang="en-US" altLang="ja-JP" dirty="0"/>
-              <a:t>Mad Mints Logo</a:t>
-            </a:r>
-            <a:r>
-              <a:rPr lang="en-US" altLang="ja-JP" dirty="0"/>
-              <a:t> (Unofficial, Fan art)</a:t>
-            </a:r>
-            <a:endParaRPr kumimoji="1" lang="ja-JP" altLang="en-US"/>
-          </a:p>
-        </p:txBody>
-      </p:sp>
-      <p:sp>
-        <p:nvSpPr>
-          <p:cNvPr id="3" name="コンテンツ プレースホルダー 2">
-            <a:extLst>
-              <a:ext uri="{FF2B5EF4-FFF2-40B4-BE49-F238E27FC236}">
-                <a16:creationId xmlns:a16="http://schemas.microsoft.com/office/drawing/2014/main" id="{09E3A998-253E-71DF-C0B6-2526B366D6FC}"/>
-              </a:ext>
-            </a:extLst>
-          </p:cNvPr>
-          <p:cNvSpPr>
-            <a:spLocks noGrp="1"/>
-          </p:cNvSpPr>
-          <p:nvPr>
-            <p:ph idx="1"/>
-          </p:nvPr>
-        </p:nvSpPr>
-        <p:spPr/>
-        <p:txBody>
-          <a:bodyPr/>
-          <a:lstStyle/>
-          <a:p>
-            <a:pPr algn="l"/>
-            <a:r>
-              <a:rPr lang="en-US" altLang="ja-JP" b="0" i="0" dirty="0">
-                <a:effectLst/>
-                <a:latin typeface="Söhne"/>
-              </a:rPr>
-              <a:t>I expect discussions like, "Hey, should we use Mad Mints or Standard for our Minting System?" within your team.</a:t>
-            </a:r>
-          </a:p>
-        </p:txBody>
-      </p:sp>
-      <p:sp>
-        <p:nvSpPr>
-          <p:cNvPr id="4" name="フッター プレースホルダー 3">
-            <a:extLst>
-              <a:ext uri="{FF2B5EF4-FFF2-40B4-BE49-F238E27FC236}">
-                <a16:creationId xmlns:a16="http://schemas.microsoft.com/office/drawing/2014/main" id="{D762F443-1AC7-ADE1-608D-4201875555CB}"/>
-              </a:ext>
-            </a:extLst>
-          </p:cNvPr>
-          <p:cNvSpPr>
-            <a:spLocks noGrp="1"/>
-          </p:cNvSpPr>
-          <p:nvPr>
-            <p:ph type="ftr" sz="quarter" idx="11"/>
-          </p:nvPr>
-        </p:nvSpPr>
-        <p:spPr/>
-        <p:txBody>
-          <a:bodyPr/>
-          <a:lstStyle/>
-          <a:p>
-            <a:r>
-              <a:rPr kumimoji="1" lang="en-US" altLang="ja-JP"/>
-              <a:t>256hax</a:t>
-            </a:r>
-            <a:endParaRPr kumimoji="1" lang="ja-JP" altLang="en-US"/>
-          </a:p>
-        </p:txBody>
-      </p:sp>
-      <p:sp>
-        <p:nvSpPr>
-          <p:cNvPr id="5" name="スライド番号プレースホルダー 4">
-            <a:extLst>
-              <a:ext uri="{FF2B5EF4-FFF2-40B4-BE49-F238E27FC236}">
-                <a16:creationId xmlns:a16="http://schemas.microsoft.com/office/drawing/2014/main" id="{E2E82D06-14F3-2C06-CB3D-91E55B1F72CA}"/>
-              </a:ext>
-            </a:extLst>
-          </p:cNvPr>
-          <p:cNvSpPr>
-            <a:spLocks noGrp="1"/>
-          </p:cNvSpPr>
-          <p:nvPr>
-            <p:ph type="sldNum" sz="quarter" idx="12"/>
-          </p:nvPr>
-        </p:nvSpPr>
-        <p:spPr/>
-        <p:txBody>
-          <a:bodyPr/>
-          <a:lstStyle/>
-          <a:p>
-            <a:fld id="{51BE5F08-58E8-9243-A834-2B76637F595D}" type="slidenum">
-              <a:rPr kumimoji="1" lang="ja-JP" altLang="en-US" smtClean="0"/>
-              <a:pPr/>
-              <a:t>8</a:t>
-            </a:fld>
-            <a:endParaRPr kumimoji="1" lang="ja-JP" altLang="en-US"/>
-          </a:p>
-        </p:txBody>
-      </p:sp>
-      <p:pic>
-        <p:nvPicPr>
-          <p:cNvPr id="11" name="図 10">
-            <a:extLst>
-              <a:ext uri="{FF2B5EF4-FFF2-40B4-BE49-F238E27FC236}">
-                <a16:creationId xmlns:a16="http://schemas.microsoft.com/office/drawing/2014/main" id="{F8FB26DC-9CB0-6E24-F130-11E62779BE71}"/>
-              </a:ext>
-            </a:extLst>
-          </p:cNvPr>
-          <p:cNvPicPr>
-            <a:picLocks noChangeAspect="1"/>
-          </p:cNvPicPr>
-          <p:nvPr/>
-        </p:nvPicPr>
-        <p:blipFill>
-          <a:blip r:embed="rId2"/>
-          <a:stretch>
-            <a:fillRect/>
-          </a:stretch>
-        </p:blipFill>
-        <p:spPr>
-          <a:xfrm>
-            <a:off x="4064000" y="1679845"/>
-            <a:ext cx="4064000" cy="4064000"/>
-          </a:xfrm>
-          <a:prstGeom prst="rect">
-            <a:avLst/>
-          </a:prstGeom>
-        </p:spPr>
-      </p:pic>
-      <p:sp>
-        <p:nvSpPr>
-          <p:cNvPr id="12" name="テキスト ボックス 11">
-            <a:extLst>
-              <a:ext uri="{FF2B5EF4-FFF2-40B4-BE49-F238E27FC236}">
-                <a16:creationId xmlns:a16="http://schemas.microsoft.com/office/drawing/2014/main" id="{D10F52C2-BC20-8A30-0E1B-D5FF1BF7FD25}"/>
-              </a:ext>
-            </a:extLst>
-          </p:cNvPr>
-          <p:cNvSpPr txBox="1"/>
-          <p:nvPr/>
-        </p:nvSpPr>
-        <p:spPr>
-          <a:xfrm>
-            <a:off x="9053830" y="5881640"/>
-            <a:ext cx="2113280" cy="453278"/>
-          </a:xfrm>
-          <a:prstGeom prst="rect">
-            <a:avLst/>
-          </a:prstGeom>
-          <a:noFill/>
-        </p:spPr>
-        <p:txBody>
-          <a:bodyPr wrap="square" rtlCol="0">
-            <a:noAutofit/>
-          </a:bodyPr>
-          <a:lstStyle/>
-          <a:p>
-            <a:r>
-              <a:rPr kumimoji="1" lang="en-US" altLang="ja-JP" sz="1200" dirty="0"/>
-              <a:t>Fan art by </a:t>
-            </a:r>
-            <a:r>
-              <a:rPr kumimoji="1" lang="en-US" altLang="ja-JP" sz="1200" dirty="0" err="1"/>
-              <a:t>shiroperu</a:t>
-            </a:r>
-            <a:endParaRPr kumimoji="1" lang="en-US" altLang="ja-JP" sz="1200" dirty="0"/>
-          </a:p>
-          <a:p>
-            <a:r>
-              <a:rPr kumimoji="1" lang="en-US" altLang="ja-JP" sz="1200" dirty="0">
-                <a:hlinkClick r:id="rId3"/>
-              </a:rPr>
-              <a:t>https://</a:t>
-            </a:r>
-            <a:r>
-              <a:rPr kumimoji="1" lang="en-US" altLang="ja-JP" sz="1200" dirty="0" err="1">
-                <a:hlinkClick r:id="rId3"/>
-              </a:rPr>
-              <a:t>twitter.com</a:t>
-            </a:r>
-            <a:r>
-              <a:rPr kumimoji="1" lang="en-US" altLang="ja-JP" sz="1200" dirty="0">
-                <a:hlinkClick r:id="rId3"/>
-              </a:rPr>
-              <a:t>/</a:t>
-            </a:r>
-            <a:r>
-              <a:rPr kumimoji="1" lang="en-US" altLang="ja-JP" sz="1200" dirty="0" err="1">
-                <a:hlinkClick r:id="rId3"/>
-              </a:rPr>
-              <a:t>shiroperu</a:t>
-            </a:r>
-            <a:endParaRPr kumimoji="1" lang="ja-JP" altLang="en-US" sz="1200" dirty="0"/>
-          </a:p>
-        </p:txBody>
-      </p:sp>
-      <p:sp>
-        <p:nvSpPr>
-          <p:cNvPr id="6" name="テキスト ボックス 5">
-            <a:extLst>
-              <a:ext uri="{FF2B5EF4-FFF2-40B4-BE49-F238E27FC236}">
-                <a16:creationId xmlns:a16="http://schemas.microsoft.com/office/drawing/2014/main" id="{3FFF692A-EE9B-C873-F96A-8736541D5587}"/>
-              </a:ext>
-            </a:extLst>
-          </p:cNvPr>
-          <p:cNvSpPr txBox="1"/>
-          <p:nvPr/>
-        </p:nvSpPr>
-        <p:spPr>
-          <a:xfrm>
-            <a:off x="10729139" y="9225"/>
-            <a:ext cx="1443600" cy="315912"/>
-          </a:xfrm>
-          <a:prstGeom prst="rect">
-            <a:avLst/>
-          </a:prstGeom>
-          <a:noFill/>
-        </p:spPr>
-        <p:txBody>
-          <a:bodyPr wrap="square" rtlCol="0">
-            <a:noAutofit/>
-          </a:bodyPr>
-          <a:lstStyle/>
-          <a:p>
-            <a:pPr algn="r"/>
-            <a:r>
-              <a:rPr kumimoji="1" lang="en-US" altLang="ja-JP" sz="1200" dirty="0"/>
-              <a:t>JST May 21 2023</a:t>
-            </a:r>
-            <a:endParaRPr kumimoji="1" lang="ja-JP" altLang="en-US" sz="1200" dirty="0"/>
-          </a:p>
-        </p:txBody>
-      </p:sp>
-    </p:spTree>
-    <p:extLst>
-      <p:ext uri="{BB962C8B-B14F-4D97-AF65-F5344CB8AC3E}">
-        <p14:creationId xmlns:p14="http://schemas.microsoft.com/office/powerpoint/2010/main" val="691935846"/>
       </p:ext>
     </p:extLst>
   </p:cSld>

--- a/docs/Mad-Mints.pptx
+++ b/docs/Mad-Mints.pptx
@@ -5,7 +5,7 @@
     <p:sldMasterId id="2147483672" r:id="rId1"/>
   </p:sldMasterIdLst>
   <p:notesMasterIdLst>
-    <p:notesMasterId r:id="rId13"/>
+    <p:notesMasterId r:id="rId12"/>
   </p:notesMasterIdLst>
   <p:sldIdLst>
     <p:sldId id="321" r:id="rId2"/>
@@ -14,11 +14,10 @@
     <p:sldId id="333" r:id="rId5"/>
     <p:sldId id="332" r:id="rId6"/>
     <p:sldId id="334" r:id="rId7"/>
-    <p:sldId id="328" r:id="rId8"/>
-    <p:sldId id="325" r:id="rId9"/>
-    <p:sldId id="329" r:id="rId10"/>
-    <p:sldId id="326" r:id="rId11"/>
-    <p:sldId id="327" r:id="rId12"/>
+    <p:sldId id="325" r:id="rId8"/>
+    <p:sldId id="329" r:id="rId9"/>
+    <p:sldId id="326" r:id="rId10"/>
+    <p:sldId id="327" r:id="rId11"/>
   </p:sldIdLst>
   <p:sldSz cx="12192000" cy="6858000"/>
   <p:notesSz cx="6858000" cy="9144000"/>
@@ -4320,242 +4319,6 @@
           <p:cNvPr id="2" name="タイトル 1">
             <a:extLst>
               <a:ext uri="{FF2B5EF4-FFF2-40B4-BE49-F238E27FC236}">
-                <a16:creationId xmlns:a16="http://schemas.microsoft.com/office/drawing/2014/main" id="{90FD3E59-428E-D6B2-B3C5-F6F7B480123B}"/>
-              </a:ext>
-            </a:extLst>
-          </p:cNvPr>
-          <p:cNvSpPr>
-            <a:spLocks noGrp="1"/>
-          </p:cNvSpPr>
-          <p:nvPr>
-            <p:ph type="title"/>
-          </p:nvPr>
-        </p:nvSpPr>
-        <p:spPr/>
-        <p:txBody>
-          <a:bodyPr/>
-          <a:lstStyle/>
-          <a:p>
-            <a:r>
-              <a:rPr kumimoji="1" lang="en-US" altLang="ja-JP" dirty="0"/>
-              <a:t>Example Code</a:t>
-            </a:r>
-            <a:endParaRPr kumimoji="1" lang="ja-JP" altLang="en-US"/>
-          </a:p>
-        </p:txBody>
-      </p:sp>
-      <p:sp>
-        <p:nvSpPr>
-          <p:cNvPr id="4" name="フッター プレースホルダー 3">
-            <a:extLst>
-              <a:ext uri="{FF2B5EF4-FFF2-40B4-BE49-F238E27FC236}">
-                <a16:creationId xmlns:a16="http://schemas.microsoft.com/office/drawing/2014/main" id="{84F8FC5D-67C5-EB08-DA8F-DC43154573F5}"/>
-              </a:ext>
-            </a:extLst>
-          </p:cNvPr>
-          <p:cNvSpPr>
-            <a:spLocks noGrp="1"/>
-          </p:cNvSpPr>
-          <p:nvPr>
-            <p:ph type="ftr" sz="quarter" idx="11"/>
-          </p:nvPr>
-        </p:nvSpPr>
-        <p:spPr/>
-        <p:txBody>
-          <a:bodyPr/>
-          <a:lstStyle/>
-          <a:p>
-            <a:r>
-              <a:rPr kumimoji="1" lang="en-US" altLang="ja-JP"/>
-              <a:t>256hax</a:t>
-            </a:r>
-            <a:endParaRPr kumimoji="1" lang="ja-JP" altLang="en-US"/>
-          </a:p>
-        </p:txBody>
-      </p:sp>
-      <p:sp>
-        <p:nvSpPr>
-          <p:cNvPr id="5" name="スライド番号プレースホルダー 4">
-            <a:extLst>
-              <a:ext uri="{FF2B5EF4-FFF2-40B4-BE49-F238E27FC236}">
-                <a16:creationId xmlns:a16="http://schemas.microsoft.com/office/drawing/2014/main" id="{9810586D-71D7-C56A-D81E-323600AAE558}"/>
-              </a:ext>
-            </a:extLst>
-          </p:cNvPr>
-          <p:cNvSpPr>
-            <a:spLocks noGrp="1"/>
-          </p:cNvSpPr>
-          <p:nvPr>
-            <p:ph type="sldNum" sz="quarter" idx="12"/>
-          </p:nvPr>
-        </p:nvSpPr>
-        <p:spPr/>
-        <p:txBody>
-          <a:bodyPr/>
-          <a:lstStyle/>
-          <a:p>
-            <a:fld id="{51BE5F08-58E8-9243-A834-2B76637F595D}" type="slidenum">
-              <a:rPr kumimoji="1" lang="ja-JP" altLang="en-US" smtClean="0"/>
-              <a:pPr/>
-              <a:t>9</a:t>
-            </a:fld>
-            <a:endParaRPr kumimoji="1" lang="ja-JP" altLang="en-US"/>
-          </a:p>
-        </p:txBody>
-      </p:sp>
-      <p:sp>
-        <p:nvSpPr>
-          <p:cNvPr id="8" name="テキスト ボックス 7">
-            <a:extLst>
-              <a:ext uri="{FF2B5EF4-FFF2-40B4-BE49-F238E27FC236}">
-                <a16:creationId xmlns:a16="http://schemas.microsoft.com/office/drawing/2014/main" id="{F6E10048-C70B-798B-1A63-B0DE8166ED8A}"/>
-              </a:ext>
-            </a:extLst>
-          </p:cNvPr>
-          <p:cNvSpPr txBox="1"/>
-          <p:nvPr/>
-        </p:nvSpPr>
-        <p:spPr>
-          <a:xfrm>
-            <a:off x="838200" y="1853765"/>
-            <a:ext cx="10515600" cy="1118035"/>
-          </a:xfrm>
-          <a:prstGeom prst="rect">
-            <a:avLst/>
-          </a:prstGeom>
-          <a:noFill/>
-        </p:spPr>
-        <p:txBody>
-          <a:bodyPr wrap="square" rtlCol="0">
-            <a:noAutofit/>
-          </a:bodyPr>
-          <a:lstStyle/>
-          <a:p>
-            <a:pPr algn="ctr"/>
-            <a:r>
-              <a:rPr kumimoji="1" lang="en-US" altLang="ja-JP" sz="2000" dirty="0">
-                <a:hlinkClick r:id="rId2"/>
-              </a:rPr>
-              <a:t>https://github.com/256hax/mad-mints</a:t>
-            </a:r>
-            <a:endParaRPr kumimoji="1" lang="en-US" altLang="ja-JP" sz="2000" dirty="0"/>
-          </a:p>
-          <a:p>
-            <a:pPr algn="ctr"/>
-            <a:endParaRPr kumimoji="1" lang="en-US" altLang="ja-JP" sz="2000" dirty="0"/>
-          </a:p>
-          <a:p>
-            <a:pPr algn="ctr"/>
-            <a:r>
-              <a:rPr kumimoji="1" lang="en-US" altLang="ja-JP" sz="2000" dirty="0"/>
-              <a:t>Experiment purpose only.</a:t>
-            </a:r>
-            <a:endParaRPr kumimoji="1" lang="ja-JP" altLang="en-US" sz="2000" dirty="0"/>
-          </a:p>
-        </p:txBody>
-      </p:sp>
-      <p:pic>
-        <p:nvPicPr>
-          <p:cNvPr id="12" name="図 11">
-            <a:extLst>
-              <a:ext uri="{FF2B5EF4-FFF2-40B4-BE49-F238E27FC236}">
-                <a16:creationId xmlns:a16="http://schemas.microsoft.com/office/drawing/2014/main" id="{30DEEAB5-885C-A99D-ADA6-A773ECBE110B}"/>
-              </a:ext>
-            </a:extLst>
-          </p:cNvPr>
-          <p:cNvPicPr>
-            <a:picLocks noChangeAspect="1"/>
-          </p:cNvPicPr>
-          <p:nvPr/>
-        </p:nvPicPr>
-        <p:blipFill>
-          <a:blip r:embed="rId3"/>
-          <a:stretch>
-            <a:fillRect/>
-          </a:stretch>
-        </p:blipFill>
-        <p:spPr>
-          <a:xfrm>
-            <a:off x="4667250" y="2971800"/>
-            <a:ext cx="2857500" cy="2857500"/>
-          </a:xfrm>
-          <a:prstGeom prst="rect">
-            <a:avLst/>
-          </a:prstGeom>
-        </p:spPr>
-      </p:pic>
-      <p:sp>
-        <p:nvSpPr>
-          <p:cNvPr id="3" name="テキスト ボックス 2">
-            <a:extLst>
-              <a:ext uri="{FF2B5EF4-FFF2-40B4-BE49-F238E27FC236}">
-                <a16:creationId xmlns:a16="http://schemas.microsoft.com/office/drawing/2014/main" id="{AE19384B-A3A9-6882-17B9-02D91620C991}"/>
-              </a:ext>
-            </a:extLst>
-          </p:cNvPr>
-          <p:cNvSpPr txBox="1"/>
-          <p:nvPr/>
-        </p:nvSpPr>
-        <p:spPr>
-          <a:xfrm>
-            <a:off x="10729139" y="9225"/>
-            <a:ext cx="1443600" cy="315912"/>
-          </a:xfrm>
-          <a:prstGeom prst="rect">
-            <a:avLst/>
-          </a:prstGeom>
-          <a:noFill/>
-        </p:spPr>
-        <p:txBody>
-          <a:bodyPr wrap="square" rtlCol="0">
-            <a:noAutofit/>
-          </a:bodyPr>
-          <a:lstStyle/>
-          <a:p>
-            <a:pPr algn="r"/>
-            <a:r>
-              <a:rPr kumimoji="1" lang="en-US" altLang="ja-JP" sz="1200" dirty="0"/>
-              <a:t>JST May 21 2023</a:t>
-            </a:r>
-            <a:endParaRPr kumimoji="1" lang="ja-JP" altLang="en-US" sz="1200" dirty="0"/>
-          </a:p>
-        </p:txBody>
-      </p:sp>
-    </p:spTree>
-    <p:extLst>
-      <p:ext uri="{BB962C8B-B14F-4D97-AF65-F5344CB8AC3E}">
-        <p14:creationId xmlns:p14="http://schemas.microsoft.com/office/powerpoint/2010/main" val="3259309326"/>
-      </p:ext>
-    </p:extLst>
-  </p:cSld>
-  <p:clrMapOvr>
-    <a:masterClrMapping/>
-  </p:clrMapOvr>
-</p:sld>
-</file>
-
-<file path=ppt/slides/slide11.xml><?xml version="1.0" encoding="utf-8"?>
-<p:sld xmlns:a="http://schemas.openxmlformats.org/drawingml/2006/main" xmlns:r="http://schemas.openxmlformats.org/officeDocument/2006/relationships" xmlns:p="http://schemas.openxmlformats.org/presentationml/2006/main">
-  <p:cSld>
-    <p:spTree>
-      <p:nvGrpSpPr>
-        <p:cNvPr id="1" name=""/>
-        <p:cNvGrpSpPr/>
-        <p:nvPr/>
-      </p:nvGrpSpPr>
-      <p:grpSpPr>
-        <a:xfrm>
-          <a:off x="0" y="0"/>
-          <a:ext cx="0" cy="0"/>
-          <a:chOff x="0" y="0"/>
-          <a:chExt cx="0" cy="0"/>
-        </a:xfrm>
-      </p:grpSpPr>
-      <p:sp>
-        <p:nvSpPr>
-          <p:cNvPr id="2" name="タイトル 1">
-            <a:extLst>
-              <a:ext uri="{FF2B5EF4-FFF2-40B4-BE49-F238E27FC236}">
                 <a16:creationId xmlns:a16="http://schemas.microsoft.com/office/drawing/2014/main" id="{6D9200B6-57B7-D6C9-43CD-F6B84A853687}"/>
               </a:ext>
             </a:extLst>
@@ -4669,7 +4432,7 @@
             <a:fld id="{51BE5F08-58E8-9243-A834-2B76637F595D}" type="slidenum">
               <a:rPr kumimoji="1" lang="ja-JP" altLang="en-US" smtClean="0"/>
               <a:pPr/>
-              <a:t>10</a:t>
+              <a:t>9</a:t>
             </a:fld>
             <a:endParaRPr kumimoji="1" lang="ja-JP" altLang="en-US"/>
           </a:p>
@@ -13007,702 +12770,6 @@
           <p:cNvPr id="2" name="タイトル 1">
             <a:extLst>
               <a:ext uri="{FF2B5EF4-FFF2-40B4-BE49-F238E27FC236}">
-                <a16:creationId xmlns:a16="http://schemas.microsoft.com/office/drawing/2014/main" id="{13C51C0C-3161-ADEB-5017-D8AA808A80C0}"/>
-              </a:ext>
-            </a:extLst>
-          </p:cNvPr>
-          <p:cNvSpPr>
-            <a:spLocks noGrp="1"/>
-          </p:cNvSpPr>
-          <p:nvPr>
-            <p:ph type="title"/>
-          </p:nvPr>
-        </p:nvSpPr>
-        <p:spPr/>
-        <p:txBody>
-          <a:bodyPr/>
-          <a:lstStyle/>
-          <a:p>
-            <a:r>
-              <a:rPr kumimoji="1" lang="en-US" altLang="ja-JP" dirty="0"/>
-              <a:t>Conclusion of Mad Mints</a:t>
-            </a:r>
-            <a:endParaRPr kumimoji="1" lang="ja-JP" altLang="en-US"/>
-          </a:p>
-        </p:txBody>
-      </p:sp>
-      <p:sp>
-        <p:nvSpPr>
-          <p:cNvPr id="3" name="コンテンツ プレースホルダー 2">
-            <a:extLst>
-              <a:ext uri="{FF2B5EF4-FFF2-40B4-BE49-F238E27FC236}">
-                <a16:creationId xmlns:a16="http://schemas.microsoft.com/office/drawing/2014/main" id="{33F5A0DD-F857-B153-08A0-FAC8BDF82A42}"/>
-              </a:ext>
-            </a:extLst>
-          </p:cNvPr>
-          <p:cNvSpPr>
-            <a:spLocks noGrp="1"/>
-          </p:cNvSpPr>
-          <p:nvPr>
-            <p:ph idx="1"/>
-          </p:nvPr>
-        </p:nvSpPr>
-        <p:spPr/>
-        <p:txBody>
-          <a:bodyPr/>
-          <a:lstStyle/>
-          <a:p>
-            <a:r>
-              <a:rPr kumimoji="1" lang="en-US" altLang="ja-JP" dirty="0"/>
-              <a:t>If you need fine-tuning speed, you should use Mad Mints.</a:t>
-            </a:r>
-            <a:endParaRPr kumimoji="1" lang="ja-JP" altLang="en-US"/>
-          </a:p>
-        </p:txBody>
-      </p:sp>
-      <p:sp>
-        <p:nvSpPr>
-          <p:cNvPr id="4" name="フッター プレースホルダー 3">
-            <a:extLst>
-              <a:ext uri="{FF2B5EF4-FFF2-40B4-BE49-F238E27FC236}">
-                <a16:creationId xmlns:a16="http://schemas.microsoft.com/office/drawing/2014/main" id="{4C218ADF-6D11-9355-D8BB-E4DB9265E7A6}"/>
-              </a:ext>
-            </a:extLst>
-          </p:cNvPr>
-          <p:cNvSpPr>
-            <a:spLocks noGrp="1"/>
-          </p:cNvSpPr>
-          <p:nvPr>
-            <p:ph type="ftr" sz="quarter" idx="11"/>
-          </p:nvPr>
-        </p:nvSpPr>
-        <p:spPr/>
-        <p:txBody>
-          <a:bodyPr/>
-          <a:lstStyle/>
-          <a:p>
-            <a:r>
-              <a:rPr kumimoji="1" lang="en-US" altLang="ja-JP"/>
-              <a:t>256hax</a:t>
-            </a:r>
-            <a:endParaRPr kumimoji="1" lang="ja-JP" altLang="en-US"/>
-          </a:p>
-        </p:txBody>
-      </p:sp>
-      <p:sp>
-        <p:nvSpPr>
-          <p:cNvPr id="5" name="スライド番号プレースホルダー 4">
-            <a:extLst>
-              <a:ext uri="{FF2B5EF4-FFF2-40B4-BE49-F238E27FC236}">
-                <a16:creationId xmlns:a16="http://schemas.microsoft.com/office/drawing/2014/main" id="{DD9DD953-7F72-CB4C-C8A1-FAE575F11739}"/>
-              </a:ext>
-            </a:extLst>
-          </p:cNvPr>
-          <p:cNvSpPr>
-            <a:spLocks noGrp="1"/>
-          </p:cNvSpPr>
-          <p:nvPr>
-            <p:ph type="sldNum" sz="quarter" idx="12"/>
-          </p:nvPr>
-        </p:nvSpPr>
-        <p:spPr/>
-        <p:txBody>
-          <a:bodyPr/>
-          <a:lstStyle/>
-          <a:p>
-            <a:fld id="{51BE5F08-58E8-9243-A834-2B76637F595D}" type="slidenum">
-              <a:rPr kumimoji="1" lang="ja-JP" altLang="en-US" smtClean="0"/>
-              <a:pPr/>
-              <a:t>6</a:t>
-            </a:fld>
-            <a:endParaRPr kumimoji="1" lang="ja-JP" altLang="en-US"/>
-          </a:p>
-        </p:txBody>
-      </p:sp>
-      <p:grpSp>
-        <p:nvGrpSpPr>
-          <p:cNvPr id="11" name="グループ化 10">
-            <a:extLst>
-              <a:ext uri="{FF2B5EF4-FFF2-40B4-BE49-F238E27FC236}">
-                <a16:creationId xmlns:a16="http://schemas.microsoft.com/office/drawing/2014/main" id="{5EB9D766-49DC-C14B-4EF4-4E5D88F7F46B}"/>
-              </a:ext>
-            </a:extLst>
-          </p:cNvPr>
-          <p:cNvGrpSpPr/>
-          <p:nvPr/>
-        </p:nvGrpSpPr>
-        <p:grpSpPr>
-          <a:xfrm>
-            <a:off x="838200" y="1679845"/>
-            <a:ext cx="10515600" cy="4640945"/>
-            <a:chOff x="838200" y="1745888"/>
-            <a:chExt cx="10515600" cy="2807644"/>
-          </a:xfrm>
-        </p:grpSpPr>
-        <p:sp>
-          <p:nvSpPr>
-            <p:cNvPr id="7" name="正方形/長方形 6">
-              <a:extLst>
-                <a:ext uri="{FF2B5EF4-FFF2-40B4-BE49-F238E27FC236}">
-                  <a16:creationId xmlns:a16="http://schemas.microsoft.com/office/drawing/2014/main" id="{CA5A8E90-BEB6-1A8E-EFAA-2DE859D5BF18}"/>
-                </a:ext>
-              </a:extLst>
-            </p:cNvPr>
-            <p:cNvSpPr/>
-            <p:nvPr/>
-          </p:nvSpPr>
-          <p:spPr>
-            <a:xfrm>
-              <a:off x="838200" y="1745888"/>
-              <a:ext cx="2137410" cy="1337041"/>
-            </a:xfrm>
-            <a:prstGeom prst="rect">
-              <a:avLst/>
-            </a:prstGeom>
-            <a:solidFill>
-              <a:schemeClr val="tx1"/>
-            </a:solidFill>
-            <a:ln>
-              <a:solidFill>
-                <a:schemeClr val="tx1"/>
-              </a:solidFill>
-            </a:ln>
-          </p:spPr>
-          <p:style>
-            <a:lnRef idx="2">
-              <a:schemeClr val="accent1">
-                <a:shade val="50000"/>
-              </a:schemeClr>
-            </a:lnRef>
-            <a:fillRef idx="1">
-              <a:schemeClr val="accent1"/>
-            </a:fillRef>
-            <a:effectRef idx="0">
-              <a:schemeClr val="accent1"/>
-            </a:effectRef>
-            <a:fontRef idx="minor">
-              <a:schemeClr val="lt1"/>
-            </a:fontRef>
-          </p:style>
-          <p:txBody>
-            <a:bodyPr rtlCol="0" anchor="ctr"/>
-            <a:lstStyle/>
-            <a:p>
-              <a:pPr algn="ctr"/>
-              <a:r>
-                <a:rPr kumimoji="1" lang="en-US" altLang="ja-JP" sz="2000" dirty="0">
-                  <a:solidFill>
-                    <a:schemeClr val="bg1"/>
-                  </a:solidFill>
-                </a:rPr>
-                <a:t>Value</a:t>
-              </a:r>
-              <a:endParaRPr kumimoji="1" lang="ja-JP" altLang="en-US" sz="2000">
-                <a:solidFill>
-                  <a:schemeClr val="bg1"/>
-                </a:solidFill>
-              </a:endParaRPr>
-            </a:p>
-          </p:txBody>
-        </p:sp>
-        <p:sp>
-          <p:nvSpPr>
-            <p:cNvPr id="8" name="正方形/長方形 7">
-              <a:extLst>
-                <a:ext uri="{FF2B5EF4-FFF2-40B4-BE49-F238E27FC236}">
-                  <a16:creationId xmlns:a16="http://schemas.microsoft.com/office/drawing/2014/main" id="{93D9A530-3FED-DB91-51EC-531DE0175D47}"/>
-                </a:ext>
-              </a:extLst>
-            </p:cNvPr>
-            <p:cNvSpPr/>
-            <p:nvPr/>
-          </p:nvSpPr>
-          <p:spPr>
-            <a:xfrm>
-              <a:off x="3120390" y="1745888"/>
-              <a:ext cx="8233410" cy="1337041"/>
-            </a:xfrm>
-            <a:prstGeom prst="rect">
-              <a:avLst/>
-            </a:prstGeom>
-            <a:noFill/>
-            <a:ln>
-              <a:noFill/>
-            </a:ln>
-          </p:spPr>
-          <p:style>
-            <a:lnRef idx="2">
-              <a:schemeClr val="accent1">
-                <a:shade val="50000"/>
-              </a:schemeClr>
-            </a:lnRef>
-            <a:fillRef idx="1">
-              <a:schemeClr val="accent1"/>
-            </a:fillRef>
-            <a:effectRef idx="0">
-              <a:schemeClr val="accent1"/>
-            </a:effectRef>
-            <a:fontRef idx="minor">
-              <a:schemeClr val="lt1"/>
-            </a:fontRef>
-          </p:style>
-          <p:txBody>
-            <a:bodyPr rtlCol="0" anchor="ctr"/>
-            <a:lstStyle/>
-            <a:p>
-              <a:pPr marL="285750" indent="-285750">
-                <a:buFont typeface="Arial" panose="020B0604020202020204" pitchFamily="34" charset="0"/>
-                <a:buChar char="•"/>
-              </a:pPr>
-              <a:r>
-                <a:rPr lang="en-US" altLang="ja-JP" sz="2000" dirty="0">
-                  <a:solidFill>
-                    <a:schemeClr val="tx1"/>
-                  </a:solidFill>
-                  <a:latin typeface="Söhne"/>
-                </a:rPr>
-                <a:t>Over</a:t>
-              </a:r>
-              <a:r>
-                <a:rPr lang="en-US" altLang="ja-JP" sz="2000" b="0" i="0" dirty="0">
-                  <a:solidFill>
-                    <a:schemeClr val="tx1"/>
-                  </a:solidFill>
-                  <a:effectLst/>
-                  <a:latin typeface="Söhne"/>
-                </a:rPr>
-                <a:t> </a:t>
-              </a:r>
-              <a:r>
-                <a:rPr lang="en-US" altLang="ja-JP" sz="2000" b="0" i="0" dirty="0">
-                  <a:solidFill>
-                    <a:srgbClr val="FF0000"/>
-                  </a:solidFill>
-                  <a:effectLst/>
-                  <a:latin typeface="Söhne"/>
-                </a:rPr>
-                <a:t>2 to 2.5 times</a:t>
-              </a:r>
-              <a:r>
-                <a:rPr lang="en-US" altLang="ja-JP" sz="2000" b="0" i="0" dirty="0">
-                  <a:solidFill>
-                    <a:schemeClr val="tx1"/>
-                  </a:solidFill>
-                  <a:effectLst/>
-                  <a:latin typeface="Söhne"/>
-                </a:rPr>
-                <a:t> </a:t>
-              </a:r>
-              <a:r>
-                <a:rPr lang="en-US" altLang="ja-JP" sz="2000" b="0" i="0" dirty="0">
-                  <a:solidFill>
-                    <a:srgbClr val="FF0000"/>
-                  </a:solidFill>
-                  <a:effectLst/>
-                  <a:latin typeface="Söhne"/>
-                </a:rPr>
-                <a:t>faster</a:t>
-              </a:r>
-              <a:r>
-                <a:rPr lang="en-US" altLang="ja-JP" sz="2000" b="0" i="0" dirty="0">
-                  <a:solidFill>
-                    <a:schemeClr val="tx1"/>
-                  </a:solidFill>
-                  <a:effectLst/>
-                  <a:latin typeface="Söhne"/>
-                </a:rPr>
-                <a:t> than the standard.</a:t>
-              </a:r>
-            </a:p>
-            <a:p>
-              <a:pPr marL="285750" indent="-285750">
-                <a:buFont typeface="Arial" panose="020B0604020202020204" pitchFamily="34" charset="0"/>
-                <a:buChar char="•"/>
-              </a:pPr>
-              <a:r>
-                <a:rPr lang="en-US" altLang="ja-JP" sz="2000" b="0" i="0" dirty="0">
-                  <a:solidFill>
-                    <a:schemeClr val="tx1"/>
-                  </a:solidFill>
-                  <a:effectLst/>
-                  <a:latin typeface="Söhne"/>
-                </a:rPr>
-                <a:t>Even with a </a:t>
-              </a:r>
-              <a:r>
-                <a:rPr lang="en-US" altLang="ja-JP" sz="2000" b="0" i="0" dirty="0">
-                  <a:solidFill>
-                    <a:srgbClr val="FF0000"/>
-                  </a:solidFill>
-                  <a:effectLst/>
-                  <a:latin typeface="Söhne"/>
-                </a:rPr>
-                <a:t>large number of instructions (e.g. 40)</a:t>
-              </a:r>
-              <a:r>
-                <a:rPr lang="en-US" altLang="ja-JP" sz="2000" b="0" i="0" dirty="0">
-                  <a:solidFill>
-                    <a:schemeClr val="tx1"/>
-                  </a:solidFill>
-                  <a:effectLst/>
-                  <a:latin typeface="Söhne"/>
-                </a:rPr>
-                <a:t>, the </a:t>
-              </a:r>
-              <a:r>
-                <a:rPr lang="en-US" altLang="ja-JP" sz="2000" b="0" i="0" dirty="0">
-                  <a:solidFill>
-                    <a:srgbClr val="FF0000"/>
-                  </a:solidFill>
-                  <a:effectLst/>
-                  <a:latin typeface="Söhne"/>
-                </a:rPr>
-                <a:t>speed is fast</a:t>
-              </a:r>
-              <a:r>
-                <a:rPr lang="en-US" altLang="ja-JP" sz="2000" b="0" i="0" dirty="0">
-                  <a:solidFill>
-                    <a:schemeClr val="tx1"/>
-                  </a:solidFill>
-                  <a:effectLst/>
-                  <a:latin typeface="Söhne"/>
-                </a:rPr>
-                <a:t>.</a:t>
-              </a:r>
-            </a:p>
-            <a:p>
-              <a:pPr marL="285750" indent="-285750">
-                <a:buFont typeface="Arial" panose="020B0604020202020204" pitchFamily="34" charset="0"/>
-                <a:buChar char="•"/>
-              </a:pPr>
-              <a:r>
-                <a:rPr kumimoji="1" lang="en-US" altLang="ja-JP" sz="2000" dirty="0">
-                  <a:solidFill>
-                    <a:schemeClr val="tx1"/>
-                  </a:solidFill>
-                </a:rPr>
-                <a:t>When the number of instructions is low, there is not much variation.</a:t>
-              </a:r>
-              <a:br>
-                <a:rPr kumimoji="1" lang="en-US" altLang="ja-JP" sz="2000" dirty="0">
-                  <a:solidFill>
-                    <a:schemeClr val="tx1"/>
-                  </a:solidFill>
-                </a:rPr>
-              </a:br>
-              <a:r>
-                <a:rPr kumimoji="1" lang="en-US" altLang="ja-JP" sz="2000" dirty="0">
-                  <a:solidFill>
-                    <a:schemeClr val="tx1"/>
-                  </a:solidFill>
-                </a:rPr>
-                <a:t>However, "Many drops make a shower", and there is a significant difference in speed when the trading volume is high.</a:t>
-              </a:r>
-            </a:p>
-            <a:p>
-              <a:pPr marL="285750" indent="-285750">
-                <a:buFont typeface="Arial" panose="020B0604020202020204" pitchFamily="34" charset="0"/>
-                <a:buChar char="•"/>
-              </a:pPr>
-              <a:r>
-                <a:rPr kumimoji="1" lang="en-US" altLang="ja-JP" sz="2000" dirty="0">
-                  <a:solidFill>
-                    <a:schemeClr val="tx1"/>
-                  </a:solidFill>
-                </a:rPr>
-                <a:t>Maintains a consistent and </a:t>
-              </a:r>
-              <a:r>
-                <a:rPr kumimoji="1" lang="en-US" altLang="ja-JP" sz="2000" dirty="0">
-                  <a:solidFill>
-                    <a:srgbClr val="FF0000"/>
-                  </a:solidFill>
-                </a:rPr>
-                <a:t>stable speed without any deviation(under 0.5 </a:t>
-              </a:r>
-              <a:r>
-                <a:rPr kumimoji="1" lang="en-US" altLang="ja-JP" sz="2000" dirty="0" err="1">
-                  <a:solidFill>
-                    <a:srgbClr val="FF0000"/>
-                  </a:solidFill>
-                </a:rPr>
-                <a:t>ms</a:t>
-              </a:r>
-              <a:r>
-                <a:rPr kumimoji="1" lang="en-US" altLang="ja-JP" sz="2000" dirty="0">
-                  <a:solidFill>
-                    <a:srgbClr val="FF0000"/>
-                  </a:solidFill>
-                </a:rPr>
-                <a:t>)</a:t>
-              </a:r>
-              <a:r>
-                <a:rPr kumimoji="1" lang="en-US" altLang="ja-JP" sz="2000" dirty="0">
-                  <a:solidFill>
-                    <a:schemeClr val="tx1"/>
-                  </a:solidFill>
-                </a:rPr>
-                <a:t>.</a:t>
-              </a:r>
-            </a:p>
-          </p:txBody>
-        </p:sp>
-        <p:sp>
-          <p:nvSpPr>
-            <p:cNvPr id="9" name="正方形/長方形 8">
-              <a:extLst>
-                <a:ext uri="{FF2B5EF4-FFF2-40B4-BE49-F238E27FC236}">
-                  <a16:creationId xmlns:a16="http://schemas.microsoft.com/office/drawing/2014/main" id="{B292B5AB-7AA6-6C92-891B-CF93D0C8767D}"/>
-                </a:ext>
-              </a:extLst>
-            </p:cNvPr>
-            <p:cNvSpPr/>
-            <p:nvPr/>
-          </p:nvSpPr>
-          <p:spPr>
-            <a:xfrm>
-              <a:off x="838200" y="3216491"/>
-              <a:ext cx="2137410" cy="1337041"/>
-            </a:xfrm>
-            <a:prstGeom prst="rect">
-              <a:avLst/>
-            </a:prstGeom>
-            <a:solidFill>
-              <a:schemeClr val="tx1"/>
-            </a:solidFill>
-            <a:ln>
-              <a:solidFill>
-                <a:schemeClr val="tx1"/>
-              </a:solidFill>
-            </a:ln>
-          </p:spPr>
-          <p:style>
-            <a:lnRef idx="2">
-              <a:schemeClr val="accent1">
-                <a:shade val="50000"/>
-              </a:schemeClr>
-            </a:lnRef>
-            <a:fillRef idx="1">
-              <a:schemeClr val="accent1"/>
-            </a:fillRef>
-            <a:effectRef idx="0">
-              <a:schemeClr val="accent1"/>
-            </a:effectRef>
-            <a:fontRef idx="minor">
-              <a:schemeClr val="lt1"/>
-            </a:fontRef>
-          </p:style>
-          <p:txBody>
-            <a:bodyPr rtlCol="0" anchor="ctr"/>
-            <a:lstStyle/>
-            <a:p>
-              <a:pPr algn="ctr"/>
-              <a:r>
-                <a:rPr kumimoji="1" lang="en-US" altLang="ja-JP" sz="2000" dirty="0">
-                  <a:solidFill>
-                    <a:schemeClr val="bg1"/>
-                  </a:solidFill>
-                </a:rPr>
-                <a:t>Example Case</a:t>
-              </a:r>
-              <a:endParaRPr kumimoji="1" lang="ja-JP" altLang="en-US" sz="2000">
-                <a:solidFill>
-                  <a:schemeClr val="bg1"/>
-                </a:solidFill>
-              </a:endParaRPr>
-            </a:p>
-          </p:txBody>
-        </p:sp>
-        <p:sp>
-          <p:nvSpPr>
-            <p:cNvPr id="10" name="正方形/長方形 9">
-              <a:extLst>
-                <a:ext uri="{FF2B5EF4-FFF2-40B4-BE49-F238E27FC236}">
-                  <a16:creationId xmlns:a16="http://schemas.microsoft.com/office/drawing/2014/main" id="{F3DA68F2-A797-A3A5-4D4E-0FBE70639120}"/>
-                </a:ext>
-              </a:extLst>
-            </p:cNvPr>
-            <p:cNvSpPr/>
-            <p:nvPr/>
-          </p:nvSpPr>
-          <p:spPr>
-            <a:xfrm>
-              <a:off x="3120390" y="3216491"/>
-              <a:ext cx="8233410" cy="1337041"/>
-            </a:xfrm>
-            <a:prstGeom prst="rect">
-              <a:avLst/>
-            </a:prstGeom>
-            <a:noFill/>
-            <a:ln>
-              <a:noFill/>
-            </a:ln>
-          </p:spPr>
-          <p:style>
-            <a:lnRef idx="2">
-              <a:schemeClr val="accent1">
-                <a:shade val="50000"/>
-              </a:schemeClr>
-            </a:lnRef>
-            <a:fillRef idx="1">
-              <a:schemeClr val="accent1"/>
-            </a:fillRef>
-            <a:effectRef idx="0">
-              <a:schemeClr val="accent1"/>
-            </a:effectRef>
-            <a:fontRef idx="minor">
-              <a:schemeClr val="lt1"/>
-            </a:fontRef>
-          </p:style>
-          <p:txBody>
-            <a:bodyPr rtlCol="0" anchor="ctr"/>
-            <a:lstStyle/>
-            <a:p>
-              <a:pPr marL="285750" indent="-285750">
-                <a:buFont typeface="Arial" panose="020B0604020202020204" pitchFamily="34" charset="0"/>
-                <a:buChar char="•"/>
-              </a:pPr>
-              <a:r>
-                <a:rPr lang="en-US" altLang="ja-JP" sz="2000" b="0" i="0" dirty="0">
-                  <a:solidFill>
-                    <a:schemeClr val="tx1"/>
-                  </a:solidFill>
-                  <a:effectLst/>
-                  <a:latin typeface="Söhne"/>
-                </a:rPr>
-                <a:t>It is useful when </a:t>
-              </a:r>
-              <a:r>
-                <a:rPr lang="en-US" altLang="ja-JP" sz="2000" b="0" i="0" dirty="0">
-                  <a:solidFill>
-                    <a:srgbClr val="FF0000"/>
-                  </a:solidFill>
-                  <a:effectLst/>
-                  <a:latin typeface="Söhne"/>
-                </a:rPr>
-                <a:t>fine-tuning speed is required in milliseconds</a:t>
-              </a:r>
-              <a:r>
-                <a:rPr lang="en-US" altLang="ja-JP" sz="2000" b="0" i="0" dirty="0">
-                  <a:solidFill>
-                    <a:schemeClr val="tx1"/>
-                  </a:solidFill>
-                  <a:effectLst/>
-                  <a:latin typeface="Söhne"/>
-                </a:rPr>
-                <a:t>.</a:t>
-              </a:r>
-            </a:p>
-            <a:p>
-              <a:pPr marL="285750" indent="-285750">
-                <a:buFont typeface="Arial" panose="020B0604020202020204" pitchFamily="34" charset="0"/>
-                <a:buChar char="•"/>
-              </a:pPr>
-              <a:r>
-                <a:rPr kumimoji="1" lang="en-US" altLang="ja-JP" sz="2000" dirty="0">
-                  <a:solidFill>
-                    <a:schemeClr val="tx1"/>
-                  </a:solidFill>
-                </a:rPr>
-                <a:t>e.g. Minting Site, DEX and Fully On-chain site.</a:t>
-              </a:r>
-            </a:p>
-            <a:p>
-              <a:pPr marL="285750" indent="-285750">
-                <a:buFont typeface="Arial" panose="020B0604020202020204" pitchFamily="34" charset="0"/>
-                <a:buChar char="•"/>
-              </a:pPr>
-              <a:r>
-                <a:rPr lang="en-US" altLang="ja-JP" sz="2000" b="0" i="0" dirty="0">
-                  <a:solidFill>
-                    <a:schemeClr val="tx1"/>
-                  </a:solidFill>
-                  <a:effectLst/>
-                  <a:latin typeface="Söhne"/>
-                </a:rPr>
-                <a:t>If speed is not a priority, standard transaction method is sufficient.</a:t>
-              </a:r>
-              <a:endParaRPr kumimoji="1" lang="ja-JP" altLang="en-US" sz="2000">
-                <a:solidFill>
-                  <a:schemeClr val="tx1"/>
-                </a:solidFill>
-              </a:endParaRPr>
-            </a:p>
-          </p:txBody>
-        </p:sp>
-      </p:grpSp>
-      <p:sp>
-        <p:nvSpPr>
-          <p:cNvPr id="6" name="テキスト ボックス 5">
-            <a:extLst>
-              <a:ext uri="{FF2B5EF4-FFF2-40B4-BE49-F238E27FC236}">
-                <a16:creationId xmlns:a16="http://schemas.microsoft.com/office/drawing/2014/main" id="{5BE4B43E-7BA8-FB3B-FC8A-822C8CDC6FD8}"/>
-              </a:ext>
-            </a:extLst>
-          </p:cNvPr>
-          <p:cNvSpPr txBox="1"/>
-          <p:nvPr/>
-        </p:nvSpPr>
-        <p:spPr>
-          <a:xfrm>
-            <a:off x="10729139" y="9225"/>
-            <a:ext cx="1443600" cy="315912"/>
-          </a:xfrm>
-          <a:prstGeom prst="rect">
-            <a:avLst/>
-          </a:prstGeom>
-          <a:noFill/>
-        </p:spPr>
-        <p:txBody>
-          <a:bodyPr wrap="square" rtlCol="0">
-            <a:noAutofit/>
-          </a:bodyPr>
-          <a:lstStyle/>
-          <a:p>
-            <a:pPr algn="r"/>
-            <a:r>
-              <a:rPr kumimoji="1" lang="en-US" altLang="ja-JP" sz="1200" dirty="0"/>
-              <a:t>JST May 21 2023</a:t>
-            </a:r>
-            <a:endParaRPr kumimoji="1" lang="ja-JP" altLang="en-US" sz="1200" dirty="0"/>
-          </a:p>
-        </p:txBody>
-      </p:sp>
-    </p:spTree>
-    <p:extLst>
-      <p:ext uri="{BB962C8B-B14F-4D97-AF65-F5344CB8AC3E}">
-        <p14:creationId xmlns:p14="http://schemas.microsoft.com/office/powerpoint/2010/main" val="568833797"/>
-      </p:ext>
-    </p:extLst>
-  </p:cSld>
-  <p:clrMapOvr>
-    <a:masterClrMapping/>
-  </p:clrMapOvr>
-</p:sld>
-</file>
-
-<file path=ppt/slides/slide8.xml><?xml version="1.0" encoding="utf-8"?>
-<p:sld xmlns:a="http://schemas.openxmlformats.org/drawingml/2006/main" xmlns:r="http://schemas.openxmlformats.org/officeDocument/2006/relationships" xmlns:p="http://schemas.openxmlformats.org/presentationml/2006/main">
-  <p:cSld>
-    <p:spTree>
-      <p:nvGrpSpPr>
-        <p:cNvPr id="1" name=""/>
-        <p:cNvGrpSpPr/>
-        <p:nvPr/>
-      </p:nvGrpSpPr>
-      <p:grpSpPr>
-        <a:xfrm>
-          <a:off x="0" y="0"/>
-          <a:ext cx="0" cy="0"/>
-          <a:chOff x="0" y="0"/>
-          <a:chExt cx="0" cy="0"/>
-        </a:xfrm>
-      </p:grpSpPr>
-      <p:sp>
-        <p:nvSpPr>
-          <p:cNvPr id="2" name="タイトル 1">
-            <a:extLst>
-              <a:ext uri="{FF2B5EF4-FFF2-40B4-BE49-F238E27FC236}">
                 <a16:creationId xmlns:a16="http://schemas.microsoft.com/office/drawing/2014/main" id="{43250BC8-4F2A-7219-E8D7-268AD2771F2E}"/>
               </a:ext>
             </a:extLst>
@@ -13813,7 +12880,7 @@
             <a:fld id="{51BE5F08-58E8-9243-A834-2B76637F595D}" type="slidenum">
               <a:rPr kumimoji="1" lang="ja-JP" altLang="en-US" smtClean="0"/>
               <a:pPr/>
-              <a:t>7</a:t>
+              <a:t>6</a:t>
             </a:fld>
             <a:endParaRPr kumimoji="1" lang="ja-JP" altLang="en-US"/>
           </a:p>
@@ -15111,7 +14178,7 @@
 </p:sld>
 </file>
 
-<file path=ppt/slides/slide9.xml><?xml version="1.0" encoding="utf-8"?>
+<file path=ppt/slides/slide8.xml><?xml version="1.0" encoding="utf-8"?>
 <p:sld xmlns:a="http://schemas.openxmlformats.org/drawingml/2006/main" xmlns:r="http://schemas.openxmlformats.org/officeDocument/2006/relationships" xmlns:p="http://schemas.openxmlformats.org/presentationml/2006/main">
   <p:cSld>
     <p:spTree>
@@ -15210,7 +14277,7 @@
             <a:fld id="{51BE5F08-58E8-9243-A834-2B76637F595D}" type="slidenum">
               <a:rPr kumimoji="1" lang="ja-JP" altLang="en-US" smtClean="0"/>
               <a:pPr/>
-              <a:t>8</a:t>
+              <a:t>7</a:t>
             </a:fld>
             <a:endParaRPr kumimoji="1" lang="ja-JP" altLang="en-US"/>
           </a:p>
@@ -15498,6 +14565,242 @@
     <p:extLst>
       <p:ext uri="{BB962C8B-B14F-4D97-AF65-F5344CB8AC3E}">
         <p14:creationId xmlns:p14="http://schemas.microsoft.com/office/powerpoint/2010/main" val="642563756"/>
+      </p:ext>
+    </p:extLst>
+  </p:cSld>
+  <p:clrMapOvr>
+    <a:masterClrMapping/>
+  </p:clrMapOvr>
+</p:sld>
+</file>
+
+<file path=ppt/slides/slide9.xml><?xml version="1.0" encoding="utf-8"?>
+<p:sld xmlns:a="http://schemas.openxmlformats.org/drawingml/2006/main" xmlns:r="http://schemas.openxmlformats.org/officeDocument/2006/relationships" xmlns:p="http://schemas.openxmlformats.org/presentationml/2006/main">
+  <p:cSld>
+    <p:spTree>
+      <p:nvGrpSpPr>
+        <p:cNvPr id="1" name=""/>
+        <p:cNvGrpSpPr/>
+        <p:nvPr/>
+      </p:nvGrpSpPr>
+      <p:grpSpPr>
+        <a:xfrm>
+          <a:off x="0" y="0"/>
+          <a:ext cx="0" cy="0"/>
+          <a:chOff x="0" y="0"/>
+          <a:chExt cx="0" cy="0"/>
+        </a:xfrm>
+      </p:grpSpPr>
+      <p:sp>
+        <p:nvSpPr>
+          <p:cNvPr id="2" name="タイトル 1">
+            <a:extLst>
+              <a:ext uri="{FF2B5EF4-FFF2-40B4-BE49-F238E27FC236}">
+                <a16:creationId xmlns:a16="http://schemas.microsoft.com/office/drawing/2014/main" id="{90FD3E59-428E-D6B2-B3C5-F6F7B480123B}"/>
+              </a:ext>
+            </a:extLst>
+          </p:cNvPr>
+          <p:cNvSpPr>
+            <a:spLocks noGrp="1"/>
+          </p:cNvSpPr>
+          <p:nvPr>
+            <p:ph type="title"/>
+          </p:nvPr>
+        </p:nvSpPr>
+        <p:spPr/>
+        <p:txBody>
+          <a:bodyPr/>
+          <a:lstStyle/>
+          <a:p>
+            <a:r>
+              <a:rPr kumimoji="1" lang="en-US" altLang="ja-JP" dirty="0"/>
+              <a:t>Example Code</a:t>
+            </a:r>
+            <a:endParaRPr kumimoji="1" lang="ja-JP" altLang="en-US"/>
+          </a:p>
+        </p:txBody>
+      </p:sp>
+      <p:sp>
+        <p:nvSpPr>
+          <p:cNvPr id="4" name="フッター プレースホルダー 3">
+            <a:extLst>
+              <a:ext uri="{FF2B5EF4-FFF2-40B4-BE49-F238E27FC236}">
+                <a16:creationId xmlns:a16="http://schemas.microsoft.com/office/drawing/2014/main" id="{84F8FC5D-67C5-EB08-DA8F-DC43154573F5}"/>
+              </a:ext>
+            </a:extLst>
+          </p:cNvPr>
+          <p:cNvSpPr>
+            <a:spLocks noGrp="1"/>
+          </p:cNvSpPr>
+          <p:nvPr>
+            <p:ph type="ftr" sz="quarter" idx="11"/>
+          </p:nvPr>
+        </p:nvSpPr>
+        <p:spPr/>
+        <p:txBody>
+          <a:bodyPr/>
+          <a:lstStyle/>
+          <a:p>
+            <a:r>
+              <a:rPr kumimoji="1" lang="en-US" altLang="ja-JP"/>
+              <a:t>256hax</a:t>
+            </a:r>
+            <a:endParaRPr kumimoji="1" lang="ja-JP" altLang="en-US"/>
+          </a:p>
+        </p:txBody>
+      </p:sp>
+      <p:sp>
+        <p:nvSpPr>
+          <p:cNvPr id="5" name="スライド番号プレースホルダー 4">
+            <a:extLst>
+              <a:ext uri="{FF2B5EF4-FFF2-40B4-BE49-F238E27FC236}">
+                <a16:creationId xmlns:a16="http://schemas.microsoft.com/office/drawing/2014/main" id="{9810586D-71D7-C56A-D81E-323600AAE558}"/>
+              </a:ext>
+            </a:extLst>
+          </p:cNvPr>
+          <p:cNvSpPr>
+            <a:spLocks noGrp="1"/>
+          </p:cNvSpPr>
+          <p:nvPr>
+            <p:ph type="sldNum" sz="quarter" idx="12"/>
+          </p:nvPr>
+        </p:nvSpPr>
+        <p:spPr/>
+        <p:txBody>
+          <a:bodyPr/>
+          <a:lstStyle/>
+          <a:p>
+            <a:fld id="{51BE5F08-58E8-9243-A834-2B76637F595D}" type="slidenum">
+              <a:rPr kumimoji="1" lang="ja-JP" altLang="en-US" smtClean="0"/>
+              <a:pPr/>
+              <a:t>8</a:t>
+            </a:fld>
+            <a:endParaRPr kumimoji="1" lang="ja-JP" altLang="en-US"/>
+          </a:p>
+        </p:txBody>
+      </p:sp>
+      <p:sp>
+        <p:nvSpPr>
+          <p:cNvPr id="8" name="テキスト ボックス 7">
+            <a:extLst>
+              <a:ext uri="{FF2B5EF4-FFF2-40B4-BE49-F238E27FC236}">
+                <a16:creationId xmlns:a16="http://schemas.microsoft.com/office/drawing/2014/main" id="{F6E10048-C70B-798B-1A63-B0DE8166ED8A}"/>
+              </a:ext>
+            </a:extLst>
+          </p:cNvPr>
+          <p:cNvSpPr txBox="1"/>
+          <p:nvPr/>
+        </p:nvSpPr>
+        <p:spPr>
+          <a:xfrm>
+            <a:off x="838200" y="1853765"/>
+            <a:ext cx="10515600" cy="1118035"/>
+          </a:xfrm>
+          <a:prstGeom prst="rect">
+            <a:avLst/>
+          </a:prstGeom>
+          <a:noFill/>
+        </p:spPr>
+        <p:txBody>
+          <a:bodyPr wrap="square" rtlCol="0">
+            <a:noAutofit/>
+          </a:bodyPr>
+          <a:lstStyle/>
+          <a:p>
+            <a:pPr algn="ctr"/>
+            <a:r>
+              <a:rPr kumimoji="1" lang="en-US" altLang="ja-JP" sz="2000" dirty="0">
+                <a:hlinkClick r:id="rId2"/>
+              </a:rPr>
+              <a:t>https://github.com/256hax/mad-mints</a:t>
+            </a:r>
+            <a:endParaRPr kumimoji="1" lang="en-US" altLang="ja-JP" sz="2000" dirty="0"/>
+          </a:p>
+          <a:p>
+            <a:pPr algn="ctr"/>
+            <a:endParaRPr kumimoji="1" lang="en-US" altLang="ja-JP" sz="2000" dirty="0"/>
+          </a:p>
+          <a:p>
+            <a:pPr algn="ctr"/>
+            <a:r>
+              <a:rPr kumimoji="1" lang="en-US" altLang="ja-JP" sz="2000" dirty="0"/>
+              <a:t>Experiment purpose only.</a:t>
+            </a:r>
+            <a:endParaRPr kumimoji="1" lang="ja-JP" altLang="en-US" sz="2000" dirty="0"/>
+          </a:p>
+        </p:txBody>
+      </p:sp>
+      <p:pic>
+        <p:nvPicPr>
+          <p:cNvPr id="12" name="図 11">
+            <a:extLst>
+              <a:ext uri="{FF2B5EF4-FFF2-40B4-BE49-F238E27FC236}">
+                <a16:creationId xmlns:a16="http://schemas.microsoft.com/office/drawing/2014/main" id="{30DEEAB5-885C-A99D-ADA6-A773ECBE110B}"/>
+              </a:ext>
+            </a:extLst>
+          </p:cNvPr>
+          <p:cNvPicPr>
+            <a:picLocks noChangeAspect="1"/>
+          </p:cNvPicPr>
+          <p:nvPr/>
+        </p:nvPicPr>
+        <p:blipFill>
+          <a:blip r:embed="rId3"/>
+          <a:stretch>
+            <a:fillRect/>
+          </a:stretch>
+        </p:blipFill>
+        <p:spPr>
+          <a:xfrm>
+            <a:off x="4667250" y="2971800"/>
+            <a:ext cx="2857500" cy="2857500"/>
+          </a:xfrm>
+          <a:prstGeom prst="rect">
+            <a:avLst/>
+          </a:prstGeom>
+        </p:spPr>
+      </p:pic>
+      <p:sp>
+        <p:nvSpPr>
+          <p:cNvPr id="3" name="テキスト ボックス 2">
+            <a:extLst>
+              <a:ext uri="{FF2B5EF4-FFF2-40B4-BE49-F238E27FC236}">
+                <a16:creationId xmlns:a16="http://schemas.microsoft.com/office/drawing/2014/main" id="{AE19384B-A3A9-6882-17B9-02D91620C991}"/>
+              </a:ext>
+            </a:extLst>
+          </p:cNvPr>
+          <p:cNvSpPr txBox="1"/>
+          <p:nvPr/>
+        </p:nvSpPr>
+        <p:spPr>
+          <a:xfrm>
+            <a:off x="10729139" y="9225"/>
+            <a:ext cx="1443600" cy="315912"/>
+          </a:xfrm>
+          <a:prstGeom prst="rect">
+            <a:avLst/>
+          </a:prstGeom>
+          <a:noFill/>
+        </p:spPr>
+        <p:txBody>
+          <a:bodyPr wrap="square" rtlCol="0">
+            <a:noAutofit/>
+          </a:bodyPr>
+          <a:lstStyle/>
+          <a:p>
+            <a:pPr algn="r"/>
+            <a:r>
+              <a:rPr kumimoji="1" lang="en-US" altLang="ja-JP" sz="1200" dirty="0"/>
+              <a:t>JST May 21 2023</a:t>
+            </a:r>
+            <a:endParaRPr kumimoji="1" lang="ja-JP" altLang="en-US" sz="1200" dirty="0"/>
+          </a:p>
+        </p:txBody>
+      </p:sp>
+    </p:spTree>
+    <p:extLst>
+      <p:ext uri="{BB962C8B-B14F-4D97-AF65-F5344CB8AC3E}">
+        <p14:creationId xmlns:p14="http://schemas.microsoft.com/office/powerpoint/2010/main" val="3259309326"/>
       </p:ext>
     </p:extLst>
   </p:cSld>

--- a/docs/Mad-Mints.pptx
+++ b/docs/Mad-Mints.pptx
@@ -206,7 +206,7 @@
           <a:p>
             <a:fld id="{0E3AE901-84B3-3248-AD12-BEDA7F301CE3}" type="datetimeFigureOut">
               <a:rPr kumimoji="1" lang="ja-JP" altLang="en-US" smtClean="0"/>
-              <a:t>2023/5/28</a:t>
+              <a:t>2023/5/29</a:t>
             </a:fld>
             <a:endParaRPr kumimoji="1" lang="ja-JP" altLang="en-US"/>
           </a:p>
@@ -661,7 +661,7 @@
           <a:p>
             <a:fld id="{E3F90748-6578-AC42-962A-9F4B1F5FBFAD}" type="datetime1">
               <a:rPr kumimoji="1" lang="ja-JP" altLang="en-US" smtClean="0"/>
-              <a:t>2023/5/28</a:t>
+              <a:t>2023/5/29</a:t>
             </a:fld>
             <a:endParaRPr kumimoji="1" lang="ja-JP" altLang="en-US"/>
           </a:p>
@@ -906,7 +906,7 @@
           <a:p>
             <a:fld id="{BE6DFB40-8C3F-A944-983D-65243E3E0DC7}" type="datetime1">
               <a:rPr kumimoji="1" lang="ja-JP" altLang="en-US" smtClean="0"/>
-              <a:t>2023/5/28</a:t>
+              <a:t>2023/5/29</a:t>
             </a:fld>
             <a:endParaRPr kumimoji="1" lang="ja-JP" altLang="en-US"/>
           </a:p>
@@ -1146,7 +1146,7 @@
           <a:p>
             <a:fld id="{631B2AF4-14FC-314E-A304-69D6AC20AFC1}" type="datetime1">
               <a:rPr kumimoji="1" lang="ja-JP" altLang="en-US" smtClean="0"/>
-              <a:t>2023/5/28</a:t>
+              <a:t>2023/5/29</a:t>
             </a:fld>
             <a:endParaRPr kumimoji="1" lang="ja-JP" altLang="en-US"/>
           </a:p>
@@ -1415,7 +1415,7 @@
             <a:fld id="{73EFA7FA-4B80-324E-84D1-8F8384F1BA5D}" type="datetime1">
               <a:rPr kumimoji="1" lang="ja-JP" altLang="en-US" smtClean="0"/>
               <a:pPr/>
-              <a:t>2023/5/28</a:t>
+              <a:t>2023/5/29</a:t>
             </a:fld>
             <a:endParaRPr kumimoji="1" lang="ja-JP" altLang="en-US"/>
           </a:p>
@@ -1742,7 +1742,7 @@
           <a:p>
             <a:fld id="{D2E220AC-C2A7-024E-ACAB-4DB6052A376C}" type="datetime1">
               <a:rPr kumimoji="1" lang="ja-JP" altLang="en-US" smtClean="0"/>
-              <a:t>2023/5/28</a:t>
+              <a:t>2023/5/29</a:t>
             </a:fld>
             <a:endParaRPr kumimoji="1" lang="ja-JP" altLang="en-US"/>
           </a:p>
@@ -2066,7 +2066,7 @@
           <a:p>
             <a:fld id="{CC48FC5F-5874-5040-B9D3-0BB86491154B}" type="datetime1">
               <a:rPr kumimoji="1" lang="ja-JP" altLang="en-US" smtClean="0"/>
-              <a:t>2023/5/28</a:t>
+              <a:t>2023/5/29</a:t>
             </a:fld>
             <a:endParaRPr kumimoji="1" lang="ja-JP" altLang="en-US"/>
           </a:p>
@@ -2525,7 +2525,7 @@
           <a:p>
             <a:fld id="{667059AF-CDDF-A545-B437-20B256967FD9}" type="datetime1">
               <a:rPr kumimoji="1" lang="ja-JP" altLang="en-US" smtClean="0"/>
-              <a:t>2023/5/28</a:t>
+              <a:t>2023/5/29</a:t>
             </a:fld>
             <a:endParaRPr kumimoji="1" lang="ja-JP" altLang="en-US"/>
           </a:p>
@@ -2671,7 +2671,7 @@
           <a:p>
             <a:fld id="{15B6534E-A8F6-864C-985B-4DB3D4538E40}" type="datetime1">
               <a:rPr kumimoji="1" lang="ja-JP" altLang="en-US" smtClean="0"/>
-              <a:t>2023/5/28</a:t>
+              <a:t>2023/5/29</a:t>
             </a:fld>
             <a:endParaRPr kumimoji="1" lang="ja-JP" altLang="en-US"/>
           </a:p>
@@ -2794,7 +2794,7 @@
           <a:p>
             <a:fld id="{D63D519C-9325-DD4F-A5F6-0AFD37CE8635}" type="datetime1">
               <a:rPr kumimoji="1" lang="ja-JP" altLang="en-US" smtClean="0"/>
-              <a:t>2023/5/28</a:t>
+              <a:t>2023/5/29</a:t>
             </a:fld>
             <a:endParaRPr kumimoji="1" lang="ja-JP" altLang="en-US"/>
           </a:p>
@@ -3131,7 +3131,7 @@
           <a:p>
             <a:fld id="{5503B069-C866-8C47-A1B1-6AEF053A8792}" type="datetime1">
               <a:rPr kumimoji="1" lang="ja-JP" altLang="en-US" smtClean="0"/>
-              <a:t>2023/5/28</a:t>
+              <a:t>2023/5/29</a:t>
             </a:fld>
             <a:endParaRPr kumimoji="1" lang="ja-JP" altLang="en-US"/>
           </a:p>
@@ -3416,7 +3416,7 @@
           <a:p>
             <a:fld id="{C183513C-F2F4-B940-8F47-6502D3E9B9CA}" type="datetime1">
               <a:rPr kumimoji="1" lang="ja-JP" altLang="en-US" smtClean="0"/>
-              <a:t>2023/5/28</a:t>
+              <a:t>2023/5/29</a:t>
             </a:fld>
             <a:endParaRPr kumimoji="1" lang="ja-JP" altLang="en-US"/>
           </a:p>
@@ -3620,7 +3620,7 @@
             <a:fld id="{E55A93C3-7990-6040-9FF9-3C243F65B473}" type="datetime1">
               <a:rPr kumimoji="1" lang="ja-JP" altLang="en-US" smtClean="0"/>
               <a:pPr/>
-              <a:t>2023/5/28</a:t>
+              <a:t>2023/5/29</a:t>
             </a:fld>
             <a:endParaRPr kumimoji="1" lang="ja-JP" altLang="en-US"/>
           </a:p>
@@ -10177,7 +10177,7 @@
           <a:p>
             <a:r>
               <a:rPr kumimoji="1" lang="en-US" altLang="ja-JP" sz="1200" dirty="0"/>
-              <a:t>*1 Using </a:t>
+              <a:t>*1 Create Mint Account and Metadata Account Using </a:t>
             </a:r>
             <a:r>
               <a:rPr kumimoji="1" lang="en-US" altLang="ja-JP" sz="1200" dirty="0" err="1"/>
@@ -10185,7 +10185,7 @@
             </a:r>
             <a:r>
               <a:rPr kumimoji="1" lang="en-US" altLang="ja-JP" sz="1200" dirty="0"/>
-              <a:t> JavaScript SDK.</a:t>
+              <a:t> JavaScript SDK. It's not including upload Metadata JSON and image, verify collection.</a:t>
             </a:r>
           </a:p>
           <a:p>

--- a/docs/Mad-Mints.pptx
+++ b/docs/Mad-Mints.pptx
@@ -206,7 +206,7 @@
           <a:p>
             <a:fld id="{0E3AE901-84B3-3248-AD12-BEDA7F301CE3}" type="datetimeFigureOut">
               <a:rPr kumimoji="1" lang="ja-JP" altLang="en-US" smtClean="0"/>
-              <a:t>2023/5/29</a:t>
+              <a:t>2023/6/12</a:t>
             </a:fld>
             <a:endParaRPr kumimoji="1" lang="ja-JP" altLang="en-US"/>
           </a:p>
@@ -661,7 +661,7 @@
           <a:p>
             <a:fld id="{E3F90748-6578-AC42-962A-9F4B1F5FBFAD}" type="datetime1">
               <a:rPr kumimoji="1" lang="ja-JP" altLang="en-US" smtClean="0"/>
-              <a:t>2023/5/29</a:t>
+              <a:t>2023/6/12</a:t>
             </a:fld>
             <a:endParaRPr kumimoji="1" lang="ja-JP" altLang="en-US"/>
           </a:p>
@@ -906,7 +906,7 @@
           <a:p>
             <a:fld id="{BE6DFB40-8C3F-A944-983D-65243E3E0DC7}" type="datetime1">
               <a:rPr kumimoji="1" lang="ja-JP" altLang="en-US" smtClean="0"/>
-              <a:t>2023/5/29</a:t>
+              <a:t>2023/6/12</a:t>
             </a:fld>
             <a:endParaRPr kumimoji="1" lang="ja-JP" altLang="en-US"/>
           </a:p>
@@ -1146,7 +1146,7 @@
           <a:p>
             <a:fld id="{631B2AF4-14FC-314E-A304-69D6AC20AFC1}" type="datetime1">
               <a:rPr kumimoji="1" lang="ja-JP" altLang="en-US" smtClean="0"/>
-              <a:t>2023/5/29</a:t>
+              <a:t>2023/6/12</a:t>
             </a:fld>
             <a:endParaRPr kumimoji="1" lang="ja-JP" altLang="en-US"/>
           </a:p>
@@ -1415,7 +1415,7 @@
             <a:fld id="{73EFA7FA-4B80-324E-84D1-8F8384F1BA5D}" type="datetime1">
               <a:rPr kumimoji="1" lang="ja-JP" altLang="en-US" smtClean="0"/>
               <a:pPr/>
-              <a:t>2023/5/29</a:t>
+              <a:t>2023/6/12</a:t>
             </a:fld>
             <a:endParaRPr kumimoji="1" lang="ja-JP" altLang="en-US"/>
           </a:p>
@@ -1742,7 +1742,7 @@
           <a:p>
             <a:fld id="{D2E220AC-C2A7-024E-ACAB-4DB6052A376C}" type="datetime1">
               <a:rPr kumimoji="1" lang="ja-JP" altLang="en-US" smtClean="0"/>
-              <a:t>2023/5/29</a:t>
+              <a:t>2023/6/12</a:t>
             </a:fld>
             <a:endParaRPr kumimoji="1" lang="ja-JP" altLang="en-US"/>
           </a:p>
@@ -2066,7 +2066,7 @@
           <a:p>
             <a:fld id="{CC48FC5F-5874-5040-B9D3-0BB86491154B}" type="datetime1">
               <a:rPr kumimoji="1" lang="ja-JP" altLang="en-US" smtClean="0"/>
-              <a:t>2023/5/29</a:t>
+              <a:t>2023/6/12</a:t>
             </a:fld>
             <a:endParaRPr kumimoji="1" lang="ja-JP" altLang="en-US"/>
           </a:p>
@@ -2525,7 +2525,7 @@
           <a:p>
             <a:fld id="{667059AF-CDDF-A545-B437-20B256967FD9}" type="datetime1">
               <a:rPr kumimoji="1" lang="ja-JP" altLang="en-US" smtClean="0"/>
-              <a:t>2023/5/29</a:t>
+              <a:t>2023/6/12</a:t>
             </a:fld>
             <a:endParaRPr kumimoji="1" lang="ja-JP" altLang="en-US"/>
           </a:p>
@@ -2671,7 +2671,7 @@
           <a:p>
             <a:fld id="{15B6534E-A8F6-864C-985B-4DB3D4538E40}" type="datetime1">
               <a:rPr kumimoji="1" lang="ja-JP" altLang="en-US" smtClean="0"/>
-              <a:t>2023/5/29</a:t>
+              <a:t>2023/6/12</a:t>
             </a:fld>
             <a:endParaRPr kumimoji="1" lang="ja-JP" altLang="en-US"/>
           </a:p>
@@ -2794,7 +2794,7 @@
           <a:p>
             <a:fld id="{D63D519C-9325-DD4F-A5F6-0AFD37CE8635}" type="datetime1">
               <a:rPr kumimoji="1" lang="ja-JP" altLang="en-US" smtClean="0"/>
-              <a:t>2023/5/29</a:t>
+              <a:t>2023/6/12</a:t>
             </a:fld>
             <a:endParaRPr kumimoji="1" lang="ja-JP" altLang="en-US"/>
           </a:p>
@@ -3131,7 +3131,7 @@
           <a:p>
             <a:fld id="{5503B069-C866-8C47-A1B1-6AEF053A8792}" type="datetime1">
               <a:rPr kumimoji="1" lang="ja-JP" altLang="en-US" smtClean="0"/>
-              <a:t>2023/5/29</a:t>
+              <a:t>2023/6/12</a:t>
             </a:fld>
             <a:endParaRPr kumimoji="1" lang="ja-JP" altLang="en-US"/>
           </a:p>
@@ -3416,7 +3416,7 @@
           <a:p>
             <a:fld id="{C183513C-F2F4-B940-8F47-6502D3E9B9CA}" type="datetime1">
               <a:rPr kumimoji="1" lang="ja-JP" altLang="en-US" smtClean="0"/>
-              <a:t>2023/5/29</a:t>
+              <a:t>2023/6/12</a:t>
             </a:fld>
             <a:endParaRPr kumimoji="1" lang="ja-JP" altLang="en-US"/>
           </a:p>
@@ -3620,7 +3620,7 @@
             <a:fld id="{E55A93C3-7990-6040-9FF9-3C243F65B473}" type="datetime1">
               <a:rPr kumimoji="1" lang="ja-JP" altLang="en-US" smtClean="0"/>
               <a:pPr/>
-              <a:t>2023/5/29</a:t>
+              <a:t>2023/6/12</a:t>
             </a:fld>
             <a:endParaRPr kumimoji="1" lang="ja-JP" altLang="en-US"/>
           </a:p>
@@ -7449,9 +7449,9 @@
         <p:grpSpPr>
           <a:xfrm>
             <a:off x="838200" y="1409471"/>
-            <a:ext cx="10515600" cy="4640945"/>
+            <a:ext cx="10515600" cy="4615363"/>
             <a:chOff x="838200" y="1745888"/>
-            <a:chExt cx="10515600" cy="2807644"/>
+            <a:chExt cx="10515600" cy="2160707"/>
           </a:xfrm>
         </p:grpSpPr>
         <p:sp>
@@ -7714,8 +7714,8 @@
           </p:nvSpPr>
           <p:spPr>
             <a:xfrm>
-              <a:off x="838200" y="3216491"/>
-              <a:ext cx="2137410" cy="1337041"/>
+              <a:off x="838200" y="3224193"/>
+              <a:ext cx="2137410" cy="682402"/>
             </a:xfrm>
             <a:prstGeom prst="rect">
               <a:avLst/>
@@ -7780,8 +7780,8 @@
           </p:nvSpPr>
           <p:spPr>
             <a:xfrm>
-              <a:off x="3120390" y="3216491"/>
-              <a:ext cx="8233410" cy="1337041"/>
+              <a:off x="3120390" y="3224193"/>
+              <a:ext cx="8233410" cy="682402"/>
             </a:xfrm>
             <a:prstGeom prst="rect">
               <a:avLst/>
@@ -7833,10 +7833,20 @@
                   <a:effectLst/>
                   <a:latin typeface="Söhne"/>
                 </a:rPr>
-                <a:t>fine-tuning speed is required in milliseconds</a:t>
+                <a:t>fine-tuning speed is required in </a:t>
               </a:r>
               <a:r>
-                <a:rPr lang="en-US" altLang="ja-JP" sz="2000" b="0" i="0" dirty="0">
+                <a:rPr lang="en-US" altLang="ja-JP" sz="2000" b="0" i="0">
+                  <a:solidFill>
+                    <a:srgbClr val="FF0000"/>
+                  </a:solidFill>
+                  <a:effectLst/>
+                  <a:latin typeface="Söhne"/>
+                </a:rPr>
+                <a:t>milliseconds</a:t>
+              </a:r>
+              <a:r>
+                <a:rPr lang="en-US" altLang="ja-JP" sz="2000" b="0" i="0">
                   <a:solidFill>
                     <a:schemeClr val="tx1"/>
                   </a:solidFill>
@@ -7845,19 +7855,30 @@
                 </a:rPr>
                 <a:t>.</a:t>
               </a:r>
-            </a:p>
-            <a:p>
-              <a:pPr marL="285750" indent="-285750">
-                <a:buFont typeface="Arial" panose="020B0604020202020204" pitchFamily="34" charset="0"/>
-                <a:buChar char="•"/>
-              </a:pPr>
+              <a:br>
+                <a:rPr lang="en-US" altLang="ja-JP" sz="2000" b="0" i="0">
+                  <a:solidFill>
+                    <a:schemeClr val="tx1"/>
+                  </a:solidFill>
+                  <a:effectLst/>
+                  <a:latin typeface="Söhne"/>
+                </a:rPr>
+              </a:br>
+              <a:r>
+                <a:rPr kumimoji="1" lang="en-US" altLang="ja-JP" sz="2000">
+                  <a:solidFill>
+                    <a:schemeClr val="tx1"/>
+                  </a:solidFill>
+                </a:rPr>
+                <a:t>e</a:t>
+              </a:r>
               <a:r>
                 <a:rPr kumimoji="1" lang="en-US" altLang="ja-JP" sz="2000" dirty="0">
                   <a:solidFill>
                     <a:schemeClr val="tx1"/>
                   </a:solidFill>
                 </a:rPr>
-                <a:t>e.g. Minting Site, DEX and Fully On-chain site.</a:t>
+                <a:t>.g. Minting Site, DEX and Fully On-chain site.</a:t>
               </a:r>
             </a:p>
             <a:p>
@@ -8022,6 +8043,41 @@
                   <a:effectLst/>
                   <a:latin typeface="Söhne"/>
                 </a:rPr>
+                <a:t>Total fees are higher, ranging 0.0014 - 0.02 SOL per transaction.</a:t>
+              </a:r>
+              <a:br>
+                <a:rPr lang="en-US" altLang="ja-JP" sz="2000" b="0" i="0" dirty="0">
+                  <a:solidFill>
+                    <a:schemeClr val="tx1"/>
+                  </a:solidFill>
+                  <a:effectLst/>
+                  <a:latin typeface="Söhne"/>
+                </a:rPr>
+              </a:br>
+              <a:r>
+                <a:rPr lang="en-US" altLang="ja-JP" sz="2000" b="0" i="0" dirty="0">
+                  <a:solidFill>
+                    <a:schemeClr val="tx1"/>
+                  </a:solidFill>
+                  <a:effectLst/>
+                  <a:latin typeface="Söhne"/>
+                </a:rPr>
+                <a:t>e.g. 10K mints are up to 200 SOL</a:t>
+              </a:r>
+            </a:p>
+            <a:p>
+              <a:pPr marL="285750" indent="-285750">
+                <a:buFont typeface="Arial" panose="020B0604020202020204" pitchFamily="34" charset="0"/>
+                <a:buChar char="•"/>
+              </a:pPr>
+              <a:r>
+                <a:rPr lang="en-US" altLang="ja-JP" sz="2000" b="0" i="0" dirty="0">
+                  <a:solidFill>
+                    <a:schemeClr val="tx1"/>
+                  </a:solidFill>
+                  <a:effectLst/>
+                  <a:latin typeface="Söhne"/>
+                </a:rPr>
                 <a:t>(Option) You may need to build a</a:t>
               </a:r>
               <a:r>
@@ -8085,9 +8141,8 @@
             <a:pPr algn="r"/>
             <a:r>
               <a:rPr kumimoji="1" lang="en-US" altLang="ja-JP" sz="1200" dirty="0"/>
-              <a:t>JST May 28 2023</a:t>
-            </a:r>
-            <a:endParaRPr kumimoji="1" lang="ja-JP" altLang="en-US" sz="1200" dirty="0"/>
+              <a:t>JST Jun 12 2023</a:t>
+            </a:r>
           </a:p>
         </p:txBody>
       </p:sp>

--- a/docs/Mad-Mints.pptx
+++ b/docs/Mad-Mints.pptx
@@ -5,19 +5,22 @@
     <p:sldMasterId id="2147483672" r:id="rId1"/>
   </p:sldMasterIdLst>
   <p:notesMasterIdLst>
-    <p:notesMasterId r:id="rId12"/>
+    <p:notesMasterId r:id="rId15"/>
   </p:notesMasterIdLst>
   <p:sldIdLst>
-    <p:sldId id="321" r:id="rId2"/>
-    <p:sldId id="331" r:id="rId3"/>
-    <p:sldId id="330" r:id="rId4"/>
-    <p:sldId id="333" r:id="rId5"/>
-    <p:sldId id="332" r:id="rId6"/>
-    <p:sldId id="334" r:id="rId7"/>
-    <p:sldId id="325" r:id="rId8"/>
-    <p:sldId id="329" r:id="rId9"/>
-    <p:sldId id="326" r:id="rId10"/>
-    <p:sldId id="327" r:id="rId11"/>
+    <p:sldId id="336" r:id="rId2"/>
+    <p:sldId id="335" r:id="rId3"/>
+    <p:sldId id="321" r:id="rId4"/>
+    <p:sldId id="331" r:id="rId5"/>
+    <p:sldId id="330" r:id="rId6"/>
+    <p:sldId id="333" r:id="rId7"/>
+    <p:sldId id="332" r:id="rId8"/>
+    <p:sldId id="334" r:id="rId9"/>
+    <p:sldId id="325" r:id="rId10"/>
+    <p:sldId id="329" r:id="rId11"/>
+    <p:sldId id="326" r:id="rId12"/>
+    <p:sldId id="338" r:id="rId13"/>
+    <p:sldId id="337" r:id="rId14"/>
   </p:sldIdLst>
   <p:sldSz cx="12192000" cy="6858000"/>
   <p:notesSz cx="6858000" cy="9144000"/>
@@ -206,7 +209,7 @@
           <a:p>
             <a:fld id="{0E3AE901-84B3-3248-AD12-BEDA7F301CE3}" type="datetimeFigureOut">
               <a:rPr kumimoji="1" lang="ja-JP" altLang="en-US" smtClean="0"/>
-              <a:t>2023/6/12</a:t>
+              <a:t>2023/7/2</a:t>
             </a:fld>
             <a:endParaRPr kumimoji="1" lang="ja-JP" altLang="en-US"/>
           </a:p>
@@ -661,7 +664,7 @@
           <a:p>
             <a:fld id="{E3F90748-6578-AC42-962A-9F4B1F5FBFAD}" type="datetime1">
               <a:rPr kumimoji="1" lang="ja-JP" altLang="en-US" smtClean="0"/>
-              <a:t>2023/6/12</a:t>
+              <a:t>2023/7/2</a:t>
             </a:fld>
             <a:endParaRPr kumimoji="1" lang="ja-JP" altLang="en-US"/>
           </a:p>
@@ -906,7 +909,7 @@
           <a:p>
             <a:fld id="{BE6DFB40-8C3F-A944-983D-65243E3E0DC7}" type="datetime1">
               <a:rPr kumimoji="1" lang="ja-JP" altLang="en-US" smtClean="0"/>
-              <a:t>2023/6/12</a:t>
+              <a:t>2023/7/2</a:t>
             </a:fld>
             <a:endParaRPr kumimoji="1" lang="ja-JP" altLang="en-US"/>
           </a:p>
@@ -1146,7 +1149,7 @@
           <a:p>
             <a:fld id="{631B2AF4-14FC-314E-A304-69D6AC20AFC1}" type="datetime1">
               <a:rPr kumimoji="1" lang="ja-JP" altLang="en-US" smtClean="0"/>
-              <a:t>2023/6/12</a:t>
+              <a:t>2023/7/2</a:t>
             </a:fld>
             <a:endParaRPr kumimoji="1" lang="ja-JP" altLang="en-US"/>
           </a:p>
@@ -1415,7 +1418,7 @@
             <a:fld id="{73EFA7FA-4B80-324E-84D1-8F8384F1BA5D}" type="datetime1">
               <a:rPr kumimoji="1" lang="ja-JP" altLang="en-US" smtClean="0"/>
               <a:pPr/>
-              <a:t>2023/6/12</a:t>
+              <a:t>2023/7/2</a:t>
             </a:fld>
             <a:endParaRPr kumimoji="1" lang="ja-JP" altLang="en-US"/>
           </a:p>
@@ -1742,7 +1745,7 @@
           <a:p>
             <a:fld id="{D2E220AC-C2A7-024E-ACAB-4DB6052A376C}" type="datetime1">
               <a:rPr kumimoji="1" lang="ja-JP" altLang="en-US" smtClean="0"/>
-              <a:t>2023/6/12</a:t>
+              <a:t>2023/7/2</a:t>
             </a:fld>
             <a:endParaRPr kumimoji="1" lang="ja-JP" altLang="en-US"/>
           </a:p>
@@ -2066,7 +2069,7 @@
           <a:p>
             <a:fld id="{CC48FC5F-5874-5040-B9D3-0BB86491154B}" type="datetime1">
               <a:rPr kumimoji="1" lang="ja-JP" altLang="en-US" smtClean="0"/>
-              <a:t>2023/6/12</a:t>
+              <a:t>2023/7/2</a:t>
             </a:fld>
             <a:endParaRPr kumimoji="1" lang="ja-JP" altLang="en-US"/>
           </a:p>
@@ -2525,7 +2528,7 @@
           <a:p>
             <a:fld id="{667059AF-CDDF-A545-B437-20B256967FD9}" type="datetime1">
               <a:rPr kumimoji="1" lang="ja-JP" altLang="en-US" smtClean="0"/>
-              <a:t>2023/6/12</a:t>
+              <a:t>2023/7/2</a:t>
             </a:fld>
             <a:endParaRPr kumimoji="1" lang="ja-JP" altLang="en-US"/>
           </a:p>
@@ -2671,7 +2674,7 @@
           <a:p>
             <a:fld id="{15B6534E-A8F6-864C-985B-4DB3D4538E40}" type="datetime1">
               <a:rPr kumimoji="1" lang="ja-JP" altLang="en-US" smtClean="0"/>
-              <a:t>2023/6/12</a:t>
+              <a:t>2023/7/2</a:t>
             </a:fld>
             <a:endParaRPr kumimoji="1" lang="ja-JP" altLang="en-US"/>
           </a:p>
@@ -2794,7 +2797,7 @@
           <a:p>
             <a:fld id="{D63D519C-9325-DD4F-A5F6-0AFD37CE8635}" type="datetime1">
               <a:rPr kumimoji="1" lang="ja-JP" altLang="en-US" smtClean="0"/>
-              <a:t>2023/6/12</a:t>
+              <a:t>2023/7/2</a:t>
             </a:fld>
             <a:endParaRPr kumimoji="1" lang="ja-JP" altLang="en-US"/>
           </a:p>
@@ -3131,7 +3134,7 @@
           <a:p>
             <a:fld id="{5503B069-C866-8C47-A1B1-6AEF053A8792}" type="datetime1">
               <a:rPr kumimoji="1" lang="ja-JP" altLang="en-US" smtClean="0"/>
-              <a:t>2023/6/12</a:t>
+              <a:t>2023/7/2</a:t>
             </a:fld>
             <a:endParaRPr kumimoji="1" lang="ja-JP" altLang="en-US"/>
           </a:p>
@@ -3416,7 +3419,7 @@
           <a:p>
             <a:fld id="{C183513C-F2F4-B940-8F47-6502D3E9B9CA}" type="datetime1">
               <a:rPr kumimoji="1" lang="ja-JP" altLang="en-US" smtClean="0"/>
-              <a:t>2023/6/12</a:t>
+              <a:t>2023/7/2</a:t>
             </a:fld>
             <a:endParaRPr kumimoji="1" lang="ja-JP" altLang="en-US"/>
           </a:p>
@@ -3620,7 +3623,7 @@
             <a:fld id="{E55A93C3-7990-6040-9FF9-3C243F65B473}" type="datetime1">
               <a:rPr kumimoji="1" lang="ja-JP" altLang="en-US" smtClean="0"/>
               <a:pPr/>
-              <a:t>2023/6/12</a:t>
+              <a:t>2023/7/2</a:t>
             </a:fld>
             <a:endParaRPr kumimoji="1" lang="ja-JP" altLang="en-US"/>
           </a:p>
@@ -4037,166 +4040,62 @@
       </p:grpSpPr>
       <p:sp>
         <p:nvSpPr>
-          <p:cNvPr id="2" name="タイトル 1">
+          <p:cNvPr id="6" name="正方形/長方形 5">
             <a:extLst>
               <a:ext uri="{FF2B5EF4-FFF2-40B4-BE49-F238E27FC236}">
-                <a16:creationId xmlns:a16="http://schemas.microsoft.com/office/drawing/2014/main" id="{2DB0A5D8-0ED8-7AC7-0DA1-933142F5002C}"/>
+                <a16:creationId xmlns:a16="http://schemas.microsoft.com/office/drawing/2014/main" id="{53608DB9-28A6-8C8E-94D8-148CA098C4C8}"/>
               </a:ext>
             </a:extLst>
           </p:cNvPr>
-          <p:cNvSpPr>
-            <a:spLocks noGrp="1"/>
-          </p:cNvSpPr>
-          <p:nvPr>
-            <p:ph type="title"/>
-          </p:nvPr>
-        </p:nvSpPr>
-        <p:spPr/>
-        <p:txBody>
-          <a:bodyPr/>
-          <a:lstStyle/>
-          <a:p>
-            <a:r>
-              <a:rPr lang="en-US" altLang="ja-JP" dirty="0"/>
-              <a:t>What is Mad Mints?</a:t>
-            </a:r>
-            <a:endParaRPr kumimoji="1" lang="ja-JP" altLang="en-US"/>
-          </a:p>
-        </p:txBody>
-      </p:sp>
-      <p:sp>
-        <p:nvSpPr>
-          <p:cNvPr id="3" name="コンテンツ プレースホルダー 2">
-            <a:extLst>
-              <a:ext uri="{FF2B5EF4-FFF2-40B4-BE49-F238E27FC236}">
-                <a16:creationId xmlns:a16="http://schemas.microsoft.com/office/drawing/2014/main" id="{16E5DC20-CAFD-CF14-ADB6-87B322394EB4}"/>
-              </a:ext>
-            </a:extLst>
-          </p:cNvPr>
-          <p:cNvSpPr>
-            <a:spLocks noGrp="1"/>
-          </p:cNvSpPr>
-          <p:nvPr>
-            <p:ph idx="1"/>
-          </p:nvPr>
-        </p:nvSpPr>
-        <p:spPr/>
-        <p:txBody>
-          <a:bodyPr>
-            <a:normAutofit/>
-          </a:bodyPr>
-          <a:lstStyle/>
-          <a:p>
-            <a:pPr algn="l"/>
-            <a:r>
-              <a:rPr lang="en-US" altLang="ja-JP" b="0" i="0" dirty="0">
-                <a:effectLst/>
-              </a:rPr>
-              <a:t>Improves the speed of minting transactions. With this approach, you'll be able to handle high demand and experience incredible UX. We call "Mad Mints".</a:t>
-            </a:r>
-            <a:endParaRPr lang="en-US" altLang="ja-JP" dirty="0"/>
-          </a:p>
-        </p:txBody>
-      </p:sp>
-      <p:sp>
-        <p:nvSpPr>
-          <p:cNvPr id="4" name="フッター プレースホルダー 3">
-            <a:extLst>
-              <a:ext uri="{FF2B5EF4-FFF2-40B4-BE49-F238E27FC236}">
-                <a16:creationId xmlns:a16="http://schemas.microsoft.com/office/drawing/2014/main" id="{FB01677B-189A-D230-E45B-5AD4CB6ADCCC}"/>
-              </a:ext>
-            </a:extLst>
-          </p:cNvPr>
-          <p:cNvSpPr>
-            <a:spLocks noGrp="1"/>
-          </p:cNvSpPr>
-          <p:nvPr>
-            <p:ph type="ftr" sz="quarter" idx="11"/>
-          </p:nvPr>
-        </p:nvSpPr>
-        <p:spPr/>
-        <p:txBody>
-          <a:bodyPr/>
-          <a:lstStyle/>
-          <a:p>
-            <a:r>
-              <a:rPr kumimoji="1" lang="en-US" altLang="ja-JP"/>
-              <a:t>256hax</a:t>
-            </a:r>
-            <a:endParaRPr kumimoji="1" lang="ja-JP" altLang="en-US"/>
-          </a:p>
-        </p:txBody>
-      </p:sp>
-      <p:sp>
-        <p:nvSpPr>
-          <p:cNvPr id="5" name="スライド番号プレースホルダー 4">
-            <a:extLst>
-              <a:ext uri="{FF2B5EF4-FFF2-40B4-BE49-F238E27FC236}">
-                <a16:creationId xmlns:a16="http://schemas.microsoft.com/office/drawing/2014/main" id="{71EEA567-F50B-6E64-909D-A2F63BF675A9}"/>
-              </a:ext>
-            </a:extLst>
-          </p:cNvPr>
-          <p:cNvSpPr>
-            <a:spLocks noGrp="1"/>
-          </p:cNvSpPr>
-          <p:nvPr>
-            <p:ph type="sldNum" sz="quarter" idx="12"/>
-          </p:nvPr>
-        </p:nvSpPr>
-        <p:spPr/>
-        <p:txBody>
-          <a:bodyPr/>
-          <a:lstStyle/>
-          <a:p>
-            <a:fld id="{51BE5F08-58E8-9243-A834-2B76637F595D}" type="slidenum">
-              <a:rPr kumimoji="1" lang="ja-JP" altLang="en-US" smtClean="0"/>
-              <a:t>0</a:t>
-            </a:fld>
-            <a:endParaRPr kumimoji="1" lang="ja-JP" altLang="en-US"/>
-          </a:p>
-        </p:txBody>
-      </p:sp>
-      <p:pic>
-        <p:nvPicPr>
-          <p:cNvPr id="6" name="図 5">
-            <a:extLst>
-              <a:ext uri="{FF2B5EF4-FFF2-40B4-BE49-F238E27FC236}">
-                <a16:creationId xmlns:a16="http://schemas.microsoft.com/office/drawing/2014/main" id="{EA5DDEC6-BC0D-69F3-9561-E2AF744B30D9}"/>
-              </a:ext>
-            </a:extLst>
-          </p:cNvPr>
-          <p:cNvPicPr>
-            <a:picLocks noChangeAspect="1"/>
-          </p:cNvPicPr>
+          <p:cNvSpPr/>
           <p:nvPr/>
-        </p:nvPicPr>
-        <p:blipFill>
-          <a:blip r:embed="rId2"/>
-          <a:stretch>
-            <a:fillRect/>
-          </a:stretch>
-        </p:blipFill>
-        <p:spPr>
-          <a:xfrm>
-            <a:off x="2511223" y="1673291"/>
-            <a:ext cx="7169553" cy="4117896"/>
+        </p:nvSpPr>
+        <p:spPr>
+          <a:xfrm>
+            <a:off x="-102870" y="-80010"/>
+            <a:ext cx="12378690" cy="7018020"/>
           </a:xfrm>
           <a:prstGeom prst="rect">
             <a:avLst/>
           </a:prstGeom>
+          <a:solidFill>
+            <a:schemeClr val="tx1"/>
+          </a:solidFill>
           <a:ln>
-            <a:solidFill>
-              <a:schemeClr val="tx1"/>
-            </a:solidFill>
+            <a:noFill/>
           </a:ln>
         </p:spPr>
-      </p:pic>
+        <p:style>
+          <a:lnRef idx="2">
+            <a:schemeClr val="accent1">
+              <a:shade val="15000"/>
+            </a:schemeClr>
+          </a:lnRef>
+          <a:fillRef idx="1">
+            <a:schemeClr val="accent1"/>
+          </a:fillRef>
+          <a:effectRef idx="0">
+            <a:schemeClr val="accent1"/>
+          </a:effectRef>
+          <a:fontRef idx="minor">
+            <a:schemeClr val="lt1"/>
+          </a:fontRef>
+        </p:style>
+        <p:txBody>
+          <a:bodyPr rtlCol="0" anchor="ctr"/>
+          <a:lstStyle/>
+          <a:p>
+            <a:pPr algn="ctr"/>
+            <a:endParaRPr kumimoji="1" lang="ja-JP" altLang="en-US"/>
+          </a:p>
+        </p:txBody>
+      </p:sp>
       <p:sp>
         <p:nvSpPr>
           <p:cNvPr id="7" name="テキスト ボックス 6">
             <a:extLst>
               <a:ext uri="{FF2B5EF4-FFF2-40B4-BE49-F238E27FC236}">
-                <a16:creationId xmlns:a16="http://schemas.microsoft.com/office/drawing/2014/main" id="{E46C4351-64B1-5B5C-DE11-586ACCA2FC11}"/>
+                <a16:creationId xmlns:a16="http://schemas.microsoft.com/office/drawing/2014/main" id="{AAA6BC4D-62FA-67D1-1518-40702184CF2D}"/>
               </a:ext>
             </a:extLst>
           </p:cNvPr>
@@ -4205,8 +4104,8 @@
         </p:nvSpPr>
         <p:spPr>
           <a:xfrm>
-            <a:off x="2511223" y="5925007"/>
-            <a:ext cx="5402580" cy="495313"/>
+            <a:off x="5473065" y="3244334"/>
+            <a:ext cx="1245870" cy="369332"/>
           </a:xfrm>
           <a:prstGeom prst="rect">
             <a:avLst/>
@@ -4215,79 +4114,33 @@
         </p:spPr>
         <p:txBody>
           <a:bodyPr wrap="square" rtlCol="0">
-            <a:noAutofit/>
+            <a:spAutoFit/>
           </a:bodyPr>
           <a:lstStyle/>
           <a:p>
-            <a:r>
-              <a:rPr kumimoji="1" lang="en-US" altLang="ja-JP" sz="1200" dirty="0"/>
-              <a:t>Source: Mad Armani 🎒 Twitter</a:t>
-            </a:r>
-          </a:p>
-          <a:p>
-            <a:r>
-              <a:rPr kumimoji="1" lang="en-US" altLang="ja-JP" sz="1200" dirty="0">
-                <a:hlinkClick r:id="rId3"/>
+            <a:pPr algn="ctr"/>
+            <a:r>
+              <a:rPr lang="en-US" altLang="ja-JP" dirty="0">
+                <a:solidFill>
+                  <a:schemeClr val="bg1"/>
+                </a:solidFill>
+                <a:latin typeface="Helvetica" pitchFamily="2" charset="0"/>
               </a:rPr>
-              <a:t>https://twitter.com/</a:t>
-            </a:r>
-            <a:r>
-              <a:rPr kumimoji="1" lang="en-US" altLang="ja-JP" sz="1200" dirty="0" err="1">
-                <a:hlinkClick r:id="rId3"/>
-              </a:rPr>
-              <a:t>armaniferrante</a:t>
-            </a:r>
-            <a:r>
-              <a:rPr kumimoji="1" lang="en-US" altLang="ja-JP" sz="1200" dirty="0">
-                <a:hlinkClick r:id="rId3"/>
-              </a:rPr>
-              <a:t>/status/1644755048436736001</a:t>
-            </a:r>
-            <a:endParaRPr kumimoji="1" lang="ja-JP" altLang="en-US" sz="1200" dirty="0"/>
-          </a:p>
-        </p:txBody>
-      </p:sp>
-      <p:sp>
-        <p:nvSpPr>
-          <p:cNvPr id="9" name="テキスト ボックス 8">
-            <a:extLst>
-              <a:ext uri="{FF2B5EF4-FFF2-40B4-BE49-F238E27FC236}">
-                <a16:creationId xmlns:a16="http://schemas.microsoft.com/office/drawing/2014/main" id="{09BE8E27-07D8-E689-C904-D49F5FDC32CF}"/>
-              </a:ext>
-            </a:extLst>
-          </p:cNvPr>
-          <p:cNvSpPr txBox="1"/>
-          <p:nvPr/>
-        </p:nvSpPr>
-        <p:spPr>
-          <a:xfrm>
-            <a:off x="10729139" y="9225"/>
-            <a:ext cx="1443600" cy="315912"/>
-          </a:xfrm>
-          <a:prstGeom prst="rect">
-            <a:avLst/>
-          </a:prstGeom>
-          <a:noFill/>
-        </p:spPr>
-        <p:txBody>
-          <a:bodyPr wrap="square" rtlCol="0">
-            <a:noAutofit/>
-          </a:bodyPr>
-          <a:lstStyle/>
-          <a:p>
-            <a:pPr algn="r"/>
-            <a:r>
-              <a:rPr kumimoji="1" lang="en-US" altLang="ja-JP" sz="1200" dirty="0"/>
-              <a:t>JST May 21 2023</a:t>
-            </a:r>
-            <a:endParaRPr kumimoji="1" lang="ja-JP" altLang="en-US" sz="1200" dirty="0"/>
+              <a:t>Mad Mints</a:t>
+            </a:r>
+            <a:endParaRPr kumimoji="1" lang="ja-JP" altLang="en-US">
+              <a:solidFill>
+                <a:schemeClr val="bg1"/>
+              </a:solidFill>
+              <a:latin typeface="Helvetica" pitchFamily="2" charset="0"/>
+            </a:endParaRPr>
           </a:p>
         </p:txBody>
       </p:sp>
     </p:spTree>
     <p:extLst>
       <p:ext uri="{BB962C8B-B14F-4D97-AF65-F5344CB8AC3E}">
-        <p14:creationId xmlns:p14="http://schemas.microsoft.com/office/powerpoint/2010/main" val="1192444391"/>
+        <p14:creationId xmlns:p14="http://schemas.microsoft.com/office/powerpoint/2010/main" val="2308559537"/>
       </p:ext>
     </p:extLst>
   </p:cSld>
@@ -4319,7 +4172,7 @@
           <p:cNvPr id="2" name="タイトル 1">
             <a:extLst>
               <a:ext uri="{FF2B5EF4-FFF2-40B4-BE49-F238E27FC236}">
-                <a16:creationId xmlns:a16="http://schemas.microsoft.com/office/drawing/2014/main" id="{6D9200B6-57B7-D6C9-43CD-F6B84A853687}"/>
+                <a16:creationId xmlns:a16="http://schemas.microsoft.com/office/drawing/2014/main" id="{24570A8D-626E-D06D-0460-7FD0EA99F4D2}"/>
               </a:ext>
             </a:extLst>
           </p:cNvPr>
@@ -4337,45 +4190,9 @@
           <a:p>
             <a:r>
               <a:rPr kumimoji="1" lang="en-US" altLang="ja-JP" dirty="0"/>
-              <a:t>Mad Mints Logo</a:t>
-            </a:r>
-            <a:r>
-              <a:rPr lang="en-US" altLang="ja-JP" dirty="0"/>
-              <a:t> (Unofficial, Fan art)</a:t>
+              <a:t>Difference Between Mad Mints and Standard Transaction (Transfer SOL Instruction)</a:t>
             </a:r>
             <a:endParaRPr kumimoji="1" lang="ja-JP" altLang="en-US"/>
-          </a:p>
-        </p:txBody>
-      </p:sp>
-      <p:sp>
-        <p:nvSpPr>
-          <p:cNvPr id="3" name="コンテンツ プレースホルダー 2">
-            <a:extLst>
-              <a:ext uri="{FF2B5EF4-FFF2-40B4-BE49-F238E27FC236}">
-                <a16:creationId xmlns:a16="http://schemas.microsoft.com/office/drawing/2014/main" id="{09E3A998-253E-71DF-C0B6-2526B366D6FC}"/>
-              </a:ext>
-            </a:extLst>
-          </p:cNvPr>
-          <p:cNvSpPr>
-            <a:spLocks noGrp="1"/>
-          </p:cNvSpPr>
-          <p:nvPr>
-            <p:ph idx="1"/>
-          </p:nvPr>
-        </p:nvSpPr>
-        <p:spPr/>
-        <p:txBody>
-          <a:bodyPr/>
-          <a:lstStyle/>
-          <a:p>
-            <a:pPr algn="l"/>
-            <a:r>
-              <a:rPr lang="en-US" altLang="ja-JP" b="0" i="0" dirty="0">
-                <a:effectLst/>
-                <a:latin typeface="Söhne"/>
-              </a:rPr>
-              <a:t>I expect discussions like, "Hey, should we use Mad Mints or Standard for our Minting System?" within your team.</a:t>
-            </a:r>
           </a:p>
         </p:txBody>
       </p:sp>
@@ -4384,7 +4201,7 @@
           <p:cNvPr id="4" name="フッター プレースホルダー 3">
             <a:extLst>
               <a:ext uri="{FF2B5EF4-FFF2-40B4-BE49-F238E27FC236}">
-                <a16:creationId xmlns:a16="http://schemas.microsoft.com/office/drawing/2014/main" id="{D762F443-1AC7-ADE1-608D-4201875555CB}"/>
+                <a16:creationId xmlns:a16="http://schemas.microsoft.com/office/drawing/2014/main" id="{6D2D4002-D93F-A5EC-6C70-2BF760C20BAD}"/>
               </a:ext>
             </a:extLst>
           </p:cNvPr>
@@ -4413,7 +4230,7 @@
           <p:cNvPr id="5" name="スライド番号プレースホルダー 4">
             <a:extLst>
               <a:ext uri="{FF2B5EF4-FFF2-40B4-BE49-F238E27FC236}">
-                <a16:creationId xmlns:a16="http://schemas.microsoft.com/office/drawing/2014/main" id="{E2E82D06-14F3-2C06-CB3D-91E55B1F72CA}"/>
+                <a16:creationId xmlns:a16="http://schemas.microsoft.com/office/drawing/2014/main" id="{A8B6C1D9-7A73-C437-BAD4-0FE3C4AEF15F}"/>
               </a:ext>
             </a:extLst>
           </p:cNvPr>
@@ -4440,10 +4257,1938 @@
       </p:sp>
       <p:pic>
         <p:nvPicPr>
-          <p:cNvPr id="11" name="図 10">
+          <p:cNvPr id="12" name="図 11">
             <a:extLst>
               <a:ext uri="{FF2B5EF4-FFF2-40B4-BE49-F238E27FC236}">
-                <a16:creationId xmlns:a16="http://schemas.microsoft.com/office/drawing/2014/main" id="{F8FB26DC-9CB0-6E24-F130-11E62779BE71}"/>
+                <a16:creationId xmlns:a16="http://schemas.microsoft.com/office/drawing/2014/main" id="{4EDCED4E-8958-C696-F69E-5E6FB62D5490}"/>
+              </a:ext>
+            </a:extLst>
+          </p:cNvPr>
+          <p:cNvPicPr>
+            <a:picLocks noChangeAspect="1"/>
+          </p:cNvPicPr>
+          <p:nvPr/>
+        </p:nvPicPr>
+        <p:blipFill>
+          <a:blip r:embed="rId2" cstate="screen">
+            <a:extLst>
+              <a:ext uri="{28A0092B-C50C-407E-A947-70E740481C1C}">
+                <a14:useLocalDpi xmlns:a14="http://schemas.microsoft.com/office/drawing/2010/main"/>
+              </a:ext>
+            </a:extLst>
+          </a:blip>
+          <a:stretch>
+            <a:fillRect/>
+          </a:stretch>
+        </p:blipFill>
+        <p:spPr>
+          <a:xfrm>
+            <a:off x="1855470" y="1317248"/>
+            <a:ext cx="4099560" cy="5084186"/>
+          </a:xfrm>
+          <a:prstGeom prst="rect">
+            <a:avLst/>
+          </a:prstGeom>
+        </p:spPr>
+      </p:pic>
+      <p:sp>
+        <p:nvSpPr>
+          <p:cNvPr id="13" name="正方形/長方形 12">
+            <a:extLst>
+              <a:ext uri="{FF2B5EF4-FFF2-40B4-BE49-F238E27FC236}">
+                <a16:creationId xmlns:a16="http://schemas.microsoft.com/office/drawing/2014/main" id="{F43EC747-D897-6231-D4AC-A139B16CEF29}"/>
+              </a:ext>
+            </a:extLst>
+          </p:cNvPr>
+          <p:cNvSpPr/>
+          <p:nvPr/>
+        </p:nvSpPr>
+        <p:spPr>
+          <a:xfrm>
+            <a:off x="1853564" y="899605"/>
+            <a:ext cx="4099561" cy="315913"/>
+          </a:xfrm>
+          <a:prstGeom prst="rect">
+            <a:avLst/>
+          </a:prstGeom>
+          <a:solidFill>
+            <a:schemeClr val="tx1"/>
+          </a:solidFill>
+          <a:ln>
+            <a:solidFill>
+              <a:schemeClr val="tx1"/>
+            </a:solidFill>
+          </a:ln>
+        </p:spPr>
+        <p:style>
+          <a:lnRef idx="2">
+            <a:schemeClr val="accent1">
+              <a:shade val="50000"/>
+            </a:schemeClr>
+          </a:lnRef>
+          <a:fillRef idx="1">
+            <a:schemeClr val="accent1"/>
+          </a:fillRef>
+          <a:effectRef idx="0">
+            <a:schemeClr val="accent1"/>
+          </a:effectRef>
+          <a:fontRef idx="minor">
+            <a:schemeClr val="lt1"/>
+          </a:fontRef>
+        </p:style>
+        <p:txBody>
+          <a:bodyPr rtlCol="0" anchor="ctr"/>
+          <a:lstStyle/>
+          <a:p>
+            <a:pPr algn="ctr"/>
+            <a:r>
+              <a:rPr kumimoji="1" lang="en-US" altLang="ja-JP" sz="1600" dirty="0">
+                <a:solidFill>
+                  <a:schemeClr val="bg1"/>
+                </a:solidFill>
+              </a:rPr>
+              <a:t>Mad Mints</a:t>
+            </a:r>
+            <a:endParaRPr kumimoji="1" lang="ja-JP" altLang="en-US" sz="1600">
+              <a:solidFill>
+                <a:schemeClr val="bg1"/>
+              </a:solidFill>
+            </a:endParaRPr>
+          </a:p>
+        </p:txBody>
+      </p:sp>
+      <p:pic>
+        <p:nvPicPr>
+          <p:cNvPr id="14" name="図 13">
+            <a:extLst>
+              <a:ext uri="{FF2B5EF4-FFF2-40B4-BE49-F238E27FC236}">
+                <a16:creationId xmlns:a16="http://schemas.microsoft.com/office/drawing/2014/main" id="{E3D2318F-55EF-CCAA-5608-4FD0267F901B}"/>
+              </a:ext>
+            </a:extLst>
+          </p:cNvPr>
+          <p:cNvPicPr>
+            <a:picLocks noChangeAspect="1"/>
+          </p:cNvPicPr>
+          <p:nvPr/>
+        </p:nvPicPr>
+        <p:blipFill>
+          <a:blip r:embed="rId3" cstate="screen">
+            <a:extLst>
+              <a:ext uri="{28A0092B-C50C-407E-A947-70E740481C1C}">
+                <a14:useLocalDpi xmlns:a14="http://schemas.microsoft.com/office/drawing/2010/main"/>
+              </a:ext>
+            </a:extLst>
+          </a:blip>
+          <a:stretch>
+            <a:fillRect/>
+          </a:stretch>
+        </p:blipFill>
+        <p:spPr>
+          <a:xfrm>
+            <a:off x="6267450" y="1317248"/>
+            <a:ext cx="4099560" cy="3281109"/>
+          </a:xfrm>
+          <a:prstGeom prst="rect">
+            <a:avLst/>
+          </a:prstGeom>
+        </p:spPr>
+      </p:pic>
+      <p:sp>
+        <p:nvSpPr>
+          <p:cNvPr id="15" name="正方形/長方形 14">
+            <a:extLst>
+              <a:ext uri="{FF2B5EF4-FFF2-40B4-BE49-F238E27FC236}">
+                <a16:creationId xmlns:a16="http://schemas.microsoft.com/office/drawing/2014/main" id="{D004AD15-32C6-440B-9C03-277231F66B0C}"/>
+              </a:ext>
+            </a:extLst>
+          </p:cNvPr>
+          <p:cNvSpPr/>
+          <p:nvPr/>
+        </p:nvSpPr>
+        <p:spPr>
+          <a:xfrm>
+            <a:off x="6267450" y="899605"/>
+            <a:ext cx="4099561" cy="315913"/>
+          </a:xfrm>
+          <a:prstGeom prst="rect">
+            <a:avLst/>
+          </a:prstGeom>
+          <a:solidFill>
+            <a:schemeClr val="tx1"/>
+          </a:solidFill>
+          <a:ln>
+            <a:solidFill>
+              <a:schemeClr val="tx1"/>
+            </a:solidFill>
+          </a:ln>
+        </p:spPr>
+        <p:style>
+          <a:lnRef idx="2">
+            <a:schemeClr val="accent1">
+              <a:shade val="50000"/>
+            </a:schemeClr>
+          </a:lnRef>
+          <a:fillRef idx="1">
+            <a:schemeClr val="accent1"/>
+          </a:fillRef>
+          <a:effectRef idx="0">
+            <a:schemeClr val="accent1"/>
+          </a:effectRef>
+          <a:fontRef idx="minor">
+            <a:schemeClr val="lt1"/>
+          </a:fontRef>
+        </p:style>
+        <p:txBody>
+          <a:bodyPr rtlCol="0" anchor="ctr"/>
+          <a:lstStyle/>
+          <a:p>
+            <a:pPr algn="ctr"/>
+            <a:r>
+              <a:rPr kumimoji="1" lang="en-US" altLang="ja-JP" sz="1600" dirty="0">
+                <a:solidFill>
+                  <a:schemeClr val="bg1"/>
+                </a:solidFill>
+              </a:rPr>
+              <a:t>Standard</a:t>
+            </a:r>
+            <a:endParaRPr kumimoji="1" lang="ja-JP" altLang="en-US" sz="1600">
+              <a:solidFill>
+                <a:schemeClr val="bg1"/>
+              </a:solidFill>
+            </a:endParaRPr>
+          </a:p>
+        </p:txBody>
+      </p:sp>
+      <p:sp>
+        <p:nvSpPr>
+          <p:cNvPr id="16" name="テキスト ボックス 15">
+            <a:extLst>
+              <a:ext uri="{FF2B5EF4-FFF2-40B4-BE49-F238E27FC236}">
+                <a16:creationId xmlns:a16="http://schemas.microsoft.com/office/drawing/2014/main" id="{A7E18292-02C4-D8FA-7A5E-7FC428F9D62B}"/>
+              </a:ext>
+            </a:extLst>
+          </p:cNvPr>
+          <p:cNvSpPr txBox="1"/>
+          <p:nvPr/>
+        </p:nvSpPr>
+        <p:spPr>
+          <a:xfrm>
+            <a:off x="413384" y="3501496"/>
+            <a:ext cx="1520190" cy="315912"/>
+          </a:xfrm>
+          <a:prstGeom prst="rect">
+            <a:avLst/>
+          </a:prstGeom>
+          <a:noFill/>
+        </p:spPr>
+        <p:txBody>
+          <a:bodyPr wrap="square" rtlCol="0">
+            <a:noAutofit/>
+          </a:bodyPr>
+          <a:lstStyle/>
+          <a:p>
+            <a:pPr algn="ctr"/>
+            <a:r>
+              <a:rPr kumimoji="1" lang="en-US" altLang="ja-JP" sz="1200" dirty="0"/>
+              <a:t>Use Nonce here -&gt;</a:t>
+            </a:r>
+            <a:endParaRPr kumimoji="1" lang="ja-JP" altLang="en-US" sz="1200" dirty="0"/>
+          </a:p>
+        </p:txBody>
+      </p:sp>
+      <p:sp>
+        <p:nvSpPr>
+          <p:cNvPr id="3" name="テキスト ボックス 2">
+            <a:extLst>
+              <a:ext uri="{FF2B5EF4-FFF2-40B4-BE49-F238E27FC236}">
+                <a16:creationId xmlns:a16="http://schemas.microsoft.com/office/drawing/2014/main" id="{4944A684-37A7-6749-B69A-FAEAA86AA6AF}"/>
+              </a:ext>
+            </a:extLst>
+          </p:cNvPr>
+          <p:cNvSpPr txBox="1"/>
+          <p:nvPr/>
+        </p:nvSpPr>
+        <p:spPr>
+          <a:xfrm>
+            <a:off x="10729139" y="9225"/>
+            <a:ext cx="1443600" cy="315912"/>
+          </a:xfrm>
+          <a:prstGeom prst="rect">
+            <a:avLst/>
+          </a:prstGeom>
+          <a:noFill/>
+        </p:spPr>
+        <p:txBody>
+          <a:bodyPr wrap="square" rtlCol="0">
+            <a:noAutofit/>
+          </a:bodyPr>
+          <a:lstStyle/>
+          <a:p>
+            <a:pPr algn="r"/>
+            <a:r>
+              <a:rPr kumimoji="1" lang="en-US" altLang="ja-JP" sz="1200" dirty="0"/>
+              <a:t>JST May 21 2023</a:t>
+            </a:r>
+            <a:endParaRPr kumimoji="1" lang="ja-JP" altLang="en-US" sz="1200" dirty="0"/>
+          </a:p>
+        </p:txBody>
+      </p:sp>
+    </p:spTree>
+    <p:extLst>
+      <p:ext uri="{BB962C8B-B14F-4D97-AF65-F5344CB8AC3E}">
+        <p14:creationId xmlns:p14="http://schemas.microsoft.com/office/powerpoint/2010/main" val="642563756"/>
+      </p:ext>
+    </p:extLst>
+  </p:cSld>
+  <p:clrMapOvr>
+    <a:masterClrMapping/>
+  </p:clrMapOvr>
+</p:sld>
+</file>
+
+<file path=ppt/slides/slide11.xml><?xml version="1.0" encoding="utf-8"?>
+<p:sld xmlns:a="http://schemas.openxmlformats.org/drawingml/2006/main" xmlns:r="http://schemas.openxmlformats.org/officeDocument/2006/relationships" xmlns:p="http://schemas.openxmlformats.org/presentationml/2006/main">
+  <p:cSld>
+    <p:spTree>
+      <p:nvGrpSpPr>
+        <p:cNvPr id="1" name=""/>
+        <p:cNvGrpSpPr/>
+        <p:nvPr/>
+      </p:nvGrpSpPr>
+      <p:grpSpPr>
+        <a:xfrm>
+          <a:off x="0" y="0"/>
+          <a:ext cx="0" cy="0"/>
+          <a:chOff x="0" y="0"/>
+          <a:chExt cx="0" cy="0"/>
+        </a:xfrm>
+      </p:grpSpPr>
+      <p:sp>
+        <p:nvSpPr>
+          <p:cNvPr id="2" name="タイトル 1">
+            <a:extLst>
+              <a:ext uri="{FF2B5EF4-FFF2-40B4-BE49-F238E27FC236}">
+                <a16:creationId xmlns:a16="http://schemas.microsoft.com/office/drawing/2014/main" id="{90FD3E59-428E-D6B2-B3C5-F6F7B480123B}"/>
+              </a:ext>
+            </a:extLst>
+          </p:cNvPr>
+          <p:cNvSpPr>
+            <a:spLocks noGrp="1"/>
+          </p:cNvSpPr>
+          <p:nvPr>
+            <p:ph type="title"/>
+          </p:nvPr>
+        </p:nvSpPr>
+        <p:spPr/>
+        <p:txBody>
+          <a:bodyPr/>
+          <a:lstStyle/>
+          <a:p>
+            <a:r>
+              <a:rPr kumimoji="1" lang="en-US" altLang="ja-JP" dirty="0"/>
+              <a:t>Example Codes</a:t>
+            </a:r>
+            <a:endParaRPr kumimoji="1" lang="ja-JP" altLang="en-US"/>
+          </a:p>
+        </p:txBody>
+      </p:sp>
+      <p:sp>
+        <p:nvSpPr>
+          <p:cNvPr id="4" name="フッター プレースホルダー 3">
+            <a:extLst>
+              <a:ext uri="{FF2B5EF4-FFF2-40B4-BE49-F238E27FC236}">
+                <a16:creationId xmlns:a16="http://schemas.microsoft.com/office/drawing/2014/main" id="{84F8FC5D-67C5-EB08-DA8F-DC43154573F5}"/>
+              </a:ext>
+            </a:extLst>
+          </p:cNvPr>
+          <p:cNvSpPr>
+            <a:spLocks noGrp="1"/>
+          </p:cNvSpPr>
+          <p:nvPr>
+            <p:ph type="ftr" sz="quarter" idx="11"/>
+          </p:nvPr>
+        </p:nvSpPr>
+        <p:spPr/>
+        <p:txBody>
+          <a:bodyPr/>
+          <a:lstStyle/>
+          <a:p>
+            <a:r>
+              <a:rPr kumimoji="1" lang="en-US" altLang="ja-JP"/>
+              <a:t>256hax</a:t>
+            </a:r>
+            <a:endParaRPr kumimoji="1" lang="ja-JP" altLang="en-US"/>
+          </a:p>
+        </p:txBody>
+      </p:sp>
+      <p:sp>
+        <p:nvSpPr>
+          <p:cNvPr id="5" name="スライド番号プレースホルダー 4">
+            <a:extLst>
+              <a:ext uri="{FF2B5EF4-FFF2-40B4-BE49-F238E27FC236}">
+                <a16:creationId xmlns:a16="http://schemas.microsoft.com/office/drawing/2014/main" id="{9810586D-71D7-C56A-D81E-323600AAE558}"/>
+              </a:ext>
+            </a:extLst>
+          </p:cNvPr>
+          <p:cNvSpPr>
+            <a:spLocks noGrp="1"/>
+          </p:cNvSpPr>
+          <p:nvPr>
+            <p:ph type="sldNum" sz="quarter" idx="12"/>
+          </p:nvPr>
+        </p:nvSpPr>
+        <p:spPr/>
+        <p:txBody>
+          <a:bodyPr/>
+          <a:lstStyle/>
+          <a:p>
+            <a:fld id="{51BE5F08-58E8-9243-A834-2B76637F595D}" type="slidenum">
+              <a:rPr kumimoji="1" lang="ja-JP" altLang="en-US" smtClean="0"/>
+              <a:pPr/>
+              <a:t>10</a:t>
+            </a:fld>
+            <a:endParaRPr kumimoji="1" lang="ja-JP" altLang="en-US"/>
+          </a:p>
+        </p:txBody>
+      </p:sp>
+      <p:sp>
+        <p:nvSpPr>
+          <p:cNvPr id="8" name="テキスト ボックス 7">
+            <a:extLst>
+              <a:ext uri="{FF2B5EF4-FFF2-40B4-BE49-F238E27FC236}">
+                <a16:creationId xmlns:a16="http://schemas.microsoft.com/office/drawing/2014/main" id="{F6E10048-C70B-798B-1A63-B0DE8166ED8A}"/>
+              </a:ext>
+            </a:extLst>
+          </p:cNvPr>
+          <p:cNvSpPr txBox="1"/>
+          <p:nvPr/>
+        </p:nvSpPr>
+        <p:spPr>
+          <a:xfrm>
+            <a:off x="838200" y="1853765"/>
+            <a:ext cx="10515600" cy="1118035"/>
+          </a:xfrm>
+          <a:prstGeom prst="rect">
+            <a:avLst/>
+          </a:prstGeom>
+          <a:noFill/>
+        </p:spPr>
+        <p:txBody>
+          <a:bodyPr wrap="square" rtlCol="0">
+            <a:noAutofit/>
+          </a:bodyPr>
+          <a:lstStyle/>
+          <a:p>
+            <a:pPr algn="ctr"/>
+            <a:r>
+              <a:rPr kumimoji="1" lang="en-US" altLang="ja-JP" sz="2000" dirty="0">
+                <a:hlinkClick r:id="rId2"/>
+              </a:rPr>
+              <a:t>https://github.com/256hax/mad-mints</a:t>
+            </a:r>
+            <a:endParaRPr kumimoji="1" lang="en-US" altLang="ja-JP" sz="2000" dirty="0"/>
+          </a:p>
+          <a:p>
+            <a:pPr algn="ctr"/>
+            <a:endParaRPr kumimoji="1" lang="en-US" altLang="ja-JP" sz="2000" dirty="0"/>
+          </a:p>
+          <a:p>
+            <a:pPr algn="ctr"/>
+            <a:r>
+              <a:rPr kumimoji="1" lang="en-US" altLang="ja-JP" sz="2000" dirty="0"/>
+              <a:t>Experiment purpose only.</a:t>
+            </a:r>
+            <a:endParaRPr kumimoji="1" lang="ja-JP" altLang="en-US" sz="2000" dirty="0"/>
+          </a:p>
+        </p:txBody>
+      </p:sp>
+      <p:pic>
+        <p:nvPicPr>
+          <p:cNvPr id="12" name="図 11">
+            <a:extLst>
+              <a:ext uri="{FF2B5EF4-FFF2-40B4-BE49-F238E27FC236}">
+                <a16:creationId xmlns:a16="http://schemas.microsoft.com/office/drawing/2014/main" id="{30DEEAB5-885C-A99D-ADA6-A773ECBE110B}"/>
+              </a:ext>
+            </a:extLst>
+          </p:cNvPr>
+          <p:cNvPicPr>
+            <a:picLocks noChangeAspect="1"/>
+          </p:cNvPicPr>
+          <p:nvPr/>
+        </p:nvPicPr>
+        <p:blipFill>
+          <a:blip r:embed="rId3"/>
+          <a:stretch>
+            <a:fillRect/>
+          </a:stretch>
+        </p:blipFill>
+        <p:spPr>
+          <a:xfrm>
+            <a:off x="4667250" y="2971800"/>
+            <a:ext cx="2857500" cy="2857500"/>
+          </a:xfrm>
+          <a:prstGeom prst="rect">
+            <a:avLst/>
+          </a:prstGeom>
+        </p:spPr>
+      </p:pic>
+      <p:sp>
+        <p:nvSpPr>
+          <p:cNvPr id="3" name="テキスト ボックス 2">
+            <a:extLst>
+              <a:ext uri="{FF2B5EF4-FFF2-40B4-BE49-F238E27FC236}">
+                <a16:creationId xmlns:a16="http://schemas.microsoft.com/office/drawing/2014/main" id="{AE19384B-A3A9-6882-17B9-02D91620C991}"/>
+              </a:ext>
+            </a:extLst>
+          </p:cNvPr>
+          <p:cNvSpPr txBox="1"/>
+          <p:nvPr/>
+        </p:nvSpPr>
+        <p:spPr>
+          <a:xfrm>
+            <a:off x="10729139" y="9225"/>
+            <a:ext cx="1443600" cy="315912"/>
+          </a:xfrm>
+          <a:prstGeom prst="rect">
+            <a:avLst/>
+          </a:prstGeom>
+          <a:noFill/>
+        </p:spPr>
+        <p:txBody>
+          <a:bodyPr wrap="square" rtlCol="0">
+            <a:noAutofit/>
+          </a:bodyPr>
+          <a:lstStyle/>
+          <a:p>
+            <a:pPr algn="r"/>
+            <a:r>
+              <a:rPr kumimoji="1" lang="en-US" altLang="ja-JP" sz="1200" dirty="0"/>
+              <a:t>JST May 21 2023</a:t>
+            </a:r>
+            <a:endParaRPr kumimoji="1" lang="ja-JP" altLang="en-US" sz="1200" dirty="0"/>
+          </a:p>
+        </p:txBody>
+      </p:sp>
+    </p:spTree>
+    <p:extLst>
+      <p:ext uri="{BB962C8B-B14F-4D97-AF65-F5344CB8AC3E}">
+        <p14:creationId xmlns:p14="http://schemas.microsoft.com/office/powerpoint/2010/main" val="3259309326"/>
+      </p:ext>
+    </p:extLst>
+  </p:cSld>
+  <p:clrMapOvr>
+    <a:masterClrMapping/>
+  </p:clrMapOvr>
+</p:sld>
+</file>
+
+<file path=ppt/slides/slide12.xml><?xml version="1.0" encoding="utf-8"?>
+<p:sld xmlns:a="http://schemas.openxmlformats.org/drawingml/2006/main" xmlns:r="http://schemas.openxmlformats.org/officeDocument/2006/relationships" xmlns:p="http://schemas.openxmlformats.org/presentationml/2006/main">
+  <p:cSld>
+    <p:spTree>
+      <p:nvGrpSpPr>
+        <p:cNvPr id="1" name=""/>
+        <p:cNvGrpSpPr/>
+        <p:nvPr/>
+      </p:nvGrpSpPr>
+      <p:grpSpPr>
+        <a:xfrm>
+          <a:off x="0" y="0"/>
+          <a:ext cx="0" cy="0"/>
+          <a:chOff x="0" y="0"/>
+          <a:chExt cx="0" cy="0"/>
+        </a:xfrm>
+      </p:grpSpPr>
+      <p:sp>
+        <p:nvSpPr>
+          <p:cNvPr id="2" name="タイトル 1">
+            <a:extLst>
+              <a:ext uri="{FF2B5EF4-FFF2-40B4-BE49-F238E27FC236}">
+                <a16:creationId xmlns:a16="http://schemas.microsoft.com/office/drawing/2014/main" id="{FFB1F630-C2D5-8644-C131-AE8CA2F4ECEF}"/>
+              </a:ext>
+            </a:extLst>
+          </p:cNvPr>
+          <p:cNvSpPr>
+            <a:spLocks noGrp="1"/>
+          </p:cNvSpPr>
+          <p:nvPr>
+            <p:ph type="title"/>
+          </p:nvPr>
+        </p:nvSpPr>
+        <p:spPr/>
+        <p:txBody>
+          <a:bodyPr/>
+          <a:lstStyle/>
+          <a:p>
+            <a:r>
+              <a:rPr kumimoji="1" lang="en-US" altLang="ja-JP" dirty="0"/>
+              <a:t>Directory Structure and Overview of Example Codes</a:t>
+            </a:r>
+            <a:endParaRPr kumimoji="1" lang="ja-JP" altLang="en-US"/>
+          </a:p>
+        </p:txBody>
+      </p:sp>
+      <p:sp>
+        <p:nvSpPr>
+          <p:cNvPr id="4" name="フッター プレースホルダー 3">
+            <a:extLst>
+              <a:ext uri="{FF2B5EF4-FFF2-40B4-BE49-F238E27FC236}">
+                <a16:creationId xmlns:a16="http://schemas.microsoft.com/office/drawing/2014/main" id="{748ABE51-5153-4AC6-DE81-D976DDB96E72}"/>
+              </a:ext>
+            </a:extLst>
+          </p:cNvPr>
+          <p:cNvSpPr>
+            <a:spLocks noGrp="1"/>
+          </p:cNvSpPr>
+          <p:nvPr>
+            <p:ph type="ftr" sz="quarter" idx="11"/>
+          </p:nvPr>
+        </p:nvSpPr>
+        <p:spPr/>
+        <p:txBody>
+          <a:bodyPr/>
+          <a:lstStyle/>
+          <a:p>
+            <a:r>
+              <a:rPr kumimoji="1" lang="en-US" altLang="ja-JP"/>
+              <a:t>256hax</a:t>
+            </a:r>
+            <a:endParaRPr kumimoji="1" lang="ja-JP" altLang="en-US"/>
+          </a:p>
+        </p:txBody>
+      </p:sp>
+      <p:sp>
+        <p:nvSpPr>
+          <p:cNvPr id="5" name="スライド番号プレースホルダー 4">
+            <a:extLst>
+              <a:ext uri="{FF2B5EF4-FFF2-40B4-BE49-F238E27FC236}">
+                <a16:creationId xmlns:a16="http://schemas.microsoft.com/office/drawing/2014/main" id="{EC9BA892-609C-B397-B079-44003EF3B4AD}"/>
+              </a:ext>
+            </a:extLst>
+          </p:cNvPr>
+          <p:cNvSpPr>
+            <a:spLocks noGrp="1"/>
+          </p:cNvSpPr>
+          <p:nvPr>
+            <p:ph type="sldNum" sz="quarter" idx="12"/>
+          </p:nvPr>
+        </p:nvSpPr>
+        <p:spPr/>
+        <p:txBody>
+          <a:bodyPr/>
+          <a:lstStyle/>
+          <a:p>
+            <a:fld id="{51BE5F08-58E8-9243-A834-2B76637F595D}" type="slidenum">
+              <a:rPr kumimoji="1" lang="ja-JP" altLang="en-US" smtClean="0"/>
+              <a:pPr/>
+              <a:t>11</a:t>
+            </a:fld>
+            <a:endParaRPr kumimoji="1" lang="ja-JP" altLang="en-US"/>
+          </a:p>
+        </p:txBody>
+      </p:sp>
+      <p:sp>
+        <p:nvSpPr>
+          <p:cNvPr id="6" name="テキスト ボックス 5">
+            <a:extLst>
+              <a:ext uri="{FF2B5EF4-FFF2-40B4-BE49-F238E27FC236}">
+                <a16:creationId xmlns:a16="http://schemas.microsoft.com/office/drawing/2014/main" id="{39332B05-6D2F-AE48-05A6-FB3210FBFDEA}"/>
+              </a:ext>
+            </a:extLst>
+          </p:cNvPr>
+          <p:cNvSpPr txBox="1"/>
+          <p:nvPr/>
+        </p:nvSpPr>
+        <p:spPr>
+          <a:xfrm>
+            <a:off x="970452" y="1057490"/>
+            <a:ext cx="1189818" cy="1291487"/>
+          </a:xfrm>
+          <a:prstGeom prst="rect">
+            <a:avLst/>
+          </a:prstGeom>
+          <a:noFill/>
+          <a:ln>
+            <a:solidFill>
+              <a:schemeClr val="tx1"/>
+            </a:solidFill>
+          </a:ln>
+        </p:spPr>
+        <p:txBody>
+          <a:bodyPr wrap="square" rtlCol="0" anchor="t">
+            <a:noAutofit/>
+          </a:bodyPr>
+          <a:lstStyle/>
+          <a:p>
+            <a:r>
+              <a:rPr kumimoji="1" lang="en-US" altLang="ja-JP" sz="1200" dirty="0"/>
+              <a:t>mad-mints</a:t>
+            </a:r>
+          </a:p>
+          <a:p>
+            <a:r>
+              <a:rPr kumimoji="1" lang="en-US" altLang="ja-JP" sz="1200" dirty="0"/>
+              <a:t> +--- anchor</a:t>
+            </a:r>
+          </a:p>
+          <a:p>
+            <a:r>
+              <a:rPr kumimoji="1" lang="en-US" altLang="ja-JP" sz="1200" dirty="0"/>
+              <a:t> +--- docs</a:t>
+            </a:r>
+          </a:p>
+          <a:p>
+            <a:r>
+              <a:rPr kumimoji="1" lang="en-US" altLang="ja-JP" sz="1200" dirty="0"/>
+              <a:t> +--- packages</a:t>
+            </a:r>
+          </a:p>
+          <a:p>
+            <a:r>
+              <a:rPr kumimoji="1" lang="en-US" altLang="ja-JP" sz="1200" dirty="0"/>
+              <a:t> +--- queue</a:t>
+            </a:r>
+          </a:p>
+          <a:p>
+            <a:r>
+              <a:rPr kumimoji="1" lang="en-US" altLang="ja-JP" sz="1200" dirty="0"/>
+              <a:t>...</a:t>
+            </a:r>
+            <a:endParaRPr kumimoji="1" lang="ja-JP" altLang="en-US" sz="1200"/>
+          </a:p>
+        </p:txBody>
+      </p:sp>
+      <p:sp>
+        <p:nvSpPr>
+          <p:cNvPr id="7" name="正方形/長方形 6">
+            <a:extLst>
+              <a:ext uri="{FF2B5EF4-FFF2-40B4-BE49-F238E27FC236}">
+                <a16:creationId xmlns:a16="http://schemas.microsoft.com/office/drawing/2014/main" id="{54C5A08C-B662-A236-280E-9A2BCB2470AC}"/>
+              </a:ext>
+            </a:extLst>
+          </p:cNvPr>
+          <p:cNvSpPr/>
+          <p:nvPr/>
+        </p:nvSpPr>
+        <p:spPr>
+          <a:xfrm>
+            <a:off x="2880360" y="3659880"/>
+            <a:ext cx="3954780" cy="2244408"/>
+          </a:xfrm>
+          <a:prstGeom prst="rect">
+            <a:avLst/>
+          </a:prstGeom>
+          <a:noFill/>
+          <a:ln>
+            <a:solidFill>
+              <a:schemeClr val="tx1"/>
+            </a:solidFill>
+          </a:ln>
+        </p:spPr>
+        <p:style>
+          <a:lnRef idx="2">
+            <a:schemeClr val="accent1">
+              <a:shade val="50000"/>
+            </a:schemeClr>
+          </a:lnRef>
+          <a:fillRef idx="1">
+            <a:schemeClr val="accent1"/>
+          </a:fillRef>
+          <a:effectRef idx="0">
+            <a:schemeClr val="accent1"/>
+          </a:effectRef>
+          <a:fontRef idx="minor">
+            <a:schemeClr val="lt1"/>
+          </a:fontRef>
+        </p:style>
+        <p:txBody>
+          <a:bodyPr rtlCol="0" anchor="t"/>
+          <a:lstStyle/>
+          <a:p>
+            <a:pPr algn="ctr"/>
+            <a:r>
+              <a:rPr kumimoji="1" lang="en-US" altLang="ja-JP" sz="1600" dirty="0">
+                <a:solidFill>
+                  <a:schemeClr val="tx1"/>
+                </a:solidFill>
+              </a:rPr>
+              <a:t>anchor</a:t>
+            </a:r>
+          </a:p>
+          <a:p>
+            <a:pPr algn="ctr"/>
+            <a:r>
+              <a:rPr kumimoji="1" lang="en-US" altLang="ja-JP" sz="1600" dirty="0">
+                <a:solidFill>
+                  <a:schemeClr val="tx1"/>
+                </a:solidFill>
+              </a:rPr>
+              <a:t>(example codes and validator)</a:t>
+            </a:r>
+            <a:endParaRPr kumimoji="1" lang="ja-JP" altLang="en-US" sz="1600">
+              <a:solidFill>
+                <a:schemeClr val="tx1"/>
+              </a:solidFill>
+            </a:endParaRPr>
+          </a:p>
+        </p:txBody>
+      </p:sp>
+      <p:sp>
+        <p:nvSpPr>
+          <p:cNvPr id="8" name="正方形/長方形 7">
+            <a:extLst>
+              <a:ext uri="{FF2B5EF4-FFF2-40B4-BE49-F238E27FC236}">
+                <a16:creationId xmlns:a16="http://schemas.microsoft.com/office/drawing/2014/main" id="{37D7FBF9-23B0-2F7B-0FB4-70152018B19C}"/>
+              </a:ext>
+            </a:extLst>
+          </p:cNvPr>
+          <p:cNvSpPr/>
+          <p:nvPr/>
+        </p:nvSpPr>
+        <p:spPr>
+          <a:xfrm>
+            <a:off x="2880360" y="1057490"/>
+            <a:ext cx="8138160" cy="2244408"/>
+          </a:xfrm>
+          <a:prstGeom prst="rect">
+            <a:avLst/>
+          </a:prstGeom>
+          <a:noFill/>
+          <a:ln>
+            <a:solidFill>
+              <a:schemeClr val="tx1"/>
+            </a:solidFill>
+          </a:ln>
+        </p:spPr>
+        <p:style>
+          <a:lnRef idx="2">
+            <a:schemeClr val="accent1">
+              <a:shade val="50000"/>
+            </a:schemeClr>
+          </a:lnRef>
+          <a:fillRef idx="1">
+            <a:schemeClr val="accent1"/>
+          </a:fillRef>
+          <a:effectRef idx="0">
+            <a:schemeClr val="accent1"/>
+          </a:effectRef>
+          <a:fontRef idx="minor">
+            <a:schemeClr val="lt1"/>
+          </a:fontRef>
+        </p:style>
+        <p:txBody>
+          <a:bodyPr rtlCol="0" anchor="t"/>
+          <a:lstStyle/>
+          <a:p>
+            <a:pPr algn="ctr"/>
+            <a:r>
+              <a:rPr kumimoji="1" lang="en-US" altLang="ja-JP" sz="1600" dirty="0">
+                <a:solidFill>
+                  <a:schemeClr val="tx1"/>
+                </a:solidFill>
+              </a:rPr>
+              <a:t>packages</a:t>
+            </a:r>
+          </a:p>
+          <a:p>
+            <a:pPr algn="ctr"/>
+            <a:r>
+              <a:rPr kumimoji="1" lang="en-US" altLang="ja-JP" sz="1600" dirty="0">
+                <a:solidFill>
+                  <a:schemeClr val="tx1"/>
+                </a:solidFill>
+              </a:rPr>
+              <a:t>(private packages for utility)</a:t>
+            </a:r>
+            <a:endParaRPr kumimoji="1" lang="ja-JP" altLang="en-US" sz="1600">
+              <a:solidFill>
+                <a:schemeClr val="tx1"/>
+              </a:solidFill>
+            </a:endParaRPr>
+          </a:p>
+        </p:txBody>
+      </p:sp>
+      <p:sp>
+        <p:nvSpPr>
+          <p:cNvPr id="9" name="正方形/長方形 8">
+            <a:extLst>
+              <a:ext uri="{FF2B5EF4-FFF2-40B4-BE49-F238E27FC236}">
+                <a16:creationId xmlns:a16="http://schemas.microsoft.com/office/drawing/2014/main" id="{93CF632B-95CF-9300-DFCF-0D9B6C802189}"/>
+              </a:ext>
+            </a:extLst>
+          </p:cNvPr>
+          <p:cNvSpPr/>
+          <p:nvPr/>
+        </p:nvSpPr>
+        <p:spPr>
+          <a:xfrm>
+            <a:off x="7063740" y="3659880"/>
+            <a:ext cx="3954780" cy="2244408"/>
+          </a:xfrm>
+          <a:prstGeom prst="rect">
+            <a:avLst/>
+          </a:prstGeom>
+          <a:noFill/>
+          <a:ln>
+            <a:solidFill>
+              <a:schemeClr val="tx1"/>
+            </a:solidFill>
+          </a:ln>
+        </p:spPr>
+        <p:style>
+          <a:lnRef idx="2">
+            <a:schemeClr val="accent1">
+              <a:shade val="50000"/>
+            </a:schemeClr>
+          </a:lnRef>
+          <a:fillRef idx="1">
+            <a:schemeClr val="accent1"/>
+          </a:fillRef>
+          <a:effectRef idx="0">
+            <a:schemeClr val="accent1"/>
+          </a:effectRef>
+          <a:fontRef idx="minor">
+            <a:schemeClr val="lt1"/>
+          </a:fontRef>
+        </p:style>
+        <p:txBody>
+          <a:bodyPr rtlCol="0" anchor="t"/>
+          <a:lstStyle/>
+          <a:p>
+            <a:pPr algn="ctr"/>
+            <a:r>
+              <a:rPr kumimoji="1" lang="en-US" altLang="ja-JP" sz="1600" dirty="0">
+                <a:solidFill>
+                  <a:schemeClr val="tx1"/>
+                </a:solidFill>
+              </a:rPr>
+              <a:t>queue</a:t>
+            </a:r>
+          </a:p>
+          <a:p>
+            <a:pPr algn="ctr"/>
+            <a:r>
+              <a:rPr kumimoji="1" lang="en-US" altLang="ja-JP" sz="1600" dirty="0">
+                <a:solidFill>
+                  <a:schemeClr val="tx1"/>
+                </a:solidFill>
+              </a:rPr>
+              <a:t>(queueing example codes)</a:t>
+            </a:r>
+            <a:endParaRPr kumimoji="1" lang="ja-JP" altLang="en-US" sz="1600">
+              <a:solidFill>
+                <a:schemeClr val="tx1"/>
+              </a:solidFill>
+            </a:endParaRPr>
+          </a:p>
+        </p:txBody>
+      </p:sp>
+      <p:sp>
+        <p:nvSpPr>
+          <p:cNvPr id="10" name="メモ 9">
+            <a:extLst>
+              <a:ext uri="{FF2B5EF4-FFF2-40B4-BE49-F238E27FC236}">
+                <a16:creationId xmlns:a16="http://schemas.microsoft.com/office/drawing/2014/main" id="{9C140D36-0076-FCDE-F4FA-328FCA335377}"/>
+              </a:ext>
+            </a:extLst>
+          </p:cNvPr>
+          <p:cNvSpPr/>
+          <p:nvPr/>
+        </p:nvSpPr>
+        <p:spPr>
+          <a:xfrm>
+            <a:off x="6275070" y="1842511"/>
+            <a:ext cx="1348740" cy="1012932"/>
+          </a:xfrm>
+          <a:prstGeom prst="foldedCorner">
+            <a:avLst/>
+          </a:prstGeom>
+          <a:noFill/>
+          <a:ln>
+            <a:solidFill>
+              <a:schemeClr val="tx1"/>
+            </a:solidFill>
+          </a:ln>
+        </p:spPr>
+        <p:style>
+          <a:lnRef idx="2">
+            <a:schemeClr val="accent1">
+              <a:shade val="50000"/>
+            </a:schemeClr>
+          </a:lnRef>
+          <a:fillRef idx="1">
+            <a:schemeClr val="accent1"/>
+          </a:fillRef>
+          <a:effectRef idx="0">
+            <a:schemeClr val="accent1"/>
+          </a:effectRef>
+          <a:fontRef idx="minor">
+            <a:schemeClr val="lt1"/>
+          </a:fontRef>
+        </p:style>
+        <p:txBody>
+          <a:bodyPr rtlCol="0" anchor="ctr"/>
+          <a:lstStyle/>
+          <a:p>
+            <a:pPr algn="ctr"/>
+            <a:r>
+              <a:rPr kumimoji="1" lang="en-US" altLang="ja-JP" sz="1200" dirty="0">
+                <a:solidFill>
+                  <a:schemeClr val="tx1"/>
+                </a:solidFill>
+              </a:rPr>
+              <a:t>common</a:t>
+            </a:r>
+          </a:p>
+          <a:p>
+            <a:pPr algn="ctr"/>
+            <a:r>
+              <a:rPr kumimoji="1" lang="en-US" altLang="ja-JP" sz="1200" dirty="0">
+                <a:solidFill>
+                  <a:schemeClr val="tx1"/>
+                </a:solidFill>
+              </a:rPr>
+              <a:t>script</a:t>
+            </a:r>
+          </a:p>
+          <a:p>
+            <a:pPr algn="ctr"/>
+            <a:r>
+              <a:rPr kumimoji="1" lang="en-US" altLang="ja-JP" sz="1200" dirty="0">
+                <a:solidFill>
+                  <a:schemeClr val="tx1"/>
+                </a:solidFill>
+              </a:rPr>
+              <a:t>(e.g. create durable nonce)</a:t>
+            </a:r>
+            <a:endParaRPr kumimoji="1" lang="ja-JP" altLang="en-US" sz="1200">
+              <a:solidFill>
+                <a:schemeClr val="tx1"/>
+              </a:solidFill>
+            </a:endParaRPr>
+          </a:p>
+        </p:txBody>
+      </p:sp>
+      <p:sp>
+        <p:nvSpPr>
+          <p:cNvPr id="12" name="メモ 11">
+            <a:extLst>
+              <a:ext uri="{FF2B5EF4-FFF2-40B4-BE49-F238E27FC236}">
+                <a16:creationId xmlns:a16="http://schemas.microsoft.com/office/drawing/2014/main" id="{4242E3C3-D2B3-6C68-5FE6-215666A51D00}"/>
+              </a:ext>
+            </a:extLst>
+          </p:cNvPr>
+          <p:cNvSpPr/>
+          <p:nvPr/>
+        </p:nvSpPr>
+        <p:spPr>
+          <a:xfrm>
+            <a:off x="3103245" y="4601716"/>
+            <a:ext cx="1348740" cy="1012932"/>
+          </a:xfrm>
+          <a:prstGeom prst="foldedCorner">
+            <a:avLst/>
+          </a:prstGeom>
+          <a:noFill/>
+          <a:ln>
+            <a:solidFill>
+              <a:schemeClr val="tx1"/>
+            </a:solidFill>
+          </a:ln>
+        </p:spPr>
+        <p:style>
+          <a:lnRef idx="2">
+            <a:schemeClr val="accent1">
+              <a:shade val="50000"/>
+            </a:schemeClr>
+          </a:lnRef>
+          <a:fillRef idx="1">
+            <a:schemeClr val="accent1"/>
+          </a:fillRef>
+          <a:effectRef idx="0">
+            <a:schemeClr val="accent1"/>
+          </a:effectRef>
+          <a:fontRef idx="minor">
+            <a:schemeClr val="lt1"/>
+          </a:fontRef>
+        </p:style>
+        <p:txBody>
+          <a:bodyPr rtlCol="0" anchor="ctr"/>
+          <a:lstStyle/>
+          <a:p>
+            <a:pPr algn="ctr"/>
+            <a:r>
+              <a:rPr kumimoji="1" lang="en-US" altLang="ja-JP" sz="1200" dirty="0">
+                <a:solidFill>
+                  <a:schemeClr val="tx1"/>
+                </a:solidFill>
+              </a:rPr>
+              <a:t>example code</a:t>
+            </a:r>
+          </a:p>
+          <a:p>
+            <a:pPr algn="ctr"/>
+            <a:r>
+              <a:rPr kumimoji="1" lang="en-US" altLang="ja-JP" sz="1200" dirty="0">
+                <a:solidFill>
+                  <a:schemeClr val="tx1"/>
+                </a:solidFill>
+              </a:rPr>
+              <a:t>(including speed test)</a:t>
+            </a:r>
+            <a:endParaRPr kumimoji="1" lang="ja-JP" altLang="en-US" sz="1200">
+              <a:solidFill>
+                <a:schemeClr val="tx1"/>
+              </a:solidFill>
+            </a:endParaRPr>
+          </a:p>
+        </p:txBody>
+      </p:sp>
+      <p:sp>
+        <p:nvSpPr>
+          <p:cNvPr id="13" name="メモ 12">
+            <a:extLst>
+              <a:ext uri="{FF2B5EF4-FFF2-40B4-BE49-F238E27FC236}">
+                <a16:creationId xmlns:a16="http://schemas.microsoft.com/office/drawing/2014/main" id="{7B0FBEDF-1D98-E472-A237-6FC8709080F7}"/>
+              </a:ext>
+            </a:extLst>
+          </p:cNvPr>
+          <p:cNvSpPr/>
+          <p:nvPr/>
+        </p:nvSpPr>
+        <p:spPr>
+          <a:xfrm>
+            <a:off x="7292340" y="4601716"/>
+            <a:ext cx="1348740" cy="1012932"/>
+          </a:xfrm>
+          <a:prstGeom prst="foldedCorner">
+            <a:avLst/>
+          </a:prstGeom>
+          <a:noFill/>
+          <a:ln>
+            <a:solidFill>
+              <a:schemeClr val="tx1"/>
+            </a:solidFill>
+          </a:ln>
+        </p:spPr>
+        <p:style>
+          <a:lnRef idx="2">
+            <a:schemeClr val="accent1">
+              <a:shade val="50000"/>
+            </a:schemeClr>
+          </a:lnRef>
+          <a:fillRef idx="1">
+            <a:schemeClr val="accent1"/>
+          </a:fillRef>
+          <a:effectRef idx="0">
+            <a:schemeClr val="accent1"/>
+          </a:effectRef>
+          <a:fontRef idx="minor">
+            <a:schemeClr val="lt1"/>
+          </a:fontRef>
+        </p:style>
+        <p:txBody>
+          <a:bodyPr rtlCol="0" anchor="ctr"/>
+          <a:lstStyle/>
+          <a:p>
+            <a:pPr algn="ctr"/>
+            <a:r>
+              <a:rPr kumimoji="1" lang="en-US" altLang="ja-JP" sz="1200" dirty="0">
+                <a:solidFill>
+                  <a:schemeClr val="tx1"/>
+                </a:solidFill>
+              </a:rPr>
+              <a:t>example code</a:t>
+            </a:r>
+          </a:p>
+          <a:p>
+            <a:pPr algn="ctr"/>
+            <a:r>
+              <a:rPr kumimoji="1" lang="en-US" altLang="ja-JP" sz="1200" dirty="0">
+                <a:solidFill>
+                  <a:schemeClr val="tx1"/>
+                </a:solidFill>
+              </a:rPr>
+              <a:t>(mint large amount NFTs)</a:t>
+            </a:r>
+            <a:endParaRPr kumimoji="1" lang="ja-JP" altLang="en-US" sz="1200">
+              <a:solidFill>
+                <a:schemeClr val="tx1"/>
+              </a:solidFill>
+            </a:endParaRPr>
+          </a:p>
+        </p:txBody>
+      </p:sp>
+      <p:sp>
+        <p:nvSpPr>
+          <p:cNvPr id="14" name="正方形/長方形 13">
+            <a:extLst>
+              <a:ext uri="{FF2B5EF4-FFF2-40B4-BE49-F238E27FC236}">
+                <a16:creationId xmlns:a16="http://schemas.microsoft.com/office/drawing/2014/main" id="{65E678DC-9AC0-1379-C94C-3177DF0CAC72}"/>
+              </a:ext>
+            </a:extLst>
+          </p:cNvPr>
+          <p:cNvSpPr/>
+          <p:nvPr/>
+        </p:nvSpPr>
+        <p:spPr>
+          <a:xfrm>
+            <a:off x="9403080" y="4601716"/>
+            <a:ext cx="1348740" cy="1012932"/>
+          </a:xfrm>
+          <a:prstGeom prst="rect">
+            <a:avLst/>
+          </a:prstGeom>
+          <a:noFill/>
+          <a:ln>
+            <a:solidFill>
+              <a:schemeClr val="tx1"/>
+            </a:solidFill>
+          </a:ln>
+        </p:spPr>
+        <p:style>
+          <a:lnRef idx="2">
+            <a:schemeClr val="accent1">
+              <a:shade val="50000"/>
+            </a:schemeClr>
+          </a:lnRef>
+          <a:fillRef idx="1">
+            <a:schemeClr val="accent1"/>
+          </a:fillRef>
+          <a:effectRef idx="0">
+            <a:schemeClr val="accent1"/>
+          </a:effectRef>
+          <a:fontRef idx="minor">
+            <a:schemeClr val="lt1"/>
+          </a:fontRef>
+        </p:style>
+        <p:txBody>
+          <a:bodyPr rtlCol="0" anchor="ctr"/>
+          <a:lstStyle/>
+          <a:p>
+            <a:pPr algn="ctr"/>
+            <a:r>
+              <a:rPr kumimoji="1" lang="en-US" altLang="ja-JP" sz="1200" dirty="0">
+                <a:solidFill>
+                  <a:schemeClr val="tx1"/>
+                </a:solidFill>
+              </a:rPr>
+              <a:t>queue system</a:t>
+            </a:r>
+          </a:p>
+          <a:p>
+            <a:pPr algn="ctr"/>
+            <a:r>
+              <a:rPr kumimoji="1" lang="en-US" altLang="ja-JP" sz="1200" dirty="0">
+                <a:solidFill>
+                  <a:schemeClr val="tx1"/>
+                </a:solidFill>
+              </a:rPr>
+              <a:t>(serverless queueing)</a:t>
+            </a:r>
+            <a:endParaRPr kumimoji="1" lang="ja-JP" altLang="en-US" sz="1200">
+              <a:solidFill>
+                <a:schemeClr val="tx1"/>
+              </a:solidFill>
+            </a:endParaRPr>
+          </a:p>
+        </p:txBody>
+      </p:sp>
+      <p:sp>
+        <p:nvSpPr>
+          <p:cNvPr id="15" name="正方形/長方形 14">
+            <a:extLst>
+              <a:ext uri="{FF2B5EF4-FFF2-40B4-BE49-F238E27FC236}">
+                <a16:creationId xmlns:a16="http://schemas.microsoft.com/office/drawing/2014/main" id="{AE7E49AC-7EBC-4539-0205-838FC425DDE0}"/>
+              </a:ext>
+            </a:extLst>
+          </p:cNvPr>
+          <p:cNvSpPr/>
+          <p:nvPr/>
+        </p:nvSpPr>
+        <p:spPr>
+          <a:xfrm>
+            <a:off x="5269230" y="4601716"/>
+            <a:ext cx="1348740" cy="1012932"/>
+          </a:xfrm>
+          <a:prstGeom prst="rect">
+            <a:avLst/>
+          </a:prstGeom>
+          <a:noFill/>
+          <a:ln>
+            <a:solidFill>
+              <a:schemeClr val="tx1"/>
+            </a:solidFill>
+          </a:ln>
+        </p:spPr>
+        <p:style>
+          <a:lnRef idx="2">
+            <a:schemeClr val="accent1">
+              <a:shade val="50000"/>
+            </a:schemeClr>
+          </a:lnRef>
+          <a:fillRef idx="1">
+            <a:schemeClr val="accent1"/>
+          </a:fillRef>
+          <a:effectRef idx="0">
+            <a:schemeClr val="accent1"/>
+          </a:effectRef>
+          <a:fontRef idx="minor">
+            <a:schemeClr val="lt1"/>
+          </a:fontRef>
+        </p:style>
+        <p:txBody>
+          <a:bodyPr rtlCol="0" anchor="ctr"/>
+          <a:lstStyle/>
+          <a:p>
+            <a:pPr algn="ctr"/>
+            <a:r>
+              <a:rPr kumimoji="1" lang="en-US" altLang="ja-JP" sz="1200" dirty="0">
+                <a:solidFill>
+                  <a:schemeClr val="tx1"/>
+                </a:solidFill>
+              </a:rPr>
+              <a:t>local validator</a:t>
+            </a:r>
+          </a:p>
+          <a:p>
+            <a:pPr algn="ctr"/>
+            <a:r>
+              <a:rPr kumimoji="1" lang="en-US" altLang="ja-JP" sz="1200" dirty="0">
+                <a:solidFill>
+                  <a:schemeClr val="tx1"/>
+                </a:solidFill>
+              </a:rPr>
+              <a:t>(clone </a:t>
+            </a:r>
+            <a:r>
+              <a:rPr kumimoji="1" lang="en-US" altLang="ja-JP" sz="1200" dirty="0" err="1">
+                <a:solidFill>
+                  <a:schemeClr val="tx1"/>
+                </a:solidFill>
+              </a:rPr>
+              <a:t>Metaplex</a:t>
+            </a:r>
+            <a:r>
+              <a:rPr kumimoji="1" lang="en-US" altLang="ja-JP" sz="1200" dirty="0">
+                <a:solidFill>
+                  <a:schemeClr val="tx1"/>
+                </a:solidFill>
+              </a:rPr>
+              <a:t> programs for NFT)</a:t>
+            </a:r>
+            <a:endParaRPr kumimoji="1" lang="ja-JP" altLang="en-US" sz="1200">
+              <a:solidFill>
+                <a:schemeClr val="tx1"/>
+              </a:solidFill>
+            </a:endParaRPr>
+          </a:p>
+        </p:txBody>
+      </p:sp>
+      <p:cxnSp>
+        <p:nvCxnSpPr>
+          <p:cNvPr id="19" name="カギ線コネクタ 18">
+            <a:extLst>
+              <a:ext uri="{FF2B5EF4-FFF2-40B4-BE49-F238E27FC236}">
+                <a16:creationId xmlns:a16="http://schemas.microsoft.com/office/drawing/2014/main" id="{20C275A4-ADAB-952A-C077-1109EA1A460D}"/>
+              </a:ext>
+            </a:extLst>
+          </p:cNvPr>
+          <p:cNvCxnSpPr>
+            <a:stCxn id="12" idx="0"/>
+            <a:endCxn id="10" idx="1"/>
+          </p:cNvCxnSpPr>
+          <p:nvPr/>
+        </p:nvCxnSpPr>
+        <p:spPr>
+          <a:xfrm rot="5400000" flipH="1" flipV="1">
+            <a:off x="3899973" y="2226620"/>
+            <a:ext cx="2252739" cy="2497455"/>
+          </a:xfrm>
+          <a:prstGeom prst="bentConnector2">
+            <a:avLst/>
+          </a:prstGeom>
+          <a:ln w="9525">
+            <a:solidFill>
+              <a:schemeClr val="tx1"/>
+            </a:solidFill>
+            <a:headEnd type="arrow" w="med" len="med"/>
+            <a:tailEnd type="none" w="med" len="med"/>
+          </a:ln>
+        </p:spPr>
+        <p:style>
+          <a:lnRef idx="1">
+            <a:schemeClr val="accent1"/>
+          </a:lnRef>
+          <a:fillRef idx="0">
+            <a:schemeClr val="accent1"/>
+          </a:fillRef>
+          <a:effectRef idx="0">
+            <a:schemeClr val="accent1"/>
+          </a:effectRef>
+          <a:fontRef idx="minor">
+            <a:schemeClr val="tx1"/>
+          </a:fontRef>
+        </p:style>
+      </p:cxnSp>
+      <p:cxnSp>
+        <p:nvCxnSpPr>
+          <p:cNvPr id="20" name="カギ線コネクタ 19">
+            <a:extLst>
+              <a:ext uri="{FF2B5EF4-FFF2-40B4-BE49-F238E27FC236}">
+                <a16:creationId xmlns:a16="http://schemas.microsoft.com/office/drawing/2014/main" id="{2A501DEE-5CCE-54D5-BADB-B9C8FB230ADE}"/>
+              </a:ext>
+            </a:extLst>
+          </p:cNvPr>
+          <p:cNvCxnSpPr>
+            <a:cxnSpLocks/>
+            <a:stCxn id="10" idx="3"/>
+            <a:endCxn id="13" idx="0"/>
+          </p:cNvCxnSpPr>
+          <p:nvPr/>
+        </p:nvCxnSpPr>
+        <p:spPr>
+          <a:xfrm>
+            <a:off x="7623810" y="2348977"/>
+            <a:ext cx="342900" cy="2252739"/>
+          </a:xfrm>
+          <a:prstGeom prst="bentConnector2">
+            <a:avLst/>
+          </a:prstGeom>
+          <a:ln w="9525">
+            <a:solidFill>
+              <a:schemeClr val="tx1"/>
+            </a:solidFill>
+            <a:headEnd type="none" w="med" len="med"/>
+            <a:tailEnd type="arrow" w="med" len="med"/>
+          </a:ln>
+        </p:spPr>
+        <p:style>
+          <a:lnRef idx="1">
+            <a:schemeClr val="accent1"/>
+          </a:lnRef>
+          <a:fillRef idx="0">
+            <a:schemeClr val="accent1"/>
+          </a:fillRef>
+          <a:effectRef idx="0">
+            <a:schemeClr val="accent1"/>
+          </a:effectRef>
+          <a:fontRef idx="minor">
+            <a:schemeClr val="tx1"/>
+          </a:fontRef>
+        </p:style>
+      </p:cxnSp>
+      <p:cxnSp>
+        <p:nvCxnSpPr>
+          <p:cNvPr id="27" name="直線矢印コネクタ 26">
+            <a:extLst>
+              <a:ext uri="{FF2B5EF4-FFF2-40B4-BE49-F238E27FC236}">
+                <a16:creationId xmlns:a16="http://schemas.microsoft.com/office/drawing/2014/main" id="{2BC81B79-4CD2-DA1A-E40B-2CDD69AB0155}"/>
+              </a:ext>
+            </a:extLst>
+          </p:cNvPr>
+          <p:cNvCxnSpPr>
+            <a:stCxn id="12" idx="3"/>
+            <a:endCxn id="15" idx="1"/>
+          </p:cNvCxnSpPr>
+          <p:nvPr/>
+        </p:nvCxnSpPr>
+        <p:spPr>
+          <a:xfrm>
+            <a:off x="4451985" y="5108182"/>
+            <a:ext cx="817245" cy="0"/>
+          </a:xfrm>
+          <a:prstGeom prst="straightConnector1">
+            <a:avLst/>
+          </a:prstGeom>
+          <a:ln w="9525">
+            <a:solidFill>
+              <a:schemeClr val="tx1"/>
+            </a:solidFill>
+            <a:headEnd type="none" w="med" len="med"/>
+            <a:tailEnd type="arrow" w="med" len="med"/>
+          </a:ln>
+        </p:spPr>
+        <p:style>
+          <a:lnRef idx="1">
+            <a:schemeClr val="accent1"/>
+          </a:lnRef>
+          <a:fillRef idx="0">
+            <a:schemeClr val="accent1"/>
+          </a:fillRef>
+          <a:effectRef idx="0">
+            <a:schemeClr val="accent1"/>
+          </a:effectRef>
+          <a:fontRef idx="minor">
+            <a:schemeClr val="tx1"/>
+          </a:fontRef>
+        </p:style>
+      </p:cxnSp>
+      <p:cxnSp>
+        <p:nvCxnSpPr>
+          <p:cNvPr id="30" name="直線矢印コネクタ 29">
+            <a:extLst>
+              <a:ext uri="{FF2B5EF4-FFF2-40B4-BE49-F238E27FC236}">
+                <a16:creationId xmlns:a16="http://schemas.microsoft.com/office/drawing/2014/main" id="{B2ED8FD7-7CDE-9A38-8203-9407AA8E3252}"/>
+              </a:ext>
+            </a:extLst>
+          </p:cNvPr>
+          <p:cNvCxnSpPr>
+            <a:cxnSpLocks/>
+            <a:stCxn id="13" idx="3"/>
+            <a:endCxn id="14" idx="1"/>
+          </p:cNvCxnSpPr>
+          <p:nvPr/>
+        </p:nvCxnSpPr>
+        <p:spPr>
+          <a:xfrm>
+            <a:off x="8641080" y="5108182"/>
+            <a:ext cx="762000" cy="0"/>
+          </a:xfrm>
+          <a:prstGeom prst="straightConnector1">
+            <a:avLst/>
+          </a:prstGeom>
+          <a:ln w="9525">
+            <a:solidFill>
+              <a:schemeClr val="tx1"/>
+            </a:solidFill>
+            <a:headEnd type="none" w="med" len="med"/>
+            <a:tailEnd type="arrow" w="med" len="med"/>
+          </a:ln>
+        </p:spPr>
+        <p:style>
+          <a:lnRef idx="1">
+            <a:schemeClr val="accent1"/>
+          </a:lnRef>
+          <a:fillRef idx="0">
+            <a:schemeClr val="accent1"/>
+          </a:fillRef>
+          <a:effectRef idx="0">
+            <a:schemeClr val="accent1"/>
+          </a:effectRef>
+          <a:fontRef idx="minor">
+            <a:schemeClr val="tx1"/>
+          </a:fontRef>
+        </p:style>
+      </p:cxnSp>
+      <p:sp>
+        <p:nvSpPr>
+          <p:cNvPr id="35" name="テキスト ボックス 34">
+            <a:extLst>
+              <a:ext uri="{FF2B5EF4-FFF2-40B4-BE49-F238E27FC236}">
+                <a16:creationId xmlns:a16="http://schemas.microsoft.com/office/drawing/2014/main" id="{DB7770A0-12B9-1103-4A7E-39B1DFFCA339}"/>
+              </a:ext>
+            </a:extLst>
+          </p:cNvPr>
+          <p:cNvSpPr txBox="1"/>
+          <p:nvPr/>
+        </p:nvSpPr>
+        <p:spPr>
+          <a:xfrm>
+            <a:off x="10729139" y="9225"/>
+            <a:ext cx="1443600" cy="315912"/>
+          </a:xfrm>
+          <a:prstGeom prst="rect">
+            <a:avLst/>
+          </a:prstGeom>
+          <a:noFill/>
+        </p:spPr>
+        <p:txBody>
+          <a:bodyPr wrap="square" rtlCol="0">
+            <a:noAutofit/>
+          </a:bodyPr>
+          <a:lstStyle/>
+          <a:p>
+            <a:pPr algn="r"/>
+            <a:r>
+              <a:rPr kumimoji="1" lang="en-US" altLang="ja-JP" sz="1200" dirty="0"/>
+              <a:t>JST Jul 2 2023</a:t>
+            </a:r>
+            <a:endParaRPr kumimoji="1" lang="ja-JP" altLang="en-US" sz="1200" dirty="0"/>
+          </a:p>
+        </p:txBody>
+      </p:sp>
+      <p:sp>
+        <p:nvSpPr>
+          <p:cNvPr id="36" name="テキスト ボックス 35">
+            <a:extLst>
+              <a:ext uri="{FF2B5EF4-FFF2-40B4-BE49-F238E27FC236}">
+                <a16:creationId xmlns:a16="http://schemas.microsoft.com/office/drawing/2014/main" id="{FE85D829-C931-BD0D-FBEA-9C4333AFCB5C}"/>
+              </a:ext>
+            </a:extLst>
+          </p:cNvPr>
+          <p:cNvSpPr txBox="1"/>
+          <p:nvPr/>
+        </p:nvSpPr>
+        <p:spPr>
+          <a:xfrm>
+            <a:off x="5500687" y="2044578"/>
+            <a:ext cx="862965" cy="200340"/>
+          </a:xfrm>
+          <a:prstGeom prst="rect">
+            <a:avLst/>
+          </a:prstGeom>
+          <a:noFill/>
+        </p:spPr>
+        <p:txBody>
+          <a:bodyPr wrap="square" rtlCol="0">
+            <a:noAutofit/>
+          </a:bodyPr>
+          <a:lstStyle/>
+          <a:p>
+            <a:pPr algn="ctr"/>
+            <a:r>
+              <a:rPr kumimoji="1" lang="en-US" altLang="ja-JP" sz="1200" dirty="0"/>
+              <a:t>call</a:t>
+            </a:r>
+            <a:endParaRPr kumimoji="1" lang="ja-JP" altLang="en-US" sz="1200" dirty="0"/>
+          </a:p>
+        </p:txBody>
+      </p:sp>
+      <p:sp>
+        <p:nvSpPr>
+          <p:cNvPr id="37" name="テキスト ボックス 36">
+            <a:extLst>
+              <a:ext uri="{FF2B5EF4-FFF2-40B4-BE49-F238E27FC236}">
+                <a16:creationId xmlns:a16="http://schemas.microsoft.com/office/drawing/2014/main" id="{C9A2044D-94FB-2FB2-851E-460E87865280}"/>
+              </a:ext>
+            </a:extLst>
+          </p:cNvPr>
+          <p:cNvSpPr txBox="1"/>
+          <p:nvPr/>
+        </p:nvSpPr>
+        <p:spPr>
+          <a:xfrm>
+            <a:off x="7550557" y="2044578"/>
+            <a:ext cx="862965" cy="200340"/>
+          </a:xfrm>
+          <a:prstGeom prst="rect">
+            <a:avLst/>
+          </a:prstGeom>
+          <a:noFill/>
+        </p:spPr>
+        <p:txBody>
+          <a:bodyPr wrap="square" rtlCol="0">
+            <a:noAutofit/>
+          </a:bodyPr>
+          <a:lstStyle/>
+          <a:p>
+            <a:pPr algn="ctr"/>
+            <a:r>
+              <a:rPr kumimoji="1" lang="en-US" altLang="ja-JP" sz="1200" dirty="0"/>
+              <a:t>call</a:t>
+            </a:r>
+            <a:endParaRPr kumimoji="1" lang="ja-JP" altLang="en-US" sz="1200" dirty="0"/>
+          </a:p>
+        </p:txBody>
+      </p:sp>
+      <p:sp>
+        <p:nvSpPr>
+          <p:cNvPr id="40" name="テキスト ボックス 39">
+            <a:extLst>
+              <a:ext uri="{FF2B5EF4-FFF2-40B4-BE49-F238E27FC236}">
+                <a16:creationId xmlns:a16="http://schemas.microsoft.com/office/drawing/2014/main" id="{DF70C196-87F5-BAF3-6D8E-B881CC19D299}"/>
+              </a:ext>
+            </a:extLst>
+          </p:cNvPr>
+          <p:cNvSpPr txBox="1"/>
+          <p:nvPr/>
+        </p:nvSpPr>
+        <p:spPr>
+          <a:xfrm>
+            <a:off x="4426267" y="4776348"/>
+            <a:ext cx="862965" cy="200340"/>
+          </a:xfrm>
+          <a:prstGeom prst="rect">
+            <a:avLst/>
+          </a:prstGeom>
+          <a:noFill/>
+        </p:spPr>
+        <p:txBody>
+          <a:bodyPr wrap="square" rtlCol="0">
+            <a:noAutofit/>
+          </a:bodyPr>
+          <a:lstStyle/>
+          <a:p>
+            <a:pPr algn="ctr"/>
+            <a:r>
+              <a:rPr kumimoji="1" lang="en-US" altLang="ja-JP" sz="1200" dirty="0"/>
+              <a:t>request</a:t>
+            </a:r>
+            <a:endParaRPr kumimoji="1" lang="ja-JP" altLang="en-US" sz="1200" dirty="0"/>
+          </a:p>
+        </p:txBody>
+      </p:sp>
+      <p:sp>
+        <p:nvSpPr>
+          <p:cNvPr id="41" name="テキスト ボックス 40">
+            <a:extLst>
+              <a:ext uri="{FF2B5EF4-FFF2-40B4-BE49-F238E27FC236}">
+                <a16:creationId xmlns:a16="http://schemas.microsoft.com/office/drawing/2014/main" id="{EC4BF779-CFDA-3C7C-2395-B4C5DEFCF3B3}"/>
+              </a:ext>
+            </a:extLst>
+          </p:cNvPr>
+          <p:cNvSpPr txBox="1"/>
+          <p:nvPr/>
+        </p:nvSpPr>
+        <p:spPr>
+          <a:xfrm>
+            <a:off x="8590597" y="4776348"/>
+            <a:ext cx="862965" cy="200340"/>
+          </a:xfrm>
+          <a:prstGeom prst="rect">
+            <a:avLst/>
+          </a:prstGeom>
+          <a:noFill/>
+        </p:spPr>
+        <p:txBody>
+          <a:bodyPr wrap="square" rtlCol="0">
+            <a:noAutofit/>
+          </a:bodyPr>
+          <a:lstStyle/>
+          <a:p>
+            <a:pPr algn="ctr"/>
+            <a:r>
+              <a:rPr kumimoji="1" lang="en-US" altLang="ja-JP" sz="1200" dirty="0"/>
+              <a:t>request</a:t>
+            </a:r>
+            <a:endParaRPr kumimoji="1" lang="ja-JP" altLang="en-US" sz="1200" dirty="0"/>
+          </a:p>
+        </p:txBody>
+      </p:sp>
+      <p:cxnSp>
+        <p:nvCxnSpPr>
+          <p:cNvPr id="42" name="カギ線コネクタ 41">
+            <a:extLst>
+              <a:ext uri="{FF2B5EF4-FFF2-40B4-BE49-F238E27FC236}">
+                <a16:creationId xmlns:a16="http://schemas.microsoft.com/office/drawing/2014/main" id="{541E91D0-6851-FFB1-55E6-145D3549472D}"/>
+              </a:ext>
+            </a:extLst>
+          </p:cNvPr>
+          <p:cNvCxnSpPr>
+            <a:cxnSpLocks/>
+            <a:stCxn id="14" idx="2"/>
+            <a:endCxn id="15" idx="2"/>
+          </p:cNvCxnSpPr>
+          <p:nvPr/>
+        </p:nvCxnSpPr>
+        <p:spPr>
+          <a:xfrm rot="5400000">
+            <a:off x="8010525" y="3547723"/>
+            <a:ext cx="12700" cy="4133850"/>
+          </a:xfrm>
+          <a:prstGeom prst="bentConnector3">
+            <a:avLst>
+              <a:gd name="adj1" fmla="val 3240000"/>
+            </a:avLst>
+          </a:prstGeom>
+          <a:ln w="9525">
+            <a:solidFill>
+              <a:schemeClr val="tx1"/>
+            </a:solidFill>
+            <a:headEnd type="none" w="med" len="med"/>
+            <a:tailEnd type="arrow" w="med" len="med"/>
+          </a:ln>
+        </p:spPr>
+        <p:style>
+          <a:lnRef idx="1">
+            <a:schemeClr val="accent1"/>
+          </a:lnRef>
+          <a:fillRef idx="0">
+            <a:schemeClr val="accent1"/>
+          </a:fillRef>
+          <a:effectRef idx="0">
+            <a:schemeClr val="accent1"/>
+          </a:effectRef>
+          <a:fontRef idx="minor">
+            <a:schemeClr val="tx1"/>
+          </a:fontRef>
+        </p:style>
+      </p:cxnSp>
+      <p:sp>
+        <p:nvSpPr>
+          <p:cNvPr id="45" name="テキスト ボックス 44">
+            <a:extLst>
+              <a:ext uri="{FF2B5EF4-FFF2-40B4-BE49-F238E27FC236}">
+                <a16:creationId xmlns:a16="http://schemas.microsoft.com/office/drawing/2014/main" id="{ED2418AD-C53B-4851-9DE6-101069FD4445}"/>
+              </a:ext>
+            </a:extLst>
+          </p:cNvPr>
+          <p:cNvSpPr txBox="1"/>
+          <p:nvPr/>
+        </p:nvSpPr>
+        <p:spPr>
+          <a:xfrm>
+            <a:off x="7623810" y="6081625"/>
+            <a:ext cx="862965" cy="200340"/>
+          </a:xfrm>
+          <a:prstGeom prst="rect">
+            <a:avLst/>
+          </a:prstGeom>
+          <a:noFill/>
+        </p:spPr>
+        <p:txBody>
+          <a:bodyPr wrap="square" rtlCol="0">
+            <a:noAutofit/>
+          </a:bodyPr>
+          <a:lstStyle/>
+          <a:p>
+            <a:pPr algn="ctr"/>
+            <a:r>
+              <a:rPr kumimoji="1" lang="en-US" altLang="ja-JP" sz="1200" dirty="0"/>
+              <a:t>request</a:t>
+            </a:r>
+            <a:endParaRPr kumimoji="1" lang="ja-JP" altLang="en-US" sz="1200" dirty="0"/>
+          </a:p>
+        </p:txBody>
+      </p:sp>
+    </p:spTree>
+    <p:extLst>
+      <p:ext uri="{BB962C8B-B14F-4D97-AF65-F5344CB8AC3E}">
+        <p14:creationId xmlns:p14="http://schemas.microsoft.com/office/powerpoint/2010/main" val="2354089451"/>
+      </p:ext>
+    </p:extLst>
+  </p:cSld>
+  <p:clrMapOvr>
+    <a:masterClrMapping/>
+  </p:clrMapOvr>
+</p:sld>
+</file>
+
+<file path=ppt/slides/slide13.xml><?xml version="1.0" encoding="utf-8"?>
+<p:sld xmlns:a="http://schemas.openxmlformats.org/drawingml/2006/main" xmlns:r="http://schemas.openxmlformats.org/officeDocument/2006/relationships" xmlns:p="http://schemas.openxmlformats.org/presentationml/2006/main">
+  <p:cSld>
+    <p:spTree>
+      <p:nvGrpSpPr>
+        <p:cNvPr id="1" name=""/>
+        <p:cNvGrpSpPr/>
+        <p:nvPr/>
+      </p:nvGrpSpPr>
+      <p:grpSpPr>
+        <a:xfrm>
+          <a:off x="0" y="0"/>
+          <a:ext cx="0" cy="0"/>
+          <a:chOff x="0" y="0"/>
+          <a:chExt cx="0" cy="0"/>
+        </a:xfrm>
+      </p:grpSpPr>
+      <p:sp>
+        <p:nvSpPr>
+          <p:cNvPr id="4" name="フッター プレースホルダー 3">
+            <a:extLst>
+              <a:ext uri="{FF2B5EF4-FFF2-40B4-BE49-F238E27FC236}">
+                <a16:creationId xmlns:a16="http://schemas.microsoft.com/office/drawing/2014/main" id="{F7E49DE7-7862-897C-B371-06E6FEDF265E}"/>
+              </a:ext>
+            </a:extLst>
+          </p:cNvPr>
+          <p:cNvSpPr>
+            <a:spLocks noGrp="1"/>
+          </p:cNvSpPr>
+          <p:nvPr>
+            <p:ph type="ftr" sz="quarter" idx="11"/>
+          </p:nvPr>
+        </p:nvSpPr>
+        <p:spPr/>
+        <p:txBody>
+          <a:bodyPr/>
+          <a:lstStyle/>
+          <a:p>
+            <a:r>
+              <a:rPr kumimoji="1" lang="en-US" altLang="ja-JP"/>
+              <a:t>256hax</a:t>
+            </a:r>
+            <a:endParaRPr kumimoji="1" lang="ja-JP" altLang="en-US"/>
+          </a:p>
+        </p:txBody>
+      </p:sp>
+      <p:sp>
+        <p:nvSpPr>
+          <p:cNvPr id="5" name="スライド番号プレースホルダー 4">
+            <a:extLst>
+              <a:ext uri="{FF2B5EF4-FFF2-40B4-BE49-F238E27FC236}">
+                <a16:creationId xmlns:a16="http://schemas.microsoft.com/office/drawing/2014/main" id="{ABA97F87-92C2-4EF4-49D3-3577C90BEA0D}"/>
+              </a:ext>
+            </a:extLst>
+          </p:cNvPr>
+          <p:cNvSpPr>
+            <a:spLocks noGrp="1"/>
+          </p:cNvSpPr>
+          <p:nvPr>
+            <p:ph type="sldNum" sz="quarter" idx="12"/>
+          </p:nvPr>
+        </p:nvSpPr>
+        <p:spPr/>
+        <p:txBody>
+          <a:bodyPr/>
+          <a:lstStyle/>
+          <a:p>
+            <a:fld id="{51BE5F08-58E8-9243-A834-2B76637F595D}" type="slidenum">
+              <a:rPr kumimoji="1" lang="ja-JP" altLang="en-US" smtClean="0"/>
+              <a:pPr/>
+              <a:t>12</a:t>
+            </a:fld>
+            <a:endParaRPr kumimoji="1" lang="ja-JP" altLang="en-US"/>
+          </a:p>
+        </p:txBody>
+      </p:sp>
+      <p:sp>
+        <p:nvSpPr>
+          <p:cNvPr id="6" name="正方形/長方形 5">
+            <a:extLst>
+              <a:ext uri="{FF2B5EF4-FFF2-40B4-BE49-F238E27FC236}">
+                <a16:creationId xmlns:a16="http://schemas.microsoft.com/office/drawing/2014/main" id="{4E2DCA89-BB33-D108-39FE-58365D36BA63}"/>
+              </a:ext>
+            </a:extLst>
+          </p:cNvPr>
+          <p:cNvSpPr/>
+          <p:nvPr/>
+        </p:nvSpPr>
+        <p:spPr>
+          <a:xfrm>
+            <a:off x="-102870" y="-80010"/>
+            <a:ext cx="12378690" cy="7018020"/>
+          </a:xfrm>
+          <a:prstGeom prst="rect">
+            <a:avLst/>
+          </a:prstGeom>
+          <a:solidFill>
+            <a:schemeClr val="tx1"/>
+          </a:solidFill>
+          <a:ln>
+            <a:noFill/>
+          </a:ln>
+        </p:spPr>
+        <p:style>
+          <a:lnRef idx="2">
+            <a:schemeClr val="accent1">
+              <a:shade val="15000"/>
+            </a:schemeClr>
+          </a:lnRef>
+          <a:fillRef idx="1">
+            <a:schemeClr val="accent1"/>
+          </a:fillRef>
+          <a:effectRef idx="0">
+            <a:schemeClr val="accent1"/>
+          </a:effectRef>
+          <a:fontRef idx="minor">
+            <a:schemeClr val="lt1"/>
+          </a:fontRef>
+        </p:style>
+        <p:txBody>
+          <a:bodyPr rtlCol="0" anchor="ctr"/>
+          <a:lstStyle/>
+          <a:p>
+            <a:pPr algn="ctr"/>
+            <a:endParaRPr kumimoji="1" lang="ja-JP" altLang="en-US"/>
+          </a:p>
+        </p:txBody>
+      </p:sp>
+      <p:pic>
+        <p:nvPicPr>
+          <p:cNvPr id="7" name="図 6">
+            <a:extLst>
+              <a:ext uri="{FF2B5EF4-FFF2-40B4-BE49-F238E27FC236}">
+                <a16:creationId xmlns:a16="http://schemas.microsoft.com/office/drawing/2014/main" id="{A323ECD1-E375-5FE8-D636-4FCFB0435F72}"/>
               </a:ext>
             </a:extLst>
           </p:cNvPr>
@@ -4460,122 +6205,18 @@
         </p:blipFill>
         <p:spPr>
           <a:xfrm>
-            <a:off x="4064000" y="1679845"/>
-            <a:ext cx="4064000" cy="4064000"/>
+            <a:off x="4755965" y="2398983"/>
+            <a:ext cx="2060035" cy="2060035"/>
           </a:xfrm>
           <a:prstGeom prst="rect">
             <a:avLst/>
           </a:prstGeom>
         </p:spPr>
       </p:pic>
-      <p:sp>
-        <p:nvSpPr>
-          <p:cNvPr id="12" name="テキスト ボックス 11">
-            <a:extLst>
-              <a:ext uri="{FF2B5EF4-FFF2-40B4-BE49-F238E27FC236}">
-                <a16:creationId xmlns:a16="http://schemas.microsoft.com/office/drawing/2014/main" id="{D10F52C2-BC20-8A30-0E1B-D5FF1BF7FD25}"/>
-              </a:ext>
-            </a:extLst>
-          </p:cNvPr>
-          <p:cNvSpPr txBox="1"/>
-          <p:nvPr/>
-        </p:nvSpPr>
-        <p:spPr>
-          <a:xfrm>
-            <a:off x="9053830" y="5881640"/>
-            <a:ext cx="2113280" cy="453278"/>
-          </a:xfrm>
-          <a:prstGeom prst="rect">
-            <a:avLst/>
-          </a:prstGeom>
-          <a:noFill/>
-        </p:spPr>
-        <p:txBody>
-          <a:bodyPr wrap="square" rtlCol="0">
-            <a:noAutofit/>
-          </a:bodyPr>
-          <a:lstStyle/>
-          <a:p>
-            <a:r>
-              <a:rPr kumimoji="1" lang="en-US" altLang="ja-JP" sz="1200" dirty="0"/>
-              <a:t>Fan art by </a:t>
-            </a:r>
-            <a:r>
-              <a:rPr kumimoji="1" lang="en-US" altLang="ja-JP" sz="1200" dirty="0" err="1"/>
-              <a:t>shiroperu</a:t>
-            </a:r>
-            <a:endParaRPr kumimoji="1" lang="en-US" altLang="ja-JP" sz="1200" dirty="0"/>
-          </a:p>
-          <a:p>
-            <a:r>
-              <a:rPr kumimoji="1" lang="en-US" altLang="ja-JP" sz="1200" dirty="0">
-                <a:hlinkClick r:id="rId3"/>
-              </a:rPr>
-              <a:t>https://</a:t>
-            </a:r>
-            <a:r>
-              <a:rPr kumimoji="1" lang="en-US" altLang="ja-JP" sz="1200" dirty="0" err="1">
-                <a:hlinkClick r:id="rId3"/>
-              </a:rPr>
-              <a:t>twitter.com</a:t>
-            </a:r>
-            <a:r>
-              <a:rPr kumimoji="1" lang="en-US" altLang="ja-JP" sz="1200" dirty="0">
-                <a:hlinkClick r:id="rId3"/>
-              </a:rPr>
-              <a:t>/</a:t>
-            </a:r>
-            <a:r>
-              <a:rPr kumimoji="1" lang="en-US" altLang="ja-JP" sz="1200" dirty="0" err="1">
-                <a:hlinkClick r:id="rId3"/>
-              </a:rPr>
-              <a:t>shiroperu</a:t>
-            </a:r>
-            <a:endParaRPr kumimoji="1" lang="ja-JP" altLang="en-US" sz="1200" dirty="0"/>
-          </a:p>
-        </p:txBody>
-      </p:sp>
-      <p:sp>
-        <p:nvSpPr>
-          <p:cNvPr id="6" name="テキスト ボックス 5">
-            <a:extLst>
-              <a:ext uri="{FF2B5EF4-FFF2-40B4-BE49-F238E27FC236}">
-                <a16:creationId xmlns:a16="http://schemas.microsoft.com/office/drawing/2014/main" id="{3FFF692A-EE9B-C873-F96A-8736541D5587}"/>
-              </a:ext>
-            </a:extLst>
-          </p:cNvPr>
-          <p:cNvSpPr txBox="1"/>
-          <p:nvPr/>
-        </p:nvSpPr>
-        <p:spPr>
-          <a:xfrm>
-            <a:off x="10729139" y="9225"/>
-            <a:ext cx="1443600" cy="315912"/>
-          </a:xfrm>
-          <a:prstGeom prst="rect">
-            <a:avLst/>
-          </a:prstGeom>
-          <a:noFill/>
-        </p:spPr>
-        <p:txBody>
-          <a:bodyPr wrap="square" rtlCol="0">
-            <a:noAutofit/>
-          </a:bodyPr>
-          <a:lstStyle/>
-          <a:p>
-            <a:pPr algn="r"/>
-            <a:r>
-              <a:rPr kumimoji="1" lang="en-US" altLang="ja-JP" sz="1200" dirty="0"/>
-              <a:t>JST May 21 2023</a:t>
-            </a:r>
-            <a:endParaRPr kumimoji="1" lang="ja-JP" altLang="en-US" sz="1200" dirty="0"/>
-          </a:p>
-        </p:txBody>
-      </p:sp>
     </p:spTree>
     <p:extLst>
       <p:ext uri="{BB962C8B-B14F-4D97-AF65-F5344CB8AC3E}">
-        <p14:creationId xmlns:p14="http://schemas.microsoft.com/office/powerpoint/2010/main" val="691935846"/>
+        <p14:creationId xmlns:p14="http://schemas.microsoft.com/office/powerpoint/2010/main" val="3766865862"/>
       </p:ext>
     </p:extLst>
   </p:cSld>
@@ -4607,7 +6248,7 @@
           <p:cNvPr id="2" name="タイトル 1">
             <a:extLst>
               <a:ext uri="{FF2B5EF4-FFF2-40B4-BE49-F238E27FC236}">
-                <a16:creationId xmlns:a16="http://schemas.microsoft.com/office/drawing/2014/main" id="{4ED3895A-DB9E-49A4-EBDC-E585372879B6}"/>
+                <a16:creationId xmlns:a16="http://schemas.microsoft.com/office/drawing/2014/main" id="{E7CA3DCC-7B61-23FA-E23E-999617A97582}"/>
               </a:ext>
             </a:extLst>
           </p:cNvPr>
@@ -4615,7 +6256,7 @@
             <a:spLocks noGrp="1"/>
           </p:cNvSpPr>
           <p:nvPr>
-            <p:ph type="title"/>
+            <p:ph type="ctrTitle"/>
           </p:nvPr>
         </p:nvSpPr>
         <p:spPr/>
@@ -4625,7 +6266,7 @@
           <a:p>
             <a:r>
               <a:rPr kumimoji="1" lang="en-US" altLang="ja-JP" dirty="0"/>
-              <a:t>Detailed Explanation by ChatGPT-3.5</a:t>
+              <a:t>Anatomy of Mad Mints</a:t>
             </a:r>
             <a:endParaRPr kumimoji="1" lang="ja-JP" altLang="en-US"/>
           </a:p>
@@ -4633,10 +6274,10 @@
       </p:sp>
       <p:sp>
         <p:nvSpPr>
-          <p:cNvPr id="3" name="コンテンツ プレースホルダー 2">
+          <p:cNvPr id="3" name="字幕 2">
             <a:extLst>
               <a:ext uri="{FF2B5EF4-FFF2-40B4-BE49-F238E27FC236}">
-                <a16:creationId xmlns:a16="http://schemas.microsoft.com/office/drawing/2014/main" id="{F674D5C3-37BA-9812-E008-E9C857361E1D}"/>
+                <a16:creationId xmlns:a16="http://schemas.microsoft.com/office/drawing/2014/main" id="{4C4C868C-C49D-D1DC-69BF-0156D78692A0}"/>
               </a:ext>
             </a:extLst>
           </p:cNvPr>
@@ -4644,7 +6285,7 @@
             <a:spLocks noGrp="1"/>
           </p:cNvSpPr>
           <p:nvPr>
-            <p:ph idx="1"/>
+            <p:ph type="subTitle" idx="1"/>
           </p:nvPr>
         </p:nvSpPr>
         <p:spPr/>
@@ -4654,481 +6295,16 @@
           <a:p>
             <a:r>
               <a:rPr kumimoji="1" lang="en-US" altLang="ja-JP" dirty="0"/>
-              <a:t>3 STEPs to Implement Mad Mints.</a:t>
+              <a:t>by 256hax</a:t>
             </a:r>
             <a:endParaRPr kumimoji="1" lang="ja-JP" altLang="en-US"/>
-          </a:p>
-        </p:txBody>
-      </p:sp>
-      <p:sp>
-        <p:nvSpPr>
-          <p:cNvPr id="4" name="フッター プレースホルダー 3">
-            <a:extLst>
-              <a:ext uri="{FF2B5EF4-FFF2-40B4-BE49-F238E27FC236}">
-                <a16:creationId xmlns:a16="http://schemas.microsoft.com/office/drawing/2014/main" id="{A79039B6-4F2E-8160-B483-2E4C415EB319}"/>
-              </a:ext>
-            </a:extLst>
-          </p:cNvPr>
-          <p:cNvSpPr>
-            <a:spLocks noGrp="1"/>
-          </p:cNvSpPr>
-          <p:nvPr>
-            <p:ph type="ftr" sz="quarter" idx="11"/>
-          </p:nvPr>
-        </p:nvSpPr>
-        <p:spPr/>
-        <p:txBody>
-          <a:bodyPr/>
-          <a:lstStyle/>
-          <a:p>
-            <a:r>
-              <a:rPr kumimoji="1" lang="en-US" altLang="ja-JP"/>
-              <a:t>256hax</a:t>
-            </a:r>
-            <a:endParaRPr kumimoji="1" lang="ja-JP" altLang="en-US"/>
-          </a:p>
-        </p:txBody>
-      </p:sp>
-      <p:sp>
-        <p:nvSpPr>
-          <p:cNvPr id="5" name="スライド番号プレースホルダー 4">
-            <a:extLst>
-              <a:ext uri="{FF2B5EF4-FFF2-40B4-BE49-F238E27FC236}">
-                <a16:creationId xmlns:a16="http://schemas.microsoft.com/office/drawing/2014/main" id="{DE7FE80D-97D2-74B6-DEF8-F06DEAF5F8D2}"/>
-              </a:ext>
-            </a:extLst>
-          </p:cNvPr>
-          <p:cNvSpPr>
-            <a:spLocks noGrp="1"/>
-          </p:cNvSpPr>
-          <p:nvPr>
-            <p:ph type="sldNum" sz="quarter" idx="12"/>
-          </p:nvPr>
-        </p:nvSpPr>
-        <p:spPr/>
-        <p:txBody>
-          <a:bodyPr/>
-          <a:lstStyle/>
-          <a:p>
-            <a:fld id="{51BE5F08-58E8-9243-A834-2B76637F595D}" type="slidenum">
-              <a:rPr kumimoji="1" lang="ja-JP" altLang="en-US" smtClean="0"/>
-              <a:t>1</a:t>
-            </a:fld>
-            <a:endParaRPr kumimoji="1" lang="ja-JP" altLang="en-US"/>
-          </a:p>
-        </p:txBody>
-      </p:sp>
-      <p:sp>
-        <p:nvSpPr>
-          <p:cNvPr id="13" name="テキスト ボックス 12">
-            <a:extLst>
-              <a:ext uri="{FF2B5EF4-FFF2-40B4-BE49-F238E27FC236}">
-                <a16:creationId xmlns:a16="http://schemas.microsoft.com/office/drawing/2014/main" id="{0C34F366-1306-898E-B737-19EC06070ADE}"/>
-              </a:ext>
-            </a:extLst>
-          </p:cNvPr>
-          <p:cNvSpPr txBox="1"/>
-          <p:nvPr/>
-        </p:nvSpPr>
-        <p:spPr>
-          <a:xfrm>
-            <a:off x="10729139" y="9225"/>
-            <a:ext cx="1443600" cy="315912"/>
-          </a:xfrm>
-          <a:prstGeom prst="rect">
-            <a:avLst/>
-          </a:prstGeom>
-          <a:noFill/>
-        </p:spPr>
-        <p:txBody>
-          <a:bodyPr wrap="square" rtlCol="0">
-            <a:noAutofit/>
-          </a:bodyPr>
-          <a:lstStyle/>
-          <a:p>
-            <a:pPr algn="r"/>
-            <a:r>
-              <a:rPr kumimoji="1" lang="en-US" altLang="ja-JP" sz="1200" dirty="0"/>
-              <a:t>JST May 24 2023</a:t>
-            </a:r>
-            <a:endParaRPr kumimoji="1" lang="ja-JP" altLang="en-US" sz="1200" dirty="0"/>
-          </a:p>
-        </p:txBody>
-      </p:sp>
-      <p:sp>
-        <p:nvSpPr>
-          <p:cNvPr id="6" name="ホームベース 5">
-            <a:extLst>
-              <a:ext uri="{FF2B5EF4-FFF2-40B4-BE49-F238E27FC236}">
-                <a16:creationId xmlns:a16="http://schemas.microsoft.com/office/drawing/2014/main" id="{B3DD2489-BC0D-A1F6-D0EA-26A5087A328F}"/>
-              </a:ext>
-            </a:extLst>
-          </p:cNvPr>
-          <p:cNvSpPr/>
-          <p:nvPr/>
-        </p:nvSpPr>
-        <p:spPr>
-          <a:xfrm>
-            <a:off x="838200" y="1527717"/>
-            <a:ext cx="3505200" cy="601886"/>
-          </a:xfrm>
-          <a:prstGeom prst="homePlate">
-            <a:avLst/>
-          </a:prstGeom>
-          <a:solidFill>
-            <a:schemeClr val="tx1"/>
-          </a:solidFill>
-          <a:ln>
-            <a:solidFill>
-              <a:schemeClr val="tx1"/>
-            </a:solidFill>
-          </a:ln>
-        </p:spPr>
-        <p:style>
-          <a:lnRef idx="2">
-            <a:schemeClr val="accent1">
-              <a:shade val="50000"/>
-            </a:schemeClr>
-          </a:lnRef>
-          <a:fillRef idx="1">
-            <a:schemeClr val="accent1"/>
-          </a:fillRef>
-          <a:effectRef idx="0">
-            <a:schemeClr val="accent1"/>
-          </a:effectRef>
-          <a:fontRef idx="minor">
-            <a:schemeClr val="lt1"/>
-          </a:fontRef>
-        </p:style>
-        <p:txBody>
-          <a:bodyPr rtlCol="0" anchor="ctr"/>
-          <a:lstStyle/>
-          <a:p>
-            <a:pPr algn="ctr"/>
-            <a:r>
-              <a:rPr kumimoji="1" lang="en-US" altLang="ja-JP" sz="1600" dirty="0">
-                <a:solidFill>
-                  <a:schemeClr val="bg1"/>
-                </a:solidFill>
-              </a:rPr>
-              <a:t>STEP1</a:t>
-            </a:r>
-          </a:p>
-          <a:p>
-            <a:pPr algn="ctr"/>
-            <a:r>
-              <a:rPr kumimoji="1" lang="en-US" altLang="ja-JP" sz="1600" dirty="0">
-                <a:solidFill>
-                  <a:schemeClr val="bg1"/>
-                </a:solidFill>
-              </a:rPr>
-              <a:t>Allocate Durable Nonces</a:t>
-            </a:r>
-            <a:endParaRPr kumimoji="1" lang="ja-JP" altLang="en-US" sz="1600">
-              <a:solidFill>
-                <a:schemeClr val="bg1"/>
-              </a:solidFill>
-            </a:endParaRPr>
-          </a:p>
-        </p:txBody>
-      </p:sp>
-      <p:sp>
-        <p:nvSpPr>
-          <p:cNvPr id="14" name="ホームベース 13">
-            <a:extLst>
-              <a:ext uri="{FF2B5EF4-FFF2-40B4-BE49-F238E27FC236}">
-                <a16:creationId xmlns:a16="http://schemas.microsoft.com/office/drawing/2014/main" id="{2385A740-B2DC-2CA0-7D6E-48562EC4207E}"/>
-              </a:ext>
-            </a:extLst>
-          </p:cNvPr>
-          <p:cNvSpPr/>
-          <p:nvPr/>
-        </p:nvSpPr>
-        <p:spPr>
-          <a:xfrm>
-            <a:off x="4343400" y="1527717"/>
-            <a:ext cx="3505200" cy="601886"/>
-          </a:xfrm>
-          <a:prstGeom prst="homePlate">
-            <a:avLst/>
-          </a:prstGeom>
-          <a:solidFill>
-            <a:schemeClr val="tx1"/>
-          </a:solidFill>
-          <a:ln>
-            <a:solidFill>
-              <a:schemeClr val="tx1"/>
-            </a:solidFill>
-          </a:ln>
-        </p:spPr>
-        <p:style>
-          <a:lnRef idx="2">
-            <a:schemeClr val="accent1">
-              <a:shade val="50000"/>
-            </a:schemeClr>
-          </a:lnRef>
-          <a:fillRef idx="1">
-            <a:schemeClr val="accent1"/>
-          </a:fillRef>
-          <a:effectRef idx="0">
-            <a:schemeClr val="accent1"/>
-          </a:effectRef>
-          <a:fontRef idx="minor">
-            <a:schemeClr val="lt1"/>
-          </a:fontRef>
-        </p:style>
-        <p:txBody>
-          <a:bodyPr rtlCol="0" anchor="ctr"/>
-          <a:lstStyle/>
-          <a:p>
-            <a:pPr algn="ctr"/>
-            <a:r>
-              <a:rPr kumimoji="1" lang="en-US" altLang="ja-JP" sz="1600" dirty="0">
-                <a:solidFill>
-                  <a:schemeClr val="bg1"/>
-                </a:solidFill>
-              </a:rPr>
-              <a:t>STEP2</a:t>
-            </a:r>
-          </a:p>
-          <a:p>
-            <a:pPr algn="ctr"/>
-            <a:r>
-              <a:rPr kumimoji="1" lang="en-US" altLang="ja-JP" sz="1600" dirty="0">
-                <a:solidFill>
-                  <a:schemeClr val="bg1"/>
-                </a:solidFill>
-              </a:rPr>
-              <a:t>Buffer transactions into queue</a:t>
-            </a:r>
-            <a:endParaRPr kumimoji="1" lang="ja-JP" altLang="en-US" sz="1600">
-              <a:solidFill>
-                <a:schemeClr val="bg1"/>
-              </a:solidFill>
-            </a:endParaRPr>
-          </a:p>
-        </p:txBody>
-      </p:sp>
-      <p:sp>
-        <p:nvSpPr>
-          <p:cNvPr id="15" name="ホームベース 14">
-            <a:extLst>
-              <a:ext uri="{FF2B5EF4-FFF2-40B4-BE49-F238E27FC236}">
-                <a16:creationId xmlns:a16="http://schemas.microsoft.com/office/drawing/2014/main" id="{5860DA7C-967E-A5F6-B286-21B421468316}"/>
-              </a:ext>
-            </a:extLst>
-          </p:cNvPr>
-          <p:cNvSpPr/>
-          <p:nvPr/>
-        </p:nvSpPr>
-        <p:spPr>
-          <a:xfrm>
-            <a:off x="7848600" y="1527717"/>
-            <a:ext cx="3505200" cy="601886"/>
-          </a:xfrm>
-          <a:prstGeom prst="homePlate">
-            <a:avLst/>
-          </a:prstGeom>
-          <a:solidFill>
-            <a:schemeClr val="tx1"/>
-          </a:solidFill>
-          <a:ln>
-            <a:solidFill>
-              <a:schemeClr val="tx1"/>
-            </a:solidFill>
-          </a:ln>
-        </p:spPr>
-        <p:style>
-          <a:lnRef idx="2">
-            <a:schemeClr val="accent1">
-              <a:shade val="50000"/>
-            </a:schemeClr>
-          </a:lnRef>
-          <a:fillRef idx="1">
-            <a:schemeClr val="accent1"/>
-          </a:fillRef>
-          <a:effectRef idx="0">
-            <a:schemeClr val="accent1"/>
-          </a:effectRef>
-          <a:fontRef idx="minor">
-            <a:schemeClr val="lt1"/>
-          </a:fontRef>
-        </p:style>
-        <p:txBody>
-          <a:bodyPr rtlCol="0" anchor="ctr"/>
-          <a:lstStyle/>
-          <a:p>
-            <a:pPr algn="ctr"/>
-            <a:r>
-              <a:rPr kumimoji="1" lang="en-US" altLang="ja-JP" sz="1600" dirty="0">
-                <a:solidFill>
-                  <a:schemeClr val="bg1"/>
-                </a:solidFill>
-              </a:rPr>
-              <a:t>STEP3</a:t>
-            </a:r>
-          </a:p>
-          <a:p>
-            <a:pPr algn="ctr"/>
-            <a:r>
-              <a:rPr kumimoji="1" lang="en-US" altLang="ja-JP" sz="1600" dirty="0">
-                <a:solidFill>
-                  <a:schemeClr val="bg1"/>
-                </a:solidFill>
-              </a:rPr>
-              <a:t>Async process</a:t>
-            </a:r>
-            <a:endParaRPr kumimoji="1" lang="ja-JP" altLang="en-US" sz="1600">
-              <a:solidFill>
-                <a:schemeClr val="bg1"/>
-              </a:solidFill>
-            </a:endParaRPr>
-          </a:p>
-        </p:txBody>
-      </p:sp>
-      <p:sp>
-        <p:nvSpPr>
-          <p:cNvPr id="16" name="テキスト ボックス 15">
-            <a:extLst>
-              <a:ext uri="{FF2B5EF4-FFF2-40B4-BE49-F238E27FC236}">
-                <a16:creationId xmlns:a16="http://schemas.microsoft.com/office/drawing/2014/main" id="{408D44C3-C555-1F15-37BB-3635FA265A6B}"/>
-              </a:ext>
-            </a:extLst>
-          </p:cNvPr>
-          <p:cNvSpPr txBox="1"/>
-          <p:nvPr/>
-        </p:nvSpPr>
-        <p:spPr>
-          <a:xfrm>
-            <a:off x="838200" y="2326384"/>
-            <a:ext cx="3505200" cy="3590609"/>
-          </a:xfrm>
-          <a:prstGeom prst="rect">
-            <a:avLst/>
-          </a:prstGeom>
-          <a:noFill/>
-        </p:spPr>
-        <p:txBody>
-          <a:bodyPr wrap="square" rtlCol="0" anchor="t">
-            <a:noAutofit/>
-          </a:bodyPr>
-          <a:lstStyle/>
-          <a:p>
-            <a:r>
-              <a:rPr kumimoji="1" lang="en-US" altLang="ja-JP" sz="1600" dirty="0"/>
-              <a:t>Allocate 10,000 durable nonces: Nonces are integer values used to differentiate transactions with the same key. By allocating 10,000 durable nonces, you ensure that transactions can be easily tracked and duplicates can be avoided. These nonces are stored in persistent memory and won't be deleted even during reboots or upgrades.</a:t>
-            </a:r>
-          </a:p>
-          <a:p>
-            <a:endParaRPr kumimoji="1" lang="en-US" altLang="ja-JP" sz="1600" dirty="0"/>
-          </a:p>
-          <a:p>
-            <a:r>
-              <a:rPr kumimoji="1" lang="en-US" altLang="ja-JP" sz="1600" dirty="0"/>
-              <a:t>Docs: </a:t>
-            </a:r>
-            <a:r>
-              <a:rPr kumimoji="1" lang="en-US" altLang="ja-JP" sz="1600" dirty="0">
-                <a:hlinkClick r:id="rId2"/>
-              </a:rPr>
-              <a:t>https://</a:t>
-            </a:r>
-            <a:r>
-              <a:rPr kumimoji="1" lang="en-US" altLang="ja-JP" sz="1600" dirty="0" err="1">
-                <a:hlinkClick r:id="rId2"/>
-              </a:rPr>
-              <a:t>solanacookbook.com</a:t>
-            </a:r>
-            <a:r>
-              <a:rPr kumimoji="1" lang="en-US" altLang="ja-JP" sz="1600" dirty="0">
-                <a:hlinkClick r:id="rId2"/>
-              </a:rPr>
-              <a:t>/references/offline-</a:t>
-            </a:r>
-            <a:r>
-              <a:rPr kumimoji="1" lang="en-US" altLang="ja-JP" sz="1600" dirty="0" err="1">
-                <a:hlinkClick r:id="rId2"/>
-              </a:rPr>
-              <a:t>transactions.html</a:t>
-            </a:r>
-            <a:endParaRPr kumimoji="1" lang="ja-JP" altLang="en-US" sz="1600" dirty="0"/>
-          </a:p>
-        </p:txBody>
-      </p:sp>
-      <p:sp>
-        <p:nvSpPr>
-          <p:cNvPr id="17" name="テキスト ボックス 16">
-            <a:extLst>
-              <a:ext uri="{FF2B5EF4-FFF2-40B4-BE49-F238E27FC236}">
-                <a16:creationId xmlns:a16="http://schemas.microsoft.com/office/drawing/2014/main" id="{FCD50912-0B57-CC3D-887F-3CCAE4D41651}"/>
-              </a:ext>
-            </a:extLst>
-          </p:cNvPr>
-          <p:cNvSpPr txBox="1"/>
-          <p:nvPr/>
-        </p:nvSpPr>
-        <p:spPr>
-          <a:xfrm>
-            <a:off x="4343400" y="2326384"/>
-            <a:ext cx="3505200" cy="3590609"/>
-          </a:xfrm>
-          <a:prstGeom prst="rect">
-            <a:avLst/>
-          </a:prstGeom>
-          <a:noFill/>
-        </p:spPr>
-        <p:txBody>
-          <a:bodyPr wrap="square" rtlCol="0" anchor="t">
-            <a:noAutofit/>
-          </a:bodyPr>
-          <a:lstStyle/>
-          <a:p>
-            <a:r>
-              <a:rPr kumimoji="1" lang="en-US" altLang="ja-JP" sz="1600" dirty="0"/>
-              <a:t>Use web2 infrastructure to buffer transactions into a queue: Employ web2 infrastructure, which refers to traditional web infrastructure, to buffer incoming transactions into a queue. Instead of sending transactions directly to the chain, you add them to the queue for processing. This helps handle sudden bursts of transactions and enhances scalability.</a:t>
-            </a:r>
-          </a:p>
-        </p:txBody>
-      </p:sp>
-      <p:sp>
-        <p:nvSpPr>
-          <p:cNvPr id="18" name="テキスト ボックス 17">
-            <a:extLst>
-              <a:ext uri="{FF2B5EF4-FFF2-40B4-BE49-F238E27FC236}">
-                <a16:creationId xmlns:a16="http://schemas.microsoft.com/office/drawing/2014/main" id="{4E6F4383-7381-70C6-4D7F-F7D448F16E5C}"/>
-              </a:ext>
-            </a:extLst>
-          </p:cNvPr>
-          <p:cNvSpPr txBox="1"/>
-          <p:nvPr/>
-        </p:nvSpPr>
-        <p:spPr>
-          <a:xfrm>
-            <a:off x="7848600" y="2326385"/>
-            <a:ext cx="3505200" cy="3590608"/>
-          </a:xfrm>
-          <a:prstGeom prst="rect">
-            <a:avLst/>
-          </a:prstGeom>
-          <a:noFill/>
-        </p:spPr>
-        <p:txBody>
-          <a:bodyPr wrap="square" rtlCol="0" anchor="t">
-            <a:noAutofit/>
-          </a:bodyPr>
-          <a:lstStyle/>
-          <a:p>
-            <a:r>
-              <a:rPr kumimoji="1" lang="en-US" altLang="ja-JP" sz="1600" dirty="0"/>
-              <a:t>Asynchronously process the queue one by one: Process the transaction queue asynchronously, meaning you handle each transaction one by one. This allows you to manage the order in which transactions are processed. You won't move on to the next transaction until the current one has completed all its processing steps.</a:t>
-            </a:r>
           </a:p>
         </p:txBody>
       </p:sp>
     </p:spTree>
     <p:extLst>
       <p:ext uri="{BB962C8B-B14F-4D97-AF65-F5344CB8AC3E}">
-        <p14:creationId xmlns:p14="http://schemas.microsoft.com/office/powerpoint/2010/main" val="139111541"/>
+        <p14:creationId xmlns:p14="http://schemas.microsoft.com/office/powerpoint/2010/main" val="3936073256"/>
       </p:ext>
     </p:extLst>
   </p:cSld>
@@ -5160,6 +6336,848 @@
           <p:cNvPr id="2" name="タイトル 1">
             <a:extLst>
               <a:ext uri="{FF2B5EF4-FFF2-40B4-BE49-F238E27FC236}">
+                <a16:creationId xmlns:a16="http://schemas.microsoft.com/office/drawing/2014/main" id="{2DB0A5D8-0ED8-7AC7-0DA1-933142F5002C}"/>
+              </a:ext>
+            </a:extLst>
+          </p:cNvPr>
+          <p:cNvSpPr>
+            <a:spLocks noGrp="1"/>
+          </p:cNvSpPr>
+          <p:nvPr>
+            <p:ph type="title"/>
+          </p:nvPr>
+        </p:nvSpPr>
+        <p:spPr/>
+        <p:txBody>
+          <a:bodyPr/>
+          <a:lstStyle/>
+          <a:p>
+            <a:r>
+              <a:rPr lang="en-US" altLang="ja-JP" dirty="0"/>
+              <a:t>What is Mad Mints?</a:t>
+            </a:r>
+            <a:endParaRPr kumimoji="1" lang="ja-JP" altLang="en-US"/>
+          </a:p>
+        </p:txBody>
+      </p:sp>
+      <p:sp>
+        <p:nvSpPr>
+          <p:cNvPr id="3" name="コンテンツ プレースホルダー 2">
+            <a:extLst>
+              <a:ext uri="{FF2B5EF4-FFF2-40B4-BE49-F238E27FC236}">
+                <a16:creationId xmlns:a16="http://schemas.microsoft.com/office/drawing/2014/main" id="{16E5DC20-CAFD-CF14-ADB6-87B322394EB4}"/>
+              </a:ext>
+            </a:extLst>
+          </p:cNvPr>
+          <p:cNvSpPr>
+            <a:spLocks noGrp="1"/>
+          </p:cNvSpPr>
+          <p:nvPr>
+            <p:ph idx="1"/>
+          </p:nvPr>
+        </p:nvSpPr>
+        <p:spPr/>
+        <p:txBody>
+          <a:bodyPr>
+            <a:normAutofit/>
+          </a:bodyPr>
+          <a:lstStyle/>
+          <a:p>
+            <a:pPr algn="l"/>
+            <a:r>
+              <a:rPr lang="en-US" altLang="ja-JP" b="0" i="0" dirty="0">
+                <a:effectLst/>
+              </a:rPr>
+              <a:t>Improves the speed of minting transactions. With this approach, you'll be able to handle high demand and experience incredible UX. Armani found this approach and n</a:t>
+            </a:r>
+            <a:r>
+              <a:rPr lang="en-US" altLang="ja-JP" dirty="0"/>
+              <a:t>amed</a:t>
+            </a:r>
+            <a:r>
+              <a:rPr lang="en-US" altLang="ja-JP" b="0" i="0" dirty="0">
+                <a:effectLst/>
+              </a:rPr>
+              <a:t> "Mad Mints".</a:t>
+            </a:r>
+            <a:endParaRPr lang="en-US" altLang="ja-JP" dirty="0"/>
+          </a:p>
+        </p:txBody>
+      </p:sp>
+      <p:sp>
+        <p:nvSpPr>
+          <p:cNvPr id="4" name="フッター プレースホルダー 3">
+            <a:extLst>
+              <a:ext uri="{FF2B5EF4-FFF2-40B4-BE49-F238E27FC236}">
+                <a16:creationId xmlns:a16="http://schemas.microsoft.com/office/drawing/2014/main" id="{FB01677B-189A-D230-E45B-5AD4CB6ADCCC}"/>
+              </a:ext>
+            </a:extLst>
+          </p:cNvPr>
+          <p:cNvSpPr>
+            <a:spLocks noGrp="1"/>
+          </p:cNvSpPr>
+          <p:nvPr>
+            <p:ph type="ftr" sz="quarter" idx="11"/>
+          </p:nvPr>
+        </p:nvSpPr>
+        <p:spPr/>
+        <p:txBody>
+          <a:bodyPr/>
+          <a:lstStyle/>
+          <a:p>
+            <a:r>
+              <a:rPr kumimoji="1" lang="en-US" altLang="ja-JP"/>
+              <a:t>256hax</a:t>
+            </a:r>
+            <a:endParaRPr kumimoji="1" lang="ja-JP" altLang="en-US"/>
+          </a:p>
+        </p:txBody>
+      </p:sp>
+      <p:sp>
+        <p:nvSpPr>
+          <p:cNvPr id="5" name="スライド番号プレースホルダー 4">
+            <a:extLst>
+              <a:ext uri="{FF2B5EF4-FFF2-40B4-BE49-F238E27FC236}">
+                <a16:creationId xmlns:a16="http://schemas.microsoft.com/office/drawing/2014/main" id="{71EEA567-F50B-6E64-909D-A2F63BF675A9}"/>
+              </a:ext>
+            </a:extLst>
+          </p:cNvPr>
+          <p:cNvSpPr>
+            <a:spLocks noGrp="1"/>
+          </p:cNvSpPr>
+          <p:nvPr>
+            <p:ph type="sldNum" sz="quarter" idx="12"/>
+          </p:nvPr>
+        </p:nvSpPr>
+        <p:spPr/>
+        <p:txBody>
+          <a:bodyPr/>
+          <a:lstStyle/>
+          <a:p>
+            <a:fld id="{51BE5F08-58E8-9243-A834-2B76637F595D}" type="slidenum">
+              <a:rPr kumimoji="1" lang="ja-JP" altLang="en-US" smtClean="0"/>
+              <a:t>2</a:t>
+            </a:fld>
+            <a:endParaRPr kumimoji="1" lang="ja-JP" altLang="en-US"/>
+          </a:p>
+        </p:txBody>
+      </p:sp>
+      <p:pic>
+        <p:nvPicPr>
+          <p:cNvPr id="6" name="図 5">
+            <a:extLst>
+              <a:ext uri="{FF2B5EF4-FFF2-40B4-BE49-F238E27FC236}">
+                <a16:creationId xmlns:a16="http://schemas.microsoft.com/office/drawing/2014/main" id="{EA5DDEC6-BC0D-69F3-9561-E2AF744B30D9}"/>
+              </a:ext>
+            </a:extLst>
+          </p:cNvPr>
+          <p:cNvPicPr>
+            <a:picLocks noChangeAspect="1"/>
+          </p:cNvPicPr>
+          <p:nvPr/>
+        </p:nvPicPr>
+        <p:blipFill>
+          <a:blip r:embed="rId2"/>
+          <a:stretch>
+            <a:fillRect/>
+          </a:stretch>
+        </p:blipFill>
+        <p:spPr>
+          <a:xfrm>
+            <a:off x="2511223" y="1673291"/>
+            <a:ext cx="7169553" cy="4117896"/>
+          </a:xfrm>
+          <a:prstGeom prst="rect">
+            <a:avLst/>
+          </a:prstGeom>
+          <a:ln>
+            <a:solidFill>
+              <a:schemeClr val="tx1"/>
+            </a:solidFill>
+          </a:ln>
+        </p:spPr>
+      </p:pic>
+      <p:sp>
+        <p:nvSpPr>
+          <p:cNvPr id="7" name="テキスト ボックス 6">
+            <a:extLst>
+              <a:ext uri="{FF2B5EF4-FFF2-40B4-BE49-F238E27FC236}">
+                <a16:creationId xmlns:a16="http://schemas.microsoft.com/office/drawing/2014/main" id="{E46C4351-64B1-5B5C-DE11-586ACCA2FC11}"/>
+              </a:ext>
+            </a:extLst>
+          </p:cNvPr>
+          <p:cNvSpPr txBox="1"/>
+          <p:nvPr/>
+        </p:nvSpPr>
+        <p:spPr>
+          <a:xfrm>
+            <a:off x="2511223" y="5925007"/>
+            <a:ext cx="5402580" cy="495313"/>
+          </a:xfrm>
+          <a:prstGeom prst="rect">
+            <a:avLst/>
+          </a:prstGeom>
+          <a:noFill/>
+        </p:spPr>
+        <p:txBody>
+          <a:bodyPr wrap="square" rtlCol="0">
+            <a:noAutofit/>
+          </a:bodyPr>
+          <a:lstStyle/>
+          <a:p>
+            <a:r>
+              <a:rPr kumimoji="1" lang="en-US" altLang="ja-JP" sz="1200" dirty="0"/>
+              <a:t>Source: Mad Armani 🎒 Twitter</a:t>
+            </a:r>
+          </a:p>
+          <a:p>
+            <a:r>
+              <a:rPr kumimoji="1" lang="en-US" altLang="ja-JP" sz="1200" dirty="0">
+                <a:hlinkClick r:id="rId3"/>
+              </a:rPr>
+              <a:t>https://twitter.com/</a:t>
+            </a:r>
+            <a:r>
+              <a:rPr kumimoji="1" lang="en-US" altLang="ja-JP" sz="1200" dirty="0" err="1">
+                <a:hlinkClick r:id="rId3"/>
+              </a:rPr>
+              <a:t>armaniferrante</a:t>
+            </a:r>
+            <a:r>
+              <a:rPr kumimoji="1" lang="en-US" altLang="ja-JP" sz="1200" dirty="0">
+                <a:hlinkClick r:id="rId3"/>
+              </a:rPr>
+              <a:t>/status/1644755048436736001</a:t>
+            </a:r>
+            <a:endParaRPr kumimoji="1" lang="ja-JP" altLang="en-US" sz="1200" dirty="0"/>
+          </a:p>
+        </p:txBody>
+      </p:sp>
+      <p:sp>
+        <p:nvSpPr>
+          <p:cNvPr id="9" name="テキスト ボックス 8">
+            <a:extLst>
+              <a:ext uri="{FF2B5EF4-FFF2-40B4-BE49-F238E27FC236}">
+                <a16:creationId xmlns:a16="http://schemas.microsoft.com/office/drawing/2014/main" id="{09BE8E27-07D8-E689-C904-D49F5FDC32CF}"/>
+              </a:ext>
+            </a:extLst>
+          </p:cNvPr>
+          <p:cNvSpPr txBox="1"/>
+          <p:nvPr/>
+        </p:nvSpPr>
+        <p:spPr>
+          <a:xfrm>
+            <a:off x="10729139" y="9225"/>
+            <a:ext cx="1443600" cy="315912"/>
+          </a:xfrm>
+          <a:prstGeom prst="rect">
+            <a:avLst/>
+          </a:prstGeom>
+          <a:noFill/>
+        </p:spPr>
+        <p:txBody>
+          <a:bodyPr wrap="square" rtlCol="0">
+            <a:noAutofit/>
+          </a:bodyPr>
+          <a:lstStyle/>
+          <a:p>
+            <a:pPr algn="r"/>
+            <a:r>
+              <a:rPr kumimoji="1" lang="en-US" altLang="ja-JP" sz="1200" dirty="0"/>
+              <a:t>JST Jul 2 2023</a:t>
+            </a:r>
+            <a:endParaRPr kumimoji="1" lang="ja-JP" altLang="en-US" sz="1200" dirty="0"/>
+          </a:p>
+        </p:txBody>
+      </p:sp>
+    </p:spTree>
+    <p:extLst>
+      <p:ext uri="{BB962C8B-B14F-4D97-AF65-F5344CB8AC3E}">
+        <p14:creationId xmlns:p14="http://schemas.microsoft.com/office/powerpoint/2010/main" val="1192444391"/>
+      </p:ext>
+    </p:extLst>
+  </p:cSld>
+  <p:clrMapOvr>
+    <a:masterClrMapping/>
+  </p:clrMapOvr>
+</p:sld>
+</file>
+
+<file path=ppt/slides/slide4.xml><?xml version="1.0" encoding="utf-8"?>
+<p:sld xmlns:a="http://schemas.openxmlformats.org/drawingml/2006/main" xmlns:r="http://schemas.openxmlformats.org/officeDocument/2006/relationships" xmlns:p="http://schemas.openxmlformats.org/presentationml/2006/main">
+  <p:cSld>
+    <p:spTree>
+      <p:nvGrpSpPr>
+        <p:cNvPr id="1" name=""/>
+        <p:cNvGrpSpPr/>
+        <p:nvPr/>
+      </p:nvGrpSpPr>
+      <p:grpSpPr>
+        <a:xfrm>
+          <a:off x="0" y="0"/>
+          <a:ext cx="0" cy="0"/>
+          <a:chOff x="0" y="0"/>
+          <a:chExt cx="0" cy="0"/>
+        </a:xfrm>
+      </p:grpSpPr>
+      <p:sp>
+        <p:nvSpPr>
+          <p:cNvPr id="2" name="タイトル 1">
+            <a:extLst>
+              <a:ext uri="{FF2B5EF4-FFF2-40B4-BE49-F238E27FC236}">
+                <a16:creationId xmlns:a16="http://schemas.microsoft.com/office/drawing/2014/main" id="{4ED3895A-DB9E-49A4-EBDC-E585372879B6}"/>
+              </a:ext>
+            </a:extLst>
+          </p:cNvPr>
+          <p:cNvSpPr>
+            <a:spLocks noGrp="1"/>
+          </p:cNvSpPr>
+          <p:nvPr>
+            <p:ph type="title"/>
+          </p:nvPr>
+        </p:nvSpPr>
+        <p:spPr/>
+        <p:txBody>
+          <a:bodyPr/>
+          <a:lstStyle/>
+          <a:p>
+            <a:r>
+              <a:rPr kumimoji="1" lang="en-US" altLang="ja-JP" dirty="0"/>
+              <a:t>Detailed Explanation by ChatGPT-3.5</a:t>
+            </a:r>
+            <a:endParaRPr kumimoji="1" lang="ja-JP" altLang="en-US"/>
+          </a:p>
+        </p:txBody>
+      </p:sp>
+      <p:sp>
+        <p:nvSpPr>
+          <p:cNvPr id="3" name="コンテンツ プレースホルダー 2">
+            <a:extLst>
+              <a:ext uri="{FF2B5EF4-FFF2-40B4-BE49-F238E27FC236}">
+                <a16:creationId xmlns:a16="http://schemas.microsoft.com/office/drawing/2014/main" id="{F674D5C3-37BA-9812-E008-E9C857361E1D}"/>
+              </a:ext>
+            </a:extLst>
+          </p:cNvPr>
+          <p:cNvSpPr>
+            <a:spLocks noGrp="1"/>
+          </p:cNvSpPr>
+          <p:nvPr>
+            <p:ph idx="1"/>
+          </p:nvPr>
+        </p:nvSpPr>
+        <p:spPr/>
+        <p:txBody>
+          <a:bodyPr/>
+          <a:lstStyle/>
+          <a:p>
+            <a:r>
+              <a:rPr kumimoji="1" lang="en-US" altLang="ja-JP" dirty="0"/>
+              <a:t>3 STEPs to Implement Mad Mints.</a:t>
+            </a:r>
+            <a:endParaRPr kumimoji="1" lang="ja-JP" altLang="en-US"/>
+          </a:p>
+        </p:txBody>
+      </p:sp>
+      <p:sp>
+        <p:nvSpPr>
+          <p:cNvPr id="4" name="フッター プレースホルダー 3">
+            <a:extLst>
+              <a:ext uri="{FF2B5EF4-FFF2-40B4-BE49-F238E27FC236}">
+                <a16:creationId xmlns:a16="http://schemas.microsoft.com/office/drawing/2014/main" id="{A79039B6-4F2E-8160-B483-2E4C415EB319}"/>
+              </a:ext>
+            </a:extLst>
+          </p:cNvPr>
+          <p:cNvSpPr>
+            <a:spLocks noGrp="1"/>
+          </p:cNvSpPr>
+          <p:nvPr>
+            <p:ph type="ftr" sz="quarter" idx="11"/>
+          </p:nvPr>
+        </p:nvSpPr>
+        <p:spPr/>
+        <p:txBody>
+          <a:bodyPr/>
+          <a:lstStyle/>
+          <a:p>
+            <a:r>
+              <a:rPr kumimoji="1" lang="en-US" altLang="ja-JP"/>
+              <a:t>256hax</a:t>
+            </a:r>
+            <a:endParaRPr kumimoji="1" lang="ja-JP" altLang="en-US"/>
+          </a:p>
+        </p:txBody>
+      </p:sp>
+      <p:sp>
+        <p:nvSpPr>
+          <p:cNvPr id="5" name="スライド番号プレースホルダー 4">
+            <a:extLst>
+              <a:ext uri="{FF2B5EF4-FFF2-40B4-BE49-F238E27FC236}">
+                <a16:creationId xmlns:a16="http://schemas.microsoft.com/office/drawing/2014/main" id="{DE7FE80D-97D2-74B6-DEF8-F06DEAF5F8D2}"/>
+              </a:ext>
+            </a:extLst>
+          </p:cNvPr>
+          <p:cNvSpPr>
+            <a:spLocks noGrp="1"/>
+          </p:cNvSpPr>
+          <p:nvPr>
+            <p:ph type="sldNum" sz="quarter" idx="12"/>
+          </p:nvPr>
+        </p:nvSpPr>
+        <p:spPr/>
+        <p:txBody>
+          <a:bodyPr/>
+          <a:lstStyle/>
+          <a:p>
+            <a:fld id="{51BE5F08-58E8-9243-A834-2B76637F595D}" type="slidenum">
+              <a:rPr kumimoji="1" lang="ja-JP" altLang="en-US" smtClean="0"/>
+              <a:t>3</a:t>
+            </a:fld>
+            <a:endParaRPr kumimoji="1" lang="ja-JP" altLang="en-US"/>
+          </a:p>
+        </p:txBody>
+      </p:sp>
+      <p:sp>
+        <p:nvSpPr>
+          <p:cNvPr id="13" name="テキスト ボックス 12">
+            <a:extLst>
+              <a:ext uri="{FF2B5EF4-FFF2-40B4-BE49-F238E27FC236}">
+                <a16:creationId xmlns:a16="http://schemas.microsoft.com/office/drawing/2014/main" id="{0C34F366-1306-898E-B737-19EC06070ADE}"/>
+              </a:ext>
+            </a:extLst>
+          </p:cNvPr>
+          <p:cNvSpPr txBox="1"/>
+          <p:nvPr/>
+        </p:nvSpPr>
+        <p:spPr>
+          <a:xfrm>
+            <a:off x="10729139" y="9225"/>
+            <a:ext cx="1443600" cy="315912"/>
+          </a:xfrm>
+          <a:prstGeom prst="rect">
+            <a:avLst/>
+          </a:prstGeom>
+          <a:noFill/>
+        </p:spPr>
+        <p:txBody>
+          <a:bodyPr wrap="square" rtlCol="0">
+            <a:noAutofit/>
+          </a:bodyPr>
+          <a:lstStyle/>
+          <a:p>
+            <a:pPr algn="r"/>
+            <a:r>
+              <a:rPr kumimoji="1" lang="en-US" altLang="ja-JP" sz="1200" dirty="0"/>
+              <a:t>JST May 24 2023</a:t>
+            </a:r>
+            <a:endParaRPr kumimoji="1" lang="ja-JP" altLang="en-US" sz="1200" dirty="0"/>
+          </a:p>
+        </p:txBody>
+      </p:sp>
+      <p:sp>
+        <p:nvSpPr>
+          <p:cNvPr id="6" name="ホームベース 5">
+            <a:extLst>
+              <a:ext uri="{FF2B5EF4-FFF2-40B4-BE49-F238E27FC236}">
+                <a16:creationId xmlns:a16="http://schemas.microsoft.com/office/drawing/2014/main" id="{B3DD2489-BC0D-A1F6-D0EA-26A5087A328F}"/>
+              </a:ext>
+            </a:extLst>
+          </p:cNvPr>
+          <p:cNvSpPr/>
+          <p:nvPr/>
+        </p:nvSpPr>
+        <p:spPr>
+          <a:xfrm>
+            <a:off x="838200" y="1527717"/>
+            <a:ext cx="3505200" cy="601886"/>
+          </a:xfrm>
+          <a:prstGeom prst="homePlate">
+            <a:avLst/>
+          </a:prstGeom>
+          <a:solidFill>
+            <a:schemeClr val="tx1"/>
+          </a:solidFill>
+          <a:ln>
+            <a:solidFill>
+              <a:schemeClr val="tx1"/>
+            </a:solidFill>
+          </a:ln>
+        </p:spPr>
+        <p:style>
+          <a:lnRef idx="2">
+            <a:schemeClr val="accent1">
+              <a:shade val="50000"/>
+            </a:schemeClr>
+          </a:lnRef>
+          <a:fillRef idx="1">
+            <a:schemeClr val="accent1"/>
+          </a:fillRef>
+          <a:effectRef idx="0">
+            <a:schemeClr val="accent1"/>
+          </a:effectRef>
+          <a:fontRef idx="minor">
+            <a:schemeClr val="lt1"/>
+          </a:fontRef>
+        </p:style>
+        <p:txBody>
+          <a:bodyPr rtlCol="0" anchor="ctr"/>
+          <a:lstStyle/>
+          <a:p>
+            <a:pPr algn="ctr"/>
+            <a:r>
+              <a:rPr kumimoji="1" lang="en-US" altLang="ja-JP" sz="1600" dirty="0">
+                <a:solidFill>
+                  <a:schemeClr val="bg1"/>
+                </a:solidFill>
+              </a:rPr>
+              <a:t>STEP1</a:t>
+            </a:r>
+          </a:p>
+          <a:p>
+            <a:pPr algn="ctr"/>
+            <a:r>
+              <a:rPr kumimoji="1" lang="en-US" altLang="ja-JP" sz="1600" dirty="0">
+                <a:solidFill>
+                  <a:schemeClr val="bg1"/>
+                </a:solidFill>
+              </a:rPr>
+              <a:t>Allocate Durable Nonces</a:t>
+            </a:r>
+            <a:endParaRPr kumimoji="1" lang="ja-JP" altLang="en-US" sz="1600">
+              <a:solidFill>
+                <a:schemeClr val="bg1"/>
+              </a:solidFill>
+            </a:endParaRPr>
+          </a:p>
+        </p:txBody>
+      </p:sp>
+      <p:sp>
+        <p:nvSpPr>
+          <p:cNvPr id="14" name="ホームベース 13">
+            <a:extLst>
+              <a:ext uri="{FF2B5EF4-FFF2-40B4-BE49-F238E27FC236}">
+                <a16:creationId xmlns:a16="http://schemas.microsoft.com/office/drawing/2014/main" id="{2385A740-B2DC-2CA0-7D6E-48562EC4207E}"/>
+              </a:ext>
+            </a:extLst>
+          </p:cNvPr>
+          <p:cNvSpPr/>
+          <p:nvPr/>
+        </p:nvSpPr>
+        <p:spPr>
+          <a:xfrm>
+            <a:off x="4343400" y="1527717"/>
+            <a:ext cx="3505200" cy="601886"/>
+          </a:xfrm>
+          <a:prstGeom prst="homePlate">
+            <a:avLst/>
+          </a:prstGeom>
+          <a:solidFill>
+            <a:schemeClr val="tx1"/>
+          </a:solidFill>
+          <a:ln>
+            <a:solidFill>
+              <a:schemeClr val="tx1"/>
+            </a:solidFill>
+          </a:ln>
+        </p:spPr>
+        <p:style>
+          <a:lnRef idx="2">
+            <a:schemeClr val="accent1">
+              <a:shade val="50000"/>
+            </a:schemeClr>
+          </a:lnRef>
+          <a:fillRef idx="1">
+            <a:schemeClr val="accent1"/>
+          </a:fillRef>
+          <a:effectRef idx="0">
+            <a:schemeClr val="accent1"/>
+          </a:effectRef>
+          <a:fontRef idx="minor">
+            <a:schemeClr val="lt1"/>
+          </a:fontRef>
+        </p:style>
+        <p:txBody>
+          <a:bodyPr rtlCol="0" anchor="ctr"/>
+          <a:lstStyle/>
+          <a:p>
+            <a:pPr algn="ctr"/>
+            <a:r>
+              <a:rPr kumimoji="1" lang="en-US" altLang="ja-JP" sz="1600" dirty="0">
+                <a:solidFill>
+                  <a:schemeClr val="bg1"/>
+                </a:solidFill>
+              </a:rPr>
+              <a:t>STEP2</a:t>
+            </a:r>
+          </a:p>
+          <a:p>
+            <a:pPr algn="ctr"/>
+            <a:r>
+              <a:rPr kumimoji="1" lang="en-US" altLang="ja-JP" sz="1600" dirty="0">
+                <a:solidFill>
+                  <a:schemeClr val="bg1"/>
+                </a:solidFill>
+              </a:rPr>
+              <a:t>Buffer transactions into queue</a:t>
+            </a:r>
+            <a:endParaRPr kumimoji="1" lang="ja-JP" altLang="en-US" sz="1600">
+              <a:solidFill>
+                <a:schemeClr val="bg1"/>
+              </a:solidFill>
+            </a:endParaRPr>
+          </a:p>
+        </p:txBody>
+      </p:sp>
+      <p:sp>
+        <p:nvSpPr>
+          <p:cNvPr id="15" name="ホームベース 14">
+            <a:extLst>
+              <a:ext uri="{FF2B5EF4-FFF2-40B4-BE49-F238E27FC236}">
+                <a16:creationId xmlns:a16="http://schemas.microsoft.com/office/drawing/2014/main" id="{5860DA7C-967E-A5F6-B286-21B421468316}"/>
+              </a:ext>
+            </a:extLst>
+          </p:cNvPr>
+          <p:cNvSpPr/>
+          <p:nvPr/>
+        </p:nvSpPr>
+        <p:spPr>
+          <a:xfrm>
+            <a:off x="7848600" y="1527717"/>
+            <a:ext cx="3505200" cy="601886"/>
+          </a:xfrm>
+          <a:prstGeom prst="homePlate">
+            <a:avLst/>
+          </a:prstGeom>
+          <a:solidFill>
+            <a:schemeClr val="tx1"/>
+          </a:solidFill>
+          <a:ln>
+            <a:solidFill>
+              <a:schemeClr val="tx1"/>
+            </a:solidFill>
+          </a:ln>
+        </p:spPr>
+        <p:style>
+          <a:lnRef idx="2">
+            <a:schemeClr val="accent1">
+              <a:shade val="50000"/>
+            </a:schemeClr>
+          </a:lnRef>
+          <a:fillRef idx="1">
+            <a:schemeClr val="accent1"/>
+          </a:fillRef>
+          <a:effectRef idx="0">
+            <a:schemeClr val="accent1"/>
+          </a:effectRef>
+          <a:fontRef idx="minor">
+            <a:schemeClr val="lt1"/>
+          </a:fontRef>
+        </p:style>
+        <p:txBody>
+          <a:bodyPr rtlCol="0" anchor="ctr"/>
+          <a:lstStyle/>
+          <a:p>
+            <a:pPr algn="ctr"/>
+            <a:r>
+              <a:rPr kumimoji="1" lang="en-US" altLang="ja-JP" sz="1600" dirty="0">
+                <a:solidFill>
+                  <a:schemeClr val="bg1"/>
+                </a:solidFill>
+              </a:rPr>
+              <a:t>STEP3</a:t>
+            </a:r>
+          </a:p>
+          <a:p>
+            <a:pPr algn="ctr"/>
+            <a:r>
+              <a:rPr kumimoji="1" lang="en-US" altLang="ja-JP" sz="1600" dirty="0">
+                <a:solidFill>
+                  <a:schemeClr val="bg1"/>
+                </a:solidFill>
+              </a:rPr>
+              <a:t>Async process</a:t>
+            </a:r>
+            <a:endParaRPr kumimoji="1" lang="ja-JP" altLang="en-US" sz="1600">
+              <a:solidFill>
+                <a:schemeClr val="bg1"/>
+              </a:solidFill>
+            </a:endParaRPr>
+          </a:p>
+        </p:txBody>
+      </p:sp>
+      <p:sp>
+        <p:nvSpPr>
+          <p:cNvPr id="16" name="テキスト ボックス 15">
+            <a:extLst>
+              <a:ext uri="{FF2B5EF4-FFF2-40B4-BE49-F238E27FC236}">
+                <a16:creationId xmlns:a16="http://schemas.microsoft.com/office/drawing/2014/main" id="{408D44C3-C555-1F15-37BB-3635FA265A6B}"/>
+              </a:ext>
+            </a:extLst>
+          </p:cNvPr>
+          <p:cNvSpPr txBox="1"/>
+          <p:nvPr/>
+        </p:nvSpPr>
+        <p:spPr>
+          <a:xfrm>
+            <a:off x="838200" y="2326384"/>
+            <a:ext cx="3505200" cy="3590609"/>
+          </a:xfrm>
+          <a:prstGeom prst="rect">
+            <a:avLst/>
+          </a:prstGeom>
+          <a:noFill/>
+        </p:spPr>
+        <p:txBody>
+          <a:bodyPr wrap="square" rtlCol="0" anchor="t">
+            <a:noAutofit/>
+          </a:bodyPr>
+          <a:lstStyle/>
+          <a:p>
+            <a:r>
+              <a:rPr kumimoji="1" lang="en-US" altLang="ja-JP" sz="1600" dirty="0"/>
+              <a:t>Allocate 10,000 durable nonces: Nonces are integer values used to differentiate transactions with the same key. By allocating 10,000 durable nonces, you ensure that transactions can be easily tracked and duplicates can be avoided. These nonces are stored in persistent memory and won't be deleted even during reboots or upgrades.</a:t>
+            </a:r>
+          </a:p>
+          <a:p>
+            <a:endParaRPr kumimoji="1" lang="en-US" altLang="ja-JP" sz="1600" dirty="0"/>
+          </a:p>
+          <a:p>
+            <a:r>
+              <a:rPr kumimoji="1" lang="en-US" altLang="ja-JP" sz="1600" dirty="0"/>
+              <a:t>Docs: </a:t>
+            </a:r>
+            <a:r>
+              <a:rPr kumimoji="1" lang="en-US" altLang="ja-JP" sz="1600" dirty="0">
+                <a:hlinkClick r:id="rId2"/>
+              </a:rPr>
+              <a:t>https://</a:t>
+            </a:r>
+            <a:r>
+              <a:rPr kumimoji="1" lang="en-US" altLang="ja-JP" sz="1600" dirty="0" err="1">
+                <a:hlinkClick r:id="rId2"/>
+              </a:rPr>
+              <a:t>solanacookbook.com</a:t>
+            </a:r>
+            <a:r>
+              <a:rPr kumimoji="1" lang="en-US" altLang="ja-JP" sz="1600" dirty="0">
+                <a:hlinkClick r:id="rId2"/>
+              </a:rPr>
+              <a:t>/references/offline-</a:t>
+            </a:r>
+            <a:r>
+              <a:rPr kumimoji="1" lang="en-US" altLang="ja-JP" sz="1600" dirty="0" err="1">
+                <a:hlinkClick r:id="rId2"/>
+              </a:rPr>
+              <a:t>transactions.html</a:t>
+            </a:r>
+            <a:endParaRPr kumimoji="1" lang="ja-JP" altLang="en-US" sz="1600" dirty="0"/>
+          </a:p>
+        </p:txBody>
+      </p:sp>
+      <p:sp>
+        <p:nvSpPr>
+          <p:cNvPr id="17" name="テキスト ボックス 16">
+            <a:extLst>
+              <a:ext uri="{FF2B5EF4-FFF2-40B4-BE49-F238E27FC236}">
+                <a16:creationId xmlns:a16="http://schemas.microsoft.com/office/drawing/2014/main" id="{FCD50912-0B57-CC3D-887F-3CCAE4D41651}"/>
+              </a:ext>
+            </a:extLst>
+          </p:cNvPr>
+          <p:cNvSpPr txBox="1"/>
+          <p:nvPr/>
+        </p:nvSpPr>
+        <p:spPr>
+          <a:xfrm>
+            <a:off x="4343400" y="2326384"/>
+            <a:ext cx="3505200" cy="3590609"/>
+          </a:xfrm>
+          <a:prstGeom prst="rect">
+            <a:avLst/>
+          </a:prstGeom>
+          <a:noFill/>
+        </p:spPr>
+        <p:txBody>
+          <a:bodyPr wrap="square" rtlCol="0" anchor="t">
+            <a:noAutofit/>
+          </a:bodyPr>
+          <a:lstStyle/>
+          <a:p>
+            <a:r>
+              <a:rPr kumimoji="1" lang="en-US" altLang="ja-JP" sz="1600" dirty="0"/>
+              <a:t>Use web2 infrastructure to buffer transactions into a queue: Employ web2 infrastructure, which refers to traditional web infrastructure, to buffer incoming transactions into a queue. Instead of sending transactions directly to the chain, you add them to the queue for processing. This helps handle sudden bursts of transactions and enhances scalability.</a:t>
+            </a:r>
+          </a:p>
+        </p:txBody>
+      </p:sp>
+      <p:sp>
+        <p:nvSpPr>
+          <p:cNvPr id="18" name="テキスト ボックス 17">
+            <a:extLst>
+              <a:ext uri="{FF2B5EF4-FFF2-40B4-BE49-F238E27FC236}">
+                <a16:creationId xmlns:a16="http://schemas.microsoft.com/office/drawing/2014/main" id="{4E6F4383-7381-70C6-4D7F-F7D448F16E5C}"/>
+              </a:ext>
+            </a:extLst>
+          </p:cNvPr>
+          <p:cNvSpPr txBox="1"/>
+          <p:nvPr/>
+        </p:nvSpPr>
+        <p:spPr>
+          <a:xfrm>
+            <a:off x="7848600" y="2326385"/>
+            <a:ext cx="3505200" cy="3590608"/>
+          </a:xfrm>
+          <a:prstGeom prst="rect">
+            <a:avLst/>
+          </a:prstGeom>
+          <a:noFill/>
+        </p:spPr>
+        <p:txBody>
+          <a:bodyPr wrap="square" rtlCol="0" anchor="t">
+            <a:noAutofit/>
+          </a:bodyPr>
+          <a:lstStyle/>
+          <a:p>
+            <a:r>
+              <a:rPr kumimoji="1" lang="en-US" altLang="ja-JP" sz="1600" dirty="0"/>
+              <a:t>Asynchronously process the queue one by one: Process the transaction queue asynchronously, meaning you handle each transaction one by one. This allows you to manage the order in which transactions are processed. You won't move on to the next transaction until the current one has completed all its processing steps.</a:t>
+            </a:r>
+          </a:p>
+        </p:txBody>
+      </p:sp>
+    </p:spTree>
+    <p:extLst>
+      <p:ext uri="{BB962C8B-B14F-4D97-AF65-F5344CB8AC3E}">
+        <p14:creationId xmlns:p14="http://schemas.microsoft.com/office/powerpoint/2010/main" val="139111541"/>
+      </p:ext>
+    </p:extLst>
+  </p:cSld>
+  <p:clrMapOvr>
+    <a:masterClrMapping/>
+  </p:clrMapOvr>
+</p:sld>
+</file>
+
+<file path=ppt/slides/slide5.xml><?xml version="1.0" encoding="utf-8"?>
+<p:sld xmlns:a="http://schemas.openxmlformats.org/drawingml/2006/main" xmlns:r="http://schemas.openxmlformats.org/officeDocument/2006/relationships" xmlns:p="http://schemas.openxmlformats.org/presentationml/2006/main">
+  <p:cSld>
+    <p:spTree>
+      <p:nvGrpSpPr>
+        <p:cNvPr id="1" name=""/>
+        <p:cNvGrpSpPr/>
+        <p:nvPr/>
+      </p:nvGrpSpPr>
+      <p:grpSpPr>
+        <a:xfrm>
+          <a:off x="0" y="0"/>
+          <a:ext cx="0" cy="0"/>
+          <a:chOff x="0" y="0"/>
+          <a:chExt cx="0" cy="0"/>
+        </a:xfrm>
+      </p:grpSpPr>
+      <p:sp>
+        <p:nvSpPr>
+          <p:cNvPr id="2" name="タイトル 1">
+            <a:extLst>
+              <a:ext uri="{FF2B5EF4-FFF2-40B4-BE49-F238E27FC236}">
                 <a16:creationId xmlns:a16="http://schemas.microsoft.com/office/drawing/2014/main" id="{C204EA40-C6DA-2654-B57A-4176C239DF67}"/>
               </a:ext>
             </a:extLst>
@@ -5262,7 +7280,7 @@
             <a:fld id="{51BE5F08-58E8-9243-A834-2B76637F595D}" type="slidenum">
               <a:rPr kumimoji="1" lang="ja-JP" altLang="en-US" smtClean="0"/>
               <a:pPr/>
-              <a:t>2</a:t>
+              <a:t>4</a:t>
             </a:fld>
             <a:endParaRPr kumimoji="1" lang="ja-JP" altLang="en-US"/>
           </a:p>
@@ -7300,7 +9318,7 @@
 </p:sld>
 </file>
 
-<file path=ppt/slides/slide4.xml><?xml version="1.0" encoding="utf-8"?>
+<file path=ppt/slides/slide6.xml><?xml version="1.0" encoding="utf-8"?>
 <p:sld xmlns:a="http://schemas.openxmlformats.org/drawingml/2006/main" xmlns:r="http://schemas.openxmlformats.org/officeDocument/2006/relationships" xmlns:p="http://schemas.openxmlformats.org/presentationml/2006/main">
   <p:cSld>
     <p:spTree>
@@ -7428,7 +9446,7 @@
             <a:fld id="{51BE5F08-58E8-9243-A834-2B76637F595D}" type="slidenum">
               <a:rPr kumimoji="1" lang="ja-JP" altLang="en-US" smtClean="0"/>
               <a:pPr/>
-              <a:t>3</a:t>
+              <a:t>5</a:t>
             </a:fld>
             <a:endParaRPr kumimoji="1" lang="ja-JP" altLang="en-US"/>
           </a:p>
@@ -8038,12 +10056,22 @@
               <a:r>
                 <a:rPr lang="en-US" altLang="ja-JP" sz="2000" b="0" i="0" dirty="0">
                   <a:solidFill>
+                    <a:srgbClr val="FF0000"/>
+                  </a:solidFill>
+                  <a:effectLst/>
+                  <a:latin typeface="Söhne"/>
+                </a:rPr>
+                <a:t>Total fees are higher, ranging 0.0014 - 0.02 SOL </a:t>
+              </a:r>
+              <a:r>
+                <a:rPr lang="en-US" altLang="ja-JP" sz="2000" b="0" i="0" dirty="0">
+                  <a:solidFill>
                     <a:schemeClr val="tx1"/>
                   </a:solidFill>
                   <a:effectLst/>
                   <a:latin typeface="Söhne"/>
                 </a:rPr>
-                <a:t>Total fees are higher, ranging 0.0014 - 0.02 SOL per transaction.</a:t>
+                <a:t>per transaction.</a:t>
               </a:r>
               <a:br>
                 <a:rPr lang="en-US" altLang="ja-JP" sz="2000" b="0" i="0" dirty="0">
@@ -8195,7 +10223,7 @@
 </p:sld>
 </file>
 
-<file path=ppt/slides/slide5.xml><?xml version="1.0" encoding="utf-8"?>
+<file path=ppt/slides/slide7.xml><?xml version="1.0" encoding="utf-8"?>
 <p:sld xmlns:a="http://schemas.openxmlformats.org/drawingml/2006/main" xmlns:r="http://schemas.openxmlformats.org/officeDocument/2006/relationships" xmlns:p="http://schemas.openxmlformats.org/presentationml/2006/main">
   <p:cSld>
     <p:spTree>
@@ -8294,7 +10322,7 @@
             <a:fld id="{51BE5F08-58E8-9243-A834-2B76637F595D}" type="slidenum">
               <a:rPr kumimoji="1" lang="ja-JP" altLang="en-US" smtClean="0"/>
               <a:pPr/>
-              <a:t>4</a:t>
+              <a:t>6</a:t>
             </a:fld>
             <a:endParaRPr kumimoji="1" lang="ja-JP" altLang="en-US"/>
           </a:p>
@@ -10503,7 +12531,7 @@
 </p:sld>
 </file>
 
-<file path=ppt/slides/slide6.xml><?xml version="1.0" encoding="utf-8"?>
+<file path=ppt/slides/slide8.xml><?xml version="1.0" encoding="utf-8"?>
 <p:sld xmlns:a="http://schemas.openxmlformats.org/drawingml/2006/main" xmlns:r="http://schemas.openxmlformats.org/officeDocument/2006/relationships" xmlns:p="http://schemas.openxmlformats.org/presentationml/2006/main">
   <p:cSld>
     <p:spTree>
@@ -10602,7 +12630,7 @@
             <a:fld id="{51BE5F08-58E8-9243-A834-2B76637F595D}" type="slidenum">
               <a:rPr kumimoji="1" lang="ja-JP" altLang="en-US" smtClean="0"/>
               <a:pPr/>
-              <a:t>5</a:t>
+              <a:t>7</a:t>
             </a:fld>
             <a:endParaRPr kumimoji="1" lang="ja-JP" altLang="en-US"/>
           </a:p>
@@ -12803,1832 +14831,6 @@
 </p:sld>
 </file>
 
-<file path=ppt/slides/slide7.xml><?xml version="1.0" encoding="utf-8"?>
-<p:sld xmlns:a="http://schemas.openxmlformats.org/drawingml/2006/main" xmlns:r="http://schemas.openxmlformats.org/officeDocument/2006/relationships" xmlns:p="http://schemas.openxmlformats.org/presentationml/2006/main">
-  <p:cSld>
-    <p:spTree>
-      <p:nvGrpSpPr>
-        <p:cNvPr id="1" name=""/>
-        <p:cNvGrpSpPr/>
-        <p:nvPr/>
-      </p:nvGrpSpPr>
-      <p:grpSpPr>
-        <a:xfrm>
-          <a:off x="0" y="0"/>
-          <a:ext cx="0" cy="0"/>
-          <a:chOff x="0" y="0"/>
-          <a:chExt cx="0" cy="0"/>
-        </a:xfrm>
-      </p:grpSpPr>
-      <p:sp>
-        <p:nvSpPr>
-          <p:cNvPr id="2" name="タイトル 1">
-            <a:extLst>
-              <a:ext uri="{FF2B5EF4-FFF2-40B4-BE49-F238E27FC236}">
-                <a16:creationId xmlns:a16="http://schemas.microsoft.com/office/drawing/2014/main" id="{43250BC8-4F2A-7219-E8D7-268AD2771F2E}"/>
-              </a:ext>
-            </a:extLst>
-          </p:cNvPr>
-          <p:cNvSpPr>
-            <a:spLocks noGrp="1"/>
-          </p:cNvSpPr>
-          <p:nvPr>
-            <p:ph type="title"/>
-          </p:nvPr>
-        </p:nvSpPr>
-        <p:spPr/>
-        <p:txBody>
-          <a:bodyPr/>
-          <a:lstStyle/>
-          <a:p>
-            <a:r>
-              <a:rPr lang="en-US" altLang="ja-JP" dirty="0"/>
-              <a:t>Transaction Processing Bottleneck</a:t>
-            </a:r>
-            <a:endParaRPr kumimoji="1" lang="ja-JP" altLang="en-US"/>
-          </a:p>
-        </p:txBody>
-      </p:sp>
-      <p:sp>
-        <p:nvSpPr>
-          <p:cNvPr id="3" name="コンテンツ プレースホルダー 2">
-            <a:extLst>
-              <a:ext uri="{FF2B5EF4-FFF2-40B4-BE49-F238E27FC236}">
-                <a16:creationId xmlns:a16="http://schemas.microsoft.com/office/drawing/2014/main" id="{78EB6AF7-E47F-C14B-7C29-2EC2BEC09D1B}"/>
-              </a:ext>
-            </a:extLst>
-          </p:cNvPr>
-          <p:cNvSpPr>
-            <a:spLocks noGrp="1"/>
-          </p:cNvSpPr>
-          <p:nvPr>
-            <p:ph idx="1"/>
-          </p:nvPr>
-        </p:nvSpPr>
-        <p:spPr/>
-        <p:txBody>
-          <a:bodyPr/>
-          <a:lstStyle/>
-          <a:p>
-            <a:r>
-              <a:rPr kumimoji="1" lang="en-US" altLang="ja-JP" dirty="0"/>
-              <a:t>Speed bottlenec</a:t>
-            </a:r>
-            <a:r>
-              <a:rPr lang="en-US" altLang="ja-JP" dirty="0"/>
-              <a:t>k is "create and use Nonce" process in Sign Transaction.</a:t>
-            </a:r>
-            <a:endParaRPr kumimoji="1" lang="ja-JP" altLang="en-US"/>
-          </a:p>
-        </p:txBody>
-      </p:sp>
-      <p:sp>
-        <p:nvSpPr>
-          <p:cNvPr id="4" name="フッター プレースホルダー 3">
-            <a:extLst>
-              <a:ext uri="{FF2B5EF4-FFF2-40B4-BE49-F238E27FC236}">
-                <a16:creationId xmlns:a16="http://schemas.microsoft.com/office/drawing/2014/main" id="{AA992DCE-73F7-E641-964C-083521207CE8}"/>
-              </a:ext>
-            </a:extLst>
-          </p:cNvPr>
-          <p:cNvSpPr>
-            <a:spLocks noGrp="1"/>
-          </p:cNvSpPr>
-          <p:nvPr>
-            <p:ph type="ftr" sz="quarter" idx="11"/>
-          </p:nvPr>
-        </p:nvSpPr>
-        <p:spPr/>
-        <p:txBody>
-          <a:bodyPr/>
-          <a:lstStyle/>
-          <a:p>
-            <a:r>
-              <a:rPr kumimoji="1" lang="en-US" altLang="ja-JP"/>
-              <a:t>256hax</a:t>
-            </a:r>
-            <a:endParaRPr kumimoji="1" lang="ja-JP" altLang="en-US"/>
-          </a:p>
-        </p:txBody>
-      </p:sp>
-      <p:sp>
-        <p:nvSpPr>
-          <p:cNvPr id="5" name="スライド番号プレースホルダー 4">
-            <a:extLst>
-              <a:ext uri="{FF2B5EF4-FFF2-40B4-BE49-F238E27FC236}">
-                <a16:creationId xmlns:a16="http://schemas.microsoft.com/office/drawing/2014/main" id="{E379B570-9F25-249A-840A-5E8B535920AA}"/>
-              </a:ext>
-            </a:extLst>
-          </p:cNvPr>
-          <p:cNvSpPr>
-            <a:spLocks noGrp="1"/>
-          </p:cNvSpPr>
-          <p:nvPr>
-            <p:ph type="sldNum" sz="quarter" idx="12"/>
-          </p:nvPr>
-        </p:nvSpPr>
-        <p:spPr/>
-        <p:txBody>
-          <a:bodyPr/>
-          <a:lstStyle/>
-          <a:p>
-            <a:fld id="{51BE5F08-58E8-9243-A834-2B76637F595D}" type="slidenum">
-              <a:rPr kumimoji="1" lang="ja-JP" altLang="en-US" smtClean="0"/>
-              <a:pPr/>
-              <a:t>6</a:t>
-            </a:fld>
-            <a:endParaRPr kumimoji="1" lang="ja-JP" altLang="en-US"/>
-          </a:p>
-        </p:txBody>
-      </p:sp>
-      <p:sp>
-        <p:nvSpPr>
-          <p:cNvPr id="8" name="正方形/長方形 7">
-            <a:extLst>
-              <a:ext uri="{FF2B5EF4-FFF2-40B4-BE49-F238E27FC236}">
-                <a16:creationId xmlns:a16="http://schemas.microsoft.com/office/drawing/2014/main" id="{81F61A3F-363F-0E0A-E207-0AB9CFA8C802}"/>
-              </a:ext>
-            </a:extLst>
-          </p:cNvPr>
-          <p:cNvSpPr/>
-          <p:nvPr/>
-        </p:nvSpPr>
-        <p:spPr>
-          <a:xfrm>
-            <a:off x="838200" y="4222245"/>
-            <a:ext cx="1540173" cy="1741481"/>
-          </a:xfrm>
-          <a:prstGeom prst="rect">
-            <a:avLst/>
-          </a:prstGeom>
-          <a:solidFill>
-            <a:schemeClr val="tx1"/>
-          </a:solidFill>
-          <a:ln>
-            <a:solidFill>
-              <a:schemeClr val="tx1"/>
-            </a:solidFill>
-          </a:ln>
-        </p:spPr>
-        <p:style>
-          <a:lnRef idx="2">
-            <a:schemeClr val="accent1">
-              <a:shade val="50000"/>
-            </a:schemeClr>
-          </a:lnRef>
-          <a:fillRef idx="1">
-            <a:schemeClr val="accent1"/>
-          </a:fillRef>
-          <a:effectRef idx="0">
-            <a:schemeClr val="accent1"/>
-          </a:effectRef>
-          <a:fontRef idx="minor">
-            <a:schemeClr val="lt1"/>
-          </a:fontRef>
-        </p:style>
-        <p:txBody>
-          <a:bodyPr rtlCol="0" anchor="ctr"/>
-          <a:lstStyle/>
-          <a:p>
-            <a:pPr algn="ctr"/>
-            <a:r>
-              <a:rPr kumimoji="1" lang="en-US" altLang="ja-JP" sz="1400" dirty="0">
-                <a:solidFill>
-                  <a:schemeClr val="bg1"/>
-                </a:solidFill>
-              </a:rPr>
-              <a:t>(</a:t>
-            </a:r>
-            <a:r>
-              <a:rPr kumimoji="1" lang="en-US" altLang="ja-JP" sz="1400" dirty="0" err="1">
-                <a:solidFill>
-                  <a:schemeClr val="bg1"/>
-                </a:solidFill>
-              </a:rPr>
-              <a:t>ToBe</a:t>
-            </a:r>
-            <a:r>
-              <a:rPr kumimoji="1" lang="en-US" altLang="ja-JP" sz="1400" dirty="0">
-                <a:solidFill>
-                  <a:schemeClr val="bg1"/>
-                </a:solidFill>
-              </a:rPr>
-              <a:t>)</a:t>
-            </a:r>
-          </a:p>
-          <a:p>
-            <a:pPr algn="ctr"/>
-            <a:r>
-              <a:rPr kumimoji="1" lang="en-US" altLang="ja-JP" sz="2000" dirty="0">
-                <a:solidFill>
-                  <a:schemeClr val="bg1"/>
-                </a:solidFill>
-              </a:rPr>
-              <a:t>Mad Mints</a:t>
-            </a:r>
-            <a:endParaRPr kumimoji="1" lang="ja-JP" altLang="en-US" sz="2000">
-              <a:solidFill>
-                <a:schemeClr val="bg1"/>
-              </a:solidFill>
-            </a:endParaRPr>
-          </a:p>
-        </p:txBody>
-      </p:sp>
-      <p:sp>
-        <p:nvSpPr>
-          <p:cNvPr id="13" name="正方形/長方形 12">
-            <a:extLst>
-              <a:ext uri="{FF2B5EF4-FFF2-40B4-BE49-F238E27FC236}">
-                <a16:creationId xmlns:a16="http://schemas.microsoft.com/office/drawing/2014/main" id="{3D2BDCEF-4432-9A0B-0694-CB6613F4450E}"/>
-              </a:ext>
-            </a:extLst>
-          </p:cNvPr>
-          <p:cNvSpPr/>
-          <p:nvPr/>
-        </p:nvSpPr>
-        <p:spPr>
-          <a:xfrm>
-            <a:off x="838200" y="1510070"/>
-            <a:ext cx="1540173" cy="1741481"/>
-          </a:xfrm>
-          <a:prstGeom prst="rect">
-            <a:avLst/>
-          </a:prstGeom>
-          <a:solidFill>
-            <a:schemeClr val="tx1"/>
-          </a:solidFill>
-          <a:ln>
-            <a:solidFill>
-              <a:schemeClr val="tx1"/>
-            </a:solidFill>
-          </a:ln>
-        </p:spPr>
-        <p:style>
-          <a:lnRef idx="2">
-            <a:schemeClr val="accent1">
-              <a:shade val="50000"/>
-            </a:schemeClr>
-          </a:lnRef>
-          <a:fillRef idx="1">
-            <a:schemeClr val="accent1"/>
-          </a:fillRef>
-          <a:effectRef idx="0">
-            <a:schemeClr val="accent1"/>
-          </a:effectRef>
-          <a:fontRef idx="minor">
-            <a:schemeClr val="lt1"/>
-          </a:fontRef>
-        </p:style>
-        <p:txBody>
-          <a:bodyPr rtlCol="0" anchor="ctr"/>
-          <a:lstStyle/>
-          <a:p>
-            <a:pPr algn="ctr"/>
-            <a:r>
-              <a:rPr kumimoji="1" lang="en-US" altLang="ja-JP" sz="1400" dirty="0">
-                <a:solidFill>
-                  <a:schemeClr val="bg1"/>
-                </a:solidFill>
-              </a:rPr>
-              <a:t>(</a:t>
-            </a:r>
-            <a:r>
-              <a:rPr kumimoji="1" lang="en-US" altLang="ja-JP" sz="1400" dirty="0" err="1">
-                <a:solidFill>
-                  <a:schemeClr val="bg1"/>
-                </a:solidFill>
-              </a:rPr>
-              <a:t>AsIs</a:t>
-            </a:r>
-            <a:r>
-              <a:rPr kumimoji="1" lang="en-US" altLang="ja-JP" sz="1400" dirty="0">
-                <a:solidFill>
-                  <a:schemeClr val="bg1"/>
-                </a:solidFill>
-              </a:rPr>
-              <a:t>)</a:t>
-            </a:r>
-          </a:p>
-          <a:p>
-            <a:pPr algn="ctr"/>
-            <a:r>
-              <a:rPr kumimoji="1" lang="en-US" altLang="ja-JP" sz="2000" dirty="0">
-                <a:solidFill>
-                  <a:schemeClr val="bg1"/>
-                </a:solidFill>
-              </a:rPr>
-              <a:t>Standard</a:t>
-            </a:r>
-            <a:endParaRPr kumimoji="1" lang="ja-JP" altLang="en-US" sz="2000">
-              <a:solidFill>
-                <a:schemeClr val="bg1"/>
-              </a:solidFill>
-            </a:endParaRPr>
-          </a:p>
-        </p:txBody>
-      </p:sp>
-      <p:cxnSp>
-        <p:nvCxnSpPr>
-          <p:cNvPr id="19" name="直線コネクタ 18">
-            <a:extLst>
-              <a:ext uri="{FF2B5EF4-FFF2-40B4-BE49-F238E27FC236}">
-                <a16:creationId xmlns:a16="http://schemas.microsoft.com/office/drawing/2014/main" id="{0B94F2AC-EB61-A104-CB50-DBF7497275A0}"/>
-              </a:ext>
-            </a:extLst>
-          </p:cNvPr>
-          <p:cNvCxnSpPr>
-            <a:cxnSpLocks/>
-          </p:cNvCxnSpPr>
-          <p:nvPr/>
-        </p:nvCxnSpPr>
-        <p:spPr>
-          <a:xfrm>
-            <a:off x="4937760" y="4971092"/>
-            <a:ext cx="0" cy="926793"/>
-          </a:xfrm>
-          <a:prstGeom prst="line">
-            <a:avLst/>
-          </a:prstGeom>
-          <a:ln w="9525">
-            <a:solidFill>
-              <a:schemeClr val="tx1"/>
-            </a:solidFill>
-            <a:headEnd type="none" w="med" len="med"/>
-            <a:tailEnd type="none" w="med" len="med"/>
-          </a:ln>
-        </p:spPr>
-        <p:style>
-          <a:lnRef idx="1">
-            <a:schemeClr val="accent1"/>
-          </a:lnRef>
-          <a:fillRef idx="0">
-            <a:schemeClr val="accent1"/>
-          </a:fillRef>
-          <a:effectRef idx="0">
-            <a:schemeClr val="accent1"/>
-          </a:effectRef>
-          <a:fontRef idx="minor">
-            <a:schemeClr val="tx1"/>
-          </a:fontRef>
-        </p:style>
-      </p:cxnSp>
-      <p:sp>
-        <p:nvSpPr>
-          <p:cNvPr id="23" name="テキスト ボックス 22">
-            <a:extLst>
-              <a:ext uri="{FF2B5EF4-FFF2-40B4-BE49-F238E27FC236}">
-                <a16:creationId xmlns:a16="http://schemas.microsoft.com/office/drawing/2014/main" id="{C3E5466C-2562-CFB7-38A9-002D1C036487}"/>
-              </a:ext>
-            </a:extLst>
-          </p:cNvPr>
-          <p:cNvSpPr txBox="1"/>
-          <p:nvPr/>
-        </p:nvSpPr>
-        <p:spPr>
-          <a:xfrm>
-            <a:off x="2685093" y="4222245"/>
-            <a:ext cx="2036437" cy="423275"/>
-          </a:xfrm>
-          <a:prstGeom prst="rect">
-            <a:avLst/>
-          </a:prstGeom>
-          <a:noFill/>
-        </p:spPr>
-        <p:txBody>
-          <a:bodyPr wrap="square" rtlCol="0">
-            <a:noAutofit/>
-          </a:bodyPr>
-          <a:lstStyle/>
-          <a:p>
-            <a:pPr algn="ctr"/>
-            <a:r>
-              <a:rPr kumimoji="1" lang="en-US" altLang="ja-JP" sz="1400" dirty="0"/>
-              <a:t>Create Nonce </a:t>
-            </a:r>
-            <a:r>
-              <a:rPr kumimoji="1" lang="en-US" altLang="ja-JP" sz="1400" dirty="0">
-                <a:solidFill>
-                  <a:schemeClr val="accent1"/>
-                </a:solidFill>
-              </a:rPr>
-              <a:t>in advance</a:t>
-            </a:r>
-            <a:endParaRPr kumimoji="1" lang="ja-JP" altLang="en-US" sz="1400" dirty="0">
-              <a:solidFill>
-                <a:schemeClr val="accent1"/>
-              </a:solidFill>
-            </a:endParaRPr>
-          </a:p>
-        </p:txBody>
-      </p:sp>
-      <p:sp>
-        <p:nvSpPr>
-          <p:cNvPr id="14" name="角丸四角形 13">
-            <a:extLst>
-              <a:ext uri="{FF2B5EF4-FFF2-40B4-BE49-F238E27FC236}">
-                <a16:creationId xmlns:a16="http://schemas.microsoft.com/office/drawing/2014/main" id="{741DCE46-755F-DFB0-D245-87AAACBCBD22}"/>
-              </a:ext>
-            </a:extLst>
-          </p:cNvPr>
-          <p:cNvSpPr/>
-          <p:nvPr/>
-        </p:nvSpPr>
-        <p:spPr>
-          <a:xfrm>
-            <a:off x="7315206" y="2647224"/>
-            <a:ext cx="1863089" cy="278007"/>
-          </a:xfrm>
-          <a:prstGeom prst="roundRect">
-            <a:avLst>
-              <a:gd name="adj" fmla="val 33112"/>
-            </a:avLst>
-          </a:prstGeom>
-          <a:solidFill>
-            <a:srgbClr val="FF0000"/>
-          </a:solidFill>
-          <a:ln>
-            <a:noFill/>
-          </a:ln>
-        </p:spPr>
-        <p:style>
-          <a:lnRef idx="2">
-            <a:schemeClr val="accent1">
-              <a:shade val="50000"/>
-            </a:schemeClr>
-          </a:lnRef>
-          <a:fillRef idx="1">
-            <a:schemeClr val="accent1"/>
-          </a:fillRef>
-          <a:effectRef idx="0">
-            <a:schemeClr val="accent1"/>
-          </a:effectRef>
-          <a:fontRef idx="minor">
-            <a:schemeClr val="lt1"/>
-          </a:fontRef>
-        </p:style>
-        <p:txBody>
-          <a:bodyPr wrap="none" rtlCol="0" anchor="ctr"/>
-          <a:lstStyle/>
-          <a:p>
-            <a:pPr algn="ctr"/>
-            <a:r>
-              <a:rPr kumimoji="1" lang="en-US" altLang="ja-JP" sz="1600" dirty="0">
-                <a:solidFill>
-                  <a:schemeClr val="bg1"/>
-                </a:solidFill>
-              </a:rPr>
-              <a:t>Create and Use Nonce</a:t>
-            </a:r>
-          </a:p>
-        </p:txBody>
-      </p:sp>
-      <p:sp>
-        <p:nvSpPr>
-          <p:cNvPr id="15" name="ホームベース 14">
-            <a:extLst>
-              <a:ext uri="{FF2B5EF4-FFF2-40B4-BE49-F238E27FC236}">
-                <a16:creationId xmlns:a16="http://schemas.microsoft.com/office/drawing/2014/main" id="{D4BF21F6-21BA-553E-3714-B56C7610B420}"/>
-              </a:ext>
-            </a:extLst>
-          </p:cNvPr>
-          <p:cNvSpPr/>
-          <p:nvPr/>
-        </p:nvSpPr>
-        <p:spPr>
-          <a:xfrm>
-            <a:off x="5244475" y="2324758"/>
-            <a:ext cx="2036442" cy="926793"/>
-          </a:xfrm>
-          <a:prstGeom prst="homePlate">
-            <a:avLst>
-              <a:gd name="adj" fmla="val 36434"/>
-            </a:avLst>
-          </a:prstGeom>
-          <a:noFill/>
-          <a:ln>
-            <a:solidFill>
-              <a:schemeClr val="tx1"/>
-            </a:solidFill>
-          </a:ln>
-        </p:spPr>
-        <p:style>
-          <a:lnRef idx="2">
-            <a:schemeClr val="accent1">
-              <a:shade val="50000"/>
-            </a:schemeClr>
-          </a:lnRef>
-          <a:fillRef idx="1">
-            <a:schemeClr val="accent1"/>
-          </a:fillRef>
-          <a:effectRef idx="0">
-            <a:schemeClr val="accent1"/>
-          </a:effectRef>
-          <a:fontRef idx="minor">
-            <a:schemeClr val="lt1"/>
-          </a:fontRef>
-        </p:style>
-        <p:txBody>
-          <a:bodyPr wrap="none" rtlCol="0" anchor="ctr"/>
-          <a:lstStyle/>
-          <a:p>
-            <a:pPr algn="ctr"/>
-            <a:r>
-              <a:rPr kumimoji="1" lang="en-US" altLang="ja-JP" sz="1600" dirty="0">
-                <a:solidFill>
-                  <a:schemeClr val="tx1"/>
-                </a:solidFill>
-              </a:rPr>
-              <a:t>Create Instructions</a:t>
-            </a:r>
-            <a:endParaRPr kumimoji="1" lang="ja-JP" altLang="en-US" sz="1600">
-              <a:solidFill>
-                <a:schemeClr val="tx1"/>
-              </a:solidFill>
-            </a:endParaRPr>
-          </a:p>
-        </p:txBody>
-      </p:sp>
-      <p:sp>
-        <p:nvSpPr>
-          <p:cNvPr id="16" name="ホームベース 15">
-            <a:extLst>
-              <a:ext uri="{FF2B5EF4-FFF2-40B4-BE49-F238E27FC236}">
-                <a16:creationId xmlns:a16="http://schemas.microsoft.com/office/drawing/2014/main" id="{93CD21E4-E185-FAE8-2460-61AD1DB51246}"/>
-              </a:ext>
-            </a:extLst>
-          </p:cNvPr>
-          <p:cNvSpPr/>
-          <p:nvPr/>
-        </p:nvSpPr>
-        <p:spPr>
-          <a:xfrm>
-            <a:off x="7280917" y="2324758"/>
-            <a:ext cx="2036442" cy="926791"/>
-          </a:xfrm>
-          <a:prstGeom prst="homePlate">
-            <a:avLst/>
-          </a:prstGeom>
-          <a:noFill/>
-          <a:ln>
-            <a:solidFill>
-              <a:schemeClr val="tx1"/>
-            </a:solidFill>
-          </a:ln>
-        </p:spPr>
-        <p:style>
-          <a:lnRef idx="2">
-            <a:schemeClr val="accent1">
-              <a:shade val="50000"/>
-            </a:schemeClr>
-          </a:lnRef>
-          <a:fillRef idx="1">
-            <a:schemeClr val="accent1"/>
-          </a:fillRef>
-          <a:effectRef idx="0">
-            <a:schemeClr val="accent1"/>
-          </a:effectRef>
-          <a:fontRef idx="minor">
-            <a:schemeClr val="lt1"/>
-          </a:fontRef>
-        </p:style>
-        <p:txBody>
-          <a:bodyPr wrap="none" rtlCol="0" anchor="t"/>
-          <a:lstStyle/>
-          <a:p>
-            <a:pPr algn="ctr"/>
-            <a:r>
-              <a:rPr kumimoji="1" lang="en-US" altLang="ja-JP" sz="1600" dirty="0">
-                <a:solidFill>
-                  <a:schemeClr val="tx1"/>
-                </a:solidFill>
-              </a:rPr>
-              <a:t>Sign Transaction</a:t>
-            </a:r>
-            <a:endParaRPr kumimoji="1" lang="ja-JP" altLang="en-US" sz="1600">
-              <a:solidFill>
-                <a:schemeClr val="tx1"/>
-              </a:solidFill>
-            </a:endParaRPr>
-          </a:p>
-        </p:txBody>
-      </p:sp>
-      <p:sp>
-        <p:nvSpPr>
-          <p:cNvPr id="17" name="ホームベース 16">
-            <a:extLst>
-              <a:ext uri="{FF2B5EF4-FFF2-40B4-BE49-F238E27FC236}">
-                <a16:creationId xmlns:a16="http://schemas.microsoft.com/office/drawing/2014/main" id="{D50C407C-C0C0-A037-699F-1A4E6CFBC20D}"/>
-              </a:ext>
-            </a:extLst>
-          </p:cNvPr>
-          <p:cNvSpPr/>
-          <p:nvPr/>
-        </p:nvSpPr>
-        <p:spPr>
-          <a:xfrm>
-            <a:off x="9317358" y="2324759"/>
-            <a:ext cx="2036442" cy="926792"/>
-          </a:xfrm>
-          <a:prstGeom prst="homePlate">
-            <a:avLst>
-              <a:gd name="adj" fmla="val 37667"/>
-            </a:avLst>
-          </a:prstGeom>
-          <a:noFill/>
-          <a:ln>
-            <a:solidFill>
-              <a:schemeClr val="tx1"/>
-            </a:solidFill>
-          </a:ln>
-        </p:spPr>
-        <p:style>
-          <a:lnRef idx="2">
-            <a:schemeClr val="accent1">
-              <a:shade val="50000"/>
-            </a:schemeClr>
-          </a:lnRef>
-          <a:fillRef idx="1">
-            <a:schemeClr val="accent1"/>
-          </a:fillRef>
-          <a:effectRef idx="0">
-            <a:schemeClr val="accent1"/>
-          </a:effectRef>
-          <a:fontRef idx="minor">
-            <a:schemeClr val="lt1"/>
-          </a:fontRef>
-        </p:style>
-        <p:txBody>
-          <a:bodyPr wrap="none" rtlCol="0" anchor="ctr"/>
-          <a:lstStyle/>
-          <a:p>
-            <a:pPr algn="ctr"/>
-            <a:r>
-              <a:rPr kumimoji="1" lang="en-US" altLang="ja-JP" sz="1600" dirty="0">
-                <a:solidFill>
-                  <a:schemeClr val="tx1"/>
-                </a:solidFill>
-              </a:rPr>
-              <a:t>Send Transaction</a:t>
-            </a:r>
-            <a:endParaRPr kumimoji="1" lang="ja-JP" altLang="en-US" sz="1600">
-              <a:solidFill>
-                <a:schemeClr val="tx1"/>
-              </a:solidFill>
-            </a:endParaRPr>
-          </a:p>
-        </p:txBody>
-      </p:sp>
-      <p:sp>
-        <p:nvSpPr>
-          <p:cNvPr id="26" name="ホームベース 25">
-            <a:extLst>
-              <a:ext uri="{FF2B5EF4-FFF2-40B4-BE49-F238E27FC236}">
-                <a16:creationId xmlns:a16="http://schemas.microsoft.com/office/drawing/2014/main" id="{21FA7AD1-8C59-4BF2-E358-C8D3D818A83C}"/>
-              </a:ext>
-            </a:extLst>
-          </p:cNvPr>
-          <p:cNvSpPr/>
-          <p:nvPr/>
-        </p:nvSpPr>
-        <p:spPr>
-          <a:xfrm>
-            <a:off x="5244475" y="4971092"/>
-            <a:ext cx="2036442" cy="926793"/>
-          </a:xfrm>
-          <a:prstGeom prst="homePlate">
-            <a:avLst>
-              <a:gd name="adj" fmla="val 36434"/>
-            </a:avLst>
-          </a:prstGeom>
-          <a:noFill/>
-          <a:ln>
-            <a:solidFill>
-              <a:schemeClr val="tx1"/>
-            </a:solidFill>
-          </a:ln>
-        </p:spPr>
-        <p:style>
-          <a:lnRef idx="2">
-            <a:schemeClr val="accent1">
-              <a:shade val="50000"/>
-            </a:schemeClr>
-          </a:lnRef>
-          <a:fillRef idx="1">
-            <a:schemeClr val="accent1"/>
-          </a:fillRef>
-          <a:effectRef idx="0">
-            <a:schemeClr val="accent1"/>
-          </a:effectRef>
-          <a:fontRef idx="minor">
-            <a:schemeClr val="lt1"/>
-          </a:fontRef>
-        </p:style>
-        <p:txBody>
-          <a:bodyPr wrap="none" rtlCol="0" anchor="ctr"/>
-          <a:lstStyle/>
-          <a:p>
-            <a:pPr algn="ctr"/>
-            <a:r>
-              <a:rPr kumimoji="1" lang="en-US" altLang="ja-JP" sz="1600" dirty="0">
-                <a:solidFill>
-                  <a:schemeClr val="tx1"/>
-                </a:solidFill>
-              </a:rPr>
-              <a:t>Create Instructions</a:t>
-            </a:r>
-            <a:endParaRPr kumimoji="1" lang="ja-JP" altLang="en-US" sz="1600">
-              <a:solidFill>
-                <a:schemeClr val="tx1"/>
-              </a:solidFill>
-            </a:endParaRPr>
-          </a:p>
-        </p:txBody>
-      </p:sp>
-      <p:sp>
-        <p:nvSpPr>
-          <p:cNvPr id="28" name="ホームベース 27">
-            <a:extLst>
-              <a:ext uri="{FF2B5EF4-FFF2-40B4-BE49-F238E27FC236}">
-                <a16:creationId xmlns:a16="http://schemas.microsoft.com/office/drawing/2014/main" id="{77187EBB-D046-73DC-BFB5-FEC06A817188}"/>
-              </a:ext>
-            </a:extLst>
-          </p:cNvPr>
-          <p:cNvSpPr/>
-          <p:nvPr/>
-        </p:nvSpPr>
-        <p:spPr>
-          <a:xfrm>
-            <a:off x="9317358" y="4971093"/>
-            <a:ext cx="2036442" cy="926792"/>
-          </a:xfrm>
-          <a:prstGeom prst="homePlate">
-            <a:avLst>
-              <a:gd name="adj" fmla="val 37667"/>
-            </a:avLst>
-          </a:prstGeom>
-          <a:noFill/>
-          <a:ln>
-            <a:solidFill>
-              <a:schemeClr val="tx1"/>
-            </a:solidFill>
-          </a:ln>
-        </p:spPr>
-        <p:style>
-          <a:lnRef idx="2">
-            <a:schemeClr val="accent1">
-              <a:shade val="50000"/>
-            </a:schemeClr>
-          </a:lnRef>
-          <a:fillRef idx="1">
-            <a:schemeClr val="accent1"/>
-          </a:fillRef>
-          <a:effectRef idx="0">
-            <a:schemeClr val="accent1"/>
-          </a:effectRef>
-          <a:fontRef idx="minor">
-            <a:schemeClr val="lt1"/>
-          </a:fontRef>
-        </p:style>
-        <p:txBody>
-          <a:bodyPr wrap="none" rtlCol="0" anchor="ctr"/>
-          <a:lstStyle/>
-          <a:p>
-            <a:pPr algn="ctr"/>
-            <a:r>
-              <a:rPr kumimoji="1" lang="en-US" altLang="ja-JP" sz="1600" dirty="0">
-                <a:solidFill>
-                  <a:schemeClr val="tx1"/>
-                </a:solidFill>
-              </a:rPr>
-              <a:t>Send Transaction</a:t>
-            </a:r>
-            <a:endParaRPr kumimoji="1" lang="ja-JP" altLang="en-US" sz="1600">
-              <a:solidFill>
-                <a:schemeClr val="tx1"/>
-              </a:solidFill>
-            </a:endParaRPr>
-          </a:p>
-        </p:txBody>
-      </p:sp>
-      <p:sp>
-        <p:nvSpPr>
-          <p:cNvPr id="32" name="テキスト ボックス 31">
-            <a:extLst>
-              <a:ext uri="{FF2B5EF4-FFF2-40B4-BE49-F238E27FC236}">
-                <a16:creationId xmlns:a16="http://schemas.microsoft.com/office/drawing/2014/main" id="{5E08C37E-8A7C-6094-1A09-B0014218A2A7}"/>
-              </a:ext>
-            </a:extLst>
-          </p:cNvPr>
-          <p:cNvSpPr txBox="1"/>
-          <p:nvPr/>
-        </p:nvSpPr>
-        <p:spPr>
-          <a:xfrm>
-            <a:off x="5244480" y="4222245"/>
-            <a:ext cx="6109320" cy="423275"/>
-          </a:xfrm>
-          <a:prstGeom prst="rect">
-            <a:avLst/>
-          </a:prstGeom>
-          <a:noFill/>
-        </p:spPr>
-        <p:txBody>
-          <a:bodyPr wrap="square" rtlCol="0">
-            <a:noAutofit/>
-          </a:bodyPr>
-          <a:lstStyle/>
-          <a:p>
-            <a:pPr algn="ctr"/>
-            <a:r>
-              <a:rPr kumimoji="1" lang="en-US" altLang="ja-JP" sz="1400" dirty="0"/>
-              <a:t>Speed Test Scope</a:t>
-            </a:r>
-            <a:endParaRPr kumimoji="1" lang="ja-JP" altLang="en-US" sz="1400" dirty="0"/>
-          </a:p>
-        </p:txBody>
-      </p:sp>
-      <p:sp>
-        <p:nvSpPr>
-          <p:cNvPr id="33" name="テキスト ボックス 32">
-            <a:extLst>
-              <a:ext uri="{FF2B5EF4-FFF2-40B4-BE49-F238E27FC236}">
-                <a16:creationId xmlns:a16="http://schemas.microsoft.com/office/drawing/2014/main" id="{0A25523D-988C-11FC-7FE3-75DB3B2578A1}"/>
-              </a:ext>
-            </a:extLst>
-          </p:cNvPr>
-          <p:cNvSpPr txBox="1"/>
-          <p:nvPr/>
-        </p:nvSpPr>
-        <p:spPr>
-          <a:xfrm>
-            <a:off x="5244480" y="1510070"/>
-            <a:ext cx="6109320" cy="423275"/>
-          </a:xfrm>
-          <a:prstGeom prst="rect">
-            <a:avLst/>
-          </a:prstGeom>
-          <a:noFill/>
-        </p:spPr>
-        <p:txBody>
-          <a:bodyPr wrap="square" rtlCol="0">
-            <a:noAutofit/>
-          </a:bodyPr>
-          <a:lstStyle/>
-          <a:p>
-            <a:pPr algn="ctr"/>
-            <a:r>
-              <a:rPr kumimoji="1" lang="en-US" altLang="ja-JP" sz="1400" dirty="0"/>
-              <a:t>Speed Test Scope</a:t>
-            </a:r>
-            <a:endParaRPr kumimoji="1" lang="ja-JP" altLang="en-US" sz="1400" dirty="0"/>
-          </a:p>
-        </p:txBody>
-      </p:sp>
-      <p:sp>
-        <p:nvSpPr>
-          <p:cNvPr id="34" name="左中かっこ 33">
-            <a:extLst>
-              <a:ext uri="{FF2B5EF4-FFF2-40B4-BE49-F238E27FC236}">
-                <a16:creationId xmlns:a16="http://schemas.microsoft.com/office/drawing/2014/main" id="{5E2EF593-D909-6809-4E24-0E57F203D338}"/>
-              </a:ext>
-            </a:extLst>
-          </p:cNvPr>
-          <p:cNvSpPr/>
-          <p:nvPr/>
-        </p:nvSpPr>
-        <p:spPr>
-          <a:xfrm rot="5400000">
-            <a:off x="8159566" y="1685660"/>
-            <a:ext cx="279135" cy="6109319"/>
-          </a:xfrm>
-          <a:prstGeom prst="leftBrace">
-            <a:avLst>
-              <a:gd name="adj1" fmla="val 41091"/>
-              <a:gd name="adj2" fmla="val 50000"/>
-            </a:avLst>
-          </a:prstGeom>
-          <a:ln w="9525">
-            <a:solidFill>
-              <a:schemeClr val="tx1"/>
-            </a:solidFill>
-            <a:headEnd type="none" w="med" len="med"/>
-            <a:tailEnd type="none" w="med" len="med"/>
-          </a:ln>
-        </p:spPr>
-        <p:style>
-          <a:lnRef idx="1">
-            <a:schemeClr val="accent1"/>
-          </a:lnRef>
-          <a:fillRef idx="0">
-            <a:schemeClr val="accent1"/>
-          </a:fillRef>
-          <a:effectRef idx="0">
-            <a:schemeClr val="accent1"/>
-          </a:effectRef>
-          <a:fontRef idx="minor">
-            <a:schemeClr val="tx1"/>
-          </a:fontRef>
-        </p:style>
-        <p:txBody>
-          <a:bodyPr rtlCol="0" anchor="ctr"/>
-          <a:lstStyle/>
-          <a:p>
-            <a:pPr algn="ctr"/>
-            <a:endParaRPr kumimoji="1" lang="ja-JP" altLang="en-US"/>
-          </a:p>
-        </p:txBody>
-      </p:sp>
-      <p:sp>
-        <p:nvSpPr>
-          <p:cNvPr id="35" name="左中かっこ 34">
-            <a:extLst>
-              <a:ext uri="{FF2B5EF4-FFF2-40B4-BE49-F238E27FC236}">
-                <a16:creationId xmlns:a16="http://schemas.microsoft.com/office/drawing/2014/main" id="{46D7CAEE-6744-B2F4-82D0-20191A158AA0}"/>
-              </a:ext>
-            </a:extLst>
-          </p:cNvPr>
-          <p:cNvSpPr/>
-          <p:nvPr/>
-        </p:nvSpPr>
-        <p:spPr>
-          <a:xfrm rot="5400000">
-            <a:off x="8159566" y="-981746"/>
-            <a:ext cx="279135" cy="6109319"/>
-          </a:xfrm>
-          <a:prstGeom prst="leftBrace">
-            <a:avLst>
-              <a:gd name="adj1" fmla="val 41091"/>
-              <a:gd name="adj2" fmla="val 50000"/>
-            </a:avLst>
-          </a:prstGeom>
-          <a:ln w="9525">
-            <a:solidFill>
-              <a:schemeClr val="tx1"/>
-            </a:solidFill>
-            <a:headEnd type="none" w="med" len="med"/>
-            <a:tailEnd type="none" w="med" len="med"/>
-          </a:ln>
-        </p:spPr>
-        <p:style>
-          <a:lnRef idx="1">
-            <a:schemeClr val="accent1"/>
-          </a:lnRef>
-          <a:fillRef idx="0">
-            <a:schemeClr val="accent1"/>
-          </a:fillRef>
-          <a:effectRef idx="0">
-            <a:schemeClr val="accent1"/>
-          </a:effectRef>
-          <a:fontRef idx="minor">
-            <a:schemeClr val="tx1"/>
-          </a:fontRef>
-        </p:style>
-        <p:txBody>
-          <a:bodyPr rtlCol="0" anchor="ctr"/>
-          <a:lstStyle/>
-          <a:p>
-            <a:pPr algn="ctr"/>
-            <a:endParaRPr kumimoji="1" lang="ja-JP" altLang="en-US"/>
-          </a:p>
-        </p:txBody>
-      </p:sp>
-      <p:sp>
-        <p:nvSpPr>
-          <p:cNvPr id="36" name="テキスト ボックス 35">
-            <a:extLst>
-              <a:ext uri="{FF2B5EF4-FFF2-40B4-BE49-F238E27FC236}">
-                <a16:creationId xmlns:a16="http://schemas.microsoft.com/office/drawing/2014/main" id="{6D88195E-289B-99B9-BDC7-7C4D3848A442}"/>
-              </a:ext>
-            </a:extLst>
-          </p:cNvPr>
-          <p:cNvSpPr txBox="1"/>
-          <p:nvPr/>
-        </p:nvSpPr>
-        <p:spPr>
-          <a:xfrm>
-            <a:off x="7280917" y="3298856"/>
-            <a:ext cx="2036442" cy="252284"/>
-          </a:xfrm>
-          <a:prstGeom prst="rect">
-            <a:avLst/>
-          </a:prstGeom>
-          <a:noFill/>
-        </p:spPr>
-        <p:txBody>
-          <a:bodyPr wrap="square" rtlCol="0">
-            <a:noAutofit/>
-          </a:bodyPr>
-          <a:lstStyle/>
-          <a:p>
-            <a:pPr algn="ctr"/>
-            <a:r>
-              <a:rPr kumimoji="1" lang="en-US" altLang="ja-JP" sz="1200" dirty="0">
-                <a:solidFill>
-                  <a:srgbClr val="FF0000"/>
-                </a:solidFill>
-              </a:rPr>
-              <a:t>Speed Bottleneck</a:t>
-            </a:r>
-            <a:endParaRPr kumimoji="1" lang="ja-JP" altLang="en-US" sz="1200" dirty="0">
-              <a:solidFill>
-                <a:srgbClr val="FF0000"/>
-              </a:solidFill>
-            </a:endParaRPr>
-          </a:p>
-        </p:txBody>
-      </p:sp>
-      <p:sp>
-        <p:nvSpPr>
-          <p:cNvPr id="37" name="下矢印 36">
-            <a:extLst>
-              <a:ext uri="{FF2B5EF4-FFF2-40B4-BE49-F238E27FC236}">
-                <a16:creationId xmlns:a16="http://schemas.microsoft.com/office/drawing/2014/main" id="{8DFBD698-44D7-4E14-CF53-088A4BB69BE9}"/>
-              </a:ext>
-            </a:extLst>
-          </p:cNvPr>
-          <p:cNvSpPr/>
-          <p:nvPr/>
-        </p:nvSpPr>
-        <p:spPr>
-          <a:xfrm>
-            <a:off x="1253956" y="3495677"/>
-            <a:ext cx="708660" cy="482441"/>
-          </a:xfrm>
-          <a:prstGeom prst="downArrow">
-            <a:avLst/>
-          </a:prstGeom>
-          <a:solidFill>
-            <a:schemeClr val="tx1"/>
-          </a:solidFill>
-          <a:ln>
-            <a:solidFill>
-              <a:schemeClr val="tx1"/>
-            </a:solidFill>
-          </a:ln>
-        </p:spPr>
-        <p:style>
-          <a:lnRef idx="2">
-            <a:schemeClr val="accent1">
-              <a:shade val="50000"/>
-            </a:schemeClr>
-          </a:lnRef>
-          <a:fillRef idx="1">
-            <a:schemeClr val="accent1"/>
-          </a:fillRef>
-          <a:effectRef idx="0">
-            <a:schemeClr val="accent1"/>
-          </a:effectRef>
-          <a:fontRef idx="minor">
-            <a:schemeClr val="lt1"/>
-          </a:fontRef>
-        </p:style>
-        <p:txBody>
-          <a:bodyPr rtlCol="0" anchor="ctr"/>
-          <a:lstStyle/>
-          <a:p>
-            <a:pPr algn="ctr"/>
-            <a:endParaRPr kumimoji="1" lang="ja-JP" altLang="en-US" sz="1600">
-              <a:solidFill>
-                <a:schemeClr val="tx1"/>
-              </a:solidFill>
-            </a:endParaRPr>
-          </a:p>
-        </p:txBody>
-      </p:sp>
-      <p:sp>
-        <p:nvSpPr>
-          <p:cNvPr id="9" name="テキスト ボックス 8">
-            <a:extLst>
-              <a:ext uri="{FF2B5EF4-FFF2-40B4-BE49-F238E27FC236}">
-                <a16:creationId xmlns:a16="http://schemas.microsoft.com/office/drawing/2014/main" id="{05D19519-1078-2065-1F9B-D35C47733C21}"/>
-              </a:ext>
-            </a:extLst>
-          </p:cNvPr>
-          <p:cNvSpPr txBox="1"/>
-          <p:nvPr/>
-        </p:nvSpPr>
-        <p:spPr>
-          <a:xfrm>
-            <a:off x="2056438" y="3551140"/>
-            <a:ext cx="1109672" cy="423275"/>
-          </a:xfrm>
-          <a:prstGeom prst="rect">
-            <a:avLst/>
-          </a:prstGeom>
-          <a:noFill/>
-        </p:spPr>
-        <p:txBody>
-          <a:bodyPr wrap="square" rtlCol="0">
-            <a:noAutofit/>
-          </a:bodyPr>
-          <a:lstStyle/>
-          <a:p>
-            <a:r>
-              <a:rPr kumimoji="1" lang="en-US" altLang="ja-JP" sz="1400" dirty="0"/>
-              <a:t>Improve</a:t>
-            </a:r>
-            <a:endParaRPr kumimoji="1" lang="ja-JP" altLang="en-US" sz="1400" dirty="0"/>
-          </a:p>
-        </p:txBody>
-      </p:sp>
-      <p:sp>
-        <p:nvSpPr>
-          <p:cNvPr id="10" name="角丸四角形 9">
-            <a:extLst>
-              <a:ext uri="{FF2B5EF4-FFF2-40B4-BE49-F238E27FC236}">
-                <a16:creationId xmlns:a16="http://schemas.microsoft.com/office/drawing/2014/main" id="{CCEA4EF1-FAE5-FA6F-AA79-17660F283667}"/>
-              </a:ext>
-            </a:extLst>
-          </p:cNvPr>
-          <p:cNvSpPr/>
-          <p:nvPr/>
-        </p:nvSpPr>
-        <p:spPr>
-          <a:xfrm>
-            <a:off x="7315206" y="5293560"/>
-            <a:ext cx="1863089" cy="278007"/>
-          </a:xfrm>
-          <a:prstGeom prst="roundRect">
-            <a:avLst>
-              <a:gd name="adj" fmla="val 33112"/>
-            </a:avLst>
-          </a:prstGeom>
-          <a:solidFill>
-            <a:schemeClr val="accent1"/>
-          </a:solidFill>
-          <a:ln>
-            <a:noFill/>
-          </a:ln>
-        </p:spPr>
-        <p:style>
-          <a:lnRef idx="2">
-            <a:schemeClr val="accent1">
-              <a:shade val="50000"/>
-            </a:schemeClr>
-          </a:lnRef>
-          <a:fillRef idx="1">
-            <a:schemeClr val="accent1"/>
-          </a:fillRef>
-          <a:effectRef idx="0">
-            <a:schemeClr val="accent1"/>
-          </a:effectRef>
-          <a:fontRef idx="minor">
-            <a:schemeClr val="lt1"/>
-          </a:fontRef>
-        </p:style>
-        <p:txBody>
-          <a:bodyPr wrap="none" rtlCol="0" anchor="ctr"/>
-          <a:lstStyle/>
-          <a:p>
-            <a:pPr algn="ctr"/>
-            <a:r>
-              <a:rPr kumimoji="1" lang="en-US" altLang="ja-JP" sz="1600" dirty="0">
-                <a:solidFill>
-                  <a:schemeClr val="bg1"/>
-                </a:solidFill>
-              </a:rPr>
-              <a:t>Use Nonce</a:t>
-            </a:r>
-          </a:p>
-        </p:txBody>
-      </p:sp>
-      <p:sp>
-        <p:nvSpPr>
-          <p:cNvPr id="11" name="ホームベース 10">
-            <a:extLst>
-              <a:ext uri="{FF2B5EF4-FFF2-40B4-BE49-F238E27FC236}">
-                <a16:creationId xmlns:a16="http://schemas.microsoft.com/office/drawing/2014/main" id="{9B61A21C-30DB-4EBA-B037-76B3346CA3D5}"/>
-              </a:ext>
-            </a:extLst>
-          </p:cNvPr>
-          <p:cNvSpPr/>
-          <p:nvPr/>
-        </p:nvSpPr>
-        <p:spPr>
-          <a:xfrm>
-            <a:off x="7280917" y="4971094"/>
-            <a:ext cx="2036442" cy="926791"/>
-          </a:xfrm>
-          <a:prstGeom prst="homePlate">
-            <a:avLst/>
-          </a:prstGeom>
-          <a:noFill/>
-          <a:ln>
-            <a:solidFill>
-              <a:schemeClr val="tx1"/>
-            </a:solidFill>
-          </a:ln>
-        </p:spPr>
-        <p:style>
-          <a:lnRef idx="2">
-            <a:schemeClr val="accent1">
-              <a:shade val="50000"/>
-            </a:schemeClr>
-          </a:lnRef>
-          <a:fillRef idx="1">
-            <a:schemeClr val="accent1"/>
-          </a:fillRef>
-          <a:effectRef idx="0">
-            <a:schemeClr val="accent1"/>
-          </a:effectRef>
-          <a:fontRef idx="minor">
-            <a:schemeClr val="lt1"/>
-          </a:fontRef>
-        </p:style>
-        <p:txBody>
-          <a:bodyPr wrap="none" rtlCol="0" anchor="t"/>
-          <a:lstStyle/>
-          <a:p>
-            <a:pPr algn="ctr"/>
-            <a:r>
-              <a:rPr kumimoji="1" lang="en-US" altLang="ja-JP" sz="1600" dirty="0">
-                <a:solidFill>
-                  <a:schemeClr val="tx1"/>
-                </a:solidFill>
-              </a:rPr>
-              <a:t>Sign Transaction</a:t>
-            </a:r>
-            <a:endParaRPr kumimoji="1" lang="ja-JP" altLang="en-US" sz="1600">
-              <a:solidFill>
-                <a:schemeClr val="tx1"/>
-              </a:solidFill>
-            </a:endParaRPr>
-          </a:p>
-        </p:txBody>
-      </p:sp>
-      <p:sp>
-        <p:nvSpPr>
-          <p:cNvPr id="12" name="ホームベース 11">
-            <a:extLst>
-              <a:ext uri="{FF2B5EF4-FFF2-40B4-BE49-F238E27FC236}">
-                <a16:creationId xmlns:a16="http://schemas.microsoft.com/office/drawing/2014/main" id="{2B35FA34-D7E2-5BAB-F862-3C100918B9EB}"/>
-              </a:ext>
-            </a:extLst>
-          </p:cNvPr>
-          <p:cNvSpPr/>
-          <p:nvPr/>
-        </p:nvSpPr>
-        <p:spPr>
-          <a:xfrm>
-            <a:off x="2685087" y="4971092"/>
-            <a:ext cx="2036442" cy="926793"/>
-          </a:xfrm>
-          <a:prstGeom prst="homePlate">
-            <a:avLst>
-              <a:gd name="adj" fmla="val 36434"/>
-            </a:avLst>
-          </a:prstGeom>
-          <a:noFill/>
-          <a:ln>
-            <a:solidFill>
-              <a:schemeClr val="tx1"/>
-            </a:solidFill>
-          </a:ln>
-        </p:spPr>
-        <p:style>
-          <a:lnRef idx="2">
-            <a:schemeClr val="accent1">
-              <a:shade val="50000"/>
-            </a:schemeClr>
-          </a:lnRef>
-          <a:fillRef idx="1">
-            <a:schemeClr val="accent1"/>
-          </a:fillRef>
-          <a:effectRef idx="0">
-            <a:schemeClr val="accent1"/>
-          </a:effectRef>
-          <a:fontRef idx="minor">
-            <a:schemeClr val="lt1"/>
-          </a:fontRef>
-        </p:style>
-        <p:txBody>
-          <a:bodyPr wrap="none" rtlCol="0" anchor="t"/>
-          <a:lstStyle/>
-          <a:p>
-            <a:pPr algn="ctr"/>
-            <a:r>
-              <a:rPr kumimoji="1" lang="en-US" altLang="ja-JP" sz="1600" dirty="0">
-                <a:solidFill>
-                  <a:schemeClr val="tx1"/>
-                </a:solidFill>
-              </a:rPr>
-              <a:t>Create Instructions</a:t>
-            </a:r>
-            <a:endParaRPr kumimoji="1" lang="ja-JP" altLang="en-US" sz="1600">
-              <a:solidFill>
-                <a:schemeClr val="tx1"/>
-              </a:solidFill>
-            </a:endParaRPr>
-          </a:p>
-        </p:txBody>
-      </p:sp>
-      <p:sp>
-        <p:nvSpPr>
-          <p:cNvPr id="18" name="角丸四角形 17">
-            <a:extLst>
-              <a:ext uri="{FF2B5EF4-FFF2-40B4-BE49-F238E27FC236}">
-                <a16:creationId xmlns:a16="http://schemas.microsoft.com/office/drawing/2014/main" id="{ED43D95D-CCE0-724C-E96A-2765085220F3}"/>
-              </a:ext>
-            </a:extLst>
-          </p:cNvPr>
-          <p:cNvSpPr/>
-          <p:nvPr/>
-        </p:nvSpPr>
-        <p:spPr>
-          <a:xfrm>
-            <a:off x="2703277" y="5293560"/>
-            <a:ext cx="1863089" cy="278007"/>
-          </a:xfrm>
-          <a:prstGeom prst="roundRect">
-            <a:avLst>
-              <a:gd name="adj" fmla="val 33112"/>
-            </a:avLst>
-          </a:prstGeom>
-          <a:solidFill>
-            <a:schemeClr val="accent1"/>
-          </a:solidFill>
-          <a:ln>
-            <a:noFill/>
-          </a:ln>
-        </p:spPr>
-        <p:style>
-          <a:lnRef idx="2">
-            <a:schemeClr val="accent1">
-              <a:shade val="50000"/>
-            </a:schemeClr>
-          </a:lnRef>
-          <a:fillRef idx="1">
-            <a:schemeClr val="accent1"/>
-          </a:fillRef>
-          <a:effectRef idx="0">
-            <a:schemeClr val="accent1"/>
-          </a:effectRef>
-          <a:fontRef idx="minor">
-            <a:schemeClr val="lt1"/>
-          </a:fontRef>
-        </p:style>
-        <p:txBody>
-          <a:bodyPr wrap="none" rtlCol="0" anchor="ctr"/>
-          <a:lstStyle/>
-          <a:p>
-            <a:pPr algn="ctr"/>
-            <a:r>
-              <a:rPr kumimoji="1" lang="en-US" altLang="ja-JP" sz="1600" dirty="0">
-                <a:solidFill>
-                  <a:schemeClr val="bg1"/>
-                </a:solidFill>
-              </a:rPr>
-              <a:t>Create Durable Nonce</a:t>
-            </a:r>
-          </a:p>
-        </p:txBody>
-      </p:sp>
-      <p:sp>
-        <p:nvSpPr>
-          <p:cNvPr id="20" name="テキスト ボックス 19">
-            <a:extLst>
-              <a:ext uri="{FF2B5EF4-FFF2-40B4-BE49-F238E27FC236}">
-                <a16:creationId xmlns:a16="http://schemas.microsoft.com/office/drawing/2014/main" id="{1D32EA38-4617-0BA0-BD60-2BEA0459A30F}"/>
-              </a:ext>
-            </a:extLst>
-          </p:cNvPr>
-          <p:cNvSpPr txBox="1"/>
-          <p:nvPr/>
-        </p:nvSpPr>
-        <p:spPr>
-          <a:xfrm>
-            <a:off x="10729139" y="9225"/>
-            <a:ext cx="1443600" cy="315912"/>
-          </a:xfrm>
-          <a:prstGeom prst="rect">
-            <a:avLst/>
-          </a:prstGeom>
-          <a:noFill/>
-        </p:spPr>
-        <p:txBody>
-          <a:bodyPr wrap="square" rtlCol="0">
-            <a:noAutofit/>
-          </a:bodyPr>
-          <a:lstStyle/>
-          <a:p>
-            <a:pPr algn="r"/>
-            <a:r>
-              <a:rPr kumimoji="1" lang="en-US" altLang="ja-JP" sz="1200" dirty="0"/>
-              <a:t>JST May 24 2023</a:t>
-            </a:r>
-            <a:endParaRPr kumimoji="1" lang="ja-JP" altLang="en-US" sz="1200" dirty="0"/>
-          </a:p>
-        </p:txBody>
-      </p:sp>
-    </p:spTree>
-    <p:extLst>
-      <p:ext uri="{BB962C8B-B14F-4D97-AF65-F5344CB8AC3E}">
-        <p14:creationId xmlns:p14="http://schemas.microsoft.com/office/powerpoint/2010/main" val="2731398763"/>
-      </p:ext>
-    </p:extLst>
-  </p:cSld>
-  <p:clrMapOvr>
-    <a:masterClrMapping/>
-  </p:clrMapOvr>
-</p:sld>
-</file>
-
-<file path=ppt/slides/slide8.xml><?xml version="1.0" encoding="utf-8"?>
-<p:sld xmlns:a="http://schemas.openxmlformats.org/drawingml/2006/main" xmlns:r="http://schemas.openxmlformats.org/officeDocument/2006/relationships" xmlns:p="http://schemas.openxmlformats.org/presentationml/2006/main">
-  <p:cSld>
-    <p:spTree>
-      <p:nvGrpSpPr>
-        <p:cNvPr id="1" name=""/>
-        <p:cNvGrpSpPr/>
-        <p:nvPr/>
-      </p:nvGrpSpPr>
-      <p:grpSpPr>
-        <a:xfrm>
-          <a:off x="0" y="0"/>
-          <a:ext cx="0" cy="0"/>
-          <a:chOff x="0" y="0"/>
-          <a:chExt cx="0" cy="0"/>
-        </a:xfrm>
-      </p:grpSpPr>
-      <p:sp>
-        <p:nvSpPr>
-          <p:cNvPr id="2" name="タイトル 1">
-            <a:extLst>
-              <a:ext uri="{FF2B5EF4-FFF2-40B4-BE49-F238E27FC236}">
-                <a16:creationId xmlns:a16="http://schemas.microsoft.com/office/drawing/2014/main" id="{24570A8D-626E-D06D-0460-7FD0EA99F4D2}"/>
-              </a:ext>
-            </a:extLst>
-          </p:cNvPr>
-          <p:cNvSpPr>
-            <a:spLocks noGrp="1"/>
-          </p:cNvSpPr>
-          <p:nvPr>
-            <p:ph type="title"/>
-          </p:nvPr>
-        </p:nvSpPr>
-        <p:spPr/>
-        <p:txBody>
-          <a:bodyPr/>
-          <a:lstStyle/>
-          <a:p>
-            <a:r>
-              <a:rPr kumimoji="1" lang="en-US" altLang="ja-JP" dirty="0"/>
-              <a:t>Difference Between Mad Mints and Standard Transaction (Transfer SOL Instruction)</a:t>
-            </a:r>
-            <a:endParaRPr kumimoji="1" lang="ja-JP" altLang="en-US"/>
-          </a:p>
-        </p:txBody>
-      </p:sp>
-      <p:sp>
-        <p:nvSpPr>
-          <p:cNvPr id="4" name="フッター プレースホルダー 3">
-            <a:extLst>
-              <a:ext uri="{FF2B5EF4-FFF2-40B4-BE49-F238E27FC236}">
-                <a16:creationId xmlns:a16="http://schemas.microsoft.com/office/drawing/2014/main" id="{6D2D4002-D93F-A5EC-6C70-2BF760C20BAD}"/>
-              </a:ext>
-            </a:extLst>
-          </p:cNvPr>
-          <p:cNvSpPr>
-            <a:spLocks noGrp="1"/>
-          </p:cNvSpPr>
-          <p:nvPr>
-            <p:ph type="ftr" sz="quarter" idx="11"/>
-          </p:nvPr>
-        </p:nvSpPr>
-        <p:spPr/>
-        <p:txBody>
-          <a:bodyPr/>
-          <a:lstStyle/>
-          <a:p>
-            <a:r>
-              <a:rPr kumimoji="1" lang="en-US" altLang="ja-JP"/>
-              <a:t>256hax</a:t>
-            </a:r>
-            <a:endParaRPr kumimoji="1" lang="ja-JP" altLang="en-US"/>
-          </a:p>
-        </p:txBody>
-      </p:sp>
-      <p:sp>
-        <p:nvSpPr>
-          <p:cNvPr id="5" name="スライド番号プレースホルダー 4">
-            <a:extLst>
-              <a:ext uri="{FF2B5EF4-FFF2-40B4-BE49-F238E27FC236}">
-                <a16:creationId xmlns:a16="http://schemas.microsoft.com/office/drawing/2014/main" id="{A8B6C1D9-7A73-C437-BAD4-0FE3C4AEF15F}"/>
-              </a:ext>
-            </a:extLst>
-          </p:cNvPr>
-          <p:cNvSpPr>
-            <a:spLocks noGrp="1"/>
-          </p:cNvSpPr>
-          <p:nvPr>
-            <p:ph type="sldNum" sz="quarter" idx="12"/>
-          </p:nvPr>
-        </p:nvSpPr>
-        <p:spPr/>
-        <p:txBody>
-          <a:bodyPr/>
-          <a:lstStyle/>
-          <a:p>
-            <a:fld id="{51BE5F08-58E8-9243-A834-2B76637F595D}" type="slidenum">
-              <a:rPr kumimoji="1" lang="ja-JP" altLang="en-US" smtClean="0"/>
-              <a:pPr/>
-              <a:t>7</a:t>
-            </a:fld>
-            <a:endParaRPr kumimoji="1" lang="ja-JP" altLang="en-US"/>
-          </a:p>
-        </p:txBody>
-      </p:sp>
-      <p:pic>
-        <p:nvPicPr>
-          <p:cNvPr id="12" name="図 11">
-            <a:extLst>
-              <a:ext uri="{FF2B5EF4-FFF2-40B4-BE49-F238E27FC236}">
-                <a16:creationId xmlns:a16="http://schemas.microsoft.com/office/drawing/2014/main" id="{4EDCED4E-8958-C696-F69E-5E6FB62D5490}"/>
-              </a:ext>
-            </a:extLst>
-          </p:cNvPr>
-          <p:cNvPicPr>
-            <a:picLocks noChangeAspect="1"/>
-          </p:cNvPicPr>
-          <p:nvPr/>
-        </p:nvPicPr>
-        <p:blipFill>
-          <a:blip r:embed="rId2" cstate="screen">
-            <a:extLst>
-              <a:ext uri="{28A0092B-C50C-407E-A947-70E740481C1C}">
-                <a14:useLocalDpi xmlns:a14="http://schemas.microsoft.com/office/drawing/2010/main"/>
-              </a:ext>
-            </a:extLst>
-          </a:blip>
-          <a:stretch>
-            <a:fillRect/>
-          </a:stretch>
-        </p:blipFill>
-        <p:spPr>
-          <a:xfrm>
-            <a:off x="1855470" y="1317248"/>
-            <a:ext cx="4099560" cy="5084186"/>
-          </a:xfrm>
-          <a:prstGeom prst="rect">
-            <a:avLst/>
-          </a:prstGeom>
-        </p:spPr>
-      </p:pic>
-      <p:sp>
-        <p:nvSpPr>
-          <p:cNvPr id="13" name="正方形/長方形 12">
-            <a:extLst>
-              <a:ext uri="{FF2B5EF4-FFF2-40B4-BE49-F238E27FC236}">
-                <a16:creationId xmlns:a16="http://schemas.microsoft.com/office/drawing/2014/main" id="{F43EC747-D897-6231-D4AC-A139B16CEF29}"/>
-              </a:ext>
-            </a:extLst>
-          </p:cNvPr>
-          <p:cNvSpPr/>
-          <p:nvPr/>
-        </p:nvSpPr>
-        <p:spPr>
-          <a:xfrm>
-            <a:off x="1853564" y="899605"/>
-            <a:ext cx="4099561" cy="315913"/>
-          </a:xfrm>
-          <a:prstGeom prst="rect">
-            <a:avLst/>
-          </a:prstGeom>
-          <a:solidFill>
-            <a:schemeClr val="tx1"/>
-          </a:solidFill>
-          <a:ln>
-            <a:solidFill>
-              <a:schemeClr val="tx1"/>
-            </a:solidFill>
-          </a:ln>
-        </p:spPr>
-        <p:style>
-          <a:lnRef idx="2">
-            <a:schemeClr val="accent1">
-              <a:shade val="50000"/>
-            </a:schemeClr>
-          </a:lnRef>
-          <a:fillRef idx="1">
-            <a:schemeClr val="accent1"/>
-          </a:fillRef>
-          <a:effectRef idx="0">
-            <a:schemeClr val="accent1"/>
-          </a:effectRef>
-          <a:fontRef idx="minor">
-            <a:schemeClr val="lt1"/>
-          </a:fontRef>
-        </p:style>
-        <p:txBody>
-          <a:bodyPr rtlCol="0" anchor="ctr"/>
-          <a:lstStyle/>
-          <a:p>
-            <a:pPr algn="ctr"/>
-            <a:r>
-              <a:rPr kumimoji="1" lang="en-US" altLang="ja-JP" sz="1600" dirty="0">
-                <a:solidFill>
-                  <a:schemeClr val="bg1"/>
-                </a:solidFill>
-              </a:rPr>
-              <a:t>Mad Mints</a:t>
-            </a:r>
-            <a:endParaRPr kumimoji="1" lang="ja-JP" altLang="en-US" sz="1600">
-              <a:solidFill>
-                <a:schemeClr val="bg1"/>
-              </a:solidFill>
-            </a:endParaRPr>
-          </a:p>
-        </p:txBody>
-      </p:sp>
-      <p:pic>
-        <p:nvPicPr>
-          <p:cNvPr id="14" name="図 13">
-            <a:extLst>
-              <a:ext uri="{FF2B5EF4-FFF2-40B4-BE49-F238E27FC236}">
-                <a16:creationId xmlns:a16="http://schemas.microsoft.com/office/drawing/2014/main" id="{E3D2318F-55EF-CCAA-5608-4FD0267F901B}"/>
-              </a:ext>
-            </a:extLst>
-          </p:cNvPr>
-          <p:cNvPicPr>
-            <a:picLocks noChangeAspect="1"/>
-          </p:cNvPicPr>
-          <p:nvPr/>
-        </p:nvPicPr>
-        <p:blipFill>
-          <a:blip r:embed="rId3" cstate="screen">
-            <a:extLst>
-              <a:ext uri="{28A0092B-C50C-407E-A947-70E740481C1C}">
-                <a14:useLocalDpi xmlns:a14="http://schemas.microsoft.com/office/drawing/2010/main"/>
-              </a:ext>
-            </a:extLst>
-          </a:blip>
-          <a:stretch>
-            <a:fillRect/>
-          </a:stretch>
-        </p:blipFill>
-        <p:spPr>
-          <a:xfrm>
-            <a:off x="6267450" y="1317248"/>
-            <a:ext cx="4099560" cy="3281109"/>
-          </a:xfrm>
-          <a:prstGeom prst="rect">
-            <a:avLst/>
-          </a:prstGeom>
-        </p:spPr>
-      </p:pic>
-      <p:sp>
-        <p:nvSpPr>
-          <p:cNvPr id="15" name="正方形/長方形 14">
-            <a:extLst>
-              <a:ext uri="{FF2B5EF4-FFF2-40B4-BE49-F238E27FC236}">
-                <a16:creationId xmlns:a16="http://schemas.microsoft.com/office/drawing/2014/main" id="{D004AD15-32C6-440B-9C03-277231F66B0C}"/>
-              </a:ext>
-            </a:extLst>
-          </p:cNvPr>
-          <p:cNvSpPr/>
-          <p:nvPr/>
-        </p:nvSpPr>
-        <p:spPr>
-          <a:xfrm>
-            <a:off x="6267450" y="899605"/>
-            <a:ext cx="4099561" cy="315913"/>
-          </a:xfrm>
-          <a:prstGeom prst="rect">
-            <a:avLst/>
-          </a:prstGeom>
-          <a:solidFill>
-            <a:schemeClr val="tx1"/>
-          </a:solidFill>
-          <a:ln>
-            <a:solidFill>
-              <a:schemeClr val="tx1"/>
-            </a:solidFill>
-          </a:ln>
-        </p:spPr>
-        <p:style>
-          <a:lnRef idx="2">
-            <a:schemeClr val="accent1">
-              <a:shade val="50000"/>
-            </a:schemeClr>
-          </a:lnRef>
-          <a:fillRef idx="1">
-            <a:schemeClr val="accent1"/>
-          </a:fillRef>
-          <a:effectRef idx="0">
-            <a:schemeClr val="accent1"/>
-          </a:effectRef>
-          <a:fontRef idx="minor">
-            <a:schemeClr val="lt1"/>
-          </a:fontRef>
-        </p:style>
-        <p:txBody>
-          <a:bodyPr rtlCol="0" anchor="ctr"/>
-          <a:lstStyle/>
-          <a:p>
-            <a:pPr algn="ctr"/>
-            <a:r>
-              <a:rPr kumimoji="1" lang="en-US" altLang="ja-JP" sz="1600" dirty="0">
-                <a:solidFill>
-                  <a:schemeClr val="bg1"/>
-                </a:solidFill>
-              </a:rPr>
-              <a:t>Standard</a:t>
-            </a:r>
-            <a:endParaRPr kumimoji="1" lang="ja-JP" altLang="en-US" sz="1600">
-              <a:solidFill>
-                <a:schemeClr val="bg1"/>
-              </a:solidFill>
-            </a:endParaRPr>
-          </a:p>
-        </p:txBody>
-      </p:sp>
-      <p:sp>
-        <p:nvSpPr>
-          <p:cNvPr id="16" name="テキスト ボックス 15">
-            <a:extLst>
-              <a:ext uri="{FF2B5EF4-FFF2-40B4-BE49-F238E27FC236}">
-                <a16:creationId xmlns:a16="http://schemas.microsoft.com/office/drawing/2014/main" id="{A7E18292-02C4-D8FA-7A5E-7FC428F9D62B}"/>
-              </a:ext>
-            </a:extLst>
-          </p:cNvPr>
-          <p:cNvSpPr txBox="1"/>
-          <p:nvPr/>
-        </p:nvSpPr>
-        <p:spPr>
-          <a:xfrm>
-            <a:off x="413384" y="3501496"/>
-            <a:ext cx="1520190" cy="315912"/>
-          </a:xfrm>
-          <a:prstGeom prst="rect">
-            <a:avLst/>
-          </a:prstGeom>
-          <a:noFill/>
-        </p:spPr>
-        <p:txBody>
-          <a:bodyPr wrap="square" rtlCol="0">
-            <a:noAutofit/>
-          </a:bodyPr>
-          <a:lstStyle/>
-          <a:p>
-            <a:pPr algn="ctr"/>
-            <a:r>
-              <a:rPr kumimoji="1" lang="en-US" altLang="ja-JP" sz="1200" dirty="0"/>
-              <a:t>Use Nonce here -&gt;</a:t>
-            </a:r>
-            <a:endParaRPr kumimoji="1" lang="ja-JP" altLang="en-US" sz="1200" dirty="0"/>
-          </a:p>
-        </p:txBody>
-      </p:sp>
-      <p:sp>
-        <p:nvSpPr>
-          <p:cNvPr id="3" name="テキスト ボックス 2">
-            <a:extLst>
-              <a:ext uri="{FF2B5EF4-FFF2-40B4-BE49-F238E27FC236}">
-                <a16:creationId xmlns:a16="http://schemas.microsoft.com/office/drawing/2014/main" id="{4944A684-37A7-6749-B69A-FAEAA86AA6AF}"/>
-              </a:ext>
-            </a:extLst>
-          </p:cNvPr>
-          <p:cNvSpPr txBox="1"/>
-          <p:nvPr/>
-        </p:nvSpPr>
-        <p:spPr>
-          <a:xfrm>
-            <a:off x="10729139" y="9225"/>
-            <a:ext cx="1443600" cy="315912"/>
-          </a:xfrm>
-          <a:prstGeom prst="rect">
-            <a:avLst/>
-          </a:prstGeom>
-          <a:noFill/>
-        </p:spPr>
-        <p:txBody>
-          <a:bodyPr wrap="square" rtlCol="0">
-            <a:noAutofit/>
-          </a:bodyPr>
-          <a:lstStyle/>
-          <a:p>
-            <a:pPr algn="r"/>
-            <a:r>
-              <a:rPr kumimoji="1" lang="en-US" altLang="ja-JP" sz="1200" dirty="0"/>
-              <a:t>JST May 21 2023</a:t>
-            </a:r>
-            <a:endParaRPr kumimoji="1" lang="ja-JP" altLang="en-US" sz="1200" dirty="0"/>
-          </a:p>
-        </p:txBody>
-      </p:sp>
-    </p:spTree>
-    <p:extLst>
-      <p:ext uri="{BB962C8B-B14F-4D97-AF65-F5344CB8AC3E}">
-        <p14:creationId xmlns:p14="http://schemas.microsoft.com/office/powerpoint/2010/main" val="642563756"/>
-      </p:ext>
-    </p:extLst>
-  </p:cSld>
-  <p:clrMapOvr>
-    <a:masterClrMapping/>
-  </p:clrMapOvr>
-</p:sld>
-</file>
-
 <file path=ppt/slides/slide9.xml><?xml version="1.0" encoding="utf-8"?>
 <p:sld xmlns:a="http://schemas.openxmlformats.org/drawingml/2006/main" xmlns:r="http://schemas.openxmlformats.org/officeDocument/2006/relationships" xmlns:p="http://schemas.openxmlformats.org/presentationml/2006/main">
   <p:cSld>
@@ -14651,7 +14853,7 @@
           <p:cNvPr id="2" name="タイトル 1">
             <a:extLst>
               <a:ext uri="{FF2B5EF4-FFF2-40B4-BE49-F238E27FC236}">
-                <a16:creationId xmlns:a16="http://schemas.microsoft.com/office/drawing/2014/main" id="{90FD3E59-428E-D6B2-B3C5-F6F7B480123B}"/>
+                <a16:creationId xmlns:a16="http://schemas.microsoft.com/office/drawing/2014/main" id="{43250BC8-4F2A-7219-E8D7-268AD2771F2E}"/>
               </a:ext>
             </a:extLst>
           </p:cNvPr>
@@ -14668,8 +14870,41 @@
           <a:lstStyle/>
           <a:p>
             <a:r>
+              <a:rPr lang="en-US" altLang="ja-JP" dirty="0"/>
+              <a:t>Transaction Processing Bottleneck</a:t>
+            </a:r>
+            <a:endParaRPr kumimoji="1" lang="ja-JP" altLang="en-US"/>
+          </a:p>
+        </p:txBody>
+      </p:sp>
+      <p:sp>
+        <p:nvSpPr>
+          <p:cNvPr id="3" name="コンテンツ プレースホルダー 2">
+            <a:extLst>
+              <a:ext uri="{FF2B5EF4-FFF2-40B4-BE49-F238E27FC236}">
+                <a16:creationId xmlns:a16="http://schemas.microsoft.com/office/drawing/2014/main" id="{78EB6AF7-E47F-C14B-7C29-2EC2BEC09D1B}"/>
+              </a:ext>
+            </a:extLst>
+          </p:cNvPr>
+          <p:cNvSpPr>
+            <a:spLocks noGrp="1"/>
+          </p:cNvSpPr>
+          <p:nvPr>
+            <p:ph idx="1"/>
+          </p:nvPr>
+        </p:nvSpPr>
+        <p:spPr/>
+        <p:txBody>
+          <a:bodyPr/>
+          <a:lstStyle/>
+          <a:p>
+            <a:r>
               <a:rPr kumimoji="1" lang="en-US" altLang="ja-JP" dirty="0"/>
-              <a:t>Example Code</a:t>
+              <a:t>Speed bottlenec</a:t>
+            </a:r>
+            <a:r>
+              <a:rPr lang="en-US" altLang="ja-JP" dirty="0"/>
+              <a:t>k is "create and use Nonce" process in Sign Transaction.</a:t>
             </a:r>
             <a:endParaRPr kumimoji="1" lang="ja-JP" altLang="en-US"/>
           </a:p>
@@ -14680,7 +14915,7 @@
           <p:cNvPr id="4" name="フッター プレースホルダー 3">
             <a:extLst>
               <a:ext uri="{FF2B5EF4-FFF2-40B4-BE49-F238E27FC236}">
-                <a16:creationId xmlns:a16="http://schemas.microsoft.com/office/drawing/2014/main" id="{84F8FC5D-67C5-EB08-DA8F-DC43154573F5}"/>
+                <a16:creationId xmlns:a16="http://schemas.microsoft.com/office/drawing/2014/main" id="{AA992DCE-73F7-E641-964C-083521207CE8}"/>
               </a:ext>
             </a:extLst>
           </p:cNvPr>
@@ -14709,7 +14944,7 @@
           <p:cNvPr id="5" name="スライド番号プレースホルダー 4">
             <a:extLst>
               <a:ext uri="{FF2B5EF4-FFF2-40B4-BE49-F238E27FC236}">
-                <a16:creationId xmlns:a16="http://schemas.microsoft.com/office/drawing/2014/main" id="{9810586D-71D7-C56A-D81E-323600AAE558}"/>
+                <a16:creationId xmlns:a16="http://schemas.microsoft.com/office/drawing/2014/main" id="{E379B570-9F25-249A-840A-5E8B535920AA}"/>
               </a:ext>
             </a:extLst>
           </p:cNvPr>
@@ -14736,10 +14971,241 @@
       </p:sp>
       <p:sp>
         <p:nvSpPr>
-          <p:cNvPr id="8" name="テキスト ボックス 7">
+          <p:cNvPr id="8" name="正方形/長方形 7">
             <a:extLst>
               <a:ext uri="{FF2B5EF4-FFF2-40B4-BE49-F238E27FC236}">
-                <a16:creationId xmlns:a16="http://schemas.microsoft.com/office/drawing/2014/main" id="{F6E10048-C70B-798B-1A63-B0DE8166ED8A}"/>
+                <a16:creationId xmlns:a16="http://schemas.microsoft.com/office/drawing/2014/main" id="{81F61A3F-363F-0E0A-E207-0AB9CFA8C802}"/>
+              </a:ext>
+            </a:extLst>
+          </p:cNvPr>
+          <p:cNvSpPr/>
+          <p:nvPr/>
+        </p:nvSpPr>
+        <p:spPr>
+          <a:xfrm>
+            <a:off x="838200" y="4222245"/>
+            <a:ext cx="1540173" cy="1741481"/>
+          </a:xfrm>
+          <a:prstGeom prst="rect">
+            <a:avLst/>
+          </a:prstGeom>
+          <a:solidFill>
+            <a:schemeClr val="tx1"/>
+          </a:solidFill>
+          <a:ln>
+            <a:solidFill>
+              <a:schemeClr val="tx1"/>
+            </a:solidFill>
+          </a:ln>
+        </p:spPr>
+        <p:style>
+          <a:lnRef idx="2">
+            <a:schemeClr val="accent1">
+              <a:shade val="50000"/>
+            </a:schemeClr>
+          </a:lnRef>
+          <a:fillRef idx="1">
+            <a:schemeClr val="accent1"/>
+          </a:fillRef>
+          <a:effectRef idx="0">
+            <a:schemeClr val="accent1"/>
+          </a:effectRef>
+          <a:fontRef idx="minor">
+            <a:schemeClr val="lt1"/>
+          </a:fontRef>
+        </p:style>
+        <p:txBody>
+          <a:bodyPr rtlCol="0" anchor="ctr"/>
+          <a:lstStyle/>
+          <a:p>
+            <a:pPr algn="ctr"/>
+            <a:r>
+              <a:rPr kumimoji="1" lang="en-US" altLang="ja-JP" sz="1400" dirty="0">
+                <a:solidFill>
+                  <a:schemeClr val="bg1"/>
+                </a:solidFill>
+              </a:rPr>
+              <a:t>(</a:t>
+            </a:r>
+            <a:r>
+              <a:rPr kumimoji="1" lang="en-US" altLang="ja-JP" sz="1400" dirty="0" err="1">
+                <a:solidFill>
+                  <a:schemeClr val="bg1"/>
+                </a:solidFill>
+              </a:rPr>
+              <a:t>ToBe</a:t>
+            </a:r>
+            <a:r>
+              <a:rPr kumimoji="1" lang="en-US" altLang="ja-JP" sz="1400" dirty="0">
+                <a:solidFill>
+                  <a:schemeClr val="bg1"/>
+                </a:solidFill>
+              </a:rPr>
+              <a:t>)</a:t>
+            </a:r>
+          </a:p>
+          <a:p>
+            <a:pPr algn="ctr"/>
+            <a:r>
+              <a:rPr kumimoji="1" lang="en-US" altLang="ja-JP" sz="2000" dirty="0">
+                <a:solidFill>
+                  <a:schemeClr val="bg1"/>
+                </a:solidFill>
+              </a:rPr>
+              <a:t>Mad Mints</a:t>
+            </a:r>
+            <a:endParaRPr kumimoji="1" lang="ja-JP" altLang="en-US" sz="2000">
+              <a:solidFill>
+                <a:schemeClr val="bg1"/>
+              </a:solidFill>
+            </a:endParaRPr>
+          </a:p>
+        </p:txBody>
+      </p:sp>
+      <p:sp>
+        <p:nvSpPr>
+          <p:cNvPr id="13" name="正方形/長方形 12">
+            <a:extLst>
+              <a:ext uri="{FF2B5EF4-FFF2-40B4-BE49-F238E27FC236}">
+                <a16:creationId xmlns:a16="http://schemas.microsoft.com/office/drawing/2014/main" id="{3D2BDCEF-4432-9A0B-0694-CB6613F4450E}"/>
+              </a:ext>
+            </a:extLst>
+          </p:cNvPr>
+          <p:cNvSpPr/>
+          <p:nvPr/>
+        </p:nvSpPr>
+        <p:spPr>
+          <a:xfrm>
+            <a:off x="838200" y="1510070"/>
+            <a:ext cx="1540173" cy="1741481"/>
+          </a:xfrm>
+          <a:prstGeom prst="rect">
+            <a:avLst/>
+          </a:prstGeom>
+          <a:solidFill>
+            <a:schemeClr val="tx1"/>
+          </a:solidFill>
+          <a:ln>
+            <a:solidFill>
+              <a:schemeClr val="tx1"/>
+            </a:solidFill>
+          </a:ln>
+        </p:spPr>
+        <p:style>
+          <a:lnRef idx="2">
+            <a:schemeClr val="accent1">
+              <a:shade val="50000"/>
+            </a:schemeClr>
+          </a:lnRef>
+          <a:fillRef idx="1">
+            <a:schemeClr val="accent1"/>
+          </a:fillRef>
+          <a:effectRef idx="0">
+            <a:schemeClr val="accent1"/>
+          </a:effectRef>
+          <a:fontRef idx="minor">
+            <a:schemeClr val="lt1"/>
+          </a:fontRef>
+        </p:style>
+        <p:txBody>
+          <a:bodyPr rtlCol="0" anchor="ctr"/>
+          <a:lstStyle/>
+          <a:p>
+            <a:pPr algn="ctr"/>
+            <a:r>
+              <a:rPr kumimoji="1" lang="en-US" altLang="ja-JP" sz="1400" dirty="0">
+                <a:solidFill>
+                  <a:schemeClr val="bg1"/>
+                </a:solidFill>
+              </a:rPr>
+              <a:t>(</a:t>
+            </a:r>
+            <a:r>
+              <a:rPr kumimoji="1" lang="en-US" altLang="ja-JP" sz="1400" dirty="0" err="1">
+                <a:solidFill>
+                  <a:schemeClr val="bg1"/>
+                </a:solidFill>
+              </a:rPr>
+              <a:t>AsIs</a:t>
+            </a:r>
+            <a:r>
+              <a:rPr kumimoji="1" lang="en-US" altLang="ja-JP" sz="1400" dirty="0">
+                <a:solidFill>
+                  <a:schemeClr val="bg1"/>
+                </a:solidFill>
+              </a:rPr>
+              <a:t>)</a:t>
+            </a:r>
+          </a:p>
+          <a:p>
+            <a:pPr algn="ctr"/>
+            <a:r>
+              <a:rPr kumimoji="1" lang="en-US" altLang="ja-JP" sz="2000" dirty="0">
+                <a:solidFill>
+                  <a:schemeClr val="bg1"/>
+                </a:solidFill>
+              </a:rPr>
+              <a:t>Standard</a:t>
+            </a:r>
+            <a:endParaRPr kumimoji="1" lang="ja-JP" altLang="en-US" sz="2000">
+              <a:solidFill>
+                <a:schemeClr val="bg1"/>
+              </a:solidFill>
+            </a:endParaRPr>
+          </a:p>
+        </p:txBody>
+      </p:sp>
+      <p:cxnSp>
+        <p:nvCxnSpPr>
+          <p:cNvPr id="19" name="直線コネクタ 18">
+            <a:extLst>
+              <a:ext uri="{FF2B5EF4-FFF2-40B4-BE49-F238E27FC236}">
+                <a16:creationId xmlns:a16="http://schemas.microsoft.com/office/drawing/2014/main" id="{0B94F2AC-EB61-A104-CB50-DBF7497275A0}"/>
+              </a:ext>
+            </a:extLst>
+          </p:cNvPr>
+          <p:cNvCxnSpPr>
+            <a:cxnSpLocks/>
+          </p:cNvCxnSpPr>
+          <p:nvPr/>
+        </p:nvCxnSpPr>
+        <p:spPr>
+          <a:xfrm>
+            <a:off x="4937760" y="4654764"/>
+            <a:ext cx="0" cy="926793"/>
+          </a:xfrm>
+          <a:prstGeom prst="line">
+            <a:avLst/>
+          </a:prstGeom>
+          <a:ln w="9525">
+            <a:solidFill>
+              <a:schemeClr val="tx1"/>
+            </a:solidFill>
+            <a:headEnd type="none" w="med" len="med"/>
+            <a:tailEnd type="none" w="med" len="med"/>
+          </a:ln>
+        </p:spPr>
+        <p:style>
+          <a:lnRef idx="1">
+            <a:schemeClr val="accent1"/>
+          </a:lnRef>
+          <a:fillRef idx="0">
+            <a:schemeClr val="accent1"/>
+          </a:fillRef>
+          <a:effectRef idx="0">
+            <a:schemeClr val="accent1"/>
+          </a:effectRef>
+          <a:fontRef idx="minor">
+            <a:schemeClr val="tx1"/>
+          </a:fontRef>
+        </p:style>
+      </p:cxnSp>
+      <p:sp>
+        <p:nvSpPr>
+          <p:cNvPr id="23" name="テキスト ボックス 22">
+            <a:extLst>
+              <a:ext uri="{FF2B5EF4-FFF2-40B4-BE49-F238E27FC236}">
+                <a16:creationId xmlns:a16="http://schemas.microsoft.com/office/drawing/2014/main" id="{C3E5466C-2562-CFB7-38A9-002D1C036487}"/>
               </a:ext>
             </a:extLst>
           </p:cNvPr>
@@ -14748,8 +15214,8 @@
         </p:nvSpPr>
         <p:spPr>
           <a:xfrm>
-            <a:off x="838200" y="1853765"/>
-            <a:ext cx="10515600" cy="1118035"/>
+            <a:off x="2602932" y="3538336"/>
+            <a:ext cx="2036437" cy="423275"/>
           </a:xfrm>
           <a:prstGeom prst="rect">
             <a:avLst/>
@@ -14764,63 +15230,359 @@
           <a:p>
             <a:pPr algn="ctr"/>
             <a:r>
-              <a:rPr kumimoji="1" lang="en-US" altLang="ja-JP" sz="2000" dirty="0">
-                <a:hlinkClick r:id="rId2"/>
+              <a:rPr kumimoji="1" lang="en-US" altLang="ja-JP" sz="1400" dirty="0"/>
+              <a:t>Create Nonce </a:t>
+            </a:r>
+            <a:r>
+              <a:rPr kumimoji="1" lang="en-US" altLang="ja-JP" sz="1400" dirty="0">
+                <a:solidFill>
+                  <a:schemeClr val="accent1"/>
+                </a:solidFill>
               </a:rPr>
-              <a:t>https://github.com/256hax/mad-mints</a:t>
-            </a:r>
-            <a:endParaRPr kumimoji="1" lang="en-US" altLang="ja-JP" sz="2000" dirty="0"/>
-          </a:p>
-          <a:p>
-            <a:pPr algn="ctr"/>
-            <a:endParaRPr kumimoji="1" lang="en-US" altLang="ja-JP" sz="2000" dirty="0"/>
-          </a:p>
-          <a:p>
-            <a:pPr algn="ctr"/>
-            <a:r>
-              <a:rPr kumimoji="1" lang="en-US" altLang="ja-JP" sz="2000" dirty="0"/>
-              <a:t>Experiment purpose only.</a:t>
-            </a:r>
-            <a:endParaRPr kumimoji="1" lang="ja-JP" altLang="en-US" sz="2000" dirty="0"/>
-          </a:p>
-        </p:txBody>
-      </p:sp>
-      <p:pic>
-        <p:nvPicPr>
-          <p:cNvPr id="12" name="図 11">
+              <a:t>in advance</a:t>
+            </a:r>
+            <a:endParaRPr kumimoji="1" lang="ja-JP" altLang="en-US" sz="1400" dirty="0">
+              <a:solidFill>
+                <a:schemeClr val="accent1"/>
+              </a:solidFill>
+            </a:endParaRPr>
+          </a:p>
+        </p:txBody>
+      </p:sp>
+      <p:sp>
+        <p:nvSpPr>
+          <p:cNvPr id="15" name="ホームベース 14">
             <a:extLst>
               <a:ext uri="{FF2B5EF4-FFF2-40B4-BE49-F238E27FC236}">
-                <a16:creationId xmlns:a16="http://schemas.microsoft.com/office/drawing/2014/main" id="{30DEEAB5-885C-A99D-ADA6-A773ECBE110B}"/>
+                <a16:creationId xmlns:a16="http://schemas.microsoft.com/office/drawing/2014/main" id="{D4BF21F6-21BA-553E-3714-B56C7610B420}"/>
               </a:ext>
             </a:extLst>
           </p:cNvPr>
-          <p:cNvPicPr>
-            <a:picLocks noChangeAspect="1"/>
-          </p:cNvPicPr>
+          <p:cNvSpPr/>
           <p:nvPr/>
-        </p:nvPicPr>
-        <p:blipFill>
-          <a:blip r:embed="rId3"/>
-          <a:stretch>
-            <a:fillRect/>
-          </a:stretch>
-        </p:blipFill>
-        <p:spPr>
-          <a:xfrm>
-            <a:off x="4667250" y="2971800"/>
-            <a:ext cx="2857500" cy="2857500"/>
-          </a:xfrm>
-          <a:prstGeom prst="rect">
+        </p:nvSpPr>
+        <p:spPr>
+          <a:xfrm>
+            <a:off x="5244475" y="1890276"/>
+            <a:ext cx="2036442" cy="926793"/>
+          </a:xfrm>
+          <a:prstGeom prst="homePlate">
+            <a:avLst>
+              <a:gd name="adj" fmla="val 36434"/>
+            </a:avLst>
+          </a:prstGeom>
+          <a:noFill/>
+          <a:ln>
+            <a:solidFill>
+              <a:schemeClr val="tx1"/>
+            </a:solidFill>
+          </a:ln>
+        </p:spPr>
+        <p:style>
+          <a:lnRef idx="2">
+            <a:schemeClr val="accent1">
+              <a:shade val="50000"/>
+            </a:schemeClr>
+          </a:lnRef>
+          <a:fillRef idx="1">
+            <a:schemeClr val="accent1"/>
+          </a:fillRef>
+          <a:effectRef idx="0">
+            <a:schemeClr val="accent1"/>
+          </a:effectRef>
+          <a:fontRef idx="minor">
+            <a:schemeClr val="lt1"/>
+          </a:fontRef>
+        </p:style>
+        <p:txBody>
+          <a:bodyPr wrap="none" rtlCol="0" anchor="ctr"/>
+          <a:lstStyle/>
+          <a:p>
+            <a:pPr algn="ctr"/>
+            <a:r>
+              <a:rPr kumimoji="1" lang="en-US" altLang="ja-JP" sz="1600" dirty="0">
+                <a:solidFill>
+                  <a:schemeClr val="tx1"/>
+                </a:solidFill>
+              </a:rPr>
+              <a:t>Create Instructions</a:t>
+            </a:r>
+            <a:endParaRPr kumimoji="1" lang="ja-JP" altLang="en-US" sz="1600">
+              <a:solidFill>
+                <a:schemeClr val="tx1"/>
+              </a:solidFill>
+            </a:endParaRPr>
+          </a:p>
+        </p:txBody>
+      </p:sp>
+      <p:sp>
+        <p:nvSpPr>
+          <p:cNvPr id="16" name="ホームベース 15">
+            <a:extLst>
+              <a:ext uri="{FF2B5EF4-FFF2-40B4-BE49-F238E27FC236}">
+                <a16:creationId xmlns:a16="http://schemas.microsoft.com/office/drawing/2014/main" id="{93CD21E4-E185-FAE8-2460-61AD1DB51246}"/>
+              </a:ext>
+            </a:extLst>
+          </p:cNvPr>
+          <p:cNvSpPr/>
+          <p:nvPr/>
+        </p:nvSpPr>
+        <p:spPr>
+          <a:xfrm>
+            <a:off x="7280917" y="1890276"/>
+            <a:ext cx="2036442" cy="926791"/>
+          </a:xfrm>
+          <a:prstGeom prst="homePlate">
             <a:avLst/>
           </a:prstGeom>
-        </p:spPr>
-      </p:pic>
-      <p:sp>
-        <p:nvSpPr>
-          <p:cNvPr id="3" name="テキスト ボックス 2">
+          <a:noFill/>
+          <a:ln>
+            <a:solidFill>
+              <a:schemeClr val="tx1"/>
+            </a:solidFill>
+          </a:ln>
+        </p:spPr>
+        <p:style>
+          <a:lnRef idx="2">
+            <a:schemeClr val="accent1">
+              <a:shade val="50000"/>
+            </a:schemeClr>
+          </a:lnRef>
+          <a:fillRef idx="1">
+            <a:schemeClr val="accent1"/>
+          </a:fillRef>
+          <a:effectRef idx="0">
+            <a:schemeClr val="accent1"/>
+          </a:effectRef>
+          <a:fontRef idx="minor">
+            <a:schemeClr val="lt1"/>
+          </a:fontRef>
+        </p:style>
+        <p:txBody>
+          <a:bodyPr wrap="none" rtlCol="0" anchor="t"/>
+          <a:lstStyle/>
+          <a:p>
+            <a:pPr algn="ctr"/>
+            <a:r>
+              <a:rPr kumimoji="1" lang="en-US" altLang="ja-JP" sz="1600" dirty="0">
+                <a:solidFill>
+                  <a:schemeClr val="tx1"/>
+                </a:solidFill>
+              </a:rPr>
+              <a:t>Sign Transaction</a:t>
+            </a:r>
+            <a:endParaRPr kumimoji="1" lang="ja-JP" altLang="en-US" sz="1600">
+              <a:solidFill>
+                <a:schemeClr val="tx1"/>
+              </a:solidFill>
+            </a:endParaRPr>
+          </a:p>
+        </p:txBody>
+      </p:sp>
+      <p:sp>
+        <p:nvSpPr>
+          <p:cNvPr id="17" name="ホームベース 16">
             <a:extLst>
               <a:ext uri="{FF2B5EF4-FFF2-40B4-BE49-F238E27FC236}">
-                <a16:creationId xmlns:a16="http://schemas.microsoft.com/office/drawing/2014/main" id="{AE19384B-A3A9-6882-17B9-02D91620C991}"/>
+                <a16:creationId xmlns:a16="http://schemas.microsoft.com/office/drawing/2014/main" id="{D50C407C-C0C0-A037-699F-1A4E6CFBC20D}"/>
+              </a:ext>
+            </a:extLst>
+          </p:cNvPr>
+          <p:cNvSpPr/>
+          <p:nvPr/>
+        </p:nvSpPr>
+        <p:spPr>
+          <a:xfrm>
+            <a:off x="9317358" y="1890277"/>
+            <a:ext cx="2036442" cy="926792"/>
+          </a:xfrm>
+          <a:prstGeom prst="homePlate">
+            <a:avLst>
+              <a:gd name="adj" fmla="val 37667"/>
+            </a:avLst>
+          </a:prstGeom>
+          <a:noFill/>
+          <a:ln>
+            <a:solidFill>
+              <a:schemeClr val="tx1"/>
+            </a:solidFill>
+          </a:ln>
+        </p:spPr>
+        <p:style>
+          <a:lnRef idx="2">
+            <a:schemeClr val="accent1">
+              <a:shade val="50000"/>
+            </a:schemeClr>
+          </a:lnRef>
+          <a:fillRef idx="1">
+            <a:schemeClr val="accent1"/>
+          </a:fillRef>
+          <a:effectRef idx="0">
+            <a:schemeClr val="accent1"/>
+          </a:effectRef>
+          <a:fontRef idx="minor">
+            <a:schemeClr val="lt1"/>
+          </a:fontRef>
+        </p:style>
+        <p:txBody>
+          <a:bodyPr wrap="none" rtlCol="0" anchor="ctr"/>
+          <a:lstStyle/>
+          <a:p>
+            <a:pPr algn="ctr"/>
+            <a:r>
+              <a:rPr kumimoji="1" lang="en-US" altLang="ja-JP" sz="1600" dirty="0">
+                <a:solidFill>
+                  <a:schemeClr val="tx1"/>
+                </a:solidFill>
+              </a:rPr>
+              <a:t>Send Transaction</a:t>
+            </a:r>
+            <a:endParaRPr kumimoji="1" lang="ja-JP" altLang="en-US" sz="1600">
+              <a:solidFill>
+                <a:schemeClr val="tx1"/>
+              </a:solidFill>
+            </a:endParaRPr>
+          </a:p>
+        </p:txBody>
+      </p:sp>
+      <p:sp>
+        <p:nvSpPr>
+          <p:cNvPr id="26" name="ホームベース 25">
+            <a:extLst>
+              <a:ext uri="{FF2B5EF4-FFF2-40B4-BE49-F238E27FC236}">
+                <a16:creationId xmlns:a16="http://schemas.microsoft.com/office/drawing/2014/main" id="{21FA7AD1-8C59-4BF2-E358-C8D3D818A83C}"/>
+              </a:ext>
+            </a:extLst>
+          </p:cNvPr>
+          <p:cNvSpPr/>
+          <p:nvPr/>
+        </p:nvSpPr>
+        <p:spPr>
+          <a:xfrm>
+            <a:off x="5244475" y="4654764"/>
+            <a:ext cx="2036442" cy="926793"/>
+          </a:xfrm>
+          <a:prstGeom prst="homePlate">
+            <a:avLst>
+              <a:gd name="adj" fmla="val 36434"/>
+            </a:avLst>
+          </a:prstGeom>
+          <a:noFill/>
+          <a:ln>
+            <a:solidFill>
+              <a:schemeClr val="tx1"/>
+            </a:solidFill>
+          </a:ln>
+        </p:spPr>
+        <p:style>
+          <a:lnRef idx="2">
+            <a:schemeClr val="accent1">
+              <a:shade val="50000"/>
+            </a:schemeClr>
+          </a:lnRef>
+          <a:fillRef idx="1">
+            <a:schemeClr val="accent1"/>
+          </a:fillRef>
+          <a:effectRef idx="0">
+            <a:schemeClr val="accent1"/>
+          </a:effectRef>
+          <a:fontRef idx="minor">
+            <a:schemeClr val="lt1"/>
+          </a:fontRef>
+        </p:style>
+        <p:txBody>
+          <a:bodyPr wrap="none" rtlCol="0" anchor="ctr"/>
+          <a:lstStyle/>
+          <a:p>
+            <a:pPr algn="ctr"/>
+            <a:r>
+              <a:rPr kumimoji="1" lang="en-US" altLang="ja-JP" sz="1600" dirty="0">
+                <a:solidFill>
+                  <a:schemeClr val="tx1"/>
+                </a:solidFill>
+              </a:rPr>
+              <a:t>Create Instructions</a:t>
+            </a:r>
+            <a:endParaRPr kumimoji="1" lang="ja-JP" altLang="en-US" sz="1600">
+              <a:solidFill>
+                <a:schemeClr val="tx1"/>
+              </a:solidFill>
+            </a:endParaRPr>
+          </a:p>
+        </p:txBody>
+      </p:sp>
+      <p:sp>
+        <p:nvSpPr>
+          <p:cNvPr id="28" name="ホームベース 27">
+            <a:extLst>
+              <a:ext uri="{FF2B5EF4-FFF2-40B4-BE49-F238E27FC236}">
+                <a16:creationId xmlns:a16="http://schemas.microsoft.com/office/drawing/2014/main" id="{77187EBB-D046-73DC-BFB5-FEC06A817188}"/>
+              </a:ext>
+            </a:extLst>
+          </p:cNvPr>
+          <p:cNvSpPr/>
+          <p:nvPr/>
+        </p:nvSpPr>
+        <p:spPr>
+          <a:xfrm>
+            <a:off x="9317358" y="4654765"/>
+            <a:ext cx="2036442" cy="926792"/>
+          </a:xfrm>
+          <a:prstGeom prst="homePlate">
+            <a:avLst>
+              <a:gd name="adj" fmla="val 37667"/>
+            </a:avLst>
+          </a:prstGeom>
+          <a:noFill/>
+          <a:ln>
+            <a:solidFill>
+              <a:schemeClr val="tx1"/>
+            </a:solidFill>
+          </a:ln>
+        </p:spPr>
+        <p:style>
+          <a:lnRef idx="2">
+            <a:schemeClr val="accent1">
+              <a:shade val="50000"/>
+            </a:schemeClr>
+          </a:lnRef>
+          <a:fillRef idx="1">
+            <a:schemeClr val="accent1"/>
+          </a:fillRef>
+          <a:effectRef idx="0">
+            <a:schemeClr val="accent1"/>
+          </a:effectRef>
+          <a:fontRef idx="minor">
+            <a:schemeClr val="lt1"/>
+          </a:fontRef>
+        </p:style>
+        <p:txBody>
+          <a:bodyPr wrap="none" rtlCol="0" anchor="ctr"/>
+          <a:lstStyle/>
+          <a:p>
+            <a:pPr algn="ctr"/>
+            <a:r>
+              <a:rPr kumimoji="1" lang="en-US" altLang="ja-JP" sz="1600" dirty="0">
+                <a:solidFill>
+                  <a:schemeClr val="tx1"/>
+                </a:solidFill>
+              </a:rPr>
+              <a:t>Send Transaction</a:t>
+            </a:r>
+            <a:endParaRPr kumimoji="1" lang="ja-JP" altLang="en-US" sz="1600">
+              <a:solidFill>
+                <a:schemeClr val="tx1"/>
+              </a:solidFill>
+            </a:endParaRPr>
+          </a:p>
+        </p:txBody>
+      </p:sp>
+      <p:sp>
+        <p:nvSpPr>
+          <p:cNvPr id="36" name="テキスト ボックス 35">
+            <a:extLst>
+              <a:ext uri="{FF2B5EF4-FFF2-40B4-BE49-F238E27FC236}">
+                <a16:creationId xmlns:a16="http://schemas.microsoft.com/office/drawing/2014/main" id="{6D88195E-289B-99B9-BDC7-7C4D3848A442}"/>
               </a:ext>
             </a:extLst>
           </p:cNvPr>
@@ -14829,6 +15591,314 @@
         </p:nvSpPr>
         <p:spPr>
           <a:xfrm>
+            <a:off x="8484981" y="3007572"/>
+            <a:ext cx="2036442" cy="421428"/>
+          </a:xfrm>
+          <a:prstGeom prst="wedgeRoundRectCallout">
+            <a:avLst>
+              <a:gd name="adj1" fmla="val -42161"/>
+              <a:gd name="adj2" fmla="val -130155"/>
+              <a:gd name="adj3" fmla="val 16667"/>
+            </a:avLst>
+          </a:prstGeom>
+          <a:solidFill>
+            <a:schemeClr val="bg1">
+              <a:lumMod val="85000"/>
+            </a:schemeClr>
+          </a:solidFill>
+          <a:ln>
+            <a:noFill/>
+          </a:ln>
+        </p:spPr>
+        <p:txBody>
+          <a:bodyPr wrap="square" rtlCol="0" anchor="ctr">
+            <a:noAutofit/>
+          </a:bodyPr>
+          <a:lstStyle/>
+          <a:p>
+            <a:pPr algn="ctr"/>
+            <a:r>
+              <a:rPr kumimoji="1" lang="en-US" altLang="ja-JP" sz="1600" dirty="0">
+                <a:solidFill>
+                  <a:srgbClr val="FF0000"/>
+                </a:solidFill>
+              </a:rPr>
+              <a:t>Speed Bottleneck</a:t>
+            </a:r>
+            <a:endParaRPr kumimoji="1" lang="ja-JP" altLang="en-US" sz="1600" dirty="0">
+              <a:solidFill>
+                <a:srgbClr val="FF0000"/>
+              </a:solidFill>
+            </a:endParaRPr>
+          </a:p>
+        </p:txBody>
+      </p:sp>
+      <p:sp>
+        <p:nvSpPr>
+          <p:cNvPr id="10" name="角丸四角形 9">
+            <a:extLst>
+              <a:ext uri="{FF2B5EF4-FFF2-40B4-BE49-F238E27FC236}">
+                <a16:creationId xmlns:a16="http://schemas.microsoft.com/office/drawing/2014/main" id="{CCEA4EF1-FAE5-FA6F-AA79-17660F283667}"/>
+              </a:ext>
+            </a:extLst>
+          </p:cNvPr>
+          <p:cNvSpPr/>
+          <p:nvPr/>
+        </p:nvSpPr>
+        <p:spPr>
+          <a:xfrm>
+            <a:off x="7315206" y="4977232"/>
+            <a:ext cx="1863089" cy="278007"/>
+          </a:xfrm>
+          <a:prstGeom prst="roundRect">
+            <a:avLst>
+              <a:gd name="adj" fmla="val 33112"/>
+            </a:avLst>
+          </a:prstGeom>
+          <a:solidFill>
+            <a:schemeClr val="accent1"/>
+          </a:solidFill>
+          <a:ln>
+            <a:noFill/>
+          </a:ln>
+        </p:spPr>
+        <p:style>
+          <a:lnRef idx="2">
+            <a:schemeClr val="accent1">
+              <a:shade val="50000"/>
+            </a:schemeClr>
+          </a:lnRef>
+          <a:fillRef idx="1">
+            <a:schemeClr val="accent1"/>
+          </a:fillRef>
+          <a:effectRef idx="0">
+            <a:schemeClr val="accent1"/>
+          </a:effectRef>
+          <a:fontRef idx="minor">
+            <a:schemeClr val="lt1"/>
+          </a:fontRef>
+        </p:style>
+        <p:txBody>
+          <a:bodyPr wrap="none" rtlCol="0" anchor="ctr"/>
+          <a:lstStyle/>
+          <a:p>
+            <a:pPr algn="ctr"/>
+            <a:r>
+              <a:rPr kumimoji="1" lang="en-US" altLang="ja-JP" sz="1600" dirty="0">
+                <a:solidFill>
+                  <a:schemeClr val="bg1"/>
+                </a:solidFill>
+              </a:rPr>
+              <a:t>Use Nonce</a:t>
+            </a:r>
+          </a:p>
+        </p:txBody>
+      </p:sp>
+      <p:sp>
+        <p:nvSpPr>
+          <p:cNvPr id="11" name="ホームベース 10">
+            <a:extLst>
+              <a:ext uri="{FF2B5EF4-FFF2-40B4-BE49-F238E27FC236}">
+                <a16:creationId xmlns:a16="http://schemas.microsoft.com/office/drawing/2014/main" id="{9B61A21C-30DB-4EBA-B037-76B3346CA3D5}"/>
+              </a:ext>
+            </a:extLst>
+          </p:cNvPr>
+          <p:cNvSpPr/>
+          <p:nvPr/>
+        </p:nvSpPr>
+        <p:spPr>
+          <a:xfrm>
+            <a:off x="7280917" y="4654766"/>
+            <a:ext cx="2036442" cy="926791"/>
+          </a:xfrm>
+          <a:prstGeom prst="homePlate">
+            <a:avLst/>
+          </a:prstGeom>
+          <a:noFill/>
+          <a:ln>
+            <a:solidFill>
+              <a:schemeClr val="tx1"/>
+            </a:solidFill>
+          </a:ln>
+        </p:spPr>
+        <p:style>
+          <a:lnRef idx="2">
+            <a:schemeClr val="accent1">
+              <a:shade val="50000"/>
+            </a:schemeClr>
+          </a:lnRef>
+          <a:fillRef idx="1">
+            <a:schemeClr val="accent1"/>
+          </a:fillRef>
+          <a:effectRef idx="0">
+            <a:schemeClr val="accent1"/>
+          </a:effectRef>
+          <a:fontRef idx="minor">
+            <a:schemeClr val="lt1"/>
+          </a:fontRef>
+        </p:style>
+        <p:txBody>
+          <a:bodyPr wrap="none" rtlCol="0" anchor="t"/>
+          <a:lstStyle/>
+          <a:p>
+            <a:pPr algn="ctr"/>
+            <a:r>
+              <a:rPr kumimoji="1" lang="en-US" altLang="ja-JP" sz="1600" dirty="0">
+                <a:solidFill>
+                  <a:schemeClr val="tx1"/>
+                </a:solidFill>
+              </a:rPr>
+              <a:t>Sign Transaction</a:t>
+            </a:r>
+            <a:endParaRPr kumimoji="1" lang="ja-JP" altLang="en-US" sz="1600">
+              <a:solidFill>
+                <a:schemeClr val="tx1"/>
+              </a:solidFill>
+            </a:endParaRPr>
+          </a:p>
+        </p:txBody>
+      </p:sp>
+      <p:sp>
+        <p:nvSpPr>
+          <p:cNvPr id="12" name="ホームベース 11">
+            <a:extLst>
+              <a:ext uri="{FF2B5EF4-FFF2-40B4-BE49-F238E27FC236}">
+                <a16:creationId xmlns:a16="http://schemas.microsoft.com/office/drawing/2014/main" id="{2B35FA34-D7E2-5BAB-F862-3C100918B9EB}"/>
+              </a:ext>
+            </a:extLst>
+          </p:cNvPr>
+          <p:cNvSpPr/>
+          <p:nvPr/>
+        </p:nvSpPr>
+        <p:spPr>
+          <a:xfrm>
+            <a:off x="2685087" y="4654764"/>
+            <a:ext cx="2036442" cy="926793"/>
+          </a:xfrm>
+          <a:prstGeom prst="homePlate">
+            <a:avLst>
+              <a:gd name="adj" fmla="val 36434"/>
+            </a:avLst>
+          </a:prstGeom>
+          <a:noFill/>
+          <a:ln>
+            <a:solidFill>
+              <a:schemeClr val="tx1"/>
+            </a:solidFill>
+          </a:ln>
+        </p:spPr>
+        <p:style>
+          <a:lnRef idx="2">
+            <a:schemeClr val="accent1">
+              <a:shade val="50000"/>
+            </a:schemeClr>
+          </a:lnRef>
+          <a:fillRef idx="1">
+            <a:schemeClr val="accent1"/>
+          </a:fillRef>
+          <a:effectRef idx="0">
+            <a:schemeClr val="accent1"/>
+          </a:effectRef>
+          <a:fontRef idx="minor">
+            <a:schemeClr val="lt1"/>
+          </a:fontRef>
+        </p:style>
+        <p:txBody>
+          <a:bodyPr wrap="none" rtlCol="0" anchor="t"/>
+          <a:lstStyle/>
+          <a:p>
+            <a:pPr algn="ctr"/>
+            <a:r>
+              <a:rPr kumimoji="1" lang="en-US" altLang="ja-JP" sz="1600" dirty="0">
+                <a:solidFill>
+                  <a:schemeClr val="tx1"/>
+                </a:solidFill>
+              </a:rPr>
+              <a:t>Create Instructions</a:t>
+            </a:r>
+            <a:endParaRPr kumimoji="1" lang="ja-JP" altLang="en-US" sz="1600">
+              <a:solidFill>
+                <a:schemeClr val="tx1"/>
+              </a:solidFill>
+            </a:endParaRPr>
+          </a:p>
+        </p:txBody>
+      </p:sp>
+      <p:sp>
+        <p:nvSpPr>
+          <p:cNvPr id="18" name="角丸四角形 17">
+            <a:extLst>
+              <a:ext uri="{FF2B5EF4-FFF2-40B4-BE49-F238E27FC236}">
+                <a16:creationId xmlns:a16="http://schemas.microsoft.com/office/drawing/2014/main" id="{ED43D95D-CCE0-724C-E96A-2765085220F3}"/>
+              </a:ext>
+            </a:extLst>
+          </p:cNvPr>
+          <p:cNvSpPr/>
+          <p:nvPr/>
+        </p:nvSpPr>
+        <p:spPr>
+          <a:xfrm>
+            <a:off x="2703277" y="4977232"/>
+            <a:ext cx="1863089" cy="278007"/>
+          </a:xfrm>
+          <a:prstGeom prst="roundRect">
+            <a:avLst>
+              <a:gd name="adj" fmla="val 33112"/>
+            </a:avLst>
+          </a:prstGeom>
+          <a:solidFill>
+            <a:schemeClr val="accent1"/>
+          </a:solidFill>
+          <a:ln>
+            <a:noFill/>
+          </a:ln>
+        </p:spPr>
+        <p:style>
+          <a:lnRef idx="2">
+            <a:schemeClr val="accent1">
+              <a:shade val="50000"/>
+            </a:schemeClr>
+          </a:lnRef>
+          <a:fillRef idx="1">
+            <a:schemeClr val="accent1"/>
+          </a:fillRef>
+          <a:effectRef idx="0">
+            <a:schemeClr val="accent1"/>
+          </a:effectRef>
+          <a:fontRef idx="minor">
+            <a:schemeClr val="lt1"/>
+          </a:fontRef>
+        </p:style>
+        <p:txBody>
+          <a:bodyPr wrap="none" rtlCol="0" anchor="ctr"/>
+          <a:lstStyle/>
+          <a:p>
+            <a:pPr algn="ctr"/>
+            <a:r>
+              <a:rPr kumimoji="1" lang="en-US" altLang="ja-JP" sz="1600" dirty="0">
+                <a:solidFill>
+                  <a:schemeClr val="bg1"/>
+                </a:solidFill>
+              </a:rPr>
+              <a:t>Create Durable Nonce</a:t>
+            </a:r>
+          </a:p>
+        </p:txBody>
+      </p:sp>
+      <p:sp>
+        <p:nvSpPr>
+          <p:cNvPr id="20" name="テキスト ボックス 19">
+            <a:extLst>
+              <a:ext uri="{FF2B5EF4-FFF2-40B4-BE49-F238E27FC236}">
+                <a16:creationId xmlns:a16="http://schemas.microsoft.com/office/drawing/2014/main" id="{1D32EA38-4617-0BA0-BD60-2BEA0459A30F}"/>
+              </a:ext>
+            </a:extLst>
+          </p:cNvPr>
+          <p:cNvSpPr txBox="1"/>
+          <p:nvPr/>
+        </p:nvSpPr>
+        <p:spPr>
+          <a:xfrm>
             <a:off x="10729139" y="9225"/>
             <a:ext cx="1443600" cy="315912"/>
           </a:xfrm>
@@ -14846,16 +15916,176 @@
             <a:pPr algn="r"/>
             <a:r>
               <a:rPr kumimoji="1" lang="en-US" altLang="ja-JP" sz="1200" dirty="0"/>
-              <a:t>JST May 21 2023</a:t>
+              <a:t>JST Jul 2 2023</a:t>
             </a:r>
             <a:endParaRPr kumimoji="1" lang="ja-JP" altLang="en-US" sz="1200" dirty="0"/>
           </a:p>
         </p:txBody>
       </p:sp>
+      <p:sp>
+        <p:nvSpPr>
+          <p:cNvPr id="14" name="角丸四角形 13">
+            <a:extLst>
+              <a:ext uri="{FF2B5EF4-FFF2-40B4-BE49-F238E27FC236}">
+                <a16:creationId xmlns:a16="http://schemas.microsoft.com/office/drawing/2014/main" id="{741DCE46-755F-DFB0-D245-87AAACBCBD22}"/>
+              </a:ext>
+            </a:extLst>
+          </p:cNvPr>
+          <p:cNvSpPr/>
+          <p:nvPr/>
+        </p:nvSpPr>
+        <p:spPr>
+          <a:xfrm>
+            <a:off x="7315206" y="2212742"/>
+            <a:ext cx="1863089" cy="278007"/>
+          </a:xfrm>
+          <a:prstGeom prst="roundRect">
+            <a:avLst>
+              <a:gd name="adj" fmla="val 33112"/>
+            </a:avLst>
+          </a:prstGeom>
+          <a:solidFill>
+            <a:srgbClr val="FF0000"/>
+          </a:solidFill>
+          <a:ln>
+            <a:noFill/>
+          </a:ln>
+        </p:spPr>
+        <p:style>
+          <a:lnRef idx="2">
+            <a:schemeClr val="accent1">
+              <a:shade val="50000"/>
+            </a:schemeClr>
+          </a:lnRef>
+          <a:fillRef idx="1">
+            <a:schemeClr val="accent1"/>
+          </a:fillRef>
+          <a:effectRef idx="0">
+            <a:schemeClr val="accent1"/>
+          </a:effectRef>
+          <a:fontRef idx="minor">
+            <a:schemeClr val="lt1"/>
+          </a:fontRef>
+        </p:style>
+        <p:txBody>
+          <a:bodyPr wrap="none" rtlCol="0" anchor="ctr"/>
+          <a:lstStyle/>
+          <a:p>
+            <a:pPr algn="ctr"/>
+            <a:r>
+              <a:rPr kumimoji="1" lang="en-US" altLang="ja-JP" sz="1600" dirty="0">
+                <a:solidFill>
+                  <a:schemeClr val="bg1"/>
+                </a:solidFill>
+              </a:rPr>
+              <a:t>Create and Use Nonce</a:t>
+            </a:r>
+          </a:p>
+        </p:txBody>
+      </p:sp>
+      <p:cxnSp>
+        <p:nvCxnSpPr>
+          <p:cNvPr id="38" name="曲線コネクタ 37">
+            <a:extLst>
+              <a:ext uri="{FF2B5EF4-FFF2-40B4-BE49-F238E27FC236}">
+                <a16:creationId xmlns:a16="http://schemas.microsoft.com/office/drawing/2014/main" id="{FE3E3527-C33A-2836-83D9-4D867489DAE1}"/>
+              </a:ext>
+            </a:extLst>
+          </p:cNvPr>
+          <p:cNvCxnSpPr>
+            <a:cxnSpLocks/>
+            <a:stCxn id="14" idx="2"/>
+            <a:endCxn id="12" idx="0"/>
+          </p:cNvCxnSpPr>
+          <p:nvPr/>
+        </p:nvCxnSpPr>
+        <p:spPr>
+          <a:xfrm rot="5400000">
+            <a:off x="4808606" y="1216618"/>
+            <a:ext cx="2164015" cy="4712277"/>
+          </a:xfrm>
+          <a:prstGeom prst="curvedConnector3">
+            <a:avLst>
+              <a:gd name="adj1" fmla="val 50000"/>
+            </a:avLst>
+          </a:prstGeom>
+          <a:ln w="9525">
+            <a:solidFill>
+              <a:schemeClr val="accent1"/>
+            </a:solidFill>
+            <a:headEnd type="none" w="med" len="med"/>
+            <a:tailEnd type="arrow" w="med" len="med"/>
+          </a:ln>
+        </p:spPr>
+        <p:style>
+          <a:lnRef idx="1">
+            <a:schemeClr val="accent1"/>
+          </a:lnRef>
+          <a:fillRef idx="0">
+            <a:schemeClr val="accent1"/>
+          </a:fillRef>
+          <a:effectRef idx="0">
+            <a:schemeClr val="accent1"/>
+          </a:effectRef>
+          <a:fontRef idx="minor">
+            <a:schemeClr val="tx1"/>
+          </a:fontRef>
+        </p:style>
+      </p:cxnSp>
+      <p:cxnSp>
+        <p:nvCxnSpPr>
+          <p:cNvPr id="39" name="曲線コネクタ 38">
+            <a:extLst>
+              <a:ext uri="{FF2B5EF4-FFF2-40B4-BE49-F238E27FC236}">
+                <a16:creationId xmlns:a16="http://schemas.microsoft.com/office/drawing/2014/main" id="{DC252013-5F2A-FD00-8E65-7A4DDADBD3ED}"/>
+              </a:ext>
+            </a:extLst>
+          </p:cNvPr>
+          <p:cNvCxnSpPr>
+            <a:cxnSpLocks/>
+            <a:stCxn id="14" idx="2"/>
+            <a:endCxn id="10" idx="1"/>
+          </p:cNvCxnSpPr>
+          <p:nvPr/>
+        </p:nvCxnSpPr>
+        <p:spPr>
+          <a:xfrm rot="5400000">
+            <a:off x="6468236" y="3337720"/>
+            <a:ext cx="2625487" cy="931545"/>
+          </a:xfrm>
+          <a:prstGeom prst="curvedConnector4">
+            <a:avLst>
+              <a:gd name="adj1" fmla="val 47353"/>
+              <a:gd name="adj2" fmla="val 124540"/>
+            </a:avLst>
+          </a:prstGeom>
+          <a:ln w="9525">
+            <a:solidFill>
+              <a:schemeClr val="tx1"/>
+            </a:solidFill>
+            <a:headEnd type="none" w="med" len="med"/>
+            <a:tailEnd type="arrow" w="med" len="med"/>
+          </a:ln>
+        </p:spPr>
+        <p:style>
+          <a:lnRef idx="1">
+            <a:schemeClr val="accent1"/>
+          </a:lnRef>
+          <a:fillRef idx="0">
+            <a:schemeClr val="accent1"/>
+          </a:fillRef>
+          <a:effectRef idx="0">
+            <a:schemeClr val="accent1"/>
+          </a:effectRef>
+          <a:fontRef idx="minor">
+            <a:schemeClr val="tx1"/>
+          </a:fontRef>
+        </p:style>
+      </p:cxnSp>
     </p:spTree>
     <p:extLst>
       <p:ext uri="{BB962C8B-B14F-4D97-AF65-F5344CB8AC3E}">
-        <p14:creationId xmlns:p14="http://schemas.microsoft.com/office/powerpoint/2010/main" val="3259309326"/>
+        <p14:creationId xmlns:p14="http://schemas.microsoft.com/office/powerpoint/2010/main" val="2731398763"/>
       </p:ext>
     </p:extLst>
   </p:cSld>

--- a/docs/Mad-Mints.pptx
+++ b/docs/Mad-Mints.pptx
@@ -5,10 +5,10 @@
     <p:sldMasterId id="2147483672" r:id="rId1"/>
   </p:sldMasterIdLst>
   <p:notesMasterIdLst>
-    <p:notesMasterId r:id="rId15"/>
+    <p:notesMasterId r:id="rId16"/>
   </p:notesMasterIdLst>
   <p:sldIdLst>
-    <p:sldId id="336" r:id="rId2"/>
+    <p:sldId id="337" r:id="rId2"/>
     <p:sldId id="335" r:id="rId3"/>
     <p:sldId id="321" r:id="rId4"/>
     <p:sldId id="331" r:id="rId5"/>
@@ -20,7 +20,8 @@
     <p:sldId id="329" r:id="rId11"/>
     <p:sldId id="326" r:id="rId12"/>
     <p:sldId id="338" r:id="rId13"/>
-    <p:sldId id="337" r:id="rId14"/>
+    <p:sldId id="339" r:id="rId14"/>
+    <p:sldId id="336" r:id="rId15"/>
   </p:sldIdLst>
   <p:sldSz cx="12192000" cy="6858000"/>
   <p:notesSz cx="6858000" cy="9144000"/>
@@ -209,7 +210,7 @@
           <a:p>
             <a:fld id="{0E3AE901-84B3-3248-AD12-BEDA7F301CE3}" type="datetimeFigureOut">
               <a:rPr kumimoji="1" lang="ja-JP" altLang="en-US" smtClean="0"/>
-              <a:t>2023/7/2</a:t>
+              <a:t>2023/11/22</a:t>
             </a:fld>
             <a:endParaRPr kumimoji="1" lang="ja-JP" altLang="en-US"/>
           </a:p>
@@ -664,7 +665,7 @@
           <a:p>
             <a:fld id="{E3F90748-6578-AC42-962A-9F4B1F5FBFAD}" type="datetime1">
               <a:rPr kumimoji="1" lang="ja-JP" altLang="en-US" smtClean="0"/>
-              <a:t>2023/7/2</a:t>
+              <a:t>2023/11/22</a:t>
             </a:fld>
             <a:endParaRPr kumimoji="1" lang="ja-JP" altLang="en-US"/>
           </a:p>
@@ -909,7 +910,7 @@
           <a:p>
             <a:fld id="{BE6DFB40-8C3F-A944-983D-65243E3E0DC7}" type="datetime1">
               <a:rPr kumimoji="1" lang="ja-JP" altLang="en-US" smtClean="0"/>
-              <a:t>2023/7/2</a:t>
+              <a:t>2023/11/22</a:t>
             </a:fld>
             <a:endParaRPr kumimoji="1" lang="ja-JP" altLang="en-US"/>
           </a:p>
@@ -1149,7 +1150,7 @@
           <a:p>
             <a:fld id="{631B2AF4-14FC-314E-A304-69D6AC20AFC1}" type="datetime1">
               <a:rPr kumimoji="1" lang="ja-JP" altLang="en-US" smtClean="0"/>
-              <a:t>2023/7/2</a:t>
+              <a:t>2023/11/22</a:t>
             </a:fld>
             <a:endParaRPr kumimoji="1" lang="ja-JP" altLang="en-US"/>
           </a:p>
@@ -1418,7 +1419,7 @@
             <a:fld id="{73EFA7FA-4B80-324E-84D1-8F8384F1BA5D}" type="datetime1">
               <a:rPr kumimoji="1" lang="ja-JP" altLang="en-US" smtClean="0"/>
               <a:pPr/>
-              <a:t>2023/7/2</a:t>
+              <a:t>2023/11/22</a:t>
             </a:fld>
             <a:endParaRPr kumimoji="1" lang="ja-JP" altLang="en-US"/>
           </a:p>
@@ -1745,7 +1746,7 @@
           <a:p>
             <a:fld id="{D2E220AC-C2A7-024E-ACAB-4DB6052A376C}" type="datetime1">
               <a:rPr kumimoji="1" lang="ja-JP" altLang="en-US" smtClean="0"/>
-              <a:t>2023/7/2</a:t>
+              <a:t>2023/11/22</a:t>
             </a:fld>
             <a:endParaRPr kumimoji="1" lang="ja-JP" altLang="en-US"/>
           </a:p>
@@ -2069,7 +2070,7 @@
           <a:p>
             <a:fld id="{CC48FC5F-5874-5040-B9D3-0BB86491154B}" type="datetime1">
               <a:rPr kumimoji="1" lang="ja-JP" altLang="en-US" smtClean="0"/>
-              <a:t>2023/7/2</a:t>
+              <a:t>2023/11/22</a:t>
             </a:fld>
             <a:endParaRPr kumimoji="1" lang="ja-JP" altLang="en-US"/>
           </a:p>
@@ -2528,7 +2529,7 @@
           <a:p>
             <a:fld id="{667059AF-CDDF-A545-B437-20B256967FD9}" type="datetime1">
               <a:rPr kumimoji="1" lang="ja-JP" altLang="en-US" smtClean="0"/>
-              <a:t>2023/7/2</a:t>
+              <a:t>2023/11/22</a:t>
             </a:fld>
             <a:endParaRPr kumimoji="1" lang="ja-JP" altLang="en-US"/>
           </a:p>
@@ -2674,7 +2675,7 @@
           <a:p>
             <a:fld id="{15B6534E-A8F6-864C-985B-4DB3D4538E40}" type="datetime1">
               <a:rPr kumimoji="1" lang="ja-JP" altLang="en-US" smtClean="0"/>
-              <a:t>2023/7/2</a:t>
+              <a:t>2023/11/22</a:t>
             </a:fld>
             <a:endParaRPr kumimoji="1" lang="ja-JP" altLang="en-US"/>
           </a:p>
@@ -2797,7 +2798,7 @@
           <a:p>
             <a:fld id="{D63D519C-9325-DD4F-A5F6-0AFD37CE8635}" type="datetime1">
               <a:rPr kumimoji="1" lang="ja-JP" altLang="en-US" smtClean="0"/>
-              <a:t>2023/7/2</a:t>
+              <a:t>2023/11/22</a:t>
             </a:fld>
             <a:endParaRPr kumimoji="1" lang="ja-JP" altLang="en-US"/>
           </a:p>
@@ -3134,7 +3135,7 @@
           <a:p>
             <a:fld id="{5503B069-C866-8C47-A1B1-6AEF053A8792}" type="datetime1">
               <a:rPr kumimoji="1" lang="ja-JP" altLang="en-US" smtClean="0"/>
-              <a:t>2023/7/2</a:t>
+              <a:t>2023/11/22</a:t>
             </a:fld>
             <a:endParaRPr kumimoji="1" lang="ja-JP" altLang="en-US"/>
           </a:p>
@@ -3419,7 +3420,7 @@
           <a:p>
             <a:fld id="{C183513C-F2F4-B940-8F47-6502D3E9B9CA}" type="datetime1">
               <a:rPr kumimoji="1" lang="ja-JP" altLang="en-US" smtClean="0"/>
-              <a:t>2023/7/2</a:t>
+              <a:t>2023/11/22</a:t>
             </a:fld>
             <a:endParaRPr kumimoji="1" lang="ja-JP" altLang="en-US"/>
           </a:p>
@@ -3623,7 +3624,7 @@
             <a:fld id="{E55A93C3-7990-6040-9FF9-3C243F65B473}" type="datetime1">
               <a:rPr kumimoji="1" lang="ja-JP" altLang="en-US" smtClean="0"/>
               <a:pPr/>
-              <a:t>2023/7/2</a:t>
+              <a:t>2023/11/22</a:t>
             </a:fld>
             <a:endParaRPr kumimoji="1" lang="ja-JP" altLang="en-US"/>
           </a:p>
@@ -4040,10 +4041,69 @@
       </p:grpSpPr>
       <p:sp>
         <p:nvSpPr>
+          <p:cNvPr id="4" name="フッター プレースホルダー 3">
+            <a:extLst>
+              <a:ext uri="{FF2B5EF4-FFF2-40B4-BE49-F238E27FC236}">
+                <a16:creationId xmlns:a16="http://schemas.microsoft.com/office/drawing/2014/main" id="{F7E49DE7-7862-897C-B371-06E6FEDF265E}"/>
+              </a:ext>
+            </a:extLst>
+          </p:cNvPr>
+          <p:cNvSpPr>
+            <a:spLocks noGrp="1"/>
+          </p:cNvSpPr>
+          <p:nvPr>
+            <p:ph type="ftr" sz="quarter" idx="11"/>
+          </p:nvPr>
+        </p:nvSpPr>
+        <p:spPr/>
+        <p:txBody>
+          <a:bodyPr/>
+          <a:lstStyle/>
+          <a:p>
+            <a:r>
+              <a:rPr kumimoji="1" lang="en-US" altLang="ja-JP"/>
+              <a:t>256hax</a:t>
+            </a:r>
+            <a:endParaRPr kumimoji="1" lang="ja-JP" altLang="en-US"/>
+          </a:p>
+        </p:txBody>
+      </p:sp>
+      <p:sp>
+        <p:nvSpPr>
+          <p:cNvPr id="5" name="スライド番号プレースホルダー 4">
+            <a:extLst>
+              <a:ext uri="{FF2B5EF4-FFF2-40B4-BE49-F238E27FC236}">
+                <a16:creationId xmlns:a16="http://schemas.microsoft.com/office/drawing/2014/main" id="{ABA97F87-92C2-4EF4-49D3-3577C90BEA0D}"/>
+              </a:ext>
+            </a:extLst>
+          </p:cNvPr>
+          <p:cNvSpPr>
+            <a:spLocks noGrp="1"/>
+          </p:cNvSpPr>
+          <p:nvPr>
+            <p:ph type="sldNum" sz="quarter" idx="12"/>
+          </p:nvPr>
+        </p:nvSpPr>
+        <p:spPr/>
+        <p:txBody>
+          <a:bodyPr/>
+          <a:lstStyle/>
+          <a:p>
+            <a:fld id="{51BE5F08-58E8-9243-A834-2B76637F595D}" type="slidenum">
+              <a:rPr kumimoji="1" lang="ja-JP" altLang="en-US" smtClean="0"/>
+              <a:pPr/>
+              <a:t>0</a:t>
+            </a:fld>
+            <a:endParaRPr kumimoji="1" lang="ja-JP" altLang="en-US"/>
+          </a:p>
+        </p:txBody>
+      </p:sp>
+      <p:sp>
+        <p:nvSpPr>
           <p:cNvPr id="6" name="正方形/長方形 5">
             <a:extLst>
               <a:ext uri="{FF2B5EF4-FFF2-40B4-BE49-F238E27FC236}">
-                <a16:creationId xmlns:a16="http://schemas.microsoft.com/office/drawing/2014/main" id="{53608DB9-28A6-8C8E-94D8-148CA098C4C8}"/>
+                <a16:creationId xmlns:a16="http://schemas.microsoft.com/office/drawing/2014/main" id="{4E2DCA89-BB33-D108-39FE-58365D36BA63}"/>
               </a:ext>
             </a:extLst>
           </p:cNvPr>
@@ -4090,57 +4150,40 @@
           </a:p>
         </p:txBody>
       </p:sp>
-      <p:sp>
-        <p:nvSpPr>
-          <p:cNvPr id="7" name="テキスト ボックス 6">
+      <p:pic>
+        <p:nvPicPr>
+          <p:cNvPr id="7" name="図 6">
             <a:extLst>
               <a:ext uri="{FF2B5EF4-FFF2-40B4-BE49-F238E27FC236}">
-                <a16:creationId xmlns:a16="http://schemas.microsoft.com/office/drawing/2014/main" id="{AAA6BC4D-62FA-67D1-1518-40702184CF2D}"/>
+                <a16:creationId xmlns:a16="http://schemas.microsoft.com/office/drawing/2014/main" id="{A323ECD1-E375-5FE8-D636-4FCFB0435F72}"/>
               </a:ext>
             </a:extLst>
           </p:cNvPr>
-          <p:cNvSpPr txBox="1"/>
+          <p:cNvPicPr>
+            <a:picLocks noChangeAspect="1"/>
+          </p:cNvPicPr>
           <p:nvPr/>
-        </p:nvSpPr>
+        </p:nvPicPr>
+        <p:blipFill>
+          <a:blip r:embed="rId2"/>
+          <a:stretch>
+            <a:fillRect/>
+          </a:stretch>
+        </p:blipFill>
         <p:spPr>
           <a:xfrm>
-            <a:off x="5473065" y="3244334"/>
-            <a:ext cx="1245870" cy="369332"/>
+            <a:off x="5065983" y="2398983"/>
+            <a:ext cx="2060035" cy="2060035"/>
           </a:xfrm>
           <a:prstGeom prst="rect">
             <a:avLst/>
           </a:prstGeom>
-          <a:noFill/>
-        </p:spPr>
-        <p:txBody>
-          <a:bodyPr wrap="square" rtlCol="0">
-            <a:spAutoFit/>
-          </a:bodyPr>
-          <a:lstStyle/>
-          <a:p>
-            <a:pPr algn="ctr"/>
-            <a:r>
-              <a:rPr lang="en-US" altLang="ja-JP" dirty="0">
-                <a:solidFill>
-                  <a:schemeClr val="bg1"/>
-                </a:solidFill>
-                <a:latin typeface="Helvetica" pitchFamily="2" charset="0"/>
-              </a:rPr>
-              <a:t>Mad Mints</a:t>
-            </a:r>
-            <a:endParaRPr kumimoji="1" lang="ja-JP" altLang="en-US">
-              <a:solidFill>
-                <a:schemeClr val="bg1"/>
-              </a:solidFill>
-              <a:latin typeface="Helvetica" pitchFamily="2" charset="0"/>
-            </a:endParaRPr>
-          </a:p>
-        </p:txBody>
-      </p:sp>
+        </p:spPr>
+      </p:pic>
     </p:spTree>
     <p:extLst>
       <p:ext uri="{BB962C8B-B14F-4D97-AF65-F5344CB8AC3E}">
-        <p14:creationId xmlns:p14="http://schemas.microsoft.com/office/powerpoint/2010/main" val="2308559537"/>
+        <p14:creationId xmlns:p14="http://schemas.microsoft.com/office/powerpoint/2010/main" val="3581474354"/>
       </p:ext>
     </p:extLst>
   </p:cSld>
@@ -4696,7 +4739,7 @@
             <a:pPr algn="ctr"/>
             <a:r>
               <a:rPr kumimoji="1" lang="en-US" altLang="ja-JP" sz="2000" dirty="0"/>
-              <a:t>Experiment purpose only.</a:t>
+              <a:t>Experimental purpose only.</a:t>
             </a:r>
             <a:endParaRPr kumimoji="1" lang="ja-JP" altLang="en-US" sz="2000" dirty="0"/>
           </a:p>
@@ -6074,10 +6117,100 @@
       </p:grpSpPr>
       <p:sp>
         <p:nvSpPr>
+          <p:cNvPr id="2" name="タイトル 1">
+            <a:extLst>
+              <a:ext uri="{FF2B5EF4-FFF2-40B4-BE49-F238E27FC236}">
+                <a16:creationId xmlns:a16="http://schemas.microsoft.com/office/drawing/2014/main" id="{5B418A2D-8F5C-4FC4-862D-632540C16D2A}"/>
+              </a:ext>
+            </a:extLst>
+          </p:cNvPr>
+          <p:cNvSpPr>
+            <a:spLocks noGrp="1"/>
+          </p:cNvSpPr>
+          <p:nvPr>
+            <p:ph type="title"/>
+          </p:nvPr>
+        </p:nvSpPr>
+        <p:spPr/>
+        <p:txBody>
+          <a:bodyPr/>
+          <a:lstStyle/>
+          <a:p>
+            <a:r>
+              <a:rPr kumimoji="1" lang="en-US" altLang="ja-JP" dirty="0"/>
+              <a:t>Note</a:t>
+            </a:r>
+            <a:endParaRPr kumimoji="1" lang="ja-JP" altLang="en-US"/>
+          </a:p>
+        </p:txBody>
+      </p:sp>
+      <p:sp>
+        <p:nvSpPr>
+          <p:cNvPr id="3" name="コンテンツ プレースホルダー 2">
+            <a:extLst>
+              <a:ext uri="{FF2B5EF4-FFF2-40B4-BE49-F238E27FC236}">
+                <a16:creationId xmlns:a16="http://schemas.microsoft.com/office/drawing/2014/main" id="{69F66463-AAC8-19B6-CAE1-2758FE644155}"/>
+              </a:ext>
+            </a:extLst>
+          </p:cNvPr>
+          <p:cNvSpPr>
+            <a:spLocks noGrp="1"/>
+          </p:cNvSpPr>
+          <p:nvPr>
+            <p:ph idx="1"/>
+          </p:nvPr>
+        </p:nvSpPr>
+        <p:spPr/>
+        <p:txBody>
+          <a:bodyPr/>
+          <a:lstStyle/>
+          <a:p>
+            <a:r>
+              <a:rPr lang="en-US" altLang="ja-JP" dirty="0"/>
+              <a:t>I made only Mad Mints example codes.</a:t>
+            </a:r>
+          </a:p>
+          <a:p>
+            <a:r>
+              <a:rPr lang="en-US" altLang="ja-JP" dirty="0"/>
+              <a:t>If you need to inquire "Mad Mints" brand, please contact Armani (@</a:t>
+            </a:r>
+            <a:r>
+              <a:rPr lang="en-US" altLang="ja-JP" dirty="0" err="1">
+                <a:effectLst/>
+              </a:rPr>
+              <a:t>armaniferrante</a:t>
+            </a:r>
+            <a:r>
+              <a:rPr lang="en-US" altLang="ja-JP" dirty="0"/>
+              <a:t>).</a:t>
+            </a:r>
+          </a:p>
+          <a:p>
+            <a:endParaRPr lang="en-US" altLang="ja-JP" dirty="0"/>
+          </a:p>
+          <a:p>
+            <a:r>
+              <a:rPr lang="en-US" altLang="ja-JP" dirty="0"/>
+              <a:t>Mad Mints logo(fan art) was created by @</a:t>
+            </a:r>
+            <a:r>
+              <a:rPr lang="en-US" altLang="ja-JP" dirty="0" err="1"/>
+              <a:t>shiroperu</a:t>
+            </a:r>
+            <a:r>
+              <a:rPr lang="en-US" altLang="ja-JP" dirty="0"/>
+              <a:t> (Designer).</a:t>
+            </a:r>
+          </a:p>
+        </p:txBody>
+      </p:sp>
+      <p:sp>
+        <p:nvSpPr>
           <p:cNvPr id="4" name="フッター プレースホルダー 3">
             <a:extLst>
               <a:ext uri="{FF2B5EF4-FFF2-40B4-BE49-F238E27FC236}">
-                <a16:creationId xmlns:a16="http://schemas.microsoft.com/office/drawing/2014/main" id="{F7E49DE7-7862-897C-B371-06E6FEDF265E}"/>
+                <a16:creationId xmlns:a16="http://schemas.microsoft.com/office/drawing/2014/main" id="{A538AE74-623C-012A-A852-6BF59C64A6EA}"/>
               </a:ext>
             </a:extLst>
           </p:cNvPr>
@@ -6106,7 +6239,7 @@
           <p:cNvPr id="5" name="スライド番号プレースホルダー 4">
             <a:extLst>
               <a:ext uri="{FF2B5EF4-FFF2-40B4-BE49-F238E27FC236}">
-                <a16:creationId xmlns:a16="http://schemas.microsoft.com/office/drawing/2014/main" id="{ABA97F87-92C2-4EF4-49D3-3577C90BEA0D}"/>
+                <a16:creationId xmlns:a16="http://schemas.microsoft.com/office/drawing/2014/main" id="{E7FB1968-9423-B9AA-3124-1CD1588A70CD}"/>
               </a:ext>
             </a:extLst>
           </p:cNvPr>
@@ -6133,10 +6266,89 @@
       </p:sp>
       <p:sp>
         <p:nvSpPr>
+          <p:cNvPr id="6" name="テキスト ボックス 5">
+            <a:extLst>
+              <a:ext uri="{FF2B5EF4-FFF2-40B4-BE49-F238E27FC236}">
+                <a16:creationId xmlns:a16="http://schemas.microsoft.com/office/drawing/2014/main" id="{5F6EC9EB-8D51-D295-31F1-87A144421D5F}"/>
+              </a:ext>
+            </a:extLst>
+          </p:cNvPr>
+          <p:cNvSpPr txBox="1"/>
+          <p:nvPr/>
+        </p:nvSpPr>
+        <p:spPr>
+          <a:xfrm>
+            <a:off x="10729139" y="9225"/>
+            <a:ext cx="1443600" cy="315912"/>
+          </a:xfrm>
+          <a:prstGeom prst="rect">
+            <a:avLst/>
+          </a:prstGeom>
+          <a:noFill/>
+        </p:spPr>
+        <p:txBody>
+          <a:bodyPr wrap="square" rtlCol="0">
+            <a:noAutofit/>
+          </a:bodyPr>
+          <a:lstStyle/>
+          <a:p>
+            <a:pPr algn="r"/>
+            <a:r>
+              <a:rPr kumimoji="1" lang="en-US" altLang="ja-JP" sz="1200"/>
+              <a:t>JST Nov 2</a:t>
+            </a:r>
+            <a:r>
+              <a:rPr kumimoji="1" lang="en-US" altLang="ja-JP" sz="1200" dirty="0"/>
+              <a:t>2</a:t>
+            </a:r>
+            <a:r>
+              <a:rPr kumimoji="1" lang="en-US" altLang="ja-JP" sz="1200"/>
+              <a:t> </a:t>
+            </a:r>
+            <a:r>
+              <a:rPr kumimoji="1" lang="en-US" altLang="ja-JP" sz="1200" dirty="0"/>
+              <a:t>2023</a:t>
+            </a:r>
+            <a:endParaRPr kumimoji="1" lang="ja-JP" altLang="en-US" sz="1200" dirty="0"/>
+          </a:p>
+        </p:txBody>
+      </p:sp>
+    </p:spTree>
+    <p:extLst>
+      <p:ext uri="{BB962C8B-B14F-4D97-AF65-F5344CB8AC3E}">
+        <p14:creationId xmlns:p14="http://schemas.microsoft.com/office/powerpoint/2010/main" val="1699744259"/>
+      </p:ext>
+    </p:extLst>
+  </p:cSld>
+  <p:clrMapOvr>
+    <a:masterClrMapping/>
+  </p:clrMapOvr>
+</p:sld>
+</file>
+
+<file path=ppt/slides/slide14.xml><?xml version="1.0" encoding="utf-8"?>
+<p:sld xmlns:a="http://schemas.openxmlformats.org/drawingml/2006/main" xmlns:r="http://schemas.openxmlformats.org/officeDocument/2006/relationships" xmlns:p="http://schemas.openxmlformats.org/presentationml/2006/main">
+  <p:cSld>
+    <p:spTree>
+      <p:nvGrpSpPr>
+        <p:cNvPr id="1" name=""/>
+        <p:cNvGrpSpPr/>
+        <p:nvPr/>
+      </p:nvGrpSpPr>
+      <p:grpSpPr>
+        <a:xfrm>
+          <a:off x="0" y="0"/>
+          <a:ext cx="0" cy="0"/>
+          <a:chOff x="0" y="0"/>
+          <a:chExt cx="0" cy="0"/>
+        </a:xfrm>
+      </p:grpSpPr>
+      <p:sp>
+        <p:nvSpPr>
           <p:cNvPr id="6" name="正方形/長方形 5">
             <a:extLst>
               <a:ext uri="{FF2B5EF4-FFF2-40B4-BE49-F238E27FC236}">
-                <a16:creationId xmlns:a16="http://schemas.microsoft.com/office/drawing/2014/main" id="{4E2DCA89-BB33-D108-39FE-58365D36BA63}"/>
+                <a16:creationId xmlns:a16="http://schemas.microsoft.com/office/drawing/2014/main" id="{53608DB9-28A6-8C8E-94D8-148CA098C4C8}"/>
               </a:ext>
             </a:extLst>
           </p:cNvPr>
@@ -6185,10 +6397,10 @@
       </p:sp>
       <p:pic>
         <p:nvPicPr>
-          <p:cNvPr id="7" name="図 6">
+          <p:cNvPr id="2" name="図 1">
             <a:extLst>
               <a:ext uri="{FF2B5EF4-FFF2-40B4-BE49-F238E27FC236}">
-                <a16:creationId xmlns:a16="http://schemas.microsoft.com/office/drawing/2014/main" id="{A323ECD1-E375-5FE8-D636-4FCFB0435F72}"/>
+                <a16:creationId xmlns:a16="http://schemas.microsoft.com/office/drawing/2014/main" id="{05F52001-89A0-F872-0763-0886F5FF34BE}"/>
               </a:ext>
             </a:extLst>
           </p:cNvPr>
@@ -6205,8 +6417,8 @@
         </p:blipFill>
         <p:spPr>
           <a:xfrm>
-            <a:off x="4755965" y="2398983"/>
-            <a:ext cx="2060035" cy="2060035"/>
+            <a:off x="5620385" y="3283812"/>
+            <a:ext cx="1111250" cy="290377"/>
           </a:xfrm>
           <a:prstGeom prst="rect">
             <a:avLst/>
@@ -6216,7 +6428,7 @@
     </p:spTree>
     <p:extLst>
       <p:ext uri="{BB962C8B-B14F-4D97-AF65-F5344CB8AC3E}">
-        <p14:creationId xmlns:p14="http://schemas.microsoft.com/office/powerpoint/2010/main" val="3766865862"/>
+        <p14:creationId xmlns:p14="http://schemas.microsoft.com/office/powerpoint/2010/main" val="2038872127"/>
       </p:ext>
     </p:extLst>
   </p:cSld>
